--- a/prezentácia-finálna-v2.pptx
+++ b/prezentácia-finálna-v2.pptx
@@ -5,21 +5,25 @@
     <p:sldMasterId id="2147483648" r:id="rId1"/>
   </p:sldMasterIdLst>
   <p:notesMasterIdLst>
-    <p:notesMasterId r:id="rId14"/>
+    <p:notesMasterId r:id="rId18"/>
   </p:notesMasterIdLst>
   <p:sldIdLst>
     <p:sldId id="274" r:id="rId2"/>
     <p:sldId id="292" r:id="rId3"/>
     <p:sldId id="291" r:id="rId4"/>
-    <p:sldId id="275" r:id="rId5"/>
-    <p:sldId id="285" r:id="rId6"/>
+    <p:sldId id="303" r:id="rId5"/>
+    <p:sldId id="302" r:id="rId6"/>
     <p:sldId id="261" r:id="rId7"/>
-    <p:sldId id="286" r:id="rId8"/>
-    <p:sldId id="260" r:id="rId9"/>
-    <p:sldId id="288" r:id="rId10"/>
-    <p:sldId id="258" r:id="rId11"/>
-    <p:sldId id="289" r:id="rId12"/>
-    <p:sldId id="257" r:id="rId13"/>
+    <p:sldId id="301" r:id="rId8"/>
+    <p:sldId id="297" r:id="rId9"/>
+    <p:sldId id="304" r:id="rId10"/>
+    <p:sldId id="299" r:id="rId11"/>
+    <p:sldId id="260" r:id="rId12"/>
+    <p:sldId id="295" r:id="rId13"/>
+    <p:sldId id="258" r:id="rId14"/>
+    <p:sldId id="289" r:id="rId15"/>
+    <p:sldId id="257" r:id="rId16"/>
+    <p:sldId id="294" r:id="rId17"/>
   </p:sldIdLst>
   <p:sldSz cx="12192000" cy="6858000"/>
   <p:notesSz cx="6858000" cy="9144000"/>
@@ -121,6 +125,9 @@
   <p:extLst>
     <p:ext uri="{521415D9-36F7-43E2-AB2F-B90AF26B5E84}">
       <p14:sectionLst xmlns:p14="http://schemas.microsoft.com/office/powerpoint/2010/main">
+        <p14:section name="Sekcia obsahu" id="{F5E8FF01-C5F9-44DA-B4E5-3C7E6B8A1324}">
+          <p14:sldIdLst/>
+        </p14:section>
         <p14:section name="." id="{1A3D2A72-660D-499B-AE66-9FB401D01A00}">
           <p14:sldIdLst>
             <p14:sldId id="274"/>
@@ -134,24 +141,27 @@
         </p14:section>
         <p14:section name="Úvod" id="{7A83D441-2D82-4971-8B09-909D3DA736D0}">
           <p14:sldIdLst>
-            <p14:sldId id="275"/>
+            <p14:sldId id="303"/>
           </p14:sldIdLst>
         </p14:section>
         <p14:section name="Obsah práce" id="{BC4FAE69-DF12-4CF8-A456-BF88A0D803D5}">
           <p14:sldIdLst>
-            <p14:sldId id="285"/>
+            <p14:sldId id="302"/>
             <p14:sldId id="261"/>
           </p14:sldIdLst>
         </p14:section>
         <p14:section name="Pracovné listy" id="{FBF00EC0-BCE5-45B6-BD5E-8A03F42ECA61}">
           <p14:sldIdLst>
-            <p14:sldId id="286"/>
+            <p14:sldId id="301"/>
+            <p14:sldId id="297"/>
+            <p14:sldId id="304"/>
+            <p14:sldId id="299"/>
             <p14:sldId id="260"/>
           </p14:sldIdLst>
         </p14:section>
         <p14:section name="Spätná väzba" id="{8BED1259-0B7D-41C4-A2E0-C22E26144656}">
           <p14:sldIdLst>
-            <p14:sldId id="288"/>
+            <p14:sldId id="295"/>
             <p14:sldId id="258"/>
           </p14:sldIdLst>
         </p14:section>
@@ -159,6 +169,11 @@
           <p14:sldIdLst>
             <p14:sldId id="289"/>
             <p14:sldId id="257"/>
+          </p14:sldIdLst>
+        </p14:section>
+        <p14:section name="Poďakovanie" id="{ABE1EC63-2E72-4073-AD7B-2C8F0D8676FD}">
+          <p14:sldIdLst>
+            <p14:sldId id="294"/>
           </p14:sldIdLst>
         </p14:section>
       </p14:sectionLst>
@@ -255,7 +270,7 @@
           <a:p>
             <a:fld id="{C88AA305-93E8-483D-AA91-3BB1CFB17019}" type="datetimeFigureOut">
               <a:rPr lang="sk-SK" smtClean="0"/>
-              <a:t>2. 2. 2023</a:t>
+              <a:t>4. 2. 2023</a:t>
             </a:fld>
             <a:endParaRPr lang="sk-SK"/>
           </a:p>
@@ -607,6 +622,261 @@
 </p:notes>
 </file>
 
+<file path=ppt/notesSlides/notesSlide10.xml><?xml version="1.0" encoding="utf-8"?>
+<p:notes xmlns:a="http://schemas.openxmlformats.org/drawingml/2006/main" xmlns:r="http://schemas.openxmlformats.org/officeDocument/2006/relationships" xmlns:p="http://schemas.openxmlformats.org/presentationml/2006/main">
+  <p:cSld>
+    <p:spTree>
+      <p:nvGrpSpPr>
+        <p:cNvPr id="1" name=""/>
+        <p:cNvGrpSpPr/>
+        <p:nvPr/>
+      </p:nvGrpSpPr>
+      <p:grpSpPr>
+        <a:xfrm>
+          <a:off x="0" y="0"/>
+          <a:ext cx="0" cy="0"/>
+          <a:chOff x="0" y="0"/>
+          <a:chExt cx="0" cy="0"/>
+        </a:xfrm>
+      </p:grpSpPr>
+      <p:sp>
+        <p:nvSpPr>
+          <p:cNvPr id="2" name="Zástupný symbol obrázka snímky 1"/>
+          <p:cNvSpPr>
+            <a:spLocks noGrp="1" noRot="1" noChangeAspect="1"/>
+          </p:cNvSpPr>
+          <p:nvPr>
+            <p:ph type="sldImg"/>
+          </p:nvPr>
+        </p:nvSpPr>
+        <p:spPr/>
+      </p:sp>
+      <p:sp>
+        <p:nvSpPr>
+          <p:cNvPr id="3" name="Zástupný symbol poznámok 2"/>
+          <p:cNvSpPr>
+            <a:spLocks noGrp="1"/>
+          </p:cNvSpPr>
+          <p:nvPr>
+            <p:ph type="body" idx="1"/>
+          </p:nvPr>
+        </p:nvSpPr>
+        <p:spPr/>
+        <p:txBody>
+          <a:bodyPr/>
+          <a:lstStyle/>
+          <a:p>
+            <a:endParaRPr lang="sk-SK"/>
+          </a:p>
+        </p:txBody>
+      </p:sp>
+      <p:sp>
+        <p:nvSpPr>
+          <p:cNvPr id="4" name="Zástupný symbol čísla snímky 3"/>
+          <p:cNvSpPr>
+            <a:spLocks noGrp="1"/>
+          </p:cNvSpPr>
+          <p:nvPr>
+            <p:ph type="sldNum" sz="quarter" idx="5"/>
+          </p:nvPr>
+        </p:nvSpPr>
+        <p:spPr/>
+        <p:txBody>
+          <a:bodyPr/>
+          <a:lstStyle/>
+          <a:p>
+            <a:pPr rtl="0"/>
+            <a:fld id="{BC849E9A-41F7-4779-A581-48A7C374A227}" type="slidenum">
+              <a:rPr lang="sk-SK" smtClean="0"/>
+              <a:t>12</a:t>
+            </a:fld>
+            <a:endParaRPr lang="sk-SK"/>
+          </a:p>
+        </p:txBody>
+      </p:sp>
+    </p:spTree>
+    <p:extLst>
+      <p:ext uri="{BB962C8B-B14F-4D97-AF65-F5344CB8AC3E}">
+        <p14:creationId xmlns:p14="http://schemas.microsoft.com/office/powerpoint/2010/main" val="4216067300"/>
+      </p:ext>
+    </p:extLst>
+  </p:cSld>
+  <p:clrMapOvr>
+    <a:masterClrMapping/>
+  </p:clrMapOvr>
+</p:notes>
+</file>
+
+<file path=ppt/notesSlides/notesSlide11.xml><?xml version="1.0" encoding="utf-8"?>
+<p:notes xmlns:a="http://schemas.openxmlformats.org/drawingml/2006/main" xmlns:r="http://schemas.openxmlformats.org/officeDocument/2006/relationships" xmlns:p="http://schemas.openxmlformats.org/presentationml/2006/main">
+  <p:cSld>
+    <p:spTree>
+      <p:nvGrpSpPr>
+        <p:cNvPr id="1" name=""/>
+        <p:cNvGrpSpPr/>
+        <p:nvPr/>
+      </p:nvGrpSpPr>
+      <p:grpSpPr>
+        <a:xfrm>
+          <a:off x="0" y="0"/>
+          <a:ext cx="0" cy="0"/>
+          <a:chOff x="0" y="0"/>
+          <a:chExt cx="0" cy="0"/>
+        </a:xfrm>
+      </p:grpSpPr>
+      <p:sp>
+        <p:nvSpPr>
+          <p:cNvPr id="2" name="Zástupný symbol obrázka snímky 1"/>
+          <p:cNvSpPr>
+            <a:spLocks noGrp="1" noRot="1" noChangeAspect="1"/>
+          </p:cNvSpPr>
+          <p:nvPr>
+            <p:ph type="sldImg"/>
+          </p:nvPr>
+        </p:nvSpPr>
+        <p:spPr/>
+      </p:sp>
+      <p:sp>
+        <p:nvSpPr>
+          <p:cNvPr id="3" name="Zástupný symbol poznámok 2"/>
+          <p:cNvSpPr>
+            <a:spLocks noGrp="1"/>
+          </p:cNvSpPr>
+          <p:nvPr>
+            <p:ph type="body" idx="1"/>
+          </p:nvPr>
+        </p:nvSpPr>
+        <p:spPr/>
+        <p:txBody>
+          <a:bodyPr/>
+          <a:lstStyle/>
+          <a:p>
+            <a:endParaRPr lang="sk-SK"/>
+          </a:p>
+        </p:txBody>
+      </p:sp>
+      <p:sp>
+        <p:nvSpPr>
+          <p:cNvPr id="4" name="Zástupný symbol čísla snímky 3"/>
+          <p:cNvSpPr>
+            <a:spLocks noGrp="1"/>
+          </p:cNvSpPr>
+          <p:nvPr>
+            <p:ph type="sldNum" sz="quarter" idx="5"/>
+          </p:nvPr>
+        </p:nvSpPr>
+        <p:spPr/>
+        <p:txBody>
+          <a:bodyPr/>
+          <a:lstStyle/>
+          <a:p>
+            <a:pPr rtl="0"/>
+            <a:fld id="{BC849E9A-41F7-4779-A581-48A7C374A227}" type="slidenum">
+              <a:rPr lang="sk-SK" smtClean="0"/>
+              <a:t>14</a:t>
+            </a:fld>
+            <a:endParaRPr lang="sk-SK"/>
+          </a:p>
+        </p:txBody>
+      </p:sp>
+    </p:spTree>
+    <p:extLst>
+      <p:ext uri="{BB962C8B-B14F-4D97-AF65-F5344CB8AC3E}">
+        <p14:creationId xmlns:p14="http://schemas.microsoft.com/office/powerpoint/2010/main" val="4154464153"/>
+      </p:ext>
+    </p:extLst>
+  </p:cSld>
+  <p:clrMapOvr>
+    <a:masterClrMapping/>
+  </p:clrMapOvr>
+</p:notes>
+</file>
+
+<file path=ppt/notesSlides/notesSlide12.xml><?xml version="1.0" encoding="utf-8"?>
+<p:notes xmlns:a="http://schemas.openxmlformats.org/drawingml/2006/main" xmlns:r="http://schemas.openxmlformats.org/officeDocument/2006/relationships" xmlns:p="http://schemas.openxmlformats.org/presentationml/2006/main">
+  <p:cSld>
+    <p:spTree>
+      <p:nvGrpSpPr>
+        <p:cNvPr id="1" name=""/>
+        <p:cNvGrpSpPr/>
+        <p:nvPr/>
+      </p:nvGrpSpPr>
+      <p:grpSpPr>
+        <a:xfrm>
+          <a:off x="0" y="0"/>
+          <a:ext cx="0" cy="0"/>
+          <a:chOff x="0" y="0"/>
+          <a:chExt cx="0" cy="0"/>
+        </a:xfrm>
+      </p:grpSpPr>
+      <p:sp>
+        <p:nvSpPr>
+          <p:cNvPr id="2" name="Zástupný symbol obrázka snímky 1"/>
+          <p:cNvSpPr>
+            <a:spLocks noGrp="1" noRot="1" noChangeAspect="1"/>
+          </p:cNvSpPr>
+          <p:nvPr>
+            <p:ph type="sldImg"/>
+          </p:nvPr>
+        </p:nvSpPr>
+        <p:spPr/>
+      </p:sp>
+      <p:sp>
+        <p:nvSpPr>
+          <p:cNvPr id="3" name="Zástupný symbol poznámok 2"/>
+          <p:cNvSpPr>
+            <a:spLocks noGrp="1"/>
+          </p:cNvSpPr>
+          <p:nvPr>
+            <p:ph type="body" idx="1"/>
+          </p:nvPr>
+        </p:nvSpPr>
+        <p:spPr/>
+        <p:txBody>
+          <a:bodyPr/>
+          <a:lstStyle/>
+          <a:p>
+            <a:endParaRPr lang="sk-SK"/>
+          </a:p>
+        </p:txBody>
+      </p:sp>
+      <p:sp>
+        <p:nvSpPr>
+          <p:cNvPr id="4" name="Zástupný symbol čísla snímky 3"/>
+          <p:cNvSpPr>
+            <a:spLocks noGrp="1"/>
+          </p:cNvSpPr>
+          <p:nvPr>
+            <p:ph type="sldNum" sz="quarter" idx="5"/>
+          </p:nvPr>
+        </p:nvSpPr>
+        <p:spPr/>
+        <p:txBody>
+          <a:bodyPr/>
+          <a:lstStyle/>
+          <a:p>
+            <a:pPr rtl="0"/>
+            <a:fld id="{BC849E9A-41F7-4779-A581-48A7C374A227}" type="slidenum">
+              <a:rPr lang="sk-SK" smtClean="0"/>
+              <a:t>16</a:t>
+            </a:fld>
+            <a:endParaRPr lang="sk-SK"/>
+          </a:p>
+        </p:txBody>
+      </p:sp>
+    </p:spTree>
+    <p:extLst>
+      <p:ext uri="{BB962C8B-B14F-4D97-AF65-F5344CB8AC3E}">
+        <p14:creationId xmlns:p14="http://schemas.microsoft.com/office/powerpoint/2010/main" val="3039839374"/>
+      </p:ext>
+    </p:extLst>
+  </p:cSld>
+  <p:clrMapOvr>
+    <a:masterClrMapping/>
+  </p:clrMapOvr>
+</p:notes>
+</file>
+
 <file path=ppt/notesSlides/notesSlide2.xml><?xml version="1.0" encoding="utf-8"?>
 <p:notes xmlns:a="http://schemas.openxmlformats.org/drawingml/2006/main" xmlns:r="http://schemas.openxmlformats.org/officeDocument/2006/relationships" xmlns:p="http://schemas.openxmlformats.org/presentationml/2006/main">
   <p:cSld>
@@ -821,7 +1091,7 @@
           <a:bodyPr/>
           <a:lstStyle/>
           <a:p>
-            <a:endParaRPr lang="sk-SK" dirty="0"/>
+            <a:endParaRPr lang="sk-SK"/>
           </a:p>
         </p:txBody>
       </p:sp>
@@ -845,14 +1115,14 @@
               <a:rPr lang="sk-SK" smtClean="0"/>
               <a:t>4</a:t>
             </a:fld>
-            <a:endParaRPr lang="sk-SK" dirty="0"/>
+            <a:endParaRPr lang="sk-SK"/>
           </a:p>
         </p:txBody>
       </p:sp>
     </p:spTree>
     <p:extLst>
       <p:ext uri="{BB962C8B-B14F-4D97-AF65-F5344CB8AC3E}">
-        <p14:creationId xmlns:p14="http://schemas.microsoft.com/office/powerpoint/2010/main" val="3882711750"/>
+        <p14:creationId xmlns:p14="http://schemas.microsoft.com/office/powerpoint/2010/main" val="3093640591"/>
       </p:ext>
     </p:extLst>
   </p:cSld>
@@ -906,7 +1176,7 @@
           <a:bodyPr/>
           <a:lstStyle/>
           <a:p>
-            <a:endParaRPr lang="sk-SK" dirty="0"/>
+            <a:endParaRPr lang="sk-SK"/>
           </a:p>
         </p:txBody>
       </p:sp>
@@ -930,14 +1200,14 @@
               <a:rPr lang="sk-SK" smtClean="0"/>
               <a:t>5</a:t>
             </a:fld>
-            <a:endParaRPr lang="sk-SK" dirty="0"/>
+            <a:endParaRPr lang="sk-SK"/>
           </a:p>
         </p:txBody>
       </p:sp>
     </p:spTree>
     <p:extLst>
       <p:ext uri="{BB962C8B-B14F-4D97-AF65-F5344CB8AC3E}">
-        <p14:creationId xmlns:p14="http://schemas.microsoft.com/office/powerpoint/2010/main" val="2524488342"/>
+        <p14:creationId xmlns:p14="http://schemas.microsoft.com/office/powerpoint/2010/main" val="2497352965"/>
       </p:ext>
     </p:extLst>
   </p:cSld>
@@ -1022,7 +1292,7 @@
     </p:spTree>
     <p:extLst>
       <p:ext uri="{BB962C8B-B14F-4D97-AF65-F5344CB8AC3E}">
-        <p14:creationId xmlns:p14="http://schemas.microsoft.com/office/powerpoint/2010/main" val="3001780905"/>
+        <p14:creationId xmlns:p14="http://schemas.microsoft.com/office/powerpoint/2010/main" val="1544607664"/>
       </p:ext>
     </p:extLst>
   </p:cSld>
@@ -1098,7 +1368,7 @@
             <a:pPr rtl="0"/>
             <a:fld id="{BC849E9A-41F7-4779-A581-48A7C374A227}" type="slidenum">
               <a:rPr lang="sk-SK" smtClean="0"/>
-              <a:t>9</a:t>
+              <a:t>8</a:t>
             </a:fld>
             <a:endParaRPr lang="sk-SK"/>
           </a:p>
@@ -1107,7 +1377,7 @@
     </p:spTree>
     <p:extLst>
       <p:ext uri="{BB962C8B-B14F-4D97-AF65-F5344CB8AC3E}">
-        <p14:creationId xmlns:p14="http://schemas.microsoft.com/office/powerpoint/2010/main" val="2387806610"/>
+        <p14:creationId xmlns:p14="http://schemas.microsoft.com/office/powerpoint/2010/main" val="2912857717"/>
       </p:ext>
     </p:extLst>
   </p:cSld>
@@ -1183,7 +1453,7 @@
             <a:pPr rtl="0"/>
             <a:fld id="{BC849E9A-41F7-4779-A581-48A7C374A227}" type="slidenum">
               <a:rPr lang="sk-SK" smtClean="0"/>
-              <a:t>11</a:t>
+              <a:t>9</a:t>
             </a:fld>
             <a:endParaRPr lang="sk-SK"/>
           </a:p>
@@ -1192,7 +1462,92 @@
     </p:spTree>
     <p:extLst>
       <p:ext uri="{BB962C8B-B14F-4D97-AF65-F5344CB8AC3E}">
-        <p14:creationId xmlns:p14="http://schemas.microsoft.com/office/powerpoint/2010/main" val="4154464153"/>
+        <p14:creationId xmlns:p14="http://schemas.microsoft.com/office/powerpoint/2010/main" val="2887091530"/>
+      </p:ext>
+    </p:extLst>
+  </p:cSld>
+  <p:clrMapOvr>
+    <a:masterClrMapping/>
+  </p:clrMapOvr>
+</p:notes>
+</file>
+
+<file path=ppt/notesSlides/notesSlide9.xml><?xml version="1.0" encoding="utf-8"?>
+<p:notes xmlns:a="http://schemas.openxmlformats.org/drawingml/2006/main" xmlns:r="http://schemas.openxmlformats.org/officeDocument/2006/relationships" xmlns:p="http://schemas.openxmlformats.org/presentationml/2006/main">
+  <p:cSld>
+    <p:spTree>
+      <p:nvGrpSpPr>
+        <p:cNvPr id="1" name=""/>
+        <p:cNvGrpSpPr/>
+        <p:nvPr/>
+      </p:nvGrpSpPr>
+      <p:grpSpPr>
+        <a:xfrm>
+          <a:off x="0" y="0"/>
+          <a:ext cx="0" cy="0"/>
+          <a:chOff x="0" y="0"/>
+          <a:chExt cx="0" cy="0"/>
+        </a:xfrm>
+      </p:grpSpPr>
+      <p:sp>
+        <p:nvSpPr>
+          <p:cNvPr id="2" name="Zástupný symbol obrázka snímky 1"/>
+          <p:cNvSpPr>
+            <a:spLocks noGrp="1" noRot="1" noChangeAspect="1"/>
+          </p:cNvSpPr>
+          <p:nvPr>
+            <p:ph type="sldImg"/>
+          </p:nvPr>
+        </p:nvSpPr>
+        <p:spPr/>
+      </p:sp>
+      <p:sp>
+        <p:nvSpPr>
+          <p:cNvPr id="3" name="Zástupný symbol poznámok 2"/>
+          <p:cNvSpPr>
+            <a:spLocks noGrp="1"/>
+          </p:cNvSpPr>
+          <p:nvPr>
+            <p:ph type="body" idx="1"/>
+          </p:nvPr>
+        </p:nvSpPr>
+        <p:spPr/>
+        <p:txBody>
+          <a:bodyPr/>
+          <a:lstStyle/>
+          <a:p>
+            <a:endParaRPr lang="sk-SK"/>
+          </a:p>
+        </p:txBody>
+      </p:sp>
+      <p:sp>
+        <p:nvSpPr>
+          <p:cNvPr id="4" name="Zástupný symbol čísla snímky 3"/>
+          <p:cNvSpPr>
+            <a:spLocks noGrp="1"/>
+          </p:cNvSpPr>
+          <p:nvPr>
+            <p:ph type="sldNum" sz="quarter" idx="5"/>
+          </p:nvPr>
+        </p:nvSpPr>
+        <p:spPr/>
+        <p:txBody>
+          <a:bodyPr/>
+          <a:lstStyle/>
+          <a:p>
+            <a:pPr rtl="0"/>
+            <a:fld id="{BC849E9A-41F7-4779-A581-48A7C374A227}" type="slidenum">
+              <a:rPr lang="sk-SK" smtClean="0"/>
+              <a:t>10</a:t>
+            </a:fld>
+            <a:endParaRPr lang="sk-SK"/>
+          </a:p>
+        </p:txBody>
+      </p:sp>
+    </p:spTree>
+    <p:extLst>
+      <p:ext uri="{BB962C8B-B14F-4D97-AF65-F5344CB8AC3E}">
+        <p14:creationId xmlns:p14="http://schemas.microsoft.com/office/powerpoint/2010/main" val="3877642174"/>
       </p:ext>
     </p:extLst>
   </p:cSld>
@@ -1349,7 +1704,7 @@
           <a:p>
             <a:fld id="{0DE0741B-E58B-4A9A-A707-9C4095F9C37B}" type="datetimeFigureOut">
               <a:rPr lang="sk-SK" smtClean="0"/>
-              <a:t>2. 2. 2023</a:t>
+              <a:t>4. 2. 2023</a:t>
             </a:fld>
             <a:endParaRPr lang="sk-SK"/>
           </a:p>
@@ -1547,7 +1902,7 @@
           <a:p>
             <a:fld id="{0DE0741B-E58B-4A9A-A707-9C4095F9C37B}" type="datetimeFigureOut">
               <a:rPr lang="sk-SK" smtClean="0"/>
-              <a:t>2. 2. 2023</a:t>
+              <a:t>4. 2. 2023</a:t>
             </a:fld>
             <a:endParaRPr lang="sk-SK"/>
           </a:p>
@@ -1755,7 +2110,7 @@
           <a:p>
             <a:fld id="{0DE0741B-E58B-4A9A-A707-9C4095F9C37B}" type="datetimeFigureOut">
               <a:rPr lang="sk-SK" smtClean="0"/>
-              <a:t>2. 2. 2023</a:t>
+              <a:t>4. 2. 2023</a:t>
             </a:fld>
             <a:endParaRPr lang="sk-SK"/>
           </a:p>
@@ -1953,7 +2308,7 @@
           <a:p>
             <a:fld id="{0DE0741B-E58B-4A9A-A707-9C4095F9C37B}" type="datetimeFigureOut">
               <a:rPr lang="sk-SK" smtClean="0"/>
-              <a:t>2. 2. 2023</a:t>
+              <a:t>4. 2. 2023</a:t>
             </a:fld>
             <a:endParaRPr lang="sk-SK"/>
           </a:p>
@@ -2228,7 +2583,7 @@
           <a:p>
             <a:fld id="{0DE0741B-E58B-4A9A-A707-9C4095F9C37B}" type="datetimeFigureOut">
               <a:rPr lang="sk-SK" smtClean="0"/>
-              <a:t>2. 2. 2023</a:t>
+              <a:t>4. 2. 2023</a:t>
             </a:fld>
             <a:endParaRPr lang="sk-SK"/>
           </a:p>
@@ -2493,7 +2848,7 @@
           <a:p>
             <a:fld id="{0DE0741B-E58B-4A9A-A707-9C4095F9C37B}" type="datetimeFigureOut">
               <a:rPr lang="sk-SK" smtClean="0"/>
-              <a:t>2. 2. 2023</a:t>
+              <a:t>4. 2. 2023</a:t>
             </a:fld>
             <a:endParaRPr lang="sk-SK"/>
           </a:p>
@@ -2905,7 +3260,7 @@
           <a:p>
             <a:fld id="{0DE0741B-E58B-4A9A-A707-9C4095F9C37B}" type="datetimeFigureOut">
               <a:rPr lang="sk-SK" smtClean="0"/>
-              <a:t>2. 2. 2023</a:t>
+              <a:t>4. 2. 2023</a:t>
             </a:fld>
             <a:endParaRPr lang="sk-SK"/>
           </a:p>
@@ -3046,7 +3401,7 @@
           <a:p>
             <a:fld id="{0DE0741B-E58B-4A9A-A707-9C4095F9C37B}" type="datetimeFigureOut">
               <a:rPr lang="sk-SK" smtClean="0"/>
-              <a:t>2. 2. 2023</a:t>
+              <a:t>4. 2. 2023</a:t>
             </a:fld>
             <a:endParaRPr lang="sk-SK"/>
           </a:p>
@@ -3159,7 +3514,7 @@
           <a:p>
             <a:fld id="{0DE0741B-E58B-4A9A-A707-9C4095F9C37B}" type="datetimeFigureOut">
               <a:rPr lang="sk-SK" smtClean="0"/>
-              <a:t>2. 2. 2023</a:t>
+              <a:t>4. 2. 2023</a:t>
             </a:fld>
             <a:endParaRPr lang="sk-SK"/>
           </a:p>
@@ -3470,7 +3825,7 @@
           <a:p>
             <a:fld id="{0DE0741B-E58B-4A9A-A707-9C4095F9C37B}" type="datetimeFigureOut">
               <a:rPr lang="sk-SK" smtClean="0"/>
-              <a:t>2. 2. 2023</a:t>
+              <a:t>4. 2. 2023</a:t>
             </a:fld>
             <a:endParaRPr lang="sk-SK"/>
           </a:p>
@@ -3758,7 +4113,7 @@
           <a:p>
             <a:fld id="{0DE0741B-E58B-4A9A-A707-9C4095F9C37B}" type="datetimeFigureOut">
               <a:rPr lang="sk-SK" smtClean="0"/>
-              <a:t>2. 2. 2023</a:t>
+              <a:t>4. 2. 2023</a:t>
             </a:fld>
             <a:endParaRPr lang="sk-SK"/>
           </a:p>
@@ -3999,7 +4354,7 @@
           <a:p>
             <a:fld id="{0DE0741B-E58B-4A9A-A707-9C4095F9C37B}" type="datetimeFigureOut">
               <a:rPr lang="sk-SK" smtClean="0"/>
-              <a:t>2. 2. 2023</a:t>
+              <a:t>4. 2. 2023</a:t>
             </a:fld>
             <a:endParaRPr lang="sk-SK"/>
           </a:p>
@@ -5284,13 +5639,13 @@
   <p:clrMapOvr>
     <a:masterClrMapping/>
   </p:clrMapOvr>
-  <mc:AlternateContent xmlns:mc="http://schemas.openxmlformats.org/markup-compatibility/2006">
-    <mc:Choice xmlns:p159="http://schemas.microsoft.com/office/powerpoint/2015/09/main" Requires="p159">
+  <mc:AlternateContent xmlns:mc="http://schemas.openxmlformats.org/markup-compatibility/2006" xmlns:p159="http://schemas.microsoft.com/office/powerpoint/2015/09/main">
+    <mc:Choice Requires="p159">
       <p:transition spd="slow">
         <p159:morph option="byObject"/>
       </p:transition>
     </mc:Choice>
-    <mc:Fallback>
+    <mc:Fallback xmlns="">
       <p:transition spd="slow">
         <p:fade/>
       </p:transition>
@@ -5300,89 +5655,6 @@
 </file>
 
 <file path=ppt/slides/slide10.xml><?xml version="1.0" encoding="utf-8"?>
-<p:sld xmlns:a="http://schemas.openxmlformats.org/drawingml/2006/main" xmlns:r="http://schemas.openxmlformats.org/officeDocument/2006/relationships" xmlns:p="http://schemas.openxmlformats.org/presentationml/2006/main" show="0">
-  <p:cSld>
-    <p:spTree>
-      <p:nvGrpSpPr>
-        <p:cNvPr id="1" name=""/>
-        <p:cNvGrpSpPr/>
-        <p:nvPr/>
-      </p:nvGrpSpPr>
-      <p:grpSpPr>
-        <a:xfrm>
-          <a:off x="0" y="0"/>
-          <a:ext cx="0" cy="0"/>
-          <a:chOff x="0" y="0"/>
-          <a:chExt cx="0" cy="0"/>
-        </a:xfrm>
-      </p:grpSpPr>
-      <p:sp>
-        <p:nvSpPr>
-          <p:cNvPr id="2" name="Nadpis 1">
-            <a:extLst>
-              <a:ext uri="{FF2B5EF4-FFF2-40B4-BE49-F238E27FC236}">
-                <a16:creationId xmlns:a16="http://schemas.microsoft.com/office/drawing/2014/main" id="{EFF9E1E9-C18C-B042-E20D-BD764C02CD04}"/>
-              </a:ext>
-            </a:extLst>
-          </p:cNvPr>
-          <p:cNvSpPr>
-            <a:spLocks noGrp="1"/>
-          </p:cNvSpPr>
-          <p:nvPr>
-            <p:ph type="title"/>
-          </p:nvPr>
-        </p:nvSpPr>
-        <p:spPr/>
-        <p:txBody>
-          <a:bodyPr/>
-          <a:lstStyle/>
-          <a:p>
-            <a:endParaRPr lang="sk-SK"/>
-          </a:p>
-        </p:txBody>
-      </p:sp>
-      <p:sp>
-        <p:nvSpPr>
-          <p:cNvPr id="3" name="Zástupný objekt pre obsah 2">
-            <a:extLst>
-              <a:ext uri="{FF2B5EF4-FFF2-40B4-BE49-F238E27FC236}">
-                <a16:creationId xmlns:a16="http://schemas.microsoft.com/office/drawing/2014/main" id="{40C8E0D5-E28C-4E8B-8BEA-FA8BC9C6097E}"/>
-              </a:ext>
-            </a:extLst>
-          </p:cNvPr>
-          <p:cNvSpPr>
-            <a:spLocks noGrp="1"/>
-          </p:cNvSpPr>
-          <p:nvPr>
-            <p:ph idx="1"/>
-          </p:nvPr>
-        </p:nvSpPr>
-        <p:spPr/>
-        <p:txBody>
-          <a:bodyPr/>
-          <a:lstStyle/>
-          <a:p>
-            <a:r>
-              <a:rPr lang="sk-SK" dirty="0"/>
-              <a:t>Výsledky dotazníka</a:t>
-            </a:r>
-          </a:p>
-        </p:txBody>
-      </p:sp>
-    </p:spTree>
-    <p:extLst>
-      <p:ext uri="{BB962C8B-B14F-4D97-AF65-F5344CB8AC3E}">
-        <p14:creationId xmlns:p14="http://schemas.microsoft.com/office/powerpoint/2010/main" val="1609034069"/>
-      </p:ext>
-    </p:extLst>
-  </p:cSld>
-  <p:clrMapOvr>
-    <a:masterClrMapping/>
-  </p:clrMapOvr>
-</p:sld>
-</file>
-
-<file path=ppt/slides/slide11.xml><?xml version="1.0" encoding="utf-8"?>
 <p:sld xmlns:a="http://schemas.openxmlformats.org/drawingml/2006/main" xmlns:r="http://schemas.openxmlformats.org/officeDocument/2006/relationships" xmlns:p="http://schemas.openxmlformats.org/presentationml/2006/main">
   <p:cSld>
     <p:spTree>
@@ -5487,6 +5759,1475 @@
         </p:nvSpPr>
         <p:spPr>
           <a:xfrm>
+            <a:off x="1335621" y="1033358"/>
+            <a:ext cx="10096798" cy="506077"/>
+          </a:xfrm>
+          <a:prstGeom prst="rect">
+            <a:avLst/>
+          </a:prstGeom>
+        </p:spPr>
+        <p:txBody>
+          <a:bodyPr vert="horz" lIns="91440" tIns="45720" rIns="91440" bIns="45720" rtlCol="0" anchor="t">
+            <a:noAutofit/>
+          </a:bodyPr>
+          <a:lstStyle>
+            <a:lvl1pPr algn="ctr" defTabSz="914400" rtl="0" eaLnBrk="1" latinLnBrk="0" hangingPunct="1">
+              <a:lnSpc>
+                <a:spcPct val="90000"/>
+              </a:lnSpc>
+              <a:spcBef>
+                <a:spcPct val="0"/>
+              </a:spcBef>
+              <a:buNone/>
+              <a:defRPr sz="6000" kern="1200">
+                <a:solidFill>
+                  <a:schemeClr val="tx1"/>
+                </a:solidFill>
+                <a:latin typeface="+mj-lt"/>
+                <a:ea typeface="+mj-ea"/>
+                <a:cs typeface="+mj-cs"/>
+              </a:defRPr>
+            </a:lvl1pPr>
+          </a:lstStyle>
+          <a:p>
+            <a:pPr algn="r"/>
+            <a:r>
+              <a:rPr lang="sk-SK" sz="6600" dirty="0">
+                <a:solidFill>
+                  <a:schemeClr val="bg1"/>
+                </a:solidFill>
+                <a:latin typeface="Lucida Console" panose="020B0609040504020204" pitchFamily="49" charset="0"/>
+                <a:cs typeface="Segoe UI" panose="020B0502040204020203" pitchFamily="34" charset="0"/>
+              </a:rPr>
+              <a:t>TEORETICKÉ</a:t>
+            </a:r>
+          </a:p>
+          <a:p>
+            <a:pPr algn="r"/>
+            <a:r>
+              <a:rPr lang="sk-SK" sz="6600" dirty="0">
+                <a:solidFill>
+                  <a:schemeClr val="bg1"/>
+                </a:solidFill>
+                <a:latin typeface="Lucida Console" panose="020B0609040504020204" pitchFamily="49" charset="0"/>
+                <a:cs typeface="Segoe UI" panose="020B0502040204020203" pitchFamily="34" charset="0"/>
+              </a:rPr>
+              <a:t>			PRACOVNÉ  	 	</a:t>
+            </a:r>
+          </a:p>
+          <a:p>
+            <a:pPr algn="r"/>
+            <a:r>
+              <a:rPr lang="sk-SK" sz="6600" dirty="0">
+                <a:solidFill>
+                  <a:schemeClr val="bg1"/>
+                </a:solidFill>
+                <a:latin typeface="Lucida Console" panose="020B0609040504020204" pitchFamily="49" charset="0"/>
+                <a:cs typeface="Segoe UI" panose="020B0502040204020203" pitchFamily="34" charset="0"/>
+              </a:rPr>
+              <a:t>LISTY					  </a:t>
+            </a:r>
+          </a:p>
+        </p:txBody>
+      </p:sp>
+      <p:sp>
+        <p:nvSpPr>
+          <p:cNvPr id="11" name="Nadpis 1">
+            <a:extLst>
+              <a:ext uri="{FF2B5EF4-FFF2-40B4-BE49-F238E27FC236}">
+                <a16:creationId xmlns:a16="http://schemas.microsoft.com/office/drawing/2014/main" id="{0D416FD4-5952-4C85-47BE-67B5FFB3650C}"/>
+              </a:ext>
+            </a:extLst>
+          </p:cNvPr>
+          <p:cNvSpPr txBox="1">
+            <a:spLocks/>
+          </p:cNvSpPr>
+          <p:nvPr/>
+        </p:nvSpPr>
+        <p:spPr>
+          <a:xfrm>
+            <a:off x="5682326" y="4261137"/>
+            <a:ext cx="5891288" cy="2070530"/>
+          </a:xfrm>
+          <a:prstGeom prst="rect">
+            <a:avLst/>
+          </a:prstGeom>
+        </p:spPr>
+        <p:txBody>
+          <a:bodyPr vert="horz" lIns="91440" tIns="45720" rIns="91440" bIns="45720" rtlCol="0" anchor="t">
+            <a:noAutofit/>
+          </a:bodyPr>
+          <a:lstStyle>
+            <a:lvl1pPr algn="ctr" defTabSz="914400" rtl="0" eaLnBrk="1" latinLnBrk="0" hangingPunct="1">
+              <a:lnSpc>
+                <a:spcPct val="90000"/>
+              </a:lnSpc>
+              <a:spcBef>
+                <a:spcPct val="0"/>
+              </a:spcBef>
+              <a:buNone/>
+              <a:defRPr sz="6000" kern="1200">
+                <a:solidFill>
+                  <a:schemeClr val="tx1"/>
+                </a:solidFill>
+                <a:latin typeface="+mj-lt"/>
+                <a:ea typeface="+mj-ea"/>
+                <a:cs typeface="+mj-cs"/>
+              </a:defRPr>
+            </a:lvl1pPr>
+          </a:lstStyle>
+          <a:p>
+            <a:pPr algn="r"/>
+            <a:r>
+              <a:rPr lang="sk-SK" sz="1800" dirty="0">
+                <a:solidFill>
+                  <a:schemeClr val="bg1"/>
+                </a:solidFill>
+                <a:effectLst/>
+                <a:latin typeface="Lucida Console" panose="020B0609040504020204" pitchFamily="49" charset="0"/>
+              </a:rPr>
+              <a:t>Stupňovitá pyramída v </a:t>
+            </a:r>
+            <a:r>
+              <a:rPr lang="sk-SK" sz="1800" dirty="0" err="1">
+                <a:solidFill>
+                  <a:schemeClr val="bg1"/>
+                </a:solidFill>
+                <a:effectLst/>
+                <a:latin typeface="Lucida Console" panose="020B0609040504020204" pitchFamily="49" charset="0"/>
+              </a:rPr>
+              <a:t>Sakkáre</a:t>
+            </a:r>
+            <a:r>
+              <a:rPr lang="sk-SK" sz="1800" dirty="0">
+                <a:solidFill>
+                  <a:schemeClr val="bg1"/>
+                </a:solidFill>
+                <a:effectLst/>
+                <a:latin typeface="Lucida Console" panose="020B0609040504020204" pitchFamily="49" charset="0"/>
+              </a:rPr>
+              <a:t> (iné názvy: </a:t>
+            </a:r>
+            <a:r>
+              <a:rPr lang="sk-SK" sz="1800" dirty="0" err="1">
+                <a:solidFill>
+                  <a:schemeClr val="bg1"/>
+                </a:solidFill>
+                <a:effectLst/>
+                <a:latin typeface="Lucida Console" panose="020B0609040504020204" pitchFamily="49" charset="0"/>
+              </a:rPr>
+              <a:t>Džoserova</a:t>
+            </a:r>
+            <a:r>
+              <a:rPr lang="sk-SK" sz="1800" dirty="0">
+                <a:solidFill>
+                  <a:schemeClr val="bg1"/>
+                </a:solidFill>
+                <a:effectLst/>
+                <a:latin typeface="Lucida Console" panose="020B0609040504020204" pitchFamily="49" charset="0"/>
+              </a:rPr>
+              <a:t> pyramída, </a:t>
+            </a:r>
+            <a:r>
+              <a:rPr lang="sk-SK" sz="1800" dirty="0" err="1">
+                <a:solidFill>
+                  <a:schemeClr val="bg1"/>
+                </a:solidFill>
+                <a:effectLst/>
+                <a:latin typeface="Lucida Console" panose="020B0609040504020204" pitchFamily="49" charset="0"/>
+              </a:rPr>
+              <a:t>Necerichetova</a:t>
+            </a:r>
+            <a:r>
+              <a:rPr lang="sk-SK" sz="1800" dirty="0">
+                <a:solidFill>
+                  <a:schemeClr val="bg1"/>
+                </a:solidFill>
+                <a:effectLst/>
+                <a:latin typeface="Lucida Console" panose="020B0609040504020204" pitchFamily="49" charset="0"/>
+              </a:rPr>
+              <a:t> pyramída, Pyramída </a:t>
+            </a:r>
+            <a:r>
+              <a:rPr lang="sk-SK" sz="1800" dirty="0" err="1">
+                <a:solidFill>
+                  <a:schemeClr val="bg1"/>
+                </a:solidFill>
+                <a:effectLst/>
+                <a:latin typeface="Lucida Console" panose="020B0609040504020204" pitchFamily="49" charset="0"/>
+              </a:rPr>
+              <a:t>Lepsius</a:t>
+            </a:r>
+            <a:r>
+              <a:rPr lang="sk-SK" sz="1800" dirty="0">
+                <a:solidFill>
+                  <a:schemeClr val="bg1"/>
+                </a:solidFill>
+                <a:effectLst/>
+                <a:latin typeface="Lucida Console" panose="020B0609040504020204" pitchFamily="49" charset="0"/>
+              </a:rPr>
+              <a:t> XXXII) je </a:t>
+            </a:r>
+            <a:r>
+              <a:rPr lang="sk-SK" sz="1800" strike="noStrike" dirty="0">
+                <a:solidFill>
+                  <a:schemeClr val="bg1"/>
+                </a:solidFill>
+                <a:effectLst/>
+                <a:latin typeface="Lucida Console" panose="020B0609040504020204" pitchFamily="49" charset="0"/>
+              </a:rPr>
+              <a:t>staroegyptská</a:t>
+            </a:r>
+            <a:r>
+              <a:rPr lang="sk-SK" sz="1800" dirty="0">
+                <a:solidFill>
+                  <a:schemeClr val="bg1"/>
+                </a:solidFill>
+                <a:effectLst/>
+                <a:latin typeface="Lucida Console" panose="020B0609040504020204" pitchFamily="49" charset="0"/>
+              </a:rPr>
+              <a:t> pamiatka, súbor objektov starovekej pohrebnej a</a:t>
+            </a:r>
+          </a:p>
+        </p:txBody>
+      </p:sp>
+      <p:pic>
+        <p:nvPicPr>
+          <p:cNvPr id="3" name="Graphic 7">
+            <a:extLst>
+              <a:ext uri="{FF2B5EF4-FFF2-40B4-BE49-F238E27FC236}">
+                <a16:creationId xmlns:a16="http://schemas.microsoft.com/office/drawing/2014/main" id="{4B0E62A6-8B7A-7BE9-47A6-CBD705143B10}"/>
+              </a:ext>
+            </a:extLst>
+          </p:cNvPr>
+          <p:cNvPicPr>
+            <a:picLocks noChangeAspect="1"/>
+          </p:cNvPicPr>
+          <p:nvPr/>
+        </p:nvPicPr>
+        <p:blipFill>
+          <a:blip r:embed="rId3" cstate="email">
+            <a:extLst>
+              <a:ext uri="{28A0092B-C50C-407E-A947-70E740481C1C}">
+                <a14:useLocalDpi xmlns:a14="http://schemas.microsoft.com/office/drawing/2010/main"/>
+              </a:ext>
+              <a:ext uri="{96DAC541-7B7A-43D3-8B79-37D633B846F1}">
+                <asvg:svgBlip xmlns:asvg="http://schemas.microsoft.com/office/drawing/2016/SVG/main" r:embed="rId4"/>
+              </a:ext>
+            </a:extLst>
+          </a:blip>
+          <a:stretch>
+            <a:fillRect/>
+          </a:stretch>
+        </p:blipFill>
+        <p:spPr>
+          <a:xfrm rot="9275962">
+            <a:off x="6976439" y="2744195"/>
+            <a:ext cx="4880564" cy="177896"/>
+          </a:xfrm>
+          <a:prstGeom prst="rect">
+            <a:avLst/>
+          </a:prstGeom>
+        </p:spPr>
+      </p:pic>
+      <p:sp>
+        <p:nvSpPr>
+          <p:cNvPr id="6" name="BlokTextu 5">
+            <a:extLst>
+              <a:ext uri="{FF2B5EF4-FFF2-40B4-BE49-F238E27FC236}">
+                <a16:creationId xmlns:a16="http://schemas.microsoft.com/office/drawing/2014/main" id="{1526866C-7DF0-A287-164D-6EC660324283}"/>
+              </a:ext>
+            </a:extLst>
+          </p:cNvPr>
+          <p:cNvSpPr txBox="1"/>
+          <p:nvPr/>
+        </p:nvSpPr>
+        <p:spPr>
+          <a:xfrm rot="5400000">
+            <a:off x="3733405" y="5369470"/>
+            <a:ext cx="2291738" cy="369332"/>
+          </a:xfrm>
+          <a:prstGeom prst="rect">
+            <a:avLst/>
+          </a:prstGeom>
+          <a:noFill/>
+        </p:spPr>
+        <p:txBody>
+          <a:bodyPr wrap="square" rtlCol="0">
+            <a:spAutoFit/>
+          </a:bodyPr>
+          <a:lstStyle/>
+          <a:p>
+            <a:r>
+              <a:rPr lang="sk-SK" sz="1800" dirty="0">
+                <a:solidFill>
+                  <a:schemeClr val="bg1"/>
+                </a:solidFill>
+                <a:effectLst/>
+                <a:latin typeface="Lucida Console" panose="020B0609040504020204" pitchFamily="49" charset="0"/>
+              </a:rPr>
+              <a:t>Teoretický list</a:t>
+            </a:r>
+            <a:endParaRPr lang="sk-SK" dirty="0"/>
+          </a:p>
+        </p:txBody>
+      </p:sp>
+      <p:pic>
+        <p:nvPicPr>
+          <p:cNvPr id="7" name="Obrázok 6">
+            <a:extLst>
+              <a:ext uri="{FF2B5EF4-FFF2-40B4-BE49-F238E27FC236}">
+                <a16:creationId xmlns:a16="http://schemas.microsoft.com/office/drawing/2014/main" id="{682011CC-DBD7-91A9-A85A-837CA08A73AC}"/>
+              </a:ext>
+            </a:extLst>
+          </p:cNvPr>
+          <p:cNvPicPr>
+            <a:picLocks noChangeAspect="1"/>
+          </p:cNvPicPr>
+          <p:nvPr/>
+        </p:nvPicPr>
+        <p:blipFill rotWithShape="1">
+          <a:blip r:embed="rId5"/>
+          <a:srcRect l="-7" t="-200" r="393" b="-214"/>
+          <a:stretch/>
+        </p:blipFill>
+        <p:spPr>
+          <a:xfrm>
+            <a:off x="241706" y="255042"/>
+            <a:ext cx="4450026" cy="6361657"/>
+          </a:xfrm>
+          <a:prstGeom prst="rect">
+            <a:avLst/>
+          </a:prstGeom>
+          <a:ln>
+            <a:solidFill>
+              <a:schemeClr val="tx1"/>
+            </a:solidFill>
+          </a:ln>
+        </p:spPr>
+      </p:pic>
+    </p:spTree>
+    <p:extLst>
+      <p:ext uri="{BB962C8B-B14F-4D97-AF65-F5344CB8AC3E}">
+        <p14:creationId xmlns:p14="http://schemas.microsoft.com/office/powerpoint/2010/main" val="2264328065"/>
+      </p:ext>
+    </p:extLst>
+  </p:cSld>
+  <p:clrMapOvr>
+    <a:masterClrMapping/>
+  </p:clrMapOvr>
+  <mc:AlternateContent xmlns:mc="http://schemas.openxmlformats.org/markup-compatibility/2006">
+    <mc:Choice xmlns:p159="http://schemas.microsoft.com/office/powerpoint/2015/09/main" Requires="p159">
+      <p:transition xmlns:p14="http://schemas.microsoft.com/office/powerpoint/2010/main" spd="slow" p14:dur="2000">
+        <p159:morph option="byObject"/>
+      </p:transition>
+    </mc:Choice>
+    <mc:Fallback>
+      <p:transition spd="slow">
+        <p:fade/>
+      </p:transition>
+    </mc:Fallback>
+  </mc:AlternateContent>
+</p:sld>
+</file>
+
+<file path=ppt/slides/slide11.xml><?xml version="1.0" encoding="utf-8"?>
+<p:sld xmlns:a="http://schemas.openxmlformats.org/drawingml/2006/main" xmlns:r="http://schemas.openxmlformats.org/officeDocument/2006/relationships" xmlns:p="http://schemas.openxmlformats.org/presentationml/2006/main" show="0">
+  <p:cSld>
+    <p:spTree>
+      <p:nvGrpSpPr>
+        <p:cNvPr id="1" name=""/>
+        <p:cNvGrpSpPr/>
+        <p:nvPr/>
+      </p:nvGrpSpPr>
+      <p:grpSpPr>
+        <a:xfrm>
+          <a:off x="0" y="0"/>
+          <a:ext cx="0" cy="0"/>
+          <a:chOff x="0" y="0"/>
+          <a:chExt cx="0" cy="0"/>
+        </a:xfrm>
+      </p:grpSpPr>
+      <p:sp>
+        <p:nvSpPr>
+          <p:cNvPr id="2" name="Nadpis 1">
+            <a:extLst>
+              <a:ext uri="{FF2B5EF4-FFF2-40B4-BE49-F238E27FC236}">
+                <a16:creationId xmlns:a16="http://schemas.microsoft.com/office/drawing/2014/main" id="{EFF9E1E9-C18C-B042-E20D-BD764C02CD04}"/>
+              </a:ext>
+            </a:extLst>
+          </p:cNvPr>
+          <p:cNvSpPr>
+            <a:spLocks noGrp="1"/>
+          </p:cNvSpPr>
+          <p:nvPr>
+            <p:ph type="title"/>
+          </p:nvPr>
+        </p:nvSpPr>
+        <p:spPr/>
+        <p:txBody>
+          <a:bodyPr/>
+          <a:lstStyle/>
+          <a:p>
+            <a:endParaRPr lang="sk-SK"/>
+          </a:p>
+        </p:txBody>
+      </p:sp>
+      <p:sp>
+        <p:nvSpPr>
+          <p:cNvPr id="3" name="Zástupný objekt pre obsah 2">
+            <a:extLst>
+              <a:ext uri="{FF2B5EF4-FFF2-40B4-BE49-F238E27FC236}">
+                <a16:creationId xmlns:a16="http://schemas.microsoft.com/office/drawing/2014/main" id="{40C8E0D5-E28C-4E8B-8BEA-FA8BC9C6097E}"/>
+              </a:ext>
+            </a:extLst>
+          </p:cNvPr>
+          <p:cNvSpPr>
+            <a:spLocks noGrp="1"/>
+          </p:cNvSpPr>
+          <p:nvPr>
+            <p:ph idx="1"/>
+          </p:nvPr>
+        </p:nvSpPr>
+        <p:spPr/>
+        <p:txBody>
+          <a:bodyPr/>
+          <a:lstStyle/>
+          <a:p>
+            <a:r>
+              <a:rPr lang="sk-SK" dirty="0"/>
+              <a:t>Obsah</a:t>
+            </a:r>
+          </a:p>
+          <a:p>
+            <a:r>
+              <a:rPr lang="sk-SK" dirty="0"/>
+              <a:t>Ukážka</a:t>
+            </a:r>
+          </a:p>
+          <a:p>
+            <a:endParaRPr lang="sk-SK" dirty="0"/>
+          </a:p>
+        </p:txBody>
+      </p:sp>
+      <p:pic>
+        <p:nvPicPr>
+          <p:cNvPr id="5" name="Obrázok 4">
+            <a:extLst>
+              <a:ext uri="{FF2B5EF4-FFF2-40B4-BE49-F238E27FC236}">
+                <a16:creationId xmlns:a16="http://schemas.microsoft.com/office/drawing/2014/main" id="{D3B5502E-1524-45B6-FCD8-7E8625D069C4}"/>
+              </a:ext>
+            </a:extLst>
+          </p:cNvPr>
+          <p:cNvPicPr>
+            <a:picLocks noChangeAspect="1"/>
+          </p:cNvPicPr>
+          <p:nvPr/>
+        </p:nvPicPr>
+        <p:blipFill>
+          <a:blip r:embed="rId2"/>
+          <a:stretch>
+            <a:fillRect/>
+          </a:stretch>
+        </p:blipFill>
+        <p:spPr>
+          <a:xfrm>
+            <a:off x="3109495" y="2482316"/>
+            <a:ext cx="5973009" cy="3829584"/>
+          </a:xfrm>
+          <a:prstGeom prst="rect">
+            <a:avLst/>
+          </a:prstGeom>
+        </p:spPr>
+      </p:pic>
+    </p:spTree>
+    <p:extLst>
+      <p:ext uri="{BB962C8B-B14F-4D97-AF65-F5344CB8AC3E}">
+        <p14:creationId xmlns:p14="http://schemas.microsoft.com/office/powerpoint/2010/main" val="4271588938"/>
+      </p:ext>
+    </p:extLst>
+  </p:cSld>
+  <p:clrMapOvr>
+    <a:masterClrMapping/>
+  </p:clrMapOvr>
+</p:sld>
+</file>
+
+<file path=ppt/slides/slide12.xml><?xml version="1.0" encoding="utf-8"?>
+<p:sld xmlns:a="http://schemas.openxmlformats.org/drawingml/2006/main" xmlns:r="http://schemas.openxmlformats.org/officeDocument/2006/relationships" xmlns:p="http://schemas.openxmlformats.org/presentationml/2006/main">
+  <p:cSld>
+    <p:spTree>
+      <p:nvGrpSpPr>
+        <p:cNvPr id="1" name=""/>
+        <p:cNvGrpSpPr/>
+        <p:nvPr/>
+      </p:nvGrpSpPr>
+      <p:grpSpPr>
+        <a:xfrm>
+          <a:off x="0" y="0"/>
+          <a:ext cx="0" cy="0"/>
+          <a:chOff x="0" y="0"/>
+          <a:chExt cx="0" cy="0"/>
+        </a:xfrm>
+      </p:grpSpPr>
+      <p:sp>
+        <p:nvSpPr>
+          <p:cNvPr id="20" name="Obdĺžnik 19">
+            <a:extLst>
+              <a:ext uri="{FF2B5EF4-FFF2-40B4-BE49-F238E27FC236}">
+                <a16:creationId xmlns:a16="http://schemas.microsoft.com/office/drawing/2014/main" id="{EBFF46E7-F9DA-1A54-EFB2-F25F480E68D9}"/>
+              </a:ext>
+            </a:extLst>
+          </p:cNvPr>
+          <p:cNvSpPr/>
+          <p:nvPr/>
+        </p:nvSpPr>
+        <p:spPr>
+          <a:xfrm>
+            <a:off x="-1" y="0"/>
+            <a:ext cx="12192001" cy="6858000"/>
+          </a:xfrm>
+          <a:prstGeom prst="rect">
+            <a:avLst/>
+          </a:prstGeom>
+          <a:gradFill flip="none" rotWithShape="1">
+            <a:gsLst>
+              <a:gs pos="74000">
+                <a:srgbClr val="272727"/>
+              </a:gs>
+              <a:gs pos="0">
+                <a:schemeClr val="tx1">
+                  <a:lumMod val="95000"/>
+                  <a:lumOff val="5000"/>
+                </a:schemeClr>
+              </a:gs>
+              <a:gs pos="100000">
+                <a:schemeClr val="tx1">
+                  <a:lumMod val="75000"/>
+                  <a:lumOff val="25000"/>
+                </a:schemeClr>
+              </a:gs>
+            </a:gsLst>
+            <a:path path="circle">
+              <a:fillToRect l="100000" b="100000"/>
+            </a:path>
+            <a:tileRect t="-100000" r="-100000"/>
+          </a:gradFill>
+          <a:ln>
+            <a:noFill/>
+          </a:ln>
+        </p:spPr>
+        <p:style>
+          <a:lnRef idx="2">
+            <a:schemeClr val="accent1">
+              <a:shade val="50000"/>
+            </a:schemeClr>
+          </a:lnRef>
+          <a:fillRef idx="1">
+            <a:schemeClr val="accent1"/>
+          </a:fillRef>
+          <a:effectRef idx="0">
+            <a:schemeClr val="accent1"/>
+          </a:effectRef>
+          <a:fontRef idx="minor">
+            <a:schemeClr val="lt1"/>
+          </a:fontRef>
+        </p:style>
+        <p:txBody>
+          <a:bodyPr rtlCol="0" anchor="ctr"/>
+          <a:lstStyle/>
+          <a:p>
+            <a:pPr algn="ctr"/>
+            <a:endParaRPr lang="sk-SK" dirty="0"/>
+          </a:p>
+        </p:txBody>
+      </p:sp>
+      <p:sp>
+        <p:nvSpPr>
+          <p:cNvPr id="13" name="Nadpis 1">
+            <a:extLst>
+              <a:ext uri="{FF2B5EF4-FFF2-40B4-BE49-F238E27FC236}">
+                <a16:creationId xmlns:a16="http://schemas.microsoft.com/office/drawing/2014/main" id="{C844EE25-6FED-2F6C-6DF0-37669AEDC5F3}"/>
+              </a:ext>
+            </a:extLst>
+          </p:cNvPr>
+          <p:cNvSpPr txBox="1">
+            <a:spLocks/>
+          </p:cNvSpPr>
+          <p:nvPr/>
+        </p:nvSpPr>
+        <p:spPr>
+          <a:xfrm>
+            <a:off x="706971" y="728558"/>
+            <a:ext cx="7537894" cy="506077"/>
+          </a:xfrm>
+          <a:prstGeom prst="rect">
+            <a:avLst/>
+          </a:prstGeom>
+        </p:spPr>
+        <p:txBody>
+          <a:bodyPr vert="horz" lIns="91440" tIns="45720" rIns="91440" bIns="45720" rtlCol="0" anchor="t">
+            <a:noAutofit/>
+          </a:bodyPr>
+          <a:lstStyle>
+            <a:lvl1pPr algn="ctr" defTabSz="914400" rtl="0" eaLnBrk="1" latinLnBrk="0" hangingPunct="1">
+              <a:lnSpc>
+                <a:spcPct val="90000"/>
+              </a:lnSpc>
+              <a:spcBef>
+                <a:spcPct val="0"/>
+              </a:spcBef>
+              <a:buNone/>
+              <a:defRPr sz="6000" kern="1200">
+                <a:solidFill>
+                  <a:schemeClr val="tx1"/>
+                </a:solidFill>
+                <a:latin typeface="+mj-lt"/>
+                <a:ea typeface="+mj-ea"/>
+                <a:cs typeface="+mj-cs"/>
+              </a:defRPr>
+            </a:lvl1pPr>
+          </a:lstStyle>
+          <a:p>
+            <a:pPr algn="l"/>
+            <a:r>
+              <a:rPr lang="sk-SK" sz="6600" dirty="0">
+                <a:solidFill>
+                  <a:schemeClr val="bg1"/>
+                </a:solidFill>
+                <a:latin typeface="Lucida Console" panose="020B0609040504020204" pitchFamily="49" charset="0"/>
+                <a:cs typeface="Segoe UI" panose="020B0502040204020203" pitchFamily="34" charset="0"/>
+              </a:rPr>
+              <a:t>SPÄTNÁ VÄZBA</a:t>
+            </a:r>
+          </a:p>
+        </p:txBody>
+      </p:sp>
+      <p:sp>
+        <p:nvSpPr>
+          <p:cNvPr id="3" name="Obdĺžnik 2">
+            <a:extLst>
+              <a:ext uri="{FF2B5EF4-FFF2-40B4-BE49-F238E27FC236}">
+                <a16:creationId xmlns:a16="http://schemas.microsoft.com/office/drawing/2014/main" id="{9B90B492-1089-E563-F867-BD916C7A9F10}"/>
+              </a:ext>
+            </a:extLst>
+          </p:cNvPr>
+          <p:cNvSpPr/>
+          <p:nvPr/>
+        </p:nvSpPr>
+        <p:spPr>
+          <a:xfrm rot="16200000">
+            <a:off x="6994111" y="2376149"/>
+            <a:ext cx="9220123" cy="2105702"/>
+          </a:xfrm>
+          <a:prstGeom prst="rect">
+            <a:avLst/>
+          </a:prstGeom>
+          <a:gradFill>
+            <a:gsLst>
+              <a:gs pos="35000">
+                <a:srgbClr val="CCFF99">
+                  <a:lumMod val="96000"/>
+                </a:srgbClr>
+              </a:gs>
+              <a:gs pos="66000">
+                <a:schemeClr val="accent1"/>
+              </a:gs>
+            </a:gsLst>
+            <a:path path="circle">
+              <a:fillToRect l="100000" b="100000"/>
+            </a:path>
+          </a:gradFill>
+          <a:ln>
+            <a:noFill/>
+          </a:ln>
+        </p:spPr>
+        <p:style>
+          <a:lnRef idx="2">
+            <a:schemeClr val="accent1">
+              <a:shade val="50000"/>
+            </a:schemeClr>
+          </a:lnRef>
+          <a:fillRef idx="1">
+            <a:schemeClr val="accent1"/>
+          </a:fillRef>
+          <a:effectRef idx="0">
+            <a:schemeClr val="accent1"/>
+          </a:effectRef>
+          <a:fontRef idx="minor">
+            <a:schemeClr val="lt1"/>
+          </a:fontRef>
+        </p:style>
+        <p:txBody>
+          <a:bodyPr rtlCol="0" anchor="ctr"/>
+          <a:lstStyle/>
+          <a:p>
+            <a:pPr algn="ctr"/>
+            <a:endParaRPr lang="sk-SK"/>
+          </a:p>
+        </p:txBody>
+      </p:sp>
+      <p:sp>
+        <p:nvSpPr>
+          <p:cNvPr id="11" name="Nadpis 1">
+            <a:extLst>
+              <a:ext uri="{FF2B5EF4-FFF2-40B4-BE49-F238E27FC236}">
+                <a16:creationId xmlns:a16="http://schemas.microsoft.com/office/drawing/2014/main" id="{0D416FD4-5952-4C85-47BE-67B5FFB3650C}"/>
+              </a:ext>
+            </a:extLst>
+          </p:cNvPr>
+          <p:cNvSpPr txBox="1">
+            <a:spLocks/>
+          </p:cNvSpPr>
+          <p:nvPr/>
+        </p:nvSpPr>
+        <p:spPr>
+          <a:xfrm>
+            <a:off x="490462" y="2073798"/>
+            <a:ext cx="9275557" cy="3750844"/>
+          </a:xfrm>
+          <a:prstGeom prst="rect">
+            <a:avLst/>
+          </a:prstGeom>
+        </p:spPr>
+        <p:txBody>
+          <a:bodyPr vert="horz" lIns="91440" tIns="45720" rIns="91440" bIns="45720" rtlCol="0" anchor="t">
+            <a:noAutofit/>
+          </a:bodyPr>
+          <a:lstStyle>
+            <a:lvl1pPr algn="ctr" defTabSz="914400" rtl="0" eaLnBrk="1" latinLnBrk="0" hangingPunct="1">
+              <a:lnSpc>
+                <a:spcPct val="90000"/>
+              </a:lnSpc>
+              <a:spcBef>
+                <a:spcPct val="0"/>
+              </a:spcBef>
+              <a:buNone/>
+              <a:defRPr sz="6000" kern="1200">
+                <a:solidFill>
+                  <a:schemeClr val="tx1"/>
+                </a:solidFill>
+                <a:latin typeface="+mj-lt"/>
+                <a:ea typeface="+mj-ea"/>
+                <a:cs typeface="+mj-cs"/>
+              </a:defRPr>
+            </a:lvl1pPr>
+          </a:lstStyle>
+          <a:p>
+            <a:pPr algn="l"/>
+            <a:r>
+              <a:rPr lang="sk-SK" sz="1800" dirty="0">
+                <a:solidFill>
+                  <a:schemeClr val="bg1"/>
+                </a:solidFill>
+                <a:effectLst/>
+                <a:latin typeface="Lucida Console" panose="020B0609040504020204" pitchFamily="49" charset="0"/>
+              </a:rPr>
+              <a:t>Stupňovitá pyramída v </a:t>
+            </a:r>
+            <a:r>
+              <a:rPr lang="sk-SK" sz="1800" dirty="0" err="1">
+                <a:solidFill>
+                  <a:schemeClr val="bg1"/>
+                </a:solidFill>
+                <a:effectLst/>
+                <a:latin typeface="Lucida Console" panose="020B0609040504020204" pitchFamily="49" charset="0"/>
+              </a:rPr>
+              <a:t>Sakkáre</a:t>
+            </a:r>
+            <a:r>
+              <a:rPr lang="sk-SK" sz="1800" dirty="0">
+                <a:solidFill>
+                  <a:schemeClr val="bg1"/>
+                </a:solidFill>
+                <a:effectLst/>
+                <a:latin typeface="Lucida Console" panose="020B0609040504020204" pitchFamily="49" charset="0"/>
+              </a:rPr>
+              <a:t> (iné názvy: </a:t>
+            </a:r>
+            <a:r>
+              <a:rPr lang="sk-SK" sz="1800" dirty="0" err="1">
+                <a:solidFill>
+                  <a:schemeClr val="bg1"/>
+                </a:solidFill>
+                <a:effectLst/>
+                <a:latin typeface="Lucida Console" panose="020B0609040504020204" pitchFamily="49" charset="0"/>
+              </a:rPr>
+              <a:t>Džoserova</a:t>
+            </a:r>
+            <a:r>
+              <a:rPr lang="sk-SK" sz="1800" dirty="0">
+                <a:solidFill>
+                  <a:schemeClr val="bg1"/>
+                </a:solidFill>
+                <a:effectLst/>
+                <a:latin typeface="Lucida Console" panose="020B0609040504020204" pitchFamily="49" charset="0"/>
+              </a:rPr>
+              <a:t> pyramída, </a:t>
+            </a:r>
+            <a:r>
+              <a:rPr lang="sk-SK" sz="1800" dirty="0" err="1">
+                <a:solidFill>
+                  <a:schemeClr val="bg1"/>
+                </a:solidFill>
+                <a:effectLst/>
+                <a:latin typeface="Lucida Console" panose="020B0609040504020204" pitchFamily="49" charset="0"/>
+              </a:rPr>
+              <a:t>Necerichetova</a:t>
+            </a:r>
+            <a:r>
+              <a:rPr lang="sk-SK" sz="1800" dirty="0">
+                <a:solidFill>
+                  <a:schemeClr val="bg1"/>
+                </a:solidFill>
+                <a:effectLst/>
+                <a:latin typeface="Lucida Console" panose="020B0609040504020204" pitchFamily="49" charset="0"/>
+              </a:rPr>
+              <a:t> pyramída, Pyramída </a:t>
+            </a:r>
+            <a:r>
+              <a:rPr lang="sk-SK" sz="1800" dirty="0" err="1">
+                <a:solidFill>
+                  <a:schemeClr val="bg1"/>
+                </a:solidFill>
+                <a:effectLst/>
+                <a:latin typeface="Lucida Console" panose="020B0609040504020204" pitchFamily="49" charset="0"/>
+              </a:rPr>
+              <a:t>Lepsius</a:t>
+            </a:r>
+            <a:r>
+              <a:rPr lang="sk-SK" sz="1800" dirty="0">
+                <a:solidFill>
+                  <a:schemeClr val="bg1"/>
+                </a:solidFill>
+                <a:effectLst/>
+                <a:latin typeface="Lucida Console" panose="020B0609040504020204" pitchFamily="49" charset="0"/>
+              </a:rPr>
+              <a:t> XXXII) je </a:t>
+            </a:r>
+            <a:r>
+              <a:rPr lang="sk-SK" sz="1800" strike="noStrike" dirty="0">
+                <a:solidFill>
+                  <a:schemeClr val="bg1"/>
+                </a:solidFill>
+                <a:effectLst/>
+                <a:latin typeface="Lucida Console" panose="020B0609040504020204" pitchFamily="49" charset="0"/>
+              </a:rPr>
+              <a:t>staroegyptská</a:t>
+            </a:r>
+            <a:r>
+              <a:rPr lang="sk-SK" sz="1800" dirty="0">
+                <a:solidFill>
+                  <a:schemeClr val="bg1"/>
+                </a:solidFill>
+                <a:effectLst/>
+                <a:latin typeface="Lucida Console" panose="020B0609040504020204" pitchFamily="49" charset="0"/>
+              </a:rPr>
+              <a:t> pamiatka, súbor objektov starovekej pohrebnej a</a:t>
+            </a:r>
+          </a:p>
+          <a:p>
+            <a:pPr algn="l"/>
+            <a:endParaRPr lang="sk-SK" sz="1800" dirty="0">
+              <a:solidFill>
+                <a:schemeClr val="bg1"/>
+              </a:solidFill>
+              <a:latin typeface="Lucida Console" panose="020B0609040504020204" pitchFamily="49" charset="0"/>
+            </a:endParaRPr>
+          </a:p>
+          <a:p>
+            <a:pPr algn="l"/>
+            <a:endParaRPr lang="sk-SK" sz="1800" dirty="0">
+              <a:solidFill>
+                <a:schemeClr val="bg1"/>
+              </a:solidFill>
+              <a:effectLst/>
+              <a:latin typeface="Lucida Console" panose="020B0609040504020204" pitchFamily="49" charset="0"/>
+            </a:endParaRPr>
+          </a:p>
+          <a:p>
+            <a:pPr algn="l"/>
+            <a:r>
+              <a:rPr lang="sk-SK" sz="1800" dirty="0">
+                <a:solidFill>
+                  <a:schemeClr val="bg1"/>
+                </a:solidFill>
+                <a:effectLst/>
+                <a:latin typeface="Lucida Console" panose="020B0609040504020204" pitchFamily="49" charset="0"/>
+              </a:rPr>
+              <a:t>kultovej architektúry a </a:t>
+            </a:r>
+            <a:r>
+              <a:rPr lang="sk-SK" sz="1800" strike="noStrike" dirty="0">
+                <a:solidFill>
+                  <a:schemeClr val="bg1"/>
+                </a:solidFill>
+                <a:effectLst/>
+                <a:latin typeface="Lucida Console" panose="020B0609040504020204" pitchFamily="49" charset="0"/>
+              </a:rPr>
+              <a:t>archeologická</a:t>
+            </a:r>
+            <a:r>
+              <a:rPr lang="sk-SK" sz="1800" dirty="0">
+                <a:solidFill>
+                  <a:schemeClr val="bg1"/>
+                </a:solidFill>
+                <a:effectLst/>
+                <a:latin typeface="Lucida Console" panose="020B0609040504020204" pitchFamily="49" charset="0"/>
+              </a:rPr>
+              <a:t> lokalita z obdobia okolo roku 2600 pred Kr. Je súčasťou pohrebiska pri dedine </a:t>
+            </a:r>
+            <a:r>
+              <a:rPr lang="sk-SK" sz="1800" strike="noStrike" dirty="0" err="1">
+                <a:solidFill>
+                  <a:schemeClr val="bg1"/>
+                </a:solidFill>
+                <a:effectLst/>
+                <a:latin typeface="Lucida Console" panose="020B0609040504020204" pitchFamily="49" charset="0"/>
+              </a:rPr>
+              <a:t>Sakkára</a:t>
+            </a:r>
+            <a:r>
+              <a:rPr lang="sk-SK" sz="1800" dirty="0">
+                <a:solidFill>
+                  <a:schemeClr val="bg1"/>
+                </a:solidFill>
+                <a:effectLst/>
+                <a:latin typeface="Lucida Console" panose="020B0609040504020204" pitchFamily="49" charset="0"/>
+              </a:rPr>
+              <a:t> v</a:t>
+            </a:r>
+          </a:p>
+        </p:txBody>
+      </p:sp>
+      <p:sp>
+        <p:nvSpPr>
+          <p:cNvPr id="6" name="BlokTextu 5">
+            <a:extLst>
+              <a:ext uri="{FF2B5EF4-FFF2-40B4-BE49-F238E27FC236}">
+                <a16:creationId xmlns:a16="http://schemas.microsoft.com/office/drawing/2014/main" id="{7BA26F74-A0F2-7AB5-9C0F-BE2EE46110B4}"/>
+              </a:ext>
+            </a:extLst>
+          </p:cNvPr>
+          <p:cNvSpPr txBox="1"/>
+          <p:nvPr/>
+        </p:nvSpPr>
+        <p:spPr>
+          <a:xfrm>
+            <a:off x="490462" y="4762500"/>
+            <a:ext cx="3033788" cy="1477328"/>
+          </a:xfrm>
+          <a:prstGeom prst="rect">
+            <a:avLst/>
+          </a:prstGeom>
+          <a:noFill/>
+        </p:spPr>
+        <p:txBody>
+          <a:bodyPr wrap="square" rtlCol="0">
+            <a:spAutoFit/>
+          </a:bodyPr>
+          <a:lstStyle/>
+          <a:p>
+            <a:r>
+              <a:rPr lang="sk-SK" sz="1800" dirty="0">
+                <a:solidFill>
+                  <a:schemeClr val="bg1"/>
+                </a:solidFill>
+                <a:effectLst/>
+                <a:latin typeface="Lucida Console" panose="020B0609040504020204" pitchFamily="49" charset="0"/>
+              </a:rPr>
+              <a:t>dnešnom </a:t>
+            </a:r>
+            <a:r>
+              <a:rPr lang="sk-SK" sz="1800" strike="noStrike" dirty="0">
+                <a:solidFill>
+                  <a:schemeClr val="bg1"/>
+                </a:solidFill>
+                <a:effectLst/>
+                <a:latin typeface="Lucida Console" panose="020B0609040504020204" pitchFamily="49" charset="0"/>
+              </a:rPr>
+              <a:t>Egypte</a:t>
+            </a:r>
+            <a:r>
+              <a:rPr lang="sk-SK" sz="1800" dirty="0">
+                <a:solidFill>
+                  <a:schemeClr val="bg1"/>
+                </a:solidFill>
+                <a:effectLst/>
+                <a:latin typeface="Lucida Console" panose="020B0609040504020204" pitchFamily="49" charset="0"/>
+              </a:rPr>
+              <a:t>. V staroveku toto pohrebisko patrilo mestu </a:t>
+            </a:r>
+            <a:r>
+              <a:rPr lang="sk-SK" sz="1800" strike="noStrike" dirty="0" err="1">
+                <a:solidFill>
+                  <a:schemeClr val="bg1"/>
+                </a:solidFill>
+                <a:effectLst/>
+                <a:latin typeface="Lucida Console" panose="020B0609040504020204" pitchFamily="49" charset="0"/>
+              </a:rPr>
+              <a:t>Mennofer</a:t>
+            </a:r>
+            <a:r>
+              <a:rPr lang="sk-SK" sz="1800" dirty="0">
+                <a:solidFill>
+                  <a:schemeClr val="bg1"/>
+                </a:solidFill>
+                <a:effectLst/>
+                <a:latin typeface="Lucida Console" panose="020B0609040504020204" pitchFamily="49" charset="0"/>
+              </a:rPr>
+              <a:t>, ktoré bolo hlavným</a:t>
+            </a:r>
+            <a:endParaRPr lang="sk-SK" dirty="0"/>
+          </a:p>
+        </p:txBody>
+      </p:sp>
+      <p:sp>
+        <p:nvSpPr>
+          <p:cNvPr id="8" name="BlokTextu 7">
+            <a:extLst>
+              <a:ext uri="{FF2B5EF4-FFF2-40B4-BE49-F238E27FC236}">
+                <a16:creationId xmlns:a16="http://schemas.microsoft.com/office/drawing/2014/main" id="{59B726A3-BDD8-21D6-C249-5BE58E63B382}"/>
+              </a:ext>
+            </a:extLst>
+          </p:cNvPr>
+          <p:cNvSpPr txBox="1"/>
+          <p:nvPr/>
+        </p:nvSpPr>
+        <p:spPr>
+          <a:xfrm>
+            <a:off x="4014712" y="4781550"/>
+            <a:ext cx="3033788" cy="1477328"/>
+          </a:xfrm>
+          <a:prstGeom prst="rect">
+            <a:avLst/>
+          </a:prstGeom>
+          <a:noFill/>
+        </p:spPr>
+        <p:txBody>
+          <a:bodyPr wrap="square" rtlCol="0">
+            <a:spAutoFit/>
+          </a:bodyPr>
+          <a:lstStyle/>
+          <a:p>
+            <a:r>
+              <a:rPr lang="sk-SK" sz="1800" dirty="0">
+                <a:solidFill>
+                  <a:schemeClr val="bg1"/>
+                </a:solidFill>
+                <a:effectLst/>
+                <a:latin typeface="Lucida Console" panose="020B0609040504020204" pitchFamily="49" charset="0"/>
+              </a:rPr>
+              <a:t>dnešnom </a:t>
+            </a:r>
+            <a:r>
+              <a:rPr lang="sk-SK" sz="1800" strike="noStrike" dirty="0">
+                <a:solidFill>
+                  <a:schemeClr val="bg1"/>
+                </a:solidFill>
+                <a:effectLst/>
+                <a:latin typeface="Lucida Console" panose="020B0609040504020204" pitchFamily="49" charset="0"/>
+              </a:rPr>
+              <a:t>Egypte</a:t>
+            </a:r>
+            <a:r>
+              <a:rPr lang="sk-SK" sz="1800" dirty="0">
+                <a:solidFill>
+                  <a:schemeClr val="bg1"/>
+                </a:solidFill>
+                <a:effectLst/>
+                <a:latin typeface="Lucida Console" panose="020B0609040504020204" pitchFamily="49" charset="0"/>
+              </a:rPr>
+              <a:t>. V staroveku toto pohrebisko patrilo mestu </a:t>
+            </a:r>
+            <a:r>
+              <a:rPr lang="sk-SK" sz="1800" strike="noStrike" dirty="0" err="1">
+                <a:solidFill>
+                  <a:schemeClr val="bg1"/>
+                </a:solidFill>
+                <a:effectLst/>
+                <a:latin typeface="Lucida Console" panose="020B0609040504020204" pitchFamily="49" charset="0"/>
+              </a:rPr>
+              <a:t>Mennofer</a:t>
+            </a:r>
+            <a:r>
+              <a:rPr lang="sk-SK" sz="1800" dirty="0">
+                <a:solidFill>
+                  <a:schemeClr val="bg1"/>
+                </a:solidFill>
+                <a:effectLst/>
+                <a:latin typeface="Lucida Console" panose="020B0609040504020204" pitchFamily="49" charset="0"/>
+              </a:rPr>
+              <a:t>, ktoré bolo hlavným</a:t>
+            </a:r>
+            <a:endParaRPr lang="sk-SK" dirty="0"/>
+          </a:p>
+        </p:txBody>
+      </p:sp>
+      <p:sp>
+        <p:nvSpPr>
+          <p:cNvPr id="10" name="BlokTextu 9">
+            <a:extLst>
+              <a:ext uri="{FF2B5EF4-FFF2-40B4-BE49-F238E27FC236}">
+                <a16:creationId xmlns:a16="http://schemas.microsoft.com/office/drawing/2014/main" id="{22E646AC-3AFA-6847-8EF8-A7C29FF2D7B5}"/>
+              </a:ext>
+            </a:extLst>
+          </p:cNvPr>
+          <p:cNvSpPr txBox="1"/>
+          <p:nvPr/>
+        </p:nvSpPr>
+        <p:spPr>
+          <a:xfrm>
+            <a:off x="7052509" y="4762500"/>
+            <a:ext cx="3033788" cy="1477328"/>
+          </a:xfrm>
+          <a:prstGeom prst="rect">
+            <a:avLst/>
+          </a:prstGeom>
+          <a:noFill/>
+        </p:spPr>
+        <p:txBody>
+          <a:bodyPr wrap="square" rtlCol="0">
+            <a:spAutoFit/>
+          </a:bodyPr>
+          <a:lstStyle/>
+          <a:p>
+            <a:r>
+              <a:rPr lang="sk-SK" sz="1800" dirty="0">
+                <a:solidFill>
+                  <a:schemeClr val="bg1"/>
+                </a:solidFill>
+                <a:effectLst/>
+                <a:latin typeface="Lucida Console" panose="020B0609040504020204" pitchFamily="49" charset="0"/>
+              </a:rPr>
+              <a:t>dnešnom </a:t>
+            </a:r>
+            <a:r>
+              <a:rPr lang="sk-SK" sz="1800" strike="noStrike" dirty="0">
+                <a:solidFill>
+                  <a:schemeClr val="bg1"/>
+                </a:solidFill>
+                <a:effectLst/>
+                <a:latin typeface="Lucida Console" panose="020B0609040504020204" pitchFamily="49" charset="0"/>
+              </a:rPr>
+              <a:t>Egypte</a:t>
+            </a:r>
+            <a:r>
+              <a:rPr lang="sk-SK" sz="1800" dirty="0">
+                <a:solidFill>
+                  <a:schemeClr val="bg1"/>
+                </a:solidFill>
+                <a:effectLst/>
+                <a:latin typeface="Lucida Console" panose="020B0609040504020204" pitchFamily="49" charset="0"/>
+              </a:rPr>
+              <a:t>. V staroveku toto pohrebisko patrilo mestu </a:t>
+            </a:r>
+            <a:r>
+              <a:rPr lang="sk-SK" sz="1800" strike="noStrike" dirty="0" err="1">
+                <a:solidFill>
+                  <a:schemeClr val="bg1"/>
+                </a:solidFill>
+                <a:effectLst/>
+                <a:latin typeface="Lucida Console" panose="020B0609040504020204" pitchFamily="49" charset="0"/>
+              </a:rPr>
+              <a:t>Mennofer</a:t>
+            </a:r>
+            <a:r>
+              <a:rPr lang="sk-SK" sz="1800" dirty="0">
+                <a:solidFill>
+                  <a:schemeClr val="bg1"/>
+                </a:solidFill>
+                <a:effectLst/>
+                <a:latin typeface="Lucida Console" panose="020B0609040504020204" pitchFamily="49" charset="0"/>
+              </a:rPr>
+              <a:t>, ktoré bolo hlavným</a:t>
+            </a:r>
+            <a:endParaRPr lang="sk-SK" dirty="0"/>
+          </a:p>
+        </p:txBody>
+      </p:sp>
+      <p:pic>
+        <p:nvPicPr>
+          <p:cNvPr id="16" name="Graphic 7">
+            <a:extLst>
+              <a:ext uri="{FF2B5EF4-FFF2-40B4-BE49-F238E27FC236}">
+                <a16:creationId xmlns:a16="http://schemas.microsoft.com/office/drawing/2014/main" id="{1CEA1227-056B-947D-5534-D541F18D68DB}"/>
+              </a:ext>
+            </a:extLst>
+          </p:cNvPr>
+          <p:cNvPicPr>
+            <a:picLocks noChangeAspect="1"/>
+          </p:cNvPicPr>
+          <p:nvPr/>
+        </p:nvPicPr>
+        <p:blipFill>
+          <a:blip r:embed="rId3" cstate="email">
+            <a:extLst>
+              <a:ext uri="{28A0092B-C50C-407E-A947-70E740481C1C}">
+                <a14:useLocalDpi xmlns:a14="http://schemas.microsoft.com/office/drawing/2010/main"/>
+              </a:ext>
+              <a:ext uri="{96DAC541-7B7A-43D3-8B79-37D633B846F1}">
+                <asvg:svgBlip xmlns:asvg="http://schemas.microsoft.com/office/drawing/2016/SVG/main" r:embed="rId4"/>
+              </a:ext>
+            </a:extLst>
+          </a:blip>
+          <a:stretch>
+            <a:fillRect/>
+          </a:stretch>
+        </p:blipFill>
+        <p:spPr>
+          <a:xfrm rot="5400000" flipV="1">
+            <a:off x="7064697" y="3299698"/>
+            <a:ext cx="6572253" cy="239558"/>
+          </a:xfrm>
+          <a:prstGeom prst="rect">
+            <a:avLst/>
+          </a:prstGeom>
+        </p:spPr>
+      </p:pic>
+    </p:spTree>
+    <p:extLst>
+      <p:ext uri="{BB962C8B-B14F-4D97-AF65-F5344CB8AC3E}">
+        <p14:creationId xmlns:p14="http://schemas.microsoft.com/office/powerpoint/2010/main" val="2186824041"/>
+      </p:ext>
+    </p:extLst>
+  </p:cSld>
+  <p:clrMapOvr>
+    <a:masterClrMapping/>
+  </p:clrMapOvr>
+  <mc:AlternateContent xmlns:mc="http://schemas.openxmlformats.org/markup-compatibility/2006">
+    <mc:Choice xmlns:p159="http://schemas.microsoft.com/office/powerpoint/2015/09/main" Requires="p159">
+      <p:transition xmlns:p14="http://schemas.microsoft.com/office/powerpoint/2010/main" spd="slow" p14:dur="2000">
+        <p159:morph option="byObject"/>
+      </p:transition>
+    </mc:Choice>
+    <mc:Fallback>
+      <p:transition spd="slow">
+        <p:fade/>
+      </p:transition>
+    </mc:Fallback>
+  </mc:AlternateContent>
+</p:sld>
+</file>
+
+<file path=ppt/slides/slide13.xml><?xml version="1.0" encoding="utf-8"?>
+<p:sld xmlns:a="http://schemas.openxmlformats.org/drawingml/2006/main" xmlns:r="http://schemas.openxmlformats.org/officeDocument/2006/relationships" xmlns:p="http://schemas.openxmlformats.org/presentationml/2006/main" show="0">
+  <p:cSld>
+    <p:spTree>
+      <p:nvGrpSpPr>
+        <p:cNvPr id="1" name=""/>
+        <p:cNvGrpSpPr/>
+        <p:nvPr/>
+      </p:nvGrpSpPr>
+      <p:grpSpPr>
+        <a:xfrm>
+          <a:off x="0" y="0"/>
+          <a:ext cx="0" cy="0"/>
+          <a:chOff x="0" y="0"/>
+          <a:chExt cx="0" cy="0"/>
+        </a:xfrm>
+      </p:grpSpPr>
+      <p:sp>
+        <p:nvSpPr>
+          <p:cNvPr id="2" name="Nadpis 1">
+            <a:extLst>
+              <a:ext uri="{FF2B5EF4-FFF2-40B4-BE49-F238E27FC236}">
+                <a16:creationId xmlns:a16="http://schemas.microsoft.com/office/drawing/2014/main" id="{EFF9E1E9-C18C-B042-E20D-BD764C02CD04}"/>
+              </a:ext>
+            </a:extLst>
+          </p:cNvPr>
+          <p:cNvSpPr>
+            <a:spLocks noGrp="1"/>
+          </p:cNvSpPr>
+          <p:nvPr>
+            <p:ph type="title"/>
+          </p:nvPr>
+        </p:nvSpPr>
+        <p:spPr/>
+        <p:txBody>
+          <a:bodyPr/>
+          <a:lstStyle/>
+          <a:p>
+            <a:endParaRPr lang="sk-SK"/>
+          </a:p>
+        </p:txBody>
+      </p:sp>
+      <p:sp>
+        <p:nvSpPr>
+          <p:cNvPr id="3" name="Zástupný objekt pre obsah 2">
+            <a:extLst>
+              <a:ext uri="{FF2B5EF4-FFF2-40B4-BE49-F238E27FC236}">
+                <a16:creationId xmlns:a16="http://schemas.microsoft.com/office/drawing/2014/main" id="{40C8E0D5-E28C-4E8B-8BEA-FA8BC9C6097E}"/>
+              </a:ext>
+            </a:extLst>
+          </p:cNvPr>
+          <p:cNvSpPr>
+            <a:spLocks noGrp="1"/>
+          </p:cNvSpPr>
+          <p:nvPr>
+            <p:ph idx="1"/>
+          </p:nvPr>
+        </p:nvSpPr>
+        <p:spPr/>
+        <p:txBody>
+          <a:bodyPr/>
+          <a:lstStyle/>
+          <a:p>
+            <a:r>
+              <a:rPr lang="sk-SK" dirty="0"/>
+              <a:t>Výsledky dotazníka</a:t>
+            </a:r>
+          </a:p>
+        </p:txBody>
+      </p:sp>
+      <p:pic>
+        <p:nvPicPr>
+          <p:cNvPr id="4" name="Obrázok 3">
+            <a:extLst>
+              <a:ext uri="{FF2B5EF4-FFF2-40B4-BE49-F238E27FC236}">
+                <a16:creationId xmlns:a16="http://schemas.microsoft.com/office/drawing/2014/main" id="{346DBFE5-5CE5-071B-8533-6079D354A670}"/>
+              </a:ext>
+            </a:extLst>
+          </p:cNvPr>
+          <p:cNvPicPr>
+            <a:picLocks noChangeAspect="1"/>
+          </p:cNvPicPr>
+          <p:nvPr/>
+        </p:nvPicPr>
+        <p:blipFill>
+          <a:blip r:embed="rId2"/>
+          <a:stretch>
+            <a:fillRect/>
+          </a:stretch>
+        </p:blipFill>
+        <p:spPr>
+          <a:xfrm>
+            <a:off x="3071390" y="2457205"/>
+            <a:ext cx="6049219" cy="3505689"/>
+          </a:xfrm>
+          <a:prstGeom prst="rect">
+            <a:avLst/>
+          </a:prstGeom>
+        </p:spPr>
+      </p:pic>
+    </p:spTree>
+    <p:extLst>
+      <p:ext uri="{BB962C8B-B14F-4D97-AF65-F5344CB8AC3E}">
+        <p14:creationId xmlns:p14="http://schemas.microsoft.com/office/powerpoint/2010/main" val="1609034069"/>
+      </p:ext>
+    </p:extLst>
+  </p:cSld>
+  <p:clrMapOvr>
+    <a:masterClrMapping/>
+  </p:clrMapOvr>
+</p:sld>
+</file>
+
+<file path=ppt/slides/slide14.xml><?xml version="1.0" encoding="utf-8"?>
+<p:sld xmlns:a="http://schemas.openxmlformats.org/drawingml/2006/main" xmlns:r="http://schemas.openxmlformats.org/officeDocument/2006/relationships" xmlns:p="http://schemas.openxmlformats.org/presentationml/2006/main">
+  <p:cSld>
+    <p:spTree>
+      <p:nvGrpSpPr>
+        <p:cNvPr id="1" name=""/>
+        <p:cNvGrpSpPr/>
+        <p:nvPr/>
+      </p:nvGrpSpPr>
+      <p:grpSpPr>
+        <a:xfrm>
+          <a:off x="0" y="0"/>
+          <a:ext cx="0" cy="0"/>
+          <a:chOff x="0" y="0"/>
+          <a:chExt cx="0" cy="0"/>
+        </a:xfrm>
+      </p:grpSpPr>
+      <p:sp>
+        <p:nvSpPr>
+          <p:cNvPr id="20" name="Obdĺžnik 19">
+            <a:extLst>
+              <a:ext uri="{FF2B5EF4-FFF2-40B4-BE49-F238E27FC236}">
+                <a16:creationId xmlns:a16="http://schemas.microsoft.com/office/drawing/2014/main" id="{EBFF46E7-F9DA-1A54-EFB2-F25F480E68D9}"/>
+              </a:ext>
+            </a:extLst>
+          </p:cNvPr>
+          <p:cNvSpPr/>
+          <p:nvPr/>
+        </p:nvSpPr>
+        <p:spPr>
+          <a:xfrm>
+            <a:off x="-1" y="0"/>
+            <a:ext cx="12192001" cy="6858000"/>
+          </a:xfrm>
+          <a:prstGeom prst="rect">
+            <a:avLst/>
+          </a:prstGeom>
+          <a:gradFill flip="none" rotWithShape="1">
+            <a:gsLst>
+              <a:gs pos="74000">
+                <a:srgbClr val="272727"/>
+              </a:gs>
+              <a:gs pos="0">
+                <a:schemeClr val="tx1">
+                  <a:lumMod val="95000"/>
+                  <a:lumOff val="5000"/>
+                </a:schemeClr>
+              </a:gs>
+              <a:gs pos="100000">
+                <a:schemeClr val="tx1">
+                  <a:lumMod val="75000"/>
+                  <a:lumOff val="25000"/>
+                </a:schemeClr>
+              </a:gs>
+            </a:gsLst>
+            <a:path path="circle">
+              <a:fillToRect l="100000" b="100000"/>
+            </a:path>
+            <a:tileRect t="-100000" r="-100000"/>
+          </a:gradFill>
+          <a:ln>
+            <a:noFill/>
+          </a:ln>
+        </p:spPr>
+        <p:style>
+          <a:lnRef idx="2">
+            <a:schemeClr val="accent1">
+              <a:shade val="50000"/>
+            </a:schemeClr>
+          </a:lnRef>
+          <a:fillRef idx="1">
+            <a:schemeClr val="accent1"/>
+          </a:fillRef>
+          <a:effectRef idx="0">
+            <a:schemeClr val="accent1"/>
+          </a:effectRef>
+          <a:fontRef idx="minor">
+            <a:schemeClr val="lt1"/>
+          </a:fontRef>
+        </p:style>
+        <p:txBody>
+          <a:bodyPr rtlCol="0" anchor="ctr"/>
+          <a:lstStyle/>
+          <a:p>
+            <a:pPr algn="ctr"/>
+            <a:endParaRPr lang="sk-SK" dirty="0"/>
+          </a:p>
+        </p:txBody>
+      </p:sp>
+      <p:sp>
+        <p:nvSpPr>
+          <p:cNvPr id="13" name="Nadpis 1">
+            <a:extLst>
+              <a:ext uri="{FF2B5EF4-FFF2-40B4-BE49-F238E27FC236}">
+                <a16:creationId xmlns:a16="http://schemas.microsoft.com/office/drawing/2014/main" id="{C844EE25-6FED-2F6C-6DF0-37669AEDC5F3}"/>
+              </a:ext>
+            </a:extLst>
+          </p:cNvPr>
+          <p:cNvSpPr txBox="1">
+            <a:spLocks/>
+          </p:cNvSpPr>
+          <p:nvPr/>
+        </p:nvSpPr>
+        <p:spPr>
+          <a:xfrm>
             <a:off x="7517276" y="1241412"/>
             <a:ext cx="3063027" cy="506077"/>
           </a:xfrm>
@@ -6296,6 +8037,198 @@
           </a:prstGeom>
         </p:spPr>
       </p:pic>
+      <p:sp>
+        <p:nvSpPr>
+          <p:cNvPr id="2" name="!!kruh">
+            <a:extLst>
+              <a:ext uri="{FF2B5EF4-FFF2-40B4-BE49-F238E27FC236}">
+                <a16:creationId xmlns:a16="http://schemas.microsoft.com/office/drawing/2014/main" id="{03D922F6-7B39-AB8E-3EA6-B271586C970A}"/>
+              </a:ext>
+            </a:extLst>
+          </p:cNvPr>
+          <p:cNvSpPr/>
+          <p:nvPr/>
+        </p:nvSpPr>
+        <p:spPr>
+          <a:xfrm>
+            <a:off x="7793269" y="-4375804"/>
+            <a:ext cx="3807735" cy="3780463"/>
+          </a:xfrm>
+          <a:prstGeom prst="ellipse">
+            <a:avLst/>
+          </a:prstGeom>
+          <a:gradFill>
+            <a:gsLst>
+              <a:gs pos="35000">
+                <a:srgbClr val="CCFF99"/>
+              </a:gs>
+              <a:gs pos="66000">
+                <a:schemeClr val="accent1"/>
+              </a:gs>
+            </a:gsLst>
+            <a:path path="circle">
+              <a:fillToRect r="100000" b="100000"/>
+            </a:path>
+          </a:gradFill>
+          <a:ln w="177800">
+            <a:solidFill>
+              <a:srgbClr val="313944"/>
+            </a:solidFill>
+          </a:ln>
+        </p:spPr>
+        <p:style>
+          <a:lnRef idx="2">
+            <a:schemeClr val="accent1">
+              <a:shade val="50000"/>
+            </a:schemeClr>
+          </a:lnRef>
+          <a:fillRef idx="1">
+            <a:schemeClr val="accent1"/>
+          </a:fillRef>
+          <a:effectRef idx="0">
+            <a:schemeClr val="accent1"/>
+          </a:effectRef>
+          <a:fontRef idx="minor">
+            <a:schemeClr val="lt1"/>
+          </a:fontRef>
+        </p:style>
+        <p:txBody>
+          <a:bodyPr rtlCol="0" anchor="ctr"/>
+          <a:lstStyle/>
+          <a:p>
+            <a:pPr algn="ctr"/>
+            <a:endParaRPr lang="sk-SK"/>
+          </a:p>
+        </p:txBody>
+      </p:sp>
+      <p:sp>
+        <p:nvSpPr>
+          <p:cNvPr id="4" name="!!kruh">
+            <a:extLst>
+              <a:ext uri="{FF2B5EF4-FFF2-40B4-BE49-F238E27FC236}">
+                <a16:creationId xmlns:a16="http://schemas.microsoft.com/office/drawing/2014/main" id="{A5A0614D-2D3D-E002-BD75-F1F52EE2D8D1}"/>
+              </a:ext>
+            </a:extLst>
+          </p:cNvPr>
+          <p:cNvSpPr/>
+          <p:nvPr/>
+        </p:nvSpPr>
+        <p:spPr>
+          <a:xfrm>
+            <a:off x="-4222742" y="-2499633"/>
+            <a:ext cx="3807735" cy="3780463"/>
+          </a:xfrm>
+          <a:prstGeom prst="ellipse">
+            <a:avLst/>
+          </a:prstGeom>
+          <a:gradFill>
+            <a:gsLst>
+              <a:gs pos="35000">
+                <a:srgbClr val="CCFF99"/>
+              </a:gs>
+              <a:gs pos="66000">
+                <a:schemeClr val="accent1"/>
+              </a:gs>
+            </a:gsLst>
+            <a:path path="circle">
+              <a:fillToRect r="100000" b="100000"/>
+            </a:path>
+          </a:gradFill>
+          <a:ln w="177800">
+            <a:solidFill>
+              <a:srgbClr val="313944"/>
+            </a:solidFill>
+          </a:ln>
+        </p:spPr>
+        <p:style>
+          <a:lnRef idx="2">
+            <a:schemeClr val="accent1">
+              <a:shade val="50000"/>
+            </a:schemeClr>
+          </a:lnRef>
+          <a:fillRef idx="1">
+            <a:schemeClr val="accent1"/>
+          </a:fillRef>
+          <a:effectRef idx="0">
+            <a:schemeClr val="accent1"/>
+          </a:effectRef>
+          <a:fontRef idx="minor">
+            <a:schemeClr val="lt1"/>
+          </a:fontRef>
+        </p:style>
+        <p:txBody>
+          <a:bodyPr rtlCol="0" anchor="ctr"/>
+          <a:lstStyle/>
+          <a:p>
+            <a:pPr algn="ctr"/>
+            <a:endParaRPr lang="sk-SK"/>
+          </a:p>
+        </p:txBody>
+      </p:sp>
+      <p:sp>
+        <p:nvSpPr>
+          <p:cNvPr id="5" name="!!kruh">
+            <a:extLst>
+              <a:ext uri="{FF2B5EF4-FFF2-40B4-BE49-F238E27FC236}">
+                <a16:creationId xmlns:a16="http://schemas.microsoft.com/office/drawing/2014/main" id="{C052EA57-C2C7-3E5D-1384-85DD5C9C9E32}"/>
+              </a:ext>
+            </a:extLst>
+          </p:cNvPr>
+          <p:cNvSpPr/>
+          <p:nvPr/>
+        </p:nvSpPr>
+        <p:spPr>
+          <a:xfrm>
+            <a:off x="-8591550" y="1609737"/>
+            <a:ext cx="8038157" cy="7980586"/>
+          </a:xfrm>
+          <a:prstGeom prst="ellipse">
+            <a:avLst/>
+          </a:prstGeom>
+          <a:gradFill>
+            <a:gsLst>
+              <a:gs pos="35000">
+                <a:srgbClr val="CCFF99"/>
+              </a:gs>
+              <a:gs pos="66000">
+                <a:schemeClr val="accent1"/>
+              </a:gs>
+            </a:gsLst>
+            <a:path path="circle">
+              <a:fillToRect r="100000" b="100000"/>
+            </a:path>
+          </a:gradFill>
+          <a:ln w="177800">
+            <a:solidFill>
+              <a:srgbClr val="313944"/>
+            </a:solidFill>
+          </a:ln>
+        </p:spPr>
+        <p:style>
+          <a:lnRef idx="2">
+            <a:schemeClr val="accent1">
+              <a:shade val="50000"/>
+            </a:schemeClr>
+          </a:lnRef>
+          <a:fillRef idx="1">
+            <a:schemeClr val="accent1"/>
+          </a:fillRef>
+          <a:effectRef idx="0">
+            <a:schemeClr val="accent1"/>
+          </a:effectRef>
+          <a:fontRef idx="minor">
+            <a:schemeClr val="lt1"/>
+          </a:fontRef>
+        </p:style>
+        <p:txBody>
+          <a:bodyPr rtlCol="0" anchor="ctr"/>
+          <a:lstStyle/>
+          <a:p>
+            <a:pPr algn="ctr"/>
+            <a:endParaRPr lang="sk-SK"/>
+          </a:p>
+        </p:txBody>
+      </p:sp>
     </p:spTree>
     <p:extLst>
       <p:ext uri="{BB962C8B-B14F-4D97-AF65-F5344CB8AC3E}">
@@ -6306,13 +8239,13 @@
   <p:clrMapOvr>
     <a:masterClrMapping/>
   </p:clrMapOvr>
-  <mc:AlternateContent xmlns:mc="http://schemas.openxmlformats.org/markup-compatibility/2006" xmlns:p159="http://schemas.microsoft.com/office/powerpoint/2015/09/main">
-    <mc:Choice Requires="p159">
+  <mc:AlternateContent xmlns:mc="http://schemas.openxmlformats.org/markup-compatibility/2006">
+    <mc:Choice xmlns:p159="http://schemas.microsoft.com/office/powerpoint/2015/09/main" Requires="p159">
       <p:transition xmlns:p14="http://schemas.microsoft.com/office/powerpoint/2010/main" spd="slow" p14:dur="2000">
         <p159:morph option="byObject"/>
       </p:transition>
     </mc:Choice>
-    <mc:Fallback xmlns="">
+    <mc:Fallback>
       <p:transition spd="slow">
         <p:fade/>
       </p:transition>
@@ -6321,7 +8254,7 @@
 </p:sld>
 </file>
 
-<file path=ppt/slides/slide12.xml><?xml version="1.0" encoding="utf-8"?>
+<file path=ppt/slides/slide15.xml><?xml version="1.0" encoding="utf-8"?>
 <p:sld xmlns:a="http://schemas.openxmlformats.org/drawingml/2006/main" xmlns:r="http://schemas.openxmlformats.org/officeDocument/2006/relationships" xmlns:p="http://schemas.openxmlformats.org/presentationml/2006/main" show="0">
   <p:cSld>
     <p:spTree>
@@ -6401,6 +8334,961 @@
   <p:clrMapOvr>
     <a:masterClrMapping/>
   </p:clrMapOvr>
+</p:sld>
+</file>
+
+<file path=ppt/slides/slide16.xml><?xml version="1.0" encoding="utf-8"?>
+<p:sld xmlns:a="http://schemas.openxmlformats.org/drawingml/2006/main" xmlns:r="http://schemas.openxmlformats.org/officeDocument/2006/relationships" xmlns:p="http://schemas.openxmlformats.org/presentationml/2006/main">
+  <p:cSld>
+    <p:spTree>
+      <p:nvGrpSpPr>
+        <p:cNvPr id="1" name=""/>
+        <p:cNvGrpSpPr/>
+        <p:nvPr/>
+      </p:nvGrpSpPr>
+      <p:grpSpPr>
+        <a:xfrm>
+          <a:off x="0" y="0"/>
+          <a:ext cx="0" cy="0"/>
+          <a:chOff x="0" y="0"/>
+          <a:chExt cx="0" cy="0"/>
+        </a:xfrm>
+      </p:grpSpPr>
+      <mc:AlternateContent xmlns:mc="http://schemas.openxmlformats.org/markup-compatibility/2006">
+        <mc:Choice xmlns:am3d="http://schemas.microsoft.com/office/drawing/2017/model3d" Requires="am3d">
+          <p:graphicFrame>
+            <p:nvGraphicFramePr>
+              <p:cNvPr id="4" name="3D model 3">
+                <a:extLst>
+                  <a:ext uri="{FF2B5EF4-FFF2-40B4-BE49-F238E27FC236}">
+                    <a16:creationId xmlns:a16="http://schemas.microsoft.com/office/drawing/2014/main" id="{9EBF725A-6813-8F93-D026-7BE17DC838D1}"/>
+                  </a:ext>
+                </a:extLst>
+              </p:cNvPr>
+              <p:cNvGraphicFramePr>
+                <a:graphicFrameLocks noChangeAspect="1"/>
+              </p:cNvGraphicFramePr>
+              <p:nvPr/>
+            </p:nvGraphicFramePr>
+            <p:xfrm>
+              <a:off x="203879" y="2753341"/>
+              <a:ext cx="4155868" cy="3894867"/>
+            </p:xfrm>
+            <a:graphic>
+              <a:graphicData uri="http://schemas.microsoft.com/office/drawing/2017/model3d">
+                <am3d:model3d r:embed="rId3">
+                  <am3d:spPr>
+                    <a:xfrm>
+                      <a:off x="0" y="0"/>
+                      <a:ext cx="4155868" cy="3894867"/>
+                    </a:xfrm>
+                    <a:prstGeom prst="rect">
+                      <a:avLst/>
+                    </a:prstGeom>
+                    <a:effectLst/>
+                    <a:scene3d>
+                      <a:camera prst="orthographicFront"/>
+                      <a:lightRig rig="flat" dir="t"/>
+                    </a:scene3d>
+                    <a:sp3d prstMaterial="metal"/>
+                  </am3d:spPr>
+                  <am3d:camera>
+                    <am3d:pos x="0" y="0" z="58115465"/>
+                    <am3d:up dx="0" dy="36000000" dz="0"/>
+                    <am3d:lookAt x="0" y="0" z="0"/>
+                    <am3d:perspective fov="2700000"/>
+                  </am3d:camera>
+                  <am3d:trans>
+                    <am3d:meterPerModelUnit n="5435" d="1000000"/>
+                    <am3d:preTrans dx="1810740" dy="-1531274" dz="477627"/>
+                    <am3d:scale>
+                      <am3d:sx n="1000000" d="1000000"/>
+                      <am3d:sy n="1000000" d="1000000"/>
+                      <am3d:sz n="1000000" d="1000000"/>
+                    </am3d:scale>
+                    <am3d:rot ax="3363376" ay="1963770" az="2326413"/>
+                    <am3d:postTrans dx="0" dy="0" dz="0"/>
+                  </am3d:trans>
+                  <am3d:raster rName="Office3DRenderer" rVer="16.0.8326">
+                    <am3d:blip r:embed="rId4"/>
+                  </am3d:raster>
+                  <am3d:objViewport viewportSz="4707447"/>
+                  <am3d:ambientLight>
+                    <am3d:clr>
+                      <a:scrgbClr r="50000" g="50000" b="50000"/>
+                    </am3d:clr>
+                    <am3d:illuminance n="500000" d="1000000"/>
+                  </am3d:ambientLight>
+                  <am3d:ptLight rad="0">
+                    <am3d:clr>
+                      <a:scrgbClr r="100000" g="75000" b="50000"/>
+                    </am3d:clr>
+                    <am3d:intensity n="9765625" d="1000000"/>
+                    <am3d:pos x="21959998" y="70920001" z="16344003"/>
+                  </am3d:ptLight>
+                  <am3d:ptLight rad="0">
+                    <am3d:clr>
+                      <a:scrgbClr r="40000" g="60000" b="95000"/>
+                    </am3d:clr>
+                    <am3d:intensity n="12250000" d="1000000"/>
+                    <am3d:pos x="-37964106" y="51130435" z="57631972"/>
+                  </am3d:ptLight>
+                  <am3d:ptLight rad="0">
+                    <am3d:clr>
+                      <a:scrgbClr r="86837" g="72700" b="100000"/>
+                    </am3d:clr>
+                    <am3d:intensity n="3125000" d="1000000"/>
+                    <am3d:pos x="-37739122" y="58056624" z="-34769649"/>
+                  </am3d:ptLight>
+                </am3d:model3d>
+              </a:graphicData>
+            </a:graphic>
+          </p:graphicFrame>
+        </mc:Choice>
+        <mc:Fallback>
+          <p:pic>
+            <p:nvPicPr>
+              <p:cNvPr id="4" name="3D model 3">
+                <a:extLst>
+                  <a:ext uri="{FF2B5EF4-FFF2-40B4-BE49-F238E27FC236}">
+                    <a16:creationId xmlns:a16="http://schemas.microsoft.com/office/drawing/2014/main" id="{9EBF725A-6813-8F93-D026-7BE17DC838D1}"/>
+                  </a:ext>
+                </a:extLst>
+              </p:cNvPr>
+              <p:cNvPicPr>
+                <a:picLocks noGrp="1" noRot="1" noChangeAspect="1" noMove="1" noResize="1" noEditPoints="1" noAdjustHandles="1" noChangeArrowheads="1" noChangeShapeType="1" noCrop="1"/>
+              </p:cNvPicPr>
+              <p:nvPr/>
+            </p:nvPicPr>
+            <p:blipFill>
+              <a:blip r:embed="rId4"/>
+              <a:stretch>
+                <a:fillRect/>
+              </a:stretch>
+            </p:blipFill>
+            <p:spPr>
+              <a:xfrm>
+                <a:off x="203879" y="2753341"/>
+                <a:ext cx="4155868" cy="3894867"/>
+              </a:xfrm>
+              <a:prstGeom prst="rect">
+                <a:avLst/>
+              </a:prstGeom>
+              <a:effectLst/>
+              <a:scene3d>
+                <a:camera prst="orthographicFront"/>
+                <a:lightRig rig="flat" dir="t"/>
+              </a:scene3d>
+              <a:sp3d prstMaterial="metal"/>
+            </p:spPr>
+          </p:pic>
+        </mc:Fallback>
+      </mc:AlternateContent>
+      <p:sp>
+        <p:nvSpPr>
+          <p:cNvPr id="20" name="Obdĺžnik 19">
+            <a:extLst>
+              <a:ext uri="{FF2B5EF4-FFF2-40B4-BE49-F238E27FC236}">
+                <a16:creationId xmlns:a16="http://schemas.microsoft.com/office/drawing/2014/main" id="{EBFF46E7-F9DA-1A54-EFB2-F25F480E68D9}"/>
+              </a:ext>
+            </a:extLst>
+          </p:cNvPr>
+          <p:cNvSpPr/>
+          <p:nvPr/>
+        </p:nvSpPr>
+        <p:spPr>
+          <a:xfrm>
+            <a:off x="-1" y="0"/>
+            <a:ext cx="12192001" cy="6858000"/>
+          </a:xfrm>
+          <a:prstGeom prst="rect">
+            <a:avLst/>
+          </a:prstGeom>
+          <a:gradFill flip="none" rotWithShape="1">
+            <a:gsLst>
+              <a:gs pos="74000">
+                <a:srgbClr val="272727"/>
+              </a:gs>
+              <a:gs pos="0">
+                <a:schemeClr val="tx1">
+                  <a:lumMod val="95000"/>
+                  <a:lumOff val="5000"/>
+                </a:schemeClr>
+              </a:gs>
+              <a:gs pos="100000">
+                <a:schemeClr val="tx1">
+                  <a:lumMod val="75000"/>
+                  <a:lumOff val="25000"/>
+                </a:schemeClr>
+              </a:gs>
+            </a:gsLst>
+            <a:path path="circle">
+              <a:fillToRect l="100000" b="100000"/>
+            </a:path>
+            <a:tileRect t="-100000" r="-100000"/>
+          </a:gradFill>
+          <a:ln>
+            <a:noFill/>
+          </a:ln>
+        </p:spPr>
+        <p:style>
+          <a:lnRef idx="2">
+            <a:schemeClr val="accent1">
+              <a:shade val="50000"/>
+            </a:schemeClr>
+          </a:lnRef>
+          <a:fillRef idx="1">
+            <a:schemeClr val="accent1"/>
+          </a:fillRef>
+          <a:effectRef idx="0">
+            <a:schemeClr val="accent1"/>
+          </a:effectRef>
+          <a:fontRef idx="minor">
+            <a:schemeClr val="lt1"/>
+          </a:fontRef>
+        </p:style>
+        <p:txBody>
+          <a:bodyPr rtlCol="0" anchor="ctr"/>
+          <a:lstStyle/>
+          <a:p>
+            <a:pPr algn="ctr"/>
+            <a:endParaRPr lang="sk-SK"/>
+          </a:p>
+        </p:txBody>
+      </p:sp>
+      <p:sp>
+        <p:nvSpPr>
+          <p:cNvPr id="2" name="Nadpis 1">
+            <a:extLst>
+              <a:ext uri="{FF2B5EF4-FFF2-40B4-BE49-F238E27FC236}">
+                <a16:creationId xmlns:a16="http://schemas.microsoft.com/office/drawing/2014/main" id="{E561AC0E-7195-4ACF-AA0A-5E2923A987F7}"/>
+              </a:ext>
+            </a:extLst>
+          </p:cNvPr>
+          <p:cNvSpPr>
+            <a:spLocks noGrp="1"/>
+          </p:cNvSpPr>
+          <p:nvPr>
+            <p:ph type="ctrTitle"/>
+          </p:nvPr>
+        </p:nvSpPr>
+        <p:spPr>
+          <a:xfrm>
+            <a:off x="-3576851" y="4768297"/>
+            <a:ext cx="7327797" cy="726536"/>
+          </a:xfrm>
+        </p:spPr>
+        <p:txBody>
+          <a:bodyPr rtlCol="0" anchor="t">
+            <a:normAutofit fontScale="90000"/>
+          </a:bodyPr>
+          <a:lstStyle/>
+          <a:p>
+            <a:pPr algn="l" rtl="0"/>
+            <a:r>
+              <a:rPr lang="sk-SK" sz="4400" dirty="0">
+                <a:solidFill>
+                  <a:schemeClr val="bg1"/>
+                </a:solidFill>
+                <a:latin typeface="Lucida Console" panose="020B0609040504020204" pitchFamily="49" charset="0"/>
+                <a:cs typeface="Segoe UI" panose="020B0502040204020203" pitchFamily="34" charset="0"/>
+              </a:rPr>
+              <a:t>INTERNET VECÍ PRAKTICKY</a:t>
+            </a:r>
+          </a:p>
+        </p:txBody>
+      </p:sp>
+      <p:sp>
+        <p:nvSpPr>
+          <p:cNvPr id="10" name="Obdĺžnik: zaoblené rohy 9">
+            <a:extLst>
+              <a:ext uri="{FF2B5EF4-FFF2-40B4-BE49-F238E27FC236}">
+                <a16:creationId xmlns:a16="http://schemas.microsoft.com/office/drawing/2014/main" id="{A4FC89C0-D719-9642-3007-9F4CE0F04065}"/>
+              </a:ext>
+            </a:extLst>
+          </p:cNvPr>
+          <p:cNvSpPr/>
+          <p:nvPr/>
+        </p:nvSpPr>
+        <p:spPr>
+          <a:xfrm>
+            <a:off x="41173" y="3537359"/>
+            <a:ext cx="2836790" cy="3005410"/>
+          </a:xfrm>
+          <a:prstGeom prst="roundRect">
+            <a:avLst/>
+          </a:prstGeom>
+          <a:gradFill flip="none" rotWithShape="1">
+            <a:gsLst>
+              <a:gs pos="23000">
+                <a:srgbClr val="CCFF99"/>
+              </a:gs>
+              <a:gs pos="74000">
+                <a:schemeClr val="accent1"/>
+              </a:gs>
+            </a:gsLst>
+            <a:path path="circle">
+              <a:fillToRect l="100000" b="100000"/>
+            </a:path>
+            <a:tileRect t="-100000" r="-100000"/>
+          </a:gradFill>
+          <a:ln w="127000">
+            <a:solidFill>
+              <a:srgbClr val="313944"/>
+            </a:solidFill>
+          </a:ln>
+        </p:spPr>
+        <p:style>
+          <a:lnRef idx="2">
+            <a:schemeClr val="accent1">
+              <a:shade val="50000"/>
+            </a:schemeClr>
+          </a:lnRef>
+          <a:fillRef idx="1">
+            <a:schemeClr val="accent1"/>
+          </a:fillRef>
+          <a:effectRef idx="0">
+            <a:schemeClr val="accent1"/>
+          </a:effectRef>
+          <a:fontRef idx="minor">
+            <a:schemeClr val="lt1"/>
+          </a:fontRef>
+        </p:style>
+        <p:txBody>
+          <a:bodyPr rtlCol="0" anchor="ctr"/>
+          <a:lstStyle/>
+          <a:p>
+            <a:pPr algn="ctr"/>
+            <a:endParaRPr lang="sk-SK"/>
+          </a:p>
+        </p:txBody>
+      </p:sp>
+      <p:sp>
+        <p:nvSpPr>
+          <p:cNvPr id="3" name="Podnadpis 2">
+            <a:extLst>
+              <a:ext uri="{FF2B5EF4-FFF2-40B4-BE49-F238E27FC236}">
+                <a16:creationId xmlns:a16="http://schemas.microsoft.com/office/drawing/2014/main" id="{814253EE-4FA2-4843-BE27-C7D5B08FFB81}"/>
+              </a:ext>
+            </a:extLst>
+          </p:cNvPr>
+          <p:cNvSpPr>
+            <a:spLocks noGrp="1"/>
+          </p:cNvSpPr>
+          <p:nvPr>
+            <p:ph type="subTitle" idx="1"/>
+          </p:nvPr>
+        </p:nvSpPr>
+        <p:spPr>
+          <a:xfrm>
+            <a:off x="-3537530" y="5414115"/>
+            <a:ext cx="5962904" cy="1177186"/>
+          </a:xfrm>
+        </p:spPr>
+        <p:txBody>
+          <a:bodyPr rtlCol="0" anchor="b">
+            <a:normAutofit/>
+          </a:bodyPr>
+          <a:lstStyle/>
+          <a:p>
+            <a:pPr algn="l" rtl="0"/>
+            <a:r>
+              <a:rPr lang="sk-SK" sz="2000" dirty="0">
+                <a:solidFill>
+                  <a:schemeClr val="bg1"/>
+                </a:solidFill>
+                <a:latin typeface="Lucida Console" panose="020B0609040504020204" pitchFamily="49" charset="0"/>
+              </a:rPr>
+              <a:t>Konzultant: Ing. Monika </a:t>
+            </a:r>
+            <a:r>
+              <a:rPr lang="sk-SK" sz="2000" dirty="0" err="1">
+                <a:solidFill>
+                  <a:schemeClr val="bg1"/>
+                </a:solidFill>
+                <a:latin typeface="Lucida Console" panose="020B0609040504020204" pitchFamily="49" charset="0"/>
+              </a:rPr>
+              <a:t>Rolková</a:t>
+            </a:r>
+            <a:endParaRPr lang="sk-SK" sz="2000" dirty="0">
+              <a:solidFill>
+                <a:schemeClr val="bg1"/>
+              </a:solidFill>
+              <a:latin typeface="Lucida Console" panose="020B0609040504020204" pitchFamily="49" charset="0"/>
+            </a:endParaRPr>
+          </a:p>
+          <a:p>
+            <a:pPr algn="l"/>
+            <a:r>
+              <a:rPr lang="sk-SK" sz="2000" dirty="0">
+                <a:solidFill>
+                  <a:schemeClr val="bg1"/>
+                </a:solidFill>
+                <a:latin typeface="Lucida Console" panose="020B0609040504020204" pitchFamily="49" charset="0"/>
+              </a:rPr>
+              <a:t>Martin </a:t>
+            </a:r>
+            <a:r>
+              <a:rPr lang="sk-SK" sz="2000" dirty="0" err="1">
+                <a:solidFill>
+                  <a:schemeClr val="bg1"/>
+                </a:solidFill>
+                <a:latin typeface="Lucida Console" panose="020B0609040504020204" pitchFamily="49" charset="0"/>
+              </a:rPr>
+              <a:t>Ďugel</a:t>
+            </a:r>
+            <a:r>
+              <a:rPr lang="sk-SK" sz="2000" dirty="0">
+                <a:solidFill>
+                  <a:schemeClr val="bg1"/>
+                </a:solidFill>
+                <a:latin typeface="Lucida Console" panose="020B0609040504020204" pitchFamily="49" charset="0"/>
+              </a:rPr>
+              <a:t> a Tomáš Papaj</a:t>
+            </a:r>
+          </a:p>
+          <a:p>
+            <a:pPr algn="l" rtl="0"/>
+            <a:r>
+              <a:rPr lang="sk-SK" sz="2000" dirty="0">
+                <a:solidFill>
+                  <a:schemeClr val="bg1"/>
+                </a:solidFill>
+                <a:latin typeface="Lucida Console" panose="020B0609040504020204" pitchFamily="49" charset="0"/>
+              </a:rPr>
+              <a:t>IV.BI</a:t>
+            </a:r>
+          </a:p>
+        </p:txBody>
+      </p:sp>
+      <p:sp>
+        <p:nvSpPr>
+          <p:cNvPr id="11" name="!!kruh">
+            <a:extLst>
+              <a:ext uri="{FF2B5EF4-FFF2-40B4-BE49-F238E27FC236}">
+                <a16:creationId xmlns:a16="http://schemas.microsoft.com/office/drawing/2014/main" id="{678EEDAB-0893-4C5E-262B-695F5AF3D023}"/>
+              </a:ext>
+            </a:extLst>
+          </p:cNvPr>
+          <p:cNvSpPr/>
+          <p:nvPr/>
+        </p:nvSpPr>
+        <p:spPr>
+          <a:xfrm>
+            <a:off x="-2503172" y="2439354"/>
+            <a:ext cx="6382731" cy="6337017"/>
+          </a:xfrm>
+          <a:prstGeom prst="ellipse">
+            <a:avLst/>
+          </a:prstGeom>
+          <a:gradFill>
+            <a:gsLst>
+              <a:gs pos="35000">
+                <a:srgbClr val="CCFF99"/>
+              </a:gs>
+              <a:gs pos="66000">
+                <a:schemeClr val="accent1"/>
+              </a:gs>
+            </a:gsLst>
+            <a:path path="circle">
+              <a:fillToRect r="100000" b="100000"/>
+            </a:path>
+          </a:gradFill>
+          <a:ln w="177800">
+            <a:solidFill>
+              <a:srgbClr val="313944"/>
+            </a:solidFill>
+          </a:ln>
+        </p:spPr>
+        <p:style>
+          <a:lnRef idx="2">
+            <a:schemeClr val="accent1">
+              <a:shade val="50000"/>
+            </a:schemeClr>
+          </a:lnRef>
+          <a:fillRef idx="1">
+            <a:schemeClr val="accent1"/>
+          </a:fillRef>
+          <a:effectRef idx="0">
+            <a:schemeClr val="accent1"/>
+          </a:effectRef>
+          <a:fontRef idx="minor">
+            <a:schemeClr val="lt1"/>
+          </a:fontRef>
+        </p:style>
+        <p:txBody>
+          <a:bodyPr rtlCol="0" anchor="ctr"/>
+          <a:lstStyle/>
+          <a:p>
+            <a:pPr algn="ctr"/>
+            <a:endParaRPr lang="sk-SK"/>
+          </a:p>
+        </p:txBody>
+      </p:sp>
+      <p:sp>
+        <p:nvSpPr>
+          <p:cNvPr id="9" name="!!kruh">
+            <a:extLst>
+              <a:ext uri="{FF2B5EF4-FFF2-40B4-BE49-F238E27FC236}">
+                <a16:creationId xmlns:a16="http://schemas.microsoft.com/office/drawing/2014/main" id="{9E9615FE-7B32-DD7B-DF60-07802DAC5307}"/>
+              </a:ext>
+            </a:extLst>
+          </p:cNvPr>
+          <p:cNvSpPr/>
+          <p:nvPr/>
+        </p:nvSpPr>
+        <p:spPr>
+          <a:xfrm>
+            <a:off x="1240069" y="-1445368"/>
+            <a:ext cx="3807735" cy="3780463"/>
+          </a:xfrm>
+          <a:prstGeom prst="ellipse">
+            <a:avLst/>
+          </a:prstGeom>
+          <a:gradFill>
+            <a:gsLst>
+              <a:gs pos="35000">
+                <a:srgbClr val="CCFF99"/>
+              </a:gs>
+              <a:gs pos="66000">
+                <a:schemeClr val="accent1"/>
+              </a:gs>
+            </a:gsLst>
+            <a:path path="circle">
+              <a:fillToRect r="100000" b="100000"/>
+            </a:path>
+          </a:gradFill>
+          <a:ln w="177800">
+            <a:solidFill>
+              <a:srgbClr val="313944"/>
+            </a:solidFill>
+          </a:ln>
+        </p:spPr>
+        <p:style>
+          <a:lnRef idx="2">
+            <a:schemeClr val="accent1">
+              <a:shade val="50000"/>
+            </a:schemeClr>
+          </a:lnRef>
+          <a:fillRef idx="1">
+            <a:schemeClr val="accent1"/>
+          </a:fillRef>
+          <a:effectRef idx="0">
+            <a:schemeClr val="accent1"/>
+          </a:effectRef>
+          <a:fontRef idx="minor">
+            <a:schemeClr val="lt1"/>
+          </a:fontRef>
+        </p:style>
+        <p:txBody>
+          <a:bodyPr rtlCol="0" anchor="ctr"/>
+          <a:lstStyle/>
+          <a:p>
+            <a:pPr algn="ctr"/>
+            <a:endParaRPr lang="sk-SK"/>
+          </a:p>
+        </p:txBody>
+      </p:sp>
+      <p:sp>
+        <p:nvSpPr>
+          <p:cNvPr id="5" name="!!kruh">
+            <a:extLst>
+              <a:ext uri="{FF2B5EF4-FFF2-40B4-BE49-F238E27FC236}">
+                <a16:creationId xmlns:a16="http://schemas.microsoft.com/office/drawing/2014/main" id="{EC37C8D4-42F3-20B0-3D27-24CA8CCFE1AD}"/>
+              </a:ext>
+            </a:extLst>
+          </p:cNvPr>
+          <p:cNvSpPr/>
+          <p:nvPr/>
+        </p:nvSpPr>
+        <p:spPr>
+          <a:xfrm>
+            <a:off x="5281241" y="923925"/>
+            <a:ext cx="3060394" cy="3038475"/>
+          </a:xfrm>
+          <a:prstGeom prst="ellipse">
+            <a:avLst/>
+          </a:prstGeom>
+          <a:gradFill>
+            <a:gsLst>
+              <a:gs pos="35000">
+                <a:srgbClr val="CCFF99"/>
+              </a:gs>
+              <a:gs pos="66000">
+                <a:schemeClr val="accent1"/>
+              </a:gs>
+            </a:gsLst>
+            <a:path path="circle">
+              <a:fillToRect r="100000" b="100000"/>
+            </a:path>
+          </a:gradFill>
+          <a:ln w="177800">
+            <a:solidFill>
+              <a:srgbClr val="313944"/>
+            </a:solidFill>
+          </a:ln>
+        </p:spPr>
+        <p:style>
+          <a:lnRef idx="2">
+            <a:schemeClr val="accent1">
+              <a:shade val="50000"/>
+            </a:schemeClr>
+          </a:lnRef>
+          <a:fillRef idx="1">
+            <a:schemeClr val="accent1"/>
+          </a:fillRef>
+          <a:effectRef idx="0">
+            <a:schemeClr val="accent1"/>
+          </a:effectRef>
+          <a:fontRef idx="minor">
+            <a:schemeClr val="lt1"/>
+          </a:fontRef>
+        </p:style>
+        <p:txBody>
+          <a:bodyPr rtlCol="0" anchor="ctr"/>
+          <a:lstStyle/>
+          <a:p>
+            <a:pPr algn="ctr"/>
+            <a:endParaRPr lang="sk-SK"/>
+          </a:p>
+        </p:txBody>
+      </p:sp>
+      <p:pic>
+        <p:nvPicPr>
+          <p:cNvPr id="6" name="Picture 2">
+            <a:extLst>
+              <a:ext uri="{FF2B5EF4-FFF2-40B4-BE49-F238E27FC236}">
+                <a16:creationId xmlns:a16="http://schemas.microsoft.com/office/drawing/2014/main" id="{D87262DC-B192-1CE8-FD92-647E875D1CE9}"/>
+              </a:ext>
+            </a:extLst>
+          </p:cNvPr>
+          <p:cNvPicPr>
+            <a:picLocks noChangeAspect="1" noChangeArrowheads="1"/>
+          </p:cNvPicPr>
+          <p:nvPr/>
+        </p:nvPicPr>
+        <p:blipFill>
+          <a:blip r:embed="rId5">
+            <a:biLevel thresh="50000"/>
+            <a:extLst>
+              <a:ext uri="{28A0092B-C50C-407E-A947-70E740481C1C}">
+                <a14:useLocalDpi xmlns:a14="http://schemas.microsoft.com/office/drawing/2010/main" val="0"/>
+              </a:ext>
+            </a:extLst>
+          </a:blip>
+          <a:srcRect/>
+          <a:stretch>
+            <a:fillRect/>
+          </a:stretch>
+        </p:blipFill>
+        <p:spPr bwMode="auto">
+          <a:xfrm>
+            <a:off x="1978784" y="147341"/>
+            <a:ext cx="2330307" cy="1585593"/>
+          </a:xfrm>
+          <a:prstGeom prst="rect">
+            <a:avLst/>
+          </a:prstGeom>
+          <a:noFill/>
+          <a:ln>
+            <a:noFill/>
+          </a:ln>
+          <a:extLst>
+            <a:ext uri="{909E8E84-426E-40DD-AFC4-6F175D3DCCD1}">
+              <a14:hiddenFill xmlns:a14="http://schemas.microsoft.com/office/drawing/2010/main">
+                <a:solidFill>
+                  <a:srgbClr val="FFFFFF"/>
+                </a:solidFill>
+              </a14:hiddenFill>
+            </a:ext>
+          </a:extLst>
+        </p:spPr>
+      </p:pic>
+      <p:pic>
+        <p:nvPicPr>
+          <p:cNvPr id="8" name="Obrázok 7">
+            <a:extLst>
+              <a:ext uri="{FF2B5EF4-FFF2-40B4-BE49-F238E27FC236}">
+                <a16:creationId xmlns:a16="http://schemas.microsoft.com/office/drawing/2014/main" id="{CDCDFF04-2B62-4E86-595C-899D59534243}"/>
+              </a:ext>
+            </a:extLst>
+          </p:cNvPr>
+          <p:cNvPicPr>
+            <a:picLocks noChangeAspect="1"/>
+          </p:cNvPicPr>
+          <p:nvPr/>
+        </p:nvPicPr>
+        <p:blipFill>
+          <a:blip r:embed="rId6">
+            <a:biLevel thresh="75000"/>
+            <a:extLst>
+              <a:ext uri="{28A0092B-C50C-407E-A947-70E740481C1C}">
+                <a14:useLocalDpi xmlns:a14="http://schemas.microsoft.com/office/drawing/2010/main" val="0"/>
+              </a:ext>
+            </a:extLst>
+          </a:blip>
+          <a:stretch>
+            <a:fillRect/>
+          </a:stretch>
+        </p:blipFill>
+        <p:spPr>
+          <a:xfrm>
+            <a:off x="5547943" y="1220279"/>
+            <a:ext cx="2526990" cy="2438151"/>
+          </a:xfrm>
+          <a:prstGeom prst="rect">
+            <a:avLst/>
+          </a:prstGeom>
+        </p:spPr>
+      </p:pic>
+      <p:sp>
+        <p:nvSpPr>
+          <p:cNvPr id="12" name="!!kruh">
+            <a:extLst>
+              <a:ext uri="{FF2B5EF4-FFF2-40B4-BE49-F238E27FC236}">
+                <a16:creationId xmlns:a16="http://schemas.microsoft.com/office/drawing/2014/main" id="{68275DAA-B33D-5A85-9617-130ECE0B74B7}"/>
+              </a:ext>
+            </a:extLst>
+          </p:cNvPr>
+          <p:cNvSpPr/>
+          <p:nvPr/>
+        </p:nvSpPr>
+        <p:spPr>
+          <a:xfrm>
+            <a:off x="8746522" y="-1972740"/>
+            <a:ext cx="5559039" cy="5559039"/>
+          </a:xfrm>
+          <a:prstGeom prst="ellipse">
+            <a:avLst/>
+          </a:prstGeom>
+          <a:gradFill>
+            <a:gsLst>
+              <a:gs pos="35000">
+                <a:srgbClr val="CCFF99"/>
+              </a:gs>
+              <a:gs pos="66000">
+                <a:schemeClr val="accent1"/>
+              </a:gs>
+            </a:gsLst>
+            <a:path path="circle">
+              <a:fillToRect r="100000" b="100000"/>
+            </a:path>
+          </a:gradFill>
+          <a:ln w="177800">
+            <a:solidFill>
+              <a:srgbClr val="313944"/>
+            </a:solidFill>
+          </a:ln>
+        </p:spPr>
+        <p:style>
+          <a:lnRef idx="2">
+            <a:schemeClr val="accent1">
+              <a:shade val="50000"/>
+            </a:schemeClr>
+          </a:lnRef>
+          <a:fillRef idx="1">
+            <a:schemeClr val="accent1"/>
+          </a:fillRef>
+          <a:effectRef idx="0">
+            <a:schemeClr val="accent1"/>
+          </a:effectRef>
+          <a:fontRef idx="minor">
+            <a:schemeClr val="lt1"/>
+          </a:fontRef>
+        </p:style>
+        <p:txBody>
+          <a:bodyPr rtlCol="0" anchor="ctr"/>
+          <a:lstStyle/>
+          <a:p>
+            <a:pPr algn="ctr"/>
+            <a:endParaRPr lang="sk-SK"/>
+          </a:p>
+        </p:txBody>
+      </p:sp>
+      <p:pic>
+        <p:nvPicPr>
+          <p:cNvPr id="13" name="Picture 10" descr="Uno WiFi Rev2 - Arduino | Mouser">
+            <a:extLst>
+              <a:ext uri="{FF2B5EF4-FFF2-40B4-BE49-F238E27FC236}">
+                <a16:creationId xmlns:a16="http://schemas.microsoft.com/office/drawing/2014/main" id="{2A5848CD-40CA-E671-0989-E5EDCFA15D80}"/>
+              </a:ext>
+            </a:extLst>
+          </p:cNvPr>
+          <p:cNvPicPr>
+            <a:picLocks noChangeAspect="1" noChangeArrowheads="1"/>
+          </p:cNvPicPr>
+          <p:nvPr/>
+        </p:nvPicPr>
+        <p:blipFill>
+          <a:blip r:embed="rId7">
+            <a:extLst>
+              <a:ext uri="{28A0092B-C50C-407E-A947-70E740481C1C}">
+                <a14:useLocalDpi xmlns:a14="http://schemas.microsoft.com/office/drawing/2010/main" val="0"/>
+              </a:ext>
+            </a:extLst>
+          </a:blip>
+          <a:srcRect/>
+          <a:stretch>
+            <a:fillRect/>
+          </a:stretch>
+        </p:blipFill>
+        <p:spPr bwMode="auto">
+          <a:xfrm>
+            <a:off x="-142540" y="3325643"/>
+            <a:ext cx="4777174" cy="3471413"/>
+          </a:xfrm>
+          <a:prstGeom prst="rect">
+            <a:avLst/>
+          </a:prstGeom>
+          <a:noFill/>
+          <a:extLst>
+            <a:ext uri="{909E8E84-426E-40DD-AFC4-6F175D3DCCD1}">
+              <a14:hiddenFill xmlns:a14="http://schemas.microsoft.com/office/drawing/2010/main">
+                <a:solidFill>
+                  <a:srgbClr val="FFFFFF"/>
+                </a:solidFill>
+              </a14:hiddenFill>
+            </a:ext>
+          </a:extLst>
+        </p:spPr>
+      </p:pic>
+      <p:sp>
+        <p:nvSpPr>
+          <p:cNvPr id="7" name="Obdĺžnik 6">
+            <a:extLst>
+              <a:ext uri="{FF2B5EF4-FFF2-40B4-BE49-F238E27FC236}">
+                <a16:creationId xmlns:a16="http://schemas.microsoft.com/office/drawing/2014/main" id="{C4371389-6A5F-2B8E-3736-625350A54E30}"/>
+              </a:ext>
+            </a:extLst>
+          </p:cNvPr>
+          <p:cNvSpPr/>
+          <p:nvPr/>
+        </p:nvSpPr>
+        <p:spPr>
+          <a:xfrm>
+            <a:off x="0" y="7402374"/>
+            <a:ext cx="12192000" cy="3809915"/>
+          </a:xfrm>
+          <a:prstGeom prst="rect">
+            <a:avLst/>
+          </a:prstGeom>
+          <a:solidFill>
+            <a:schemeClr val="dk1">
+              <a:alpha val="40000"/>
+            </a:schemeClr>
+          </a:solidFill>
+          <a:ln>
+            <a:noFill/>
+          </a:ln>
+        </p:spPr>
+        <p:style>
+          <a:lnRef idx="2">
+            <a:schemeClr val="dk1">
+              <a:shade val="50000"/>
+            </a:schemeClr>
+          </a:lnRef>
+          <a:fillRef idx="1">
+            <a:schemeClr val="dk1"/>
+          </a:fillRef>
+          <a:effectRef idx="0">
+            <a:schemeClr val="dk1"/>
+          </a:effectRef>
+          <a:fontRef idx="minor">
+            <a:schemeClr val="lt1"/>
+          </a:fontRef>
+        </p:style>
+        <p:txBody>
+          <a:bodyPr rtlCol="0" anchor="ctr"/>
+          <a:lstStyle/>
+          <a:p>
+            <a:pPr algn="ctr"/>
+            <a:endParaRPr lang="sk-SK"/>
+          </a:p>
+        </p:txBody>
+      </p:sp>
+      <p:sp>
+        <p:nvSpPr>
+          <p:cNvPr id="14" name="Nadpis 1">
+            <a:extLst>
+              <a:ext uri="{FF2B5EF4-FFF2-40B4-BE49-F238E27FC236}">
+                <a16:creationId xmlns:a16="http://schemas.microsoft.com/office/drawing/2014/main" id="{FFE755EC-FC48-DC0D-7462-E15B7C99AF5F}"/>
+              </a:ext>
+            </a:extLst>
+          </p:cNvPr>
+          <p:cNvSpPr txBox="1">
+            <a:spLocks/>
+          </p:cNvSpPr>
+          <p:nvPr/>
+        </p:nvSpPr>
+        <p:spPr>
+          <a:xfrm>
+            <a:off x="5278608" y="4377093"/>
+            <a:ext cx="6116223" cy="1325942"/>
+          </a:xfrm>
+          <a:prstGeom prst="rect">
+            <a:avLst/>
+          </a:prstGeom>
+        </p:spPr>
+        <p:txBody>
+          <a:bodyPr vert="horz" lIns="91440" tIns="45720" rIns="91440" bIns="45720" rtlCol="0" anchor="t">
+            <a:noAutofit/>
+          </a:bodyPr>
+          <a:lstStyle>
+            <a:lvl1pPr algn="ctr" defTabSz="914400" rtl="0" eaLnBrk="1" latinLnBrk="0" hangingPunct="1">
+              <a:lnSpc>
+                <a:spcPct val="90000"/>
+              </a:lnSpc>
+              <a:spcBef>
+                <a:spcPct val="0"/>
+              </a:spcBef>
+              <a:buNone/>
+              <a:defRPr sz="6000" kern="1200">
+                <a:solidFill>
+                  <a:schemeClr val="tx1"/>
+                </a:solidFill>
+                <a:latin typeface="+mj-lt"/>
+                <a:ea typeface="+mj-ea"/>
+                <a:cs typeface="+mj-cs"/>
+              </a:defRPr>
+            </a:lvl1pPr>
+          </a:lstStyle>
+          <a:p>
+            <a:pPr algn="l"/>
+            <a:r>
+              <a:rPr lang="sk-SK" sz="6600" dirty="0">
+                <a:solidFill>
+                  <a:schemeClr val="bg1"/>
+                </a:solidFill>
+                <a:latin typeface="Lucida Console" panose="020B0609040504020204" pitchFamily="49" charset="0"/>
+                <a:cs typeface="Segoe UI" panose="020B0502040204020203" pitchFamily="34" charset="0"/>
+              </a:rPr>
+              <a:t>Ďakujeme za pozornosť</a:t>
+            </a:r>
+          </a:p>
+        </p:txBody>
+      </p:sp>
+    </p:spTree>
+    <p:extLst>
+      <p:ext uri="{BB962C8B-B14F-4D97-AF65-F5344CB8AC3E}">
+        <p14:creationId xmlns:p14="http://schemas.microsoft.com/office/powerpoint/2010/main" val="3638018097"/>
+      </p:ext>
+    </p:extLst>
+  </p:cSld>
+  <p:clrMapOvr>
+    <a:masterClrMapping/>
+  </p:clrMapOvr>
+  <mc:AlternateContent xmlns:mc="http://schemas.openxmlformats.org/markup-compatibility/2006">
+    <mc:Choice xmlns:p159="http://schemas.microsoft.com/office/powerpoint/2015/09/main" Requires="p159">
+      <p:transition xmlns:p14="http://schemas.microsoft.com/office/powerpoint/2010/main" spd="slow" p14:dur="2000">
+        <p159:morph option="byObject"/>
+      </p:transition>
+    </mc:Choice>
+    <mc:Fallback>
+      <p:transition spd="slow">
+        <p:fade/>
+      </p:transition>
+    </mc:Fallback>
+  </mc:AlternateContent>
 </p:sld>
 </file>
 
@@ -7283,13 +10171,13 @@
   <p:clrMapOvr>
     <a:masterClrMapping/>
   </p:clrMapOvr>
-  <mc:AlternateContent xmlns:mc="http://schemas.openxmlformats.org/markup-compatibility/2006">
-    <mc:Choice xmlns:p159="http://schemas.microsoft.com/office/powerpoint/2015/09/main" Requires="p159">
+  <mc:AlternateContent xmlns:mc="http://schemas.openxmlformats.org/markup-compatibility/2006" xmlns:p159="http://schemas.microsoft.com/office/powerpoint/2015/09/main">
+    <mc:Choice Requires="p159">
       <p:transition xmlns:p14="http://schemas.microsoft.com/office/powerpoint/2010/main" spd="slow" p14:dur="2000">
         <p159:morph option="byObject"/>
       </p:transition>
     </mc:Choice>
-    <mc:Fallback>
+    <mc:Fallback xmlns="">
       <p:transition spd="slow">
         <p:fade/>
       </p:transition>
@@ -7972,14 +10860,218 @@
           </a:extLst>
         </p:spPr>
       </p:pic>
+      <p:sp>
+        <p:nvSpPr>
+          <p:cNvPr id="14" name="BlokTextu 13">
+            <a:extLst>
+              <a:ext uri="{FF2B5EF4-FFF2-40B4-BE49-F238E27FC236}">
+                <a16:creationId xmlns:a16="http://schemas.microsoft.com/office/drawing/2014/main" id="{B8DD3BFD-57F5-6E9A-4F2C-51CD8D5D7324}"/>
+              </a:ext>
+            </a:extLst>
+          </p:cNvPr>
+          <p:cNvSpPr txBox="1"/>
+          <p:nvPr/>
+        </p:nvSpPr>
+        <p:spPr>
+          <a:xfrm>
+            <a:off x="672274" y="3969150"/>
+            <a:ext cx="2443210" cy="892552"/>
+          </a:xfrm>
+          <a:prstGeom prst="rect">
+            <a:avLst/>
+          </a:prstGeom>
+          <a:noFill/>
+        </p:spPr>
+        <p:txBody>
+          <a:bodyPr wrap="square" rtlCol="0">
+            <a:spAutoFit/>
+          </a:bodyPr>
+          <a:lstStyle/>
+          <a:p>
+            <a:r>
+              <a:rPr lang="sk-SK" sz="3200" dirty="0">
+                <a:solidFill>
+                  <a:schemeClr val="bg1"/>
+                </a:solidFill>
+                <a:latin typeface="Impact" panose="020B0806030902050204" pitchFamily="34" charset="0"/>
+              </a:rPr>
+              <a:t>  01.</a:t>
+            </a:r>
+          </a:p>
+          <a:p>
+            <a:r>
+              <a:rPr lang="sk-SK" dirty="0">
+                <a:solidFill>
+                  <a:schemeClr val="bg1"/>
+                </a:solidFill>
+                <a:latin typeface="Impact" panose="020B0806030902050204" pitchFamily="34" charset="0"/>
+              </a:rPr>
+              <a:t>    ÚVOD  DO  PRÁCE</a:t>
+            </a:r>
+          </a:p>
+        </p:txBody>
+      </p:sp>
+      <p:sp>
+        <p:nvSpPr>
+          <p:cNvPr id="16" name="BlokTextu 15">
+            <a:extLst>
+              <a:ext uri="{FF2B5EF4-FFF2-40B4-BE49-F238E27FC236}">
+                <a16:creationId xmlns:a16="http://schemas.microsoft.com/office/drawing/2014/main" id="{016514B9-F8C5-A69E-BF7B-A0E10D11851B}"/>
+              </a:ext>
+            </a:extLst>
+          </p:cNvPr>
+          <p:cNvSpPr txBox="1"/>
+          <p:nvPr/>
+        </p:nvSpPr>
+        <p:spPr>
+          <a:xfrm>
+            <a:off x="6284967" y="3962400"/>
+            <a:ext cx="2443210" cy="892552"/>
+          </a:xfrm>
+          <a:prstGeom prst="rect">
+            <a:avLst/>
+          </a:prstGeom>
+          <a:noFill/>
+        </p:spPr>
+        <p:txBody>
+          <a:bodyPr wrap="square" rtlCol="0">
+            <a:spAutoFit/>
+          </a:bodyPr>
+          <a:lstStyle/>
+          <a:p>
+            <a:r>
+              <a:rPr lang="sk-SK" sz="3200" dirty="0">
+                <a:solidFill>
+                  <a:schemeClr val="bg1"/>
+                </a:solidFill>
+                <a:latin typeface="Impact" panose="020B0806030902050204" pitchFamily="34" charset="0"/>
+              </a:rPr>
+              <a:t>  03.</a:t>
+            </a:r>
+          </a:p>
+          <a:p>
+            <a:r>
+              <a:rPr lang="sk-SK" dirty="0">
+                <a:solidFill>
+                  <a:schemeClr val="bg1"/>
+                </a:solidFill>
+                <a:latin typeface="Impact" panose="020B0806030902050204" pitchFamily="34" charset="0"/>
+              </a:rPr>
+              <a:t>    PRACOVNÉ  LISTY</a:t>
+            </a:r>
+          </a:p>
+        </p:txBody>
+      </p:sp>
+      <p:sp>
+        <p:nvSpPr>
+          <p:cNvPr id="17" name="BlokTextu 16">
+            <a:extLst>
+              <a:ext uri="{FF2B5EF4-FFF2-40B4-BE49-F238E27FC236}">
+                <a16:creationId xmlns:a16="http://schemas.microsoft.com/office/drawing/2014/main" id="{C53DA85B-3334-B8D2-588A-E1D81993E609}"/>
+              </a:ext>
+            </a:extLst>
+          </p:cNvPr>
+          <p:cNvSpPr txBox="1"/>
+          <p:nvPr/>
+        </p:nvSpPr>
+        <p:spPr>
+          <a:xfrm>
+            <a:off x="9093483" y="3955143"/>
+            <a:ext cx="2443210" cy="892552"/>
+          </a:xfrm>
+          <a:prstGeom prst="rect">
+            <a:avLst/>
+          </a:prstGeom>
+          <a:noFill/>
+        </p:spPr>
+        <p:txBody>
+          <a:bodyPr wrap="square" rtlCol="0">
+            <a:spAutoFit/>
+          </a:bodyPr>
+          <a:lstStyle/>
+          <a:p>
+            <a:r>
+              <a:rPr lang="sk-SK" sz="3200" dirty="0">
+                <a:solidFill>
+                  <a:schemeClr val="bg1"/>
+                </a:solidFill>
+                <a:latin typeface="Impact" panose="020B0806030902050204" pitchFamily="34" charset="0"/>
+              </a:rPr>
+              <a:t>  04.</a:t>
+            </a:r>
+          </a:p>
+          <a:p>
+            <a:r>
+              <a:rPr lang="sk-SK" dirty="0">
+                <a:solidFill>
+                  <a:schemeClr val="bg1"/>
+                </a:solidFill>
+                <a:latin typeface="Impact" panose="020B0806030902050204" pitchFamily="34" charset="0"/>
+              </a:rPr>
+              <a:t>    SPÄTNÁ   VÄZBA  PRÁCE</a:t>
+            </a:r>
+          </a:p>
+        </p:txBody>
+      </p:sp>
+      <p:sp>
+        <p:nvSpPr>
+          <p:cNvPr id="18" name="BlokTextu 17">
+            <a:extLst>
+              <a:ext uri="{FF2B5EF4-FFF2-40B4-BE49-F238E27FC236}">
+                <a16:creationId xmlns:a16="http://schemas.microsoft.com/office/drawing/2014/main" id="{4B0D8890-0435-74A0-4E0F-97666FC40191}"/>
+              </a:ext>
+            </a:extLst>
+          </p:cNvPr>
+          <p:cNvSpPr txBox="1"/>
+          <p:nvPr/>
+        </p:nvSpPr>
+        <p:spPr>
+          <a:xfrm>
+            <a:off x="3476450" y="3955144"/>
+            <a:ext cx="2443210" cy="892552"/>
+          </a:xfrm>
+          <a:prstGeom prst="rect">
+            <a:avLst/>
+          </a:prstGeom>
+          <a:noFill/>
+        </p:spPr>
+        <p:txBody>
+          <a:bodyPr wrap="square" rtlCol="0">
+            <a:spAutoFit/>
+          </a:bodyPr>
+          <a:lstStyle/>
+          <a:p>
+            <a:r>
+              <a:rPr lang="sk-SK" sz="3200" dirty="0">
+                <a:solidFill>
+                  <a:schemeClr val="bg1"/>
+                </a:solidFill>
+                <a:latin typeface="Impact" panose="020B0806030902050204" pitchFamily="34" charset="0"/>
+              </a:rPr>
+              <a:t>  02.</a:t>
+            </a:r>
+          </a:p>
+          <a:p>
+            <a:r>
+              <a:rPr lang="sk-SK" dirty="0">
+                <a:solidFill>
+                  <a:schemeClr val="bg1"/>
+                </a:solidFill>
+                <a:latin typeface="Impact" panose="020B0806030902050204" pitchFamily="34" charset="0"/>
+              </a:rPr>
+              <a:t>    OBSAH  PRÁCE</a:t>
+            </a:r>
+          </a:p>
+        </p:txBody>
+      </p:sp>
       <mc:AlternateContent xmlns:mc="http://schemas.openxmlformats.org/markup-compatibility/2006">
         <mc:Choice xmlns:pslz="http://schemas.microsoft.com/office/powerpoint/2016/slidezoom" Requires="pslz">
           <p:graphicFrame>
             <p:nvGraphicFramePr>
-              <p:cNvPr id="4" name="Náhľad snímky 3">
+              <p:cNvPr id="19" name="Náhľad snímky 18">
                 <a:extLst>
                   <a:ext uri="{FF2B5EF4-FFF2-40B4-BE49-F238E27FC236}">
-                    <a16:creationId xmlns:a16="http://schemas.microsoft.com/office/drawing/2014/main" id="{ED9DCBF4-5DF1-46C0-5E58-83EB067F4030}"/>
+                    <a16:creationId xmlns:a16="http://schemas.microsoft.com/office/drawing/2014/main" id="{93A384D1-06FB-CACC-0503-9B6E6A31A7FF}"/>
                   </a:ext>
                 </a:extLst>
               </p:cNvPr>
@@ -7989,20 +11081,20 @@
               <p:nvPr>
                 <p:extLst>
                   <p:ext uri="{D42A27DB-BD31-4B8C-83A1-F6EECF244321}">
-                    <p14:modId xmlns:p14="http://schemas.microsoft.com/office/powerpoint/2010/main" val="4018081834"/>
+                    <p14:modId xmlns:p14="http://schemas.microsoft.com/office/powerpoint/2010/main" val="262159802"/>
                   </p:ext>
                 </p:extLst>
               </p:nvPr>
             </p:nvGraphicFramePr>
             <p:xfrm>
-              <a:off x="672273" y="4965144"/>
-              <a:ext cx="2443210" cy="1374305"/>
+              <a:off x="363364" y="4878055"/>
+              <a:ext cx="2603696" cy="1464579"/>
             </p:xfrm>
             <a:graphic>
               <a:graphicData uri="http://schemas.microsoft.com/office/powerpoint/2016/slidezoom">
                 <pslz:sldZm>
-                  <pslz:sldZmObj sldId="275" cId="3427671274">
-                    <pslz:zmPr id="{7F56EEDA-E07C-4D38-AD9D-B4669C043207}" returnToParent="0" transitionDur="1000">
+                  <pslz:sldZmObj sldId="303" cId="3643927049">
+                    <pslz:zmPr id="{03B3323D-9F2F-463C-B329-149DCB1D38D0}" returnToParent="0" transitionDur="1000">
                       <p166:blipFill xmlns:p166="http://schemas.microsoft.com/office/powerpoint/2016/6/main">
                         <a:blip r:embed="rId6"/>
                         <a:stretch>
@@ -8012,7 +11104,7 @@
                       <p166:spPr xmlns:p166="http://schemas.microsoft.com/office/powerpoint/2016/6/main">
                         <a:xfrm>
                           <a:off x="0" y="0"/>
-                          <a:ext cx="2443210" cy="1374305"/>
+                          <a:ext cx="2603696" cy="1464579"/>
                         </a:xfrm>
                         <a:prstGeom prst="rect">
                           <a:avLst/>
@@ -8033,11 +11125,11 @@
         <mc:Fallback>
           <p:pic>
             <p:nvPicPr>
-              <p:cNvPr id="4" name="Náhľad snímky 3">
+              <p:cNvPr id="19" name="Náhľad snímky 18">
                 <a:hlinkClick r:id="rId7" action="ppaction://hlinksldjump"/>
                 <a:extLst>
                   <a:ext uri="{FF2B5EF4-FFF2-40B4-BE49-F238E27FC236}">
-                    <a16:creationId xmlns:a16="http://schemas.microsoft.com/office/drawing/2014/main" id="{ED9DCBF4-5DF1-46C0-5E58-83EB067F4030}"/>
+                    <a16:creationId xmlns:a16="http://schemas.microsoft.com/office/drawing/2014/main" id="{93A384D1-06FB-CACC-0503-9B6E6A31A7FF}"/>
                   </a:ext>
                 </a:extLst>
               </p:cNvPr>
@@ -8054,8 +11146,8 @@
             </p:blipFill>
             <p:spPr>
               <a:xfrm>
-                <a:off x="672273" y="4965144"/>
-                <a:ext cx="2443210" cy="1374305"/>
+                <a:off x="363364" y="4878055"/>
+                <a:ext cx="2603696" cy="1464579"/>
               </a:xfrm>
               <a:prstGeom prst="rect">
                 <a:avLst/>
@@ -8073,10 +11165,10 @@
         <mc:Choice xmlns:pslz="http://schemas.microsoft.com/office/powerpoint/2016/slidezoom" Requires="pslz">
           <p:graphicFrame>
             <p:nvGraphicFramePr>
-              <p:cNvPr id="5" name="Náhľad snímky 4">
+              <p:cNvPr id="22" name="Náhľad snímky 21">
                 <a:extLst>
                   <a:ext uri="{FF2B5EF4-FFF2-40B4-BE49-F238E27FC236}">
-                    <a16:creationId xmlns:a16="http://schemas.microsoft.com/office/drawing/2014/main" id="{09ABCB75-AD80-FAAE-FB17-D66AE63E1051}"/>
+                    <a16:creationId xmlns:a16="http://schemas.microsoft.com/office/drawing/2014/main" id="{95952E31-DF54-2828-1B97-FEDA60D98F9E}"/>
                   </a:ext>
                 </a:extLst>
               </p:cNvPr>
@@ -8086,20 +11178,20 @@
               <p:nvPr>
                 <p:extLst>
                   <p:ext uri="{D42A27DB-BD31-4B8C-83A1-F6EECF244321}">
-                    <p14:modId xmlns:p14="http://schemas.microsoft.com/office/powerpoint/2010/main" val="4149180040"/>
+                    <p14:modId xmlns:p14="http://schemas.microsoft.com/office/powerpoint/2010/main" val="1477101835"/>
                   </p:ext>
                 </p:extLst>
               </p:nvPr>
             </p:nvGraphicFramePr>
             <p:xfrm>
-              <a:off x="3478620" y="4965145"/>
-              <a:ext cx="2443210" cy="1374305"/>
+              <a:off x="3260906" y="4873788"/>
+              <a:ext cx="2603696" cy="1464579"/>
             </p:xfrm>
             <a:graphic>
               <a:graphicData uri="http://schemas.microsoft.com/office/powerpoint/2016/slidezoom">
                 <pslz:sldZm>
-                  <pslz:sldZmObj sldId="285" cId="1116103696">
-                    <pslz:zmPr id="{658B7011-3123-453B-B8D7-2A8A9956D9E9}" returnToParent="0" transitionDur="1000">
+                  <pslz:sldZmObj sldId="302" cId="1018624510">
+                    <pslz:zmPr id="{EA8A90EC-DB4C-4F50-8433-F0DF61AD3724}" returnToParent="0" transitionDur="1000">
                       <p166:blipFill xmlns:p166="http://schemas.microsoft.com/office/powerpoint/2016/6/main">
                         <a:blip r:embed="rId8"/>
                         <a:stretch>
@@ -8109,7 +11201,7 @@
                       <p166:spPr xmlns:p166="http://schemas.microsoft.com/office/powerpoint/2016/6/main">
                         <a:xfrm>
                           <a:off x="0" y="0"/>
-                          <a:ext cx="2443210" cy="1374305"/>
+                          <a:ext cx="2603696" cy="1464579"/>
                         </a:xfrm>
                         <a:prstGeom prst="rect">
                           <a:avLst/>
@@ -8130,11 +11222,11 @@
         <mc:Fallback>
           <p:pic>
             <p:nvPicPr>
-              <p:cNvPr id="5" name="Náhľad snímky 4">
+              <p:cNvPr id="22" name="Náhľad snímky 21">
                 <a:hlinkClick r:id="rId9" action="ppaction://hlinksldjump"/>
                 <a:extLst>
                   <a:ext uri="{FF2B5EF4-FFF2-40B4-BE49-F238E27FC236}">
-                    <a16:creationId xmlns:a16="http://schemas.microsoft.com/office/drawing/2014/main" id="{09ABCB75-AD80-FAAE-FB17-D66AE63E1051}"/>
+                    <a16:creationId xmlns:a16="http://schemas.microsoft.com/office/drawing/2014/main" id="{95952E31-DF54-2828-1B97-FEDA60D98F9E}"/>
                   </a:ext>
                 </a:extLst>
               </p:cNvPr>
@@ -8151,8 +11243,8 @@
             </p:blipFill>
             <p:spPr>
               <a:xfrm>
-                <a:off x="3478620" y="4965145"/>
-                <a:ext cx="2443210" cy="1374305"/>
+                <a:off x="3260906" y="4873788"/>
+                <a:ext cx="2603696" cy="1464579"/>
               </a:xfrm>
               <a:prstGeom prst="rect">
                 <a:avLst/>
@@ -8170,10 +11262,10 @@
         <mc:Choice xmlns:pslz="http://schemas.microsoft.com/office/powerpoint/2016/slidezoom" Requires="pslz">
           <p:graphicFrame>
             <p:nvGraphicFramePr>
-              <p:cNvPr id="10" name="Náhľad snímky 9">
+              <p:cNvPr id="26" name="Náhľad snímky 25">
                 <a:extLst>
                   <a:ext uri="{FF2B5EF4-FFF2-40B4-BE49-F238E27FC236}">
-                    <a16:creationId xmlns:a16="http://schemas.microsoft.com/office/drawing/2014/main" id="{3B286F7F-25DC-3502-A99F-198CA4554390}"/>
+                    <a16:creationId xmlns:a16="http://schemas.microsoft.com/office/drawing/2014/main" id="{4FCAB4C5-99CF-5787-9583-D17A22922FCD}"/>
                   </a:ext>
                 </a:extLst>
               </p:cNvPr>
@@ -8183,22 +11275,22 @@
               <p:nvPr>
                 <p:extLst>
                   <p:ext uri="{D42A27DB-BD31-4B8C-83A1-F6EECF244321}">
-                    <p14:modId xmlns:p14="http://schemas.microsoft.com/office/powerpoint/2010/main" val="2519497521"/>
+                    <p14:modId xmlns:p14="http://schemas.microsoft.com/office/powerpoint/2010/main" val="331438843"/>
                   </p:ext>
                 </p:extLst>
               </p:nvPr>
             </p:nvGraphicFramePr>
             <p:xfrm>
-              <a:off x="6284967" y="4965146"/>
-              <a:ext cx="2443210" cy="1374305"/>
+              <a:off x="6166133" y="4875571"/>
+              <a:ext cx="2603696" cy="1464579"/>
             </p:xfrm>
             <a:graphic>
               <a:graphicData uri="http://schemas.microsoft.com/office/powerpoint/2016/slidezoom">
                 <pslz:sldZm>
-                  <pslz:sldZmObj sldId="286" cId="2262955862">
-                    <pslz:zmPr id="{A9252D5F-36D5-4F3F-8914-053DB864AAC3}" returnToParent="0" transitionDur="1000">
+                  <pslz:sldZmObj sldId="301" cId="2950850305">
+                    <pslz:zmPr id="{55BA5FB7-53B6-4A28-8979-3F7277E8C0A0}" returnToParent="0" transitionDur="1000">
                       <p166:blipFill xmlns:p166="http://schemas.microsoft.com/office/powerpoint/2016/6/main">
-                        <a:blip r:embed="rId8"/>
+                        <a:blip r:embed="rId10"/>
                         <a:stretch>
                           <a:fillRect/>
                         </a:stretch>
@@ -8206,7 +11298,7 @@
                       <p166:spPr xmlns:p166="http://schemas.microsoft.com/office/powerpoint/2016/6/main">
                         <a:xfrm>
                           <a:off x="0" y="0"/>
-                          <a:ext cx="2443210" cy="1374305"/>
+                          <a:ext cx="2603696" cy="1464579"/>
                         </a:xfrm>
                         <a:prstGeom prst="rect">
                           <a:avLst/>
@@ -8227,11 +11319,11 @@
         <mc:Fallback>
           <p:pic>
             <p:nvPicPr>
-              <p:cNvPr id="10" name="Náhľad snímky 9">
-                <a:hlinkClick r:id="rId10" action="ppaction://hlinksldjump"/>
+              <p:cNvPr id="26" name="Náhľad snímky 25">
+                <a:hlinkClick r:id="rId11" action="ppaction://hlinksldjump"/>
                 <a:extLst>
                   <a:ext uri="{FF2B5EF4-FFF2-40B4-BE49-F238E27FC236}">
-                    <a16:creationId xmlns:a16="http://schemas.microsoft.com/office/drawing/2014/main" id="{3B286F7F-25DC-3502-A99F-198CA4554390}"/>
+                    <a16:creationId xmlns:a16="http://schemas.microsoft.com/office/drawing/2014/main" id="{4FCAB4C5-99CF-5787-9583-D17A22922FCD}"/>
                   </a:ext>
                 </a:extLst>
               </p:cNvPr>
@@ -8241,15 +11333,15 @@
               <p:nvPr/>
             </p:nvPicPr>
             <p:blipFill>
-              <a:blip r:embed="rId8"/>
+              <a:blip r:embed="rId10"/>
               <a:stretch>
                 <a:fillRect/>
               </a:stretch>
             </p:blipFill>
             <p:spPr>
               <a:xfrm>
-                <a:off x="6284967" y="4965146"/>
-                <a:ext cx="2443210" cy="1374305"/>
+                <a:off x="6166133" y="4875571"/>
+                <a:ext cx="2603696" cy="1464579"/>
               </a:xfrm>
               <a:prstGeom prst="rect">
                 <a:avLst/>
@@ -8267,10 +11359,10 @@
         <mc:Choice xmlns:pslz="http://schemas.microsoft.com/office/powerpoint/2016/slidezoom" Requires="pslz">
           <p:graphicFrame>
             <p:nvGraphicFramePr>
-              <p:cNvPr id="12" name="Náhľad snímky 11">
+              <p:cNvPr id="28" name="Náhľad snímky 27">
                 <a:extLst>
                   <a:ext uri="{FF2B5EF4-FFF2-40B4-BE49-F238E27FC236}">
-                    <a16:creationId xmlns:a16="http://schemas.microsoft.com/office/drawing/2014/main" id="{381939E6-0066-BA2B-172F-E6760D89CC21}"/>
+                    <a16:creationId xmlns:a16="http://schemas.microsoft.com/office/drawing/2014/main" id="{7A26AF84-A7C7-5B0C-CE35-DE5BBBB98C4D}"/>
                   </a:ext>
                 </a:extLst>
               </p:cNvPr>
@@ -8280,22 +11372,22 @@
               <p:nvPr>
                 <p:extLst>
                   <p:ext uri="{D42A27DB-BD31-4B8C-83A1-F6EECF244321}">
-                    <p14:modId xmlns:p14="http://schemas.microsoft.com/office/powerpoint/2010/main" val="1461171188"/>
+                    <p14:modId xmlns:p14="http://schemas.microsoft.com/office/powerpoint/2010/main" val="3951519271"/>
                   </p:ext>
                 </p:extLst>
               </p:nvPr>
             </p:nvGraphicFramePr>
             <p:xfrm>
-              <a:off x="9099201" y="4973695"/>
-              <a:ext cx="2443210" cy="1374305"/>
+              <a:off x="9093483" y="4875572"/>
+              <a:ext cx="2603696" cy="1464579"/>
             </p:xfrm>
             <a:graphic>
               <a:graphicData uri="http://schemas.microsoft.com/office/powerpoint/2016/slidezoom">
                 <pslz:sldZm>
-                  <pslz:sldZmObj sldId="288" cId="4193024310">
-                    <pslz:zmPr id="{A370BCE4-46B7-4E56-A372-A6E69C0B7504}" returnToParent="0" transitionDur="1000">
+                  <pslz:sldZmObj sldId="295" cId="2186824041">
+                    <pslz:zmPr id="{6CBB6091-5F3F-43C3-885A-574B793448C6}" returnToParent="0" transitionDur="1000">
                       <p166:blipFill xmlns:p166="http://schemas.microsoft.com/office/powerpoint/2016/6/main">
-                        <a:blip r:embed="rId8"/>
+                        <a:blip r:embed="rId12"/>
                         <a:stretch>
                           <a:fillRect/>
                         </a:stretch>
@@ -8303,7 +11395,7 @@
                       <p166:spPr xmlns:p166="http://schemas.microsoft.com/office/powerpoint/2016/6/main">
                         <a:xfrm>
                           <a:off x="0" y="0"/>
-                          <a:ext cx="2443210" cy="1374305"/>
+                          <a:ext cx="2603696" cy="1464579"/>
                         </a:xfrm>
                         <a:prstGeom prst="rect">
                           <a:avLst/>
@@ -8324,11 +11416,11 @@
         <mc:Fallback>
           <p:pic>
             <p:nvPicPr>
-              <p:cNvPr id="12" name="Náhľad snímky 11">
-                <a:hlinkClick r:id="rId11" action="ppaction://hlinksldjump"/>
+              <p:cNvPr id="28" name="Náhľad snímky 27">
+                <a:hlinkClick r:id="rId13" action="ppaction://hlinksldjump"/>
                 <a:extLst>
                   <a:ext uri="{FF2B5EF4-FFF2-40B4-BE49-F238E27FC236}">
-                    <a16:creationId xmlns:a16="http://schemas.microsoft.com/office/drawing/2014/main" id="{381939E6-0066-BA2B-172F-E6760D89CC21}"/>
+                    <a16:creationId xmlns:a16="http://schemas.microsoft.com/office/drawing/2014/main" id="{7A26AF84-A7C7-5B0C-CE35-DE5BBBB98C4D}"/>
                   </a:ext>
                 </a:extLst>
               </p:cNvPr>
@@ -8338,15 +11430,15 @@
               <p:nvPr/>
             </p:nvPicPr>
             <p:blipFill>
-              <a:blip r:embed="rId8"/>
+              <a:blip r:embed="rId12"/>
               <a:stretch>
                 <a:fillRect/>
               </a:stretch>
             </p:blipFill>
             <p:spPr>
               <a:xfrm>
-                <a:off x="9099201" y="4973695"/>
-                <a:ext cx="2443210" cy="1374305"/>
+                <a:off x="9093483" y="4875572"/>
+                <a:ext cx="2603696" cy="1464579"/>
               </a:xfrm>
               <a:prstGeom prst="rect">
                 <a:avLst/>
@@ -8360,210 +11452,6 @@
           </p:pic>
         </mc:Fallback>
       </mc:AlternateContent>
-      <p:sp>
-        <p:nvSpPr>
-          <p:cNvPr id="14" name="BlokTextu 13">
-            <a:extLst>
-              <a:ext uri="{FF2B5EF4-FFF2-40B4-BE49-F238E27FC236}">
-                <a16:creationId xmlns:a16="http://schemas.microsoft.com/office/drawing/2014/main" id="{B8DD3BFD-57F5-6E9A-4F2C-51CD8D5D7324}"/>
-              </a:ext>
-            </a:extLst>
-          </p:cNvPr>
-          <p:cNvSpPr txBox="1"/>
-          <p:nvPr/>
-        </p:nvSpPr>
-        <p:spPr>
-          <a:xfrm>
-            <a:off x="672274" y="3969150"/>
-            <a:ext cx="2443210" cy="892552"/>
-          </a:xfrm>
-          <a:prstGeom prst="rect">
-            <a:avLst/>
-          </a:prstGeom>
-          <a:noFill/>
-        </p:spPr>
-        <p:txBody>
-          <a:bodyPr wrap="square" rtlCol="0">
-            <a:spAutoFit/>
-          </a:bodyPr>
-          <a:lstStyle/>
-          <a:p>
-            <a:r>
-              <a:rPr lang="sk-SK" sz="3200" dirty="0">
-                <a:solidFill>
-                  <a:schemeClr val="bg1"/>
-                </a:solidFill>
-                <a:latin typeface="Impact" panose="020B0806030902050204" pitchFamily="34" charset="0"/>
-              </a:rPr>
-              <a:t>  01.</a:t>
-            </a:r>
-          </a:p>
-          <a:p>
-            <a:r>
-              <a:rPr lang="sk-SK" dirty="0">
-                <a:solidFill>
-                  <a:schemeClr val="bg1"/>
-                </a:solidFill>
-                <a:latin typeface="Impact" panose="020B0806030902050204" pitchFamily="34" charset="0"/>
-              </a:rPr>
-              <a:t>    ÚVOD  DO  PRÁCE</a:t>
-            </a:r>
-          </a:p>
-        </p:txBody>
-      </p:sp>
-      <p:sp>
-        <p:nvSpPr>
-          <p:cNvPr id="16" name="BlokTextu 15">
-            <a:extLst>
-              <a:ext uri="{FF2B5EF4-FFF2-40B4-BE49-F238E27FC236}">
-                <a16:creationId xmlns:a16="http://schemas.microsoft.com/office/drawing/2014/main" id="{016514B9-F8C5-A69E-BF7B-A0E10D11851B}"/>
-              </a:ext>
-            </a:extLst>
-          </p:cNvPr>
-          <p:cNvSpPr txBox="1"/>
-          <p:nvPr/>
-        </p:nvSpPr>
-        <p:spPr>
-          <a:xfrm>
-            <a:off x="6284967" y="3962400"/>
-            <a:ext cx="2443210" cy="892552"/>
-          </a:xfrm>
-          <a:prstGeom prst="rect">
-            <a:avLst/>
-          </a:prstGeom>
-          <a:noFill/>
-        </p:spPr>
-        <p:txBody>
-          <a:bodyPr wrap="square" rtlCol="0">
-            <a:spAutoFit/>
-          </a:bodyPr>
-          <a:lstStyle/>
-          <a:p>
-            <a:r>
-              <a:rPr lang="sk-SK" sz="3200" dirty="0">
-                <a:solidFill>
-                  <a:schemeClr val="bg1"/>
-                </a:solidFill>
-                <a:latin typeface="Impact" panose="020B0806030902050204" pitchFamily="34" charset="0"/>
-              </a:rPr>
-              <a:t>  03.</a:t>
-            </a:r>
-          </a:p>
-          <a:p>
-            <a:r>
-              <a:rPr lang="sk-SK" dirty="0">
-                <a:solidFill>
-                  <a:schemeClr val="bg1"/>
-                </a:solidFill>
-                <a:latin typeface="Impact" panose="020B0806030902050204" pitchFamily="34" charset="0"/>
-              </a:rPr>
-              <a:t>    PRACOVNÉ  LISTY</a:t>
-            </a:r>
-          </a:p>
-        </p:txBody>
-      </p:sp>
-      <p:sp>
-        <p:nvSpPr>
-          <p:cNvPr id="17" name="BlokTextu 16">
-            <a:extLst>
-              <a:ext uri="{FF2B5EF4-FFF2-40B4-BE49-F238E27FC236}">
-                <a16:creationId xmlns:a16="http://schemas.microsoft.com/office/drawing/2014/main" id="{C53DA85B-3334-B8D2-588A-E1D81993E609}"/>
-              </a:ext>
-            </a:extLst>
-          </p:cNvPr>
-          <p:cNvSpPr txBox="1"/>
-          <p:nvPr/>
-        </p:nvSpPr>
-        <p:spPr>
-          <a:xfrm>
-            <a:off x="9093483" y="3955143"/>
-            <a:ext cx="2443210" cy="892552"/>
-          </a:xfrm>
-          <a:prstGeom prst="rect">
-            <a:avLst/>
-          </a:prstGeom>
-          <a:noFill/>
-        </p:spPr>
-        <p:txBody>
-          <a:bodyPr wrap="square" rtlCol="0">
-            <a:spAutoFit/>
-          </a:bodyPr>
-          <a:lstStyle/>
-          <a:p>
-            <a:r>
-              <a:rPr lang="sk-SK" sz="3200" dirty="0">
-                <a:solidFill>
-                  <a:schemeClr val="bg1"/>
-                </a:solidFill>
-                <a:latin typeface="Impact" panose="020B0806030902050204" pitchFamily="34" charset="0"/>
-              </a:rPr>
-              <a:t>  04.</a:t>
-            </a:r>
-          </a:p>
-          <a:p>
-            <a:r>
-              <a:rPr lang="sk-SK" dirty="0">
-                <a:solidFill>
-                  <a:schemeClr val="bg1"/>
-                </a:solidFill>
-                <a:latin typeface="Impact" panose="020B0806030902050204" pitchFamily="34" charset="0"/>
-              </a:rPr>
-              <a:t>    SPÄTNÁ   VÄZBA  PRÁCE</a:t>
-            </a:r>
-          </a:p>
-        </p:txBody>
-      </p:sp>
-      <p:sp>
-        <p:nvSpPr>
-          <p:cNvPr id="18" name="BlokTextu 17">
-            <a:extLst>
-              <a:ext uri="{FF2B5EF4-FFF2-40B4-BE49-F238E27FC236}">
-                <a16:creationId xmlns:a16="http://schemas.microsoft.com/office/drawing/2014/main" id="{4B0D8890-0435-74A0-4E0F-97666FC40191}"/>
-              </a:ext>
-            </a:extLst>
-          </p:cNvPr>
-          <p:cNvSpPr txBox="1"/>
-          <p:nvPr/>
-        </p:nvSpPr>
-        <p:spPr>
-          <a:xfrm>
-            <a:off x="3476450" y="3955144"/>
-            <a:ext cx="2443210" cy="892552"/>
-          </a:xfrm>
-          <a:prstGeom prst="rect">
-            <a:avLst/>
-          </a:prstGeom>
-          <a:noFill/>
-        </p:spPr>
-        <p:txBody>
-          <a:bodyPr wrap="square" rtlCol="0">
-            <a:spAutoFit/>
-          </a:bodyPr>
-          <a:lstStyle/>
-          <a:p>
-            <a:r>
-              <a:rPr lang="sk-SK" sz="3200" dirty="0">
-                <a:solidFill>
-                  <a:schemeClr val="bg1"/>
-                </a:solidFill>
-                <a:latin typeface="Impact" panose="020B0806030902050204" pitchFamily="34" charset="0"/>
-              </a:rPr>
-              <a:t>  02.</a:t>
-            </a:r>
-          </a:p>
-          <a:p>
-            <a:r>
-              <a:rPr lang="sk-SK" dirty="0">
-                <a:solidFill>
-                  <a:schemeClr val="bg1"/>
-                </a:solidFill>
-                <a:latin typeface="Impact" panose="020B0806030902050204" pitchFamily="34" charset="0"/>
-              </a:rPr>
-              <a:t>    OBSAH  PRÁCE</a:t>
-            </a:r>
-          </a:p>
-        </p:txBody>
-      </p:sp>
     </p:spTree>
     <p:extLst>
       <p:ext uri="{BB962C8B-B14F-4D97-AF65-F5344CB8AC3E}">
@@ -8574,13 +11462,13 @@
   <p:clrMapOvr>
     <a:masterClrMapping/>
   </p:clrMapOvr>
-  <mc:AlternateContent xmlns:mc="http://schemas.openxmlformats.org/markup-compatibility/2006">
-    <mc:Choice xmlns:p159="http://schemas.microsoft.com/office/powerpoint/2015/09/main" Requires="p159">
+  <mc:AlternateContent xmlns:mc="http://schemas.openxmlformats.org/markup-compatibility/2006" xmlns:p159="http://schemas.microsoft.com/office/powerpoint/2015/09/main">
+    <mc:Choice Requires="p159">
       <p:transition xmlns:p14="http://schemas.microsoft.com/office/powerpoint/2010/main" spd="slow" p14:dur="2000">
         <p159:morph option="byObject"/>
       </p:transition>
     </mc:Choice>
-    <mc:Fallback>
+    <mc:Fallback xmlns="">
       <p:transition spd="slow">
         <p:fade/>
       </p:transition>
@@ -8610,7 +11498,7 @@
                             </p:stCondLst>
                             <p:childTnLst>
                               <p:par>
-                                <p:cTn id="5" presetID="10" presetClass="entr" presetSubtype="0" fill="hold" nodeType="withEffect">
+                                <p:cTn id="5" presetID="10" presetClass="entr" presetSubtype="0" fill="hold" grpId="0" nodeType="withEffect">
                                   <p:stCondLst>
                                     <p:cond delay="0"/>
                                   </p:stCondLst>
@@ -8618,41 +11506,6 @@
                                     <p:set>
                                       <p:cBhvr>
                                         <p:cTn id="6" dur="1" fill="hold">
-                                          <p:stCondLst>
-                                            <p:cond delay="0"/>
-                                          </p:stCondLst>
-                                        </p:cTn>
-                                        <p:tgtEl>
-                                          <p:spTgt spid="4"/>
-                                        </p:tgtEl>
-                                        <p:attrNameLst>
-                                          <p:attrName>style.visibility</p:attrName>
-                                        </p:attrNameLst>
-                                      </p:cBhvr>
-                                      <p:to>
-                                        <p:strVal val="visible"/>
-                                      </p:to>
-                                    </p:set>
-                                    <p:animEffect transition="in" filter="fade">
-                                      <p:cBhvr>
-                                        <p:cTn id="7" dur="1000"/>
-                                        <p:tgtEl>
-                                          <p:spTgt spid="4"/>
-                                        </p:tgtEl>
-                                      </p:cBhvr>
-                                    </p:animEffect>
-                                  </p:childTnLst>
-                                </p:cTn>
-                              </p:par>
-                              <p:par>
-                                <p:cTn id="8" presetID="10" presetClass="entr" presetSubtype="0" fill="hold" grpId="0" nodeType="withEffect">
-                                  <p:stCondLst>
-                                    <p:cond delay="0"/>
-                                  </p:stCondLst>
-                                  <p:childTnLst>
-                                    <p:set>
-                                      <p:cBhvr>
-                                        <p:cTn id="9" dur="1" fill="hold">
                                           <p:stCondLst>
                                             <p:cond delay="0"/>
                                           </p:stCondLst>
@@ -8670,7 +11523,7 @@
                                     </p:set>
                                     <p:animEffect transition="in" filter="fade">
                                       <p:cBhvr>
-                                        <p:cTn id="10" dur="1000"/>
+                                        <p:cTn id="7" dur="1000"/>
                                         <p:tgtEl>
                                           <p:spTgt spid="14"/>
                                         </p:tgtEl>
@@ -8683,20 +11536,20 @@
                           </p:cTn>
                         </p:par>
                         <p:par>
-                          <p:cTn id="11" fill="hold">
+                          <p:cTn id="8" fill="hold">
                             <p:stCondLst>
                               <p:cond delay="1000"/>
                             </p:stCondLst>
                             <p:childTnLst>
                               <p:par>
-                                <p:cTn id="12" presetID="10" presetClass="entr" presetSubtype="0" fill="hold" grpId="0" nodeType="afterEffect">
+                                <p:cTn id="9" presetID="10" presetClass="entr" presetSubtype="0" fill="hold" grpId="0" nodeType="afterEffect">
                                   <p:stCondLst>
                                     <p:cond delay="0"/>
                                   </p:stCondLst>
                                   <p:childTnLst>
                                     <p:set>
                                       <p:cBhvr>
-                                        <p:cTn id="13" dur="1" fill="hold">
+                                        <p:cTn id="10" dur="1" fill="hold">
                                           <p:stCondLst>
                                             <p:cond delay="0"/>
                                           </p:stCondLst>
@@ -8714,44 +11567,9 @@
                                     </p:set>
                                     <p:animEffect transition="in" filter="fade">
                                       <p:cBhvr>
-                                        <p:cTn id="14" dur="1000"/>
+                                        <p:cTn id="11" dur="1000"/>
                                         <p:tgtEl>
                                           <p:spTgt spid="18"/>
-                                        </p:tgtEl>
-                                      </p:cBhvr>
-                                    </p:animEffect>
-                                  </p:childTnLst>
-                                </p:cTn>
-                              </p:par>
-                              <p:par>
-                                <p:cTn id="15" presetID="10" presetClass="entr" presetSubtype="0" fill="hold" nodeType="withEffect">
-                                  <p:stCondLst>
-                                    <p:cond delay="0"/>
-                                  </p:stCondLst>
-                                  <p:childTnLst>
-                                    <p:set>
-                                      <p:cBhvr>
-                                        <p:cTn id="16" dur="1" fill="hold">
-                                          <p:stCondLst>
-                                            <p:cond delay="0"/>
-                                          </p:stCondLst>
-                                        </p:cTn>
-                                        <p:tgtEl>
-                                          <p:spTgt spid="5"/>
-                                        </p:tgtEl>
-                                        <p:attrNameLst>
-                                          <p:attrName>style.visibility</p:attrName>
-                                        </p:attrNameLst>
-                                      </p:cBhvr>
-                                      <p:to>
-                                        <p:strVal val="visible"/>
-                                      </p:to>
-                                    </p:set>
-                                    <p:animEffect transition="in" filter="fade">
-                                      <p:cBhvr>
-                                        <p:cTn id="17" dur="1000"/>
-                                        <p:tgtEl>
-                                          <p:spTgt spid="5"/>
                                         </p:tgtEl>
                                       </p:cBhvr>
                                     </p:animEffect>
@@ -8762,20 +11580,20 @@
                           </p:cTn>
                         </p:par>
                         <p:par>
-                          <p:cTn id="18" fill="hold">
+                          <p:cTn id="12" fill="hold">
                             <p:stCondLst>
                               <p:cond delay="2000"/>
                             </p:stCondLst>
                             <p:childTnLst>
                               <p:par>
-                                <p:cTn id="19" presetID="10" presetClass="entr" presetSubtype="0" fill="hold" grpId="0" nodeType="afterEffect">
+                                <p:cTn id="13" presetID="10" presetClass="entr" presetSubtype="0" fill="hold" grpId="0" nodeType="afterEffect">
                                   <p:stCondLst>
                                     <p:cond delay="0"/>
                                   </p:stCondLst>
                                   <p:childTnLst>
                                     <p:set>
                                       <p:cBhvr>
-                                        <p:cTn id="20" dur="1" fill="hold">
+                                        <p:cTn id="14" dur="1" fill="hold">
                                           <p:stCondLst>
                                             <p:cond delay="0"/>
                                           </p:stCondLst>
@@ -8793,44 +11611,9 @@
                                     </p:set>
                                     <p:animEffect transition="in" filter="fade">
                                       <p:cBhvr>
-                                        <p:cTn id="21" dur="1000"/>
+                                        <p:cTn id="15" dur="1000"/>
                                         <p:tgtEl>
                                           <p:spTgt spid="16"/>
-                                        </p:tgtEl>
-                                      </p:cBhvr>
-                                    </p:animEffect>
-                                  </p:childTnLst>
-                                </p:cTn>
-                              </p:par>
-                              <p:par>
-                                <p:cTn id="22" presetID="10" presetClass="entr" presetSubtype="0" fill="hold" nodeType="withEffect">
-                                  <p:stCondLst>
-                                    <p:cond delay="0"/>
-                                  </p:stCondLst>
-                                  <p:childTnLst>
-                                    <p:set>
-                                      <p:cBhvr>
-                                        <p:cTn id="23" dur="1" fill="hold">
-                                          <p:stCondLst>
-                                            <p:cond delay="0"/>
-                                          </p:stCondLst>
-                                        </p:cTn>
-                                        <p:tgtEl>
-                                          <p:spTgt spid="10"/>
-                                        </p:tgtEl>
-                                        <p:attrNameLst>
-                                          <p:attrName>style.visibility</p:attrName>
-                                        </p:attrNameLst>
-                                      </p:cBhvr>
-                                      <p:to>
-                                        <p:strVal val="visible"/>
-                                      </p:to>
-                                    </p:set>
-                                    <p:animEffect transition="in" filter="fade">
-                                      <p:cBhvr>
-                                        <p:cTn id="24" dur="1000"/>
-                                        <p:tgtEl>
-                                          <p:spTgt spid="10"/>
                                         </p:tgtEl>
                                       </p:cBhvr>
                                     </p:animEffect>
@@ -8841,20 +11624,20 @@
                           </p:cTn>
                         </p:par>
                         <p:par>
-                          <p:cTn id="25" fill="hold">
+                          <p:cTn id="16" fill="hold">
                             <p:stCondLst>
                               <p:cond delay="3000"/>
                             </p:stCondLst>
                             <p:childTnLst>
                               <p:par>
-                                <p:cTn id="26" presetID="10" presetClass="entr" presetSubtype="0" fill="hold" grpId="0" nodeType="afterEffect">
+                                <p:cTn id="17" presetID="10" presetClass="entr" presetSubtype="0" fill="hold" grpId="0" nodeType="afterEffect">
                                   <p:stCondLst>
                                     <p:cond delay="0"/>
                                   </p:stCondLst>
                                   <p:childTnLst>
                                     <p:set>
                                       <p:cBhvr>
-                                        <p:cTn id="27" dur="1" fill="hold">
+                                        <p:cTn id="18" dur="1" fill="hold">
                                           <p:stCondLst>
                                             <p:cond delay="0"/>
                                           </p:stCondLst>
@@ -8872,44 +11655,9 @@
                                     </p:set>
                                     <p:animEffect transition="in" filter="fade">
                                       <p:cBhvr>
-                                        <p:cTn id="28" dur="1000"/>
+                                        <p:cTn id="19" dur="1000"/>
                                         <p:tgtEl>
                                           <p:spTgt spid="17"/>
-                                        </p:tgtEl>
-                                      </p:cBhvr>
-                                    </p:animEffect>
-                                  </p:childTnLst>
-                                </p:cTn>
-                              </p:par>
-                              <p:par>
-                                <p:cTn id="29" presetID="10" presetClass="entr" presetSubtype="0" fill="hold" nodeType="withEffect">
-                                  <p:stCondLst>
-                                    <p:cond delay="0"/>
-                                  </p:stCondLst>
-                                  <p:childTnLst>
-                                    <p:set>
-                                      <p:cBhvr>
-                                        <p:cTn id="30" dur="1" fill="hold">
-                                          <p:stCondLst>
-                                            <p:cond delay="0"/>
-                                          </p:stCondLst>
-                                        </p:cTn>
-                                        <p:tgtEl>
-                                          <p:spTgt spid="12"/>
-                                        </p:tgtEl>
-                                        <p:attrNameLst>
-                                          <p:attrName>style.visibility</p:attrName>
-                                        </p:attrNameLst>
-                                      </p:cBhvr>
-                                      <p:to>
-                                        <p:strVal val="visible"/>
-                                      </p:to>
-                                    </p:set>
-                                    <p:animEffect transition="in" filter="fade">
-                                      <p:cBhvr>
-                                        <p:cTn id="31" dur="1000"/>
-                                        <p:tgtEl>
-                                          <p:spTgt spid="12"/>
                                         </p:tgtEl>
                                       </p:cBhvr>
                                     </p:animEffect>
@@ -9044,10 +11792,10 @@
       </p:sp>
       <p:sp>
         <p:nvSpPr>
-          <p:cNvPr id="28" name="!!kruh">
-            <a:extLst>
-              <a:ext uri="{FF2B5EF4-FFF2-40B4-BE49-F238E27FC236}">
-                <a16:creationId xmlns:a16="http://schemas.microsoft.com/office/drawing/2014/main" id="{FC061D55-1888-4E02-9717-E866A3882F41}"/>
+          <p:cNvPr id="22" name="Obdĺžnik 21">
+            <a:extLst>
+              <a:ext uri="{FF2B5EF4-FFF2-40B4-BE49-F238E27FC236}">
+                <a16:creationId xmlns:a16="http://schemas.microsoft.com/office/drawing/2014/main" id="{89ADCC11-5959-2E41-F96F-5A96F4791EBC}"/>
               </a:ext>
             </a:extLst>
           </p:cNvPr>
@@ -9055,30 +11803,30 @@
           <p:nvPr/>
         </p:nvSpPr>
         <p:spPr>
-          <a:xfrm>
-            <a:off x="-9507073" y="-3058418"/>
-            <a:ext cx="18750233" cy="5160713"/>
+          <a:xfrm rot="3989534">
+            <a:off x="-4427786" y="2067726"/>
+            <a:ext cx="14911580" cy="4348143"/>
           </a:xfrm>
-          <a:prstGeom prst="ellipse">
+          <a:prstGeom prst="rect">
             <a:avLst/>
           </a:prstGeom>
           <a:gradFill>
             <a:gsLst>
               <a:gs pos="35000">
-                <a:srgbClr val="CCFF99"/>
+                <a:srgbClr val="CCFF99">
+                  <a:lumMod val="96000"/>
+                </a:srgbClr>
               </a:gs>
               <a:gs pos="66000">
                 <a:schemeClr val="accent1"/>
               </a:gs>
             </a:gsLst>
             <a:path path="circle">
-              <a:fillToRect r="100000" b="100000"/>
+              <a:fillToRect l="100000" b="100000"/>
             </a:path>
           </a:gradFill>
-          <a:ln w="177800">
-            <a:solidFill>
-              <a:srgbClr val="313944"/>
-            </a:solidFill>
+          <a:ln>
+            <a:noFill/>
           </a:ln>
         </p:spPr>
         <p:style>
@@ -9102,55 +11850,90 @@
           <a:lstStyle/>
           <a:p>
             <a:pPr algn="ctr"/>
-            <a:endParaRPr lang="sk-SK" dirty="0"/>
-          </a:p>
-        </p:txBody>
-      </p:sp>
-      <p:pic>
-        <p:nvPicPr>
-          <p:cNvPr id="21" name="Graphic 7">
-            <a:extLst>
-              <a:ext uri="{FF2B5EF4-FFF2-40B4-BE49-F238E27FC236}">
-                <a16:creationId xmlns:a16="http://schemas.microsoft.com/office/drawing/2014/main" id="{2DC6553F-100A-B07D-00F1-96276B47EA7D}"/>
-              </a:ext>
-            </a:extLst>
-          </p:cNvPr>
-          <p:cNvPicPr>
-            <a:picLocks noChangeAspect="1"/>
-          </p:cNvPicPr>
+            <a:endParaRPr lang="sk-SK"/>
+          </a:p>
+        </p:txBody>
+      </p:sp>
+      <p:sp>
+        <p:nvSpPr>
+          <p:cNvPr id="13" name="Nadpis 1">
+            <a:extLst>
+              <a:ext uri="{FF2B5EF4-FFF2-40B4-BE49-F238E27FC236}">
+                <a16:creationId xmlns:a16="http://schemas.microsoft.com/office/drawing/2014/main" id="{C844EE25-6FED-2F6C-6DF0-37669AEDC5F3}"/>
+              </a:ext>
+            </a:extLst>
+          </p:cNvPr>
+          <p:cNvSpPr txBox="1">
+            <a:spLocks/>
+          </p:cNvSpPr>
           <p:nvPr/>
-        </p:nvPicPr>
-        <p:blipFill>
-          <a:blip r:embed="rId3" cstate="email">
-            <a:extLst>
-              <a:ext uri="{28A0092B-C50C-407E-A947-70E740481C1C}">
-                <a14:useLocalDpi xmlns:a14="http://schemas.microsoft.com/office/drawing/2010/main"/>
-              </a:ext>
-              <a:ext uri="{96DAC541-7B7A-43D3-8B79-37D633B846F1}">
-                <asvg:svgBlip xmlns:asvg="http://schemas.microsoft.com/office/drawing/2016/SVG/main" r:embed="rId4"/>
-              </a:ext>
-            </a:extLst>
-          </a:blip>
-          <a:stretch>
-            <a:fillRect/>
-          </a:stretch>
-        </p:blipFill>
+        </p:nvSpPr>
         <p:spPr>
-          <a:xfrm flipV="1">
-            <a:off x="144680" y="1127820"/>
-            <a:ext cx="6040542" cy="220177"/>
+          <a:xfrm>
+            <a:off x="4078820" y="299858"/>
+            <a:ext cx="11055388" cy="506077"/>
           </a:xfrm>
           <a:prstGeom prst="rect">
             <a:avLst/>
           </a:prstGeom>
         </p:spPr>
-      </p:pic>
-      <p:sp>
-        <p:nvSpPr>
-          <p:cNvPr id="2" name="!!kruh">
-            <a:extLst>
-              <a:ext uri="{FF2B5EF4-FFF2-40B4-BE49-F238E27FC236}">
-                <a16:creationId xmlns:a16="http://schemas.microsoft.com/office/drawing/2014/main" id="{F1018DFE-6503-75D9-6BAA-E79301D80460}"/>
+        <p:txBody>
+          <a:bodyPr vert="horz" lIns="91440" tIns="45720" rIns="91440" bIns="45720" rtlCol="0" anchor="t">
+            <a:noAutofit/>
+          </a:bodyPr>
+          <a:lstStyle>
+            <a:lvl1pPr algn="ctr" defTabSz="914400" rtl="0" eaLnBrk="1" latinLnBrk="0" hangingPunct="1">
+              <a:lnSpc>
+                <a:spcPct val="90000"/>
+              </a:lnSpc>
+              <a:spcBef>
+                <a:spcPct val="0"/>
+              </a:spcBef>
+              <a:buNone/>
+              <a:defRPr sz="6000" kern="1200">
+                <a:solidFill>
+                  <a:schemeClr val="tx1"/>
+                </a:solidFill>
+                <a:latin typeface="+mj-lt"/>
+                <a:ea typeface="+mj-ea"/>
+                <a:cs typeface="+mj-cs"/>
+              </a:defRPr>
+            </a:lvl1pPr>
+          </a:lstStyle>
+          <a:p>
+            <a:pPr algn="l"/>
+            <a:r>
+              <a:rPr lang="sk-SK" sz="6600" dirty="0">
+                <a:solidFill>
+                  <a:schemeClr val="bg1"/>
+                </a:solidFill>
+                <a:latin typeface="Lucida Console" panose="020B0609040504020204" pitchFamily="49" charset="0"/>
+                <a:cs typeface="Segoe UI" panose="020B0502040204020203" pitchFamily="34" charset="0"/>
+              </a:rPr>
+              <a:t>ÚVOD A CIELE</a:t>
+            </a:r>
+          </a:p>
+          <a:p>
+            <a:pPr algn="l"/>
+            <a:r>
+              <a:rPr lang="sk-SK" sz="6600" dirty="0">
+                <a:solidFill>
+                  <a:schemeClr val="bg1"/>
+                </a:solidFill>
+                <a:latin typeface="Lucida Console" panose="020B0609040504020204" pitchFamily="49" charset="0"/>
+                <a:cs typeface="Segoe UI" panose="020B0502040204020203" pitchFamily="34" charset="0"/>
+              </a:rPr>
+              <a:t> PRÁCE</a:t>
+            </a:r>
+          </a:p>
+        </p:txBody>
+      </p:sp>
+      <p:sp>
+        <p:nvSpPr>
+          <p:cNvPr id="4" name="!!kruh">
+            <a:extLst>
+              <a:ext uri="{FF2B5EF4-FFF2-40B4-BE49-F238E27FC236}">
+                <a16:creationId xmlns:a16="http://schemas.microsoft.com/office/drawing/2014/main" id="{C9BEF276-6235-9785-ED87-EFE347C8F1EE}"/>
               </a:ext>
             </a:extLst>
           </p:cNvPr>
@@ -9159,8 +11942,8 @@
         </p:nvSpPr>
         <p:spPr>
           <a:xfrm>
-            <a:off x="11209539" y="4586995"/>
-            <a:ext cx="889189" cy="889189"/>
+            <a:off x="7143787" y="3175961"/>
+            <a:ext cx="506077" cy="506077"/>
           </a:xfrm>
           <a:prstGeom prst="ellipse">
             <a:avLst/>
@@ -9181,7 +11964,7 @@
             </a:path>
             <a:tileRect t="-100000" r="-100000"/>
           </a:gradFill>
-          <a:ln w="76200">
+          <a:ln w="38100">
             <a:solidFill>
               <a:srgbClr val="313944">
                 <a:alpha val="94000"/>
@@ -9223,10 +12006,239 @@
       </p:sp>
       <p:sp>
         <p:nvSpPr>
-          <p:cNvPr id="4" name="!!kruh">
-            <a:extLst>
-              <a:ext uri="{FF2B5EF4-FFF2-40B4-BE49-F238E27FC236}">
-                <a16:creationId xmlns:a16="http://schemas.microsoft.com/office/drawing/2014/main" id="{60965A5F-B96A-5643-0FE3-E63320440E83}"/>
+          <p:cNvPr id="15" name="BlokTextu 14">
+            <a:extLst>
+              <a:ext uri="{FF2B5EF4-FFF2-40B4-BE49-F238E27FC236}">
+                <a16:creationId xmlns:a16="http://schemas.microsoft.com/office/drawing/2014/main" id="{F884D9AA-1548-25F2-2314-62C786C5B0AA}"/>
+              </a:ext>
+            </a:extLst>
+          </p:cNvPr>
+          <p:cNvSpPr txBox="1"/>
+          <p:nvPr/>
+        </p:nvSpPr>
+        <p:spPr>
+          <a:xfrm>
+            <a:off x="7848320" y="3244333"/>
+            <a:ext cx="3033788" cy="369332"/>
+          </a:xfrm>
+          <a:prstGeom prst="rect">
+            <a:avLst/>
+          </a:prstGeom>
+          <a:noFill/>
+        </p:spPr>
+        <p:txBody>
+          <a:bodyPr wrap="square" rtlCol="0">
+            <a:spAutoFit/>
+          </a:bodyPr>
+          <a:lstStyle/>
+          <a:p>
+            <a:r>
+              <a:rPr lang="sk-SK" sz="1800" dirty="0">
+                <a:solidFill>
+                  <a:schemeClr val="bg1"/>
+                </a:solidFill>
+                <a:effectLst/>
+                <a:latin typeface="Lucida Console" panose="020B0609040504020204" pitchFamily="49" charset="0"/>
+              </a:rPr>
+              <a:t>dnešnom </a:t>
+            </a:r>
+            <a:r>
+              <a:rPr lang="sk-SK" sz="1800" strike="noStrike" dirty="0">
+                <a:solidFill>
+                  <a:schemeClr val="bg1"/>
+                </a:solidFill>
+                <a:effectLst/>
+                <a:latin typeface="Lucida Console" panose="020B0609040504020204" pitchFamily="49" charset="0"/>
+              </a:rPr>
+              <a:t>Egypte</a:t>
+            </a:r>
+            <a:r>
+              <a:rPr lang="sk-SK" sz="1800" dirty="0">
+                <a:solidFill>
+                  <a:schemeClr val="bg1"/>
+                </a:solidFill>
+                <a:effectLst/>
+                <a:latin typeface="Lucida Console" panose="020B0609040504020204" pitchFamily="49" charset="0"/>
+              </a:rPr>
+              <a:t>. V</a:t>
+            </a:r>
+            <a:endParaRPr lang="sk-SK" dirty="0"/>
+          </a:p>
+        </p:txBody>
+      </p:sp>
+      <p:sp>
+        <p:nvSpPr>
+          <p:cNvPr id="2" name="Nadpis 1">
+            <a:extLst>
+              <a:ext uri="{FF2B5EF4-FFF2-40B4-BE49-F238E27FC236}">
+                <a16:creationId xmlns:a16="http://schemas.microsoft.com/office/drawing/2014/main" id="{F8B7F4C9-21BC-3194-1D39-2BC2578E3B9C}"/>
+              </a:ext>
+            </a:extLst>
+          </p:cNvPr>
+          <p:cNvSpPr txBox="1">
+            <a:spLocks/>
+          </p:cNvSpPr>
+          <p:nvPr/>
+        </p:nvSpPr>
+        <p:spPr>
+          <a:xfrm>
+            <a:off x="714411" y="2565931"/>
+            <a:ext cx="4228580" cy="2070530"/>
+          </a:xfrm>
+          <a:prstGeom prst="rect">
+            <a:avLst/>
+          </a:prstGeom>
+        </p:spPr>
+        <p:txBody>
+          <a:bodyPr vert="horz" lIns="91440" tIns="45720" rIns="91440" bIns="45720" rtlCol="0" anchor="t">
+            <a:noAutofit/>
+          </a:bodyPr>
+          <a:lstStyle>
+            <a:lvl1pPr algn="ctr" defTabSz="914400" rtl="0" eaLnBrk="1" latinLnBrk="0" hangingPunct="1">
+              <a:lnSpc>
+                <a:spcPct val="90000"/>
+              </a:lnSpc>
+              <a:spcBef>
+                <a:spcPct val="0"/>
+              </a:spcBef>
+              <a:buNone/>
+              <a:defRPr sz="6000" kern="1200">
+                <a:solidFill>
+                  <a:schemeClr val="tx1"/>
+                </a:solidFill>
+                <a:latin typeface="+mj-lt"/>
+                <a:ea typeface="+mj-ea"/>
+                <a:cs typeface="+mj-cs"/>
+              </a:defRPr>
+            </a:lvl1pPr>
+          </a:lstStyle>
+          <a:p>
+            <a:pPr algn="l"/>
+            <a:r>
+              <a:rPr lang="sk-SK" sz="1800" dirty="0">
+                <a:effectLst/>
+                <a:latin typeface="Lucida Console" panose="020B0609040504020204" pitchFamily="49" charset="0"/>
+              </a:rPr>
+              <a:t>Stupňovitá pyramída v </a:t>
+            </a:r>
+            <a:r>
+              <a:rPr lang="sk-SK" sz="1800" dirty="0" err="1">
+                <a:effectLst/>
+                <a:latin typeface="Lucida Console" panose="020B0609040504020204" pitchFamily="49" charset="0"/>
+              </a:rPr>
+              <a:t>Sakkáre</a:t>
+            </a:r>
+            <a:r>
+              <a:rPr lang="sk-SK" sz="1800" dirty="0">
+                <a:effectLst/>
+                <a:latin typeface="Lucida Console" panose="020B0609040504020204" pitchFamily="49" charset="0"/>
+              </a:rPr>
+              <a:t> (iné názvy: </a:t>
+            </a:r>
+            <a:r>
+              <a:rPr lang="sk-SK" sz="1800" dirty="0" err="1">
+                <a:effectLst/>
+                <a:latin typeface="Lucida Console" panose="020B0609040504020204" pitchFamily="49" charset="0"/>
+              </a:rPr>
+              <a:t>Džoserova</a:t>
+            </a:r>
+            <a:r>
+              <a:rPr lang="sk-SK" sz="1800" dirty="0">
+                <a:effectLst/>
+                <a:latin typeface="Lucida Console" panose="020B0609040504020204" pitchFamily="49" charset="0"/>
+              </a:rPr>
+              <a:t> pyramída, </a:t>
+            </a:r>
+            <a:r>
+              <a:rPr lang="sk-SK" sz="1800" dirty="0" err="1">
+                <a:effectLst/>
+                <a:latin typeface="Lucida Console" panose="020B0609040504020204" pitchFamily="49" charset="0"/>
+              </a:rPr>
+              <a:t>Necerichetova</a:t>
+            </a:r>
+            <a:r>
+              <a:rPr lang="sk-SK" sz="1800" dirty="0">
+                <a:effectLst/>
+                <a:latin typeface="Lucida Console" panose="020B0609040504020204" pitchFamily="49" charset="0"/>
+              </a:rPr>
+              <a:t> pyramída, Pyramída </a:t>
+            </a:r>
+            <a:r>
+              <a:rPr lang="sk-SK" sz="1800" dirty="0" err="1">
+                <a:effectLst/>
+                <a:latin typeface="Lucida Console" panose="020B0609040504020204" pitchFamily="49" charset="0"/>
+              </a:rPr>
+              <a:t>Lepsius</a:t>
+            </a:r>
+            <a:r>
+              <a:rPr lang="sk-SK" sz="1800" dirty="0">
+                <a:effectLst/>
+                <a:latin typeface="Lucida Console" panose="020B0609040504020204" pitchFamily="49" charset="0"/>
+              </a:rPr>
+              <a:t> XXXII) je </a:t>
+            </a:r>
+            <a:r>
+              <a:rPr lang="sk-SK" sz="1800" strike="noStrike" dirty="0">
+                <a:effectLst/>
+                <a:latin typeface="Lucida Console" panose="020B0609040504020204" pitchFamily="49" charset="0"/>
+              </a:rPr>
+              <a:t>staroegyptská</a:t>
+            </a:r>
+            <a:r>
+              <a:rPr lang="sk-SK" sz="1800" dirty="0">
+                <a:effectLst/>
+                <a:latin typeface="Lucida Console" panose="020B0609040504020204" pitchFamily="49" charset="0"/>
+              </a:rPr>
+              <a:t> pamiatka, súbor objektov starovekej pohrebnej a</a:t>
+            </a:r>
+          </a:p>
+        </p:txBody>
+      </p:sp>
+      <p:pic>
+        <p:nvPicPr>
+          <p:cNvPr id="7" name="Graphic 7">
+            <a:extLst>
+              <a:ext uri="{FF2B5EF4-FFF2-40B4-BE49-F238E27FC236}">
+                <a16:creationId xmlns:a16="http://schemas.microsoft.com/office/drawing/2014/main" id="{F898A8BA-904B-C2E0-7FFF-A51867563865}"/>
+              </a:ext>
+            </a:extLst>
+          </p:cNvPr>
+          <p:cNvPicPr>
+            <a:picLocks noChangeAspect="1"/>
+          </p:cNvPicPr>
+          <p:nvPr/>
+        </p:nvPicPr>
+        <p:blipFill>
+          <a:blip r:embed="rId3" cstate="email">
+            <a:extLst>
+              <a:ext uri="{28A0092B-C50C-407E-A947-70E740481C1C}">
+                <a14:useLocalDpi xmlns:a14="http://schemas.microsoft.com/office/drawing/2010/main"/>
+              </a:ext>
+              <a:ext uri="{96DAC541-7B7A-43D3-8B79-37D633B846F1}">
+                <asvg:svgBlip xmlns:asvg="http://schemas.microsoft.com/office/drawing/2016/SVG/main" r:embed="rId4"/>
+              </a:ext>
+            </a:extLst>
+          </a:blip>
+          <a:stretch>
+            <a:fillRect/>
+          </a:stretch>
+        </p:blipFill>
+        <p:spPr>
+          <a:xfrm rot="16200000">
+            <a:off x="4982935" y="4354242"/>
+            <a:ext cx="3109434" cy="118015"/>
+          </a:xfrm>
+          <a:prstGeom prst="rect">
+            <a:avLst/>
+          </a:prstGeom>
+        </p:spPr>
+      </p:pic>
+      <p:sp>
+        <p:nvSpPr>
+          <p:cNvPr id="8" name="!!kruh">
+            <a:extLst>
+              <a:ext uri="{FF2B5EF4-FFF2-40B4-BE49-F238E27FC236}">
+                <a16:creationId xmlns:a16="http://schemas.microsoft.com/office/drawing/2014/main" id="{499E9A9B-93F7-B35A-8966-26E813416096}"/>
               </a:ext>
             </a:extLst>
           </p:cNvPr>
@@ -9235,8 +12247,8 @@
         </p:nvSpPr>
         <p:spPr>
           <a:xfrm>
-            <a:off x="11094902" y="5565252"/>
-            <a:ext cx="2212572" cy="2212572"/>
+            <a:off x="10629069" y="3988760"/>
+            <a:ext cx="506077" cy="506077"/>
           </a:xfrm>
           <a:prstGeom prst="ellipse">
             <a:avLst/>
@@ -9257,7 +12269,7 @@
             </a:path>
             <a:tileRect t="-100000" r="-100000"/>
           </a:gradFill>
-          <a:ln w="76200">
+          <a:ln w="38100">
             <a:solidFill>
               <a:srgbClr val="313944">
                 <a:alpha val="94000"/>
@@ -9299,10 +12311,72 @@
       </p:sp>
       <p:sp>
         <p:nvSpPr>
-          <p:cNvPr id="5" name="!!kruh">
-            <a:extLst>
-              <a:ext uri="{FF2B5EF4-FFF2-40B4-BE49-F238E27FC236}">
-                <a16:creationId xmlns:a16="http://schemas.microsoft.com/office/drawing/2014/main" id="{F3764D55-4AA9-49DB-3166-595049246BE1}"/>
+          <p:cNvPr id="10" name="BlokTextu 9">
+            <a:extLst>
+              <a:ext uri="{FF2B5EF4-FFF2-40B4-BE49-F238E27FC236}">
+                <a16:creationId xmlns:a16="http://schemas.microsoft.com/office/drawing/2014/main" id="{7ADBBFB3-6141-A3C3-6238-BF223CF90DBC}"/>
+              </a:ext>
+            </a:extLst>
+          </p:cNvPr>
+          <p:cNvSpPr txBox="1"/>
+          <p:nvPr/>
+        </p:nvSpPr>
+        <p:spPr>
+          <a:xfrm>
+            <a:off x="7848320" y="4057133"/>
+            <a:ext cx="3033788" cy="369332"/>
+          </a:xfrm>
+          <a:prstGeom prst="rect">
+            <a:avLst/>
+          </a:prstGeom>
+          <a:noFill/>
+        </p:spPr>
+        <p:txBody>
+          <a:bodyPr wrap="square" rtlCol="0">
+            <a:spAutoFit/>
+          </a:bodyPr>
+          <a:lstStyle/>
+          <a:p>
+            <a:r>
+              <a:rPr lang="sk-SK" sz="1800" dirty="0">
+                <a:solidFill>
+                  <a:schemeClr val="bg1"/>
+                </a:solidFill>
+                <a:effectLst/>
+                <a:latin typeface="Lucida Console" panose="020B0609040504020204" pitchFamily="49" charset="0"/>
+              </a:rPr>
+              <a:t>dnešnom </a:t>
+            </a:r>
+            <a:r>
+              <a:rPr lang="sk-SK" sz="1800" strike="noStrike" dirty="0">
+                <a:solidFill>
+                  <a:schemeClr val="bg1"/>
+                </a:solidFill>
+                <a:effectLst/>
+                <a:latin typeface="Lucida Console" panose="020B0609040504020204" pitchFamily="49" charset="0"/>
+              </a:rPr>
+              <a:t>Egypte</a:t>
+            </a:r>
+            <a:r>
+              <a:rPr lang="sk-SK" sz="1800" dirty="0">
+                <a:solidFill>
+                  <a:schemeClr val="bg1"/>
+                </a:solidFill>
+                <a:effectLst/>
+                <a:latin typeface="Lucida Console" panose="020B0609040504020204" pitchFamily="49" charset="0"/>
+              </a:rPr>
+              <a:t>. V</a:t>
+            </a:r>
+            <a:endParaRPr lang="sk-SK" dirty="0"/>
+          </a:p>
+        </p:txBody>
+      </p:sp>
+      <p:sp>
+        <p:nvSpPr>
+          <p:cNvPr id="11" name="!!kruh">
+            <a:extLst>
+              <a:ext uri="{FF2B5EF4-FFF2-40B4-BE49-F238E27FC236}">
+                <a16:creationId xmlns:a16="http://schemas.microsoft.com/office/drawing/2014/main" id="{E2F181C8-62C7-7B7D-6C6B-0B5113D4E689}"/>
               </a:ext>
             </a:extLst>
           </p:cNvPr>
@@ -9311,8 +12385,8 @@
         </p:nvSpPr>
         <p:spPr>
           <a:xfrm>
-            <a:off x="8364094" y="6610919"/>
-            <a:ext cx="1247084" cy="1247084"/>
+            <a:off x="7143787" y="4801561"/>
+            <a:ext cx="506077" cy="506077"/>
           </a:xfrm>
           <a:prstGeom prst="ellipse">
             <a:avLst/>
@@ -9333,7 +12407,7 @@
             </a:path>
             <a:tileRect t="-100000" r="-100000"/>
           </a:gradFill>
-          <a:ln w="76200">
+          <a:ln w="38100">
             <a:solidFill>
               <a:srgbClr val="313944">
                 <a:alpha val="94000"/>
@@ -9375,10 +12449,72 @@
       </p:sp>
       <p:sp>
         <p:nvSpPr>
-          <p:cNvPr id="6" name="!!kruh">
-            <a:extLst>
-              <a:ext uri="{FF2B5EF4-FFF2-40B4-BE49-F238E27FC236}">
-                <a16:creationId xmlns:a16="http://schemas.microsoft.com/office/drawing/2014/main" id="{134BAA66-86BE-A029-BF4D-CD6A9DDB307F}"/>
+          <p:cNvPr id="18" name="BlokTextu 17">
+            <a:extLst>
+              <a:ext uri="{FF2B5EF4-FFF2-40B4-BE49-F238E27FC236}">
+                <a16:creationId xmlns:a16="http://schemas.microsoft.com/office/drawing/2014/main" id="{210E7BC8-AE4E-A82A-B031-AD4A6E1E7471}"/>
+              </a:ext>
+            </a:extLst>
+          </p:cNvPr>
+          <p:cNvSpPr txBox="1"/>
+          <p:nvPr/>
+        </p:nvSpPr>
+        <p:spPr>
+          <a:xfrm>
+            <a:off x="7848320" y="4869933"/>
+            <a:ext cx="3033788" cy="369332"/>
+          </a:xfrm>
+          <a:prstGeom prst="rect">
+            <a:avLst/>
+          </a:prstGeom>
+          <a:noFill/>
+        </p:spPr>
+        <p:txBody>
+          <a:bodyPr wrap="square" rtlCol="0">
+            <a:spAutoFit/>
+          </a:bodyPr>
+          <a:lstStyle/>
+          <a:p>
+            <a:r>
+              <a:rPr lang="sk-SK" sz="1800" dirty="0">
+                <a:solidFill>
+                  <a:schemeClr val="bg1"/>
+                </a:solidFill>
+                <a:effectLst/>
+                <a:latin typeface="Lucida Console" panose="020B0609040504020204" pitchFamily="49" charset="0"/>
+              </a:rPr>
+              <a:t>dnešnom </a:t>
+            </a:r>
+            <a:r>
+              <a:rPr lang="sk-SK" sz="1800" strike="noStrike" dirty="0">
+                <a:solidFill>
+                  <a:schemeClr val="bg1"/>
+                </a:solidFill>
+                <a:effectLst/>
+                <a:latin typeface="Lucida Console" panose="020B0609040504020204" pitchFamily="49" charset="0"/>
+              </a:rPr>
+              <a:t>Egypte</a:t>
+            </a:r>
+            <a:r>
+              <a:rPr lang="sk-SK" sz="1800" dirty="0">
+                <a:solidFill>
+                  <a:schemeClr val="bg1"/>
+                </a:solidFill>
+                <a:effectLst/>
+                <a:latin typeface="Lucida Console" panose="020B0609040504020204" pitchFamily="49" charset="0"/>
+              </a:rPr>
+              <a:t>. V</a:t>
+            </a:r>
+            <a:endParaRPr lang="sk-SK" dirty="0"/>
+          </a:p>
+        </p:txBody>
+      </p:sp>
+      <p:sp>
+        <p:nvSpPr>
+          <p:cNvPr id="19" name="!!kruh">
+            <a:extLst>
+              <a:ext uri="{FF2B5EF4-FFF2-40B4-BE49-F238E27FC236}">
+                <a16:creationId xmlns:a16="http://schemas.microsoft.com/office/drawing/2014/main" id="{3E341AD1-F620-2996-031E-16FF05A8C48B}"/>
               </a:ext>
             </a:extLst>
           </p:cNvPr>
@@ -9387,8 +12523,8 @@
         </p:nvSpPr>
         <p:spPr>
           <a:xfrm>
-            <a:off x="9615400" y="6014781"/>
-            <a:ext cx="1321280" cy="1321280"/>
+            <a:off x="10629068" y="5601660"/>
+            <a:ext cx="506077" cy="506077"/>
           </a:xfrm>
           <a:prstGeom prst="ellipse">
             <a:avLst/>
@@ -9409,7 +12545,7 @@
             </a:path>
             <a:tileRect t="-100000" r="-100000"/>
           </a:gradFill>
-          <a:ln w="76200">
+          <a:ln w="38100">
             <a:solidFill>
               <a:srgbClr val="313944">
                 <a:alpha val="94000"/>
@@ -9451,162 +12587,72 @@
       </p:sp>
       <p:sp>
         <p:nvSpPr>
-          <p:cNvPr id="8" name="!!kruh">
-            <a:extLst>
-              <a:ext uri="{FF2B5EF4-FFF2-40B4-BE49-F238E27FC236}">
-                <a16:creationId xmlns:a16="http://schemas.microsoft.com/office/drawing/2014/main" id="{69AB2838-C055-EC71-EDBD-CDA692ED14E5}"/>
-              </a:ext>
-            </a:extLst>
-          </p:cNvPr>
-          <p:cNvSpPr/>
+          <p:cNvPr id="21" name="BlokTextu 20">
+            <a:extLst>
+              <a:ext uri="{FF2B5EF4-FFF2-40B4-BE49-F238E27FC236}">
+                <a16:creationId xmlns:a16="http://schemas.microsoft.com/office/drawing/2014/main" id="{FCA8F215-45B9-47C5-50F9-36F9A7DAA733}"/>
+              </a:ext>
+            </a:extLst>
+          </p:cNvPr>
+          <p:cNvSpPr txBox="1"/>
           <p:nvPr/>
         </p:nvSpPr>
         <p:spPr>
           <a:xfrm>
-            <a:off x="11716580" y="3391641"/>
-            <a:ext cx="1247084" cy="1247084"/>
+            <a:off x="7848320" y="5682733"/>
+            <a:ext cx="3033788" cy="369332"/>
           </a:xfrm>
-          <a:prstGeom prst="ellipse">
+          <a:prstGeom prst="rect">
             <a:avLst/>
           </a:prstGeom>
-          <a:gradFill flip="none" rotWithShape="1">
-            <a:gsLst>
-              <a:gs pos="35000">
-                <a:srgbClr val="CCFF99">
-                  <a:lumMod val="96000"/>
-                </a:srgbClr>
-              </a:gs>
-              <a:gs pos="66000">
-                <a:schemeClr val="accent1"/>
-              </a:gs>
-            </a:gsLst>
-            <a:path path="circle">
-              <a:fillToRect l="100000" b="100000"/>
-            </a:path>
-            <a:tileRect t="-100000" r="-100000"/>
-          </a:gradFill>
-          <a:ln w="76200">
-            <a:solidFill>
-              <a:srgbClr val="313944">
-                <a:alpha val="94000"/>
-              </a:srgbClr>
-            </a:solidFill>
-          </a:ln>
-          <a:effectLst/>
+          <a:noFill/>
         </p:spPr>
-        <p:style>
-          <a:lnRef idx="2">
-            <a:schemeClr val="accent1">
-              <a:shade val="50000"/>
-            </a:schemeClr>
-          </a:lnRef>
-          <a:fillRef idx="1">
-            <a:schemeClr val="accent1"/>
-          </a:fillRef>
-          <a:effectRef idx="0">
-            <a:schemeClr val="accent1"/>
-          </a:effectRef>
-          <a:fontRef idx="minor">
-            <a:schemeClr val="lt1"/>
-          </a:fontRef>
-        </p:style>
-        <p:txBody>
-          <a:bodyPr rtlCol="0" anchor="ctr"/>
-          <a:lstStyle/>
-          <a:p>
-            <a:pPr algn="ctr"/>
-            <a:endParaRPr lang="sk-SK" dirty="0">
-              <a:ln w="28575">
-                <a:solidFill>
-                  <a:schemeClr val="accent1"/>
-                </a:solidFill>
-              </a:ln>
-            </a:endParaRPr>
-          </a:p>
-        </p:txBody>
-      </p:sp>
-      <p:sp>
-        <p:nvSpPr>
-          <p:cNvPr id="10" name="!!kruh">
-            <a:extLst>
-              <a:ext uri="{FF2B5EF4-FFF2-40B4-BE49-F238E27FC236}">
-                <a16:creationId xmlns:a16="http://schemas.microsoft.com/office/drawing/2014/main" id="{3AB732BF-CDE8-6974-D14F-849C25BA60D8}"/>
-              </a:ext>
-            </a:extLst>
-          </p:cNvPr>
-          <p:cNvSpPr/>
-          <p:nvPr/>
-        </p:nvSpPr>
-        <p:spPr>
-          <a:xfrm>
-            <a:off x="10726387" y="5359340"/>
-            <a:ext cx="532110" cy="532110"/>
-          </a:xfrm>
-          <a:prstGeom prst="ellipse">
-            <a:avLst/>
-          </a:prstGeom>
-          <a:gradFill flip="none" rotWithShape="1">
-            <a:gsLst>
-              <a:gs pos="35000">
-                <a:srgbClr val="CCFF99">
-                  <a:lumMod val="96000"/>
-                </a:srgbClr>
-              </a:gs>
-              <a:gs pos="66000">
-                <a:schemeClr val="accent1"/>
-              </a:gs>
-            </a:gsLst>
-            <a:path path="circle">
-              <a:fillToRect l="100000" b="100000"/>
-            </a:path>
-            <a:tileRect t="-100000" r="-100000"/>
-          </a:gradFill>
-          <a:ln w="76200">
-            <a:solidFill>
-              <a:srgbClr val="313944">
-                <a:alpha val="94000"/>
-              </a:srgbClr>
-            </a:solidFill>
-          </a:ln>
-          <a:effectLst/>
-        </p:spPr>
-        <p:style>
-          <a:lnRef idx="2">
-            <a:schemeClr val="accent1">
-              <a:shade val="50000"/>
-            </a:schemeClr>
-          </a:lnRef>
-          <a:fillRef idx="1">
-            <a:schemeClr val="accent1"/>
-          </a:fillRef>
-          <a:effectRef idx="0">
-            <a:schemeClr val="accent1"/>
-          </a:effectRef>
-          <a:fontRef idx="minor">
-            <a:schemeClr val="lt1"/>
-          </a:fontRef>
-        </p:style>
-        <p:txBody>
-          <a:bodyPr rtlCol="0" anchor="ctr"/>
-          <a:lstStyle/>
-          <a:p>
-            <a:pPr algn="ctr"/>
-            <a:endParaRPr lang="sk-SK" dirty="0">
-              <a:ln w="28575">
-                <a:solidFill>
-                  <a:schemeClr val="accent1"/>
-                </a:solidFill>
-              </a:ln>
-            </a:endParaRPr>
-          </a:p>
-        </p:txBody>
-      </p:sp>
-      <p:sp>
-        <p:nvSpPr>
-          <p:cNvPr id="13" name="Nadpis 1">
-            <a:extLst>
-              <a:ext uri="{FF2B5EF4-FFF2-40B4-BE49-F238E27FC236}">
-                <a16:creationId xmlns:a16="http://schemas.microsoft.com/office/drawing/2014/main" id="{C844EE25-6FED-2F6C-6DF0-37669AEDC5F3}"/>
+        <p:txBody>
+          <a:bodyPr wrap="square" rtlCol="0">
+            <a:spAutoFit/>
+          </a:bodyPr>
+          <a:lstStyle/>
+          <a:p>
+            <a:r>
+              <a:rPr lang="sk-SK" sz="1800" dirty="0">
+                <a:solidFill>
+                  <a:schemeClr val="bg1"/>
+                </a:solidFill>
+                <a:effectLst/>
+                <a:latin typeface="Lucida Console" panose="020B0609040504020204" pitchFamily="49" charset="0"/>
+              </a:rPr>
+              <a:t>dnešnom </a:t>
+            </a:r>
+            <a:r>
+              <a:rPr lang="sk-SK" sz="1800" strike="noStrike" dirty="0">
+                <a:solidFill>
+                  <a:schemeClr val="bg1"/>
+                </a:solidFill>
+                <a:effectLst/>
+                <a:latin typeface="Lucida Console" panose="020B0609040504020204" pitchFamily="49" charset="0"/>
+              </a:rPr>
+              <a:t>Egypte</a:t>
+            </a:r>
+            <a:r>
+              <a:rPr lang="sk-SK" sz="1800" dirty="0">
+                <a:solidFill>
+                  <a:schemeClr val="bg1"/>
+                </a:solidFill>
+                <a:effectLst/>
+                <a:latin typeface="Lucida Console" panose="020B0609040504020204" pitchFamily="49" charset="0"/>
+              </a:rPr>
+              <a:t>. V</a:t>
+            </a:r>
+            <a:endParaRPr lang="sk-SK" dirty="0"/>
+          </a:p>
+        </p:txBody>
+      </p:sp>
+      <p:sp>
+        <p:nvSpPr>
+          <p:cNvPr id="24" name="Nadpis 1">
+            <a:extLst>
+              <a:ext uri="{FF2B5EF4-FFF2-40B4-BE49-F238E27FC236}">
+                <a16:creationId xmlns:a16="http://schemas.microsoft.com/office/drawing/2014/main" id="{679AD9EF-8D55-4C81-CFEB-068D55F39302}"/>
               </a:ext>
             </a:extLst>
           </p:cNvPr>
@@ -9617,8 +12663,8 @@
         </p:nvSpPr>
         <p:spPr>
           <a:xfrm>
-            <a:off x="381213" y="578201"/>
-            <a:ext cx="3868569" cy="506077"/>
+            <a:off x="1520522" y="4835172"/>
+            <a:ext cx="4228580" cy="1364922"/>
           </a:xfrm>
           <a:prstGeom prst="rect">
             <a:avLst/>
@@ -9650,48 +12696,67 @@
           <a:p>
             <a:pPr algn="l"/>
             <a:r>
-              <a:rPr lang="sk-SK" sz="4000" dirty="0">
-                <a:latin typeface="Lucida Console" panose="020B0609040504020204" pitchFamily="49" charset="0"/>
-                <a:cs typeface="Segoe UI" panose="020B0502040204020203" pitchFamily="34" charset="0"/>
-              </a:rPr>
-              <a:t>ÚVOD A CIELE</a:t>
-            </a:r>
-          </a:p>
-        </p:txBody>
-      </p:sp>
-      <p:sp>
-        <p:nvSpPr>
-          <p:cNvPr id="14" name="BlokTextu 13">
-            <a:extLst>
-              <a:ext uri="{FF2B5EF4-FFF2-40B4-BE49-F238E27FC236}">
-                <a16:creationId xmlns:a16="http://schemas.microsoft.com/office/drawing/2014/main" id="{4A6BDC00-93EA-2552-D865-B5BC8F665E3D}"/>
-              </a:ext>
-            </a:extLst>
-          </p:cNvPr>
-          <p:cNvSpPr txBox="1"/>
-          <p:nvPr/>
-        </p:nvSpPr>
-        <p:spPr>
-          <a:xfrm>
-            <a:off x="4339770" y="515451"/>
-            <a:ext cx="1732239" cy="707886"/>
-          </a:xfrm>
-          <a:prstGeom prst="rect">
-            <a:avLst/>
-          </a:prstGeom>
-          <a:noFill/>
-        </p:spPr>
-        <p:txBody>
-          <a:bodyPr wrap="square" rtlCol="0">
-            <a:spAutoFit/>
-          </a:bodyPr>
-          <a:lstStyle/>
-          <a:p>
-            <a:r>
-              <a:rPr lang="sk-SK" sz="4000" dirty="0">
-                <a:latin typeface="Lucida Console" panose="020B0609040504020204" pitchFamily="49" charset="0"/>
-              </a:rPr>
-              <a:t>PRÁCE</a:t>
+              <a:rPr lang="sk-SK" sz="1800" dirty="0">
+                <a:effectLst/>
+                <a:latin typeface="Lucida Console" panose="020B0609040504020204" pitchFamily="49" charset="0"/>
+              </a:rPr>
+              <a:t>Stupňovitá pyramída v </a:t>
+            </a:r>
+            <a:r>
+              <a:rPr lang="sk-SK" sz="1800" dirty="0" err="1">
+                <a:effectLst/>
+                <a:latin typeface="Lucida Console" panose="020B0609040504020204" pitchFamily="49" charset="0"/>
+              </a:rPr>
+              <a:t>Sakkáre</a:t>
+            </a:r>
+            <a:r>
+              <a:rPr lang="sk-SK" sz="1800" dirty="0">
+                <a:effectLst/>
+                <a:latin typeface="Lucida Console" panose="020B0609040504020204" pitchFamily="49" charset="0"/>
+              </a:rPr>
+              <a:t> (iné názvy: </a:t>
+            </a:r>
+            <a:r>
+              <a:rPr lang="sk-SK" sz="1800" dirty="0" err="1">
+                <a:effectLst/>
+                <a:latin typeface="Lucida Console" panose="020B0609040504020204" pitchFamily="49" charset="0"/>
+              </a:rPr>
+              <a:t>Džoserova</a:t>
+            </a:r>
+            <a:r>
+              <a:rPr lang="sk-SK" sz="1800" dirty="0">
+                <a:effectLst/>
+                <a:latin typeface="Lucida Console" panose="020B0609040504020204" pitchFamily="49" charset="0"/>
+              </a:rPr>
+              <a:t> pyramída, </a:t>
+            </a:r>
+            <a:r>
+              <a:rPr lang="sk-SK" sz="1800" dirty="0" err="1">
+                <a:effectLst/>
+                <a:latin typeface="Lucida Console" panose="020B0609040504020204" pitchFamily="49" charset="0"/>
+              </a:rPr>
+              <a:t>Necerichetova</a:t>
+            </a:r>
+            <a:r>
+              <a:rPr lang="sk-SK" sz="1800" dirty="0">
+                <a:effectLst/>
+                <a:latin typeface="Lucida Console" panose="020B0609040504020204" pitchFamily="49" charset="0"/>
+              </a:rPr>
+              <a:t> pyramída, Pyramída </a:t>
+            </a:r>
+            <a:r>
+              <a:rPr lang="sk-SK" sz="1800" dirty="0" err="1">
+                <a:effectLst/>
+                <a:latin typeface="Lucida Console" panose="020B0609040504020204" pitchFamily="49" charset="0"/>
+              </a:rPr>
+              <a:t>Lepsius</a:t>
+            </a:r>
+            <a:r>
+              <a:rPr lang="sk-SK" sz="1800" dirty="0">
+                <a:effectLst/>
+                <a:latin typeface="Lucida Console" panose="020B0609040504020204" pitchFamily="49" charset="0"/>
+              </a:rPr>
+              <a:t> XXXII)</a:t>
             </a:r>
           </a:p>
         </p:txBody>
@@ -9699,7 +12764,7 @@
     </p:spTree>
     <p:extLst>
       <p:ext uri="{BB962C8B-B14F-4D97-AF65-F5344CB8AC3E}">
-        <p14:creationId xmlns:p14="http://schemas.microsoft.com/office/powerpoint/2010/main" val="3427671274"/>
+        <p14:creationId xmlns:p14="http://schemas.microsoft.com/office/powerpoint/2010/main" val="3643927049"/>
       </p:ext>
     </p:extLst>
   </p:cSld>
@@ -9707,9 +12772,9 @@
     <a:masterClrMapping/>
   </p:clrMapOvr>
   <mc:AlternateContent xmlns:mc="http://schemas.openxmlformats.org/markup-compatibility/2006">
-    <mc:Choice xmlns:p15="http://schemas.microsoft.com/office/powerpoint/2012/main" Requires="p15">
+    <mc:Choice xmlns:p159="http://schemas.microsoft.com/office/powerpoint/2015/09/main" Requires="p159">
       <p:transition xmlns:p14="http://schemas.microsoft.com/office/powerpoint/2010/main" spd="slow" p14:dur="2000">
-        <p15:prstTrans prst="fallOver"/>
+        <p159:morph option="byObject"/>
       </p:transition>
     </mc:Choice>
     <mc:Fallback>
@@ -9812,113 +12877,71 @@
       </p:sp>
       <p:sp>
         <p:nvSpPr>
-          <p:cNvPr id="16" name="!!kruh">
-            <a:extLst>
-              <a:ext uri="{FF2B5EF4-FFF2-40B4-BE49-F238E27FC236}">
-                <a16:creationId xmlns:a16="http://schemas.microsoft.com/office/drawing/2014/main" id="{CEAA06CC-F4DB-4E14-B32B-A1C8B899EB36}"/>
-              </a:ext>
-            </a:extLst>
-          </p:cNvPr>
-          <p:cNvSpPr/>
+          <p:cNvPr id="13" name="Nadpis 1">
+            <a:extLst>
+              <a:ext uri="{FF2B5EF4-FFF2-40B4-BE49-F238E27FC236}">
+                <a16:creationId xmlns:a16="http://schemas.microsoft.com/office/drawing/2014/main" id="{C844EE25-6FED-2F6C-6DF0-37669AEDC5F3}"/>
+              </a:ext>
+            </a:extLst>
+          </p:cNvPr>
+          <p:cNvSpPr txBox="1">
+            <a:spLocks/>
+          </p:cNvSpPr>
           <p:nvPr/>
         </p:nvSpPr>
         <p:spPr>
           <a:xfrm>
-            <a:off x="-9507073" y="-3061111"/>
-            <a:ext cx="18750233" cy="5160712"/>
-          </a:xfrm>
-          <a:prstGeom prst="ellipse">
-            <a:avLst/>
-          </a:prstGeom>
-          <a:gradFill>
-            <a:gsLst>
-              <a:gs pos="35000">
-                <a:srgbClr val="CCFF99"/>
-              </a:gs>
-              <a:gs pos="66000">
-                <a:schemeClr val="accent1"/>
-              </a:gs>
-            </a:gsLst>
-            <a:path path="circle">
-              <a:fillToRect r="100000" b="100000"/>
-            </a:path>
-          </a:gradFill>
-          <a:ln w="177800">
-            <a:solidFill>
-              <a:srgbClr val="313944"/>
-            </a:solidFill>
-          </a:ln>
-        </p:spPr>
-        <p:style>
-          <a:lnRef idx="2">
-            <a:schemeClr val="accent1">
-              <a:shade val="50000"/>
-            </a:schemeClr>
-          </a:lnRef>
-          <a:fillRef idx="1">
-            <a:schemeClr val="accent1"/>
-          </a:fillRef>
-          <a:effectRef idx="0">
-            <a:schemeClr val="accent1"/>
-          </a:effectRef>
-          <a:fontRef idx="minor">
-            <a:schemeClr val="lt1"/>
-          </a:fontRef>
-        </p:style>
-        <p:txBody>
-          <a:bodyPr rtlCol="0" anchor="ctr"/>
-          <a:lstStyle/>
-          <a:p>
-            <a:pPr algn="ctr"/>
-            <a:endParaRPr lang="sk-SK" dirty="0"/>
-          </a:p>
-        </p:txBody>
-      </p:sp>
-      <p:pic>
-        <p:nvPicPr>
-          <p:cNvPr id="21" name="Graphic 7">
-            <a:extLst>
-              <a:ext uri="{FF2B5EF4-FFF2-40B4-BE49-F238E27FC236}">
-                <a16:creationId xmlns:a16="http://schemas.microsoft.com/office/drawing/2014/main" id="{2DC6553F-100A-B07D-00F1-96276B47EA7D}"/>
-              </a:ext>
-            </a:extLst>
-          </p:cNvPr>
-          <p:cNvPicPr>
-            <a:picLocks noChangeAspect="1"/>
-          </p:cNvPicPr>
-          <p:nvPr/>
-        </p:nvPicPr>
-        <p:blipFill>
-          <a:blip r:embed="rId3" cstate="email">
-            <a:extLst>
-              <a:ext uri="{28A0092B-C50C-407E-A947-70E740481C1C}">
-                <a14:useLocalDpi xmlns:a14="http://schemas.microsoft.com/office/drawing/2010/main"/>
-              </a:ext>
-              <a:ext uri="{96DAC541-7B7A-43D3-8B79-37D633B846F1}">
-                <asvg:svgBlip xmlns:asvg="http://schemas.microsoft.com/office/drawing/2016/SVG/main" r:embed="rId4"/>
-              </a:ext>
-            </a:extLst>
-          </a:blip>
-          <a:stretch>
-            <a:fillRect/>
-          </a:stretch>
-        </p:blipFill>
-        <p:spPr>
-          <a:xfrm flipV="1">
-            <a:off x="144680" y="1127820"/>
-            <a:ext cx="6040542" cy="220177"/>
+            <a:off x="3150355" y="776214"/>
+            <a:ext cx="5891288" cy="506077"/>
           </a:xfrm>
           <a:prstGeom prst="rect">
             <a:avLst/>
           </a:prstGeom>
         </p:spPr>
-      </p:pic>
-      <p:sp>
-        <p:nvSpPr>
-          <p:cNvPr id="2" name="!!kruh">
-            <a:extLst>
-              <a:ext uri="{FF2B5EF4-FFF2-40B4-BE49-F238E27FC236}">
-                <a16:creationId xmlns:a16="http://schemas.microsoft.com/office/drawing/2014/main" id="{F1018DFE-6503-75D9-6BAA-E79301D80460}"/>
+        <p:txBody>
+          <a:bodyPr vert="horz" lIns="91440" tIns="45720" rIns="91440" bIns="45720" rtlCol="0" anchor="t">
+            <a:noAutofit/>
+          </a:bodyPr>
+          <a:lstStyle>
+            <a:lvl1pPr algn="ctr" defTabSz="914400" rtl="0" eaLnBrk="1" latinLnBrk="0" hangingPunct="1">
+              <a:lnSpc>
+                <a:spcPct val="90000"/>
+              </a:lnSpc>
+              <a:spcBef>
+                <a:spcPct val="0"/>
+              </a:spcBef>
+              <a:buNone/>
+              <a:defRPr sz="6000" kern="1200">
+                <a:solidFill>
+                  <a:schemeClr val="tx1"/>
+                </a:solidFill>
+                <a:latin typeface="+mj-lt"/>
+                <a:ea typeface="+mj-ea"/>
+                <a:cs typeface="+mj-cs"/>
+              </a:defRPr>
+            </a:lvl1pPr>
+          </a:lstStyle>
+          <a:p>
+            <a:pPr algn="l"/>
+            <a:r>
+              <a:rPr lang="sk-SK" sz="6600" dirty="0">
+                <a:solidFill>
+                  <a:schemeClr val="bg1"/>
+                </a:solidFill>
+                <a:latin typeface="Lucida Console" panose="020B0609040504020204" pitchFamily="49" charset="0"/>
+                <a:cs typeface="Segoe UI" panose="020B0502040204020203" pitchFamily="34" charset="0"/>
+              </a:rPr>
+              <a:t>OBSAH PRÁCE</a:t>
+            </a:r>
+          </a:p>
+        </p:txBody>
+      </p:sp>
+      <p:sp>
+        <p:nvSpPr>
+          <p:cNvPr id="4" name="!!kruh">
+            <a:extLst>
+              <a:ext uri="{FF2B5EF4-FFF2-40B4-BE49-F238E27FC236}">
+                <a16:creationId xmlns:a16="http://schemas.microsoft.com/office/drawing/2014/main" id="{C9BEF276-6235-9785-ED87-EFE347C8F1EE}"/>
               </a:ext>
             </a:extLst>
           </p:cNvPr>
@@ -9927,7 +12950,7 @@
         </p:nvSpPr>
         <p:spPr>
           <a:xfrm>
-            <a:off x="11209539" y="4586995"/>
+            <a:off x="1624712" y="2514503"/>
             <a:ext cx="889189" cy="889189"/>
           </a:xfrm>
           <a:prstGeom prst="ellipse">
@@ -9991,10 +13014,10 @@
       </p:sp>
       <p:sp>
         <p:nvSpPr>
-          <p:cNvPr id="4" name="!!kruh">
-            <a:extLst>
-              <a:ext uri="{FF2B5EF4-FFF2-40B4-BE49-F238E27FC236}">
-                <a16:creationId xmlns:a16="http://schemas.microsoft.com/office/drawing/2014/main" id="{60965A5F-B96A-5643-0FE3-E63320440E83}"/>
+          <p:cNvPr id="5" name="!!kruh">
+            <a:extLst>
+              <a:ext uri="{FF2B5EF4-FFF2-40B4-BE49-F238E27FC236}">
+                <a16:creationId xmlns:a16="http://schemas.microsoft.com/office/drawing/2014/main" id="{9E87ED66-A415-39F9-C8C2-69C610E9C3B5}"/>
               </a:ext>
             </a:extLst>
           </p:cNvPr>
@@ -10003,8 +13026,8 @@
         </p:nvSpPr>
         <p:spPr>
           <a:xfrm>
-            <a:off x="11094902" y="5565252"/>
-            <a:ext cx="2212572" cy="2212572"/>
+            <a:off x="5481839" y="2514505"/>
+            <a:ext cx="889189" cy="889189"/>
           </a:xfrm>
           <a:prstGeom prst="ellipse">
             <a:avLst/>
@@ -10067,10 +13090,10 @@
       </p:sp>
       <p:sp>
         <p:nvSpPr>
-          <p:cNvPr id="5" name="!!kruh">
-            <a:extLst>
-              <a:ext uri="{FF2B5EF4-FFF2-40B4-BE49-F238E27FC236}">
-                <a16:creationId xmlns:a16="http://schemas.microsoft.com/office/drawing/2014/main" id="{F3764D55-4AA9-49DB-3166-595049246BE1}"/>
+          <p:cNvPr id="6" name="!!kruh">
+            <a:extLst>
+              <a:ext uri="{FF2B5EF4-FFF2-40B4-BE49-F238E27FC236}">
+                <a16:creationId xmlns:a16="http://schemas.microsoft.com/office/drawing/2014/main" id="{FE2F682B-E5F4-EF59-D59E-97278D99AE67}"/>
               </a:ext>
             </a:extLst>
           </p:cNvPr>
@@ -10079,8 +13102,8 @@
         </p:nvSpPr>
         <p:spPr>
           <a:xfrm>
-            <a:off x="8364094" y="6610919"/>
-            <a:ext cx="1247084" cy="1247084"/>
+            <a:off x="9338966" y="2514504"/>
+            <a:ext cx="889189" cy="889189"/>
           </a:xfrm>
           <a:prstGeom prst="ellipse">
             <a:avLst/>
@@ -10143,10 +13166,454 @@
       </p:sp>
       <p:sp>
         <p:nvSpPr>
-          <p:cNvPr id="6" name="!!kruh">
-            <a:extLst>
-              <a:ext uri="{FF2B5EF4-FFF2-40B4-BE49-F238E27FC236}">
-                <a16:creationId xmlns:a16="http://schemas.microsoft.com/office/drawing/2014/main" id="{134BAA66-86BE-A029-BF4D-CD6A9DDB307F}"/>
+          <p:cNvPr id="9" name="BlokTextu 8">
+            <a:extLst>
+              <a:ext uri="{FF2B5EF4-FFF2-40B4-BE49-F238E27FC236}">
+                <a16:creationId xmlns:a16="http://schemas.microsoft.com/office/drawing/2014/main" id="{39D1B415-986F-BE51-72C4-7E46BA906079}"/>
+              </a:ext>
+            </a:extLst>
+          </p:cNvPr>
+          <p:cNvSpPr txBox="1"/>
+          <p:nvPr/>
+        </p:nvSpPr>
+        <p:spPr>
+          <a:xfrm>
+            <a:off x="8266666" y="3619500"/>
+            <a:ext cx="3033788" cy="2308324"/>
+          </a:xfrm>
+          <a:prstGeom prst="rect">
+            <a:avLst/>
+          </a:prstGeom>
+          <a:noFill/>
+        </p:spPr>
+        <p:txBody>
+          <a:bodyPr wrap="square" rtlCol="0">
+            <a:spAutoFit/>
+          </a:bodyPr>
+          <a:lstStyle/>
+          <a:p>
+            <a:r>
+              <a:rPr lang="sk-SK" sz="1800" dirty="0">
+                <a:solidFill>
+                  <a:schemeClr val="bg1"/>
+                </a:solidFill>
+                <a:effectLst/>
+                <a:latin typeface="Lucida Console" panose="020B0609040504020204" pitchFamily="49" charset="0"/>
+              </a:rPr>
+              <a:t>dnešnom </a:t>
+            </a:r>
+            <a:r>
+              <a:rPr lang="sk-SK" sz="1800" strike="noStrike" dirty="0">
+                <a:solidFill>
+                  <a:schemeClr val="bg1"/>
+                </a:solidFill>
+                <a:effectLst/>
+                <a:latin typeface="Lucida Console" panose="020B0609040504020204" pitchFamily="49" charset="0"/>
+              </a:rPr>
+              <a:t>Egypte</a:t>
+            </a:r>
+            <a:r>
+              <a:rPr lang="sk-SK" sz="1800" dirty="0">
+                <a:solidFill>
+                  <a:schemeClr val="bg1"/>
+                </a:solidFill>
+                <a:effectLst/>
+                <a:latin typeface="Lucida Console" panose="020B0609040504020204" pitchFamily="49" charset="0"/>
+              </a:rPr>
+              <a:t>. V staroveku toto pohrebisko patrilo mestu </a:t>
+            </a:r>
+            <a:r>
+              <a:rPr lang="sk-SK" sz="1800" strike="noStrike" dirty="0" err="1">
+                <a:solidFill>
+                  <a:schemeClr val="bg1"/>
+                </a:solidFill>
+                <a:effectLst/>
+                <a:latin typeface="Lucida Console" panose="020B0609040504020204" pitchFamily="49" charset="0"/>
+              </a:rPr>
+              <a:t>Mennofer</a:t>
+            </a:r>
+            <a:r>
+              <a:rPr lang="sk-SK" sz="1800" dirty="0">
+                <a:solidFill>
+                  <a:schemeClr val="bg1"/>
+                </a:solidFill>
+                <a:effectLst/>
+                <a:latin typeface="Lucida Console" panose="020B0609040504020204" pitchFamily="49" charset="0"/>
+              </a:rPr>
+              <a:t>, ktoré bolo </a:t>
+            </a:r>
+            <a:r>
+              <a:rPr lang="sk-SK" sz="1800" dirty="0" err="1">
+                <a:solidFill>
+                  <a:schemeClr val="bg1"/>
+                </a:solidFill>
+                <a:effectLst/>
+                <a:latin typeface="Lucida Console" panose="020B0609040504020204" pitchFamily="49" charset="0"/>
+              </a:rPr>
+              <a:t>hlavnýmdnešnom</a:t>
+            </a:r>
+            <a:r>
+              <a:rPr lang="sk-SK" sz="1800" dirty="0">
+                <a:solidFill>
+                  <a:schemeClr val="bg1"/>
+                </a:solidFill>
+                <a:effectLst/>
+                <a:latin typeface="Lucida Console" panose="020B0609040504020204" pitchFamily="49" charset="0"/>
+              </a:rPr>
+              <a:t> </a:t>
+            </a:r>
+            <a:r>
+              <a:rPr lang="sk-SK" sz="1800" strike="noStrike" dirty="0">
+                <a:solidFill>
+                  <a:schemeClr val="bg1"/>
+                </a:solidFill>
+                <a:effectLst/>
+                <a:latin typeface="Lucida Console" panose="020B0609040504020204" pitchFamily="49" charset="0"/>
+              </a:rPr>
+              <a:t>Egypte</a:t>
+            </a:r>
+            <a:r>
+              <a:rPr lang="sk-SK" sz="1800" dirty="0">
+                <a:solidFill>
+                  <a:schemeClr val="bg1"/>
+                </a:solidFill>
+                <a:effectLst/>
+                <a:latin typeface="Lucida Console" panose="020B0609040504020204" pitchFamily="49" charset="0"/>
+              </a:rPr>
+              <a:t>. V staroveku toto pohrebisko patrilo</a:t>
+            </a:r>
+            <a:endParaRPr lang="sk-SK" dirty="0"/>
+          </a:p>
+        </p:txBody>
+      </p:sp>
+      <p:pic>
+        <p:nvPicPr>
+          <p:cNvPr id="12" name="Graphic 7">
+            <a:extLst>
+              <a:ext uri="{FF2B5EF4-FFF2-40B4-BE49-F238E27FC236}">
+                <a16:creationId xmlns:a16="http://schemas.microsoft.com/office/drawing/2014/main" id="{4D915BB4-F56F-FD72-1415-8AC299A3365D}"/>
+              </a:ext>
+            </a:extLst>
+          </p:cNvPr>
+          <p:cNvPicPr>
+            <a:picLocks noChangeAspect="1"/>
+          </p:cNvPicPr>
+          <p:nvPr/>
+        </p:nvPicPr>
+        <p:blipFill>
+          <a:blip r:embed="rId3" cstate="email">
+            <a:extLst>
+              <a:ext uri="{28A0092B-C50C-407E-A947-70E740481C1C}">
+                <a14:useLocalDpi xmlns:a14="http://schemas.microsoft.com/office/drawing/2010/main"/>
+              </a:ext>
+              <a:ext uri="{96DAC541-7B7A-43D3-8B79-37D633B846F1}">
+                <asvg:svgBlip xmlns:asvg="http://schemas.microsoft.com/office/drawing/2016/SVG/main" r:embed="rId4"/>
+              </a:ext>
+            </a:extLst>
+          </a:blip>
+          <a:stretch>
+            <a:fillRect/>
+          </a:stretch>
+        </p:blipFill>
+        <p:spPr>
+          <a:xfrm rot="16200000">
+            <a:off x="6334384" y="4041493"/>
+            <a:ext cx="3109434" cy="118015"/>
+          </a:xfrm>
+          <a:prstGeom prst="rect">
+            <a:avLst/>
+          </a:prstGeom>
+        </p:spPr>
+      </p:pic>
+      <p:sp>
+        <p:nvSpPr>
+          <p:cNvPr id="14" name="BlokTextu 13">
+            <a:extLst>
+              <a:ext uri="{FF2B5EF4-FFF2-40B4-BE49-F238E27FC236}">
+                <a16:creationId xmlns:a16="http://schemas.microsoft.com/office/drawing/2014/main" id="{F1B46A5F-BF27-0654-2883-56E01962BA7B}"/>
+              </a:ext>
+            </a:extLst>
+          </p:cNvPr>
+          <p:cNvSpPr txBox="1"/>
+          <p:nvPr/>
+        </p:nvSpPr>
+        <p:spPr>
+          <a:xfrm>
+            <a:off x="4409539" y="3619500"/>
+            <a:ext cx="3033788" cy="2308324"/>
+          </a:xfrm>
+          <a:prstGeom prst="rect">
+            <a:avLst/>
+          </a:prstGeom>
+          <a:noFill/>
+        </p:spPr>
+        <p:txBody>
+          <a:bodyPr wrap="square" rtlCol="0">
+            <a:spAutoFit/>
+          </a:bodyPr>
+          <a:lstStyle/>
+          <a:p>
+            <a:r>
+              <a:rPr lang="sk-SK" sz="1800" dirty="0">
+                <a:solidFill>
+                  <a:schemeClr val="bg1"/>
+                </a:solidFill>
+                <a:effectLst/>
+                <a:latin typeface="Lucida Console" panose="020B0609040504020204" pitchFamily="49" charset="0"/>
+              </a:rPr>
+              <a:t>dnešnom </a:t>
+            </a:r>
+            <a:r>
+              <a:rPr lang="sk-SK" sz="1800" strike="noStrike" dirty="0">
+                <a:solidFill>
+                  <a:schemeClr val="bg1"/>
+                </a:solidFill>
+                <a:effectLst/>
+                <a:latin typeface="Lucida Console" panose="020B0609040504020204" pitchFamily="49" charset="0"/>
+              </a:rPr>
+              <a:t>Egypte</a:t>
+            </a:r>
+            <a:r>
+              <a:rPr lang="sk-SK" sz="1800" dirty="0">
+                <a:solidFill>
+                  <a:schemeClr val="bg1"/>
+                </a:solidFill>
+                <a:effectLst/>
+                <a:latin typeface="Lucida Console" panose="020B0609040504020204" pitchFamily="49" charset="0"/>
+              </a:rPr>
+              <a:t>. V staroveku toto pohrebisko patrilo mestu </a:t>
+            </a:r>
+            <a:r>
+              <a:rPr lang="sk-SK" sz="1800" strike="noStrike" dirty="0" err="1">
+                <a:solidFill>
+                  <a:schemeClr val="bg1"/>
+                </a:solidFill>
+                <a:effectLst/>
+                <a:latin typeface="Lucida Console" panose="020B0609040504020204" pitchFamily="49" charset="0"/>
+              </a:rPr>
+              <a:t>Mennofer</a:t>
+            </a:r>
+            <a:r>
+              <a:rPr lang="sk-SK" sz="1800" dirty="0">
+                <a:solidFill>
+                  <a:schemeClr val="bg1"/>
+                </a:solidFill>
+                <a:effectLst/>
+                <a:latin typeface="Lucida Console" panose="020B0609040504020204" pitchFamily="49" charset="0"/>
+              </a:rPr>
+              <a:t>, ktoré bolo </a:t>
+            </a:r>
+            <a:r>
+              <a:rPr lang="sk-SK" sz="1800" dirty="0" err="1">
+                <a:solidFill>
+                  <a:schemeClr val="bg1"/>
+                </a:solidFill>
+                <a:effectLst/>
+                <a:latin typeface="Lucida Console" panose="020B0609040504020204" pitchFamily="49" charset="0"/>
+              </a:rPr>
+              <a:t>hlavnýmdnešnom</a:t>
+            </a:r>
+            <a:r>
+              <a:rPr lang="sk-SK" sz="1800" dirty="0">
+                <a:solidFill>
+                  <a:schemeClr val="bg1"/>
+                </a:solidFill>
+                <a:effectLst/>
+                <a:latin typeface="Lucida Console" panose="020B0609040504020204" pitchFamily="49" charset="0"/>
+              </a:rPr>
+              <a:t> </a:t>
+            </a:r>
+            <a:r>
+              <a:rPr lang="sk-SK" sz="1800" strike="noStrike" dirty="0">
+                <a:solidFill>
+                  <a:schemeClr val="bg1"/>
+                </a:solidFill>
+                <a:effectLst/>
+                <a:latin typeface="Lucida Console" panose="020B0609040504020204" pitchFamily="49" charset="0"/>
+              </a:rPr>
+              <a:t>Egypte</a:t>
+            </a:r>
+            <a:r>
+              <a:rPr lang="sk-SK" sz="1800" dirty="0">
+                <a:solidFill>
+                  <a:schemeClr val="bg1"/>
+                </a:solidFill>
+                <a:effectLst/>
+                <a:latin typeface="Lucida Console" panose="020B0609040504020204" pitchFamily="49" charset="0"/>
+              </a:rPr>
+              <a:t>. V staroveku toto pohrebisko patrilo</a:t>
+            </a:r>
+            <a:endParaRPr lang="sk-SK" dirty="0"/>
+          </a:p>
+        </p:txBody>
+      </p:sp>
+      <p:sp>
+        <p:nvSpPr>
+          <p:cNvPr id="15" name="BlokTextu 14">
+            <a:extLst>
+              <a:ext uri="{FF2B5EF4-FFF2-40B4-BE49-F238E27FC236}">
+                <a16:creationId xmlns:a16="http://schemas.microsoft.com/office/drawing/2014/main" id="{F884D9AA-1548-25F2-2314-62C786C5B0AA}"/>
+              </a:ext>
+            </a:extLst>
+          </p:cNvPr>
+          <p:cNvSpPr txBox="1"/>
+          <p:nvPr/>
+        </p:nvSpPr>
+        <p:spPr>
+          <a:xfrm>
+            <a:off x="552412" y="3619500"/>
+            <a:ext cx="3033788" cy="2308324"/>
+          </a:xfrm>
+          <a:prstGeom prst="rect">
+            <a:avLst/>
+          </a:prstGeom>
+          <a:noFill/>
+        </p:spPr>
+        <p:txBody>
+          <a:bodyPr wrap="square" rtlCol="0">
+            <a:spAutoFit/>
+          </a:bodyPr>
+          <a:lstStyle/>
+          <a:p>
+            <a:r>
+              <a:rPr lang="sk-SK" sz="1800" dirty="0">
+                <a:solidFill>
+                  <a:schemeClr val="bg1"/>
+                </a:solidFill>
+                <a:effectLst/>
+                <a:latin typeface="Lucida Console" panose="020B0609040504020204" pitchFamily="49" charset="0"/>
+              </a:rPr>
+              <a:t>dnešnom </a:t>
+            </a:r>
+            <a:r>
+              <a:rPr lang="sk-SK" sz="1800" strike="noStrike" dirty="0">
+                <a:solidFill>
+                  <a:schemeClr val="bg1"/>
+                </a:solidFill>
+                <a:effectLst/>
+                <a:latin typeface="Lucida Console" panose="020B0609040504020204" pitchFamily="49" charset="0"/>
+              </a:rPr>
+              <a:t>Egypte</a:t>
+            </a:r>
+            <a:r>
+              <a:rPr lang="sk-SK" sz="1800" dirty="0">
+                <a:solidFill>
+                  <a:schemeClr val="bg1"/>
+                </a:solidFill>
+                <a:effectLst/>
+                <a:latin typeface="Lucida Console" panose="020B0609040504020204" pitchFamily="49" charset="0"/>
+              </a:rPr>
+              <a:t>. V staroveku toto pohrebisko patrilo mestu </a:t>
+            </a:r>
+            <a:r>
+              <a:rPr lang="sk-SK" sz="1800" strike="noStrike" dirty="0" err="1">
+                <a:solidFill>
+                  <a:schemeClr val="bg1"/>
+                </a:solidFill>
+                <a:effectLst/>
+                <a:latin typeface="Lucida Console" panose="020B0609040504020204" pitchFamily="49" charset="0"/>
+              </a:rPr>
+              <a:t>Mennofer</a:t>
+            </a:r>
+            <a:r>
+              <a:rPr lang="sk-SK" sz="1800" dirty="0">
+                <a:solidFill>
+                  <a:schemeClr val="bg1"/>
+                </a:solidFill>
+                <a:effectLst/>
+                <a:latin typeface="Lucida Console" panose="020B0609040504020204" pitchFamily="49" charset="0"/>
+              </a:rPr>
+              <a:t>, ktoré bolo </a:t>
+            </a:r>
+            <a:r>
+              <a:rPr lang="sk-SK" sz="1800" dirty="0" err="1">
+                <a:solidFill>
+                  <a:schemeClr val="bg1"/>
+                </a:solidFill>
+                <a:effectLst/>
+                <a:latin typeface="Lucida Console" panose="020B0609040504020204" pitchFamily="49" charset="0"/>
+              </a:rPr>
+              <a:t>hlavnýmdnešnom</a:t>
+            </a:r>
+            <a:r>
+              <a:rPr lang="sk-SK" sz="1800" dirty="0">
+                <a:solidFill>
+                  <a:schemeClr val="bg1"/>
+                </a:solidFill>
+                <a:effectLst/>
+                <a:latin typeface="Lucida Console" panose="020B0609040504020204" pitchFamily="49" charset="0"/>
+              </a:rPr>
+              <a:t> </a:t>
+            </a:r>
+            <a:r>
+              <a:rPr lang="sk-SK" sz="1800" strike="noStrike" dirty="0">
+                <a:solidFill>
+                  <a:schemeClr val="bg1"/>
+                </a:solidFill>
+                <a:effectLst/>
+                <a:latin typeface="Lucida Console" panose="020B0609040504020204" pitchFamily="49" charset="0"/>
+              </a:rPr>
+              <a:t>Egypte</a:t>
+            </a:r>
+            <a:r>
+              <a:rPr lang="sk-SK" sz="1800" dirty="0">
+                <a:solidFill>
+                  <a:schemeClr val="bg1"/>
+                </a:solidFill>
+                <a:effectLst/>
+                <a:latin typeface="Lucida Console" panose="020B0609040504020204" pitchFamily="49" charset="0"/>
+              </a:rPr>
+              <a:t>. V staroveku toto pohrebisko patrilo</a:t>
+            </a:r>
+            <a:endParaRPr lang="sk-SK" dirty="0"/>
+          </a:p>
+        </p:txBody>
+      </p:sp>
+      <p:pic>
+        <p:nvPicPr>
+          <p:cNvPr id="16" name="Graphic 7">
+            <a:extLst>
+              <a:ext uri="{FF2B5EF4-FFF2-40B4-BE49-F238E27FC236}">
+                <a16:creationId xmlns:a16="http://schemas.microsoft.com/office/drawing/2014/main" id="{3DAAD936-D3EA-8B7D-4033-A4A865118464}"/>
+              </a:ext>
+            </a:extLst>
+          </p:cNvPr>
+          <p:cNvPicPr>
+            <a:picLocks noChangeAspect="1"/>
+          </p:cNvPicPr>
+          <p:nvPr/>
+        </p:nvPicPr>
+        <p:blipFill>
+          <a:blip r:embed="rId3" cstate="email">
+            <a:extLst>
+              <a:ext uri="{28A0092B-C50C-407E-A947-70E740481C1C}">
+                <a14:useLocalDpi xmlns:a14="http://schemas.microsoft.com/office/drawing/2010/main"/>
+              </a:ext>
+              <a:ext uri="{96DAC541-7B7A-43D3-8B79-37D633B846F1}">
+                <asvg:svgBlip xmlns:asvg="http://schemas.microsoft.com/office/drawing/2016/SVG/main" r:embed="rId4"/>
+              </a:ext>
+            </a:extLst>
+          </a:blip>
+          <a:stretch>
+            <a:fillRect/>
+          </a:stretch>
+        </p:blipFill>
+        <p:spPr>
+          <a:xfrm rot="16200000">
+            <a:off x="2238894" y="4041493"/>
+            <a:ext cx="3109434" cy="118015"/>
+          </a:xfrm>
+          <a:prstGeom prst="rect">
+            <a:avLst/>
+          </a:prstGeom>
+        </p:spPr>
+      </p:pic>
+      <p:sp>
+        <p:nvSpPr>
+          <p:cNvPr id="17" name="Obdĺžnik 16">
+            <a:extLst>
+              <a:ext uri="{FF2B5EF4-FFF2-40B4-BE49-F238E27FC236}">
+                <a16:creationId xmlns:a16="http://schemas.microsoft.com/office/drawing/2014/main" id="{34A5C749-053B-258E-7533-3A059F24E985}"/>
               </a:ext>
             </a:extLst>
           </p:cNvPr>
@@ -10155,13 +13622,13 @@
         </p:nvSpPr>
         <p:spPr>
           <a:xfrm>
-            <a:off x="9615400" y="6014781"/>
-            <a:ext cx="1321280" cy="1321280"/>
+            <a:off x="-1907511" y="6321430"/>
+            <a:ext cx="16007020" cy="228477"/>
           </a:xfrm>
-          <a:prstGeom prst="ellipse">
+          <a:prstGeom prst="rect">
             <a:avLst/>
           </a:prstGeom>
-          <a:gradFill flip="none" rotWithShape="1">
+          <a:gradFill>
             <a:gsLst>
               <a:gs pos="35000">
                 <a:srgbClr val="CCFF99">
@@ -10175,16 +13642,10 @@
             <a:path path="circle">
               <a:fillToRect l="100000" b="100000"/>
             </a:path>
-            <a:tileRect t="-100000" r="-100000"/>
           </a:gradFill>
-          <a:ln w="76200">
-            <a:solidFill>
-              <a:srgbClr val="313944">
-                <a:alpha val="94000"/>
-              </a:srgbClr>
-            </a:solidFill>
+          <a:ln>
+            <a:noFill/>
           </a:ln>
-          <a:effectLst/>
         </p:spPr>
         <p:style>
           <a:lnRef idx="2">
@@ -10207,280 +13668,27 @@
           <a:lstStyle/>
           <a:p>
             <a:pPr algn="ctr"/>
-            <a:endParaRPr lang="sk-SK" dirty="0">
-              <a:ln w="28575">
-                <a:solidFill>
-                  <a:schemeClr val="accent1"/>
-                </a:solidFill>
-              </a:ln>
-            </a:endParaRPr>
-          </a:p>
-        </p:txBody>
-      </p:sp>
-      <p:sp>
-        <p:nvSpPr>
-          <p:cNvPr id="8" name="!!kruh">
-            <a:extLst>
-              <a:ext uri="{FF2B5EF4-FFF2-40B4-BE49-F238E27FC236}">
-                <a16:creationId xmlns:a16="http://schemas.microsoft.com/office/drawing/2014/main" id="{69AB2838-C055-EC71-EDBD-CDA692ED14E5}"/>
-              </a:ext>
-            </a:extLst>
-          </p:cNvPr>
-          <p:cNvSpPr/>
-          <p:nvPr/>
-        </p:nvSpPr>
-        <p:spPr>
-          <a:xfrm>
-            <a:off x="11716580" y="3391641"/>
-            <a:ext cx="1247084" cy="1247084"/>
-          </a:xfrm>
-          <a:prstGeom prst="ellipse">
-            <a:avLst/>
-          </a:prstGeom>
-          <a:gradFill flip="none" rotWithShape="1">
-            <a:gsLst>
-              <a:gs pos="35000">
-                <a:srgbClr val="CCFF99">
-                  <a:lumMod val="96000"/>
-                </a:srgbClr>
-              </a:gs>
-              <a:gs pos="66000">
-                <a:schemeClr val="accent1"/>
-              </a:gs>
-            </a:gsLst>
-            <a:path path="circle">
-              <a:fillToRect l="100000" b="100000"/>
-            </a:path>
-            <a:tileRect t="-100000" r="-100000"/>
-          </a:gradFill>
-          <a:ln w="76200">
-            <a:solidFill>
-              <a:srgbClr val="313944">
-                <a:alpha val="94000"/>
-              </a:srgbClr>
-            </a:solidFill>
-          </a:ln>
-          <a:effectLst/>
-        </p:spPr>
-        <p:style>
-          <a:lnRef idx="2">
-            <a:schemeClr val="accent1">
-              <a:shade val="50000"/>
-            </a:schemeClr>
-          </a:lnRef>
-          <a:fillRef idx="1">
-            <a:schemeClr val="accent1"/>
-          </a:fillRef>
-          <a:effectRef idx="0">
-            <a:schemeClr val="accent1"/>
-          </a:effectRef>
-          <a:fontRef idx="minor">
-            <a:schemeClr val="lt1"/>
-          </a:fontRef>
-        </p:style>
-        <p:txBody>
-          <a:bodyPr rtlCol="0" anchor="ctr"/>
-          <a:lstStyle/>
-          <a:p>
-            <a:pPr algn="ctr"/>
-            <a:endParaRPr lang="sk-SK" dirty="0">
-              <a:ln w="28575">
-                <a:solidFill>
-                  <a:schemeClr val="accent1"/>
-                </a:solidFill>
-              </a:ln>
-            </a:endParaRPr>
-          </a:p>
-        </p:txBody>
-      </p:sp>
-      <p:sp>
-        <p:nvSpPr>
-          <p:cNvPr id="10" name="!!kruh">
-            <a:extLst>
-              <a:ext uri="{FF2B5EF4-FFF2-40B4-BE49-F238E27FC236}">
-                <a16:creationId xmlns:a16="http://schemas.microsoft.com/office/drawing/2014/main" id="{3AB732BF-CDE8-6974-D14F-849C25BA60D8}"/>
-              </a:ext>
-            </a:extLst>
-          </p:cNvPr>
-          <p:cNvSpPr/>
-          <p:nvPr/>
-        </p:nvSpPr>
-        <p:spPr>
-          <a:xfrm>
-            <a:off x="10726387" y="5359340"/>
-            <a:ext cx="532110" cy="532110"/>
-          </a:xfrm>
-          <a:prstGeom prst="ellipse">
-            <a:avLst/>
-          </a:prstGeom>
-          <a:gradFill flip="none" rotWithShape="1">
-            <a:gsLst>
-              <a:gs pos="35000">
-                <a:srgbClr val="CCFF99">
-                  <a:lumMod val="96000"/>
-                </a:srgbClr>
-              </a:gs>
-              <a:gs pos="66000">
-                <a:schemeClr val="accent1"/>
-              </a:gs>
-            </a:gsLst>
-            <a:path path="circle">
-              <a:fillToRect l="100000" b="100000"/>
-            </a:path>
-            <a:tileRect t="-100000" r="-100000"/>
-          </a:gradFill>
-          <a:ln w="76200">
-            <a:solidFill>
-              <a:srgbClr val="313944">
-                <a:alpha val="94000"/>
-              </a:srgbClr>
-            </a:solidFill>
-          </a:ln>
-          <a:effectLst/>
-        </p:spPr>
-        <p:style>
-          <a:lnRef idx="2">
-            <a:schemeClr val="accent1">
-              <a:shade val="50000"/>
-            </a:schemeClr>
-          </a:lnRef>
-          <a:fillRef idx="1">
-            <a:schemeClr val="accent1"/>
-          </a:fillRef>
-          <a:effectRef idx="0">
-            <a:schemeClr val="accent1"/>
-          </a:effectRef>
-          <a:fontRef idx="minor">
-            <a:schemeClr val="lt1"/>
-          </a:fontRef>
-        </p:style>
-        <p:txBody>
-          <a:bodyPr rtlCol="0" anchor="ctr"/>
-          <a:lstStyle/>
-          <a:p>
-            <a:pPr algn="ctr"/>
-            <a:endParaRPr lang="sk-SK" dirty="0">
-              <a:ln w="28575">
-                <a:solidFill>
-                  <a:schemeClr val="accent1"/>
-                </a:solidFill>
-              </a:ln>
-            </a:endParaRPr>
-          </a:p>
-        </p:txBody>
-      </p:sp>
-      <p:sp>
-        <p:nvSpPr>
-          <p:cNvPr id="13" name="Nadpis 1">
-            <a:extLst>
-              <a:ext uri="{FF2B5EF4-FFF2-40B4-BE49-F238E27FC236}">
-                <a16:creationId xmlns:a16="http://schemas.microsoft.com/office/drawing/2014/main" id="{C844EE25-6FED-2F6C-6DF0-37669AEDC5F3}"/>
-              </a:ext>
-            </a:extLst>
-          </p:cNvPr>
-          <p:cNvSpPr txBox="1">
-            <a:spLocks/>
-          </p:cNvSpPr>
-          <p:nvPr/>
-        </p:nvSpPr>
-        <p:spPr>
-          <a:xfrm>
-            <a:off x="1430594" y="578201"/>
-            <a:ext cx="3063027" cy="506077"/>
-          </a:xfrm>
-          <a:prstGeom prst="rect">
-            <a:avLst/>
-          </a:prstGeom>
-        </p:spPr>
-        <p:txBody>
-          <a:bodyPr vert="horz" lIns="91440" tIns="45720" rIns="91440" bIns="45720" rtlCol="0" anchor="t">
-            <a:noAutofit/>
-          </a:bodyPr>
-          <a:lstStyle>
-            <a:lvl1pPr algn="ctr" defTabSz="914400" rtl="0" eaLnBrk="1" latinLnBrk="0" hangingPunct="1">
-              <a:lnSpc>
-                <a:spcPct val="90000"/>
-              </a:lnSpc>
-              <a:spcBef>
-                <a:spcPct val="0"/>
-              </a:spcBef>
-              <a:buNone/>
-              <a:defRPr sz="6000" kern="1200">
-                <a:solidFill>
-                  <a:schemeClr val="tx1"/>
-                </a:solidFill>
-                <a:latin typeface="+mj-lt"/>
-                <a:ea typeface="+mj-ea"/>
-                <a:cs typeface="+mj-cs"/>
-              </a:defRPr>
-            </a:lvl1pPr>
-          </a:lstStyle>
-          <a:p>
-            <a:pPr algn="l"/>
-            <a:r>
-              <a:rPr lang="sk-SK" sz="4000" dirty="0">
-                <a:latin typeface="Lucida Console" panose="020B0609040504020204" pitchFamily="49" charset="0"/>
-                <a:cs typeface="Segoe UI" panose="020B0502040204020203" pitchFamily="34" charset="0"/>
-              </a:rPr>
-              <a:t>OBSAH</a:t>
-            </a:r>
-          </a:p>
-        </p:txBody>
-      </p:sp>
-      <p:sp>
-        <p:nvSpPr>
-          <p:cNvPr id="14" name="BlokTextu 13">
-            <a:extLst>
-              <a:ext uri="{FF2B5EF4-FFF2-40B4-BE49-F238E27FC236}">
-                <a16:creationId xmlns:a16="http://schemas.microsoft.com/office/drawing/2014/main" id="{4A6BDC00-93EA-2552-D865-B5BC8F665E3D}"/>
-              </a:ext>
-            </a:extLst>
-          </p:cNvPr>
-          <p:cNvSpPr txBox="1"/>
-          <p:nvPr/>
-        </p:nvSpPr>
-        <p:spPr>
-          <a:xfrm>
-            <a:off x="3240312" y="515451"/>
-            <a:ext cx="1732239" cy="707886"/>
-          </a:xfrm>
-          <a:prstGeom prst="rect">
-            <a:avLst/>
-          </a:prstGeom>
-          <a:noFill/>
-        </p:spPr>
-        <p:txBody>
-          <a:bodyPr wrap="square" rtlCol="0">
-            <a:spAutoFit/>
-          </a:bodyPr>
-          <a:lstStyle/>
-          <a:p>
-            <a:r>
-              <a:rPr lang="sk-SK" sz="4000" dirty="0">
-                <a:latin typeface="Lucida Console" panose="020B0609040504020204" pitchFamily="49" charset="0"/>
-              </a:rPr>
-              <a:t>PRÁCE</a:t>
-            </a:r>
+            <a:endParaRPr lang="sk-SK"/>
           </a:p>
         </p:txBody>
       </p:sp>
     </p:spTree>
     <p:extLst>
       <p:ext uri="{BB962C8B-B14F-4D97-AF65-F5344CB8AC3E}">
-        <p14:creationId xmlns:p14="http://schemas.microsoft.com/office/powerpoint/2010/main" val="1116103696"/>
+        <p14:creationId xmlns:p14="http://schemas.microsoft.com/office/powerpoint/2010/main" val="1018624510"/>
       </p:ext>
     </p:extLst>
   </p:cSld>
   <p:clrMapOvr>
     <a:masterClrMapping/>
   </p:clrMapOvr>
-  <mc:AlternateContent xmlns:mc="http://schemas.openxmlformats.org/markup-compatibility/2006" xmlns:p159="http://schemas.microsoft.com/office/powerpoint/2015/09/main">
-    <mc:Choice Requires="p159">
+  <mc:AlternateContent xmlns:mc="http://schemas.openxmlformats.org/markup-compatibility/2006">
+    <mc:Choice xmlns:p159="http://schemas.microsoft.com/office/powerpoint/2015/09/main" Requires="p159">
       <p:transition xmlns:p14="http://schemas.microsoft.com/office/powerpoint/2010/main" spd="slow" p14:dur="2000">
         <p159:morph option="byObject"/>
       </p:transition>
     </mc:Choice>
-    <mc:Fallback xmlns="">
+    <mc:Fallback>
       <p:transition spd="slow">
         <p:fade/>
       </p:transition>
@@ -10685,10 +13893,10 @@
       </p:sp>
       <p:sp>
         <p:nvSpPr>
-          <p:cNvPr id="16" name="!!kruh">
-            <a:extLst>
-              <a:ext uri="{FF2B5EF4-FFF2-40B4-BE49-F238E27FC236}">
-                <a16:creationId xmlns:a16="http://schemas.microsoft.com/office/drawing/2014/main" id="{CEAA06CC-F4DB-4E14-B32B-A1C8B899EB36}"/>
+          <p:cNvPr id="4" name="Obdĺžnik 3">
+            <a:extLst>
+              <a:ext uri="{FF2B5EF4-FFF2-40B4-BE49-F238E27FC236}">
+                <a16:creationId xmlns:a16="http://schemas.microsoft.com/office/drawing/2014/main" id="{BFA3DE68-F7C6-AD22-EA12-74D596C9B78E}"/>
               </a:ext>
             </a:extLst>
           </p:cNvPr>
@@ -10696,30 +13904,30 @@
           <p:nvPr/>
         </p:nvSpPr>
         <p:spPr>
-          <a:xfrm>
-            <a:off x="-9507073" y="-3061111"/>
-            <a:ext cx="18750233" cy="5160712"/>
+          <a:xfrm rot="20045164">
+            <a:off x="-2432936" y="2583476"/>
+            <a:ext cx="16470863" cy="532110"/>
           </a:xfrm>
-          <a:prstGeom prst="ellipse">
+          <a:prstGeom prst="rect">
             <a:avLst/>
           </a:prstGeom>
           <a:gradFill>
             <a:gsLst>
               <a:gs pos="35000">
-                <a:srgbClr val="CCFF99"/>
+                <a:srgbClr val="CCFF99">
+                  <a:lumMod val="96000"/>
+                </a:srgbClr>
               </a:gs>
               <a:gs pos="66000">
                 <a:schemeClr val="accent1"/>
               </a:gs>
             </a:gsLst>
             <a:path path="circle">
-              <a:fillToRect r="100000" b="100000"/>
+              <a:fillToRect l="100000" b="100000"/>
             </a:path>
           </a:gradFill>
-          <a:ln w="177800">
-            <a:solidFill>
-              <a:srgbClr val="313944"/>
-            </a:solidFill>
+          <a:ln>
+            <a:noFill/>
           </a:ln>
         </p:spPr>
         <p:style>
@@ -10747,66 +13955,27 @@
           </a:p>
         </p:txBody>
       </p:sp>
-      <p:pic>
-        <p:nvPicPr>
-          <p:cNvPr id="21" name="Graphic 7">
-            <a:extLst>
-              <a:ext uri="{FF2B5EF4-FFF2-40B4-BE49-F238E27FC236}">
-                <a16:creationId xmlns:a16="http://schemas.microsoft.com/office/drawing/2014/main" id="{2DC6553F-100A-B07D-00F1-96276B47EA7D}"/>
-              </a:ext>
-            </a:extLst>
-          </p:cNvPr>
-          <p:cNvPicPr>
-            <a:picLocks noChangeAspect="1"/>
-          </p:cNvPicPr>
+      <p:sp>
+        <p:nvSpPr>
+          <p:cNvPr id="5" name="Obdĺžnik 4">
+            <a:extLst>
+              <a:ext uri="{FF2B5EF4-FFF2-40B4-BE49-F238E27FC236}">
+                <a16:creationId xmlns:a16="http://schemas.microsoft.com/office/drawing/2014/main" id="{FC407B1A-A91C-A488-BF24-5BA273BEC60B}"/>
+              </a:ext>
+            </a:extLst>
+          </p:cNvPr>
+          <p:cNvSpPr/>
           <p:nvPr/>
-        </p:nvPicPr>
-        <p:blipFill>
-          <a:blip r:embed="rId3" cstate="email">
-            <a:extLst>
-              <a:ext uri="{28A0092B-C50C-407E-A947-70E740481C1C}">
-                <a14:useLocalDpi xmlns:a14="http://schemas.microsoft.com/office/drawing/2010/main"/>
-              </a:ext>
-              <a:ext uri="{96DAC541-7B7A-43D3-8B79-37D633B846F1}">
-                <asvg:svgBlip xmlns:asvg="http://schemas.microsoft.com/office/drawing/2016/SVG/main" r:embed="rId4"/>
-              </a:ext>
-            </a:extLst>
-          </a:blip>
-          <a:stretch>
-            <a:fillRect/>
-          </a:stretch>
-        </p:blipFill>
+        </p:nvSpPr>
         <p:spPr>
-          <a:xfrm flipV="1">
-            <a:off x="144680" y="1127820"/>
-            <a:ext cx="6040542" cy="220177"/>
+          <a:xfrm rot="20045164">
+            <a:off x="-1988805" y="3143311"/>
+            <a:ext cx="16007020" cy="228477"/>
           </a:xfrm>
           <a:prstGeom prst="rect">
             <a:avLst/>
           </a:prstGeom>
-        </p:spPr>
-      </p:pic>
-      <p:sp>
-        <p:nvSpPr>
-          <p:cNvPr id="2" name="!!kruh">
-            <a:extLst>
-              <a:ext uri="{FF2B5EF4-FFF2-40B4-BE49-F238E27FC236}">
-                <a16:creationId xmlns:a16="http://schemas.microsoft.com/office/drawing/2014/main" id="{F1018DFE-6503-75D9-6BAA-E79301D80460}"/>
-              </a:ext>
-            </a:extLst>
-          </p:cNvPr>
-          <p:cNvSpPr/>
-          <p:nvPr/>
-        </p:nvSpPr>
-        <p:spPr>
-          <a:xfrm>
-            <a:off x="11209539" y="4586995"/>
-            <a:ext cx="889189" cy="889189"/>
-          </a:xfrm>
-          <a:prstGeom prst="ellipse">
-            <a:avLst/>
-          </a:prstGeom>
-          <a:gradFill flip="none" rotWithShape="1">
+          <a:gradFill>
             <a:gsLst>
               <a:gs pos="35000">
                 <a:srgbClr val="CCFF99">
@@ -10820,16 +13989,10 @@
             <a:path path="circle">
               <a:fillToRect l="100000" b="100000"/>
             </a:path>
-            <a:tileRect t="-100000" r="-100000"/>
           </a:gradFill>
-          <a:ln w="76200">
-            <a:solidFill>
-              <a:srgbClr val="313944">
-                <a:alpha val="94000"/>
-              </a:srgbClr>
-            </a:solidFill>
+          <a:ln>
+            <a:noFill/>
           </a:ln>
-          <a:effectLst/>
         </p:spPr>
         <p:style>
           <a:lnRef idx="2">
@@ -10852,393 +14015,7 @@
           <a:lstStyle/>
           <a:p>
             <a:pPr algn="ctr"/>
-            <a:endParaRPr lang="sk-SK">
-              <a:ln w="28575">
-                <a:solidFill>
-                  <a:schemeClr val="accent1"/>
-                </a:solidFill>
-              </a:ln>
-            </a:endParaRPr>
-          </a:p>
-        </p:txBody>
-      </p:sp>
-      <p:sp>
-        <p:nvSpPr>
-          <p:cNvPr id="4" name="!!kruh">
-            <a:extLst>
-              <a:ext uri="{FF2B5EF4-FFF2-40B4-BE49-F238E27FC236}">
-                <a16:creationId xmlns:a16="http://schemas.microsoft.com/office/drawing/2014/main" id="{60965A5F-B96A-5643-0FE3-E63320440E83}"/>
-              </a:ext>
-            </a:extLst>
-          </p:cNvPr>
-          <p:cNvSpPr/>
-          <p:nvPr/>
-        </p:nvSpPr>
-        <p:spPr>
-          <a:xfrm>
-            <a:off x="11094902" y="5565252"/>
-            <a:ext cx="2212572" cy="2212572"/>
-          </a:xfrm>
-          <a:prstGeom prst="ellipse">
-            <a:avLst/>
-          </a:prstGeom>
-          <a:gradFill flip="none" rotWithShape="1">
-            <a:gsLst>
-              <a:gs pos="35000">
-                <a:srgbClr val="CCFF99">
-                  <a:lumMod val="96000"/>
-                </a:srgbClr>
-              </a:gs>
-              <a:gs pos="66000">
-                <a:schemeClr val="accent1"/>
-              </a:gs>
-            </a:gsLst>
-            <a:path path="circle">
-              <a:fillToRect l="100000" b="100000"/>
-            </a:path>
-            <a:tileRect t="-100000" r="-100000"/>
-          </a:gradFill>
-          <a:ln w="76200">
-            <a:solidFill>
-              <a:srgbClr val="313944">
-                <a:alpha val="94000"/>
-              </a:srgbClr>
-            </a:solidFill>
-          </a:ln>
-          <a:effectLst/>
-        </p:spPr>
-        <p:style>
-          <a:lnRef idx="2">
-            <a:schemeClr val="accent1">
-              <a:shade val="50000"/>
-            </a:schemeClr>
-          </a:lnRef>
-          <a:fillRef idx="1">
-            <a:schemeClr val="accent1"/>
-          </a:fillRef>
-          <a:effectRef idx="0">
-            <a:schemeClr val="accent1"/>
-          </a:effectRef>
-          <a:fontRef idx="minor">
-            <a:schemeClr val="lt1"/>
-          </a:fontRef>
-        </p:style>
-        <p:txBody>
-          <a:bodyPr rtlCol="0" anchor="ctr"/>
-          <a:lstStyle/>
-          <a:p>
-            <a:pPr algn="ctr"/>
-            <a:endParaRPr lang="sk-SK">
-              <a:ln w="28575">
-                <a:solidFill>
-                  <a:schemeClr val="accent1"/>
-                </a:solidFill>
-              </a:ln>
-            </a:endParaRPr>
-          </a:p>
-        </p:txBody>
-      </p:sp>
-      <p:sp>
-        <p:nvSpPr>
-          <p:cNvPr id="5" name="!!kruh">
-            <a:extLst>
-              <a:ext uri="{FF2B5EF4-FFF2-40B4-BE49-F238E27FC236}">
-                <a16:creationId xmlns:a16="http://schemas.microsoft.com/office/drawing/2014/main" id="{F3764D55-4AA9-49DB-3166-595049246BE1}"/>
-              </a:ext>
-            </a:extLst>
-          </p:cNvPr>
-          <p:cNvSpPr/>
-          <p:nvPr/>
-        </p:nvSpPr>
-        <p:spPr>
-          <a:xfrm>
-            <a:off x="8364094" y="6610919"/>
-            <a:ext cx="1247084" cy="1247084"/>
-          </a:xfrm>
-          <a:prstGeom prst="ellipse">
-            <a:avLst/>
-          </a:prstGeom>
-          <a:gradFill flip="none" rotWithShape="1">
-            <a:gsLst>
-              <a:gs pos="35000">
-                <a:srgbClr val="CCFF99">
-                  <a:lumMod val="96000"/>
-                </a:srgbClr>
-              </a:gs>
-              <a:gs pos="66000">
-                <a:schemeClr val="accent1"/>
-              </a:gs>
-            </a:gsLst>
-            <a:path path="circle">
-              <a:fillToRect l="100000" b="100000"/>
-            </a:path>
-            <a:tileRect t="-100000" r="-100000"/>
-          </a:gradFill>
-          <a:ln w="76200">
-            <a:solidFill>
-              <a:srgbClr val="313944">
-                <a:alpha val="94000"/>
-              </a:srgbClr>
-            </a:solidFill>
-          </a:ln>
-          <a:effectLst/>
-        </p:spPr>
-        <p:style>
-          <a:lnRef idx="2">
-            <a:schemeClr val="accent1">
-              <a:shade val="50000"/>
-            </a:schemeClr>
-          </a:lnRef>
-          <a:fillRef idx="1">
-            <a:schemeClr val="accent1"/>
-          </a:fillRef>
-          <a:effectRef idx="0">
-            <a:schemeClr val="accent1"/>
-          </a:effectRef>
-          <a:fontRef idx="minor">
-            <a:schemeClr val="lt1"/>
-          </a:fontRef>
-        </p:style>
-        <p:txBody>
-          <a:bodyPr rtlCol="0" anchor="ctr"/>
-          <a:lstStyle/>
-          <a:p>
-            <a:pPr algn="ctr"/>
-            <a:endParaRPr lang="sk-SK">
-              <a:ln w="28575">
-                <a:solidFill>
-                  <a:schemeClr val="accent1"/>
-                </a:solidFill>
-              </a:ln>
-            </a:endParaRPr>
-          </a:p>
-        </p:txBody>
-      </p:sp>
-      <p:sp>
-        <p:nvSpPr>
-          <p:cNvPr id="6" name="!!kruh">
-            <a:extLst>
-              <a:ext uri="{FF2B5EF4-FFF2-40B4-BE49-F238E27FC236}">
-                <a16:creationId xmlns:a16="http://schemas.microsoft.com/office/drawing/2014/main" id="{134BAA66-86BE-A029-BF4D-CD6A9DDB307F}"/>
-              </a:ext>
-            </a:extLst>
-          </p:cNvPr>
-          <p:cNvSpPr/>
-          <p:nvPr/>
-        </p:nvSpPr>
-        <p:spPr>
-          <a:xfrm>
-            <a:off x="9615400" y="6014781"/>
-            <a:ext cx="1321280" cy="1321280"/>
-          </a:xfrm>
-          <a:prstGeom prst="ellipse">
-            <a:avLst/>
-          </a:prstGeom>
-          <a:gradFill flip="none" rotWithShape="1">
-            <a:gsLst>
-              <a:gs pos="35000">
-                <a:srgbClr val="CCFF99">
-                  <a:lumMod val="96000"/>
-                </a:srgbClr>
-              </a:gs>
-              <a:gs pos="66000">
-                <a:schemeClr val="accent1"/>
-              </a:gs>
-            </a:gsLst>
-            <a:path path="circle">
-              <a:fillToRect l="100000" b="100000"/>
-            </a:path>
-            <a:tileRect t="-100000" r="-100000"/>
-          </a:gradFill>
-          <a:ln w="76200">
-            <a:solidFill>
-              <a:srgbClr val="313944">
-                <a:alpha val="94000"/>
-              </a:srgbClr>
-            </a:solidFill>
-          </a:ln>
-          <a:effectLst/>
-        </p:spPr>
-        <p:style>
-          <a:lnRef idx="2">
-            <a:schemeClr val="accent1">
-              <a:shade val="50000"/>
-            </a:schemeClr>
-          </a:lnRef>
-          <a:fillRef idx="1">
-            <a:schemeClr val="accent1"/>
-          </a:fillRef>
-          <a:effectRef idx="0">
-            <a:schemeClr val="accent1"/>
-          </a:effectRef>
-          <a:fontRef idx="minor">
-            <a:schemeClr val="lt1"/>
-          </a:fontRef>
-        </p:style>
-        <p:txBody>
-          <a:bodyPr rtlCol="0" anchor="ctr"/>
-          <a:lstStyle/>
-          <a:p>
-            <a:pPr algn="ctr"/>
-            <a:endParaRPr lang="sk-SK">
-              <a:ln w="28575">
-                <a:solidFill>
-                  <a:schemeClr val="accent1"/>
-                </a:solidFill>
-              </a:ln>
-            </a:endParaRPr>
-          </a:p>
-        </p:txBody>
-      </p:sp>
-      <p:sp>
-        <p:nvSpPr>
-          <p:cNvPr id="8" name="!!kruh">
-            <a:extLst>
-              <a:ext uri="{FF2B5EF4-FFF2-40B4-BE49-F238E27FC236}">
-                <a16:creationId xmlns:a16="http://schemas.microsoft.com/office/drawing/2014/main" id="{69AB2838-C055-EC71-EDBD-CDA692ED14E5}"/>
-              </a:ext>
-            </a:extLst>
-          </p:cNvPr>
-          <p:cNvSpPr/>
-          <p:nvPr/>
-        </p:nvSpPr>
-        <p:spPr>
-          <a:xfrm>
-            <a:off x="11716580" y="3391641"/>
-            <a:ext cx="1247084" cy="1247084"/>
-          </a:xfrm>
-          <a:prstGeom prst="ellipse">
-            <a:avLst/>
-          </a:prstGeom>
-          <a:gradFill flip="none" rotWithShape="1">
-            <a:gsLst>
-              <a:gs pos="35000">
-                <a:srgbClr val="CCFF99">
-                  <a:lumMod val="96000"/>
-                </a:srgbClr>
-              </a:gs>
-              <a:gs pos="66000">
-                <a:schemeClr val="accent1"/>
-              </a:gs>
-            </a:gsLst>
-            <a:path path="circle">
-              <a:fillToRect l="100000" b="100000"/>
-            </a:path>
-            <a:tileRect t="-100000" r="-100000"/>
-          </a:gradFill>
-          <a:ln w="76200">
-            <a:solidFill>
-              <a:srgbClr val="313944">
-                <a:alpha val="94000"/>
-              </a:srgbClr>
-            </a:solidFill>
-          </a:ln>
-          <a:effectLst/>
-        </p:spPr>
-        <p:style>
-          <a:lnRef idx="2">
-            <a:schemeClr val="accent1">
-              <a:shade val="50000"/>
-            </a:schemeClr>
-          </a:lnRef>
-          <a:fillRef idx="1">
-            <a:schemeClr val="accent1"/>
-          </a:fillRef>
-          <a:effectRef idx="0">
-            <a:schemeClr val="accent1"/>
-          </a:effectRef>
-          <a:fontRef idx="minor">
-            <a:schemeClr val="lt1"/>
-          </a:fontRef>
-        </p:style>
-        <p:txBody>
-          <a:bodyPr rtlCol="0" anchor="ctr"/>
-          <a:lstStyle/>
-          <a:p>
-            <a:pPr algn="ctr"/>
-            <a:endParaRPr lang="sk-SK">
-              <a:ln w="28575">
-                <a:solidFill>
-                  <a:schemeClr val="accent1"/>
-                </a:solidFill>
-              </a:ln>
-            </a:endParaRPr>
-          </a:p>
-        </p:txBody>
-      </p:sp>
-      <p:sp>
-        <p:nvSpPr>
-          <p:cNvPr id="10" name="!!kruh">
-            <a:extLst>
-              <a:ext uri="{FF2B5EF4-FFF2-40B4-BE49-F238E27FC236}">
-                <a16:creationId xmlns:a16="http://schemas.microsoft.com/office/drawing/2014/main" id="{3AB732BF-CDE8-6974-D14F-849C25BA60D8}"/>
-              </a:ext>
-            </a:extLst>
-          </p:cNvPr>
-          <p:cNvSpPr/>
-          <p:nvPr/>
-        </p:nvSpPr>
-        <p:spPr>
-          <a:xfrm>
-            <a:off x="10726387" y="5359340"/>
-            <a:ext cx="532110" cy="532110"/>
-          </a:xfrm>
-          <a:prstGeom prst="ellipse">
-            <a:avLst/>
-          </a:prstGeom>
-          <a:gradFill flip="none" rotWithShape="1">
-            <a:gsLst>
-              <a:gs pos="35000">
-                <a:srgbClr val="CCFF99">
-                  <a:lumMod val="96000"/>
-                </a:srgbClr>
-              </a:gs>
-              <a:gs pos="66000">
-                <a:schemeClr val="accent1"/>
-              </a:gs>
-            </a:gsLst>
-            <a:path path="circle">
-              <a:fillToRect l="100000" b="100000"/>
-            </a:path>
-            <a:tileRect t="-100000" r="-100000"/>
-          </a:gradFill>
-          <a:ln w="76200">
-            <a:solidFill>
-              <a:srgbClr val="313944">
-                <a:alpha val="94000"/>
-              </a:srgbClr>
-            </a:solidFill>
-          </a:ln>
-          <a:effectLst/>
-        </p:spPr>
-        <p:style>
-          <a:lnRef idx="2">
-            <a:schemeClr val="accent1">
-              <a:shade val="50000"/>
-            </a:schemeClr>
-          </a:lnRef>
-          <a:fillRef idx="1">
-            <a:schemeClr val="accent1"/>
-          </a:fillRef>
-          <a:effectRef idx="0">
-            <a:schemeClr val="accent1"/>
-          </a:effectRef>
-          <a:fontRef idx="minor">
-            <a:schemeClr val="lt1"/>
-          </a:fontRef>
-        </p:style>
-        <p:txBody>
-          <a:bodyPr rtlCol="0" anchor="ctr"/>
-          <a:lstStyle/>
-          <a:p>
-            <a:pPr algn="ctr"/>
-            <a:endParaRPr lang="sk-SK">
-              <a:ln w="28575">
-                <a:solidFill>
-                  <a:schemeClr val="accent1"/>
-                </a:solidFill>
-              </a:ln>
-            </a:endParaRPr>
+            <a:endParaRPr lang="sk-SK"/>
           </a:p>
         </p:txBody>
       </p:sp>
@@ -11258,8 +14035,8 @@
         </p:nvSpPr>
         <p:spPr>
           <a:xfrm>
-            <a:off x="1430594" y="578201"/>
-            <a:ext cx="3063027" cy="506077"/>
+            <a:off x="706971" y="728558"/>
+            <a:ext cx="4379379" cy="506077"/>
           </a:xfrm>
           <a:prstGeom prst="rect">
             <a:avLst/>
@@ -11291,21 +14068,185 @@
           <a:p>
             <a:pPr algn="l"/>
             <a:r>
-              <a:rPr lang="sk-SK" sz="4000" dirty="0">
+              <a:rPr lang="sk-SK" sz="6600" dirty="0">
+                <a:solidFill>
+                  <a:schemeClr val="bg1"/>
+                </a:solidFill>
                 <a:latin typeface="Lucida Console" panose="020B0609040504020204" pitchFamily="49" charset="0"/>
                 <a:cs typeface="Segoe UI" panose="020B0502040204020203" pitchFamily="34" charset="0"/>
               </a:rPr>
-              <a:t>OBSAH</a:t>
-            </a:r>
-          </a:p>
-        </p:txBody>
-      </p:sp>
-      <p:sp>
-        <p:nvSpPr>
-          <p:cNvPr id="14" name="BlokTextu 13">
-            <a:extLst>
-              <a:ext uri="{FF2B5EF4-FFF2-40B4-BE49-F238E27FC236}">
-                <a16:creationId xmlns:a16="http://schemas.microsoft.com/office/drawing/2014/main" id="{4A6BDC00-93EA-2552-D865-B5BC8F665E3D}"/>
+              <a:t>PRACOVNÉ    LISTY</a:t>
+            </a:r>
+          </a:p>
+        </p:txBody>
+      </p:sp>
+      <p:sp>
+        <p:nvSpPr>
+          <p:cNvPr id="11" name="Nadpis 1">
+            <a:extLst>
+              <a:ext uri="{FF2B5EF4-FFF2-40B4-BE49-F238E27FC236}">
+                <a16:creationId xmlns:a16="http://schemas.microsoft.com/office/drawing/2014/main" id="{0D416FD4-5952-4C85-47BE-67B5FFB3650C}"/>
+              </a:ext>
+            </a:extLst>
+          </p:cNvPr>
+          <p:cNvSpPr txBox="1">
+            <a:spLocks/>
+          </p:cNvSpPr>
+          <p:nvPr/>
+        </p:nvSpPr>
+        <p:spPr>
+          <a:xfrm>
+            <a:off x="4912481" y="5094177"/>
+            <a:ext cx="5891288" cy="2070530"/>
+          </a:xfrm>
+          <a:prstGeom prst="rect">
+            <a:avLst/>
+          </a:prstGeom>
+        </p:spPr>
+        <p:txBody>
+          <a:bodyPr vert="horz" lIns="91440" tIns="45720" rIns="91440" bIns="45720" rtlCol="0" anchor="t">
+            <a:noAutofit/>
+          </a:bodyPr>
+          <a:lstStyle>
+            <a:lvl1pPr algn="ctr" defTabSz="914400" rtl="0" eaLnBrk="1" latinLnBrk="0" hangingPunct="1">
+              <a:lnSpc>
+                <a:spcPct val="90000"/>
+              </a:lnSpc>
+              <a:spcBef>
+                <a:spcPct val="0"/>
+              </a:spcBef>
+              <a:buNone/>
+              <a:defRPr sz="6000" kern="1200">
+                <a:solidFill>
+                  <a:schemeClr val="tx1"/>
+                </a:solidFill>
+                <a:latin typeface="+mj-lt"/>
+                <a:ea typeface="+mj-ea"/>
+                <a:cs typeface="+mj-cs"/>
+              </a:defRPr>
+            </a:lvl1pPr>
+          </a:lstStyle>
+          <a:p>
+            <a:pPr algn="l"/>
+            <a:r>
+              <a:rPr lang="sk-SK" sz="1800" dirty="0">
+                <a:solidFill>
+                  <a:schemeClr val="bg1"/>
+                </a:solidFill>
+                <a:effectLst/>
+                <a:latin typeface="Lucida Console" panose="020B0609040504020204" pitchFamily="49" charset="0"/>
+              </a:rPr>
+              <a:t>Stupňovitá pyramída v </a:t>
+            </a:r>
+            <a:r>
+              <a:rPr lang="sk-SK" sz="1800" dirty="0" err="1">
+                <a:solidFill>
+                  <a:schemeClr val="bg1"/>
+                </a:solidFill>
+                <a:effectLst/>
+                <a:latin typeface="Lucida Console" panose="020B0609040504020204" pitchFamily="49" charset="0"/>
+              </a:rPr>
+              <a:t>Sakkáre</a:t>
+            </a:r>
+            <a:r>
+              <a:rPr lang="sk-SK" sz="1800" dirty="0">
+                <a:solidFill>
+                  <a:schemeClr val="bg1"/>
+                </a:solidFill>
+                <a:effectLst/>
+                <a:latin typeface="Lucida Console" panose="020B0609040504020204" pitchFamily="49" charset="0"/>
+              </a:rPr>
+              <a:t> (iné názvy: </a:t>
+            </a:r>
+            <a:r>
+              <a:rPr lang="sk-SK" sz="1800" dirty="0" err="1">
+                <a:solidFill>
+                  <a:schemeClr val="bg1"/>
+                </a:solidFill>
+                <a:effectLst/>
+                <a:latin typeface="Lucida Console" panose="020B0609040504020204" pitchFamily="49" charset="0"/>
+              </a:rPr>
+              <a:t>Džoserova</a:t>
+            </a:r>
+            <a:r>
+              <a:rPr lang="sk-SK" sz="1800" dirty="0">
+                <a:solidFill>
+                  <a:schemeClr val="bg1"/>
+                </a:solidFill>
+                <a:effectLst/>
+                <a:latin typeface="Lucida Console" panose="020B0609040504020204" pitchFamily="49" charset="0"/>
+              </a:rPr>
+              <a:t> pyramída, </a:t>
+            </a:r>
+            <a:r>
+              <a:rPr lang="sk-SK" sz="1800" dirty="0" err="1">
+                <a:solidFill>
+                  <a:schemeClr val="bg1"/>
+                </a:solidFill>
+                <a:effectLst/>
+                <a:latin typeface="Lucida Console" panose="020B0609040504020204" pitchFamily="49" charset="0"/>
+              </a:rPr>
+              <a:t>Necerichetova</a:t>
+            </a:r>
+            <a:r>
+              <a:rPr lang="sk-SK" sz="1800" dirty="0">
+                <a:solidFill>
+                  <a:schemeClr val="bg1"/>
+                </a:solidFill>
+                <a:effectLst/>
+                <a:latin typeface="Lucida Console" panose="020B0609040504020204" pitchFamily="49" charset="0"/>
+              </a:rPr>
+              <a:t> pyramída, Pyramída </a:t>
+            </a:r>
+            <a:r>
+              <a:rPr lang="sk-SK" sz="1800" dirty="0" err="1">
+                <a:solidFill>
+                  <a:schemeClr val="bg1"/>
+                </a:solidFill>
+                <a:effectLst/>
+                <a:latin typeface="Lucida Console" panose="020B0609040504020204" pitchFamily="49" charset="0"/>
+              </a:rPr>
+              <a:t>Lepsius</a:t>
+            </a:r>
+            <a:r>
+              <a:rPr lang="sk-SK" sz="1800" dirty="0">
+                <a:solidFill>
+                  <a:schemeClr val="bg1"/>
+                </a:solidFill>
+                <a:effectLst/>
+                <a:latin typeface="Lucida Console" panose="020B0609040504020204" pitchFamily="49" charset="0"/>
+              </a:rPr>
+              <a:t> XXXII) je </a:t>
+            </a:r>
+            <a:r>
+              <a:rPr lang="sk-SK" sz="1800" strike="noStrike" dirty="0">
+                <a:solidFill>
+                  <a:schemeClr val="bg1"/>
+                </a:solidFill>
+                <a:effectLst/>
+                <a:latin typeface="Lucida Console" panose="020B0609040504020204" pitchFamily="49" charset="0"/>
+              </a:rPr>
+              <a:t>staroegyptská</a:t>
+            </a:r>
+            <a:r>
+              <a:rPr lang="sk-SK" sz="1800" dirty="0">
+                <a:solidFill>
+                  <a:schemeClr val="bg1"/>
+                </a:solidFill>
+                <a:effectLst/>
+                <a:latin typeface="Lucida Console" panose="020B0609040504020204" pitchFamily="49" charset="0"/>
+              </a:rPr>
+              <a:t> pamiatka, súbor objektov starovekej pohrebnej a</a:t>
+            </a:r>
+          </a:p>
+        </p:txBody>
+      </p:sp>
+      <p:sp>
+        <p:nvSpPr>
+          <p:cNvPr id="6" name="BlokTextu 5">
+            <a:extLst>
+              <a:ext uri="{FF2B5EF4-FFF2-40B4-BE49-F238E27FC236}">
+                <a16:creationId xmlns:a16="http://schemas.microsoft.com/office/drawing/2014/main" id="{7BA26F74-A0F2-7AB5-9C0F-BE2EE46110B4}"/>
               </a:ext>
             </a:extLst>
           </p:cNvPr>
@@ -11313,9 +14254,9 @@
           <p:nvPr/>
         </p:nvSpPr>
         <p:spPr>
-          <a:xfrm>
-            <a:off x="3240312" y="515451"/>
-            <a:ext cx="1732239" cy="707886"/>
+          <a:xfrm rot="16200000">
+            <a:off x="-835323" y="3320821"/>
+            <a:ext cx="3033788" cy="369332"/>
           </a:xfrm>
           <a:prstGeom prst="rect">
             <a:avLst/>
@@ -11329,31 +14270,185 @@
           <a:lstStyle/>
           <a:p>
             <a:r>
-              <a:rPr lang="sk-SK" sz="4000" dirty="0">
-                <a:latin typeface="Lucida Console" panose="020B0609040504020204" pitchFamily="49" charset="0"/>
-              </a:rPr>
-              <a:t>PRÁCE</a:t>
-            </a:r>
-          </a:p>
-        </p:txBody>
-      </p:sp>
+              <a:rPr lang="sk-SK" sz="1800" dirty="0">
+                <a:solidFill>
+                  <a:schemeClr val="bg1"/>
+                </a:solidFill>
+                <a:effectLst/>
+                <a:latin typeface="Lucida Console" panose="020B0609040504020204" pitchFamily="49" charset="0"/>
+              </a:rPr>
+              <a:t>Praktický list</a:t>
+            </a:r>
+            <a:endParaRPr lang="sk-SK" dirty="0"/>
+          </a:p>
+        </p:txBody>
+      </p:sp>
+      <p:sp>
+        <p:nvSpPr>
+          <p:cNvPr id="2" name="BlokTextu 1">
+            <a:extLst>
+              <a:ext uri="{FF2B5EF4-FFF2-40B4-BE49-F238E27FC236}">
+                <a16:creationId xmlns:a16="http://schemas.microsoft.com/office/drawing/2014/main" id="{285A0554-B2AC-E846-6DB1-2D25ED6FD4DE}"/>
+              </a:ext>
+            </a:extLst>
+          </p:cNvPr>
+          <p:cNvSpPr txBox="1"/>
+          <p:nvPr/>
+        </p:nvSpPr>
+        <p:spPr>
+          <a:xfrm rot="5400000">
+            <a:off x="9871906" y="1869865"/>
+            <a:ext cx="2291738" cy="369332"/>
+          </a:xfrm>
+          <a:prstGeom prst="rect">
+            <a:avLst/>
+          </a:prstGeom>
+          <a:noFill/>
+        </p:spPr>
+        <p:txBody>
+          <a:bodyPr wrap="square" rtlCol="0">
+            <a:spAutoFit/>
+          </a:bodyPr>
+          <a:lstStyle/>
+          <a:p>
+            <a:r>
+              <a:rPr lang="sk-SK" sz="1800" dirty="0">
+                <a:solidFill>
+                  <a:schemeClr val="bg1"/>
+                </a:solidFill>
+                <a:effectLst/>
+                <a:latin typeface="Lucida Console" panose="020B0609040504020204" pitchFamily="49" charset="0"/>
+              </a:rPr>
+              <a:t>Teoretický list</a:t>
+            </a:r>
+            <a:endParaRPr lang="sk-SK" dirty="0"/>
+          </a:p>
+        </p:txBody>
+      </p:sp>
+      <p:pic>
+        <p:nvPicPr>
+          <p:cNvPr id="10" name="Graphic 7">
+            <a:extLst>
+              <a:ext uri="{FF2B5EF4-FFF2-40B4-BE49-F238E27FC236}">
+                <a16:creationId xmlns:a16="http://schemas.microsoft.com/office/drawing/2014/main" id="{868BE020-CB17-DF72-BF7F-E2050D0F3317}"/>
+              </a:ext>
+            </a:extLst>
+          </p:cNvPr>
+          <p:cNvPicPr>
+            <a:picLocks noChangeAspect="1"/>
+          </p:cNvPicPr>
+          <p:nvPr/>
+        </p:nvPicPr>
+        <p:blipFill>
+          <a:blip r:embed="rId3" cstate="email">
+            <a:extLst>
+              <a:ext uri="{28A0092B-C50C-407E-A947-70E740481C1C}">
+                <a14:useLocalDpi xmlns:a14="http://schemas.microsoft.com/office/drawing/2010/main"/>
+              </a:ext>
+              <a:ext uri="{96DAC541-7B7A-43D3-8B79-37D633B846F1}">
+                <asvg:svgBlip xmlns:asvg="http://schemas.microsoft.com/office/drawing/2016/SVG/main" r:embed="rId4"/>
+              </a:ext>
+            </a:extLst>
+          </a:blip>
+          <a:stretch>
+            <a:fillRect/>
+          </a:stretch>
+        </p:blipFill>
+        <p:spPr>
+          <a:xfrm rot="9271734">
+            <a:off x="3841861" y="2746416"/>
+            <a:ext cx="4080257" cy="148725"/>
+          </a:xfrm>
+          <a:prstGeom prst="rect">
+            <a:avLst/>
+          </a:prstGeom>
+        </p:spPr>
+      </p:pic>
+      <p:pic>
+        <p:nvPicPr>
+          <p:cNvPr id="9" name="Obrázok 8">
+            <a:extLst>
+              <a:ext uri="{FF2B5EF4-FFF2-40B4-BE49-F238E27FC236}">
+                <a16:creationId xmlns:a16="http://schemas.microsoft.com/office/drawing/2014/main" id="{A882545B-4E89-D28D-7D71-98994BB8A769}"/>
+              </a:ext>
+            </a:extLst>
+          </p:cNvPr>
+          <p:cNvPicPr>
+            <a:picLocks noChangeAspect="1"/>
+          </p:cNvPicPr>
+          <p:nvPr/>
+        </p:nvPicPr>
+        <p:blipFill rotWithShape="1">
+          <a:blip r:embed="rId5"/>
+          <a:srcRect l="7074" t="4295" r="7508" b="20395"/>
+          <a:stretch/>
+        </p:blipFill>
+        <p:spPr>
+          <a:xfrm>
+            <a:off x="938590" y="2729600"/>
+            <a:ext cx="3035300" cy="3797300"/>
+          </a:xfrm>
+          <a:prstGeom prst="rect">
+            <a:avLst/>
+          </a:prstGeom>
+          <a:ln>
+            <a:solidFill>
+              <a:schemeClr val="tx1"/>
+            </a:solidFill>
+          </a:ln>
+        </p:spPr>
+      </p:pic>
+      <p:pic>
+        <p:nvPicPr>
+          <p:cNvPr id="14" name="Obrázok 13">
+            <a:extLst>
+              <a:ext uri="{FF2B5EF4-FFF2-40B4-BE49-F238E27FC236}">
+                <a16:creationId xmlns:a16="http://schemas.microsoft.com/office/drawing/2014/main" id="{D93AF50A-B5E4-82B6-C259-A9B5CF434B6D}"/>
+              </a:ext>
+            </a:extLst>
+          </p:cNvPr>
+          <p:cNvPicPr>
+            <a:picLocks noChangeAspect="1"/>
+          </p:cNvPicPr>
+          <p:nvPr/>
+        </p:nvPicPr>
+        <p:blipFill rotWithShape="1">
+          <a:blip r:embed="rId6"/>
+          <a:srcRect l="7301" t="5413" r="8869" b="14188"/>
+          <a:stretch/>
+        </p:blipFill>
+        <p:spPr>
+          <a:xfrm>
+            <a:off x="7768469" y="580343"/>
+            <a:ext cx="3035300" cy="4128401"/>
+          </a:xfrm>
+          <a:prstGeom prst="rect">
+            <a:avLst/>
+          </a:prstGeom>
+          <a:ln>
+            <a:solidFill>
+              <a:schemeClr val="tx1"/>
+            </a:solidFill>
+          </a:ln>
+        </p:spPr>
+      </p:pic>
     </p:spTree>
     <p:extLst>
       <p:ext uri="{BB962C8B-B14F-4D97-AF65-F5344CB8AC3E}">
-        <p14:creationId xmlns:p14="http://schemas.microsoft.com/office/powerpoint/2010/main" val="2262955862"/>
+        <p14:creationId xmlns:p14="http://schemas.microsoft.com/office/powerpoint/2010/main" val="2950850305"/>
       </p:ext>
     </p:extLst>
   </p:cSld>
   <p:clrMapOvr>
     <a:masterClrMapping/>
   </p:clrMapOvr>
-  <mc:AlternateContent xmlns:mc="http://schemas.openxmlformats.org/markup-compatibility/2006" xmlns:p159="http://schemas.microsoft.com/office/powerpoint/2015/09/main">
-    <mc:Choice Requires="p159">
+  <mc:AlternateContent xmlns:mc="http://schemas.openxmlformats.org/markup-compatibility/2006">
+    <mc:Choice xmlns:p159="http://schemas.microsoft.com/office/powerpoint/2015/09/main" Requires="p159">
       <p:transition xmlns:p14="http://schemas.microsoft.com/office/powerpoint/2010/main" spd="slow" p14:dur="2000">
         <p159:morph option="byObject"/>
       </p:transition>
     </mc:Choice>
-    <mc:Fallback xmlns="">
+    <mc:Fallback>
       <p:transition spd="slow">
         <p:fade/>
       </p:transition>
@@ -11363,98 +14458,6 @@
 </file>
 
 <file path=ppt/slides/slide8.xml><?xml version="1.0" encoding="utf-8"?>
-<p:sld xmlns:a="http://schemas.openxmlformats.org/drawingml/2006/main" xmlns:r="http://schemas.openxmlformats.org/officeDocument/2006/relationships" xmlns:p="http://schemas.openxmlformats.org/presentationml/2006/main" show="0">
-  <p:cSld>
-    <p:spTree>
-      <p:nvGrpSpPr>
-        <p:cNvPr id="1" name=""/>
-        <p:cNvGrpSpPr/>
-        <p:nvPr/>
-      </p:nvGrpSpPr>
-      <p:grpSpPr>
-        <a:xfrm>
-          <a:off x="0" y="0"/>
-          <a:ext cx="0" cy="0"/>
-          <a:chOff x="0" y="0"/>
-          <a:chExt cx="0" cy="0"/>
-        </a:xfrm>
-      </p:grpSpPr>
-      <p:sp>
-        <p:nvSpPr>
-          <p:cNvPr id="2" name="Nadpis 1">
-            <a:extLst>
-              <a:ext uri="{FF2B5EF4-FFF2-40B4-BE49-F238E27FC236}">
-                <a16:creationId xmlns:a16="http://schemas.microsoft.com/office/drawing/2014/main" id="{EFF9E1E9-C18C-B042-E20D-BD764C02CD04}"/>
-              </a:ext>
-            </a:extLst>
-          </p:cNvPr>
-          <p:cNvSpPr>
-            <a:spLocks noGrp="1"/>
-          </p:cNvSpPr>
-          <p:nvPr>
-            <p:ph type="title"/>
-          </p:nvPr>
-        </p:nvSpPr>
-        <p:spPr/>
-        <p:txBody>
-          <a:bodyPr/>
-          <a:lstStyle/>
-          <a:p>
-            <a:endParaRPr lang="sk-SK"/>
-          </a:p>
-        </p:txBody>
-      </p:sp>
-      <p:sp>
-        <p:nvSpPr>
-          <p:cNvPr id="3" name="Zástupný objekt pre obsah 2">
-            <a:extLst>
-              <a:ext uri="{FF2B5EF4-FFF2-40B4-BE49-F238E27FC236}">
-                <a16:creationId xmlns:a16="http://schemas.microsoft.com/office/drawing/2014/main" id="{40C8E0D5-E28C-4E8B-8BEA-FA8BC9C6097E}"/>
-              </a:ext>
-            </a:extLst>
-          </p:cNvPr>
-          <p:cNvSpPr>
-            <a:spLocks noGrp="1"/>
-          </p:cNvSpPr>
-          <p:nvPr>
-            <p:ph idx="1"/>
-          </p:nvPr>
-        </p:nvSpPr>
-        <p:spPr/>
-        <p:txBody>
-          <a:bodyPr/>
-          <a:lstStyle/>
-          <a:p>
-            <a:r>
-              <a:rPr lang="sk-SK" dirty="0"/>
-              <a:t>Obsah</a:t>
-            </a:r>
-          </a:p>
-          <a:p>
-            <a:r>
-              <a:rPr lang="sk-SK" dirty="0"/>
-              <a:t>Ukážka</a:t>
-            </a:r>
-          </a:p>
-          <a:p>
-            <a:endParaRPr lang="sk-SK" dirty="0"/>
-          </a:p>
-        </p:txBody>
-      </p:sp>
-    </p:spTree>
-    <p:extLst>
-      <p:ext uri="{BB962C8B-B14F-4D97-AF65-F5344CB8AC3E}">
-        <p14:creationId xmlns:p14="http://schemas.microsoft.com/office/powerpoint/2010/main" val="4271588938"/>
-      </p:ext>
-    </p:extLst>
-  </p:cSld>
-  <p:clrMapOvr>
-    <a:masterClrMapping/>
-  </p:clrMapOvr>
-</p:sld>
-</file>
-
-<file path=ppt/slides/slide9.xml><?xml version="1.0" encoding="utf-8"?>
 <p:sld xmlns:a="http://schemas.openxmlformats.org/drawingml/2006/main" xmlns:r="http://schemas.openxmlformats.org/officeDocument/2006/relationships" xmlns:p="http://schemas.openxmlformats.org/presentationml/2006/main">
   <p:cSld>
     <p:spTree>
@@ -11545,10 +14548,402 @@
       </p:sp>
       <p:sp>
         <p:nvSpPr>
-          <p:cNvPr id="16" name="!!kruh">
-            <a:extLst>
-              <a:ext uri="{FF2B5EF4-FFF2-40B4-BE49-F238E27FC236}">
-                <a16:creationId xmlns:a16="http://schemas.microsoft.com/office/drawing/2014/main" id="{CEAA06CC-F4DB-4E14-B32B-A1C8B899EB36}"/>
+          <p:cNvPr id="13" name="Nadpis 1">
+            <a:extLst>
+              <a:ext uri="{FF2B5EF4-FFF2-40B4-BE49-F238E27FC236}">
+                <a16:creationId xmlns:a16="http://schemas.microsoft.com/office/drawing/2014/main" id="{C844EE25-6FED-2F6C-6DF0-37669AEDC5F3}"/>
+              </a:ext>
+            </a:extLst>
+          </p:cNvPr>
+          <p:cNvSpPr txBox="1">
+            <a:spLocks/>
+          </p:cNvSpPr>
+          <p:nvPr/>
+        </p:nvSpPr>
+        <p:spPr>
+          <a:xfrm>
+            <a:off x="706971" y="1033358"/>
+            <a:ext cx="10096798" cy="506077"/>
+          </a:xfrm>
+          <a:prstGeom prst="rect">
+            <a:avLst/>
+          </a:prstGeom>
+        </p:spPr>
+        <p:txBody>
+          <a:bodyPr vert="horz" lIns="91440" tIns="45720" rIns="91440" bIns="45720" rtlCol="0" anchor="t">
+            <a:noAutofit/>
+          </a:bodyPr>
+          <a:lstStyle>
+            <a:lvl1pPr algn="ctr" defTabSz="914400" rtl="0" eaLnBrk="1" latinLnBrk="0" hangingPunct="1">
+              <a:lnSpc>
+                <a:spcPct val="90000"/>
+              </a:lnSpc>
+              <a:spcBef>
+                <a:spcPct val="0"/>
+              </a:spcBef>
+              <a:buNone/>
+              <a:defRPr sz="6000" kern="1200">
+                <a:solidFill>
+                  <a:schemeClr val="tx1"/>
+                </a:solidFill>
+                <a:latin typeface="+mj-lt"/>
+                <a:ea typeface="+mj-ea"/>
+                <a:cs typeface="+mj-cs"/>
+              </a:defRPr>
+            </a:lvl1pPr>
+          </a:lstStyle>
+          <a:p>
+            <a:pPr algn="l"/>
+            <a:r>
+              <a:rPr lang="sk-SK" sz="6600" dirty="0">
+                <a:solidFill>
+                  <a:schemeClr val="bg1"/>
+                </a:solidFill>
+                <a:latin typeface="Lucida Console" panose="020B0609040504020204" pitchFamily="49" charset="0"/>
+                <a:cs typeface="Segoe UI" panose="020B0502040204020203" pitchFamily="34" charset="0"/>
+              </a:rPr>
+              <a:t>PRAKTICKÉ</a:t>
+            </a:r>
+          </a:p>
+          <a:p>
+            <a:pPr algn="l"/>
+            <a:r>
+              <a:rPr lang="sk-SK" sz="6600" dirty="0">
+                <a:solidFill>
+                  <a:schemeClr val="bg1"/>
+                </a:solidFill>
+                <a:latin typeface="Lucida Console" panose="020B0609040504020204" pitchFamily="49" charset="0"/>
+                <a:cs typeface="Segoe UI" panose="020B0502040204020203" pitchFamily="34" charset="0"/>
+              </a:rPr>
+              <a:t>		PRACOVNÉ    						LISTY</a:t>
+            </a:r>
+          </a:p>
+        </p:txBody>
+      </p:sp>
+      <p:sp>
+        <p:nvSpPr>
+          <p:cNvPr id="11" name="Nadpis 1">
+            <a:extLst>
+              <a:ext uri="{FF2B5EF4-FFF2-40B4-BE49-F238E27FC236}">
+                <a16:creationId xmlns:a16="http://schemas.microsoft.com/office/drawing/2014/main" id="{0D416FD4-5952-4C85-47BE-67B5FFB3650C}"/>
+              </a:ext>
+            </a:extLst>
+          </p:cNvPr>
+          <p:cNvSpPr txBox="1">
+            <a:spLocks/>
+          </p:cNvSpPr>
+          <p:nvPr/>
+        </p:nvSpPr>
+        <p:spPr>
+          <a:xfrm>
+            <a:off x="523576" y="4273837"/>
+            <a:ext cx="5891288" cy="2070530"/>
+          </a:xfrm>
+          <a:prstGeom prst="rect">
+            <a:avLst/>
+          </a:prstGeom>
+        </p:spPr>
+        <p:txBody>
+          <a:bodyPr vert="horz" lIns="91440" tIns="45720" rIns="91440" bIns="45720" rtlCol="0" anchor="t">
+            <a:noAutofit/>
+          </a:bodyPr>
+          <a:lstStyle>
+            <a:lvl1pPr algn="ctr" defTabSz="914400" rtl="0" eaLnBrk="1" latinLnBrk="0" hangingPunct="1">
+              <a:lnSpc>
+                <a:spcPct val="90000"/>
+              </a:lnSpc>
+              <a:spcBef>
+                <a:spcPct val="0"/>
+              </a:spcBef>
+              <a:buNone/>
+              <a:defRPr sz="6000" kern="1200">
+                <a:solidFill>
+                  <a:schemeClr val="tx1"/>
+                </a:solidFill>
+                <a:latin typeface="+mj-lt"/>
+                <a:ea typeface="+mj-ea"/>
+                <a:cs typeface="+mj-cs"/>
+              </a:defRPr>
+            </a:lvl1pPr>
+          </a:lstStyle>
+          <a:p>
+            <a:pPr algn="l"/>
+            <a:r>
+              <a:rPr lang="sk-SK" sz="1800" dirty="0">
+                <a:solidFill>
+                  <a:schemeClr val="bg1"/>
+                </a:solidFill>
+                <a:effectLst/>
+                <a:latin typeface="Lucida Console" panose="020B0609040504020204" pitchFamily="49" charset="0"/>
+              </a:rPr>
+              <a:t>Stupňovitá pyramída v </a:t>
+            </a:r>
+            <a:r>
+              <a:rPr lang="sk-SK" sz="1800" dirty="0" err="1">
+                <a:solidFill>
+                  <a:schemeClr val="bg1"/>
+                </a:solidFill>
+                <a:effectLst/>
+                <a:latin typeface="Lucida Console" panose="020B0609040504020204" pitchFamily="49" charset="0"/>
+              </a:rPr>
+              <a:t>Sakkáre</a:t>
+            </a:r>
+            <a:r>
+              <a:rPr lang="sk-SK" sz="1800" dirty="0">
+                <a:solidFill>
+                  <a:schemeClr val="bg1"/>
+                </a:solidFill>
+                <a:effectLst/>
+                <a:latin typeface="Lucida Console" panose="020B0609040504020204" pitchFamily="49" charset="0"/>
+              </a:rPr>
+              <a:t> (iné názvy: </a:t>
+            </a:r>
+            <a:r>
+              <a:rPr lang="sk-SK" sz="1800" dirty="0" err="1">
+                <a:solidFill>
+                  <a:schemeClr val="bg1"/>
+                </a:solidFill>
+                <a:effectLst/>
+                <a:latin typeface="Lucida Console" panose="020B0609040504020204" pitchFamily="49" charset="0"/>
+              </a:rPr>
+              <a:t>Džoserova</a:t>
+            </a:r>
+            <a:r>
+              <a:rPr lang="sk-SK" sz="1800" dirty="0">
+                <a:solidFill>
+                  <a:schemeClr val="bg1"/>
+                </a:solidFill>
+                <a:effectLst/>
+                <a:latin typeface="Lucida Console" panose="020B0609040504020204" pitchFamily="49" charset="0"/>
+              </a:rPr>
+              <a:t> pyramída, </a:t>
+            </a:r>
+            <a:r>
+              <a:rPr lang="sk-SK" sz="1800" dirty="0" err="1">
+                <a:solidFill>
+                  <a:schemeClr val="bg1"/>
+                </a:solidFill>
+                <a:effectLst/>
+                <a:latin typeface="Lucida Console" panose="020B0609040504020204" pitchFamily="49" charset="0"/>
+              </a:rPr>
+              <a:t>Necerichetova</a:t>
+            </a:r>
+            <a:r>
+              <a:rPr lang="sk-SK" sz="1800" dirty="0">
+                <a:solidFill>
+                  <a:schemeClr val="bg1"/>
+                </a:solidFill>
+                <a:effectLst/>
+                <a:latin typeface="Lucida Console" panose="020B0609040504020204" pitchFamily="49" charset="0"/>
+              </a:rPr>
+              <a:t> pyramída, Pyramída </a:t>
+            </a:r>
+            <a:r>
+              <a:rPr lang="sk-SK" sz="1800" dirty="0" err="1">
+                <a:solidFill>
+                  <a:schemeClr val="bg1"/>
+                </a:solidFill>
+                <a:effectLst/>
+                <a:latin typeface="Lucida Console" panose="020B0609040504020204" pitchFamily="49" charset="0"/>
+              </a:rPr>
+              <a:t>Lepsius</a:t>
+            </a:r>
+            <a:r>
+              <a:rPr lang="sk-SK" sz="1800" dirty="0">
+                <a:solidFill>
+                  <a:schemeClr val="bg1"/>
+                </a:solidFill>
+                <a:effectLst/>
+                <a:latin typeface="Lucida Console" panose="020B0609040504020204" pitchFamily="49" charset="0"/>
+              </a:rPr>
+              <a:t> XXXII) je </a:t>
+            </a:r>
+            <a:r>
+              <a:rPr lang="sk-SK" sz="1800" strike="noStrike" dirty="0">
+                <a:solidFill>
+                  <a:schemeClr val="bg1"/>
+                </a:solidFill>
+                <a:effectLst/>
+                <a:latin typeface="Lucida Console" panose="020B0609040504020204" pitchFamily="49" charset="0"/>
+              </a:rPr>
+              <a:t>staroegyptská</a:t>
+            </a:r>
+            <a:r>
+              <a:rPr lang="sk-SK" sz="1800" dirty="0">
+                <a:solidFill>
+                  <a:schemeClr val="bg1"/>
+                </a:solidFill>
+                <a:effectLst/>
+                <a:latin typeface="Lucida Console" panose="020B0609040504020204" pitchFamily="49" charset="0"/>
+              </a:rPr>
+              <a:t> pamiatka, súbor objektov starovekej pohrebnej a</a:t>
+            </a:r>
+          </a:p>
+        </p:txBody>
+      </p:sp>
+      <p:pic>
+        <p:nvPicPr>
+          <p:cNvPr id="3" name="Graphic 7">
+            <a:extLst>
+              <a:ext uri="{FF2B5EF4-FFF2-40B4-BE49-F238E27FC236}">
+                <a16:creationId xmlns:a16="http://schemas.microsoft.com/office/drawing/2014/main" id="{4B0E62A6-8B7A-7BE9-47A6-CBD705143B10}"/>
+              </a:ext>
+            </a:extLst>
+          </p:cNvPr>
+          <p:cNvPicPr>
+            <a:picLocks noChangeAspect="1"/>
+          </p:cNvPicPr>
+          <p:nvPr/>
+        </p:nvPicPr>
+        <p:blipFill>
+          <a:blip r:embed="rId3" cstate="email">
+            <a:extLst>
+              <a:ext uri="{28A0092B-C50C-407E-A947-70E740481C1C}">
+                <a14:useLocalDpi xmlns:a14="http://schemas.microsoft.com/office/drawing/2010/main"/>
+              </a:ext>
+              <a:ext uri="{96DAC541-7B7A-43D3-8B79-37D633B846F1}">
+                <asvg:svgBlip xmlns:asvg="http://schemas.microsoft.com/office/drawing/2016/SVG/main" r:embed="rId4"/>
+              </a:ext>
+            </a:extLst>
+          </a:blip>
+          <a:stretch>
+            <a:fillRect/>
+          </a:stretch>
+        </p:blipFill>
+        <p:spPr>
+          <a:xfrm rot="1600222">
+            <a:off x="199362" y="2700666"/>
+            <a:ext cx="4880564" cy="177896"/>
+          </a:xfrm>
+          <a:prstGeom prst="rect">
+            <a:avLst/>
+          </a:prstGeom>
+        </p:spPr>
+      </p:pic>
+      <p:sp>
+        <p:nvSpPr>
+          <p:cNvPr id="7" name="BlokTextu 6">
+            <a:extLst>
+              <a:ext uri="{FF2B5EF4-FFF2-40B4-BE49-F238E27FC236}">
+                <a16:creationId xmlns:a16="http://schemas.microsoft.com/office/drawing/2014/main" id="{DABE6A36-12F5-58F9-008A-29D67BCECF33}"/>
+              </a:ext>
+            </a:extLst>
+          </p:cNvPr>
+          <p:cNvSpPr txBox="1"/>
+          <p:nvPr/>
+        </p:nvSpPr>
+        <p:spPr>
+          <a:xfrm rot="16200000">
+            <a:off x="5695113" y="4761228"/>
+            <a:ext cx="3033788" cy="369332"/>
+          </a:xfrm>
+          <a:prstGeom prst="rect">
+            <a:avLst/>
+          </a:prstGeom>
+          <a:noFill/>
+        </p:spPr>
+        <p:txBody>
+          <a:bodyPr wrap="square" rtlCol="0">
+            <a:spAutoFit/>
+          </a:bodyPr>
+          <a:lstStyle/>
+          <a:p>
+            <a:r>
+              <a:rPr lang="sk-SK" sz="1800" dirty="0">
+                <a:solidFill>
+                  <a:schemeClr val="bg1"/>
+                </a:solidFill>
+                <a:effectLst/>
+                <a:latin typeface="Lucida Console" panose="020B0609040504020204" pitchFamily="49" charset="0"/>
+              </a:rPr>
+              <a:t>Praktický list</a:t>
+            </a:r>
+            <a:endParaRPr lang="sk-SK" dirty="0"/>
+          </a:p>
+        </p:txBody>
+      </p:sp>
+      <p:pic>
+        <p:nvPicPr>
+          <p:cNvPr id="8" name="Obrázok 7">
+            <a:extLst>
+              <a:ext uri="{FF2B5EF4-FFF2-40B4-BE49-F238E27FC236}">
+                <a16:creationId xmlns:a16="http://schemas.microsoft.com/office/drawing/2014/main" id="{2A9AFF54-67BB-0582-0598-3159CDAC5CAB}"/>
+              </a:ext>
+            </a:extLst>
+          </p:cNvPr>
+          <p:cNvPicPr>
+            <a:picLocks noChangeAspect="1"/>
+          </p:cNvPicPr>
+          <p:nvPr/>
+        </p:nvPicPr>
+        <p:blipFill rotWithShape="1">
+          <a:blip r:embed="rId5"/>
+          <a:srcRect l="7" t="133" r="-78" b="-127"/>
+          <a:stretch/>
+        </p:blipFill>
+        <p:spPr>
+          <a:xfrm>
+            <a:off x="7515806" y="279399"/>
+            <a:ext cx="4442761" cy="6299200"/>
+          </a:xfrm>
+          <a:prstGeom prst="rect">
+            <a:avLst/>
+          </a:prstGeom>
+          <a:ln>
+            <a:solidFill>
+              <a:schemeClr val="tx1"/>
+            </a:solidFill>
+          </a:ln>
+        </p:spPr>
+      </p:pic>
+    </p:spTree>
+    <p:extLst>
+      <p:ext uri="{BB962C8B-B14F-4D97-AF65-F5344CB8AC3E}">
+        <p14:creationId xmlns:p14="http://schemas.microsoft.com/office/powerpoint/2010/main" val="59504625"/>
+      </p:ext>
+    </p:extLst>
+  </p:cSld>
+  <p:clrMapOvr>
+    <a:masterClrMapping/>
+  </p:clrMapOvr>
+  <mc:AlternateContent xmlns:mc="http://schemas.openxmlformats.org/markup-compatibility/2006">
+    <mc:Choice xmlns:p159="http://schemas.microsoft.com/office/powerpoint/2015/09/main" Requires="p159">
+      <p:transition xmlns:p14="http://schemas.microsoft.com/office/powerpoint/2010/main" spd="slow" p14:dur="2000">
+        <p159:morph option="byObject"/>
+      </p:transition>
+    </mc:Choice>
+    <mc:Fallback>
+      <p:transition spd="slow">
+        <p:fade/>
+      </p:transition>
+    </mc:Fallback>
+  </mc:AlternateContent>
+</p:sld>
+</file>
+
+<file path=ppt/slides/slide9.xml><?xml version="1.0" encoding="utf-8"?>
+<p:sld xmlns:a="http://schemas.openxmlformats.org/drawingml/2006/main" xmlns:r="http://schemas.openxmlformats.org/officeDocument/2006/relationships" xmlns:p="http://schemas.openxmlformats.org/presentationml/2006/main">
+  <p:cSld>
+    <p:spTree>
+      <p:nvGrpSpPr>
+        <p:cNvPr id="1" name=""/>
+        <p:cNvGrpSpPr/>
+        <p:nvPr/>
+      </p:nvGrpSpPr>
+      <p:grpSpPr>
+        <a:xfrm>
+          <a:off x="0" y="0"/>
+          <a:ext cx="0" cy="0"/>
+          <a:chOff x="0" y="0"/>
+          <a:chExt cx="0" cy="0"/>
+        </a:xfrm>
+      </p:grpSpPr>
+      <p:sp>
+        <p:nvSpPr>
+          <p:cNvPr id="20" name="Obdĺžnik 19">
+            <a:extLst>
+              <a:ext uri="{FF2B5EF4-FFF2-40B4-BE49-F238E27FC236}">
+                <a16:creationId xmlns:a16="http://schemas.microsoft.com/office/drawing/2014/main" id="{EBFF46E7-F9DA-1A54-EFB2-F25F480E68D9}"/>
               </a:ext>
             </a:extLst>
           </p:cNvPr>
@@ -11557,29 +14952,37 @@
         </p:nvSpPr>
         <p:spPr>
           <a:xfrm>
-            <a:off x="-9507073" y="-3061111"/>
-            <a:ext cx="18750233" cy="5160712"/>
+            <a:off x="-1" y="0"/>
+            <a:ext cx="12192001" cy="6858000"/>
           </a:xfrm>
-          <a:prstGeom prst="ellipse">
+          <a:prstGeom prst="rect">
             <a:avLst/>
           </a:prstGeom>
-          <a:gradFill>
+          <a:gradFill flip="none" rotWithShape="1">
             <a:gsLst>
-              <a:gs pos="35000">
-                <a:srgbClr val="CCFF99"/>
+              <a:gs pos="74000">
+                <a:srgbClr val="272727"/>
               </a:gs>
-              <a:gs pos="66000">
-                <a:schemeClr val="accent1"/>
+              <a:gs pos="0">
+                <a:schemeClr val="tx1">
+                  <a:lumMod val="95000"/>
+                  <a:lumOff val="5000"/>
+                </a:schemeClr>
+              </a:gs>
+              <a:gs pos="100000">
+                <a:schemeClr val="tx1">
+                  <a:lumMod val="75000"/>
+                  <a:lumOff val="25000"/>
+                </a:schemeClr>
               </a:gs>
             </a:gsLst>
             <a:path path="circle">
-              <a:fillToRect r="100000" b="100000"/>
+              <a:fillToRect l="100000" b="100000"/>
             </a:path>
+            <a:tileRect t="-100000" r="-100000"/>
           </a:gradFill>
-          <a:ln w="177800">
-            <a:solidFill>
-              <a:srgbClr val="313944"/>
-            </a:solidFill>
+          <a:ln>
+            <a:noFill/>
           </a:ln>
         </p:spPr>
         <p:style>
@@ -11603,70 +15006,31 @@
           <a:lstStyle/>
           <a:p>
             <a:pPr algn="ctr"/>
-            <a:endParaRPr lang="sk-SK"/>
-          </a:p>
-        </p:txBody>
-      </p:sp>
-      <p:pic>
-        <p:nvPicPr>
-          <p:cNvPr id="21" name="Graphic 7">
-            <a:extLst>
-              <a:ext uri="{FF2B5EF4-FFF2-40B4-BE49-F238E27FC236}">
-                <a16:creationId xmlns:a16="http://schemas.microsoft.com/office/drawing/2014/main" id="{2DC6553F-100A-B07D-00F1-96276B47EA7D}"/>
-              </a:ext>
-            </a:extLst>
-          </p:cNvPr>
-          <p:cNvPicPr>
-            <a:picLocks noChangeAspect="1"/>
-          </p:cNvPicPr>
+            <a:endParaRPr lang="sk-SK" dirty="0"/>
+          </a:p>
+        </p:txBody>
+      </p:sp>
+      <p:sp>
+        <p:nvSpPr>
+          <p:cNvPr id="4" name="Obdĺžnik 3">
+            <a:extLst>
+              <a:ext uri="{FF2B5EF4-FFF2-40B4-BE49-F238E27FC236}">
+                <a16:creationId xmlns:a16="http://schemas.microsoft.com/office/drawing/2014/main" id="{BFA3DE68-F7C6-AD22-EA12-74D596C9B78E}"/>
+              </a:ext>
+            </a:extLst>
+          </p:cNvPr>
+          <p:cNvSpPr/>
           <p:nvPr/>
-        </p:nvPicPr>
-        <p:blipFill>
-          <a:blip r:embed="rId3" cstate="email">
-            <a:extLst>
-              <a:ext uri="{28A0092B-C50C-407E-A947-70E740481C1C}">
-                <a14:useLocalDpi xmlns:a14="http://schemas.microsoft.com/office/drawing/2010/main"/>
-              </a:ext>
-              <a:ext uri="{96DAC541-7B7A-43D3-8B79-37D633B846F1}">
-                <asvg:svgBlip xmlns:asvg="http://schemas.microsoft.com/office/drawing/2016/SVG/main" r:embed="rId4"/>
-              </a:ext>
-            </a:extLst>
-          </a:blip>
-          <a:stretch>
-            <a:fillRect/>
-          </a:stretch>
-        </p:blipFill>
+        </p:nvSpPr>
         <p:spPr>
-          <a:xfrm flipV="1">
-            <a:off x="144680" y="1127820"/>
-            <a:ext cx="6040542" cy="220177"/>
+          <a:xfrm rot="20045164">
+            <a:off x="-2432936" y="2583476"/>
+            <a:ext cx="16470863" cy="532110"/>
           </a:xfrm>
           <a:prstGeom prst="rect">
             <a:avLst/>
           </a:prstGeom>
-        </p:spPr>
-      </p:pic>
-      <p:sp>
-        <p:nvSpPr>
-          <p:cNvPr id="2" name="!!kruh">
-            <a:extLst>
-              <a:ext uri="{FF2B5EF4-FFF2-40B4-BE49-F238E27FC236}">
-                <a16:creationId xmlns:a16="http://schemas.microsoft.com/office/drawing/2014/main" id="{F1018DFE-6503-75D9-6BAA-E79301D80460}"/>
-              </a:ext>
-            </a:extLst>
-          </p:cNvPr>
-          <p:cNvSpPr/>
-          <p:nvPr/>
-        </p:nvSpPr>
-        <p:spPr>
-          <a:xfrm>
-            <a:off x="11209539" y="4586995"/>
-            <a:ext cx="889189" cy="889189"/>
-          </a:xfrm>
-          <a:prstGeom prst="ellipse">
-            <a:avLst/>
-          </a:prstGeom>
-          <a:gradFill flip="none" rotWithShape="1">
+          <a:gradFill>
             <a:gsLst>
               <a:gs pos="35000">
                 <a:srgbClr val="CCFF99">
@@ -11680,16 +15044,10 @@
             <a:path path="circle">
               <a:fillToRect l="100000" b="100000"/>
             </a:path>
-            <a:tileRect t="-100000" r="-100000"/>
           </a:gradFill>
-          <a:ln w="76200">
-            <a:solidFill>
-              <a:srgbClr val="313944">
-                <a:alpha val="94000"/>
-              </a:srgbClr>
-            </a:solidFill>
+          <a:ln>
+            <a:noFill/>
           </a:ln>
-          <a:effectLst/>
         </p:spPr>
         <p:style>
           <a:lnRef idx="2">
@@ -11712,22 +15070,16 @@
           <a:lstStyle/>
           <a:p>
             <a:pPr algn="ctr"/>
-            <a:endParaRPr lang="sk-SK">
-              <a:ln w="28575">
-                <a:solidFill>
-                  <a:schemeClr val="accent1"/>
-                </a:solidFill>
-              </a:ln>
-            </a:endParaRPr>
-          </a:p>
-        </p:txBody>
-      </p:sp>
-      <p:sp>
-        <p:nvSpPr>
-          <p:cNvPr id="4" name="!!kruh">
-            <a:extLst>
-              <a:ext uri="{FF2B5EF4-FFF2-40B4-BE49-F238E27FC236}">
-                <a16:creationId xmlns:a16="http://schemas.microsoft.com/office/drawing/2014/main" id="{60965A5F-B96A-5643-0FE3-E63320440E83}"/>
+            <a:endParaRPr lang="sk-SK"/>
+          </a:p>
+        </p:txBody>
+      </p:sp>
+      <p:sp>
+        <p:nvSpPr>
+          <p:cNvPr id="5" name="Obdĺžnik 4">
+            <a:extLst>
+              <a:ext uri="{FF2B5EF4-FFF2-40B4-BE49-F238E27FC236}">
+                <a16:creationId xmlns:a16="http://schemas.microsoft.com/office/drawing/2014/main" id="{FC407B1A-A91C-A488-BF24-5BA273BEC60B}"/>
               </a:ext>
             </a:extLst>
           </p:cNvPr>
@@ -11735,14 +15087,14 @@
           <p:nvPr/>
         </p:nvSpPr>
         <p:spPr>
-          <a:xfrm>
-            <a:off x="11094902" y="5565252"/>
-            <a:ext cx="2212572" cy="2212572"/>
+          <a:xfrm rot="20045164">
+            <a:off x="-1988805" y="3143311"/>
+            <a:ext cx="16007020" cy="228477"/>
           </a:xfrm>
-          <a:prstGeom prst="ellipse">
+          <a:prstGeom prst="rect">
             <a:avLst/>
           </a:prstGeom>
-          <a:gradFill flip="none" rotWithShape="1">
+          <a:gradFill>
             <a:gsLst>
               <a:gs pos="35000">
                 <a:srgbClr val="CCFF99">
@@ -11756,16 +15108,10 @@
             <a:path path="circle">
               <a:fillToRect l="100000" b="100000"/>
             </a:path>
-            <a:tileRect t="-100000" r="-100000"/>
           </a:gradFill>
-          <a:ln w="76200">
-            <a:solidFill>
-              <a:srgbClr val="313944">
-                <a:alpha val="94000"/>
-              </a:srgbClr>
-            </a:solidFill>
+          <a:ln>
+            <a:noFill/>
           </a:ln>
-          <a:effectLst/>
         </p:spPr>
         <p:style>
           <a:lnRef idx="2">
@@ -11788,317 +15134,7 @@
           <a:lstStyle/>
           <a:p>
             <a:pPr algn="ctr"/>
-            <a:endParaRPr lang="sk-SK">
-              <a:ln w="28575">
-                <a:solidFill>
-                  <a:schemeClr val="accent1"/>
-                </a:solidFill>
-              </a:ln>
-            </a:endParaRPr>
-          </a:p>
-        </p:txBody>
-      </p:sp>
-      <p:sp>
-        <p:nvSpPr>
-          <p:cNvPr id="5" name="!!kruh">
-            <a:extLst>
-              <a:ext uri="{FF2B5EF4-FFF2-40B4-BE49-F238E27FC236}">
-                <a16:creationId xmlns:a16="http://schemas.microsoft.com/office/drawing/2014/main" id="{F3764D55-4AA9-49DB-3166-595049246BE1}"/>
-              </a:ext>
-            </a:extLst>
-          </p:cNvPr>
-          <p:cNvSpPr/>
-          <p:nvPr/>
-        </p:nvSpPr>
-        <p:spPr>
-          <a:xfrm>
-            <a:off x="8364094" y="6610919"/>
-            <a:ext cx="1247084" cy="1247084"/>
-          </a:xfrm>
-          <a:prstGeom prst="ellipse">
-            <a:avLst/>
-          </a:prstGeom>
-          <a:gradFill flip="none" rotWithShape="1">
-            <a:gsLst>
-              <a:gs pos="35000">
-                <a:srgbClr val="CCFF99">
-                  <a:lumMod val="96000"/>
-                </a:srgbClr>
-              </a:gs>
-              <a:gs pos="66000">
-                <a:schemeClr val="accent1"/>
-              </a:gs>
-            </a:gsLst>
-            <a:path path="circle">
-              <a:fillToRect l="100000" b="100000"/>
-            </a:path>
-            <a:tileRect t="-100000" r="-100000"/>
-          </a:gradFill>
-          <a:ln w="76200">
-            <a:solidFill>
-              <a:srgbClr val="313944">
-                <a:alpha val="94000"/>
-              </a:srgbClr>
-            </a:solidFill>
-          </a:ln>
-          <a:effectLst/>
-        </p:spPr>
-        <p:style>
-          <a:lnRef idx="2">
-            <a:schemeClr val="accent1">
-              <a:shade val="50000"/>
-            </a:schemeClr>
-          </a:lnRef>
-          <a:fillRef idx="1">
-            <a:schemeClr val="accent1"/>
-          </a:fillRef>
-          <a:effectRef idx="0">
-            <a:schemeClr val="accent1"/>
-          </a:effectRef>
-          <a:fontRef idx="minor">
-            <a:schemeClr val="lt1"/>
-          </a:fontRef>
-        </p:style>
-        <p:txBody>
-          <a:bodyPr rtlCol="0" anchor="ctr"/>
-          <a:lstStyle/>
-          <a:p>
-            <a:pPr algn="ctr"/>
-            <a:endParaRPr lang="sk-SK">
-              <a:ln w="28575">
-                <a:solidFill>
-                  <a:schemeClr val="accent1"/>
-                </a:solidFill>
-              </a:ln>
-            </a:endParaRPr>
-          </a:p>
-        </p:txBody>
-      </p:sp>
-      <p:sp>
-        <p:nvSpPr>
-          <p:cNvPr id="6" name="!!kruh">
-            <a:extLst>
-              <a:ext uri="{FF2B5EF4-FFF2-40B4-BE49-F238E27FC236}">
-                <a16:creationId xmlns:a16="http://schemas.microsoft.com/office/drawing/2014/main" id="{134BAA66-86BE-A029-BF4D-CD6A9DDB307F}"/>
-              </a:ext>
-            </a:extLst>
-          </p:cNvPr>
-          <p:cNvSpPr/>
-          <p:nvPr/>
-        </p:nvSpPr>
-        <p:spPr>
-          <a:xfrm>
-            <a:off x="9615400" y="6014781"/>
-            <a:ext cx="1321280" cy="1321280"/>
-          </a:xfrm>
-          <a:prstGeom prst="ellipse">
-            <a:avLst/>
-          </a:prstGeom>
-          <a:gradFill flip="none" rotWithShape="1">
-            <a:gsLst>
-              <a:gs pos="35000">
-                <a:srgbClr val="CCFF99">
-                  <a:lumMod val="96000"/>
-                </a:srgbClr>
-              </a:gs>
-              <a:gs pos="66000">
-                <a:schemeClr val="accent1"/>
-              </a:gs>
-            </a:gsLst>
-            <a:path path="circle">
-              <a:fillToRect l="100000" b="100000"/>
-            </a:path>
-            <a:tileRect t="-100000" r="-100000"/>
-          </a:gradFill>
-          <a:ln w="76200">
-            <a:solidFill>
-              <a:srgbClr val="313944">
-                <a:alpha val="94000"/>
-              </a:srgbClr>
-            </a:solidFill>
-          </a:ln>
-          <a:effectLst/>
-        </p:spPr>
-        <p:style>
-          <a:lnRef idx="2">
-            <a:schemeClr val="accent1">
-              <a:shade val="50000"/>
-            </a:schemeClr>
-          </a:lnRef>
-          <a:fillRef idx="1">
-            <a:schemeClr val="accent1"/>
-          </a:fillRef>
-          <a:effectRef idx="0">
-            <a:schemeClr val="accent1"/>
-          </a:effectRef>
-          <a:fontRef idx="minor">
-            <a:schemeClr val="lt1"/>
-          </a:fontRef>
-        </p:style>
-        <p:txBody>
-          <a:bodyPr rtlCol="0" anchor="ctr"/>
-          <a:lstStyle/>
-          <a:p>
-            <a:pPr algn="ctr"/>
-            <a:endParaRPr lang="sk-SK">
-              <a:ln w="28575">
-                <a:solidFill>
-                  <a:schemeClr val="accent1"/>
-                </a:solidFill>
-              </a:ln>
-            </a:endParaRPr>
-          </a:p>
-        </p:txBody>
-      </p:sp>
-      <p:sp>
-        <p:nvSpPr>
-          <p:cNvPr id="8" name="!!kruh">
-            <a:extLst>
-              <a:ext uri="{FF2B5EF4-FFF2-40B4-BE49-F238E27FC236}">
-                <a16:creationId xmlns:a16="http://schemas.microsoft.com/office/drawing/2014/main" id="{69AB2838-C055-EC71-EDBD-CDA692ED14E5}"/>
-              </a:ext>
-            </a:extLst>
-          </p:cNvPr>
-          <p:cNvSpPr/>
-          <p:nvPr/>
-        </p:nvSpPr>
-        <p:spPr>
-          <a:xfrm>
-            <a:off x="11716580" y="3391641"/>
-            <a:ext cx="1247084" cy="1247084"/>
-          </a:xfrm>
-          <a:prstGeom prst="ellipse">
-            <a:avLst/>
-          </a:prstGeom>
-          <a:gradFill flip="none" rotWithShape="1">
-            <a:gsLst>
-              <a:gs pos="35000">
-                <a:srgbClr val="CCFF99">
-                  <a:lumMod val="96000"/>
-                </a:srgbClr>
-              </a:gs>
-              <a:gs pos="66000">
-                <a:schemeClr val="accent1"/>
-              </a:gs>
-            </a:gsLst>
-            <a:path path="circle">
-              <a:fillToRect l="100000" b="100000"/>
-            </a:path>
-            <a:tileRect t="-100000" r="-100000"/>
-          </a:gradFill>
-          <a:ln w="76200">
-            <a:solidFill>
-              <a:srgbClr val="313944">
-                <a:alpha val="94000"/>
-              </a:srgbClr>
-            </a:solidFill>
-          </a:ln>
-          <a:effectLst/>
-        </p:spPr>
-        <p:style>
-          <a:lnRef idx="2">
-            <a:schemeClr val="accent1">
-              <a:shade val="50000"/>
-            </a:schemeClr>
-          </a:lnRef>
-          <a:fillRef idx="1">
-            <a:schemeClr val="accent1"/>
-          </a:fillRef>
-          <a:effectRef idx="0">
-            <a:schemeClr val="accent1"/>
-          </a:effectRef>
-          <a:fontRef idx="minor">
-            <a:schemeClr val="lt1"/>
-          </a:fontRef>
-        </p:style>
-        <p:txBody>
-          <a:bodyPr rtlCol="0" anchor="ctr"/>
-          <a:lstStyle/>
-          <a:p>
-            <a:pPr algn="ctr"/>
-            <a:endParaRPr lang="sk-SK">
-              <a:ln w="28575">
-                <a:solidFill>
-                  <a:schemeClr val="accent1"/>
-                </a:solidFill>
-              </a:ln>
-            </a:endParaRPr>
-          </a:p>
-        </p:txBody>
-      </p:sp>
-      <p:sp>
-        <p:nvSpPr>
-          <p:cNvPr id="10" name="!!kruh">
-            <a:extLst>
-              <a:ext uri="{FF2B5EF4-FFF2-40B4-BE49-F238E27FC236}">
-                <a16:creationId xmlns:a16="http://schemas.microsoft.com/office/drawing/2014/main" id="{3AB732BF-CDE8-6974-D14F-849C25BA60D8}"/>
-              </a:ext>
-            </a:extLst>
-          </p:cNvPr>
-          <p:cNvSpPr/>
-          <p:nvPr/>
-        </p:nvSpPr>
-        <p:spPr>
-          <a:xfrm>
-            <a:off x="10726387" y="5359340"/>
-            <a:ext cx="532110" cy="532110"/>
-          </a:xfrm>
-          <a:prstGeom prst="ellipse">
-            <a:avLst/>
-          </a:prstGeom>
-          <a:gradFill flip="none" rotWithShape="1">
-            <a:gsLst>
-              <a:gs pos="35000">
-                <a:srgbClr val="CCFF99">
-                  <a:lumMod val="96000"/>
-                </a:srgbClr>
-              </a:gs>
-              <a:gs pos="66000">
-                <a:schemeClr val="accent1"/>
-              </a:gs>
-            </a:gsLst>
-            <a:path path="circle">
-              <a:fillToRect l="100000" b="100000"/>
-            </a:path>
-            <a:tileRect t="-100000" r="-100000"/>
-          </a:gradFill>
-          <a:ln w="76200">
-            <a:solidFill>
-              <a:srgbClr val="313944">
-                <a:alpha val="94000"/>
-              </a:srgbClr>
-            </a:solidFill>
-          </a:ln>
-          <a:effectLst/>
-        </p:spPr>
-        <p:style>
-          <a:lnRef idx="2">
-            <a:schemeClr val="accent1">
-              <a:shade val="50000"/>
-            </a:schemeClr>
-          </a:lnRef>
-          <a:fillRef idx="1">
-            <a:schemeClr val="accent1"/>
-          </a:fillRef>
-          <a:effectRef idx="0">
-            <a:schemeClr val="accent1"/>
-          </a:effectRef>
-          <a:fontRef idx="minor">
-            <a:schemeClr val="lt1"/>
-          </a:fontRef>
-        </p:style>
-        <p:txBody>
-          <a:bodyPr rtlCol="0" anchor="ctr"/>
-          <a:lstStyle/>
-          <a:p>
-            <a:pPr algn="ctr"/>
-            <a:endParaRPr lang="sk-SK">
-              <a:ln w="28575">
-                <a:solidFill>
-                  <a:schemeClr val="accent1"/>
-                </a:solidFill>
-              </a:ln>
-            </a:endParaRPr>
+            <a:endParaRPr lang="sk-SK"/>
           </a:p>
         </p:txBody>
       </p:sp>
@@ -12118,8 +15154,8 @@
         </p:nvSpPr>
         <p:spPr>
           <a:xfrm>
-            <a:off x="1430594" y="578201"/>
-            <a:ext cx="3063027" cy="506077"/>
+            <a:off x="706971" y="728558"/>
+            <a:ext cx="4379379" cy="506077"/>
           </a:xfrm>
           <a:prstGeom prst="rect">
             <a:avLst/>
@@ -12151,21 +15187,185 @@
           <a:p>
             <a:pPr algn="l"/>
             <a:r>
-              <a:rPr lang="sk-SK" sz="4000" dirty="0">
+              <a:rPr lang="sk-SK" sz="6600" dirty="0">
+                <a:solidFill>
+                  <a:schemeClr val="bg1"/>
+                </a:solidFill>
                 <a:latin typeface="Lucida Console" panose="020B0609040504020204" pitchFamily="49" charset="0"/>
                 <a:cs typeface="Segoe UI" panose="020B0502040204020203" pitchFamily="34" charset="0"/>
               </a:rPr>
-              <a:t>OBSAH</a:t>
-            </a:r>
-          </a:p>
-        </p:txBody>
-      </p:sp>
-      <p:sp>
-        <p:nvSpPr>
-          <p:cNvPr id="14" name="BlokTextu 13">
-            <a:extLst>
-              <a:ext uri="{FF2B5EF4-FFF2-40B4-BE49-F238E27FC236}">
-                <a16:creationId xmlns:a16="http://schemas.microsoft.com/office/drawing/2014/main" id="{4A6BDC00-93EA-2552-D865-B5BC8F665E3D}"/>
+              <a:t>PRACOVNÉ    LISTY</a:t>
+            </a:r>
+          </a:p>
+        </p:txBody>
+      </p:sp>
+      <p:sp>
+        <p:nvSpPr>
+          <p:cNvPr id="11" name="Nadpis 1">
+            <a:extLst>
+              <a:ext uri="{FF2B5EF4-FFF2-40B4-BE49-F238E27FC236}">
+                <a16:creationId xmlns:a16="http://schemas.microsoft.com/office/drawing/2014/main" id="{0D416FD4-5952-4C85-47BE-67B5FFB3650C}"/>
+              </a:ext>
+            </a:extLst>
+          </p:cNvPr>
+          <p:cNvSpPr txBox="1">
+            <a:spLocks/>
+          </p:cNvSpPr>
+          <p:nvPr/>
+        </p:nvSpPr>
+        <p:spPr>
+          <a:xfrm>
+            <a:off x="4912481" y="5094177"/>
+            <a:ext cx="5891288" cy="2070530"/>
+          </a:xfrm>
+          <a:prstGeom prst="rect">
+            <a:avLst/>
+          </a:prstGeom>
+        </p:spPr>
+        <p:txBody>
+          <a:bodyPr vert="horz" lIns="91440" tIns="45720" rIns="91440" bIns="45720" rtlCol="0" anchor="t">
+            <a:noAutofit/>
+          </a:bodyPr>
+          <a:lstStyle>
+            <a:lvl1pPr algn="ctr" defTabSz="914400" rtl="0" eaLnBrk="1" latinLnBrk="0" hangingPunct="1">
+              <a:lnSpc>
+                <a:spcPct val="90000"/>
+              </a:lnSpc>
+              <a:spcBef>
+                <a:spcPct val="0"/>
+              </a:spcBef>
+              <a:buNone/>
+              <a:defRPr sz="6000" kern="1200">
+                <a:solidFill>
+                  <a:schemeClr val="tx1"/>
+                </a:solidFill>
+                <a:latin typeface="+mj-lt"/>
+                <a:ea typeface="+mj-ea"/>
+                <a:cs typeface="+mj-cs"/>
+              </a:defRPr>
+            </a:lvl1pPr>
+          </a:lstStyle>
+          <a:p>
+            <a:pPr algn="l"/>
+            <a:r>
+              <a:rPr lang="sk-SK" sz="1800" dirty="0">
+                <a:solidFill>
+                  <a:schemeClr val="bg1"/>
+                </a:solidFill>
+                <a:effectLst/>
+                <a:latin typeface="Lucida Console" panose="020B0609040504020204" pitchFamily="49" charset="0"/>
+              </a:rPr>
+              <a:t>Stupňovitá pyramída v </a:t>
+            </a:r>
+            <a:r>
+              <a:rPr lang="sk-SK" sz="1800" dirty="0" err="1">
+                <a:solidFill>
+                  <a:schemeClr val="bg1"/>
+                </a:solidFill>
+                <a:effectLst/>
+                <a:latin typeface="Lucida Console" panose="020B0609040504020204" pitchFamily="49" charset="0"/>
+              </a:rPr>
+              <a:t>Sakkáre</a:t>
+            </a:r>
+            <a:r>
+              <a:rPr lang="sk-SK" sz="1800" dirty="0">
+                <a:solidFill>
+                  <a:schemeClr val="bg1"/>
+                </a:solidFill>
+                <a:effectLst/>
+                <a:latin typeface="Lucida Console" panose="020B0609040504020204" pitchFamily="49" charset="0"/>
+              </a:rPr>
+              <a:t> (iné názvy: </a:t>
+            </a:r>
+            <a:r>
+              <a:rPr lang="sk-SK" sz="1800" dirty="0" err="1">
+                <a:solidFill>
+                  <a:schemeClr val="bg1"/>
+                </a:solidFill>
+                <a:effectLst/>
+                <a:latin typeface="Lucida Console" panose="020B0609040504020204" pitchFamily="49" charset="0"/>
+              </a:rPr>
+              <a:t>Džoserova</a:t>
+            </a:r>
+            <a:r>
+              <a:rPr lang="sk-SK" sz="1800" dirty="0">
+                <a:solidFill>
+                  <a:schemeClr val="bg1"/>
+                </a:solidFill>
+                <a:effectLst/>
+                <a:latin typeface="Lucida Console" panose="020B0609040504020204" pitchFamily="49" charset="0"/>
+              </a:rPr>
+              <a:t> pyramída, </a:t>
+            </a:r>
+            <a:r>
+              <a:rPr lang="sk-SK" sz="1800" dirty="0" err="1">
+                <a:solidFill>
+                  <a:schemeClr val="bg1"/>
+                </a:solidFill>
+                <a:effectLst/>
+                <a:latin typeface="Lucida Console" panose="020B0609040504020204" pitchFamily="49" charset="0"/>
+              </a:rPr>
+              <a:t>Necerichetova</a:t>
+            </a:r>
+            <a:r>
+              <a:rPr lang="sk-SK" sz="1800" dirty="0">
+                <a:solidFill>
+                  <a:schemeClr val="bg1"/>
+                </a:solidFill>
+                <a:effectLst/>
+                <a:latin typeface="Lucida Console" panose="020B0609040504020204" pitchFamily="49" charset="0"/>
+              </a:rPr>
+              <a:t> pyramída, Pyramída </a:t>
+            </a:r>
+            <a:r>
+              <a:rPr lang="sk-SK" sz="1800" dirty="0" err="1">
+                <a:solidFill>
+                  <a:schemeClr val="bg1"/>
+                </a:solidFill>
+                <a:effectLst/>
+                <a:latin typeface="Lucida Console" panose="020B0609040504020204" pitchFamily="49" charset="0"/>
+              </a:rPr>
+              <a:t>Lepsius</a:t>
+            </a:r>
+            <a:r>
+              <a:rPr lang="sk-SK" sz="1800" dirty="0">
+                <a:solidFill>
+                  <a:schemeClr val="bg1"/>
+                </a:solidFill>
+                <a:effectLst/>
+                <a:latin typeface="Lucida Console" panose="020B0609040504020204" pitchFamily="49" charset="0"/>
+              </a:rPr>
+              <a:t> XXXII) je </a:t>
+            </a:r>
+            <a:r>
+              <a:rPr lang="sk-SK" sz="1800" strike="noStrike" dirty="0">
+                <a:solidFill>
+                  <a:schemeClr val="bg1"/>
+                </a:solidFill>
+                <a:effectLst/>
+                <a:latin typeface="Lucida Console" panose="020B0609040504020204" pitchFamily="49" charset="0"/>
+              </a:rPr>
+              <a:t>staroegyptská</a:t>
+            </a:r>
+            <a:r>
+              <a:rPr lang="sk-SK" sz="1800" dirty="0">
+                <a:solidFill>
+                  <a:schemeClr val="bg1"/>
+                </a:solidFill>
+                <a:effectLst/>
+                <a:latin typeface="Lucida Console" panose="020B0609040504020204" pitchFamily="49" charset="0"/>
+              </a:rPr>
+              <a:t> pamiatka, súbor objektov starovekej pohrebnej a</a:t>
+            </a:r>
+          </a:p>
+        </p:txBody>
+      </p:sp>
+      <p:sp>
+        <p:nvSpPr>
+          <p:cNvPr id="6" name="BlokTextu 5">
+            <a:extLst>
+              <a:ext uri="{FF2B5EF4-FFF2-40B4-BE49-F238E27FC236}">
+                <a16:creationId xmlns:a16="http://schemas.microsoft.com/office/drawing/2014/main" id="{7BA26F74-A0F2-7AB5-9C0F-BE2EE46110B4}"/>
               </a:ext>
             </a:extLst>
           </p:cNvPr>
@@ -12173,9 +15373,9 @@
           <p:nvPr/>
         </p:nvSpPr>
         <p:spPr>
-          <a:xfrm>
-            <a:off x="3240312" y="515451"/>
-            <a:ext cx="1732239" cy="707886"/>
+          <a:xfrm rot="16200000">
+            <a:off x="-835323" y="3320821"/>
+            <a:ext cx="3033788" cy="369332"/>
           </a:xfrm>
           <a:prstGeom prst="rect">
             <a:avLst/>
@@ -12189,31 +15389,185 @@
           <a:lstStyle/>
           <a:p>
             <a:r>
-              <a:rPr lang="sk-SK" sz="4000" dirty="0">
-                <a:latin typeface="Lucida Console" panose="020B0609040504020204" pitchFamily="49" charset="0"/>
-              </a:rPr>
-              <a:t>PRÁCE</a:t>
-            </a:r>
-          </a:p>
-        </p:txBody>
-      </p:sp>
+              <a:rPr lang="sk-SK" sz="1800" dirty="0">
+                <a:solidFill>
+                  <a:schemeClr val="bg1"/>
+                </a:solidFill>
+                <a:effectLst/>
+                <a:latin typeface="Lucida Console" panose="020B0609040504020204" pitchFamily="49" charset="0"/>
+              </a:rPr>
+              <a:t>Praktický list</a:t>
+            </a:r>
+            <a:endParaRPr lang="sk-SK" dirty="0"/>
+          </a:p>
+        </p:txBody>
+      </p:sp>
+      <p:sp>
+        <p:nvSpPr>
+          <p:cNvPr id="2" name="BlokTextu 1">
+            <a:extLst>
+              <a:ext uri="{FF2B5EF4-FFF2-40B4-BE49-F238E27FC236}">
+                <a16:creationId xmlns:a16="http://schemas.microsoft.com/office/drawing/2014/main" id="{285A0554-B2AC-E846-6DB1-2D25ED6FD4DE}"/>
+              </a:ext>
+            </a:extLst>
+          </p:cNvPr>
+          <p:cNvSpPr txBox="1"/>
+          <p:nvPr/>
+        </p:nvSpPr>
+        <p:spPr>
+          <a:xfrm rot="5400000">
+            <a:off x="9871906" y="1869865"/>
+            <a:ext cx="2291738" cy="369332"/>
+          </a:xfrm>
+          <a:prstGeom prst="rect">
+            <a:avLst/>
+          </a:prstGeom>
+          <a:noFill/>
+        </p:spPr>
+        <p:txBody>
+          <a:bodyPr wrap="square" rtlCol="0">
+            <a:spAutoFit/>
+          </a:bodyPr>
+          <a:lstStyle/>
+          <a:p>
+            <a:r>
+              <a:rPr lang="sk-SK" sz="1800" dirty="0">
+                <a:solidFill>
+                  <a:schemeClr val="bg1"/>
+                </a:solidFill>
+                <a:effectLst/>
+                <a:latin typeface="Lucida Console" panose="020B0609040504020204" pitchFamily="49" charset="0"/>
+              </a:rPr>
+              <a:t>Teoretický list</a:t>
+            </a:r>
+            <a:endParaRPr lang="sk-SK" dirty="0"/>
+          </a:p>
+        </p:txBody>
+      </p:sp>
+      <p:pic>
+        <p:nvPicPr>
+          <p:cNvPr id="10" name="Graphic 7">
+            <a:extLst>
+              <a:ext uri="{FF2B5EF4-FFF2-40B4-BE49-F238E27FC236}">
+                <a16:creationId xmlns:a16="http://schemas.microsoft.com/office/drawing/2014/main" id="{868BE020-CB17-DF72-BF7F-E2050D0F3317}"/>
+              </a:ext>
+            </a:extLst>
+          </p:cNvPr>
+          <p:cNvPicPr>
+            <a:picLocks noChangeAspect="1"/>
+          </p:cNvPicPr>
+          <p:nvPr/>
+        </p:nvPicPr>
+        <p:blipFill>
+          <a:blip r:embed="rId3" cstate="email">
+            <a:extLst>
+              <a:ext uri="{28A0092B-C50C-407E-A947-70E740481C1C}">
+                <a14:useLocalDpi xmlns:a14="http://schemas.microsoft.com/office/drawing/2010/main"/>
+              </a:ext>
+              <a:ext uri="{96DAC541-7B7A-43D3-8B79-37D633B846F1}">
+                <asvg:svgBlip xmlns:asvg="http://schemas.microsoft.com/office/drawing/2016/SVG/main" r:embed="rId4"/>
+              </a:ext>
+            </a:extLst>
+          </a:blip>
+          <a:stretch>
+            <a:fillRect/>
+          </a:stretch>
+        </p:blipFill>
+        <p:spPr>
+          <a:xfrm rot="9271734">
+            <a:off x="3841861" y="2746416"/>
+            <a:ext cx="4080257" cy="148725"/>
+          </a:xfrm>
+          <a:prstGeom prst="rect">
+            <a:avLst/>
+          </a:prstGeom>
+        </p:spPr>
+      </p:pic>
+      <p:pic>
+        <p:nvPicPr>
+          <p:cNvPr id="9" name="Obrázok 8">
+            <a:extLst>
+              <a:ext uri="{FF2B5EF4-FFF2-40B4-BE49-F238E27FC236}">
+                <a16:creationId xmlns:a16="http://schemas.microsoft.com/office/drawing/2014/main" id="{A882545B-4E89-D28D-7D71-98994BB8A769}"/>
+              </a:ext>
+            </a:extLst>
+          </p:cNvPr>
+          <p:cNvPicPr>
+            <a:picLocks noChangeAspect="1"/>
+          </p:cNvPicPr>
+          <p:nvPr/>
+        </p:nvPicPr>
+        <p:blipFill rotWithShape="1">
+          <a:blip r:embed="rId5"/>
+          <a:srcRect l="7074" t="4295" r="7508" b="20395"/>
+          <a:stretch/>
+        </p:blipFill>
+        <p:spPr>
+          <a:xfrm>
+            <a:off x="938590" y="2729600"/>
+            <a:ext cx="3035300" cy="3797300"/>
+          </a:xfrm>
+          <a:prstGeom prst="rect">
+            <a:avLst/>
+          </a:prstGeom>
+          <a:ln>
+            <a:solidFill>
+              <a:schemeClr val="tx1"/>
+            </a:solidFill>
+          </a:ln>
+        </p:spPr>
+      </p:pic>
+      <p:pic>
+        <p:nvPicPr>
+          <p:cNvPr id="14" name="Obrázok 13">
+            <a:extLst>
+              <a:ext uri="{FF2B5EF4-FFF2-40B4-BE49-F238E27FC236}">
+                <a16:creationId xmlns:a16="http://schemas.microsoft.com/office/drawing/2014/main" id="{D93AF50A-B5E4-82B6-C259-A9B5CF434B6D}"/>
+              </a:ext>
+            </a:extLst>
+          </p:cNvPr>
+          <p:cNvPicPr>
+            <a:picLocks noChangeAspect="1"/>
+          </p:cNvPicPr>
+          <p:nvPr/>
+        </p:nvPicPr>
+        <p:blipFill rotWithShape="1">
+          <a:blip r:embed="rId6"/>
+          <a:srcRect l="7301" t="5413" r="8869" b="14188"/>
+          <a:stretch/>
+        </p:blipFill>
+        <p:spPr>
+          <a:xfrm>
+            <a:off x="7768469" y="580343"/>
+            <a:ext cx="3035300" cy="4128401"/>
+          </a:xfrm>
+          <a:prstGeom prst="rect">
+            <a:avLst/>
+          </a:prstGeom>
+          <a:ln>
+            <a:solidFill>
+              <a:schemeClr val="tx1"/>
+            </a:solidFill>
+          </a:ln>
+        </p:spPr>
+      </p:pic>
     </p:spTree>
     <p:extLst>
       <p:ext uri="{BB962C8B-B14F-4D97-AF65-F5344CB8AC3E}">
-        <p14:creationId xmlns:p14="http://schemas.microsoft.com/office/powerpoint/2010/main" val="4193024310"/>
+        <p14:creationId xmlns:p14="http://schemas.microsoft.com/office/powerpoint/2010/main" val="1218821964"/>
       </p:ext>
     </p:extLst>
   </p:cSld>
   <p:clrMapOvr>
     <a:masterClrMapping/>
   </p:clrMapOvr>
-  <mc:AlternateContent xmlns:mc="http://schemas.openxmlformats.org/markup-compatibility/2006" xmlns:p159="http://schemas.microsoft.com/office/powerpoint/2015/09/main">
-    <mc:Choice Requires="p159">
+  <mc:AlternateContent xmlns:mc="http://schemas.openxmlformats.org/markup-compatibility/2006">
+    <mc:Choice xmlns:p159="http://schemas.microsoft.com/office/powerpoint/2015/09/main" Requires="p159">
       <p:transition xmlns:p14="http://schemas.microsoft.com/office/powerpoint/2010/main" spd="slow" p14:dur="2000">
         <p159:morph option="byObject"/>
       </p:transition>
     </mc:Choice>
-    <mc:Fallback xmlns="">
+    <mc:Fallback>
       <p:transition spd="slow">
         <p:fade/>
       </p:transition>

--- a/prezentácia-finálna-v2.pptx
+++ b/prezentácia-finálna-v2.pptx
@@ -5,7 +5,7 @@
     <p:sldMasterId id="2147483648" r:id="rId1"/>
   </p:sldMasterIdLst>
   <p:notesMasterIdLst>
-    <p:notesMasterId r:id="rId18"/>
+    <p:notesMasterId r:id="rId14"/>
   </p:notesMasterIdLst>
   <p:sldIdLst>
     <p:sldId id="274" r:id="rId2"/>
@@ -13,17 +13,13 @@
     <p:sldId id="291" r:id="rId4"/>
     <p:sldId id="303" r:id="rId5"/>
     <p:sldId id="302" r:id="rId6"/>
-    <p:sldId id="261" r:id="rId7"/>
-    <p:sldId id="301" r:id="rId8"/>
-    <p:sldId id="297" r:id="rId9"/>
-    <p:sldId id="304" r:id="rId10"/>
-    <p:sldId id="299" r:id="rId11"/>
-    <p:sldId id="260" r:id="rId12"/>
-    <p:sldId id="295" r:id="rId13"/>
-    <p:sldId id="258" r:id="rId14"/>
-    <p:sldId id="289" r:id="rId15"/>
-    <p:sldId id="257" r:id="rId16"/>
-    <p:sldId id="294" r:id="rId17"/>
+    <p:sldId id="301" r:id="rId7"/>
+    <p:sldId id="297" r:id="rId8"/>
+    <p:sldId id="304" r:id="rId9"/>
+    <p:sldId id="299" r:id="rId10"/>
+    <p:sldId id="295" r:id="rId11"/>
+    <p:sldId id="289" r:id="rId12"/>
+    <p:sldId id="294" r:id="rId13"/>
   </p:sldIdLst>
   <p:sldSz cx="12192000" cy="6858000"/>
   <p:notesSz cx="6858000" cy="9144000"/>
@@ -147,7 +143,6 @@
         <p14:section name="Obsah práce" id="{BC4FAE69-DF12-4CF8-A456-BF88A0D803D5}">
           <p14:sldIdLst>
             <p14:sldId id="302"/>
-            <p14:sldId id="261"/>
           </p14:sldIdLst>
         </p14:section>
         <p14:section name="Pracovné listy" id="{FBF00EC0-BCE5-45B6-BD5E-8A03F42ECA61}">
@@ -156,19 +151,16 @@
             <p14:sldId id="297"/>
             <p14:sldId id="304"/>
             <p14:sldId id="299"/>
-            <p14:sldId id="260"/>
           </p14:sldIdLst>
         </p14:section>
         <p14:section name="Spätná väzba" id="{8BED1259-0B7D-41C4-A2E0-C22E26144656}">
           <p14:sldIdLst>
             <p14:sldId id="295"/>
-            <p14:sldId id="258"/>
           </p14:sldIdLst>
         </p14:section>
         <p14:section name="Záver" id="{1BD432AD-8329-4705-AD44-67FEBF93D7DF}">
           <p14:sldIdLst>
             <p14:sldId id="289"/>
-            <p14:sldId id="257"/>
           </p14:sldIdLst>
         </p14:section>
         <p14:section name="Poďakovanie" id="{ABE1EC63-2E72-4073-AD7B-2C8F0D8676FD}">
@@ -270,7 +262,7 @@
           <a:p>
             <a:fld id="{C88AA305-93E8-483D-AA91-3BB1CFB17019}" type="datetimeFigureOut">
               <a:rPr lang="sk-SK" smtClean="0"/>
-              <a:t>4. 2. 2023</a:t>
+              <a:t>5. 2. 2023</a:t>
             </a:fld>
             <a:endParaRPr lang="sk-SK"/>
           </a:p>
@@ -688,7 +680,7 @@
             <a:pPr rtl="0"/>
             <a:fld id="{BC849E9A-41F7-4779-A581-48A7C374A227}" type="slidenum">
               <a:rPr lang="sk-SK" smtClean="0"/>
-              <a:t>12</a:t>
+              <a:t>10</a:t>
             </a:fld>
             <a:endParaRPr lang="sk-SK"/>
           </a:p>
@@ -773,7 +765,7 @@
             <a:pPr rtl="0"/>
             <a:fld id="{BC849E9A-41F7-4779-A581-48A7C374A227}" type="slidenum">
               <a:rPr lang="sk-SK" smtClean="0"/>
-              <a:t>14</a:t>
+              <a:t>11</a:t>
             </a:fld>
             <a:endParaRPr lang="sk-SK"/>
           </a:p>
@@ -858,7 +850,7 @@
             <a:pPr rtl="0"/>
             <a:fld id="{BC849E9A-41F7-4779-A581-48A7C374A227}" type="slidenum">
               <a:rPr lang="sk-SK" smtClean="0"/>
-              <a:t>16</a:t>
+              <a:t>12</a:t>
             </a:fld>
             <a:endParaRPr lang="sk-SK"/>
           </a:p>
@@ -1283,7 +1275,7 @@
             <a:pPr rtl="0"/>
             <a:fld id="{BC849E9A-41F7-4779-A581-48A7C374A227}" type="slidenum">
               <a:rPr lang="sk-SK" smtClean="0"/>
-              <a:t>7</a:t>
+              <a:t>6</a:t>
             </a:fld>
             <a:endParaRPr lang="sk-SK"/>
           </a:p>
@@ -1368,7 +1360,7 @@
             <a:pPr rtl="0"/>
             <a:fld id="{BC849E9A-41F7-4779-A581-48A7C374A227}" type="slidenum">
               <a:rPr lang="sk-SK" smtClean="0"/>
-              <a:t>8</a:t>
+              <a:t>7</a:t>
             </a:fld>
             <a:endParaRPr lang="sk-SK"/>
           </a:p>
@@ -1453,7 +1445,7 @@
             <a:pPr rtl="0"/>
             <a:fld id="{BC849E9A-41F7-4779-A581-48A7C374A227}" type="slidenum">
               <a:rPr lang="sk-SK" smtClean="0"/>
-              <a:t>9</a:t>
+              <a:t>8</a:t>
             </a:fld>
             <a:endParaRPr lang="sk-SK"/>
           </a:p>
@@ -1538,7 +1530,7 @@
             <a:pPr rtl="0"/>
             <a:fld id="{BC849E9A-41F7-4779-A581-48A7C374A227}" type="slidenum">
               <a:rPr lang="sk-SK" smtClean="0"/>
-              <a:t>10</a:t>
+              <a:t>9</a:t>
             </a:fld>
             <a:endParaRPr lang="sk-SK"/>
           </a:p>
@@ -1704,7 +1696,7 @@
           <a:p>
             <a:fld id="{0DE0741B-E58B-4A9A-A707-9C4095F9C37B}" type="datetimeFigureOut">
               <a:rPr lang="sk-SK" smtClean="0"/>
-              <a:t>4. 2. 2023</a:t>
+              <a:t>5. 2. 2023</a:t>
             </a:fld>
             <a:endParaRPr lang="sk-SK"/>
           </a:p>
@@ -1902,7 +1894,7 @@
           <a:p>
             <a:fld id="{0DE0741B-E58B-4A9A-A707-9C4095F9C37B}" type="datetimeFigureOut">
               <a:rPr lang="sk-SK" smtClean="0"/>
-              <a:t>4. 2. 2023</a:t>
+              <a:t>5. 2. 2023</a:t>
             </a:fld>
             <a:endParaRPr lang="sk-SK"/>
           </a:p>
@@ -2110,7 +2102,7 @@
           <a:p>
             <a:fld id="{0DE0741B-E58B-4A9A-A707-9C4095F9C37B}" type="datetimeFigureOut">
               <a:rPr lang="sk-SK" smtClean="0"/>
-              <a:t>4. 2. 2023</a:t>
+              <a:t>5. 2. 2023</a:t>
             </a:fld>
             <a:endParaRPr lang="sk-SK"/>
           </a:p>
@@ -2308,7 +2300,7 @@
           <a:p>
             <a:fld id="{0DE0741B-E58B-4A9A-A707-9C4095F9C37B}" type="datetimeFigureOut">
               <a:rPr lang="sk-SK" smtClean="0"/>
-              <a:t>4. 2. 2023</a:t>
+              <a:t>5. 2. 2023</a:t>
             </a:fld>
             <a:endParaRPr lang="sk-SK"/>
           </a:p>
@@ -2583,7 +2575,7 @@
           <a:p>
             <a:fld id="{0DE0741B-E58B-4A9A-A707-9C4095F9C37B}" type="datetimeFigureOut">
               <a:rPr lang="sk-SK" smtClean="0"/>
-              <a:t>4. 2. 2023</a:t>
+              <a:t>5. 2. 2023</a:t>
             </a:fld>
             <a:endParaRPr lang="sk-SK"/>
           </a:p>
@@ -2848,7 +2840,7 @@
           <a:p>
             <a:fld id="{0DE0741B-E58B-4A9A-A707-9C4095F9C37B}" type="datetimeFigureOut">
               <a:rPr lang="sk-SK" smtClean="0"/>
-              <a:t>4. 2. 2023</a:t>
+              <a:t>5. 2. 2023</a:t>
             </a:fld>
             <a:endParaRPr lang="sk-SK"/>
           </a:p>
@@ -3260,7 +3252,7 @@
           <a:p>
             <a:fld id="{0DE0741B-E58B-4A9A-A707-9C4095F9C37B}" type="datetimeFigureOut">
               <a:rPr lang="sk-SK" smtClean="0"/>
-              <a:t>4. 2. 2023</a:t>
+              <a:t>5. 2. 2023</a:t>
             </a:fld>
             <a:endParaRPr lang="sk-SK"/>
           </a:p>
@@ -3401,7 +3393,7 @@
           <a:p>
             <a:fld id="{0DE0741B-E58B-4A9A-A707-9C4095F9C37B}" type="datetimeFigureOut">
               <a:rPr lang="sk-SK" smtClean="0"/>
-              <a:t>4. 2. 2023</a:t>
+              <a:t>5. 2. 2023</a:t>
             </a:fld>
             <a:endParaRPr lang="sk-SK"/>
           </a:p>
@@ -3514,7 +3506,7 @@
           <a:p>
             <a:fld id="{0DE0741B-E58B-4A9A-A707-9C4095F9C37B}" type="datetimeFigureOut">
               <a:rPr lang="sk-SK" smtClean="0"/>
-              <a:t>4. 2. 2023</a:t>
+              <a:t>5. 2. 2023</a:t>
             </a:fld>
             <a:endParaRPr lang="sk-SK"/>
           </a:p>
@@ -3825,7 +3817,7 @@
           <a:p>
             <a:fld id="{0DE0741B-E58B-4A9A-A707-9C4095F9C37B}" type="datetimeFigureOut">
               <a:rPr lang="sk-SK" smtClean="0"/>
-              <a:t>4. 2. 2023</a:t>
+              <a:t>5. 2. 2023</a:t>
             </a:fld>
             <a:endParaRPr lang="sk-SK"/>
           </a:p>
@@ -4113,7 +4105,7 @@
           <a:p>
             <a:fld id="{0DE0741B-E58B-4A9A-A707-9C4095F9C37B}" type="datetimeFigureOut">
               <a:rPr lang="sk-SK" smtClean="0"/>
-              <a:t>4. 2. 2023</a:t>
+              <a:t>5. 2. 2023</a:t>
             </a:fld>
             <a:endParaRPr lang="sk-SK"/>
           </a:p>
@@ -4354,7 +4346,7 @@
           <a:p>
             <a:fld id="{0DE0741B-E58B-4A9A-A707-9C4095F9C37B}" type="datetimeFigureOut">
               <a:rPr lang="sk-SK" smtClean="0"/>
-              <a:t>4. 2. 2023</a:t>
+              <a:t>5. 2. 2023</a:t>
             </a:fld>
             <a:endParaRPr lang="sk-SK"/>
           </a:p>
@@ -4975,7 +4967,7 @@
           <a:lstStyle/>
           <a:p>
             <a:pPr algn="ctr"/>
-            <a:endParaRPr lang="sk-SK"/>
+            <a:endParaRPr lang="sk-SK" dirty="0"/>
           </a:p>
         </p:txBody>
       </p:sp>
@@ -5082,7 +5074,7 @@
           <a:lstStyle/>
           <a:p>
             <a:pPr algn="ctr"/>
-            <a:endParaRPr lang="sk-SK"/>
+            <a:endParaRPr lang="sk-SK" dirty="0"/>
           </a:p>
         </p:txBody>
       </p:sp>
@@ -5759,8 +5751,8 @@
         </p:nvSpPr>
         <p:spPr>
           <a:xfrm>
-            <a:off x="1335621" y="1033358"/>
-            <a:ext cx="10096798" cy="506077"/>
+            <a:off x="706971" y="728558"/>
+            <a:ext cx="7537894" cy="506077"/>
           </a:xfrm>
           <a:prstGeom prst="rect">
             <a:avLst/>
@@ -5790,7 +5782,7 @@
             </a:lvl1pPr>
           </a:lstStyle>
           <a:p>
-            <a:pPr algn="r"/>
+            <a:pPr algn="l"/>
             <a:r>
               <a:rPr lang="sk-SK" sz="6600" dirty="0">
                 <a:solidFill>
@@ -5799,43 +5791,120 @@
                 <a:latin typeface="Lucida Console" panose="020B0609040504020204" pitchFamily="49" charset="0"/>
                 <a:cs typeface="Segoe UI" panose="020B0502040204020203" pitchFamily="34" charset="0"/>
               </a:rPr>
-              <a:t>TEORETICKÉ</a:t>
-            </a:r>
-          </a:p>
-          <a:p>
-            <a:pPr algn="r"/>
-            <a:r>
-              <a:rPr lang="sk-SK" sz="6600" dirty="0">
-                <a:solidFill>
-                  <a:schemeClr val="bg1"/>
-                </a:solidFill>
-                <a:latin typeface="Lucida Console" panose="020B0609040504020204" pitchFamily="49" charset="0"/>
-                <a:cs typeface="Segoe UI" panose="020B0502040204020203" pitchFamily="34" charset="0"/>
-              </a:rPr>
-              <a:t>			PRACOVNÉ  	 	</a:t>
-            </a:r>
-          </a:p>
-          <a:p>
-            <a:pPr algn="r"/>
-            <a:r>
-              <a:rPr lang="sk-SK" sz="6600" dirty="0">
-                <a:solidFill>
-                  <a:schemeClr val="bg1"/>
-                </a:solidFill>
-                <a:latin typeface="Lucida Console" panose="020B0609040504020204" pitchFamily="49" charset="0"/>
-                <a:cs typeface="Segoe UI" panose="020B0502040204020203" pitchFamily="34" charset="0"/>
-              </a:rPr>
-              <a:t>LISTY					  </a:t>
-            </a:r>
-          </a:p>
-        </p:txBody>
-      </p:sp>
-      <p:sp>
-        <p:nvSpPr>
-          <p:cNvPr id="11" name="Nadpis 1">
-            <a:extLst>
-              <a:ext uri="{FF2B5EF4-FFF2-40B4-BE49-F238E27FC236}">
-                <a16:creationId xmlns:a16="http://schemas.microsoft.com/office/drawing/2014/main" id="{0D416FD4-5952-4C85-47BE-67B5FFB3650C}"/>
+              <a:t>SPÄTNÁ VÄZBA</a:t>
+            </a:r>
+          </a:p>
+        </p:txBody>
+      </p:sp>
+      <p:sp>
+        <p:nvSpPr>
+          <p:cNvPr id="3" name="Obdĺžnik 2">
+            <a:extLst>
+              <a:ext uri="{FF2B5EF4-FFF2-40B4-BE49-F238E27FC236}">
+                <a16:creationId xmlns:a16="http://schemas.microsoft.com/office/drawing/2014/main" id="{9B90B492-1089-E563-F867-BD916C7A9F10}"/>
+              </a:ext>
+            </a:extLst>
+          </p:cNvPr>
+          <p:cNvSpPr/>
+          <p:nvPr/>
+        </p:nvSpPr>
+        <p:spPr>
+          <a:xfrm rot="16200000">
+            <a:off x="6994112" y="2376149"/>
+            <a:ext cx="9220123" cy="2105702"/>
+          </a:xfrm>
+          <a:prstGeom prst="rect">
+            <a:avLst/>
+          </a:prstGeom>
+          <a:gradFill>
+            <a:gsLst>
+              <a:gs pos="35000">
+                <a:srgbClr val="CCFF99">
+                  <a:lumMod val="96000"/>
+                </a:srgbClr>
+              </a:gs>
+              <a:gs pos="66000">
+                <a:schemeClr val="accent1"/>
+              </a:gs>
+            </a:gsLst>
+            <a:path path="circle">
+              <a:fillToRect l="100000" b="100000"/>
+            </a:path>
+          </a:gradFill>
+          <a:ln>
+            <a:noFill/>
+          </a:ln>
+        </p:spPr>
+        <p:style>
+          <a:lnRef idx="2">
+            <a:schemeClr val="accent1">
+              <a:shade val="50000"/>
+            </a:schemeClr>
+          </a:lnRef>
+          <a:fillRef idx="1">
+            <a:schemeClr val="accent1"/>
+          </a:fillRef>
+          <a:effectRef idx="0">
+            <a:schemeClr val="accent1"/>
+          </a:effectRef>
+          <a:fontRef idx="minor">
+            <a:schemeClr val="lt1"/>
+          </a:fontRef>
+        </p:style>
+        <p:txBody>
+          <a:bodyPr rtlCol="0" anchor="ctr"/>
+          <a:lstStyle/>
+          <a:p>
+            <a:pPr algn="ctr"/>
+            <a:endParaRPr lang="sk-SK"/>
+          </a:p>
+        </p:txBody>
+      </p:sp>
+      <p:pic>
+        <p:nvPicPr>
+          <p:cNvPr id="16" name="Graphic 7">
+            <a:extLst>
+              <a:ext uri="{FF2B5EF4-FFF2-40B4-BE49-F238E27FC236}">
+                <a16:creationId xmlns:a16="http://schemas.microsoft.com/office/drawing/2014/main" id="{1CEA1227-056B-947D-5534-D541F18D68DB}"/>
+              </a:ext>
+            </a:extLst>
+          </p:cNvPr>
+          <p:cNvPicPr>
+            <a:picLocks noChangeAspect="1"/>
+          </p:cNvPicPr>
+          <p:nvPr/>
+        </p:nvPicPr>
+        <p:blipFill>
+          <a:blip r:embed="rId3" cstate="email">
+            <a:extLst>
+              <a:ext uri="{28A0092B-C50C-407E-A947-70E740481C1C}">
+                <a14:useLocalDpi xmlns:a14="http://schemas.microsoft.com/office/drawing/2010/main"/>
+              </a:ext>
+              <a:ext uri="{96DAC541-7B7A-43D3-8B79-37D633B846F1}">
+                <asvg:svgBlip xmlns:asvg="http://schemas.microsoft.com/office/drawing/2016/SVG/main" r:embed="rId4"/>
+              </a:ext>
+            </a:extLst>
+          </a:blip>
+          <a:stretch>
+            <a:fillRect/>
+          </a:stretch>
+        </p:blipFill>
+        <p:spPr>
+          <a:xfrm rot="5400000" flipV="1">
+            <a:off x="7064697" y="3299698"/>
+            <a:ext cx="6572253" cy="239558"/>
+          </a:xfrm>
+          <a:prstGeom prst="rect">
+            <a:avLst/>
+          </a:prstGeom>
+        </p:spPr>
+      </p:pic>
+      <p:sp>
+        <p:nvSpPr>
+          <p:cNvPr id="12" name="Nadpis 1">
+            <a:extLst>
+              <a:ext uri="{FF2B5EF4-FFF2-40B4-BE49-F238E27FC236}">
+                <a16:creationId xmlns:a16="http://schemas.microsoft.com/office/drawing/2014/main" id="{373E9CF8-810A-B420-CAB9-95D61B53A7EB}"/>
               </a:ext>
             </a:extLst>
           </p:cNvPr>
@@ -5846,8 +5915,8 @@
         </p:nvSpPr>
         <p:spPr>
           <a:xfrm>
-            <a:off x="5682326" y="4261137"/>
-            <a:ext cx="5891288" cy="2070530"/>
+            <a:off x="490462" y="2160061"/>
+            <a:ext cx="9275557" cy="3750844"/>
           </a:xfrm>
           <a:prstGeom prst="rect">
             <a:avLst/>
@@ -5877,7 +5946,45 @@
             </a:lvl1pPr>
           </a:lstStyle>
           <a:p>
-            <a:pPr algn="r"/>
+            <a:pPr algn="l"/>
+            <a:r>
+              <a:rPr lang="sk-SK" sz="2400" dirty="0">
+                <a:solidFill>
+                  <a:schemeClr val="bg1"/>
+                </a:solidFill>
+                <a:effectLst/>
+                <a:latin typeface="Lucida Console" panose="020B0609040504020204" pitchFamily="49" charset="0"/>
+              </a:rPr>
+              <a:t>Spätná väzba zahŕňa:</a:t>
+            </a:r>
+          </a:p>
+          <a:p>
+            <a:pPr algn="l"/>
+            <a:endParaRPr lang="sk-SK" sz="1800" dirty="0">
+              <a:solidFill>
+                <a:schemeClr val="bg1"/>
+              </a:solidFill>
+              <a:latin typeface="Lucida Console" panose="020B0609040504020204" pitchFamily="49" charset="0"/>
+            </a:endParaRPr>
+          </a:p>
+          <a:p>
+            <a:pPr algn="l"/>
+            <a:endParaRPr lang="sk-SK" sz="1800" dirty="0">
+              <a:solidFill>
+                <a:schemeClr val="bg1"/>
+              </a:solidFill>
+              <a:latin typeface="Lucida Console" panose="020B0609040504020204" pitchFamily="49" charset="0"/>
+            </a:endParaRPr>
+          </a:p>
+          <a:p>
+            <a:pPr algn="l">
+              <a:lnSpc>
+                <a:spcPct val="100000"/>
+              </a:lnSpc>
+              <a:spcBef>
+                <a:spcPts val="300"/>
+              </a:spcBef>
+            </a:pPr>
             <a:r>
               <a:rPr lang="sk-SK" sz="1800" dirty="0">
                 <a:solidFill>
@@ -5886,18 +5993,41 @@
                 <a:effectLst/>
                 <a:latin typeface="Lucida Console" panose="020B0609040504020204" pitchFamily="49" charset="0"/>
               </a:rPr>
-              <a:t>Stupňovitá pyramída v </a:t>
-            </a:r>
-            <a:r>
-              <a:rPr lang="sk-SK" sz="1800" dirty="0" err="1">
-                <a:solidFill>
-                  <a:schemeClr val="bg1"/>
-                </a:solidFill>
-                <a:effectLst/>
-                <a:latin typeface="Lucida Console" panose="020B0609040504020204" pitchFamily="49" charset="0"/>
-              </a:rPr>
-              <a:t>Sakkáre</a:t>
-            </a:r>
+              <a:t>   -kontrolu pracovných listov na našich spolužiakoch</a:t>
+            </a:r>
+            <a:endParaRPr lang="sk-SK" sz="1800" dirty="0">
+              <a:solidFill>
+                <a:schemeClr val="bg1"/>
+              </a:solidFill>
+              <a:latin typeface="Lucida Console" panose="020B0609040504020204" pitchFamily="49" charset="0"/>
+            </a:endParaRPr>
+          </a:p>
+          <a:p>
+            <a:pPr algn="l">
+              <a:lnSpc>
+                <a:spcPct val="100000"/>
+              </a:lnSpc>
+              <a:spcBef>
+                <a:spcPts val="300"/>
+              </a:spcBef>
+            </a:pPr>
+            <a:endParaRPr lang="sk-SK" sz="1800" dirty="0">
+              <a:solidFill>
+                <a:schemeClr val="bg1"/>
+              </a:solidFill>
+              <a:effectLst/>
+              <a:latin typeface="Lucida Console" panose="020B0609040504020204" pitchFamily="49" charset="0"/>
+            </a:endParaRPr>
+          </a:p>
+          <a:p>
+            <a:pPr algn="l">
+              <a:lnSpc>
+                <a:spcPct val="100000"/>
+              </a:lnSpc>
+              <a:spcBef>
+                <a:spcPts val="300"/>
+              </a:spcBef>
+            </a:pPr>
             <a:r>
               <a:rPr lang="sk-SK" sz="1800" dirty="0">
                 <a:solidFill>
@@ -5906,18 +6036,70 @@
                 <a:effectLst/>
                 <a:latin typeface="Lucida Console" panose="020B0609040504020204" pitchFamily="49" charset="0"/>
               </a:rPr>
-              <a:t> (iné názvy: </a:t>
-            </a:r>
-            <a:r>
-              <a:rPr lang="sk-SK" sz="1800" dirty="0" err="1">
+              <a:t>   -vyplnenie dotazníka spolužiakmi</a:t>
+            </a:r>
+          </a:p>
+          <a:p>
+            <a:pPr algn="l">
+              <a:lnSpc>
+                <a:spcPct val="100000"/>
+              </a:lnSpc>
+              <a:spcBef>
+                <a:spcPts val="300"/>
+              </a:spcBef>
+            </a:pPr>
+            <a:endParaRPr lang="sk-SK" sz="1800" dirty="0">
+              <a:solidFill>
+                <a:schemeClr val="bg1"/>
+              </a:solidFill>
+              <a:latin typeface="Lucida Console" panose="020B0609040504020204" pitchFamily="49" charset="0"/>
+            </a:endParaRPr>
+          </a:p>
+          <a:p>
+            <a:pPr algn="l">
+              <a:lnSpc>
+                <a:spcPct val="100000"/>
+              </a:lnSpc>
+              <a:spcBef>
+                <a:spcPts val="300"/>
+              </a:spcBef>
+            </a:pPr>
+            <a:r>
+              <a:rPr lang="sk-SK" sz="1800" dirty="0">
                 <a:solidFill>
                   <a:schemeClr val="bg1"/>
                 </a:solidFill>
-                <a:effectLst/>
                 <a:latin typeface="Lucida Console" panose="020B0609040504020204" pitchFamily="49" charset="0"/>
               </a:rPr>
-              <a:t>Džoserova</a:t>
-            </a:r>
+              <a:t>   -vyhodnotenie pripomienok spolužiakov</a:t>
+            </a:r>
+          </a:p>
+          <a:p>
+            <a:pPr algn="l">
+              <a:lnSpc>
+                <a:spcPct val="100000"/>
+              </a:lnSpc>
+              <a:spcBef>
+                <a:spcPts val="300"/>
+              </a:spcBef>
+            </a:pPr>
+            <a:endParaRPr lang="sk-SK" sz="1800" dirty="0">
+              <a:solidFill>
+                <a:schemeClr val="bg1"/>
+              </a:solidFill>
+              <a:effectLst/>
+              <a:latin typeface="Lucida Console" panose="020B0609040504020204" pitchFamily="49" charset="0"/>
+            </a:endParaRPr>
+          </a:p>
+          <a:p>
+            <a:pPr algn="l">
+              <a:lnSpc>
+                <a:spcPct val="100000"/>
+              </a:lnSpc>
+              <a:spcBef>
+                <a:spcPts val="300"/>
+              </a:spcBef>
+            </a:pPr>
             <a:r>
               <a:rPr lang="sk-SK" sz="1800" dirty="0">
                 <a:solidFill>
@@ -5926,203 +6108,28 @@
                 <a:effectLst/>
                 <a:latin typeface="Lucida Console" panose="020B0609040504020204" pitchFamily="49" charset="0"/>
               </a:rPr>
-              <a:t> pyramída, </a:t>
-            </a:r>
-            <a:r>
-              <a:rPr lang="sk-SK" sz="1800" dirty="0" err="1">
-                <a:solidFill>
-                  <a:schemeClr val="bg1"/>
-                </a:solidFill>
-                <a:effectLst/>
-                <a:latin typeface="Lucida Console" panose="020B0609040504020204" pitchFamily="49" charset="0"/>
-              </a:rPr>
-              <a:t>Necerichetova</a:t>
-            </a:r>
-            <a:r>
-              <a:rPr lang="sk-SK" sz="1800" dirty="0">
-                <a:solidFill>
-                  <a:schemeClr val="bg1"/>
-                </a:solidFill>
-                <a:effectLst/>
-                <a:latin typeface="Lucida Console" panose="020B0609040504020204" pitchFamily="49" charset="0"/>
-              </a:rPr>
-              <a:t> pyramída, Pyramída </a:t>
-            </a:r>
-            <a:r>
-              <a:rPr lang="sk-SK" sz="1800" dirty="0" err="1">
-                <a:solidFill>
-                  <a:schemeClr val="bg1"/>
-                </a:solidFill>
-                <a:effectLst/>
-                <a:latin typeface="Lucida Console" panose="020B0609040504020204" pitchFamily="49" charset="0"/>
-              </a:rPr>
-              <a:t>Lepsius</a:t>
-            </a:r>
-            <a:r>
-              <a:rPr lang="sk-SK" sz="1800" dirty="0">
-                <a:solidFill>
-                  <a:schemeClr val="bg1"/>
-                </a:solidFill>
-                <a:effectLst/>
-                <a:latin typeface="Lucida Console" panose="020B0609040504020204" pitchFamily="49" charset="0"/>
-              </a:rPr>
-              <a:t> XXXII) je </a:t>
-            </a:r>
-            <a:r>
-              <a:rPr lang="sk-SK" sz="1800" strike="noStrike" dirty="0">
-                <a:solidFill>
-                  <a:schemeClr val="bg1"/>
-                </a:solidFill>
-                <a:effectLst/>
-                <a:latin typeface="Lucida Console" panose="020B0609040504020204" pitchFamily="49" charset="0"/>
-              </a:rPr>
-              <a:t>staroegyptská</a:t>
-            </a:r>
-            <a:r>
-              <a:rPr lang="sk-SK" sz="1800" dirty="0">
-                <a:solidFill>
-                  <a:schemeClr val="bg1"/>
-                </a:solidFill>
-                <a:effectLst/>
-                <a:latin typeface="Lucida Console" panose="020B0609040504020204" pitchFamily="49" charset="0"/>
-              </a:rPr>
-              <a:t> pamiatka, súbor objektov starovekej pohrebnej a</a:t>
-            </a:r>
-          </a:p>
-        </p:txBody>
-      </p:sp>
-      <p:pic>
-        <p:nvPicPr>
-          <p:cNvPr id="3" name="Graphic 7">
-            <a:extLst>
-              <a:ext uri="{FF2B5EF4-FFF2-40B4-BE49-F238E27FC236}">
-                <a16:creationId xmlns:a16="http://schemas.microsoft.com/office/drawing/2014/main" id="{4B0E62A6-8B7A-7BE9-47A6-CBD705143B10}"/>
-              </a:ext>
-            </a:extLst>
-          </p:cNvPr>
-          <p:cNvPicPr>
-            <a:picLocks noChangeAspect="1"/>
-          </p:cNvPicPr>
-          <p:nvPr/>
-        </p:nvPicPr>
-        <p:blipFill>
-          <a:blip r:embed="rId3" cstate="email">
-            <a:extLst>
-              <a:ext uri="{28A0092B-C50C-407E-A947-70E740481C1C}">
-                <a14:useLocalDpi xmlns:a14="http://schemas.microsoft.com/office/drawing/2010/main"/>
-              </a:ext>
-              <a:ext uri="{96DAC541-7B7A-43D3-8B79-37D633B846F1}">
-                <asvg:svgBlip xmlns:asvg="http://schemas.microsoft.com/office/drawing/2016/SVG/main" r:embed="rId4"/>
-              </a:ext>
-            </a:extLst>
-          </a:blip>
-          <a:stretch>
-            <a:fillRect/>
-          </a:stretch>
-        </p:blipFill>
-        <p:spPr>
-          <a:xfrm rot="9275962">
-            <a:off x="6976439" y="2744195"/>
-            <a:ext cx="4880564" cy="177896"/>
-          </a:xfrm>
-          <a:prstGeom prst="rect">
-            <a:avLst/>
-          </a:prstGeom>
-        </p:spPr>
-      </p:pic>
-      <p:sp>
-        <p:nvSpPr>
-          <p:cNvPr id="6" name="BlokTextu 5">
-            <a:extLst>
-              <a:ext uri="{FF2B5EF4-FFF2-40B4-BE49-F238E27FC236}">
-                <a16:creationId xmlns:a16="http://schemas.microsoft.com/office/drawing/2014/main" id="{1526866C-7DF0-A287-164D-6EC660324283}"/>
-              </a:ext>
-            </a:extLst>
-          </p:cNvPr>
-          <p:cNvSpPr txBox="1"/>
-          <p:nvPr/>
-        </p:nvSpPr>
-        <p:spPr>
-          <a:xfrm rot="5400000">
-            <a:off x="3733405" y="5369470"/>
-            <a:ext cx="2291738" cy="369332"/>
-          </a:xfrm>
-          <a:prstGeom prst="rect">
-            <a:avLst/>
-          </a:prstGeom>
-          <a:noFill/>
-        </p:spPr>
-        <p:txBody>
-          <a:bodyPr wrap="square" rtlCol="0">
-            <a:spAutoFit/>
-          </a:bodyPr>
-          <a:lstStyle/>
-          <a:p>
-            <a:r>
-              <a:rPr lang="sk-SK" sz="1800" dirty="0">
-                <a:solidFill>
-                  <a:schemeClr val="bg1"/>
-                </a:solidFill>
-                <a:effectLst/>
-                <a:latin typeface="Lucida Console" panose="020B0609040504020204" pitchFamily="49" charset="0"/>
-              </a:rPr>
-              <a:t>Teoretický list</a:t>
-            </a:r>
-            <a:endParaRPr lang="sk-SK" dirty="0"/>
-          </a:p>
-        </p:txBody>
-      </p:sp>
-      <p:pic>
-        <p:nvPicPr>
-          <p:cNvPr id="7" name="Obrázok 6">
-            <a:extLst>
-              <a:ext uri="{FF2B5EF4-FFF2-40B4-BE49-F238E27FC236}">
-                <a16:creationId xmlns:a16="http://schemas.microsoft.com/office/drawing/2014/main" id="{682011CC-DBD7-91A9-A85A-837CA08A73AC}"/>
-              </a:ext>
-            </a:extLst>
-          </p:cNvPr>
-          <p:cNvPicPr>
-            <a:picLocks noChangeAspect="1"/>
-          </p:cNvPicPr>
-          <p:nvPr/>
-        </p:nvPicPr>
-        <p:blipFill rotWithShape="1">
-          <a:blip r:embed="rId5"/>
-          <a:srcRect l="-7" t="-200" r="393" b="-214"/>
-          <a:stretch/>
-        </p:blipFill>
-        <p:spPr>
-          <a:xfrm>
-            <a:off x="241706" y="255042"/>
-            <a:ext cx="4450026" cy="6361657"/>
-          </a:xfrm>
-          <a:prstGeom prst="rect">
-            <a:avLst/>
-          </a:prstGeom>
-          <a:ln>
-            <a:solidFill>
-              <a:schemeClr val="tx1"/>
-            </a:solidFill>
-          </a:ln>
-        </p:spPr>
-      </p:pic>
+              <a:t>   -úprava pracovných listov podľa výsledkov z dotazníka</a:t>
+            </a:r>
+          </a:p>
+        </p:txBody>
+      </p:sp>
     </p:spTree>
     <p:extLst>
       <p:ext uri="{BB962C8B-B14F-4D97-AF65-F5344CB8AC3E}">
-        <p14:creationId xmlns:p14="http://schemas.microsoft.com/office/powerpoint/2010/main" val="2264328065"/>
+        <p14:creationId xmlns:p14="http://schemas.microsoft.com/office/powerpoint/2010/main" val="2186824041"/>
       </p:ext>
     </p:extLst>
   </p:cSld>
   <p:clrMapOvr>
     <a:masterClrMapping/>
   </p:clrMapOvr>
-  <mc:AlternateContent xmlns:mc="http://schemas.openxmlformats.org/markup-compatibility/2006">
-    <mc:Choice xmlns:p159="http://schemas.microsoft.com/office/powerpoint/2015/09/main" Requires="p159">
+  <mc:AlternateContent xmlns:mc="http://schemas.openxmlformats.org/markup-compatibility/2006" xmlns:p159="http://schemas.microsoft.com/office/powerpoint/2015/09/main">
+    <mc:Choice Requires="p159">
       <p:transition xmlns:p14="http://schemas.microsoft.com/office/powerpoint/2010/main" spd="slow" p14:dur="2000">
         <p159:morph option="byObject"/>
       </p:transition>
     </mc:Choice>
-    <mc:Fallback>
+    <mc:Fallback xmlns="">
       <p:transition spd="slow">
         <p:fade/>
       </p:transition>
@@ -6132,128 +6139,6 @@
 </file>
 
 <file path=ppt/slides/slide11.xml><?xml version="1.0" encoding="utf-8"?>
-<p:sld xmlns:a="http://schemas.openxmlformats.org/drawingml/2006/main" xmlns:r="http://schemas.openxmlformats.org/officeDocument/2006/relationships" xmlns:p="http://schemas.openxmlformats.org/presentationml/2006/main" show="0">
-  <p:cSld>
-    <p:spTree>
-      <p:nvGrpSpPr>
-        <p:cNvPr id="1" name=""/>
-        <p:cNvGrpSpPr/>
-        <p:nvPr/>
-      </p:nvGrpSpPr>
-      <p:grpSpPr>
-        <a:xfrm>
-          <a:off x="0" y="0"/>
-          <a:ext cx="0" cy="0"/>
-          <a:chOff x="0" y="0"/>
-          <a:chExt cx="0" cy="0"/>
-        </a:xfrm>
-      </p:grpSpPr>
-      <p:sp>
-        <p:nvSpPr>
-          <p:cNvPr id="2" name="Nadpis 1">
-            <a:extLst>
-              <a:ext uri="{FF2B5EF4-FFF2-40B4-BE49-F238E27FC236}">
-                <a16:creationId xmlns:a16="http://schemas.microsoft.com/office/drawing/2014/main" id="{EFF9E1E9-C18C-B042-E20D-BD764C02CD04}"/>
-              </a:ext>
-            </a:extLst>
-          </p:cNvPr>
-          <p:cNvSpPr>
-            <a:spLocks noGrp="1"/>
-          </p:cNvSpPr>
-          <p:nvPr>
-            <p:ph type="title"/>
-          </p:nvPr>
-        </p:nvSpPr>
-        <p:spPr/>
-        <p:txBody>
-          <a:bodyPr/>
-          <a:lstStyle/>
-          <a:p>
-            <a:endParaRPr lang="sk-SK"/>
-          </a:p>
-        </p:txBody>
-      </p:sp>
-      <p:sp>
-        <p:nvSpPr>
-          <p:cNvPr id="3" name="Zástupný objekt pre obsah 2">
-            <a:extLst>
-              <a:ext uri="{FF2B5EF4-FFF2-40B4-BE49-F238E27FC236}">
-                <a16:creationId xmlns:a16="http://schemas.microsoft.com/office/drawing/2014/main" id="{40C8E0D5-E28C-4E8B-8BEA-FA8BC9C6097E}"/>
-              </a:ext>
-            </a:extLst>
-          </p:cNvPr>
-          <p:cNvSpPr>
-            <a:spLocks noGrp="1"/>
-          </p:cNvSpPr>
-          <p:nvPr>
-            <p:ph idx="1"/>
-          </p:nvPr>
-        </p:nvSpPr>
-        <p:spPr/>
-        <p:txBody>
-          <a:bodyPr/>
-          <a:lstStyle/>
-          <a:p>
-            <a:r>
-              <a:rPr lang="sk-SK" dirty="0"/>
-              <a:t>Obsah</a:t>
-            </a:r>
-          </a:p>
-          <a:p>
-            <a:r>
-              <a:rPr lang="sk-SK" dirty="0"/>
-              <a:t>Ukážka</a:t>
-            </a:r>
-          </a:p>
-          <a:p>
-            <a:endParaRPr lang="sk-SK" dirty="0"/>
-          </a:p>
-        </p:txBody>
-      </p:sp>
-      <p:pic>
-        <p:nvPicPr>
-          <p:cNvPr id="5" name="Obrázok 4">
-            <a:extLst>
-              <a:ext uri="{FF2B5EF4-FFF2-40B4-BE49-F238E27FC236}">
-                <a16:creationId xmlns:a16="http://schemas.microsoft.com/office/drawing/2014/main" id="{D3B5502E-1524-45B6-FCD8-7E8625D069C4}"/>
-              </a:ext>
-            </a:extLst>
-          </p:cNvPr>
-          <p:cNvPicPr>
-            <a:picLocks noChangeAspect="1"/>
-          </p:cNvPicPr>
-          <p:nvPr/>
-        </p:nvPicPr>
-        <p:blipFill>
-          <a:blip r:embed="rId2"/>
-          <a:stretch>
-            <a:fillRect/>
-          </a:stretch>
-        </p:blipFill>
-        <p:spPr>
-          <a:xfrm>
-            <a:off x="3109495" y="2482316"/>
-            <a:ext cx="5973009" cy="3829584"/>
-          </a:xfrm>
-          <a:prstGeom prst="rect">
-            <a:avLst/>
-          </a:prstGeom>
-        </p:spPr>
-      </p:pic>
-    </p:spTree>
-    <p:extLst>
-      <p:ext uri="{BB962C8B-B14F-4D97-AF65-F5344CB8AC3E}">
-        <p14:creationId xmlns:p14="http://schemas.microsoft.com/office/powerpoint/2010/main" val="4271588938"/>
-      </p:ext>
-    </p:extLst>
-  </p:cSld>
-  <p:clrMapOvr>
-    <a:masterClrMapping/>
-  </p:clrMapOvr>
-</p:sld>
-</file>
-
-<file path=ppt/slides/slide12.xml><?xml version="1.0" encoding="utf-8"?>
 <p:sld xmlns:a="http://schemas.openxmlformats.org/drawingml/2006/main" xmlns:r="http://schemas.openxmlformats.org/officeDocument/2006/relationships" xmlns:p="http://schemas.openxmlformats.org/presentationml/2006/main">
   <p:cSld>
     <p:spTree>
@@ -6358,8 +6243,8 @@
         </p:nvSpPr>
         <p:spPr>
           <a:xfrm>
-            <a:off x="706971" y="728558"/>
-            <a:ext cx="7537894" cy="506077"/>
+            <a:off x="7517276" y="1241412"/>
+            <a:ext cx="3063027" cy="506077"/>
           </a:xfrm>
           <a:prstGeom prst="rect">
             <a:avLst/>
@@ -6398,7 +6283,7 @@
                 <a:latin typeface="Lucida Console" panose="020B0609040504020204" pitchFamily="49" charset="0"/>
                 <a:cs typeface="Segoe UI" panose="020B0502040204020203" pitchFamily="34" charset="0"/>
               </a:rPr>
-              <a:t>SPÄTNÁ VÄZBA</a:t>
+              <a:t>ZÁVER</a:t>
             </a:r>
           </a:p>
         </p:txBody>
@@ -6416,9 +6301,9 @@
           <p:nvPr/>
         </p:nvSpPr>
         <p:spPr>
-          <a:xfrm rot="16200000">
-            <a:off x="6994111" y="2376149"/>
-            <a:ext cx="9220123" cy="2105702"/>
+          <a:xfrm rot="20045164">
+            <a:off x="-2351315" y="668800"/>
+            <a:ext cx="9220123" cy="532110"/>
           </a:xfrm>
           <a:prstGeom prst="rect">
             <a:avLst/>
@@ -6469,6 +6354,134 @@
       </p:sp>
       <p:sp>
         <p:nvSpPr>
+          <p:cNvPr id="7" name="Obdĺžnik 6">
+            <a:extLst>
+              <a:ext uri="{FF2B5EF4-FFF2-40B4-BE49-F238E27FC236}">
+                <a16:creationId xmlns:a16="http://schemas.microsoft.com/office/drawing/2014/main" id="{04108261-A180-95CC-9CA0-0F17EF977A21}"/>
+              </a:ext>
+            </a:extLst>
+          </p:cNvPr>
+          <p:cNvSpPr/>
+          <p:nvPr/>
+        </p:nvSpPr>
+        <p:spPr>
+          <a:xfrm rot="20045164">
+            <a:off x="-3054779" y="176404"/>
+            <a:ext cx="9221473" cy="194591"/>
+          </a:xfrm>
+          <a:prstGeom prst="rect">
+            <a:avLst/>
+          </a:prstGeom>
+          <a:gradFill>
+            <a:gsLst>
+              <a:gs pos="35000">
+                <a:srgbClr val="CCFF99">
+                  <a:lumMod val="96000"/>
+                </a:srgbClr>
+              </a:gs>
+              <a:gs pos="66000">
+                <a:schemeClr val="accent1"/>
+              </a:gs>
+            </a:gsLst>
+            <a:path path="circle">
+              <a:fillToRect l="100000" b="100000"/>
+            </a:path>
+          </a:gradFill>
+          <a:ln>
+            <a:noFill/>
+          </a:ln>
+        </p:spPr>
+        <p:style>
+          <a:lnRef idx="2">
+            <a:schemeClr val="accent1">
+              <a:shade val="50000"/>
+            </a:schemeClr>
+          </a:lnRef>
+          <a:fillRef idx="1">
+            <a:schemeClr val="accent1"/>
+          </a:fillRef>
+          <a:effectRef idx="0">
+            <a:schemeClr val="accent1"/>
+          </a:effectRef>
+          <a:fontRef idx="minor">
+            <a:schemeClr val="lt1"/>
+          </a:fontRef>
+        </p:style>
+        <p:txBody>
+          <a:bodyPr rtlCol="0" anchor="ctr"/>
+          <a:lstStyle/>
+          <a:p>
+            <a:pPr algn="ctr"/>
+            <a:endParaRPr lang="sk-SK"/>
+          </a:p>
+        </p:txBody>
+      </p:sp>
+      <p:sp>
+        <p:nvSpPr>
+          <p:cNvPr id="9" name="Obdĺžnik 8">
+            <a:extLst>
+              <a:ext uri="{FF2B5EF4-FFF2-40B4-BE49-F238E27FC236}">
+                <a16:creationId xmlns:a16="http://schemas.microsoft.com/office/drawing/2014/main" id="{51B5EBE5-6FBC-D21C-DA17-41CF76159813}"/>
+              </a:ext>
+            </a:extLst>
+          </p:cNvPr>
+          <p:cNvSpPr/>
+          <p:nvPr/>
+        </p:nvSpPr>
+        <p:spPr>
+          <a:xfrm rot="20045164">
+            <a:off x="-3926114" y="-324112"/>
+            <a:ext cx="9220123" cy="532110"/>
+          </a:xfrm>
+          <a:prstGeom prst="rect">
+            <a:avLst/>
+          </a:prstGeom>
+          <a:gradFill>
+            <a:gsLst>
+              <a:gs pos="35000">
+                <a:srgbClr val="CCFF99">
+                  <a:lumMod val="96000"/>
+                </a:srgbClr>
+              </a:gs>
+              <a:gs pos="66000">
+                <a:schemeClr val="accent1"/>
+              </a:gs>
+            </a:gsLst>
+            <a:path path="circle">
+              <a:fillToRect l="100000" b="100000"/>
+            </a:path>
+          </a:gradFill>
+          <a:ln>
+            <a:noFill/>
+          </a:ln>
+        </p:spPr>
+        <p:style>
+          <a:lnRef idx="2">
+            <a:schemeClr val="accent1">
+              <a:shade val="50000"/>
+            </a:schemeClr>
+          </a:lnRef>
+          <a:fillRef idx="1">
+            <a:schemeClr val="accent1"/>
+          </a:fillRef>
+          <a:effectRef idx="0">
+            <a:schemeClr val="accent1"/>
+          </a:effectRef>
+          <a:fontRef idx="minor">
+            <a:schemeClr val="lt1"/>
+          </a:fontRef>
+        </p:style>
+        <p:txBody>
+          <a:bodyPr rtlCol="0" anchor="ctr"/>
+          <a:lstStyle/>
+          <a:p>
+            <a:pPr algn="ctr"/>
+            <a:endParaRPr lang="sk-SK"/>
+          </a:p>
+        </p:txBody>
+      </p:sp>
+      <p:sp>
+        <p:nvSpPr>
           <p:cNvPr id="11" name="Nadpis 1">
             <a:extLst>
               <a:ext uri="{FF2B5EF4-FFF2-40B4-BE49-F238E27FC236}">
@@ -6483,8 +6496,8 @@
         </p:nvSpPr>
         <p:spPr>
           <a:xfrm>
-            <a:off x="490462" y="2073798"/>
-            <a:ext cx="9275557" cy="3750844"/>
+            <a:off x="683947" y="3106196"/>
+            <a:ext cx="9570397" cy="2799219"/>
           </a:xfrm>
           <a:prstGeom prst="rect">
             <a:avLst/>
@@ -6514,7 +6527,14 @@
             </a:lvl1pPr>
           </a:lstStyle>
           <a:p>
-            <a:pPr algn="l"/>
+            <a:pPr algn="l">
+              <a:lnSpc>
+                <a:spcPct val="150000"/>
+              </a:lnSpc>
+              <a:spcAft>
+                <a:spcPts val="800"/>
+              </a:spcAft>
+            </a:pPr>
             <a:r>
               <a:rPr lang="sk-SK" sz="1800" dirty="0">
                 <a:solidFill>
@@ -6522,19 +6542,21 @@
                 </a:solidFill>
                 <a:effectLst/>
                 <a:latin typeface="Lucida Console" panose="020B0609040504020204" pitchFamily="49" charset="0"/>
+                <a:ea typeface="Calibri" panose="020F0502020204030204" pitchFamily="34" charset="0"/>
+                <a:cs typeface="Times New Roman" panose="02020603050405020304" pitchFamily="18" charset="0"/>
               </a:rPr>
-              <a:t>Stupňovitá pyramída v </a:t>
-            </a:r>
-            <a:r>
-              <a:rPr lang="sk-SK" sz="1800" dirty="0" err="1">
-                <a:solidFill>
-                  <a:schemeClr val="bg1"/>
-                </a:solidFill>
-                <a:effectLst/>
-                <a:latin typeface="Lucida Console" panose="020B0609040504020204" pitchFamily="49" charset="0"/>
-              </a:rPr>
-              <a:t>Sakkáre</a:t>
-            </a:r>
+              <a:t>-naše pocity, dojmy a pripomienky po dokončení práce</a:t>
+            </a:r>
+          </a:p>
+          <a:p>
+            <a:pPr algn="l">
+              <a:lnSpc>
+                <a:spcPct val="150000"/>
+              </a:lnSpc>
+              <a:spcAft>
+                <a:spcPts val="800"/>
+              </a:spcAft>
+            </a:pPr>
             <a:r>
               <a:rPr lang="sk-SK" sz="1800" dirty="0">
                 <a:solidFill>
@@ -6542,19 +6564,21 @@
                 </a:solidFill>
                 <a:effectLst/>
                 <a:latin typeface="Lucida Console" panose="020B0609040504020204" pitchFamily="49" charset="0"/>
+                <a:ea typeface="Calibri" panose="020F0502020204030204" pitchFamily="34" charset="0"/>
+                <a:cs typeface="Times New Roman" panose="02020603050405020304" pitchFamily="18" charset="0"/>
               </a:rPr>
-              <a:t> (iné názvy: </a:t>
-            </a:r>
-            <a:r>
-              <a:rPr lang="sk-SK" sz="1800" dirty="0" err="1">
-                <a:solidFill>
-                  <a:schemeClr val="bg1"/>
-                </a:solidFill>
-                <a:effectLst/>
-                <a:latin typeface="Lucida Console" panose="020B0609040504020204" pitchFamily="49" charset="0"/>
-              </a:rPr>
-              <a:t>Džoserova</a:t>
-            </a:r>
+              <a:t>-kontrola splnenia cieľov a odôvodnenie</a:t>
+            </a:r>
+          </a:p>
+          <a:p>
+            <a:pPr algn="l">
+              <a:lnSpc>
+                <a:spcPct val="150000"/>
+              </a:lnSpc>
+              <a:spcAft>
+                <a:spcPts val="800"/>
+              </a:spcAft>
+            </a:pPr>
             <a:r>
               <a:rPr lang="sk-SK" sz="1800" dirty="0">
                 <a:solidFill>
@@ -6562,19 +6586,21 @@
                 </a:solidFill>
                 <a:effectLst/>
                 <a:latin typeface="Lucida Console" panose="020B0609040504020204" pitchFamily="49" charset="0"/>
+                <a:ea typeface="Calibri" panose="020F0502020204030204" pitchFamily="34" charset="0"/>
+                <a:cs typeface="Times New Roman" panose="02020603050405020304" pitchFamily="18" charset="0"/>
               </a:rPr>
-              <a:t> pyramída, </a:t>
-            </a:r>
-            <a:r>
-              <a:rPr lang="sk-SK" sz="1800" dirty="0" err="1">
-                <a:solidFill>
-                  <a:schemeClr val="bg1"/>
-                </a:solidFill>
-                <a:effectLst/>
-                <a:latin typeface="Lucida Console" panose="020B0609040504020204" pitchFamily="49" charset="0"/>
-              </a:rPr>
-              <a:t>Necerichetova</a:t>
-            </a:r>
+              <a:t>-odporúčanie pre ďalšie využitie našej práce učiteľmi</a:t>
+            </a:r>
+          </a:p>
+          <a:p>
+            <a:pPr algn="l">
+              <a:lnSpc>
+                <a:spcPct val="150000"/>
+              </a:lnSpc>
+              <a:spcAft>
+                <a:spcPts val="800"/>
+              </a:spcAft>
+            </a:pPr>
             <a:r>
               <a:rPr lang="sk-SK" sz="1800" dirty="0">
                 <a:solidFill>
@@ -6582,19 +6608,21 @@
                 </a:solidFill>
                 <a:effectLst/>
                 <a:latin typeface="Lucida Console" panose="020B0609040504020204" pitchFamily="49" charset="0"/>
+                <a:ea typeface="Calibri" panose="020F0502020204030204" pitchFamily="34" charset="0"/>
+                <a:cs typeface="Times New Roman" panose="02020603050405020304" pitchFamily="18" charset="0"/>
               </a:rPr>
-              <a:t> pyramída, Pyramída </a:t>
-            </a:r>
-            <a:r>
-              <a:rPr lang="sk-SK" sz="1800" dirty="0" err="1">
-                <a:solidFill>
-                  <a:schemeClr val="bg1"/>
-                </a:solidFill>
-                <a:effectLst/>
-                <a:latin typeface="Lucida Console" panose="020B0609040504020204" pitchFamily="49" charset="0"/>
-              </a:rPr>
-              <a:t>Lepsius</a:t>
-            </a:r>
+              <a:t>-prínos našich listov a takejto formy vzdelávania pre žiakov</a:t>
+            </a:r>
+          </a:p>
+          <a:p>
+            <a:pPr algn="l">
+              <a:lnSpc>
+                <a:spcPct val="150000"/>
+              </a:lnSpc>
+              <a:spcAft>
+                <a:spcPts val="800"/>
+              </a:spcAft>
+            </a:pPr>
             <a:r>
               <a:rPr lang="sk-SK" sz="1800" dirty="0">
                 <a:solidFill>
@@ -6602,550 +6630,20 @@
                 </a:solidFill>
                 <a:effectLst/>
                 <a:latin typeface="Lucida Console" panose="020B0609040504020204" pitchFamily="49" charset="0"/>
+                <a:ea typeface="Calibri" panose="020F0502020204030204" pitchFamily="34" charset="0"/>
+                <a:cs typeface="Times New Roman" panose="02020603050405020304" pitchFamily="18" charset="0"/>
               </a:rPr>
-              <a:t> XXXII) je </a:t>
-            </a:r>
-            <a:r>
-              <a:rPr lang="sk-SK" sz="1800" strike="noStrike" dirty="0">
-                <a:solidFill>
-                  <a:schemeClr val="bg1"/>
-                </a:solidFill>
-                <a:effectLst/>
-                <a:latin typeface="Lucida Console" panose="020B0609040504020204" pitchFamily="49" charset="0"/>
-              </a:rPr>
-              <a:t>staroegyptská</a:t>
-            </a:r>
-            <a:r>
-              <a:rPr lang="sk-SK" sz="1800" dirty="0">
-                <a:solidFill>
-                  <a:schemeClr val="bg1"/>
-                </a:solidFill>
-                <a:effectLst/>
-                <a:latin typeface="Lucida Console" panose="020B0609040504020204" pitchFamily="49" charset="0"/>
-              </a:rPr>
-              <a:t> pamiatka, súbor objektov starovekej pohrebnej a</a:t>
-            </a:r>
-          </a:p>
-          <a:p>
-            <a:pPr algn="l"/>
-            <a:endParaRPr lang="sk-SK" sz="1800" dirty="0">
-              <a:solidFill>
-                <a:schemeClr val="bg1"/>
-              </a:solidFill>
-              <a:latin typeface="Lucida Console" panose="020B0609040504020204" pitchFamily="49" charset="0"/>
-            </a:endParaRPr>
-          </a:p>
-          <a:p>
-            <a:pPr algn="l"/>
-            <a:endParaRPr lang="sk-SK" sz="1800" dirty="0">
-              <a:solidFill>
-                <a:schemeClr val="bg1"/>
-              </a:solidFill>
-              <a:effectLst/>
-              <a:latin typeface="Lucida Console" panose="020B0609040504020204" pitchFamily="49" charset="0"/>
-            </a:endParaRPr>
-          </a:p>
-          <a:p>
-            <a:pPr algn="l"/>
-            <a:r>
-              <a:rPr lang="sk-SK" sz="1800" dirty="0">
-                <a:solidFill>
-                  <a:schemeClr val="bg1"/>
-                </a:solidFill>
-                <a:effectLst/>
-                <a:latin typeface="Lucida Console" panose="020B0609040504020204" pitchFamily="49" charset="0"/>
-              </a:rPr>
-              <a:t>kultovej architektúry a </a:t>
-            </a:r>
-            <a:r>
-              <a:rPr lang="sk-SK" sz="1800" strike="noStrike" dirty="0">
-                <a:solidFill>
-                  <a:schemeClr val="bg1"/>
-                </a:solidFill>
-                <a:effectLst/>
-                <a:latin typeface="Lucida Console" panose="020B0609040504020204" pitchFamily="49" charset="0"/>
-              </a:rPr>
-              <a:t>archeologická</a:t>
-            </a:r>
-            <a:r>
-              <a:rPr lang="sk-SK" sz="1800" dirty="0">
-                <a:solidFill>
-                  <a:schemeClr val="bg1"/>
-                </a:solidFill>
-                <a:effectLst/>
-                <a:latin typeface="Lucida Console" panose="020B0609040504020204" pitchFamily="49" charset="0"/>
-              </a:rPr>
-              <a:t> lokalita z obdobia okolo roku 2600 pred Kr. Je súčasťou pohrebiska pri dedine </a:t>
-            </a:r>
-            <a:r>
-              <a:rPr lang="sk-SK" sz="1800" strike="noStrike" dirty="0" err="1">
-                <a:solidFill>
-                  <a:schemeClr val="bg1"/>
-                </a:solidFill>
-                <a:effectLst/>
-                <a:latin typeface="Lucida Console" panose="020B0609040504020204" pitchFamily="49" charset="0"/>
-              </a:rPr>
-              <a:t>Sakkára</a:t>
-            </a:r>
-            <a:r>
-              <a:rPr lang="sk-SK" sz="1800" dirty="0">
-                <a:solidFill>
-                  <a:schemeClr val="bg1"/>
-                </a:solidFill>
-                <a:effectLst/>
-                <a:latin typeface="Lucida Console" panose="020B0609040504020204" pitchFamily="49" charset="0"/>
-              </a:rPr>
-              <a:t> v</a:t>
-            </a:r>
-          </a:p>
-        </p:txBody>
-      </p:sp>
-      <p:sp>
-        <p:nvSpPr>
-          <p:cNvPr id="6" name="BlokTextu 5">
-            <a:extLst>
-              <a:ext uri="{FF2B5EF4-FFF2-40B4-BE49-F238E27FC236}">
-                <a16:creationId xmlns:a16="http://schemas.microsoft.com/office/drawing/2014/main" id="{7BA26F74-A0F2-7AB5-9C0F-BE2EE46110B4}"/>
-              </a:ext>
-            </a:extLst>
-          </p:cNvPr>
-          <p:cNvSpPr txBox="1"/>
-          <p:nvPr/>
-        </p:nvSpPr>
-        <p:spPr>
-          <a:xfrm>
-            <a:off x="490462" y="4762500"/>
-            <a:ext cx="3033788" cy="1477328"/>
-          </a:xfrm>
-          <a:prstGeom prst="rect">
-            <a:avLst/>
-          </a:prstGeom>
-          <a:noFill/>
-        </p:spPr>
-        <p:txBody>
-          <a:bodyPr wrap="square" rtlCol="0">
-            <a:spAutoFit/>
-          </a:bodyPr>
-          <a:lstStyle/>
-          <a:p>
-            <a:r>
-              <a:rPr lang="sk-SK" sz="1800" dirty="0">
-                <a:solidFill>
-                  <a:schemeClr val="bg1"/>
-                </a:solidFill>
-                <a:effectLst/>
-                <a:latin typeface="Lucida Console" panose="020B0609040504020204" pitchFamily="49" charset="0"/>
-              </a:rPr>
-              <a:t>dnešnom </a:t>
-            </a:r>
-            <a:r>
-              <a:rPr lang="sk-SK" sz="1800" strike="noStrike" dirty="0">
-                <a:solidFill>
-                  <a:schemeClr val="bg1"/>
-                </a:solidFill>
-                <a:effectLst/>
-                <a:latin typeface="Lucida Console" panose="020B0609040504020204" pitchFamily="49" charset="0"/>
-              </a:rPr>
-              <a:t>Egypte</a:t>
-            </a:r>
-            <a:r>
-              <a:rPr lang="sk-SK" sz="1800" dirty="0">
-                <a:solidFill>
-                  <a:schemeClr val="bg1"/>
-                </a:solidFill>
-                <a:effectLst/>
-                <a:latin typeface="Lucida Console" panose="020B0609040504020204" pitchFamily="49" charset="0"/>
-              </a:rPr>
-              <a:t>. V staroveku toto pohrebisko patrilo mestu </a:t>
-            </a:r>
-            <a:r>
-              <a:rPr lang="sk-SK" sz="1800" strike="noStrike" dirty="0" err="1">
-                <a:solidFill>
-                  <a:schemeClr val="bg1"/>
-                </a:solidFill>
-                <a:effectLst/>
-                <a:latin typeface="Lucida Console" panose="020B0609040504020204" pitchFamily="49" charset="0"/>
-              </a:rPr>
-              <a:t>Mennofer</a:t>
-            </a:r>
-            <a:r>
-              <a:rPr lang="sk-SK" sz="1800" dirty="0">
-                <a:solidFill>
-                  <a:schemeClr val="bg1"/>
-                </a:solidFill>
-                <a:effectLst/>
-                <a:latin typeface="Lucida Console" panose="020B0609040504020204" pitchFamily="49" charset="0"/>
-              </a:rPr>
-              <a:t>, ktoré bolo hlavným</a:t>
-            </a:r>
-            <a:endParaRPr lang="sk-SK" dirty="0"/>
-          </a:p>
-        </p:txBody>
-      </p:sp>
-      <p:sp>
-        <p:nvSpPr>
-          <p:cNvPr id="8" name="BlokTextu 7">
-            <a:extLst>
-              <a:ext uri="{FF2B5EF4-FFF2-40B4-BE49-F238E27FC236}">
-                <a16:creationId xmlns:a16="http://schemas.microsoft.com/office/drawing/2014/main" id="{59B726A3-BDD8-21D6-C249-5BE58E63B382}"/>
-              </a:ext>
-            </a:extLst>
-          </p:cNvPr>
-          <p:cNvSpPr txBox="1"/>
-          <p:nvPr/>
-        </p:nvSpPr>
-        <p:spPr>
-          <a:xfrm>
-            <a:off x="4014712" y="4781550"/>
-            <a:ext cx="3033788" cy="1477328"/>
-          </a:xfrm>
-          <a:prstGeom prst="rect">
-            <a:avLst/>
-          </a:prstGeom>
-          <a:noFill/>
-        </p:spPr>
-        <p:txBody>
-          <a:bodyPr wrap="square" rtlCol="0">
-            <a:spAutoFit/>
-          </a:bodyPr>
-          <a:lstStyle/>
-          <a:p>
-            <a:r>
-              <a:rPr lang="sk-SK" sz="1800" dirty="0">
-                <a:solidFill>
-                  <a:schemeClr val="bg1"/>
-                </a:solidFill>
-                <a:effectLst/>
-                <a:latin typeface="Lucida Console" panose="020B0609040504020204" pitchFamily="49" charset="0"/>
-              </a:rPr>
-              <a:t>dnešnom </a:t>
-            </a:r>
-            <a:r>
-              <a:rPr lang="sk-SK" sz="1800" strike="noStrike" dirty="0">
-                <a:solidFill>
-                  <a:schemeClr val="bg1"/>
-                </a:solidFill>
-                <a:effectLst/>
-                <a:latin typeface="Lucida Console" panose="020B0609040504020204" pitchFamily="49" charset="0"/>
-              </a:rPr>
-              <a:t>Egypte</a:t>
-            </a:r>
-            <a:r>
-              <a:rPr lang="sk-SK" sz="1800" dirty="0">
-                <a:solidFill>
-                  <a:schemeClr val="bg1"/>
-                </a:solidFill>
-                <a:effectLst/>
-                <a:latin typeface="Lucida Console" panose="020B0609040504020204" pitchFamily="49" charset="0"/>
-              </a:rPr>
-              <a:t>. V staroveku toto pohrebisko patrilo mestu </a:t>
-            </a:r>
-            <a:r>
-              <a:rPr lang="sk-SK" sz="1800" strike="noStrike" dirty="0" err="1">
-                <a:solidFill>
-                  <a:schemeClr val="bg1"/>
-                </a:solidFill>
-                <a:effectLst/>
-                <a:latin typeface="Lucida Console" panose="020B0609040504020204" pitchFamily="49" charset="0"/>
-              </a:rPr>
-              <a:t>Mennofer</a:t>
-            </a:r>
-            <a:r>
-              <a:rPr lang="sk-SK" sz="1800" dirty="0">
-                <a:solidFill>
-                  <a:schemeClr val="bg1"/>
-                </a:solidFill>
-                <a:effectLst/>
-                <a:latin typeface="Lucida Console" panose="020B0609040504020204" pitchFamily="49" charset="0"/>
-              </a:rPr>
-              <a:t>, ktoré bolo hlavným</a:t>
-            </a:r>
-            <a:endParaRPr lang="sk-SK" dirty="0"/>
-          </a:p>
-        </p:txBody>
-      </p:sp>
-      <p:sp>
-        <p:nvSpPr>
-          <p:cNvPr id="10" name="BlokTextu 9">
-            <a:extLst>
-              <a:ext uri="{FF2B5EF4-FFF2-40B4-BE49-F238E27FC236}">
-                <a16:creationId xmlns:a16="http://schemas.microsoft.com/office/drawing/2014/main" id="{22E646AC-3AFA-6847-8EF8-A7C29FF2D7B5}"/>
-              </a:ext>
-            </a:extLst>
-          </p:cNvPr>
-          <p:cNvSpPr txBox="1"/>
-          <p:nvPr/>
-        </p:nvSpPr>
-        <p:spPr>
-          <a:xfrm>
-            <a:off x="7052509" y="4762500"/>
-            <a:ext cx="3033788" cy="1477328"/>
-          </a:xfrm>
-          <a:prstGeom prst="rect">
-            <a:avLst/>
-          </a:prstGeom>
-          <a:noFill/>
-        </p:spPr>
-        <p:txBody>
-          <a:bodyPr wrap="square" rtlCol="0">
-            <a:spAutoFit/>
-          </a:bodyPr>
-          <a:lstStyle/>
-          <a:p>
-            <a:r>
-              <a:rPr lang="sk-SK" sz="1800" dirty="0">
-                <a:solidFill>
-                  <a:schemeClr val="bg1"/>
-                </a:solidFill>
-                <a:effectLst/>
-                <a:latin typeface="Lucida Console" panose="020B0609040504020204" pitchFamily="49" charset="0"/>
-              </a:rPr>
-              <a:t>dnešnom </a:t>
-            </a:r>
-            <a:r>
-              <a:rPr lang="sk-SK" sz="1800" strike="noStrike" dirty="0">
-                <a:solidFill>
-                  <a:schemeClr val="bg1"/>
-                </a:solidFill>
-                <a:effectLst/>
-                <a:latin typeface="Lucida Console" panose="020B0609040504020204" pitchFamily="49" charset="0"/>
-              </a:rPr>
-              <a:t>Egypte</a:t>
-            </a:r>
-            <a:r>
-              <a:rPr lang="sk-SK" sz="1800" dirty="0">
-                <a:solidFill>
-                  <a:schemeClr val="bg1"/>
-                </a:solidFill>
-                <a:effectLst/>
-                <a:latin typeface="Lucida Console" panose="020B0609040504020204" pitchFamily="49" charset="0"/>
-              </a:rPr>
-              <a:t>. V staroveku toto pohrebisko patrilo mestu </a:t>
-            </a:r>
-            <a:r>
-              <a:rPr lang="sk-SK" sz="1800" strike="noStrike" dirty="0" err="1">
-                <a:solidFill>
-                  <a:schemeClr val="bg1"/>
-                </a:solidFill>
-                <a:effectLst/>
-                <a:latin typeface="Lucida Console" panose="020B0609040504020204" pitchFamily="49" charset="0"/>
-              </a:rPr>
-              <a:t>Mennofer</a:t>
-            </a:r>
-            <a:r>
-              <a:rPr lang="sk-SK" sz="1800" dirty="0">
-                <a:solidFill>
-                  <a:schemeClr val="bg1"/>
-                </a:solidFill>
-                <a:effectLst/>
-                <a:latin typeface="Lucida Console" panose="020B0609040504020204" pitchFamily="49" charset="0"/>
-              </a:rPr>
-              <a:t>, ktoré bolo hlavným</a:t>
-            </a:r>
-            <a:endParaRPr lang="sk-SK" dirty="0"/>
-          </a:p>
-        </p:txBody>
-      </p:sp>
-      <p:pic>
-        <p:nvPicPr>
-          <p:cNvPr id="16" name="Graphic 7">
-            <a:extLst>
-              <a:ext uri="{FF2B5EF4-FFF2-40B4-BE49-F238E27FC236}">
-                <a16:creationId xmlns:a16="http://schemas.microsoft.com/office/drawing/2014/main" id="{1CEA1227-056B-947D-5534-D541F18D68DB}"/>
-              </a:ext>
-            </a:extLst>
-          </p:cNvPr>
-          <p:cNvPicPr>
-            <a:picLocks noChangeAspect="1"/>
-          </p:cNvPicPr>
-          <p:nvPr/>
-        </p:nvPicPr>
-        <p:blipFill>
-          <a:blip r:embed="rId3" cstate="email">
-            <a:extLst>
-              <a:ext uri="{28A0092B-C50C-407E-A947-70E740481C1C}">
-                <a14:useLocalDpi xmlns:a14="http://schemas.microsoft.com/office/drawing/2010/main"/>
-              </a:ext>
-              <a:ext uri="{96DAC541-7B7A-43D3-8B79-37D633B846F1}">
-                <asvg:svgBlip xmlns:asvg="http://schemas.microsoft.com/office/drawing/2016/SVG/main" r:embed="rId4"/>
-              </a:ext>
-            </a:extLst>
-          </a:blip>
-          <a:stretch>
-            <a:fillRect/>
-          </a:stretch>
-        </p:blipFill>
-        <p:spPr>
-          <a:xfrm rot="5400000" flipV="1">
-            <a:off x="7064697" y="3299698"/>
-            <a:ext cx="6572253" cy="239558"/>
-          </a:xfrm>
-          <a:prstGeom prst="rect">
-            <a:avLst/>
-          </a:prstGeom>
-        </p:spPr>
-      </p:pic>
-    </p:spTree>
-    <p:extLst>
-      <p:ext uri="{BB962C8B-B14F-4D97-AF65-F5344CB8AC3E}">
-        <p14:creationId xmlns:p14="http://schemas.microsoft.com/office/powerpoint/2010/main" val="2186824041"/>
-      </p:ext>
-    </p:extLst>
-  </p:cSld>
-  <p:clrMapOvr>
-    <a:masterClrMapping/>
-  </p:clrMapOvr>
-  <mc:AlternateContent xmlns:mc="http://schemas.openxmlformats.org/markup-compatibility/2006">
-    <mc:Choice xmlns:p159="http://schemas.microsoft.com/office/powerpoint/2015/09/main" Requires="p159">
-      <p:transition xmlns:p14="http://schemas.microsoft.com/office/powerpoint/2010/main" spd="slow" p14:dur="2000">
-        <p159:morph option="byObject"/>
-      </p:transition>
-    </mc:Choice>
-    <mc:Fallback>
-      <p:transition spd="slow">
-        <p:fade/>
-      </p:transition>
-    </mc:Fallback>
-  </mc:AlternateContent>
-</p:sld>
-</file>
-
-<file path=ppt/slides/slide13.xml><?xml version="1.0" encoding="utf-8"?>
-<p:sld xmlns:a="http://schemas.openxmlformats.org/drawingml/2006/main" xmlns:r="http://schemas.openxmlformats.org/officeDocument/2006/relationships" xmlns:p="http://schemas.openxmlformats.org/presentationml/2006/main" show="0">
-  <p:cSld>
-    <p:spTree>
-      <p:nvGrpSpPr>
-        <p:cNvPr id="1" name=""/>
-        <p:cNvGrpSpPr/>
-        <p:nvPr/>
-      </p:nvGrpSpPr>
-      <p:grpSpPr>
-        <a:xfrm>
-          <a:off x="0" y="0"/>
-          <a:ext cx="0" cy="0"/>
-          <a:chOff x="0" y="0"/>
-          <a:chExt cx="0" cy="0"/>
-        </a:xfrm>
-      </p:grpSpPr>
-      <p:sp>
-        <p:nvSpPr>
-          <p:cNvPr id="2" name="Nadpis 1">
-            <a:extLst>
-              <a:ext uri="{FF2B5EF4-FFF2-40B4-BE49-F238E27FC236}">
-                <a16:creationId xmlns:a16="http://schemas.microsoft.com/office/drawing/2014/main" id="{EFF9E1E9-C18C-B042-E20D-BD764C02CD04}"/>
-              </a:ext>
-            </a:extLst>
-          </p:cNvPr>
-          <p:cNvSpPr>
-            <a:spLocks noGrp="1"/>
-          </p:cNvSpPr>
-          <p:nvPr>
-            <p:ph type="title"/>
-          </p:nvPr>
-        </p:nvSpPr>
-        <p:spPr/>
-        <p:txBody>
-          <a:bodyPr/>
-          <a:lstStyle/>
-          <a:p>
-            <a:endParaRPr lang="sk-SK"/>
-          </a:p>
-        </p:txBody>
-      </p:sp>
-      <p:sp>
-        <p:nvSpPr>
-          <p:cNvPr id="3" name="Zástupný objekt pre obsah 2">
-            <a:extLst>
-              <a:ext uri="{FF2B5EF4-FFF2-40B4-BE49-F238E27FC236}">
-                <a16:creationId xmlns:a16="http://schemas.microsoft.com/office/drawing/2014/main" id="{40C8E0D5-E28C-4E8B-8BEA-FA8BC9C6097E}"/>
-              </a:ext>
-            </a:extLst>
-          </p:cNvPr>
-          <p:cNvSpPr>
-            <a:spLocks noGrp="1"/>
-          </p:cNvSpPr>
-          <p:nvPr>
-            <p:ph idx="1"/>
-          </p:nvPr>
-        </p:nvSpPr>
-        <p:spPr/>
-        <p:txBody>
-          <a:bodyPr/>
-          <a:lstStyle/>
-          <a:p>
-            <a:r>
-              <a:rPr lang="sk-SK" dirty="0"/>
-              <a:t>Výsledky dotazníka</a:t>
-            </a:r>
-          </a:p>
-        </p:txBody>
-      </p:sp>
-      <p:pic>
-        <p:nvPicPr>
-          <p:cNvPr id="4" name="Obrázok 3">
-            <a:extLst>
-              <a:ext uri="{FF2B5EF4-FFF2-40B4-BE49-F238E27FC236}">
-                <a16:creationId xmlns:a16="http://schemas.microsoft.com/office/drawing/2014/main" id="{346DBFE5-5CE5-071B-8533-6079D354A670}"/>
-              </a:ext>
-            </a:extLst>
-          </p:cNvPr>
-          <p:cNvPicPr>
-            <a:picLocks noChangeAspect="1"/>
-          </p:cNvPicPr>
-          <p:nvPr/>
-        </p:nvPicPr>
-        <p:blipFill>
-          <a:blip r:embed="rId2"/>
-          <a:stretch>
-            <a:fillRect/>
-          </a:stretch>
-        </p:blipFill>
-        <p:spPr>
-          <a:xfrm>
-            <a:off x="3071390" y="2457205"/>
-            <a:ext cx="6049219" cy="3505689"/>
-          </a:xfrm>
-          <a:prstGeom prst="rect">
-            <a:avLst/>
-          </a:prstGeom>
-        </p:spPr>
-      </p:pic>
-    </p:spTree>
-    <p:extLst>
-      <p:ext uri="{BB962C8B-B14F-4D97-AF65-F5344CB8AC3E}">
-        <p14:creationId xmlns:p14="http://schemas.microsoft.com/office/powerpoint/2010/main" val="1609034069"/>
-      </p:ext>
-    </p:extLst>
-  </p:cSld>
-  <p:clrMapOvr>
-    <a:masterClrMapping/>
-  </p:clrMapOvr>
-</p:sld>
-</file>
-
-<file path=ppt/slides/slide14.xml><?xml version="1.0" encoding="utf-8"?>
-<p:sld xmlns:a="http://schemas.openxmlformats.org/drawingml/2006/main" xmlns:r="http://schemas.openxmlformats.org/officeDocument/2006/relationships" xmlns:p="http://schemas.openxmlformats.org/presentationml/2006/main">
-  <p:cSld>
-    <p:spTree>
-      <p:nvGrpSpPr>
-        <p:cNvPr id="1" name=""/>
-        <p:cNvGrpSpPr/>
-        <p:nvPr/>
-      </p:nvGrpSpPr>
-      <p:grpSpPr>
-        <a:xfrm>
-          <a:off x="0" y="0"/>
-          <a:ext cx="0" cy="0"/>
-          <a:chOff x="0" y="0"/>
-          <a:chExt cx="0" cy="0"/>
-        </a:xfrm>
-      </p:grpSpPr>
-      <p:sp>
-        <p:nvSpPr>
-          <p:cNvPr id="20" name="Obdĺžnik 19">
-            <a:extLst>
-              <a:ext uri="{FF2B5EF4-FFF2-40B4-BE49-F238E27FC236}">
-                <a16:creationId xmlns:a16="http://schemas.microsoft.com/office/drawing/2014/main" id="{EBFF46E7-F9DA-1A54-EFB2-F25F480E68D9}"/>
+              <a:t>-inšpirácia pre ostatných a podporenie v rozvíjaní takýchto prác</a:t>
+            </a:r>
+          </a:p>
+        </p:txBody>
+      </p:sp>
+      <p:sp>
+        <p:nvSpPr>
+          <p:cNvPr id="12" name="Obdĺžnik 11">
+            <a:extLst>
+              <a:ext uri="{FF2B5EF4-FFF2-40B4-BE49-F238E27FC236}">
+                <a16:creationId xmlns:a16="http://schemas.microsoft.com/office/drawing/2014/main" id="{5055D996-73F5-49DC-01A8-97E9E2A0C496}"/>
               </a:ext>
             </a:extLst>
           </p:cNvPr>
@@ -7153,141 +6651,8 @@
           <p:nvPr/>
         </p:nvSpPr>
         <p:spPr>
-          <a:xfrm>
-            <a:off x="-1" y="0"/>
-            <a:ext cx="12192001" cy="6858000"/>
-          </a:xfrm>
-          <a:prstGeom prst="rect">
-            <a:avLst/>
-          </a:prstGeom>
-          <a:gradFill flip="none" rotWithShape="1">
-            <a:gsLst>
-              <a:gs pos="74000">
-                <a:srgbClr val="272727"/>
-              </a:gs>
-              <a:gs pos="0">
-                <a:schemeClr val="tx1">
-                  <a:lumMod val="95000"/>
-                  <a:lumOff val="5000"/>
-                </a:schemeClr>
-              </a:gs>
-              <a:gs pos="100000">
-                <a:schemeClr val="tx1">
-                  <a:lumMod val="75000"/>
-                  <a:lumOff val="25000"/>
-                </a:schemeClr>
-              </a:gs>
-            </a:gsLst>
-            <a:path path="circle">
-              <a:fillToRect l="100000" b="100000"/>
-            </a:path>
-            <a:tileRect t="-100000" r="-100000"/>
-          </a:gradFill>
-          <a:ln>
-            <a:noFill/>
-          </a:ln>
-        </p:spPr>
-        <p:style>
-          <a:lnRef idx="2">
-            <a:schemeClr val="accent1">
-              <a:shade val="50000"/>
-            </a:schemeClr>
-          </a:lnRef>
-          <a:fillRef idx="1">
-            <a:schemeClr val="accent1"/>
-          </a:fillRef>
-          <a:effectRef idx="0">
-            <a:schemeClr val="accent1"/>
-          </a:effectRef>
-          <a:fontRef idx="minor">
-            <a:schemeClr val="lt1"/>
-          </a:fontRef>
-        </p:style>
-        <p:txBody>
-          <a:bodyPr rtlCol="0" anchor="ctr"/>
-          <a:lstStyle/>
-          <a:p>
-            <a:pPr algn="ctr"/>
-            <a:endParaRPr lang="sk-SK" dirty="0"/>
-          </a:p>
-        </p:txBody>
-      </p:sp>
-      <p:sp>
-        <p:nvSpPr>
-          <p:cNvPr id="13" name="Nadpis 1">
-            <a:extLst>
-              <a:ext uri="{FF2B5EF4-FFF2-40B4-BE49-F238E27FC236}">
-                <a16:creationId xmlns:a16="http://schemas.microsoft.com/office/drawing/2014/main" id="{C844EE25-6FED-2F6C-6DF0-37669AEDC5F3}"/>
-              </a:ext>
-            </a:extLst>
-          </p:cNvPr>
-          <p:cNvSpPr txBox="1">
-            <a:spLocks/>
-          </p:cNvSpPr>
-          <p:nvPr/>
-        </p:nvSpPr>
-        <p:spPr>
-          <a:xfrm>
-            <a:off x="7517276" y="1241412"/>
-            <a:ext cx="3063027" cy="506077"/>
-          </a:xfrm>
-          <a:prstGeom prst="rect">
-            <a:avLst/>
-          </a:prstGeom>
-        </p:spPr>
-        <p:txBody>
-          <a:bodyPr vert="horz" lIns="91440" tIns="45720" rIns="91440" bIns="45720" rtlCol="0" anchor="t">
-            <a:noAutofit/>
-          </a:bodyPr>
-          <a:lstStyle>
-            <a:lvl1pPr algn="ctr" defTabSz="914400" rtl="0" eaLnBrk="1" latinLnBrk="0" hangingPunct="1">
-              <a:lnSpc>
-                <a:spcPct val="90000"/>
-              </a:lnSpc>
-              <a:spcBef>
-                <a:spcPct val="0"/>
-              </a:spcBef>
-              <a:buNone/>
-              <a:defRPr sz="6000" kern="1200">
-                <a:solidFill>
-                  <a:schemeClr val="tx1"/>
-                </a:solidFill>
-                <a:latin typeface="+mj-lt"/>
-                <a:ea typeface="+mj-ea"/>
-                <a:cs typeface="+mj-cs"/>
-              </a:defRPr>
-            </a:lvl1pPr>
-          </a:lstStyle>
-          <a:p>
-            <a:pPr algn="l"/>
-            <a:r>
-              <a:rPr lang="sk-SK" sz="6600" dirty="0">
-                <a:solidFill>
-                  <a:schemeClr val="bg1"/>
-                </a:solidFill>
-                <a:latin typeface="Lucida Console" panose="020B0609040504020204" pitchFamily="49" charset="0"/>
-                <a:cs typeface="Segoe UI" panose="020B0502040204020203" pitchFamily="34" charset="0"/>
-              </a:rPr>
-              <a:t>ZÁVER</a:t>
-            </a:r>
-          </a:p>
-        </p:txBody>
-      </p:sp>
-      <p:sp>
-        <p:nvSpPr>
-          <p:cNvPr id="3" name="Obdĺžnik 2">
-            <a:extLst>
-              <a:ext uri="{FF2B5EF4-FFF2-40B4-BE49-F238E27FC236}">
-                <a16:creationId xmlns:a16="http://schemas.microsoft.com/office/drawing/2014/main" id="{9B90B492-1089-E563-F867-BD916C7A9F10}"/>
-              </a:ext>
-            </a:extLst>
-          </p:cNvPr>
-          <p:cNvSpPr/>
-          <p:nvPr/>
-        </p:nvSpPr>
-        <p:spPr>
-          <a:xfrm rot="20045164">
-            <a:off x="-2351315" y="668800"/>
+          <a:xfrm rot="18501081">
+            <a:off x="7202792" y="6401210"/>
             <a:ext cx="9220123" cy="532110"/>
           </a:xfrm>
           <a:prstGeom prst="rect">
@@ -7339,10 +6704,10 @@
       </p:sp>
       <p:sp>
         <p:nvSpPr>
-          <p:cNvPr id="7" name="Obdĺžnik 6">
-            <a:extLst>
-              <a:ext uri="{FF2B5EF4-FFF2-40B4-BE49-F238E27FC236}">
-                <a16:creationId xmlns:a16="http://schemas.microsoft.com/office/drawing/2014/main" id="{04108261-A180-95CC-9CA0-0F17EF977A21}"/>
+          <p:cNvPr id="15" name="Obdĺžnik 14">
+            <a:extLst>
+              <a:ext uri="{FF2B5EF4-FFF2-40B4-BE49-F238E27FC236}">
+                <a16:creationId xmlns:a16="http://schemas.microsoft.com/office/drawing/2014/main" id="{F6F91D1D-3237-8E09-7C15-D3C61189B1A0}"/>
               </a:ext>
             </a:extLst>
           </p:cNvPr>
@@ -7350,8 +6715,8 @@
           <p:nvPr/>
         </p:nvSpPr>
         <p:spPr>
-          <a:xfrm rot="20045164">
-            <a:off x="-3054779" y="176404"/>
+          <a:xfrm rot="18501081">
+            <a:off x="6707938" y="5722176"/>
             <a:ext cx="9221473" cy="194591"/>
           </a:xfrm>
           <a:prstGeom prst="rect">
@@ -7403,10 +6768,10 @@
       </p:sp>
       <p:sp>
         <p:nvSpPr>
-          <p:cNvPr id="9" name="Obdĺžnik 8">
-            <a:extLst>
-              <a:ext uri="{FF2B5EF4-FFF2-40B4-BE49-F238E27FC236}">
-                <a16:creationId xmlns:a16="http://schemas.microsoft.com/office/drawing/2014/main" id="{51B5EBE5-6FBC-D21C-DA17-41CF76159813}"/>
+          <p:cNvPr id="17" name="Obdĺžnik 16">
+            <a:extLst>
+              <a:ext uri="{FF2B5EF4-FFF2-40B4-BE49-F238E27FC236}">
+                <a16:creationId xmlns:a16="http://schemas.microsoft.com/office/drawing/2014/main" id="{024A4C29-8C71-65B4-DE0A-53664A65CBB3}"/>
               </a:ext>
             </a:extLst>
           </p:cNvPr>
@@ -7414,8 +6779,8 @@
           <p:nvPr/>
         </p:nvSpPr>
         <p:spPr>
-          <a:xfrm rot="20045164">
-            <a:off x="-3926114" y="-324112"/>
+          <a:xfrm rot="18501081">
+            <a:off x="6649400" y="4466918"/>
             <a:ext cx="9220123" cy="532110"/>
           </a:xfrm>
           <a:prstGeom prst="rect">
@@ -7465,539 +6830,6 @@
           </a:p>
         </p:txBody>
       </p:sp>
-      <p:sp>
-        <p:nvSpPr>
-          <p:cNvPr id="11" name="Nadpis 1">
-            <a:extLst>
-              <a:ext uri="{FF2B5EF4-FFF2-40B4-BE49-F238E27FC236}">
-                <a16:creationId xmlns:a16="http://schemas.microsoft.com/office/drawing/2014/main" id="{0D416FD4-5952-4C85-47BE-67B5FFB3650C}"/>
-              </a:ext>
-            </a:extLst>
-          </p:cNvPr>
-          <p:cNvSpPr txBox="1">
-            <a:spLocks/>
-          </p:cNvSpPr>
-          <p:nvPr/>
-        </p:nvSpPr>
-        <p:spPr>
-          <a:xfrm>
-            <a:off x="683947" y="3106196"/>
-            <a:ext cx="9570397" cy="3750844"/>
-          </a:xfrm>
-          <a:prstGeom prst="rect">
-            <a:avLst/>
-          </a:prstGeom>
-        </p:spPr>
-        <p:txBody>
-          <a:bodyPr vert="horz" lIns="91440" tIns="45720" rIns="91440" bIns="45720" rtlCol="0" anchor="t">
-            <a:noAutofit/>
-          </a:bodyPr>
-          <a:lstStyle>
-            <a:lvl1pPr algn="ctr" defTabSz="914400" rtl="0" eaLnBrk="1" latinLnBrk="0" hangingPunct="1">
-              <a:lnSpc>
-                <a:spcPct val="90000"/>
-              </a:lnSpc>
-              <a:spcBef>
-                <a:spcPct val="0"/>
-              </a:spcBef>
-              <a:buNone/>
-              <a:defRPr sz="6000" kern="1200">
-                <a:solidFill>
-                  <a:schemeClr val="tx1"/>
-                </a:solidFill>
-                <a:latin typeface="+mj-lt"/>
-                <a:ea typeface="+mj-ea"/>
-                <a:cs typeface="+mj-cs"/>
-              </a:defRPr>
-            </a:lvl1pPr>
-          </a:lstStyle>
-          <a:p>
-            <a:pPr algn="l"/>
-            <a:r>
-              <a:rPr lang="sk-SK" sz="1800" dirty="0">
-                <a:solidFill>
-                  <a:schemeClr val="bg1"/>
-                </a:solidFill>
-                <a:effectLst/>
-                <a:latin typeface="Lucida Console" panose="020B0609040504020204" pitchFamily="49" charset="0"/>
-              </a:rPr>
-              <a:t>Stupňovitá pyramída v </a:t>
-            </a:r>
-            <a:r>
-              <a:rPr lang="sk-SK" sz="1800" dirty="0" err="1">
-                <a:solidFill>
-                  <a:schemeClr val="bg1"/>
-                </a:solidFill>
-                <a:effectLst/>
-                <a:latin typeface="Lucida Console" panose="020B0609040504020204" pitchFamily="49" charset="0"/>
-              </a:rPr>
-              <a:t>Sakkáre</a:t>
-            </a:r>
-            <a:r>
-              <a:rPr lang="sk-SK" sz="1800" dirty="0">
-                <a:solidFill>
-                  <a:schemeClr val="bg1"/>
-                </a:solidFill>
-                <a:effectLst/>
-                <a:latin typeface="Lucida Console" panose="020B0609040504020204" pitchFamily="49" charset="0"/>
-              </a:rPr>
-              <a:t> (iné názvy: </a:t>
-            </a:r>
-            <a:r>
-              <a:rPr lang="sk-SK" sz="1800" dirty="0" err="1">
-                <a:solidFill>
-                  <a:schemeClr val="bg1"/>
-                </a:solidFill>
-                <a:effectLst/>
-                <a:latin typeface="Lucida Console" panose="020B0609040504020204" pitchFamily="49" charset="0"/>
-              </a:rPr>
-              <a:t>Džoserova</a:t>
-            </a:r>
-            <a:r>
-              <a:rPr lang="sk-SK" sz="1800" dirty="0">
-                <a:solidFill>
-                  <a:schemeClr val="bg1"/>
-                </a:solidFill>
-                <a:effectLst/>
-                <a:latin typeface="Lucida Console" panose="020B0609040504020204" pitchFamily="49" charset="0"/>
-              </a:rPr>
-              <a:t> pyramída, </a:t>
-            </a:r>
-            <a:r>
-              <a:rPr lang="sk-SK" sz="1800" dirty="0" err="1">
-                <a:solidFill>
-                  <a:schemeClr val="bg1"/>
-                </a:solidFill>
-                <a:effectLst/>
-                <a:latin typeface="Lucida Console" panose="020B0609040504020204" pitchFamily="49" charset="0"/>
-              </a:rPr>
-              <a:t>Necerichetova</a:t>
-            </a:r>
-            <a:r>
-              <a:rPr lang="sk-SK" sz="1800" dirty="0">
-                <a:solidFill>
-                  <a:schemeClr val="bg1"/>
-                </a:solidFill>
-                <a:effectLst/>
-                <a:latin typeface="Lucida Console" panose="020B0609040504020204" pitchFamily="49" charset="0"/>
-              </a:rPr>
-              <a:t> pyramída, Pyramída </a:t>
-            </a:r>
-            <a:r>
-              <a:rPr lang="sk-SK" sz="1800" dirty="0" err="1">
-                <a:solidFill>
-                  <a:schemeClr val="bg1"/>
-                </a:solidFill>
-                <a:effectLst/>
-                <a:latin typeface="Lucida Console" panose="020B0609040504020204" pitchFamily="49" charset="0"/>
-              </a:rPr>
-              <a:t>Lepsius</a:t>
-            </a:r>
-            <a:r>
-              <a:rPr lang="sk-SK" sz="1800" dirty="0">
-                <a:solidFill>
-                  <a:schemeClr val="bg1"/>
-                </a:solidFill>
-                <a:effectLst/>
-                <a:latin typeface="Lucida Console" panose="020B0609040504020204" pitchFamily="49" charset="0"/>
-              </a:rPr>
-              <a:t> XXXII) je </a:t>
-            </a:r>
-            <a:r>
-              <a:rPr lang="sk-SK" sz="1800" strike="noStrike" dirty="0">
-                <a:solidFill>
-                  <a:schemeClr val="bg1"/>
-                </a:solidFill>
-                <a:effectLst/>
-                <a:latin typeface="Lucida Console" panose="020B0609040504020204" pitchFamily="49" charset="0"/>
-              </a:rPr>
-              <a:t>staroegyptská</a:t>
-            </a:r>
-            <a:r>
-              <a:rPr lang="sk-SK" sz="1800" dirty="0">
-                <a:solidFill>
-                  <a:schemeClr val="bg1"/>
-                </a:solidFill>
-                <a:effectLst/>
-                <a:latin typeface="Lucida Console" panose="020B0609040504020204" pitchFamily="49" charset="0"/>
-              </a:rPr>
-              <a:t> pamiatka, súbor objektov starovekej pohrebnej a kultovej architektúry a </a:t>
-            </a:r>
-            <a:r>
-              <a:rPr lang="sk-SK" sz="1800" strike="noStrike" dirty="0">
-                <a:solidFill>
-                  <a:schemeClr val="bg1"/>
-                </a:solidFill>
-                <a:effectLst/>
-                <a:latin typeface="Lucida Console" panose="020B0609040504020204" pitchFamily="49" charset="0"/>
-              </a:rPr>
-              <a:t>archeologická</a:t>
-            </a:r>
-            <a:r>
-              <a:rPr lang="sk-SK" sz="1800" dirty="0">
-                <a:solidFill>
-                  <a:schemeClr val="bg1"/>
-                </a:solidFill>
-                <a:effectLst/>
-                <a:latin typeface="Lucida Console" panose="020B0609040504020204" pitchFamily="49" charset="0"/>
-              </a:rPr>
-              <a:t> lokalita z obdobia okolo roku 2600 pred Kr. Je súčasťou pohrebiska pri dedine </a:t>
-            </a:r>
-            <a:r>
-              <a:rPr lang="sk-SK" sz="1800" strike="noStrike" dirty="0">
-                <a:solidFill>
-                  <a:schemeClr val="bg1"/>
-                </a:solidFill>
-                <a:effectLst/>
-                <a:latin typeface="Lucida Console" panose="020B0609040504020204" pitchFamily="49" charset="0"/>
-              </a:rPr>
-              <a:t>Sakkára</a:t>
-            </a:r>
-            <a:r>
-              <a:rPr lang="sk-SK" sz="1800" dirty="0">
-                <a:solidFill>
-                  <a:schemeClr val="bg1"/>
-                </a:solidFill>
-                <a:effectLst/>
-                <a:latin typeface="Lucida Console" panose="020B0609040504020204" pitchFamily="49" charset="0"/>
-              </a:rPr>
-              <a:t> v</a:t>
-            </a:r>
-          </a:p>
-          <a:p>
-            <a:pPr algn="l"/>
-            <a:r>
-              <a:rPr lang="sk-SK" sz="1800" dirty="0">
-                <a:solidFill>
-                  <a:schemeClr val="bg1"/>
-                </a:solidFill>
-                <a:effectLst/>
-                <a:latin typeface="Lucida Console" panose="020B0609040504020204" pitchFamily="49" charset="0"/>
-              </a:rPr>
-              <a:t>dnešnom </a:t>
-            </a:r>
-            <a:r>
-              <a:rPr lang="sk-SK" sz="1800" strike="noStrike" dirty="0">
-                <a:solidFill>
-                  <a:schemeClr val="bg1"/>
-                </a:solidFill>
-                <a:effectLst/>
-                <a:latin typeface="Lucida Console" panose="020B0609040504020204" pitchFamily="49" charset="0"/>
-              </a:rPr>
-              <a:t>Egypte</a:t>
-            </a:r>
-            <a:r>
-              <a:rPr lang="sk-SK" sz="1800" dirty="0">
-                <a:solidFill>
-                  <a:schemeClr val="bg1"/>
-                </a:solidFill>
-                <a:effectLst/>
-                <a:latin typeface="Lucida Console" panose="020B0609040504020204" pitchFamily="49" charset="0"/>
-              </a:rPr>
-              <a:t>. V staroveku toto pohrebisko patrilo mestu </a:t>
-            </a:r>
-            <a:r>
-              <a:rPr lang="sk-SK" sz="1800" strike="noStrike" dirty="0">
-                <a:solidFill>
-                  <a:schemeClr val="bg1"/>
-                </a:solidFill>
-                <a:effectLst/>
-                <a:latin typeface="Lucida Console" panose="020B0609040504020204" pitchFamily="49" charset="0"/>
-              </a:rPr>
-              <a:t>Mennofer</a:t>
-            </a:r>
-            <a:r>
-              <a:rPr lang="sk-SK" sz="1800" dirty="0">
-                <a:solidFill>
-                  <a:schemeClr val="bg1"/>
-                </a:solidFill>
-                <a:effectLst/>
-                <a:latin typeface="Lucida Console" panose="020B0609040504020204" pitchFamily="49" charset="0"/>
-              </a:rPr>
-              <a:t>, ktoré bolo hlavným sídlom ríše. </a:t>
-            </a:r>
-            <a:r>
-              <a:rPr lang="sk-SK" sz="1800" strike="noStrike" dirty="0">
-                <a:solidFill>
-                  <a:schemeClr val="bg1"/>
-                </a:solidFill>
-                <a:effectLst/>
-                <a:latin typeface="Lucida Console" panose="020B0609040504020204" pitchFamily="49" charset="0"/>
-              </a:rPr>
-              <a:t>Pyramída</a:t>
-            </a:r>
-            <a:r>
-              <a:rPr lang="sk-SK" sz="1800" dirty="0">
-                <a:solidFill>
-                  <a:schemeClr val="bg1"/>
-                </a:solidFill>
-                <a:effectLst/>
-                <a:latin typeface="Lucida Console" panose="020B0609040504020204" pitchFamily="49" charset="0"/>
-              </a:rPr>
-              <a:t> bola postavená ako hrobka pre faraóna </a:t>
-            </a:r>
-            <a:r>
-              <a:rPr lang="sk-SK" sz="1800" strike="noStrike" dirty="0">
-                <a:solidFill>
-                  <a:schemeClr val="bg1"/>
-                </a:solidFill>
-                <a:effectLst/>
-                <a:latin typeface="Lucida Console" panose="020B0609040504020204" pitchFamily="49" charset="0"/>
-              </a:rPr>
-              <a:t>Necericheta</a:t>
-            </a:r>
-            <a:r>
-              <a:rPr lang="sk-SK" sz="1800" dirty="0">
-                <a:solidFill>
-                  <a:schemeClr val="bg1"/>
-                </a:solidFill>
-                <a:effectLst/>
-                <a:latin typeface="Lucida Console" panose="020B0609040504020204" pitchFamily="49" charset="0"/>
-              </a:rPr>
-              <a:t> jeho vezírom a </a:t>
-            </a:r>
-            <a:r>
-              <a:rPr lang="sk-SK" sz="1800" strike="noStrike" dirty="0">
-                <a:solidFill>
-                  <a:schemeClr val="bg1"/>
-                </a:solidFill>
-                <a:effectLst/>
-                <a:latin typeface="Lucida Console" panose="020B0609040504020204" pitchFamily="49" charset="0"/>
-              </a:rPr>
-              <a:t>héliopolitským</a:t>
-            </a:r>
-            <a:r>
-              <a:rPr lang="sk-SK" sz="1800" dirty="0">
-                <a:solidFill>
-                  <a:schemeClr val="bg1"/>
-                </a:solidFill>
-                <a:effectLst/>
-                <a:latin typeface="Lucida Console" panose="020B0609040504020204" pitchFamily="49" charset="0"/>
-              </a:rPr>
-              <a:t> veľkňazom </a:t>
-            </a:r>
-            <a:r>
-              <a:rPr lang="sk-SK" sz="1800" strike="noStrike" dirty="0">
-                <a:solidFill>
-                  <a:schemeClr val="bg1"/>
-                </a:solidFill>
-                <a:effectLst/>
-                <a:latin typeface="Lucida Console" panose="020B0609040504020204" pitchFamily="49" charset="0"/>
-              </a:rPr>
-              <a:t>Imhotepom</a:t>
-            </a:r>
-            <a:r>
-              <a:rPr lang="sk-SK" sz="1800" dirty="0">
-                <a:solidFill>
-                  <a:schemeClr val="bg1"/>
-                </a:solidFill>
-                <a:effectLst/>
-                <a:latin typeface="Lucida Console" panose="020B0609040504020204" pitchFamily="49" charset="0"/>
-              </a:rPr>
-              <a:t> v 27. storočí pred Kr. V rozľahlom zádušnom komplexe sa nachádzajú ďalšie pohrebné a kultové objekty a dekorácie.</a:t>
-            </a:r>
-            <a:endParaRPr lang="sk-SK" sz="4800" dirty="0">
-              <a:solidFill>
-                <a:schemeClr val="bg1"/>
-              </a:solidFill>
-              <a:latin typeface="Lucida Console" panose="020B0609040504020204" pitchFamily="49" charset="0"/>
-              <a:cs typeface="Segoe UI" panose="020B0502040204020203" pitchFamily="34" charset="0"/>
-            </a:endParaRPr>
-          </a:p>
-        </p:txBody>
-      </p:sp>
-      <p:sp>
-        <p:nvSpPr>
-          <p:cNvPr id="12" name="Obdĺžnik 11">
-            <a:extLst>
-              <a:ext uri="{FF2B5EF4-FFF2-40B4-BE49-F238E27FC236}">
-                <a16:creationId xmlns:a16="http://schemas.microsoft.com/office/drawing/2014/main" id="{5055D996-73F5-49DC-01A8-97E9E2A0C496}"/>
-              </a:ext>
-            </a:extLst>
-          </p:cNvPr>
-          <p:cNvSpPr/>
-          <p:nvPr/>
-        </p:nvSpPr>
-        <p:spPr>
-          <a:xfrm rot="18501081">
-            <a:off x="7202792" y="6401210"/>
-            <a:ext cx="9220123" cy="532110"/>
-          </a:xfrm>
-          <a:prstGeom prst="rect">
-            <a:avLst/>
-          </a:prstGeom>
-          <a:gradFill>
-            <a:gsLst>
-              <a:gs pos="35000">
-                <a:srgbClr val="CCFF99">
-                  <a:lumMod val="96000"/>
-                </a:srgbClr>
-              </a:gs>
-              <a:gs pos="66000">
-                <a:schemeClr val="accent1"/>
-              </a:gs>
-            </a:gsLst>
-            <a:path path="circle">
-              <a:fillToRect l="100000" b="100000"/>
-            </a:path>
-          </a:gradFill>
-          <a:ln>
-            <a:noFill/>
-          </a:ln>
-        </p:spPr>
-        <p:style>
-          <a:lnRef idx="2">
-            <a:schemeClr val="accent1">
-              <a:shade val="50000"/>
-            </a:schemeClr>
-          </a:lnRef>
-          <a:fillRef idx="1">
-            <a:schemeClr val="accent1"/>
-          </a:fillRef>
-          <a:effectRef idx="0">
-            <a:schemeClr val="accent1"/>
-          </a:effectRef>
-          <a:fontRef idx="minor">
-            <a:schemeClr val="lt1"/>
-          </a:fontRef>
-        </p:style>
-        <p:txBody>
-          <a:bodyPr rtlCol="0" anchor="ctr"/>
-          <a:lstStyle/>
-          <a:p>
-            <a:pPr algn="ctr"/>
-            <a:endParaRPr lang="sk-SK"/>
-          </a:p>
-        </p:txBody>
-      </p:sp>
-      <p:sp>
-        <p:nvSpPr>
-          <p:cNvPr id="15" name="Obdĺžnik 14">
-            <a:extLst>
-              <a:ext uri="{FF2B5EF4-FFF2-40B4-BE49-F238E27FC236}">
-                <a16:creationId xmlns:a16="http://schemas.microsoft.com/office/drawing/2014/main" id="{F6F91D1D-3237-8E09-7C15-D3C61189B1A0}"/>
-              </a:ext>
-            </a:extLst>
-          </p:cNvPr>
-          <p:cNvSpPr/>
-          <p:nvPr/>
-        </p:nvSpPr>
-        <p:spPr>
-          <a:xfrm rot="18501081">
-            <a:off x="6707938" y="5722176"/>
-            <a:ext cx="9221473" cy="194591"/>
-          </a:xfrm>
-          <a:prstGeom prst="rect">
-            <a:avLst/>
-          </a:prstGeom>
-          <a:gradFill>
-            <a:gsLst>
-              <a:gs pos="35000">
-                <a:srgbClr val="CCFF99">
-                  <a:lumMod val="96000"/>
-                </a:srgbClr>
-              </a:gs>
-              <a:gs pos="66000">
-                <a:schemeClr val="accent1"/>
-              </a:gs>
-            </a:gsLst>
-            <a:path path="circle">
-              <a:fillToRect l="100000" b="100000"/>
-            </a:path>
-          </a:gradFill>
-          <a:ln>
-            <a:noFill/>
-          </a:ln>
-        </p:spPr>
-        <p:style>
-          <a:lnRef idx="2">
-            <a:schemeClr val="accent1">
-              <a:shade val="50000"/>
-            </a:schemeClr>
-          </a:lnRef>
-          <a:fillRef idx="1">
-            <a:schemeClr val="accent1"/>
-          </a:fillRef>
-          <a:effectRef idx="0">
-            <a:schemeClr val="accent1"/>
-          </a:effectRef>
-          <a:fontRef idx="minor">
-            <a:schemeClr val="lt1"/>
-          </a:fontRef>
-        </p:style>
-        <p:txBody>
-          <a:bodyPr rtlCol="0" anchor="ctr"/>
-          <a:lstStyle/>
-          <a:p>
-            <a:pPr algn="ctr"/>
-            <a:endParaRPr lang="sk-SK"/>
-          </a:p>
-        </p:txBody>
-      </p:sp>
-      <p:sp>
-        <p:nvSpPr>
-          <p:cNvPr id="17" name="Obdĺžnik 16">
-            <a:extLst>
-              <a:ext uri="{FF2B5EF4-FFF2-40B4-BE49-F238E27FC236}">
-                <a16:creationId xmlns:a16="http://schemas.microsoft.com/office/drawing/2014/main" id="{024A4C29-8C71-65B4-DE0A-53664A65CBB3}"/>
-              </a:ext>
-            </a:extLst>
-          </p:cNvPr>
-          <p:cNvSpPr/>
-          <p:nvPr/>
-        </p:nvSpPr>
-        <p:spPr>
-          <a:xfrm rot="18501081">
-            <a:off x="6649400" y="4466918"/>
-            <a:ext cx="9220123" cy="532110"/>
-          </a:xfrm>
-          <a:prstGeom prst="rect">
-            <a:avLst/>
-          </a:prstGeom>
-          <a:gradFill>
-            <a:gsLst>
-              <a:gs pos="35000">
-                <a:srgbClr val="CCFF99">
-                  <a:lumMod val="96000"/>
-                </a:srgbClr>
-              </a:gs>
-              <a:gs pos="66000">
-                <a:schemeClr val="accent1"/>
-              </a:gs>
-            </a:gsLst>
-            <a:path path="circle">
-              <a:fillToRect l="100000" b="100000"/>
-            </a:path>
-          </a:gradFill>
-          <a:ln>
-            <a:noFill/>
-          </a:ln>
-        </p:spPr>
-        <p:style>
-          <a:lnRef idx="2">
-            <a:schemeClr val="accent1">
-              <a:shade val="50000"/>
-            </a:schemeClr>
-          </a:lnRef>
-          <a:fillRef idx="1">
-            <a:schemeClr val="accent1"/>
-          </a:fillRef>
-          <a:effectRef idx="0">
-            <a:schemeClr val="accent1"/>
-          </a:effectRef>
-          <a:fontRef idx="minor">
-            <a:schemeClr val="lt1"/>
-          </a:fontRef>
-        </p:style>
-        <p:txBody>
-          <a:bodyPr rtlCol="0" anchor="ctr"/>
-          <a:lstStyle/>
-          <a:p>
-            <a:pPr algn="ctr"/>
-            <a:endParaRPr lang="sk-SK"/>
-          </a:p>
-        </p:txBody>
-      </p:sp>
       <p:pic>
         <p:nvPicPr>
           <p:cNvPr id="18" name="Graphic 7">
@@ -8239,13 +7071,13 @@
   <p:clrMapOvr>
     <a:masterClrMapping/>
   </p:clrMapOvr>
-  <mc:AlternateContent xmlns:mc="http://schemas.openxmlformats.org/markup-compatibility/2006">
-    <mc:Choice xmlns:p159="http://schemas.microsoft.com/office/powerpoint/2015/09/main" Requires="p159">
+  <mc:AlternateContent xmlns:mc="http://schemas.openxmlformats.org/markup-compatibility/2006" xmlns:p159="http://schemas.microsoft.com/office/powerpoint/2015/09/main">
+    <mc:Choice Requires="p159">
       <p:transition xmlns:p14="http://schemas.microsoft.com/office/powerpoint/2010/main" spd="slow" p14:dur="2000">
         <p159:morph option="byObject"/>
       </p:transition>
     </mc:Choice>
-    <mc:Fallback>
+    <mc:Fallback xmlns="">
       <p:transition spd="slow">
         <p:fade/>
       </p:transition>
@@ -8254,90 +7086,7 @@
 </p:sld>
 </file>
 
-<file path=ppt/slides/slide15.xml><?xml version="1.0" encoding="utf-8"?>
-<p:sld xmlns:a="http://schemas.openxmlformats.org/drawingml/2006/main" xmlns:r="http://schemas.openxmlformats.org/officeDocument/2006/relationships" xmlns:p="http://schemas.openxmlformats.org/presentationml/2006/main" show="0">
-  <p:cSld>
-    <p:spTree>
-      <p:nvGrpSpPr>
-        <p:cNvPr id="1" name=""/>
-        <p:cNvGrpSpPr/>
-        <p:nvPr/>
-      </p:nvGrpSpPr>
-      <p:grpSpPr>
-        <a:xfrm>
-          <a:off x="0" y="0"/>
-          <a:ext cx="0" cy="0"/>
-          <a:chOff x="0" y="0"/>
-          <a:chExt cx="0" cy="0"/>
-        </a:xfrm>
-      </p:grpSpPr>
-      <p:sp>
-        <p:nvSpPr>
-          <p:cNvPr id="2" name="Nadpis 1">
-            <a:extLst>
-              <a:ext uri="{FF2B5EF4-FFF2-40B4-BE49-F238E27FC236}">
-                <a16:creationId xmlns:a16="http://schemas.microsoft.com/office/drawing/2014/main" id="{EFF9E1E9-C18C-B042-E20D-BD764C02CD04}"/>
-              </a:ext>
-            </a:extLst>
-          </p:cNvPr>
-          <p:cNvSpPr>
-            <a:spLocks noGrp="1"/>
-          </p:cNvSpPr>
-          <p:nvPr>
-            <p:ph type="title"/>
-          </p:nvPr>
-        </p:nvSpPr>
-        <p:spPr/>
-        <p:txBody>
-          <a:bodyPr/>
-          <a:lstStyle/>
-          <a:p>
-            <a:endParaRPr lang="sk-SK" dirty="0"/>
-          </a:p>
-        </p:txBody>
-      </p:sp>
-      <p:sp>
-        <p:nvSpPr>
-          <p:cNvPr id="3" name="Zástupný objekt pre obsah 2">
-            <a:extLst>
-              <a:ext uri="{FF2B5EF4-FFF2-40B4-BE49-F238E27FC236}">
-                <a16:creationId xmlns:a16="http://schemas.microsoft.com/office/drawing/2014/main" id="{40C8E0D5-E28C-4E8B-8BEA-FA8BC9C6097E}"/>
-              </a:ext>
-            </a:extLst>
-          </p:cNvPr>
-          <p:cNvSpPr>
-            <a:spLocks noGrp="1"/>
-          </p:cNvSpPr>
-          <p:nvPr>
-            <p:ph idx="1"/>
-          </p:nvPr>
-        </p:nvSpPr>
-        <p:spPr/>
-        <p:txBody>
-          <a:bodyPr/>
-          <a:lstStyle/>
-          <a:p>
-            <a:r>
-              <a:rPr lang="sk-SK" dirty="0"/>
-              <a:t>Výsledky práce</a:t>
-            </a:r>
-          </a:p>
-        </p:txBody>
-      </p:sp>
-    </p:spTree>
-    <p:extLst>
-      <p:ext uri="{BB962C8B-B14F-4D97-AF65-F5344CB8AC3E}">
-        <p14:creationId xmlns:p14="http://schemas.microsoft.com/office/powerpoint/2010/main" val="196683591"/>
-      </p:ext>
-    </p:extLst>
-  </p:cSld>
-  <p:clrMapOvr>
-    <a:masterClrMapping/>
-  </p:clrMapOvr>
-</p:sld>
-</file>
-
-<file path=ppt/slides/slide16.xml><?xml version="1.0" encoding="utf-8"?>
+<file path=ppt/slides/slide12.xml><?xml version="1.0" encoding="utf-8"?>
 <p:sld xmlns:a="http://schemas.openxmlformats.org/drawingml/2006/main" xmlns:r="http://schemas.openxmlformats.org/officeDocument/2006/relationships" xmlns:p="http://schemas.openxmlformats.org/presentationml/2006/main">
   <p:cSld>
     <p:spTree>
@@ -9277,13 +8026,13 @@
   <p:clrMapOvr>
     <a:masterClrMapping/>
   </p:clrMapOvr>
-  <mc:AlternateContent xmlns:mc="http://schemas.openxmlformats.org/markup-compatibility/2006">
-    <mc:Choice xmlns:p159="http://schemas.microsoft.com/office/powerpoint/2015/09/main" Requires="p159">
+  <mc:AlternateContent xmlns:mc="http://schemas.openxmlformats.org/markup-compatibility/2006" xmlns:p159="http://schemas.microsoft.com/office/powerpoint/2015/09/main">
+    <mc:Choice Requires="p159">
       <p:transition xmlns:p14="http://schemas.microsoft.com/office/powerpoint/2010/main" spd="slow" p14:dur="2000">
         <p159:morph option="byObject"/>
       </p:transition>
     </mc:Choice>
-    <mc:Fallback>
+    <mc:Fallback xmlns="">
       <p:transition spd="slow">
         <p:fade/>
       </p:transition>
@@ -11064,8 +9813,8 @@
           </a:p>
         </p:txBody>
       </p:sp>
-      <mc:AlternateContent xmlns:mc="http://schemas.openxmlformats.org/markup-compatibility/2006">
-        <mc:Choice xmlns:pslz="http://schemas.microsoft.com/office/powerpoint/2016/slidezoom" Requires="pslz">
+      <mc:AlternateContent xmlns:mc="http://schemas.openxmlformats.org/markup-compatibility/2006" xmlns:pslz="http://schemas.microsoft.com/office/powerpoint/2016/slidezoom">
+        <mc:Choice Requires="pslz">
           <p:graphicFrame>
             <p:nvGraphicFramePr>
               <p:cNvPr id="19" name="Náhľad snímky 18">
@@ -11122,7 +9871,7 @@
             </a:graphic>
           </p:graphicFrame>
         </mc:Choice>
-        <mc:Fallback>
+        <mc:Fallback xmlns="">
           <p:pic>
             <p:nvPicPr>
               <p:cNvPr id="19" name="Náhľad snímky 18">
@@ -11139,7 +9888,7 @@
               <p:nvPr/>
             </p:nvPicPr>
             <p:blipFill>
-              <a:blip r:embed="rId6"/>
+              <a:blip r:embed="rId8"/>
               <a:stretch>
                 <a:fillRect/>
               </a:stretch>
@@ -11161,8 +9910,8 @@
           </p:pic>
         </mc:Fallback>
       </mc:AlternateContent>
-      <mc:AlternateContent xmlns:mc="http://schemas.openxmlformats.org/markup-compatibility/2006">
-        <mc:Choice xmlns:pslz="http://schemas.microsoft.com/office/powerpoint/2016/slidezoom" Requires="pslz">
+      <mc:AlternateContent xmlns:mc="http://schemas.openxmlformats.org/markup-compatibility/2006" xmlns:pslz="http://schemas.microsoft.com/office/powerpoint/2016/slidezoom">
+        <mc:Choice Requires="pslz">
           <p:graphicFrame>
             <p:nvGraphicFramePr>
               <p:cNvPr id="22" name="Náhľad snímky 21">
@@ -11193,7 +9942,7 @@
                   <pslz:sldZmObj sldId="302" cId="1018624510">
                     <pslz:zmPr id="{EA8A90EC-DB4C-4F50-8433-F0DF61AD3724}" returnToParent="0" transitionDur="1000">
                       <p166:blipFill xmlns:p166="http://schemas.microsoft.com/office/powerpoint/2016/6/main">
-                        <a:blip r:embed="rId8"/>
+                        <a:blip r:embed="rId9"/>
                         <a:stretch>
                           <a:fillRect/>
                         </a:stretch>
@@ -11219,11 +9968,11 @@
             </a:graphic>
           </p:graphicFrame>
         </mc:Choice>
-        <mc:Fallback>
+        <mc:Fallback xmlns="">
           <p:pic>
             <p:nvPicPr>
               <p:cNvPr id="22" name="Náhľad snímky 21">
-                <a:hlinkClick r:id="rId9" action="ppaction://hlinksldjump"/>
+                <a:hlinkClick r:id="rId10" action="ppaction://hlinksldjump"/>
                 <a:extLst>
                   <a:ext uri="{FF2B5EF4-FFF2-40B4-BE49-F238E27FC236}">
                     <a16:creationId xmlns:a16="http://schemas.microsoft.com/office/drawing/2014/main" id="{95952E31-DF54-2828-1B97-FEDA60D98F9E}"/>
@@ -11236,7 +9985,7 @@
               <p:nvPr/>
             </p:nvPicPr>
             <p:blipFill>
-              <a:blip r:embed="rId8"/>
+              <a:blip r:embed="rId11"/>
               <a:stretch>
                 <a:fillRect/>
               </a:stretch>
@@ -11258,8 +10007,8 @@
           </p:pic>
         </mc:Fallback>
       </mc:AlternateContent>
-      <mc:AlternateContent xmlns:mc="http://schemas.openxmlformats.org/markup-compatibility/2006">
-        <mc:Choice xmlns:pslz="http://schemas.microsoft.com/office/powerpoint/2016/slidezoom" Requires="pslz">
+      <mc:AlternateContent xmlns:mc="http://schemas.openxmlformats.org/markup-compatibility/2006" xmlns:pslz="http://schemas.microsoft.com/office/powerpoint/2016/slidezoom">
+        <mc:Choice Requires="pslz">
           <p:graphicFrame>
             <p:nvGraphicFramePr>
               <p:cNvPr id="26" name="Náhľad snímky 25">
@@ -11290,7 +10039,7 @@
                   <pslz:sldZmObj sldId="301" cId="2950850305">
                     <pslz:zmPr id="{55BA5FB7-53B6-4A28-8979-3F7277E8C0A0}" returnToParent="0" transitionDur="1000">
                       <p166:blipFill xmlns:p166="http://schemas.microsoft.com/office/powerpoint/2016/6/main">
-                        <a:blip r:embed="rId10"/>
+                        <a:blip r:embed="rId12"/>
                         <a:stretch>
                           <a:fillRect/>
                         </a:stretch>
@@ -11316,11 +10065,11 @@
             </a:graphic>
           </p:graphicFrame>
         </mc:Choice>
-        <mc:Fallback>
+        <mc:Fallback xmlns="">
           <p:pic>
             <p:nvPicPr>
               <p:cNvPr id="26" name="Náhľad snímky 25">
-                <a:hlinkClick r:id="rId11" action="ppaction://hlinksldjump"/>
+                <a:hlinkClick r:id="rId13" action="ppaction://hlinksldjump"/>
                 <a:extLst>
                   <a:ext uri="{FF2B5EF4-FFF2-40B4-BE49-F238E27FC236}">
                     <a16:creationId xmlns:a16="http://schemas.microsoft.com/office/drawing/2014/main" id="{4FCAB4C5-99CF-5787-9583-D17A22922FCD}"/>
@@ -11333,7 +10082,7 @@
               <p:nvPr/>
             </p:nvPicPr>
             <p:blipFill>
-              <a:blip r:embed="rId10"/>
+              <a:blip r:embed="rId14"/>
               <a:stretch>
                 <a:fillRect/>
               </a:stretch>
@@ -11355,8 +10104,8 @@
           </p:pic>
         </mc:Fallback>
       </mc:AlternateContent>
-      <mc:AlternateContent xmlns:mc="http://schemas.openxmlformats.org/markup-compatibility/2006">
-        <mc:Choice xmlns:pslz="http://schemas.microsoft.com/office/powerpoint/2016/slidezoom" Requires="pslz">
+      <mc:AlternateContent xmlns:mc="http://schemas.openxmlformats.org/markup-compatibility/2006" xmlns:pslz="http://schemas.microsoft.com/office/powerpoint/2016/slidezoom">
+        <mc:Choice Requires="pslz">
           <p:graphicFrame>
             <p:nvGraphicFramePr>
               <p:cNvPr id="28" name="Náhľad snímky 27">
@@ -11387,7 +10136,7 @@
                   <pslz:sldZmObj sldId="295" cId="2186824041">
                     <pslz:zmPr id="{6CBB6091-5F3F-43C3-885A-574B793448C6}" returnToParent="0" transitionDur="1000">
                       <p166:blipFill xmlns:p166="http://schemas.microsoft.com/office/powerpoint/2016/6/main">
-                        <a:blip r:embed="rId12"/>
+                        <a:blip r:embed="rId15"/>
                         <a:stretch>
                           <a:fillRect/>
                         </a:stretch>
@@ -11413,11 +10162,11 @@
             </a:graphic>
           </p:graphicFrame>
         </mc:Choice>
-        <mc:Fallback>
+        <mc:Fallback xmlns="">
           <p:pic>
             <p:nvPicPr>
               <p:cNvPr id="28" name="Náhľad snímky 27">
-                <a:hlinkClick r:id="rId13" action="ppaction://hlinksldjump"/>
+                <a:hlinkClick r:id="rId16" action="ppaction://hlinksldjump"/>
                 <a:extLst>
                   <a:ext uri="{FF2B5EF4-FFF2-40B4-BE49-F238E27FC236}">
                     <a16:creationId xmlns:a16="http://schemas.microsoft.com/office/drawing/2014/main" id="{7A26AF84-A7C7-5B0C-CE35-DE5BBBB98C4D}"/>
@@ -11430,7 +10179,7 @@
               <p:nvPr/>
             </p:nvPicPr>
             <p:blipFill>
-              <a:blip r:embed="rId12"/>
+              <a:blip r:embed="rId17"/>
               <a:stretch>
                 <a:fillRect/>
               </a:stretch>
@@ -11942,7 +10691,7 @@
         </p:nvSpPr>
         <p:spPr>
           <a:xfrm>
-            <a:off x="7143787" y="3175961"/>
+            <a:off x="6871228" y="2964951"/>
             <a:ext cx="506077" cy="506077"/>
           </a:xfrm>
           <a:prstGeom prst="ellipse">
@@ -12018,8 +10767,8 @@
         </p:nvSpPr>
         <p:spPr>
           <a:xfrm>
-            <a:off x="7848320" y="3244333"/>
-            <a:ext cx="3033788" cy="369332"/>
+            <a:off x="7510220" y="2710984"/>
+            <a:ext cx="4549905" cy="877869"/>
           </a:xfrm>
           <a:prstGeom prst="rect">
             <a:avLst/>
@@ -12032,6 +10781,11 @@
           </a:bodyPr>
           <a:lstStyle/>
           <a:p>
+            <a:pPr lvl="0" algn="just">
+              <a:lnSpc>
+                <a:spcPct val="150000"/>
+              </a:lnSpc>
+            </a:pPr>
             <a:r>
               <a:rPr lang="sk-SK" sz="1800" dirty="0">
                 <a:solidFill>
@@ -12039,30 +10793,10 @@
                 </a:solidFill>
                 <a:effectLst/>
                 <a:latin typeface="Lucida Console" panose="020B0609040504020204" pitchFamily="49" charset="0"/>
+                <a:ea typeface="Times New Roman" panose="02020603050405020304" pitchFamily="18" charset="0"/>
               </a:rPr>
-              <a:t>dnešnom </a:t>
-            </a:r>
-            <a:r>
-              <a:rPr lang="sk-SK" sz="1800" strike="noStrike" dirty="0">
-                <a:solidFill>
-                  <a:schemeClr val="bg1"/>
-                </a:solidFill>
-                <a:effectLst/>
-                <a:latin typeface="Lucida Console" panose="020B0609040504020204" pitchFamily="49" charset="0"/>
-              </a:rPr>
-              <a:t>Egypte</a:t>
-            </a:r>
-            <a:r>
-              <a:rPr lang="sk-SK" sz="1800" dirty="0">
-                <a:solidFill>
-                  <a:schemeClr val="bg1"/>
-                </a:solidFill>
-                <a:effectLst/>
-                <a:latin typeface="Lucida Console" panose="020B0609040504020204" pitchFamily="49" charset="0"/>
-              </a:rPr>
-              <a:t>. V</a:t>
-            </a:r>
-            <a:endParaRPr lang="sk-SK" dirty="0"/>
+              <a:t>Spestrenie vyučovania najmä pre žiakov</a:t>
+            </a:r>
           </a:p>
         </p:txBody>
       </p:sp>
@@ -12082,7 +10816,7 @@
         </p:nvSpPr>
         <p:spPr>
           <a:xfrm>
-            <a:off x="714411" y="2565931"/>
+            <a:off x="131875" y="2162624"/>
             <a:ext cx="4228580" cy="2070530"/>
           </a:xfrm>
           <a:prstGeom prst="rect">
@@ -12113,83 +10847,22 @@
             </a:lvl1pPr>
           </a:lstStyle>
           <a:p>
-            <a:pPr algn="l"/>
+            <a:pPr algn="l">
+              <a:lnSpc>
+                <a:spcPct val="107000"/>
+              </a:lnSpc>
+              <a:spcAft>
+                <a:spcPts val="800"/>
+              </a:spcAft>
+            </a:pPr>
             <a:r>
               <a:rPr lang="sk-SK" sz="1800" dirty="0">
                 <a:effectLst/>
                 <a:latin typeface="Lucida Console" panose="020B0609040504020204" pitchFamily="49" charset="0"/>
+                <a:ea typeface="Calibri" panose="020F0502020204030204" pitchFamily="34" charset="0"/>
+                <a:cs typeface="Times New Roman" panose="02020603050405020304" pitchFamily="18" charset="0"/>
               </a:rPr>
-              <a:t>Stupňovitá pyramída v </a:t>
-            </a:r>
-            <a:r>
-              <a:rPr lang="sk-SK" sz="1800" dirty="0" err="1">
-                <a:effectLst/>
-                <a:latin typeface="Lucida Console" panose="020B0609040504020204" pitchFamily="49" charset="0"/>
-              </a:rPr>
-              <a:t>Sakkáre</a:t>
-            </a:r>
-            <a:r>
-              <a:rPr lang="sk-SK" sz="1800" dirty="0">
-                <a:effectLst/>
-                <a:latin typeface="Lucida Console" panose="020B0609040504020204" pitchFamily="49" charset="0"/>
-              </a:rPr>
-              <a:t> (iné názvy: </a:t>
-            </a:r>
-            <a:r>
-              <a:rPr lang="sk-SK" sz="1800" dirty="0" err="1">
-                <a:effectLst/>
-                <a:latin typeface="Lucida Console" panose="020B0609040504020204" pitchFamily="49" charset="0"/>
-              </a:rPr>
-              <a:t>Džoserova</a:t>
-            </a:r>
-            <a:r>
-              <a:rPr lang="sk-SK" sz="1800" dirty="0">
-                <a:effectLst/>
-                <a:latin typeface="Lucida Console" panose="020B0609040504020204" pitchFamily="49" charset="0"/>
-              </a:rPr>
-              <a:t> pyramída, </a:t>
-            </a:r>
-            <a:r>
-              <a:rPr lang="sk-SK" sz="1800" dirty="0" err="1">
-                <a:effectLst/>
-                <a:latin typeface="Lucida Console" panose="020B0609040504020204" pitchFamily="49" charset="0"/>
-              </a:rPr>
-              <a:t>Necerichetova</a:t>
-            </a:r>
-            <a:r>
-              <a:rPr lang="sk-SK" sz="1800" dirty="0">
-                <a:effectLst/>
-                <a:latin typeface="Lucida Console" panose="020B0609040504020204" pitchFamily="49" charset="0"/>
-              </a:rPr>
-              <a:t> pyramída, Pyramída </a:t>
-            </a:r>
-            <a:r>
-              <a:rPr lang="sk-SK" sz="1800" dirty="0" err="1">
-                <a:effectLst/>
-                <a:latin typeface="Lucida Console" panose="020B0609040504020204" pitchFamily="49" charset="0"/>
-              </a:rPr>
-              <a:t>Lepsius</a:t>
-            </a:r>
-            <a:r>
-              <a:rPr lang="sk-SK" sz="1800" dirty="0">
-                <a:effectLst/>
-                <a:latin typeface="Lucida Console" panose="020B0609040504020204" pitchFamily="49" charset="0"/>
-              </a:rPr>
-              <a:t> XXXII) je </a:t>
-            </a:r>
-            <a:r>
-              <a:rPr lang="sk-SK" sz="1800" strike="noStrike" dirty="0">
-                <a:effectLst/>
-                <a:latin typeface="Lucida Console" panose="020B0609040504020204" pitchFamily="49" charset="0"/>
-              </a:rPr>
-              <a:t>staroegyptská</a:t>
-            </a:r>
-            <a:r>
-              <a:rPr lang="sk-SK" sz="1800" dirty="0">
-                <a:effectLst/>
-                <a:latin typeface="Lucida Console" panose="020B0609040504020204" pitchFamily="49" charset="0"/>
-              </a:rPr>
-              <a:t> pamiatka, súbor objektov starovekej pohrebnej a</a:t>
+              <a:t>-úloha práce vytvoriť desať pracovných listov</a:t>
             </a:r>
           </a:p>
         </p:txBody>
@@ -12225,8 +10898,8 @@
         </p:blipFill>
         <p:spPr>
           <a:xfrm rot="16200000">
-            <a:off x="4982935" y="4354242"/>
-            <a:ext cx="3109434" cy="118015"/>
+            <a:off x="4855090" y="4482088"/>
+            <a:ext cx="3375213" cy="128102"/>
           </a:xfrm>
           <a:prstGeom prst="rect">
             <a:avLst/>
@@ -12247,7 +10920,7 @@
         </p:nvSpPr>
         <p:spPr>
           <a:xfrm>
-            <a:off x="10629069" y="3988760"/>
+            <a:off x="11157716" y="3962382"/>
             <a:ext cx="506077" cy="506077"/>
           </a:xfrm>
           <a:prstGeom prst="ellipse">
@@ -12323,8 +10996,8 @@
         </p:nvSpPr>
         <p:spPr>
           <a:xfrm>
-            <a:off x="7848320" y="4057133"/>
-            <a:ext cx="3033788" cy="369332"/>
+            <a:off x="6882298" y="3740809"/>
+            <a:ext cx="4151950" cy="877869"/>
           </a:xfrm>
           <a:prstGeom prst="rect">
             <a:avLst/>
@@ -12337,6 +11010,11 @@
           </a:bodyPr>
           <a:lstStyle/>
           <a:p>
+            <a:pPr lvl="0" algn="r">
+              <a:lnSpc>
+                <a:spcPct val="150000"/>
+              </a:lnSpc>
+            </a:pPr>
             <a:r>
               <a:rPr lang="sk-SK" sz="1800" dirty="0">
                 <a:solidFill>
@@ -12344,30 +11022,10 @@
                 </a:solidFill>
                 <a:effectLst/>
                 <a:latin typeface="Lucida Console" panose="020B0609040504020204" pitchFamily="49" charset="0"/>
+                <a:ea typeface="Times New Roman" panose="02020603050405020304" pitchFamily="18" charset="0"/>
               </a:rPr>
-              <a:t>dnešnom </a:t>
-            </a:r>
-            <a:r>
-              <a:rPr lang="sk-SK" sz="1800" strike="noStrike" dirty="0">
-                <a:solidFill>
-                  <a:schemeClr val="bg1"/>
-                </a:solidFill>
-                <a:effectLst/>
-                <a:latin typeface="Lucida Console" panose="020B0609040504020204" pitchFamily="49" charset="0"/>
-              </a:rPr>
-              <a:t>Egypte</a:t>
-            </a:r>
-            <a:r>
-              <a:rPr lang="sk-SK" sz="1800" dirty="0">
-                <a:solidFill>
-                  <a:schemeClr val="bg1"/>
-                </a:solidFill>
-                <a:effectLst/>
-                <a:latin typeface="Lucida Console" panose="020B0609040504020204" pitchFamily="49" charset="0"/>
-              </a:rPr>
-              <a:t>. V</a:t>
-            </a:r>
-            <a:endParaRPr lang="sk-SK" dirty="0"/>
+              <a:t>Oboznámenie žiakov s pojmom Internet vecí</a:t>
+            </a:r>
           </a:p>
         </p:txBody>
       </p:sp>
@@ -12385,7 +11043,7 @@
         </p:nvSpPr>
         <p:spPr>
           <a:xfrm>
-            <a:off x="7143787" y="4801561"/>
+            <a:off x="6871228" y="4898275"/>
             <a:ext cx="506077" cy="506077"/>
           </a:xfrm>
           <a:prstGeom prst="ellipse">
@@ -12449,68 +11107,6 @@
       </p:sp>
       <p:sp>
         <p:nvSpPr>
-          <p:cNvPr id="18" name="BlokTextu 17">
-            <a:extLst>
-              <a:ext uri="{FF2B5EF4-FFF2-40B4-BE49-F238E27FC236}">
-                <a16:creationId xmlns:a16="http://schemas.microsoft.com/office/drawing/2014/main" id="{210E7BC8-AE4E-A82A-B031-AD4A6E1E7471}"/>
-              </a:ext>
-            </a:extLst>
-          </p:cNvPr>
-          <p:cNvSpPr txBox="1"/>
-          <p:nvPr/>
-        </p:nvSpPr>
-        <p:spPr>
-          <a:xfrm>
-            <a:off x="7848320" y="4869933"/>
-            <a:ext cx="3033788" cy="369332"/>
-          </a:xfrm>
-          <a:prstGeom prst="rect">
-            <a:avLst/>
-          </a:prstGeom>
-          <a:noFill/>
-        </p:spPr>
-        <p:txBody>
-          <a:bodyPr wrap="square" rtlCol="0">
-            <a:spAutoFit/>
-          </a:bodyPr>
-          <a:lstStyle/>
-          <a:p>
-            <a:r>
-              <a:rPr lang="sk-SK" sz="1800" dirty="0">
-                <a:solidFill>
-                  <a:schemeClr val="bg1"/>
-                </a:solidFill>
-                <a:effectLst/>
-                <a:latin typeface="Lucida Console" panose="020B0609040504020204" pitchFamily="49" charset="0"/>
-              </a:rPr>
-              <a:t>dnešnom </a:t>
-            </a:r>
-            <a:r>
-              <a:rPr lang="sk-SK" sz="1800" strike="noStrike" dirty="0">
-                <a:solidFill>
-                  <a:schemeClr val="bg1"/>
-                </a:solidFill>
-                <a:effectLst/>
-                <a:latin typeface="Lucida Console" panose="020B0609040504020204" pitchFamily="49" charset="0"/>
-              </a:rPr>
-              <a:t>Egypte</a:t>
-            </a:r>
-            <a:r>
-              <a:rPr lang="sk-SK" sz="1800" dirty="0">
-                <a:solidFill>
-                  <a:schemeClr val="bg1"/>
-                </a:solidFill>
-                <a:effectLst/>
-                <a:latin typeface="Lucida Console" panose="020B0609040504020204" pitchFamily="49" charset="0"/>
-              </a:rPr>
-              <a:t>. V</a:t>
-            </a:r>
-            <a:endParaRPr lang="sk-SK" dirty="0"/>
-          </a:p>
-        </p:txBody>
-      </p:sp>
-      <p:sp>
-        <p:nvSpPr>
           <p:cNvPr id="19" name="!!kruh">
             <a:extLst>
               <a:ext uri="{FF2B5EF4-FFF2-40B4-BE49-F238E27FC236}">
@@ -12523,7 +11119,7 @@
         </p:nvSpPr>
         <p:spPr>
           <a:xfrm>
-            <a:off x="10629068" y="5601660"/>
+            <a:off x="11157716" y="5823402"/>
             <a:ext cx="506077" cy="506077"/>
           </a:xfrm>
           <a:prstGeom prst="ellipse">
@@ -12599,8 +11195,8 @@
         </p:nvSpPr>
         <p:spPr>
           <a:xfrm>
-            <a:off x="7848320" y="5682733"/>
-            <a:ext cx="3033788" cy="369332"/>
+            <a:off x="6630785" y="5672673"/>
+            <a:ext cx="4403463" cy="877869"/>
           </a:xfrm>
           <a:prstGeom prst="rect">
             <a:avLst/>
@@ -12613,6 +11209,11 @@
           </a:bodyPr>
           <a:lstStyle/>
           <a:p>
+            <a:pPr lvl="0" algn="r">
+              <a:lnSpc>
+                <a:spcPct val="150000"/>
+              </a:lnSpc>
+            </a:pPr>
             <a:r>
               <a:rPr lang="sk-SK" sz="1800" dirty="0">
                 <a:solidFill>
@@ -12620,30 +11221,29 @@
                 </a:solidFill>
                 <a:effectLst/>
                 <a:latin typeface="Lucida Console" panose="020B0609040504020204" pitchFamily="49" charset="0"/>
+                <a:ea typeface="Times New Roman" panose="02020603050405020304" pitchFamily="18" charset="0"/>
               </a:rPr>
-              <a:t>dnešnom </a:t>
-            </a:r>
-            <a:r>
-              <a:rPr lang="sk-SK" sz="1800" strike="noStrike" dirty="0">
+              <a:t>Prakticky ukázať prácu so zariadeniami v rámci </a:t>
+            </a:r>
+            <a:r>
+              <a:rPr lang="sk-SK" sz="1800" dirty="0" err="1">
                 <a:solidFill>
                   <a:schemeClr val="bg1"/>
                 </a:solidFill>
                 <a:effectLst/>
                 <a:latin typeface="Lucida Console" panose="020B0609040504020204" pitchFamily="49" charset="0"/>
+                <a:ea typeface="Times New Roman" panose="02020603050405020304" pitchFamily="18" charset="0"/>
               </a:rPr>
-              <a:t>Egypte</a:t>
-            </a:r>
-            <a:r>
-              <a:rPr lang="sk-SK" sz="1800" dirty="0">
-                <a:solidFill>
-                  <a:schemeClr val="bg1"/>
-                </a:solidFill>
-                <a:effectLst/>
-                <a:latin typeface="Lucida Console" panose="020B0609040504020204" pitchFamily="49" charset="0"/>
-              </a:rPr>
-              <a:t>. V</a:t>
-            </a:r>
-            <a:endParaRPr lang="sk-SK" dirty="0"/>
+              <a:t>IoT</a:t>
+            </a:r>
+            <a:endParaRPr lang="sk-SK" sz="1800" dirty="0">
+              <a:solidFill>
+                <a:schemeClr val="bg1"/>
+              </a:solidFill>
+              <a:effectLst/>
+              <a:latin typeface="Lucida Console" panose="020B0609040504020204" pitchFamily="49" charset="0"/>
+              <a:ea typeface="Times New Roman" panose="02020603050405020304" pitchFamily="18" charset="0"/>
+            </a:endParaRPr>
           </a:p>
         </p:txBody>
       </p:sp>
@@ -12663,8 +11263,8 @@
         </p:nvSpPr>
         <p:spPr>
           <a:xfrm>
-            <a:off x="1520522" y="4835172"/>
-            <a:ext cx="4228580" cy="1364922"/>
+            <a:off x="461804" y="3043167"/>
+            <a:ext cx="4507322" cy="1364922"/>
           </a:xfrm>
           <a:prstGeom prst="rect">
             <a:avLst/>
@@ -12694,69 +11294,430 @@
             </a:lvl1pPr>
           </a:lstStyle>
           <a:p>
-            <a:pPr algn="l"/>
+            <a:pPr algn="l">
+              <a:lnSpc>
+                <a:spcPct val="107000"/>
+              </a:lnSpc>
+              <a:spcAft>
+                <a:spcPts val="800"/>
+              </a:spcAft>
+            </a:pPr>
             <a:r>
               <a:rPr lang="sk-SK" sz="1800" dirty="0">
                 <a:effectLst/>
                 <a:latin typeface="Lucida Console" panose="020B0609040504020204" pitchFamily="49" charset="0"/>
+                <a:ea typeface="Calibri" panose="020F0502020204030204" pitchFamily="34" charset="0"/>
+                <a:cs typeface="Times New Roman" panose="02020603050405020304" pitchFamily="18" charset="0"/>
               </a:rPr>
-              <a:t>Stupňovitá pyramída v </a:t>
-            </a:r>
-            <a:r>
-              <a:rPr lang="sk-SK" sz="1800" dirty="0" err="1">
-                <a:effectLst/>
-                <a:latin typeface="Lucida Console" panose="020B0609040504020204" pitchFamily="49" charset="0"/>
-              </a:rPr>
-              <a:t>Sakkáre</a:t>
-            </a:r>
+              <a:t>-vznik práce spontánnym nápadom spestriť žiakom vyučovanie</a:t>
+            </a:r>
+          </a:p>
+        </p:txBody>
+      </p:sp>
+      <p:sp>
+        <p:nvSpPr>
+          <p:cNvPr id="3" name="Nadpis 1">
+            <a:extLst>
+              <a:ext uri="{FF2B5EF4-FFF2-40B4-BE49-F238E27FC236}">
+                <a16:creationId xmlns:a16="http://schemas.microsoft.com/office/drawing/2014/main" id="{39246E1B-F0F5-50FA-53EF-A0F25CCFAD0B}"/>
+              </a:ext>
+            </a:extLst>
+          </p:cNvPr>
+          <p:cNvSpPr txBox="1">
+            <a:spLocks/>
+          </p:cNvSpPr>
+          <p:nvPr/>
+        </p:nvSpPr>
+        <p:spPr>
+          <a:xfrm>
+            <a:off x="763621" y="3849092"/>
+            <a:ext cx="4507322" cy="1364922"/>
+          </a:xfrm>
+          <a:prstGeom prst="rect">
+            <a:avLst/>
+          </a:prstGeom>
+        </p:spPr>
+        <p:txBody>
+          <a:bodyPr vert="horz" lIns="91440" tIns="45720" rIns="91440" bIns="45720" rtlCol="0" anchor="t">
+            <a:noAutofit/>
+          </a:bodyPr>
+          <a:lstStyle>
+            <a:lvl1pPr algn="ctr" defTabSz="914400" rtl="0" eaLnBrk="1" latinLnBrk="0" hangingPunct="1">
+              <a:lnSpc>
+                <a:spcPct val="90000"/>
+              </a:lnSpc>
+              <a:spcBef>
+                <a:spcPct val="0"/>
+              </a:spcBef>
+              <a:buNone/>
+              <a:defRPr sz="6000" kern="1200">
+                <a:solidFill>
+                  <a:schemeClr val="tx1"/>
+                </a:solidFill>
+                <a:latin typeface="+mj-lt"/>
+                <a:ea typeface="+mj-ea"/>
+                <a:cs typeface="+mj-cs"/>
+              </a:defRPr>
+            </a:lvl1pPr>
+          </a:lstStyle>
+          <a:p>
+            <a:pPr algn="l">
+              <a:lnSpc>
+                <a:spcPct val="107000"/>
+              </a:lnSpc>
+              <a:spcAft>
+                <a:spcPts val="800"/>
+              </a:spcAft>
+            </a:pPr>
             <a:r>
               <a:rPr lang="sk-SK" sz="1800" dirty="0">
                 <a:effectLst/>
                 <a:latin typeface="Lucida Console" panose="020B0609040504020204" pitchFamily="49" charset="0"/>
+                <a:ea typeface="Calibri" panose="020F0502020204030204" pitchFamily="34" charset="0"/>
+                <a:cs typeface="Times New Roman" panose="02020603050405020304" pitchFamily="18" charset="0"/>
               </a:rPr>
-              <a:t> (iné názvy: </a:t>
-            </a:r>
-            <a:r>
-              <a:rPr lang="sk-SK" sz="1800" dirty="0" err="1">
-                <a:effectLst/>
-                <a:latin typeface="Lucida Console" panose="020B0609040504020204" pitchFamily="49" charset="0"/>
-              </a:rPr>
-              <a:t>Džoserova</a:t>
-            </a:r>
+              <a:t>-téma práce = „Internet vecí prakticky“</a:t>
+            </a:r>
+          </a:p>
+        </p:txBody>
+      </p:sp>
+      <p:sp>
+        <p:nvSpPr>
+          <p:cNvPr id="5" name="Nadpis 1">
+            <a:extLst>
+              <a:ext uri="{FF2B5EF4-FFF2-40B4-BE49-F238E27FC236}">
+                <a16:creationId xmlns:a16="http://schemas.microsoft.com/office/drawing/2014/main" id="{1D6F5B0A-1981-890E-ADA1-4FC1E7240E78}"/>
+              </a:ext>
+            </a:extLst>
+          </p:cNvPr>
+          <p:cNvSpPr txBox="1">
+            <a:spLocks/>
+          </p:cNvSpPr>
+          <p:nvPr/>
+        </p:nvSpPr>
+        <p:spPr>
+          <a:xfrm>
+            <a:off x="1082374" y="4695880"/>
+            <a:ext cx="4609680" cy="1364922"/>
+          </a:xfrm>
+          <a:prstGeom prst="rect">
+            <a:avLst/>
+          </a:prstGeom>
+        </p:spPr>
+        <p:txBody>
+          <a:bodyPr vert="horz" lIns="91440" tIns="45720" rIns="91440" bIns="45720" rtlCol="0" anchor="t">
+            <a:noAutofit/>
+          </a:bodyPr>
+          <a:lstStyle>
+            <a:lvl1pPr algn="ctr" defTabSz="914400" rtl="0" eaLnBrk="1" latinLnBrk="0" hangingPunct="1">
+              <a:lnSpc>
+                <a:spcPct val="90000"/>
+              </a:lnSpc>
+              <a:spcBef>
+                <a:spcPct val="0"/>
+              </a:spcBef>
+              <a:buNone/>
+              <a:defRPr sz="6000" kern="1200">
+                <a:solidFill>
+                  <a:schemeClr val="tx1"/>
+                </a:solidFill>
+                <a:latin typeface="+mj-lt"/>
+                <a:ea typeface="+mj-ea"/>
+                <a:cs typeface="+mj-cs"/>
+              </a:defRPr>
+            </a:lvl1pPr>
+          </a:lstStyle>
+          <a:p>
+            <a:pPr algn="l">
+              <a:lnSpc>
+                <a:spcPct val="107000"/>
+              </a:lnSpc>
+              <a:spcAft>
+                <a:spcPts val="800"/>
+              </a:spcAft>
+            </a:pPr>
             <a:r>
               <a:rPr lang="sk-SK" sz="1800" dirty="0">
                 <a:effectLst/>
                 <a:latin typeface="Lucida Console" panose="020B0609040504020204" pitchFamily="49" charset="0"/>
+                <a:ea typeface="Calibri" panose="020F0502020204030204" pitchFamily="34" charset="0"/>
+                <a:cs typeface="Times New Roman" panose="02020603050405020304" pitchFamily="18" charset="0"/>
               </a:rPr>
-              <a:t> pyramída, </a:t>
-            </a:r>
-            <a:r>
-              <a:rPr lang="sk-SK" sz="1800" dirty="0" err="1">
-                <a:effectLst/>
-                <a:latin typeface="Lucida Console" panose="020B0609040504020204" pitchFamily="49" charset="0"/>
-              </a:rPr>
-              <a:t>Necerichetova</a:t>
-            </a:r>
+              <a:t>-formy pracovných listov (teoretické, praktické)</a:t>
+            </a:r>
+          </a:p>
+        </p:txBody>
+      </p:sp>
+      <p:sp>
+        <p:nvSpPr>
+          <p:cNvPr id="6" name="Nadpis 1">
+            <a:extLst>
+              <a:ext uri="{FF2B5EF4-FFF2-40B4-BE49-F238E27FC236}">
+                <a16:creationId xmlns:a16="http://schemas.microsoft.com/office/drawing/2014/main" id="{6DB53060-AB4E-559B-7D41-AE3D593BB8F0}"/>
+              </a:ext>
+            </a:extLst>
+          </p:cNvPr>
+          <p:cNvSpPr txBox="1">
+            <a:spLocks/>
+          </p:cNvSpPr>
+          <p:nvPr/>
+        </p:nvSpPr>
+        <p:spPr>
+          <a:xfrm>
+            <a:off x="1354550" y="5496463"/>
+            <a:ext cx="4609680" cy="1364922"/>
+          </a:xfrm>
+          <a:prstGeom prst="rect">
+            <a:avLst/>
+          </a:prstGeom>
+        </p:spPr>
+        <p:txBody>
+          <a:bodyPr vert="horz" lIns="91440" tIns="45720" rIns="91440" bIns="45720" rtlCol="0" anchor="t">
+            <a:noAutofit/>
+          </a:bodyPr>
+          <a:lstStyle>
+            <a:lvl1pPr algn="ctr" defTabSz="914400" rtl="0" eaLnBrk="1" latinLnBrk="0" hangingPunct="1">
+              <a:lnSpc>
+                <a:spcPct val="90000"/>
+              </a:lnSpc>
+              <a:spcBef>
+                <a:spcPct val="0"/>
+              </a:spcBef>
+              <a:buNone/>
+              <a:defRPr sz="6000" kern="1200">
+                <a:solidFill>
+                  <a:schemeClr val="tx1"/>
+                </a:solidFill>
+                <a:latin typeface="+mj-lt"/>
+                <a:ea typeface="+mj-ea"/>
+                <a:cs typeface="+mj-cs"/>
+              </a:defRPr>
+            </a:lvl1pPr>
+          </a:lstStyle>
+          <a:p>
+            <a:pPr algn="l">
+              <a:lnSpc>
+                <a:spcPct val="107000"/>
+              </a:lnSpc>
+              <a:spcAft>
+                <a:spcPts val="800"/>
+              </a:spcAft>
+            </a:pPr>
             <a:r>
               <a:rPr lang="sk-SK" sz="1800" dirty="0">
                 <a:effectLst/>
                 <a:latin typeface="Lucida Console" panose="020B0609040504020204" pitchFamily="49" charset="0"/>
+                <a:ea typeface="Calibri" panose="020F0502020204030204" pitchFamily="34" charset="0"/>
+                <a:cs typeface="Times New Roman" panose="02020603050405020304" pitchFamily="18" charset="0"/>
               </a:rPr>
-              <a:t> pyramída, Pyramída </a:t>
-            </a:r>
-            <a:r>
-              <a:rPr lang="sk-SK" sz="1800" dirty="0" err="1">
+              <a:t>-hodnotenie práce spolužiakmi</a:t>
+            </a:r>
+          </a:p>
+        </p:txBody>
+      </p:sp>
+      <p:pic>
+        <p:nvPicPr>
+          <p:cNvPr id="17" name="Graphic 7">
+            <a:extLst>
+              <a:ext uri="{FF2B5EF4-FFF2-40B4-BE49-F238E27FC236}">
+                <a16:creationId xmlns:a16="http://schemas.microsoft.com/office/drawing/2014/main" id="{00670717-FA66-3A74-0CFE-F7F7C6916C90}"/>
+              </a:ext>
+            </a:extLst>
+          </p:cNvPr>
+          <p:cNvPicPr>
+            <a:picLocks noChangeAspect="1"/>
+          </p:cNvPicPr>
+          <p:nvPr/>
+        </p:nvPicPr>
+        <p:blipFill>
+          <a:blip r:embed="rId5" cstate="email">
+            <a:extLst>
+              <a:ext uri="{28A0092B-C50C-407E-A947-70E740481C1C}">
+                <a14:useLocalDpi xmlns:a14="http://schemas.microsoft.com/office/drawing/2010/main"/>
+              </a:ext>
+              <a:ext uri="{96DAC541-7B7A-43D3-8B79-37D633B846F1}">
+                <asvg:svgBlip xmlns:asvg="http://schemas.microsoft.com/office/drawing/2016/SVG/main" r:embed="rId6"/>
+              </a:ext>
+            </a:extLst>
+          </a:blip>
+          <a:stretch>
+            <a:fillRect/>
+          </a:stretch>
+        </p:blipFill>
+        <p:spPr>
+          <a:xfrm>
+            <a:off x="652895" y="3687734"/>
+            <a:ext cx="4372959" cy="165970"/>
+          </a:xfrm>
+          <a:prstGeom prst="rect">
+            <a:avLst/>
+          </a:prstGeom>
+        </p:spPr>
+      </p:pic>
+      <p:pic>
+        <p:nvPicPr>
+          <p:cNvPr id="23" name="Graphic 7">
+            <a:extLst>
+              <a:ext uri="{FF2B5EF4-FFF2-40B4-BE49-F238E27FC236}">
+                <a16:creationId xmlns:a16="http://schemas.microsoft.com/office/drawing/2014/main" id="{C94583E1-A57A-9E66-AACE-A805877B3A36}"/>
+              </a:ext>
+            </a:extLst>
+          </p:cNvPr>
+          <p:cNvPicPr>
+            <a:picLocks noChangeAspect="1"/>
+          </p:cNvPicPr>
+          <p:nvPr/>
+        </p:nvPicPr>
+        <p:blipFill>
+          <a:blip r:embed="rId5" cstate="email">
+            <a:extLst>
+              <a:ext uri="{28A0092B-C50C-407E-A947-70E740481C1C}">
+                <a14:useLocalDpi xmlns:a14="http://schemas.microsoft.com/office/drawing/2010/main"/>
+              </a:ext>
+              <a:ext uri="{96DAC541-7B7A-43D3-8B79-37D633B846F1}">
+                <asvg:svgBlip xmlns:asvg="http://schemas.microsoft.com/office/drawing/2016/SVG/main" r:embed="rId6"/>
+              </a:ext>
+            </a:extLst>
+          </a:blip>
+          <a:stretch>
+            <a:fillRect/>
+          </a:stretch>
+        </p:blipFill>
+        <p:spPr>
+          <a:xfrm>
+            <a:off x="1008710" y="4534522"/>
+            <a:ext cx="4372959" cy="165970"/>
+          </a:xfrm>
+          <a:prstGeom prst="rect">
+            <a:avLst/>
+          </a:prstGeom>
+        </p:spPr>
+      </p:pic>
+      <p:pic>
+        <p:nvPicPr>
+          <p:cNvPr id="25" name="Graphic 7">
+            <a:extLst>
+              <a:ext uri="{FF2B5EF4-FFF2-40B4-BE49-F238E27FC236}">
+                <a16:creationId xmlns:a16="http://schemas.microsoft.com/office/drawing/2014/main" id="{F78930B2-9A53-7300-839C-87158E0E8ED9}"/>
+              </a:ext>
+            </a:extLst>
+          </p:cNvPr>
+          <p:cNvPicPr>
+            <a:picLocks noChangeAspect="1"/>
+          </p:cNvPicPr>
+          <p:nvPr/>
+        </p:nvPicPr>
+        <p:blipFill>
+          <a:blip r:embed="rId5" cstate="email">
+            <a:extLst>
+              <a:ext uri="{28A0092B-C50C-407E-A947-70E740481C1C}">
+                <a14:useLocalDpi xmlns:a14="http://schemas.microsoft.com/office/drawing/2010/main"/>
+              </a:ext>
+              <a:ext uri="{96DAC541-7B7A-43D3-8B79-37D633B846F1}">
+                <asvg:svgBlip xmlns:asvg="http://schemas.microsoft.com/office/drawing/2016/SVG/main" r:embed="rId6"/>
+              </a:ext>
+            </a:extLst>
+          </a:blip>
+          <a:stretch>
+            <a:fillRect/>
+          </a:stretch>
+        </p:blipFill>
+        <p:spPr>
+          <a:xfrm>
+            <a:off x="1345471" y="5363044"/>
+            <a:ext cx="4372959" cy="165970"/>
+          </a:xfrm>
+          <a:prstGeom prst="rect">
+            <a:avLst/>
+          </a:prstGeom>
+        </p:spPr>
+      </p:pic>
+      <p:pic>
+        <p:nvPicPr>
+          <p:cNvPr id="26" name="Graphic 7">
+            <a:extLst>
+              <a:ext uri="{FF2B5EF4-FFF2-40B4-BE49-F238E27FC236}">
+                <a16:creationId xmlns:a16="http://schemas.microsoft.com/office/drawing/2014/main" id="{078D78F7-5606-9E50-311E-80A620672322}"/>
+              </a:ext>
+            </a:extLst>
+          </p:cNvPr>
+          <p:cNvPicPr>
+            <a:picLocks noChangeAspect="1"/>
+          </p:cNvPicPr>
+          <p:nvPr/>
+        </p:nvPicPr>
+        <p:blipFill>
+          <a:blip r:embed="rId5" cstate="email">
+            <a:extLst>
+              <a:ext uri="{28A0092B-C50C-407E-A947-70E740481C1C}">
+                <a14:useLocalDpi xmlns:a14="http://schemas.microsoft.com/office/drawing/2010/main"/>
+              </a:ext>
+              <a:ext uri="{96DAC541-7B7A-43D3-8B79-37D633B846F1}">
+                <asvg:svgBlip xmlns:asvg="http://schemas.microsoft.com/office/drawing/2016/SVG/main" r:embed="rId6"/>
+              </a:ext>
+            </a:extLst>
+          </a:blip>
+          <a:stretch>
+            <a:fillRect/>
+          </a:stretch>
+        </p:blipFill>
+        <p:spPr>
+          <a:xfrm>
+            <a:off x="256015" y="2843420"/>
+            <a:ext cx="4372959" cy="165970"/>
+          </a:xfrm>
+          <a:prstGeom prst="rect">
+            <a:avLst/>
+          </a:prstGeom>
+        </p:spPr>
+      </p:pic>
+      <p:sp>
+        <p:nvSpPr>
+          <p:cNvPr id="27" name="BlokTextu 26">
+            <a:extLst>
+              <a:ext uri="{FF2B5EF4-FFF2-40B4-BE49-F238E27FC236}">
+                <a16:creationId xmlns:a16="http://schemas.microsoft.com/office/drawing/2014/main" id="{9A0FF1C6-BF81-0AEF-D078-522EF14C5DDB}"/>
+              </a:ext>
+            </a:extLst>
+          </p:cNvPr>
+          <p:cNvSpPr txBox="1"/>
+          <p:nvPr/>
+        </p:nvSpPr>
+        <p:spPr>
+          <a:xfrm>
+            <a:off x="7510219" y="4827049"/>
+            <a:ext cx="4672319" cy="669414"/>
+          </a:xfrm>
+          <a:prstGeom prst="rect">
+            <a:avLst/>
+          </a:prstGeom>
+          <a:noFill/>
+        </p:spPr>
+        <p:txBody>
+          <a:bodyPr wrap="square" rtlCol="0">
+            <a:spAutoFit/>
+          </a:bodyPr>
+          <a:lstStyle/>
+          <a:p>
+            <a:pPr>
+              <a:lnSpc>
+                <a:spcPct val="107000"/>
+              </a:lnSpc>
+              <a:spcAft>
+                <a:spcPts val="800"/>
+              </a:spcAft>
+            </a:pPr>
+            <a:r>
+              <a:rPr lang="sk-SK" sz="1800" dirty="0">
+                <a:solidFill>
+                  <a:schemeClr val="bg1"/>
+                </a:solidFill>
                 <a:effectLst/>
                 <a:latin typeface="Lucida Console" panose="020B0609040504020204" pitchFamily="49" charset="0"/>
+                <a:ea typeface="Calibri" panose="020F0502020204030204" pitchFamily="34" charset="0"/>
+                <a:cs typeface="Times New Roman" panose="02020603050405020304" pitchFamily="18" charset="0"/>
               </a:rPr>
-              <a:t>Lepsius</a:t>
-            </a:r>
-            <a:r>
-              <a:rPr lang="sk-SK" sz="1800" dirty="0">
-                <a:effectLst/>
-                <a:latin typeface="Lucida Console" panose="020B0609040504020204" pitchFamily="49" charset="0"/>
-              </a:rPr>
-              <a:t> XXXII)</a:t>
+              <a:t>získanie znalostí (programovanie, elektrotechnika)</a:t>
             </a:r>
           </a:p>
         </p:txBody>
@@ -12771,13 +11732,13 @@
   <p:clrMapOvr>
     <a:masterClrMapping/>
   </p:clrMapOvr>
-  <mc:AlternateContent xmlns:mc="http://schemas.openxmlformats.org/markup-compatibility/2006">
-    <mc:Choice xmlns:p159="http://schemas.microsoft.com/office/powerpoint/2015/09/main" Requires="p159">
+  <mc:AlternateContent xmlns:mc="http://schemas.openxmlformats.org/markup-compatibility/2006" xmlns:p159="http://schemas.microsoft.com/office/powerpoint/2015/09/main">
+    <mc:Choice Requires="p159">
       <p:transition xmlns:p14="http://schemas.microsoft.com/office/powerpoint/2010/main" spd="slow" p14:dur="2000">
         <p159:morph option="byObject"/>
       </p:transition>
     </mc:Choice>
-    <mc:Fallback>
+    <mc:Fallback xmlns="">
       <p:transition spd="slow">
         <p:fade/>
       </p:transition>
@@ -12938,10 +11899,10 @@
       </p:sp>
       <p:sp>
         <p:nvSpPr>
-          <p:cNvPr id="4" name="!!kruh">
-            <a:extLst>
-              <a:ext uri="{FF2B5EF4-FFF2-40B4-BE49-F238E27FC236}">
-                <a16:creationId xmlns:a16="http://schemas.microsoft.com/office/drawing/2014/main" id="{C9BEF276-6235-9785-ED87-EFE347C8F1EE}"/>
+          <p:cNvPr id="5" name="!!kruh">
+            <a:extLst>
+              <a:ext uri="{FF2B5EF4-FFF2-40B4-BE49-F238E27FC236}">
+                <a16:creationId xmlns:a16="http://schemas.microsoft.com/office/drawing/2014/main" id="{9E87ED66-A415-39F9-C8C2-69C610E9C3B5}"/>
               </a:ext>
             </a:extLst>
           </p:cNvPr>
@@ -12950,8 +11911,8 @@
         </p:nvSpPr>
         <p:spPr>
           <a:xfrm>
-            <a:off x="1624712" y="2514503"/>
-            <a:ext cx="889189" cy="889189"/>
+            <a:off x="3727169" y="2534629"/>
+            <a:ext cx="389136" cy="389136"/>
           </a:xfrm>
           <a:prstGeom prst="ellipse">
             <a:avLst/>
@@ -12972,7 +11933,7 @@
             </a:path>
             <a:tileRect t="-100000" r="-100000"/>
           </a:gradFill>
-          <a:ln w="76200">
+          <a:ln w="38100">
             <a:solidFill>
               <a:srgbClr val="313944">
                 <a:alpha val="94000"/>
@@ -13014,158 +11975,6 @@
       </p:sp>
       <p:sp>
         <p:nvSpPr>
-          <p:cNvPr id="5" name="!!kruh">
-            <a:extLst>
-              <a:ext uri="{FF2B5EF4-FFF2-40B4-BE49-F238E27FC236}">
-                <a16:creationId xmlns:a16="http://schemas.microsoft.com/office/drawing/2014/main" id="{9E87ED66-A415-39F9-C8C2-69C610E9C3B5}"/>
-              </a:ext>
-            </a:extLst>
-          </p:cNvPr>
-          <p:cNvSpPr/>
-          <p:nvPr/>
-        </p:nvSpPr>
-        <p:spPr>
-          <a:xfrm>
-            <a:off x="5481839" y="2514505"/>
-            <a:ext cx="889189" cy="889189"/>
-          </a:xfrm>
-          <a:prstGeom prst="ellipse">
-            <a:avLst/>
-          </a:prstGeom>
-          <a:gradFill flip="none" rotWithShape="1">
-            <a:gsLst>
-              <a:gs pos="35000">
-                <a:srgbClr val="CCFF99">
-                  <a:lumMod val="96000"/>
-                </a:srgbClr>
-              </a:gs>
-              <a:gs pos="66000">
-                <a:schemeClr val="accent1"/>
-              </a:gs>
-            </a:gsLst>
-            <a:path path="circle">
-              <a:fillToRect l="100000" b="100000"/>
-            </a:path>
-            <a:tileRect t="-100000" r="-100000"/>
-          </a:gradFill>
-          <a:ln w="76200">
-            <a:solidFill>
-              <a:srgbClr val="313944">
-                <a:alpha val="94000"/>
-              </a:srgbClr>
-            </a:solidFill>
-          </a:ln>
-          <a:effectLst/>
-        </p:spPr>
-        <p:style>
-          <a:lnRef idx="2">
-            <a:schemeClr val="accent1">
-              <a:shade val="50000"/>
-            </a:schemeClr>
-          </a:lnRef>
-          <a:fillRef idx="1">
-            <a:schemeClr val="accent1"/>
-          </a:fillRef>
-          <a:effectRef idx="0">
-            <a:schemeClr val="accent1"/>
-          </a:effectRef>
-          <a:fontRef idx="minor">
-            <a:schemeClr val="lt1"/>
-          </a:fontRef>
-        </p:style>
-        <p:txBody>
-          <a:bodyPr rtlCol="0" anchor="ctr"/>
-          <a:lstStyle/>
-          <a:p>
-            <a:pPr algn="ctr"/>
-            <a:endParaRPr lang="sk-SK" dirty="0">
-              <a:ln w="28575">
-                <a:solidFill>
-                  <a:schemeClr val="accent1"/>
-                </a:solidFill>
-              </a:ln>
-            </a:endParaRPr>
-          </a:p>
-        </p:txBody>
-      </p:sp>
-      <p:sp>
-        <p:nvSpPr>
-          <p:cNvPr id="6" name="!!kruh">
-            <a:extLst>
-              <a:ext uri="{FF2B5EF4-FFF2-40B4-BE49-F238E27FC236}">
-                <a16:creationId xmlns:a16="http://schemas.microsoft.com/office/drawing/2014/main" id="{FE2F682B-E5F4-EF59-D59E-97278D99AE67}"/>
-              </a:ext>
-            </a:extLst>
-          </p:cNvPr>
-          <p:cNvSpPr/>
-          <p:nvPr/>
-        </p:nvSpPr>
-        <p:spPr>
-          <a:xfrm>
-            <a:off x="9338966" y="2514504"/>
-            <a:ext cx="889189" cy="889189"/>
-          </a:xfrm>
-          <a:prstGeom prst="ellipse">
-            <a:avLst/>
-          </a:prstGeom>
-          <a:gradFill flip="none" rotWithShape="1">
-            <a:gsLst>
-              <a:gs pos="35000">
-                <a:srgbClr val="CCFF99">
-                  <a:lumMod val="96000"/>
-                </a:srgbClr>
-              </a:gs>
-              <a:gs pos="66000">
-                <a:schemeClr val="accent1"/>
-              </a:gs>
-            </a:gsLst>
-            <a:path path="circle">
-              <a:fillToRect l="100000" b="100000"/>
-            </a:path>
-            <a:tileRect t="-100000" r="-100000"/>
-          </a:gradFill>
-          <a:ln w="76200">
-            <a:solidFill>
-              <a:srgbClr val="313944">
-                <a:alpha val="94000"/>
-              </a:srgbClr>
-            </a:solidFill>
-          </a:ln>
-          <a:effectLst/>
-        </p:spPr>
-        <p:style>
-          <a:lnRef idx="2">
-            <a:schemeClr val="accent1">
-              <a:shade val="50000"/>
-            </a:schemeClr>
-          </a:lnRef>
-          <a:fillRef idx="1">
-            <a:schemeClr val="accent1"/>
-          </a:fillRef>
-          <a:effectRef idx="0">
-            <a:schemeClr val="accent1"/>
-          </a:effectRef>
-          <a:fontRef idx="minor">
-            <a:schemeClr val="lt1"/>
-          </a:fontRef>
-        </p:style>
-        <p:txBody>
-          <a:bodyPr rtlCol="0" anchor="ctr"/>
-          <a:lstStyle/>
-          <a:p>
-            <a:pPr algn="ctr"/>
-            <a:endParaRPr lang="sk-SK" dirty="0">
-              <a:ln w="28575">
-                <a:solidFill>
-                  <a:schemeClr val="accent1"/>
-                </a:solidFill>
-              </a:ln>
-            </a:endParaRPr>
-          </a:p>
-        </p:txBody>
-      </p:sp>
-      <p:sp>
-        <p:nvSpPr>
           <p:cNvPr id="9" name="BlokTextu 8">
             <a:extLst>
               <a:ext uri="{FF2B5EF4-FFF2-40B4-BE49-F238E27FC236}">
@@ -13178,8 +11987,8 @@
         </p:nvSpPr>
         <p:spPr>
           <a:xfrm>
-            <a:off x="8266666" y="3619500"/>
-            <a:ext cx="3033788" cy="2308324"/>
+            <a:off x="6721640" y="4491524"/>
+            <a:ext cx="4930589" cy="669414"/>
           </a:xfrm>
           <a:prstGeom prst="rect">
             <a:avLst/>
@@ -13192,6 +12001,14 @@
           </a:bodyPr>
           <a:lstStyle/>
           <a:p>
+            <a:pPr>
+              <a:lnSpc>
+                <a:spcPct val="107000"/>
+              </a:lnSpc>
+              <a:spcAft>
+                <a:spcPts val="800"/>
+              </a:spcAft>
+            </a:pPr>
             <a:r>
               <a:rPr lang="sk-SK" sz="1800" dirty="0">
                 <a:solidFill>
@@ -13199,90 +12016,11 @@
                 </a:solidFill>
                 <a:effectLst/>
                 <a:latin typeface="Lucida Console" panose="020B0609040504020204" pitchFamily="49" charset="0"/>
+                <a:ea typeface="Calibri" panose="020F0502020204030204" pitchFamily="34" charset="0"/>
+                <a:cs typeface="Times New Roman" panose="02020603050405020304" pitchFamily="18" charset="0"/>
               </a:rPr>
-              <a:t>dnešnom </a:t>
-            </a:r>
-            <a:r>
-              <a:rPr lang="sk-SK" sz="1800" strike="noStrike" dirty="0">
-                <a:solidFill>
-                  <a:schemeClr val="bg1"/>
-                </a:solidFill>
-                <a:effectLst/>
-                <a:latin typeface="Lucida Console" panose="020B0609040504020204" pitchFamily="49" charset="0"/>
-              </a:rPr>
-              <a:t>Egypte</a:t>
-            </a:r>
-            <a:r>
-              <a:rPr lang="sk-SK" sz="1800" dirty="0">
-                <a:solidFill>
-                  <a:schemeClr val="bg1"/>
-                </a:solidFill>
-                <a:effectLst/>
-                <a:latin typeface="Lucida Console" panose="020B0609040504020204" pitchFamily="49" charset="0"/>
-              </a:rPr>
-              <a:t>. V staroveku toto pohrebisko patrilo mestu </a:t>
-            </a:r>
-            <a:r>
-              <a:rPr lang="sk-SK" sz="1800" strike="noStrike" dirty="0" err="1">
-                <a:solidFill>
-                  <a:schemeClr val="bg1"/>
-                </a:solidFill>
-                <a:effectLst/>
-                <a:latin typeface="Lucida Console" panose="020B0609040504020204" pitchFamily="49" charset="0"/>
-              </a:rPr>
-              <a:t>Mennofer</a:t>
-            </a:r>
-            <a:r>
-              <a:rPr lang="sk-SK" sz="1800" dirty="0">
-                <a:solidFill>
-                  <a:schemeClr val="bg1"/>
-                </a:solidFill>
-                <a:effectLst/>
-                <a:latin typeface="Lucida Console" panose="020B0609040504020204" pitchFamily="49" charset="0"/>
-              </a:rPr>
-              <a:t>, ktoré bolo </a:t>
-            </a:r>
-            <a:r>
-              <a:rPr lang="sk-SK" sz="1800" dirty="0" err="1">
-                <a:solidFill>
-                  <a:schemeClr val="bg1"/>
-                </a:solidFill>
-                <a:effectLst/>
-                <a:latin typeface="Lucida Console" panose="020B0609040504020204" pitchFamily="49" charset="0"/>
-              </a:rPr>
-              <a:t>hlavnýmdnešnom</a:t>
-            </a:r>
-            <a:r>
-              <a:rPr lang="sk-SK" sz="1800" dirty="0">
-                <a:solidFill>
-                  <a:schemeClr val="bg1"/>
-                </a:solidFill>
-                <a:effectLst/>
-                <a:latin typeface="Lucida Console" panose="020B0609040504020204" pitchFamily="49" charset="0"/>
-              </a:rPr>
-              <a:t> </a:t>
-            </a:r>
-            <a:r>
-              <a:rPr lang="sk-SK" sz="1800" strike="noStrike" dirty="0">
-                <a:solidFill>
-                  <a:schemeClr val="bg1"/>
-                </a:solidFill>
-                <a:effectLst/>
-                <a:latin typeface="Lucida Console" panose="020B0609040504020204" pitchFamily="49" charset="0"/>
-              </a:rPr>
-              <a:t>Egypte</a:t>
-            </a:r>
-            <a:r>
-              <a:rPr lang="sk-SK" sz="1800" dirty="0">
-                <a:solidFill>
-                  <a:schemeClr val="bg1"/>
-                </a:solidFill>
-                <a:effectLst/>
-                <a:latin typeface="Lucida Console" panose="020B0609040504020204" pitchFamily="49" charset="0"/>
-              </a:rPr>
-              <a:t>. V staroveku toto pohrebisko patrilo</a:t>
-            </a:r>
-            <a:endParaRPr lang="sk-SK" dirty="0"/>
+              <a:t>-záver a zhrnutie našej práce, naše dojmy</a:t>
+            </a:r>
           </a:p>
         </p:txBody>
       </p:sp>
@@ -13317,8 +12055,8 @@
         </p:blipFill>
         <p:spPr>
           <a:xfrm rot="16200000">
-            <a:off x="6334384" y="4041493"/>
-            <a:ext cx="3109434" cy="118015"/>
+            <a:off x="4286860" y="4093164"/>
+            <a:ext cx="3344799" cy="126948"/>
           </a:xfrm>
           <a:prstGeom prst="rect">
             <a:avLst/>
@@ -13339,8 +12077,8 @@
         </p:nvSpPr>
         <p:spPr>
           <a:xfrm>
-            <a:off x="4409539" y="3619500"/>
-            <a:ext cx="3033788" cy="2308324"/>
+            <a:off x="589273" y="3364529"/>
+            <a:ext cx="4893557" cy="669414"/>
           </a:xfrm>
           <a:prstGeom prst="rect">
             <a:avLst/>
@@ -13353,6 +12091,14 @@
           </a:bodyPr>
           <a:lstStyle/>
           <a:p>
+            <a:pPr>
+              <a:lnSpc>
+                <a:spcPct val="107000"/>
+              </a:lnSpc>
+              <a:spcAft>
+                <a:spcPts val="800"/>
+              </a:spcAft>
+            </a:pPr>
             <a:r>
               <a:rPr lang="sk-SK" sz="1800" dirty="0">
                 <a:solidFill>
@@ -13360,254 +12106,14 @@
                 </a:solidFill>
                 <a:effectLst/>
                 <a:latin typeface="Lucida Console" panose="020B0609040504020204" pitchFamily="49" charset="0"/>
+                <a:ea typeface="Calibri" panose="020F0502020204030204" pitchFamily="34" charset="0"/>
+                <a:cs typeface="Times New Roman" panose="02020603050405020304" pitchFamily="18" charset="0"/>
               </a:rPr>
-              <a:t>dnešnom </a:t>
-            </a:r>
-            <a:r>
-              <a:rPr lang="sk-SK" sz="1800" strike="noStrike" dirty="0">
-                <a:solidFill>
-                  <a:schemeClr val="bg1"/>
-                </a:solidFill>
-                <a:effectLst/>
-                <a:latin typeface="Lucida Console" panose="020B0609040504020204" pitchFamily="49" charset="0"/>
-              </a:rPr>
-              <a:t>Egypte</a:t>
-            </a:r>
-            <a:r>
-              <a:rPr lang="sk-SK" sz="1800" dirty="0">
-                <a:solidFill>
-                  <a:schemeClr val="bg1"/>
-                </a:solidFill>
-                <a:effectLst/>
-                <a:latin typeface="Lucida Console" panose="020B0609040504020204" pitchFamily="49" charset="0"/>
-              </a:rPr>
-              <a:t>. V staroveku toto pohrebisko patrilo mestu </a:t>
-            </a:r>
-            <a:r>
-              <a:rPr lang="sk-SK" sz="1800" strike="noStrike" dirty="0" err="1">
-                <a:solidFill>
-                  <a:schemeClr val="bg1"/>
-                </a:solidFill>
-                <a:effectLst/>
-                <a:latin typeface="Lucida Console" panose="020B0609040504020204" pitchFamily="49" charset="0"/>
-              </a:rPr>
-              <a:t>Mennofer</a:t>
-            </a:r>
-            <a:r>
-              <a:rPr lang="sk-SK" sz="1800" dirty="0">
-                <a:solidFill>
-                  <a:schemeClr val="bg1"/>
-                </a:solidFill>
-                <a:effectLst/>
-                <a:latin typeface="Lucida Console" panose="020B0609040504020204" pitchFamily="49" charset="0"/>
-              </a:rPr>
-              <a:t>, ktoré bolo </a:t>
-            </a:r>
-            <a:r>
-              <a:rPr lang="sk-SK" sz="1800" dirty="0" err="1">
-                <a:solidFill>
-                  <a:schemeClr val="bg1"/>
-                </a:solidFill>
-                <a:effectLst/>
-                <a:latin typeface="Lucida Console" panose="020B0609040504020204" pitchFamily="49" charset="0"/>
-              </a:rPr>
-              <a:t>hlavnýmdnešnom</a:t>
-            </a:r>
-            <a:r>
-              <a:rPr lang="sk-SK" sz="1800" dirty="0">
-                <a:solidFill>
-                  <a:schemeClr val="bg1"/>
-                </a:solidFill>
-                <a:effectLst/>
-                <a:latin typeface="Lucida Console" panose="020B0609040504020204" pitchFamily="49" charset="0"/>
-              </a:rPr>
-              <a:t> </a:t>
-            </a:r>
-            <a:r>
-              <a:rPr lang="sk-SK" sz="1800" strike="noStrike" dirty="0">
-                <a:solidFill>
-                  <a:schemeClr val="bg1"/>
-                </a:solidFill>
-                <a:effectLst/>
-                <a:latin typeface="Lucida Console" panose="020B0609040504020204" pitchFamily="49" charset="0"/>
-              </a:rPr>
-              <a:t>Egypte</a:t>
-            </a:r>
-            <a:r>
-              <a:rPr lang="sk-SK" sz="1800" dirty="0">
-                <a:solidFill>
-                  <a:schemeClr val="bg1"/>
-                </a:solidFill>
-                <a:effectLst/>
-                <a:latin typeface="Lucida Console" panose="020B0609040504020204" pitchFamily="49" charset="0"/>
-              </a:rPr>
-              <a:t>. V staroveku toto pohrebisko patrilo</a:t>
-            </a:r>
-            <a:endParaRPr lang="sk-SK" dirty="0"/>
-          </a:p>
-        </p:txBody>
-      </p:sp>
-      <p:sp>
-        <p:nvSpPr>
-          <p:cNvPr id="15" name="BlokTextu 14">
-            <a:extLst>
-              <a:ext uri="{FF2B5EF4-FFF2-40B4-BE49-F238E27FC236}">
-                <a16:creationId xmlns:a16="http://schemas.microsoft.com/office/drawing/2014/main" id="{F884D9AA-1548-25F2-2314-62C786C5B0AA}"/>
-              </a:ext>
-            </a:extLst>
-          </p:cNvPr>
-          <p:cNvSpPr txBox="1"/>
-          <p:nvPr/>
-        </p:nvSpPr>
-        <p:spPr>
-          <a:xfrm>
-            <a:off x="552412" y="3619500"/>
-            <a:ext cx="3033788" cy="2308324"/>
-          </a:xfrm>
-          <a:prstGeom prst="rect">
-            <a:avLst/>
-          </a:prstGeom>
-          <a:noFill/>
-        </p:spPr>
-        <p:txBody>
-          <a:bodyPr wrap="square" rtlCol="0">
-            <a:spAutoFit/>
-          </a:bodyPr>
-          <a:lstStyle/>
-          <a:p>
-            <a:r>
-              <a:rPr lang="sk-SK" sz="1800" dirty="0">
-                <a:solidFill>
-                  <a:schemeClr val="bg1"/>
-                </a:solidFill>
-                <a:effectLst/>
-                <a:latin typeface="Lucida Console" panose="020B0609040504020204" pitchFamily="49" charset="0"/>
-              </a:rPr>
-              <a:t>dnešnom </a:t>
-            </a:r>
-            <a:r>
-              <a:rPr lang="sk-SK" sz="1800" strike="noStrike" dirty="0">
-                <a:solidFill>
-                  <a:schemeClr val="bg1"/>
-                </a:solidFill>
-                <a:effectLst/>
-                <a:latin typeface="Lucida Console" panose="020B0609040504020204" pitchFamily="49" charset="0"/>
-              </a:rPr>
-              <a:t>Egypte</a:t>
-            </a:r>
-            <a:r>
-              <a:rPr lang="sk-SK" sz="1800" dirty="0">
-                <a:solidFill>
-                  <a:schemeClr val="bg1"/>
-                </a:solidFill>
-                <a:effectLst/>
-                <a:latin typeface="Lucida Console" panose="020B0609040504020204" pitchFamily="49" charset="0"/>
-              </a:rPr>
-              <a:t>. V staroveku toto pohrebisko patrilo mestu </a:t>
-            </a:r>
-            <a:r>
-              <a:rPr lang="sk-SK" sz="1800" strike="noStrike" dirty="0" err="1">
-                <a:solidFill>
-                  <a:schemeClr val="bg1"/>
-                </a:solidFill>
-                <a:effectLst/>
-                <a:latin typeface="Lucida Console" panose="020B0609040504020204" pitchFamily="49" charset="0"/>
-              </a:rPr>
-              <a:t>Mennofer</a:t>
-            </a:r>
-            <a:r>
-              <a:rPr lang="sk-SK" sz="1800" dirty="0">
-                <a:solidFill>
-                  <a:schemeClr val="bg1"/>
-                </a:solidFill>
-                <a:effectLst/>
-                <a:latin typeface="Lucida Console" panose="020B0609040504020204" pitchFamily="49" charset="0"/>
-              </a:rPr>
-              <a:t>, ktoré bolo </a:t>
-            </a:r>
-            <a:r>
-              <a:rPr lang="sk-SK" sz="1800" dirty="0" err="1">
-                <a:solidFill>
-                  <a:schemeClr val="bg1"/>
-                </a:solidFill>
-                <a:effectLst/>
-                <a:latin typeface="Lucida Console" panose="020B0609040504020204" pitchFamily="49" charset="0"/>
-              </a:rPr>
-              <a:t>hlavnýmdnešnom</a:t>
-            </a:r>
-            <a:r>
-              <a:rPr lang="sk-SK" sz="1800" dirty="0">
-                <a:solidFill>
-                  <a:schemeClr val="bg1"/>
-                </a:solidFill>
-                <a:effectLst/>
-                <a:latin typeface="Lucida Console" panose="020B0609040504020204" pitchFamily="49" charset="0"/>
-              </a:rPr>
-              <a:t> </a:t>
-            </a:r>
-            <a:r>
-              <a:rPr lang="sk-SK" sz="1800" strike="noStrike" dirty="0">
-                <a:solidFill>
-                  <a:schemeClr val="bg1"/>
-                </a:solidFill>
-                <a:effectLst/>
-                <a:latin typeface="Lucida Console" panose="020B0609040504020204" pitchFamily="49" charset="0"/>
-              </a:rPr>
-              <a:t>Egypte</a:t>
-            </a:r>
-            <a:r>
-              <a:rPr lang="sk-SK" sz="1800" dirty="0">
-                <a:solidFill>
-                  <a:schemeClr val="bg1"/>
-                </a:solidFill>
-                <a:effectLst/>
-                <a:latin typeface="Lucida Console" panose="020B0609040504020204" pitchFamily="49" charset="0"/>
-              </a:rPr>
-              <a:t>. V staroveku toto pohrebisko patrilo</a:t>
-            </a:r>
-            <a:endParaRPr lang="sk-SK" dirty="0"/>
-          </a:p>
-        </p:txBody>
-      </p:sp>
-      <p:pic>
-        <p:nvPicPr>
-          <p:cNvPr id="16" name="Graphic 7">
-            <a:extLst>
-              <a:ext uri="{FF2B5EF4-FFF2-40B4-BE49-F238E27FC236}">
-                <a16:creationId xmlns:a16="http://schemas.microsoft.com/office/drawing/2014/main" id="{3DAAD936-D3EA-8B7D-4033-A4A865118464}"/>
-              </a:ext>
-            </a:extLst>
-          </p:cNvPr>
-          <p:cNvPicPr>
-            <a:picLocks noChangeAspect="1"/>
-          </p:cNvPicPr>
-          <p:nvPr/>
-        </p:nvPicPr>
-        <p:blipFill>
-          <a:blip r:embed="rId3" cstate="email">
-            <a:extLst>
-              <a:ext uri="{28A0092B-C50C-407E-A947-70E740481C1C}">
-                <a14:useLocalDpi xmlns:a14="http://schemas.microsoft.com/office/drawing/2010/main"/>
-              </a:ext>
-              <a:ext uri="{96DAC541-7B7A-43D3-8B79-37D633B846F1}">
-                <asvg:svgBlip xmlns:asvg="http://schemas.microsoft.com/office/drawing/2016/SVG/main" r:embed="rId4"/>
-              </a:ext>
-            </a:extLst>
-          </a:blip>
-          <a:stretch>
-            <a:fillRect/>
-          </a:stretch>
-        </p:blipFill>
-        <p:spPr>
-          <a:xfrm rot="16200000">
-            <a:off x="2238894" y="4041493"/>
-            <a:ext cx="3109434" cy="118015"/>
-          </a:xfrm>
-          <a:prstGeom prst="rect">
-            <a:avLst/>
-          </a:prstGeom>
-        </p:spPr>
-      </p:pic>
+              <a:t>-úvod k našej práci, čo stálo za jej vznikom</a:t>
+            </a:r>
+          </a:p>
+        </p:txBody>
+      </p:sp>
       <p:sp>
         <p:nvSpPr>
           <p:cNvPr id="17" name="Obdĺžnik 16">
@@ -13672,6 +12178,507 @@
           </a:p>
         </p:txBody>
       </p:sp>
+      <p:sp>
+        <p:nvSpPr>
+          <p:cNvPr id="2" name="BlokTextu 1">
+            <a:extLst>
+              <a:ext uri="{FF2B5EF4-FFF2-40B4-BE49-F238E27FC236}">
+                <a16:creationId xmlns:a16="http://schemas.microsoft.com/office/drawing/2014/main" id="{39B18892-57C6-5BD8-BF95-B4F3C28A3379}"/>
+              </a:ext>
+            </a:extLst>
+          </p:cNvPr>
+          <p:cNvSpPr txBox="1"/>
+          <p:nvPr/>
+        </p:nvSpPr>
+        <p:spPr>
+          <a:xfrm>
+            <a:off x="589272" y="4199465"/>
+            <a:ext cx="4893557" cy="965777"/>
+          </a:xfrm>
+          <a:prstGeom prst="rect">
+            <a:avLst/>
+          </a:prstGeom>
+          <a:noFill/>
+        </p:spPr>
+        <p:txBody>
+          <a:bodyPr wrap="square" rtlCol="0">
+            <a:spAutoFit/>
+          </a:bodyPr>
+          <a:lstStyle/>
+          <a:p>
+            <a:pPr>
+              <a:lnSpc>
+                <a:spcPct val="107000"/>
+              </a:lnSpc>
+              <a:spcAft>
+                <a:spcPts val="800"/>
+              </a:spcAft>
+            </a:pPr>
+            <a:r>
+              <a:rPr lang="sk-SK" sz="1800" dirty="0">
+                <a:solidFill>
+                  <a:schemeClr val="bg1"/>
+                </a:solidFill>
+                <a:effectLst/>
+                <a:latin typeface="Lucida Console" panose="020B0609040504020204" pitchFamily="49" charset="0"/>
+                <a:ea typeface="Calibri" panose="020F0502020204030204" pitchFamily="34" charset="0"/>
+                <a:cs typeface="Times New Roman" panose="02020603050405020304" pitchFamily="18" charset="0"/>
+              </a:rPr>
+              <a:t>-určenie si hlavných a vedľajších cieľov, ktoré sme sa snažili splniť</a:t>
+            </a:r>
+          </a:p>
+        </p:txBody>
+      </p:sp>
+      <p:sp>
+        <p:nvSpPr>
+          <p:cNvPr id="3" name="BlokTextu 2">
+            <a:extLst>
+              <a:ext uri="{FF2B5EF4-FFF2-40B4-BE49-F238E27FC236}">
+                <a16:creationId xmlns:a16="http://schemas.microsoft.com/office/drawing/2014/main" id="{4B1BBF10-CB13-7CC0-8B58-281B85056C0F}"/>
+              </a:ext>
+            </a:extLst>
+          </p:cNvPr>
+          <p:cNvSpPr txBox="1"/>
+          <p:nvPr/>
+        </p:nvSpPr>
+        <p:spPr>
+          <a:xfrm>
+            <a:off x="589272" y="5306598"/>
+            <a:ext cx="4893557" cy="669414"/>
+          </a:xfrm>
+          <a:prstGeom prst="rect">
+            <a:avLst/>
+          </a:prstGeom>
+          <a:noFill/>
+        </p:spPr>
+        <p:txBody>
+          <a:bodyPr wrap="square" rtlCol="0">
+            <a:spAutoFit/>
+          </a:bodyPr>
+          <a:lstStyle/>
+          <a:p>
+            <a:pPr>
+              <a:lnSpc>
+                <a:spcPct val="107000"/>
+              </a:lnSpc>
+              <a:spcAft>
+                <a:spcPts val="800"/>
+              </a:spcAft>
+            </a:pPr>
+            <a:r>
+              <a:rPr lang="sk-SK" sz="1800" dirty="0">
+                <a:solidFill>
+                  <a:schemeClr val="bg1"/>
+                </a:solidFill>
+                <a:effectLst/>
+                <a:latin typeface="Lucida Console" panose="020B0609040504020204" pitchFamily="49" charset="0"/>
+                <a:ea typeface="Calibri" panose="020F0502020204030204" pitchFamily="34" charset="0"/>
+                <a:cs typeface="Times New Roman" panose="02020603050405020304" pitchFamily="18" charset="0"/>
+              </a:rPr>
+              <a:t>-jednotlivé pracovné listy, akú formu majú, čo obsahujú</a:t>
+            </a:r>
+          </a:p>
+        </p:txBody>
+      </p:sp>
+      <p:sp>
+        <p:nvSpPr>
+          <p:cNvPr id="7" name="BlokTextu 6">
+            <a:extLst>
+              <a:ext uri="{FF2B5EF4-FFF2-40B4-BE49-F238E27FC236}">
+                <a16:creationId xmlns:a16="http://schemas.microsoft.com/office/drawing/2014/main" id="{742A2BE4-0BF2-6D49-1F45-83A1AF327223}"/>
+              </a:ext>
+            </a:extLst>
+          </p:cNvPr>
+          <p:cNvSpPr txBox="1"/>
+          <p:nvPr/>
+        </p:nvSpPr>
+        <p:spPr>
+          <a:xfrm>
+            <a:off x="6716098" y="3364529"/>
+            <a:ext cx="4930589" cy="965777"/>
+          </a:xfrm>
+          <a:prstGeom prst="rect">
+            <a:avLst/>
+          </a:prstGeom>
+          <a:noFill/>
+        </p:spPr>
+        <p:txBody>
+          <a:bodyPr wrap="square" rtlCol="0">
+            <a:spAutoFit/>
+          </a:bodyPr>
+          <a:lstStyle/>
+          <a:p>
+            <a:pPr>
+              <a:lnSpc>
+                <a:spcPct val="107000"/>
+              </a:lnSpc>
+              <a:spcAft>
+                <a:spcPts val="800"/>
+              </a:spcAft>
+            </a:pPr>
+            <a:r>
+              <a:rPr lang="sk-SK" sz="1800" dirty="0">
+                <a:solidFill>
+                  <a:schemeClr val="bg1"/>
+                </a:solidFill>
+                <a:effectLst/>
+                <a:latin typeface="Lucida Console" panose="020B0609040504020204" pitchFamily="49" charset="0"/>
+                <a:ea typeface="Calibri" panose="020F0502020204030204" pitchFamily="34" charset="0"/>
+                <a:cs typeface="Times New Roman" panose="02020603050405020304" pitchFamily="18" charset="0"/>
+              </a:rPr>
+              <a:t>-spätná väzba formou dotazníka, pripomienky opýtaných a ich riešenie</a:t>
+            </a:r>
+          </a:p>
+        </p:txBody>
+      </p:sp>
+      <p:sp>
+        <p:nvSpPr>
+          <p:cNvPr id="8" name="BlokTextu 7">
+            <a:extLst>
+              <a:ext uri="{FF2B5EF4-FFF2-40B4-BE49-F238E27FC236}">
+                <a16:creationId xmlns:a16="http://schemas.microsoft.com/office/drawing/2014/main" id="{DCE5086C-027E-8B4E-BDF0-ED072E9DE2DC}"/>
+              </a:ext>
+            </a:extLst>
+          </p:cNvPr>
+          <p:cNvSpPr txBox="1"/>
+          <p:nvPr/>
+        </p:nvSpPr>
+        <p:spPr>
+          <a:xfrm>
+            <a:off x="2027032" y="2503904"/>
+            <a:ext cx="1742591" cy="466666"/>
+          </a:xfrm>
+          <a:prstGeom prst="rect">
+            <a:avLst/>
+          </a:prstGeom>
+          <a:noFill/>
+        </p:spPr>
+        <p:txBody>
+          <a:bodyPr wrap="square" rtlCol="0">
+            <a:spAutoFit/>
+          </a:bodyPr>
+          <a:lstStyle/>
+          <a:p>
+            <a:pPr>
+              <a:lnSpc>
+                <a:spcPct val="107000"/>
+              </a:lnSpc>
+              <a:spcAft>
+                <a:spcPts val="800"/>
+              </a:spcAft>
+            </a:pPr>
+            <a:r>
+              <a:rPr lang="sk-SK" sz="2400" dirty="0">
+                <a:solidFill>
+                  <a:schemeClr val="bg1"/>
+                </a:solidFill>
+                <a:effectLst/>
+                <a:latin typeface="Lucida Console" panose="020B0609040504020204" pitchFamily="49" charset="0"/>
+                <a:ea typeface="Calibri" panose="020F0502020204030204" pitchFamily="34" charset="0"/>
+                <a:cs typeface="Times New Roman" panose="02020603050405020304" pitchFamily="18" charset="0"/>
+              </a:rPr>
+              <a:t>PRIMÁRNE</a:t>
+            </a:r>
+            <a:endParaRPr lang="sk-SK" sz="1800" dirty="0">
+              <a:solidFill>
+                <a:schemeClr val="bg1"/>
+              </a:solidFill>
+              <a:effectLst/>
+              <a:latin typeface="Lucida Console" panose="020B0609040504020204" pitchFamily="49" charset="0"/>
+              <a:ea typeface="Calibri" panose="020F0502020204030204" pitchFamily="34" charset="0"/>
+              <a:cs typeface="Times New Roman" panose="02020603050405020304" pitchFamily="18" charset="0"/>
+            </a:endParaRPr>
+          </a:p>
+        </p:txBody>
+      </p:sp>
+      <p:sp>
+        <p:nvSpPr>
+          <p:cNvPr id="10" name="!!kruh">
+            <a:extLst>
+              <a:ext uri="{FF2B5EF4-FFF2-40B4-BE49-F238E27FC236}">
+                <a16:creationId xmlns:a16="http://schemas.microsoft.com/office/drawing/2014/main" id="{4A6A73C8-5091-E301-B5A0-F2563EA01481}"/>
+              </a:ext>
+            </a:extLst>
+          </p:cNvPr>
+          <p:cNvSpPr/>
+          <p:nvPr/>
+        </p:nvSpPr>
+        <p:spPr>
+          <a:xfrm>
+            <a:off x="1611520" y="2530556"/>
+            <a:ext cx="389136" cy="389136"/>
+          </a:xfrm>
+          <a:prstGeom prst="ellipse">
+            <a:avLst/>
+          </a:prstGeom>
+          <a:gradFill flip="none" rotWithShape="1">
+            <a:gsLst>
+              <a:gs pos="35000">
+                <a:srgbClr val="CCFF99">
+                  <a:lumMod val="96000"/>
+                </a:srgbClr>
+              </a:gs>
+              <a:gs pos="66000">
+                <a:schemeClr val="accent1"/>
+              </a:gs>
+            </a:gsLst>
+            <a:path path="circle">
+              <a:fillToRect l="100000" b="100000"/>
+            </a:path>
+            <a:tileRect t="-100000" r="-100000"/>
+          </a:gradFill>
+          <a:ln w="38100">
+            <a:solidFill>
+              <a:srgbClr val="313944">
+                <a:alpha val="94000"/>
+              </a:srgbClr>
+            </a:solidFill>
+          </a:ln>
+          <a:effectLst/>
+        </p:spPr>
+        <p:style>
+          <a:lnRef idx="2">
+            <a:schemeClr val="accent1">
+              <a:shade val="50000"/>
+            </a:schemeClr>
+          </a:lnRef>
+          <a:fillRef idx="1">
+            <a:schemeClr val="accent1"/>
+          </a:fillRef>
+          <a:effectRef idx="0">
+            <a:schemeClr val="accent1"/>
+          </a:effectRef>
+          <a:fontRef idx="minor">
+            <a:schemeClr val="lt1"/>
+          </a:fontRef>
+        </p:style>
+        <p:txBody>
+          <a:bodyPr rtlCol="0" anchor="ctr"/>
+          <a:lstStyle/>
+          <a:p>
+            <a:pPr algn="ctr"/>
+            <a:endParaRPr lang="sk-SK" dirty="0">
+              <a:ln w="28575">
+                <a:solidFill>
+                  <a:schemeClr val="accent1"/>
+                </a:solidFill>
+              </a:ln>
+            </a:endParaRPr>
+          </a:p>
+        </p:txBody>
+      </p:sp>
+      <p:sp>
+        <p:nvSpPr>
+          <p:cNvPr id="11" name="!!kruh">
+            <a:extLst>
+              <a:ext uri="{FF2B5EF4-FFF2-40B4-BE49-F238E27FC236}">
+                <a16:creationId xmlns:a16="http://schemas.microsoft.com/office/drawing/2014/main" id="{414C5003-F3F9-F31A-E0AE-0589B7ACA764}"/>
+              </a:ext>
+            </a:extLst>
+          </p:cNvPr>
+          <p:cNvSpPr/>
+          <p:nvPr/>
+        </p:nvSpPr>
+        <p:spPr>
+          <a:xfrm>
+            <a:off x="9903511" y="2569351"/>
+            <a:ext cx="389136" cy="389136"/>
+          </a:xfrm>
+          <a:prstGeom prst="ellipse">
+            <a:avLst/>
+          </a:prstGeom>
+          <a:gradFill flip="none" rotWithShape="1">
+            <a:gsLst>
+              <a:gs pos="35000">
+                <a:srgbClr val="CCFF99">
+                  <a:lumMod val="96000"/>
+                </a:srgbClr>
+              </a:gs>
+              <a:gs pos="66000">
+                <a:schemeClr val="accent1"/>
+              </a:gs>
+            </a:gsLst>
+            <a:path path="circle">
+              <a:fillToRect l="100000" b="100000"/>
+            </a:path>
+            <a:tileRect t="-100000" r="-100000"/>
+          </a:gradFill>
+          <a:ln w="38100">
+            <a:solidFill>
+              <a:srgbClr val="313944">
+                <a:alpha val="94000"/>
+              </a:srgbClr>
+            </a:solidFill>
+          </a:ln>
+          <a:effectLst/>
+        </p:spPr>
+        <p:style>
+          <a:lnRef idx="2">
+            <a:schemeClr val="accent1">
+              <a:shade val="50000"/>
+            </a:schemeClr>
+          </a:lnRef>
+          <a:fillRef idx="1">
+            <a:schemeClr val="accent1"/>
+          </a:fillRef>
+          <a:effectRef idx="0">
+            <a:schemeClr val="accent1"/>
+          </a:effectRef>
+          <a:fontRef idx="minor">
+            <a:schemeClr val="lt1"/>
+          </a:fontRef>
+        </p:style>
+        <p:txBody>
+          <a:bodyPr rtlCol="0" anchor="ctr"/>
+          <a:lstStyle/>
+          <a:p>
+            <a:pPr algn="ctr"/>
+            <a:endParaRPr lang="sk-SK" dirty="0">
+              <a:ln w="28575">
+                <a:solidFill>
+                  <a:schemeClr val="accent1"/>
+                </a:solidFill>
+              </a:ln>
+            </a:endParaRPr>
+          </a:p>
+        </p:txBody>
+      </p:sp>
+      <p:sp>
+        <p:nvSpPr>
+          <p:cNvPr id="18" name="BlokTextu 17">
+            <a:extLst>
+              <a:ext uri="{FF2B5EF4-FFF2-40B4-BE49-F238E27FC236}">
+                <a16:creationId xmlns:a16="http://schemas.microsoft.com/office/drawing/2014/main" id="{1C8EB58A-8DE0-77CE-DF14-5762BA54FCB5}"/>
+              </a:ext>
+            </a:extLst>
+          </p:cNvPr>
+          <p:cNvSpPr txBox="1"/>
+          <p:nvPr/>
+        </p:nvSpPr>
+        <p:spPr>
+          <a:xfrm>
+            <a:off x="8220958" y="2538626"/>
+            <a:ext cx="1742591" cy="466666"/>
+          </a:xfrm>
+          <a:prstGeom prst="rect">
+            <a:avLst/>
+          </a:prstGeom>
+          <a:noFill/>
+        </p:spPr>
+        <p:txBody>
+          <a:bodyPr wrap="square" rtlCol="0">
+            <a:spAutoFit/>
+          </a:bodyPr>
+          <a:lstStyle/>
+          <a:p>
+            <a:pPr>
+              <a:lnSpc>
+                <a:spcPct val="107000"/>
+              </a:lnSpc>
+              <a:spcAft>
+                <a:spcPts val="800"/>
+              </a:spcAft>
+            </a:pPr>
+            <a:r>
+              <a:rPr lang="sk-SK" sz="2400" dirty="0">
+                <a:solidFill>
+                  <a:schemeClr val="bg1"/>
+                </a:solidFill>
+                <a:effectLst/>
+                <a:latin typeface="Lucida Console" panose="020B0609040504020204" pitchFamily="49" charset="0"/>
+                <a:ea typeface="Calibri" panose="020F0502020204030204" pitchFamily="34" charset="0"/>
+                <a:cs typeface="Times New Roman" panose="02020603050405020304" pitchFamily="18" charset="0"/>
+              </a:rPr>
+              <a:t>BONUSOVÉ</a:t>
+            </a:r>
+            <a:endParaRPr lang="sk-SK" sz="1800" dirty="0">
+              <a:solidFill>
+                <a:schemeClr val="bg1"/>
+              </a:solidFill>
+              <a:effectLst/>
+              <a:latin typeface="Lucida Console" panose="020B0609040504020204" pitchFamily="49" charset="0"/>
+              <a:ea typeface="Calibri" panose="020F0502020204030204" pitchFamily="34" charset="0"/>
+              <a:cs typeface="Times New Roman" panose="02020603050405020304" pitchFamily="18" charset="0"/>
+            </a:endParaRPr>
+          </a:p>
+        </p:txBody>
+      </p:sp>
+      <p:sp>
+        <p:nvSpPr>
+          <p:cNvPr id="19" name="!!kruh">
+            <a:extLst>
+              <a:ext uri="{FF2B5EF4-FFF2-40B4-BE49-F238E27FC236}">
+                <a16:creationId xmlns:a16="http://schemas.microsoft.com/office/drawing/2014/main" id="{4EB58E63-092B-0D0E-D892-8C1B21685DF3}"/>
+              </a:ext>
+            </a:extLst>
+          </p:cNvPr>
+          <p:cNvSpPr/>
+          <p:nvPr/>
+        </p:nvSpPr>
+        <p:spPr>
+          <a:xfrm>
+            <a:off x="7805446" y="2565278"/>
+            <a:ext cx="389136" cy="389136"/>
+          </a:xfrm>
+          <a:prstGeom prst="ellipse">
+            <a:avLst/>
+          </a:prstGeom>
+          <a:gradFill flip="none" rotWithShape="1">
+            <a:gsLst>
+              <a:gs pos="35000">
+                <a:srgbClr val="CCFF99">
+                  <a:lumMod val="96000"/>
+                </a:srgbClr>
+              </a:gs>
+              <a:gs pos="66000">
+                <a:schemeClr val="accent1"/>
+              </a:gs>
+            </a:gsLst>
+            <a:path path="circle">
+              <a:fillToRect l="100000" b="100000"/>
+            </a:path>
+            <a:tileRect t="-100000" r="-100000"/>
+          </a:gradFill>
+          <a:ln w="38100">
+            <a:solidFill>
+              <a:srgbClr val="313944">
+                <a:alpha val="94000"/>
+              </a:srgbClr>
+            </a:solidFill>
+          </a:ln>
+          <a:effectLst/>
+        </p:spPr>
+        <p:style>
+          <a:lnRef idx="2">
+            <a:schemeClr val="accent1">
+              <a:shade val="50000"/>
+            </a:schemeClr>
+          </a:lnRef>
+          <a:fillRef idx="1">
+            <a:schemeClr val="accent1"/>
+          </a:fillRef>
+          <a:effectRef idx="0">
+            <a:schemeClr val="accent1"/>
+          </a:effectRef>
+          <a:fontRef idx="minor">
+            <a:schemeClr val="lt1"/>
+          </a:fontRef>
+        </p:style>
+        <p:txBody>
+          <a:bodyPr rtlCol="0" anchor="ctr"/>
+          <a:lstStyle/>
+          <a:p>
+            <a:pPr algn="ctr"/>
+            <a:endParaRPr lang="sk-SK" dirty="0">
+              <a:ln w="28575">
+                <a:solidFill>
+                  <a:schemeClr val="accent1"/>
+                </a:solidFill>
+              </a:ln>
+            </a:endParaRPr>
+          </a:p>
+        </p:txBody>
+      </p:sp>
     </p:spTree>
     <p:extLst>
       <p:ext uri="{BB962C8B-B14F-4D97-AF65-F5344CB8AC3E}">
@@ -13682,13 +12689,13 @@
   <p:clrMapOvr>
     <a:masterClrMapping/>
   </p:clrMapOvr>
-  <mc:AlternateContent xmlns:mc="http://schemas.openxmlformats.org/markup-compatibility/2006">
-    <mc:Choice xmlns:p159="http://schemas.microsoft.com/office/powerpoint/2015/09/main" Requires="p159">
+  <mc:AlternateContent xmlns:mc="http://schemas.openxmlformats.org/markup-compatibility/2006" xmlns:p159="http://schemas.microsoft.com/office/powerpoint/2015/09/main">
+    <mc:Choice Requires="p159">
       <p:transition xmlns:p14="http://schemas.microsoft.com/office/powerpoint/2010/main" spd="slow" p14:dur="2000">
         <p159:morph option="byObject"/>
       </p:transition>
     </mc:Choice>
-    <mc:Fallback>
+    <mc:Fallback xmlns="">
       <p:transition spd="slow">
         <p:fade/>
       </p:transition>
@@ -13698,111 +12705,6 @@
 </file>
 
 <file path=ppt/slides/slide6.xml><?xml version="1.0" encoding="utf-8"?>
-<p:sld xmlns:a="http://schemas.openxmlformats.org/drawingml/2006/main" xmlns:r="http://schemas.openxmlformats.org/officeDocument/2006/relationships" xmlns:p="http://schemas.openxmlformats.org/presentationml/2006/main" show="0">
-  <p:cSld>
-    <p:spTree>
-      <p:nvGrpSpPr>
-        <p:cNvPr id="1" name=""/>
-        <p:cNvGrpSpPr/>
-        <p:nvPr/>
-      </p:nvGrpSpPr>
-      <p:grpSpPr>
-        <a:xfrm>
-          <a:off x="0" y="0"/>
-          <a:ext cx="0" cy="0"/>
-          <a:chOff x="0" y="0"/>
-          <a:chExt cx="0" cy="0"/>
-        </a:xfrm>
-      </p:grpSpPr>
-      <p:sp>
-        <p:nvSpPr>
-          <p:cNvPr id="2" name="Nadpis 1">
-            <a:extLst>
-              <a:ext uri="{FF2B5EF4-FFF2-40B4-BE49-F238E27FC236}">
-                <a16:creationId xmlns:a16="http://schemas.microsoft.com/office/drawing/2014/main" id="{EFF9E1E9-C18C-B042-E20D-BD764C02CD04}"/>
-              </a:ext>
-            </a:extLst>
-          </p:cNvPr>
-          <p:cNvSpPr>
-            <a:spLocks noGrp="1"/>
-          </p:cNvSpPr>
-          <p:nvPr>
-            <p:ph type="title"/>
-          </p:nvPr>
-        </p:nvSpPr>
-        <p:spPr/>
-        <p:txBody>
-          <a:bodyPr/>
-          <a:lstStyle/>
-          <a:p>
-            <a:endParaRPr lang="sk-SK" dirty="0"/>
-          </a:p>
-        </p:txBody>
-      </p:sp>
-      <p:sp>
-        <p:nvSpPr>
-          <p:cNvPr id="3" name="Zástupný objekt pre obsah 2">
-            <a:extLst>
-              <a:ext uri="{FF2B5EF4-FFF2-40B4-BE49-F238E27FC236}">
-                <a16:creationId xmlns:a16="http://schemas.microsoft.com/office/drawing/2014/main" id="{40C8E0D5-E28C-4E8B-8BEA-FA8BC9C6097E}"/>
-              </a:ext>
-            </a:extLst>
-          </p:cNvPr>
-          <p:cNvSpPr>
-            <a:spLocks noGrp="1"/>
-          </p:cNvSpPr>
-          <p:nvPr>
-            <p:ph idx="1"/>
-          </p:nvPr>
-        </p:nvSpPr>
-        <p:spPr/>
-        <p:txBody>
-          <a:bodyPr/>
-          <a:lstStyle/>
-          <a:p>
-            <a:r>
-              <a:rPr lang="sk-SK" dirty="0"/>
-              <a:t>Prac listy </a:t>
-            </a:r>
-          </a:p>
-          <a:p>
-            <a:r>
-              <a:rPr lang="sk-SK" dirty="0"/>
-              <a:t>Zapojenia</a:t>
-            </a:r>
-          </a:p>
-          <a:p>
-            <a:r>
-              <a:rPr lang="sk-SK" dirty="0" err="1"/>
-              <a:t>Cloud</a:t>
-            </a:r>
-            <a:endParaRPr lang="sk-SK" dirty="0"/>
-          </a:p>
-          <a:p>
-            <a:r>
-              <a:rPr lang="sk-SK" dirty="0"/>
-              <a:t>Dotazník</a:t>
-            </a:r>
-          </a:p>
-          <a:p>
-            <a:endParaRPr lang="sk-SK" dirty="0"/>
-          </a:p>
-        </p:txBody>
-      </p:sp>
-    </p:spTree>
-    <p:extLst>
-      <p:ext uri="{BB962C8B-B14F-4D97-AF65-F5344CB8AC3E}">
-        <p14:creationId xmlns:p14="http://schemas.microsoft.com/office/powerpoint/2010/main" val="87843555"/>
-      </p:ext>
-    </p:extLst>
-  </p:cSld>
-  <p:clrMapOvr>
-    <a:masterClrMapping/>
-  </p:clrMapOvr>
-</p:sld>
-</file>
-
-<file path=ppt/slides/slide7.xml><?xml version="1.0" encoding="utf-8"?>
 <p:sld xmlns:a="http://schemas.openxmlformats.org/drawingml/2006/main" xmlns:r="http://schemas.openxmlformats.org/officeDocument/2006/relationships" xmlns:p="http://schemas.openxmlformats.org/presentationml/2006/main">
   <p:cSld>
     <p:spTree>
@@ -14096,8 +12998,8 @@
         </p:nvSpPr>
         <p:spPr>
           <a:xfrm>
-            <a:off x="4912481" y="5094177"/>
-            <a:ext cx="5891288" cy="2070530"/>
+            <a:off x="4461049" y="5134781"/>
+            <a:ext cx="7271564" cy="994661"/>
           </a:xfrm>
           <a:prstGeom prst="rect">
             <a:avLst/>
@@ -14127,7 +13029,14 @@
             </a:lvl1pPr>
           </a:lstStyle>
           <a:p>
-            <a:pPr algn="l"/>
+            <a:pPr algn="l">
+              <a:lnSpc>
+                <a:spcPct val="107000"/>
+              </a:lnSpc>
+              <a:spcAft>
+                <a:spcPts val="800"/>
+              </a:spcAft>
+            </a:pPr>
             <a:r>
               <a:rPr lang="sk-SK" sz="1800" dirty="0">
                 <a:solidFill>
@@ -14135,19 +13044,21 @@
                 </a:solidFill>
                 <a:effectLst/>
                 <a:latin typeface="Lucida Console" panose="020B0609040504020204" pitchFamily="49" charset="0"/>
+                <a:ea typeface="Calibri" panose="020F0502020204030204" pitchFamily="34" charset="0"/>
+                <a:cs typeface="Times New Roman" panose="02020603050405020304" pitchFamily="18" charset="0"/>
               </a:rPr>
-              <a:t>Stupňovitá pyramída v </a:t>
-            </a:r>
-            <a:r>
-              <a:rPr lang="sk-SK" sz="1800" dirty="0" err="1">
-                <a:solidFill>
-                  <a:schemeClr val="bg1"/>
-                </a:solidFill>
-                <a:effectLst/>
-                <a:latin typeface="Lucida Console" panose="020B0609040504020204" pitchFamily="49" charset="0"/>
-              </a:rPr>
-              <a:t>Sakkáre</a:t>
-            </a:r>
+              <a:t>-čo pracovné listy obsahujú</a:t>
+            </a:r>
+          </a:p>
+          <a:p>
+            <a:pPr algn="l">
+              <a:lnSpc>
+                <a:spcPct val="107000"/>
+              </a:lnSpc>
+              <a:spcAft>
+                <a:spcPts val="800"/>
+              </a:spcAft>
+            </a:pPr>
             <a:r>
               <a:rPr lang="sk-SK" sz="1800" dirty="0">
                 <a:solidFill>
@@ -14155,88 +13066,10 @@
                 </a:solidFill>
                 <a:effectLst/>
                 <a:latin typeface="Lucida Console" panose="020B0609040504020204" pitchFamily="49" charset="0"/>
+                <a:ea typeface="Calibri" panose="020F0502020204030204" pitchFamily="34" charset="0"/>
+                <a:cs typeface="Times New Roman" panose="02020603050405020304" pitchFamily="18" charset="0"/>
               </a:rPr>
-              <a:t> (iné názvy: </a:t>
-            </a:r>
-            <a:r>
-              <a:rPr lang="sk-SK" sz="1800" dirty="0" err="1">
-                <a:solidFill>
-                  <a:schemeClr val="bg1"/>
-                </a:solidFill>
-                <a:effectLst/>
-                <a:latin typeface="Lucida Console" panose="020B0609040504020204" pitchFamily="49" charset="0"/>
-              </a:rPr>
-              <a:t>Džoserova</a:t>
-            </a:r>
-            <a:r>
-              <a:rPr lang="sk-SK" sz="1800" dirty="0">
-                <a:solidFill>
-                  <a:schemeClr val="bg1"/>
-                </a:solidFill>
-                <a:effectLst/>
-                <a:latin typeface="Lucida Console" panose="020B0609040504020204" pitchFamily="49" charset="0"/>
-              </a:rPr>
-              <a:t> pyramída, </a:t>
-            </a:r>
-            <a:r>
-              <a:rPr lang="sk-SK" sz="1800" dirty="0" err="1">
-                <a:solidFill>
-                  <a:schemeClr val="bg1"/>
-                </a:solidFill>
-                <a:effectLst/>
-                <a:latin typeface="Lucida Console" panose="020B0609040504020204" pitchFamily="49" charset="0"/>
-              </a:rPr>
-              <a:t>Necerichetova</a:t>
-            </a:r>
-            <a:r>
-              <a:rPr lang="sk-SK" sz="1800" dirty="0">
-                <a:solidFill>
-                  <a:schemeClr val="bg1"/>
-                </a:solidFill>
-                <a:effectLst/>
-                <a:latin typeface="Lucida Console" panose="020B0609040504020204" pitchFamily="49" charset="0"/>
-              </a:rPr>
-              <a:t> pyramída, Pyramída </a:t>
-            </a:r>
-            <a:r>
-              <a:rPr lang="sk-SK" sz="1800" dirty="0" err="1">
-                <a:solidFill>
-                  <a:schemeClr val="bg1"/>
-                </a:solidFill>
-                <a:effectLst/>
-                <a:latin typeface="Lucida Console" panose="020B0609040504020204" pitchFamily="49" charset="0"/>
-              </a:rPr>
-              <a:t>Lepsius</a:t>
-            </a:r>
-            <a:r>
-              <a:rPr lang="sk-SK" sz="1800" dirty="0">
-                <a:solidFill>
-                  <a:schemeClr val="bg1"/>
-                </a:solidFill>
-                <a:effectLst/>
-                <a:latin typeface="Lucida Console" panose="020B0609040504020204" pitchFamily="49" charset="0"/>
-              </a:rPr>
-              <a:t> XXXII) je </a:t>
-            </a:r>
-            <a:r>
-              <a:rPr lang="sk-SK" sz="1800" strike="noStrike" dirty="0">
-                <a:solidFill>
-                  <a:schemeClr val="bg1"/>
-                </a:solidFill>
-                <a:effectLst/>
-                <a:latin typeface="Lucida Console" panose="020B0609040504020204" pitchFamily="49" charset="0"/>
-              </a:rPr>
-              <a:t>staroegyptská</a:t>
-            </a:r>
-            <a:r>
-              <a:rPr lang="sk-SK" sz="1800" dirty="0">
-                <a:solidFill>
-                  <a:schemeClr val="bg1"/>
-                </a:solidFill>
-                <a:effectLst/>
-                <a:latin typeface="Lucida Console" panose="020B0609040504020204" pitchFamily="49" charset="0"/>
-              </a:rPr>
-              <a:t> pamiatka, súbor objektov starovekej pohrebnej a</a:t>
+              <a:t>-rozloženie a prevedenie pracovných listov</a:t>
             </a:r>
           </a:p>
         </p:txBody>
@@ -14442,13 +13275,13 @@
   <p:clrMapOvr>
     <a:masterClrMapping/>
   </p:clrMapOvr>
-  <mc:AlternateContent xmlns:mc="http://schemas.openxmlformats.org/markup-compatibility/2006">
-    <mc:Choice xmlns:p159="http://schemas.microsoft.com/office/powerpoint/2015/09/main" Requires="p159">
+  <mc:AlternateContent xmlns:mc="http://schemas.openxmlformats.org/markup-compatibility/2006" xmlns:p159="http://schemas.microsoft.com/office/powerpoint/2015/09/main">
+    <mc:Choice Requires="p159">
       <p:transition xmlns:p14="http://schemas.microsoft.com/office/powerpoint/2010/main" spd="slow" p14:dur="2000">
         <p159:morph option="byObject"/>
       </p:transition>
     </mc:Choice>
-    <mc:Fallback>
+    <mc:Fallback xmlns="">
       <p:transition spd="slow">
         <p:fade/>
       </p:transition>
@@ -14457,7 +13290,7 @@
 </p:sld>
 </file>
 
-<file path=ppt/slides/slide8.xml><?xml version="1.0" encoding="utf-8"?>
+<file path=ppt/slides/slide7.xml><?xml version="1.0" encoding="utf-8"?>
 <p:sld xmlns:a="http://schemas.openxmlformats.org/drawingml/2006/main" xmlns:r="http://schemas.openxmlformats.org/officeDocument/2006/relationships" xmlns:p="http://schemas.openxmlformats.org/presentationml/2006/main">
   <p:cSld>
     <p:spTree>
@@ -14563,7 +13396,7 @@
         <p:spPr>
           <a:xfrm>
             <a:off x="706971" y="1033358"/>
-            <a:ext cx="10096798" cy="506077"/>
+            <a:ext cx="10096798" cy="3033789"/>
           </a:xfrm>
           <a:prstGeom prst="rect">
             <a:avLst/>
@@ -14636,8 +13469,8 @@
         </p:nvSpPr>
         <p:spPr>
           <a:xfrm>
-            <a:off x="523576" y="4273837"/>
-            <a:ext cx="5891288" cy="2070530"/>
+            <a:off x="485411" y="4441248"/>
+            <a:ext cx="6275024" cy="1448689"/>
           </a:xfrm>
           <a:prstGeom prst="rect">
             <a:avLst/>
@@ -14667,7 +13500,11 @@
             </a:lvl1pPr>
           </a:lstStyle>
           <a:p>
-            <a:pPr algn="l"/>
+            <a:pPr algn="l">
+              <a:lnSpc>
+                <a:spcPct val="200000"/>
+              </a:lnSpc>
+            </a:pPr>
             <a:r>
               <a:rPr lang="sk-SK" sz="1800" dirty="0">
                 <a:solidFill>
@@ -14676,17 +13513,23 @@
                 <a:effectLst/>
                 <a:latin typeface="Lucida Console" panose="020B0609040504020204" pitchFamily="49" charset="0"/>
               </a:rPr>
-              <a:t>Stupňovitá pyramída v </a:t>
-            </a:r>
-            <a:r>
-              <a:rPr lang="sk-SK" sz="1800" dirty="0" err="1">
+              <a:t>-Aké sú to praktické pracovné listy</a:t>
+            </a:r>
+          </a:p>
+          <a:p>
+            <a:pPr algn="l">
+              <a:lnSpc>
+                <a:spcPct val="200000"/>
+              </a:lnSpc>
+            </a:pPr>
+            <a:r>
+              <a:rPr lang="sk-SK" sz="1800" dirty="0">
                 <a:solidFill>
                   <a:schemeClr val="bg1"/>
                 </a:solidFill>
-                <a:effectLst/>
                 <a:latin typeface="Lucida Console" panose="020B0609040504020204" pitchFamily="49" charset="0"/>
               </a:rPr>
-              <a:t>Sakkáre</a:t>
+              <a:t>-Ako sa delia </a:t>
             </a:r>
             <a:r>
               <a:rPr lang="sk-SK" sz="1800" dirty="0">
@@ -14696,18 +13539,15 @@
                 <a:effectLst/>
                 <a:latin typeface="Lucida Console" panose="020B0609040504020204" pitchFamily="49" charset="0"/>
               </a:rPr>
-              <a:t> (iné názvy: </a:t>
-            </a:r>
-            <a:r>
-              <a:rPr lang="sk-SK" sz="1800" dirty="0" err="1">
-                <a:solidFill>
-                  <a:schemeClr val="bg1"/>
-                </a:solidFill>
-                <a:effectLst/>
-                <a:latin typeface="Lucida Console" panose="020B0609040504020204" pitchFamily="49" charset="0"/>
-              </a:rPr>
-              <a:t>Džoserova</a:t>
-            </a:r>
+              <a:t>praktické pracovné listy</a:t>
+            </a:r>
+          </a:p>
+          <a:p>
+            <a:pPr algn="l">
+              <a:lnSpc>
+                <a:spcPct val="200000"/>
+              </a:lnSpc>
+            </a:pPr>
             <a:r>
               <a:rPr lang="sk-SK" sz="1800" dirty="0">
                 <a:solidFill>
@@ -14716,67 +13556,7 @@
                 <a:effectLst/>
                 <a:latin typeface="Lucida Console" panose="020B0609040504020204" pitchFamily="49" charset="0"/>
               </a:rPr>
-              <a:t> pyramída, </a:t>
-            </a:r>
-            <a:r>
-              <a:rPr lang="sk-SK" sz="1800" dirty="0" err="1">
-                <a:solidFill>
-                  <a:schemeClr val="bg1"/>
-                </a:solidFill>
-                <a:effectLst/>
-                <a:latin typeface="Lucida Console" panose="020B0609040504020204" pitchFamily="49" charset="0"/>
-              </a:rPr>
-              <a:t>Necerichetova</a:t>
-            </a:r>
-            <a:r>
-              <a:rPr lang="sk-SK" sz="1800" dirty="0">
-                <a:solidFill>
-                  <a:schemeClr val="bg1"/>
-                </a:solidFill>
-                <a:effectLst/>
-                <a:latin typeface="Lucida Console" panose="020B0609040504020204" pitchFamily="49" charset="0"/>
-              </a:rPr>
-              <a:t> pyramída, Pyramída </a:t>
-            </a:r>
-            <a:r>
-              <a:rPr lang="sk-SK" sz="1800" dirty="0" err="1">
-                <a:solidFill>
-                  <a:schemeClr val="bg1"/>
-                </a:solidFill>
-                <a:effectLst/>
-                <a:latin typeface="Lucida Console" panose="020B0609040504020204" pitchFamily="49" charset="0"/>
-              </a:rPr>
-              <a:t>Lepsius</a:t>
-            </a:r>
-            <a:r>
-              <a:rPr lang="sk-SK" sz="1800" dirty="0">
-                <a:solidFill>
-                  <a:schemeClr val="bg1"/>
-                </a:solidFill>
-                <a:effectLst/>
-                <a:latin typeface="Lucida Console" panose="020B0609040504020204" pitchFamily="49" charset="0"/>
-              </a:rPr>
-              <a:t> XXXII) je </a:t>
-            </a:r>
-            <a:r>
-              <a:rPr lang="sk-SK" sz="1800" strike="noStrike" dirty="0">
-                <a:solidFill>
-                  <a:schemeClr val="bg1"/>
-                </a:solidFill>
-                <a:effectLst/>
-                <a:latin typeface="Lucida Console" panose="020B0609040504020204" pitchFamily="49" charset="0"/>
-              </a:rPr>
-              <a:t>staroegyptská</a:t>
-            </a:r>
-            <a:r>
-              <a:rPr lang="sk-SK" sz="1800" dirty="0">
-                <a:solidFill>
-                  <a:schemeClr val="bg1"/>
-                </a:solidFill>
-                <a:effectLst/>
-                <a:latin typeface="Lucida Console" panose="020B0609040504020204" pitchFamily="49" charset="0"/>
-              </a:rPr>
-              <a:t> pamiatka, súbor objektov starovekej pohrebnej a</a:t>
+              <a:t>-Čo obsahujú praktické pracovné listy</a:t>
             </a:r>
           </a:p>
         </p:txBody>
@@ -14906,13 +13686,13 @@
   <p:clrMapOvr>
     <a:masterClrMapping/>
   </p:clrMapOvr>
-  <mc:AlternateContent xmlns:mc="http://schemas.openxmlformats.org/markup-compatibility/2006">
-    <mc:Choice xmlns:p159="http://schemas.microsoft.com/office/powerpoint/2015/09/main" Requires="p159">
+  <mc:AlternateContent xmlns:mc="http://schemas.openxmlformats.org/markup-compatibility/2006" xmlns:p159="http://schemas.microsoft.com/office/powerpoint/2015/09/main">
+    <mc:Choice Requires="p159">
       <p:transition xmlns:p14="http://schemas.microsoft.com/office/powerpoint/2010/main" spd="slow" p14:dur="2000">
         <p159:morph option="byObject"/>
       </p:transition>
     </mc:Choice>
-    <mc:Fallback>
+    <mc:Fallback xmlns="">
       <p:transition spd="slow">
         <p:fade/>
       </p:transition>
@@ -14921,7 +13701,7 @@
 </p:sld>
 </file>
 
-<file path=ppt/slides/slide9.xml><?xml version="1.0" encoding="utf-8"?>
+<file path=ppt/slides/slide8.xml><?xml version="1.0" encoding="utf-8"?>
 <p:sld xmlns:a="http://schemas.openxmlformats.org/drawingml/2006/main" xmlns:r="http://schemas.openxmlformats.org/officeDocument/2006/relationships" xmlns:p="http://schemas.openxmlformats.org/presentationml/2006/main">
   <p:cSld>
     <p:spTree>
@@ -15201,10 +13981,201 @@
       </p:sp>
       <p:sp>
         <p:nvSpPr>
-          <p:cNvPr id="11" name="Nadpis 1">
-            <a:extLst>
-              <a:ext uri="{FF2B5EF4-FFF2-40B4-BE49-F238E27FC236}">
-                <a16:creationId xmlns:a16="http://schemas.microsoft.com/office/drawing/2014/main" id="{0D416FD4-5952-4C85-47BE-67B5FFB3650C}"/>
+          <p:cNvPr id="6" name="BlokTextu 5">
+            <a:extLst>
+              <a:ext uri="{FF2B5EF4-FFF2-40B4-BE49-F238E27FC236}">
+                <a16:creationId xmlns:a16="http://schemas.microsoft.com/office/drawing/2014/main" id="{7BA26F74-A0F2-7AB5-9C0F-BE2EE46110B4}"/>
+              </a:ext>
+            </a:extLst>
+          </p:cNvPr>
+          <p:cNvSpPr txBox="1"/>
+          <p:nvPr/>
+        </p:nvSpPr>
+        <p:spPr>
+          <a:xfrm rot="16200000">
+            <a:off x="-835323" y="3320821"/>
+            <a:ext cx="3033788" cy="369332"/>
+          </a:xfrm>
+          <a:prstGeom prst="rect">
+            <a:avLst/>
+          </a:prstGeom>
+          <a:noFill/>
+        </p:spPr>
+        <p:txBody>
+          <a:bodyPr wrap="square" rtlCol="0">
+            <a:spAutoFit/>
+          </a:bodyPr>
+          <a:lstStyle/>
+          <a:p>
+            <a:r>
+              <a:rPr lang="sk-SK" sz="1800" dirty="0">
+                <a:solidFill>
+                  <a:schemeClr val="bg1"/>
+                </a:solidFill>
+                <a:effectLst/>
+                <a:latin typeface="Lucida Console" panose="020B0609040504020204" pitchFamily="49" charset="0"/>
+              </a:rPr>
+              <a:t>Praktický list</a:t>
+            </a:r>
+            <a:endParaRPr lang="sk-SK" dirty="0"/>
+          </a:p>
+        </p:txBody>
+      </p:sp>
+      <p:sp>
+        <p:nvSpPr>
+          <p:cNvPr id="2" name="BlokTextu 1">
+            <a:extLst>
+              <a:ext uri="{FF2B5EF4-FFF2-40B4-BE49-F238E27FC236}">
+                <a16:creationId xmlns:a16="http://schemas.microsoft.com/office/drawing/2014/main" id="{285A0554-B2AC-E846-6DB1-2D25ED6FD4DE}"/>
+              </a:ext>
+            </a:extLst>
+          </p:cNvPr>
+          <p:cNvSpPr txBox="1"/>
+          <p:nvPr/>
+        </p:nvSpPr>
+        <p:spPr>
+          <a:xfrm rot="5400000">
+            <a:off x="9871906" y="1869865"/>
+            <a:ext cx="2291738" cy="369332"/>
+          </a:xfrm>
+          <a:prstGeom prst="rect">
+            <a:avLst/>
+          </a:prstGeom>
+          <a:noFill/>
+        </p:spPr>
+        <p:txBody>
+          <a:bodyPr wrap="square" rtlCol="0">
+            <a:spAutoFit/>
+          </a:bodyPr>
+          <a:lstStyle/>
+          <a:p>
+            <a:r>
+              <a:rPr lang="sk-SK" sz="1800" dirty="0">
+                <a:solidFill>
+                  <a:schemeClr val="bg1"/>
+                </a:solidFill>
+                <a:effectLst/>
+                <a:latin typeface="Lucida Console" panose="020B0609040504020204" pitchFamily="49" charset="0"/>
+              </a:rPr>
+              <a:t>Teoretický list</a:t>
+            </a:r>
+            <a:endParaRPr lang="sk-SK" dirty="0"/>
+          </a:p>
+        </p:txBody>
+      </p:sp>
+      <p:pic>
+        <p:nvPicPr>
+          <p:cNvPr id="10" name="Graphic 7">
+            <a:extLst>
+              <a:ext uri="{FF2B5EF4-FFF2-40B4-BE49-F238E27FC236}">
+                <a16:creationId xmlns:a16="http://schemas.microsoft.com/office/drawing/2014/main" id="{868BE020-CB17-DF72-BF7F-E2050D0F3317}"/>
+              </a:ext>
+            </a:extLst>
+          </p:cNvPr>
+          <p:cNvPicPr>
+            <a:picLocks noChangeAspect="1"/>
+          </p:cNvPicPr>
+          <p:nvPr/>
+        </p:nvPicPr>
+        <p:blipFill>
+          <a:blip r:embed="rId3" cstate="email">
+            <a:extLst>
+              <a:ext uri="{28A0092B-C50C-407E-A947-70E740481C1C}">
+                <a14:useLocalDpi xmlns:a14="http://schemas.microsoft.com/office/drawing/2010/main"/>
+              </a:ext>
+              <a:ext uri="{96DAC541-7B7A-43D3-8B79-37D633B846F1}">
+                <asvg:svgBlip xmlns:asvg="http://schemas.microsoft.com/office/drawing/2016/SVG/main" r:embed="rId4"/>
+              </a:ext>
+            </a:extLst>
+          </a:blip>
+          <a:stretch>
+            <a:fillRect/>
+          </a:stretch>
+        </p:blipFill>
+        <p:spPr>
+          <a:xfrm rot="9271734">
+            <a:off x="3841861" y="2746416"/>
+            <a:ext cx="4080257" cy="148725"/>
+          </a:xfrm>
+          <a:prstGeom prst="rect">
+            <a:avLst/>
+          </a:prstGeom>
+        </p:spPr>
+      </p:pic>
+      <p:pic>
+        <p:nvPicPr>
+          <p:cNvPr id="9" name="Obrázok 8">
+            <a:extLst>
+              <a:ext uri="{FF2B5EF4-FFF2-40B4-BE49-F238E27FC236}">
+                <a16:creationId xmlns:a16="http://schemas.microsoft.com/office/drawing/2014/main" id="{A882545B-4E89-D28D-7D71-98994BB8A769}"/>
+              </a:ext>
+            </a:extLst>
+          </p:cNvPr>
+          <p:cNvPicPr>
+            <a:picLocks noChangeAspect="1"/>
+          </p:cNvPicPr>
+          <p:nvPr/>
+        </p:nvPicPr>
+        <p:blipFill rotWithShape="1">
+          <a:blip r:embed="rId5"/>
+          <a:srcRect l="7074" t="4295" r="7508" b="20395"/>
+          <a:stretch/>
+        </p:blipFill>
+        <p:spPr>
+          <a:xfrm>
+            <a:off x="938590" y="2729600"/>
+            <a:ext cx="3035300" cy="3797300"/>
+          </a:xfrm>
+          <a:prstGeom prst="rect">
+            <a:avLst/>
+          </a:prstGeom>
+          <a:ln>
+            <a:solidFill>
+              <a:schemeClr val="tx1"/>
+            </a:solidFill>
+          </a:ln>
+        </p:spPr>
+      </p:pic>
+      <p:pic>
+        <p:nvPicPr>
+          <p:cNvPr id="14" name="Obrázok 13">
+            <a:extLst>
+              <a:ext uri="{FF2B5EF4-FFF2-40B4-BE49-F238E27FC236}">
+                <a16:creationId xmlns:a16="http://schemas.microsoft.com/office/drawing/2014/main" id="{D93AF50A-B5E4-82B6-C259-A9B5CF434B6D}"/>
+              </a:ext>
+            </a:extLst>
+          </p:cNvPr>
+          <p:cNvPicPr>
+            <a:picLocks noChangeAspect="1"/>
+          </p:cNvPicPr>
+          <p:nvPr/>
+        </p:nvPicPr>
+        <p:blipFill rotWithShape="1">
+          <a:blip r:embed="rId6"/>
+          <a:srcRect l="7301" t="5413" r="8869" b="14188"/>
+          <a:stretch/>
+        </p:blipFill>
+        <p:spPr>
+          <a:xfrm>
+            <a:off x="7768469" y="580343"/>
+            <a:ext cx="3035300" cy="4128401"/>
+          </a:xfrm>
+          <a:prstGeom prst="rect">
+            <a:avLst/>
+          </a:prstGeom>
+          <a:ln>
+            <a:solidFill>
+              <a:schemeClr val="tx1"/>
+            </a:solidFill>
+          </a:ln>
+        </p:spPr>
+      </p:pic>
+      <p:sp>
+        <p:nvSpPr>
+          <p:cNvPr id="7" name="Nadpis 1">
+            <a:extLst>
+              <a:ext uri="{FF2B5EF4-FFF2-40B4-BE49-F238E27FC236}">
+                <a16:creationId xmlns:a16="http://schemas.microsoft.com/office/drawing/2014/main" id="{9C3335B3-7F3C-B663-8D6F-FCEE8F7C992E}"/>
               </a:ext>
             </a:extLst>
           </p:cNvPr>
@@ -15215,8 +14186,8 @@
         </p:nvSpPr>
         <p:spPr>
           <a:xfrm>
-            <a:off x="4912481" y="5094177"/>
-            <a:ext cx="5891288" cy="2070530"/>
+            <a:off x="4461049" y="5134781"/>
+            <a:ext cx="7271564" cy="994661"/>
           </a:xfrm>
           <a:prstGeom prst="rect">
             <a:avLst/>
@@ -15246,7 +14217,14 @@
             </a:lvl1pPr>
           </a:lstStyle>
           <a:p>
-            <a:pPr algn="l"/>
+            <a:pPr algn="l">
+              <a:lnSpc>
+                <a:spcPct val="107000"/>
+              </a:lnSpc>
+              <a:spcAft>
+                <a:spcPts val="800"/>
+              </a:spcAft>
+            </a:pPr>
             <a:r>
               <a:rPr lang="sk-SK" sz="1800" dirty="0">
                 <a:solidFill>
@@ -15254,19 +14232,21 @@
                 </a:solidFill>
                 <a:effectLst/>
                 <a:latin typeface="Lucida Console" panose="020B0609040504020204" pitchFamily="49" charset="0"/>
+                <a:ea typeface="Calibri" panose="020F0502020204030204" pitchFamily="34" charset="0"/>
+                <a:cs typeface="Times New Roman" panose="02020603050405020304" pitchFamily="18" charset="0"/>
               </a:rPr>
-              <a:t>Stupňovitá pyramída v </a:t>
-            </a:r>
-            <a:r>
-              <a:rPr lang="sk-SK" sz="1800" dirty="0" err="1">
-                <a:solidFill>
-                  <a:schemeClr val="bg1"/>
-                </a:solidFill>
-                <a:effectLst/>
-                <a:latin typeface="Lucida Console" panose="020B0609040504020204" pitchFamily="49" charset="0"/>
-              </a:rPr>
-              <a:t>Sakkáre</a:t>
-            </a:r>
+              <a:t>-čo pracovné listy obsahujú</a:t>
+            </a:r>
+          </a:p>
+          <a:p>
+            <a:pPr algn="l">
+              <a:lnSpc>
+                <a:spcPct val="107000"/>
+              </a:lnSpc>
+              <a:spcAft>
+                <a:spcPts val="800"/>
+              </a:spcAft>
+            </a:pPr>
             <a:r>
               <a:rPr lang="sk-SK" sz="1800" dirty="0">
                 <a:solidFill>
@@ -15274,283 +14254,14 @@
                 </a:solidFill>
                 <a:effectLst/>
                 <a:latin typeface="Lucida Console" panose="020B0609040504020204" pitchFamily="49" charset="0"/>
+                <a:ea typeface="Calibri" panose="020F0502020204030204" pitchFamily="34" charset="0"/>
+                <a:cs typeface="Times New Roman" panose="02020603050405020304" pitchFamily="18" charset="0"/>
               </a:rPr>
-              <a:t> (iné názvy: </a:t>
-            </a:r>
-            <a:r>
-              <a:rPr lang="sk-SK" sz="1800" dirty="0" err="1">
-                <a:solidFill>
-                  <a:schemeClr val="bg1"/>
-                </a:solidFill>
-                <a:effectLst/>
-                <a:latin typeface="Lucida Console" panose="020B0609040504020204" pitchFamily="49" charset="0"/>
-              </a:rPr>
-              <a:t>Džoserova</a:t>
-            </a:r>
-            <a:r>
-              <a:rPr lang="sk-SK" sz="1800" dirty="0">
-                <a:solidFill>
-                  <a:schemeClr val="bg1"/>
-                </a:solidFill>
-                <a:effectLst/>
-                <a:latin typeface="Lucida Console" panose="020B0609040504020204" pitchFamily="49" charset="0"/>
-              </a:rPr>
-              <a:t> pyramída, </a:t>
-            </a:r>
-            <a:r>
-              <a:rPr lang="sk-SK" sz="1800" dirty="0" err="1">
-                <a:solidFill>
-                  <a:schemeClr val="bg1"/>
-                </a:solidFill>
-                <a:effectLst/>
-                <a:latin typeface="Lucida Console" panose="020B0609040504020204" pitchFamily="49" charset="0"/>
-              </a:rPr>
-              <a:t>Necerichetova</a:t>
-            </a:r>
-            <a:r>
-              <a:rPr lang="sk-SK" sz="1800" dirty="0">
-                <a:solidFill>
-                  <a:schemeClr val="bg1"/>
-                </a:solidFill>
-                <a:effectLst/>
-                <a:latin typeface="Lucida Console" panose="020B0609040504020204" pitchFamily="49" charset="0"/>
-              </a:rPr>
-              <a:t> pyramída, Pyramída </a:t>
-            </a:r>
-            <a:r>
-              <a:rPr lang="sk-SK" sz="1800" dirty="0" err="1">
-                <a:solidFill>
-                  <a:schemeClr val="bg1"/>
-                </a:solidFill>
-                <a:effectLst/>
-                <a:latin typeface="Lucida Console" panose="020B0609040504020204" pitchFamily="49" charset="0"/>
-              </a:rPr>
-              <a:t>Lepsius</a:t>
-            </a:r>
-            <a:r>
-              <a:rPr lang="sk-SK" sz="1800" dirty="0">
-                <a:solidFill>
-                  <a:schemeClr val="bg1"/>
-                </a:solidFill>
-                <a:effectLst/>
-                <a:latin typeface="Lucida Console" panose="020B0609040504020204" pitchFamily="49" charset="0"/>
-              </a:rPr>
-              <a:t> XXXII) je </a:t>
-            </a:r>
-            <a:r>
-              <a:rPr lang="sk-SK" sz="1800" strike="noStrike" dirty="0">
-                <a:solidFill>
-                  <a:schemeClr val="bg1"/>
-                </a:solidFill>
-                <a:effectLst/>
-                <a:latin typeface="Lucida Console" panose="020B0609040504020204" pitchFamily="49" charset="0"/>
-              </a:rPr>
-              <a:t>staroegyptská</a:t>
-            </a:r>
-            <a:r>
-              <a:rPr lang="sk-SK" sz="1800" dirty="0">
-                <a:solidFill>
-                  <a:schemeClr val="bg1"/>
-                </a:solidFill>
-                <a:effectLst/>
-                <a:latin typeface="Lucida Console" panose="020B0609040504020204" pitchFamily="49" charset="0"/>
-              </a:rPr>
-              <a:t> pamiatka, súbor objektov starovekej pohrebnej a</a:t>
-            </a:r>
-          </a:p>
-        </p:txBody>
-      </p:sp>
-      <p:sp>
-        <p:nvSpPr>
-          <p:cNvPr id="6" name="BlokTextu 5">
-            <a:extLst>
-              <a:ext uri="{FF2B5EF4-FFF2-40B4-BE49-F238E27FC236}">
-                <a16:creationId xmlns:a16="http://schemas.microsoft.com/office/drawing/2014/main" id="{7BA26F74-A0F2-7AB5-9C0F-BE2EE46110B4}"/>
-              </a:ext>
-            </a:extLst>
-          </p:cNvPr>
-          <p:cNvSpPr txBox="1"/>
-          <p:nvPr/>
-        </p:nvSpPr>
-        <p:spPr>
-          <a:xfrm rot="16200000">
-            <a:off x="-835323" y="3320821"/>
-            <a:ext cx="3033788" cy="369332"/>
-          </a:xfrm>
-          <a:prstGeom prst="rect">
-            <a:avLst/>
-          </a:prstGeom>
-          <a:noFill/>
-        </p:spPr>
-        <p:txBody>
-          <a:bodyPr wrap="square" rtlCol="0">
-            <a:spAutoFit/>
-          </a:bodyPr>
-          <a:lstStyle/>
-          <a:p>
-            <a:r>
-              <a:rPr lang="sk-SK" sz="1800" dirty="0">
-                <a:solidFill>
-                  <a:schemeClr val="bg1"/>
-                </a:solidFill>
-                <a:effectLst/>
-                <a:latin typeface="Lucida Console" panose="020B0609040504020204" pitchFamily="49" charset="0"/>
-              </a:rPr>
-              <a:t>Praktický list</a:t>
-            </a:r>
-            <a:endParaRPr lang="sk-SK" dirty="0"/>
-          </a:p>
-        </p:txBody>
-      </p:sp>
-      <p:sp>
-        <p:nvSpPr>
-          <p:cNvPr id="2" name="BlokTextu 1">
-            <a:extLst>
-              <a:ext uri="{FF2B5EF4-FFF2-40B4-BE49-F238E27FC236}">
-                <a16:creationId xmlns:a16="http://schemas.microsoft.com/office/drawing/2014/main" id="{285A0554-B2AC-E846-6DB1-2D25ED6FD4DE}"/>
-              </a:ext>
-            </a:extLst>
-          </p:cNvPr>
-          <p:cNvSpPr txBox="1"/>
-          <p:nvPr/>
-        </p:nvSpPr>
-        <p:spPr>
-          <a:xfrm rot="5400000">
-            <a:off x="9871906" y="1869865"/>
-            <a:ext cx="2291738" cy="369332"/>
-          </a:xfrm>
-          <a:prstGeom prst="rect">
-            <a:avLst/>
-          </a:prstGeom>
-          <a:noFill/>
-        </p:spPr>
-        <p:txBody>
-          <a:bodyPr wrap="square" rtlCol="0">
-            <a:spAutoFit/>
-          </a:bodyPr>
-          <a:lstStyle/>
-          <a:p>
-            <a:r>
-              <a:rPr lang="sk-SK" sz="1800" dirty="0">
-                <a:solidFill>
-                  <a:schemeClr val="bg1"/>
-                </a:solidFill>
-                <a:effectLst/>
-                <a:latin typeface="Lucida Console" panose="020B0609040504020204" pitchFamily="49" charset="0"/>
-              </a:rPr>
-              <a:t>Teoretický list</a:t>
-            </a:r>
-            <a:endParaRPr lang="sk-SK" dirty="0"/>
-          </a:p>
-        </p:txBody>
-      </p:sp>
-      <p:pic>
-        <p:nvPicPr>
-          <p:cNvPr id="10" name="Graphic 7">
-            <a:extLst>
-              <a:ext uri="{FF2B5EF4-FFF2-40B4-BE49-F238E27FC236}">
-                <a16:creationId xmlns:a16="http://schemas.microsoft.com/office/drawing/2014/main" id="{868BE020-CB17-DF72-BF7F-E2050D0F3317}"/>
-              </a:ext>
-            </a:extLst>
-          </p:cNvPr>
-          <p:cNvPicPr>
-            <a:picLocks noChangeAspect="1"/>
-          </p:cNvPicPr>
-          <p:nvPr/>
-        </p:nvPicPr>
-        <p:blipFill>
-          <a:blip r:embed="rId3" cstate="email">
-            <a:extLst>
-              <a:ext uri="{28A0092B-C50C-407E-A947-70E740481C1C}">
-                <a14:useLocalDpi xmlns:a14="http://schemas.microsoft.com/office/drawing/2010/main"/>
-              </a:ext>
-              <a:ext uri="{96DAC541-7B7A-43D3-8B79-37D633B846F1}">
-                <asvg:svgBlip xmlns:asvg="http://schemas.microsoft.com/office/drawing/2016/SVG/main" r:embed="rId4"/>
-              </a:ext>
-            </a:extLst>
-          </a:blip>
-          <a:stretch>
-            <a:fillRect/>
-          </a:stretch>
-        </p:blipFill>
-        <p:spPr>
-          <a:xfrm rot="9271734">
-            <a:off x="3841861" y="2746416"/>
-            <a:ext cx="4080257" cy="148725"/>
-          </a:xfrm>
-          <a:prstGeom prst="rect">
-            <a:avLst/>
-          </a:prstGeom>
-        </p:spPr>
-      </p:pic>
-      <p:pic>
-        <p:nvPicPr>
-          <p:cNvPr id="9" name="Obrázok 8">
-            <a:extLst>
-              <a:ext uri="{FF2B5EF4-FFF2-40B4-BE49-F238E27FC236}">
-                <a16:creationId xmlns:a16="http://schemas.microsoft.com/office/drawing/2014/main" id="{A882545B-4E89-D28D-7D71-98994BB8A769}"/>
-              </a:ext>
-            </a:extLst>
-          </p:cNvPr>
-          <p:cNvPicPr>
-            <a:picLocks noChangeAspect="1"/>
-          </p:cNvPicPr>
-          <p:nvPr/>
-        </p:nvPicPr>
-        <p:blipFill rotWithShape="1">
-          <a:blip r:embed="rId5"/>
-          <a:srcRect l="7074" t="4295" r="7508" b="20395"/>
-          <a:stretch/>
-        </p:blipFill>
-        <p:spPr>
-          <a:xfrm>
-            <a:off x="938590" y="2729600"/>
-            <a:ext cx="3035300" cy="3797300"/>
-          </a:xfrm>
-          <a:prstGeom prst="rect">
-            <a:avLst/>
-          </a:prstGeom>
-          <a:ln>
-            <a:solidFill>
-              <a:schemeClr val="tx1"/>
-            </a:solidFill>
-          </a:ln>
-        </p:spPr>
-      </p:pic>
-      <p:pic>
-        <p:nvPicPr>
-          <p:cNvPr id="14" name="Obrázok 13">
-            <a:extLst>
-              <a:ext uri="{FF2B5EF4-FFF2-40B4-BE49-F238E27FC236}">
-                <a16:creationId xmlns:a16="http://schemas.microsoft.com/office/drawing/2014/main" id="{D93AF50A-B5E4-82B6-C259-A9B5CF434B6D}"/>
-              </a:ext>
-            </a:extLst>
-          </p:cNvPr>
-          <p:cNvPicPr>
-            <a:picLocks noChangeAspect="1"/>
-          </p:cNvPicPr>
-          <p:nvPr/>
-        </p:nvPicPr>
-        <p:blipFill rotWithShape="1">
-          <a:blip r:embed="rId6"/>
-          <a:srcRect l="7301" t="5413" r="8869" b="14188"/>
-          <a:stretch/>
-        </p:blipFill>
-        <p:spPr>
-          <a:xfrm>
-            <a:off x="7768469" y="580343"/>
-            <a:ext cx="3035300" cy="4128401"/>
-          </a:xfrm>
-          <a:prstGeom prst="rect">
-            <a:avLst/>
-          </a:prstGeom>
-          <a:ln>
-            <a:solidFill>
-              <a:schemeClr val="tx1"/>
-            </a:solidFill>
-          </a:ln>
-        </p:spPr>
-      </p:pic>
+              <a:t>-rozloženie a prevedenie pracovných listov</a:t>
+            </a:r>
+          </a:p>
+        </p:txBody>
+      </p:sp>
     </p:spTree>
     <p:extLst>
       <p:ext uri="{BB962C8B-B14F-4D97-AF65-F5344CB8AC3E}">
@@ -15561,13 +14272,418 @@
   <p:clrMapOvr>
     <a:masterClrMapping/>
   </p:clrMapOvr>
-  <mc:AlternateContent xmlns:mc="http://schemas.openxmlformats.org/markup-compatibility/2006">
-    <mc:Choice xmlns:p159="http://schemas.microsoft.com/office/powerpoint/2015/09/main" Requires="p159">
+  <mc:AlternateContent xmlns:mc="http://schemas.openxmlformats.org/markup-compatibility/2006" xmlns:p159="http://schemas.microsoft.com/office/powerpoint/2015/09/main">
+    <mc:Choice Requires="p159">
       <p:transition xmlns:p14="http://schemas.microsoft.com/office/powerpoint/2010/main" spd="slow" p14:dur="2000">
         <p159:morph option="byObject"/>
       </p:transition>
     </mc:Choice>
-    <mc:Fallback>
+    <mc:Fallback xmlns="">
+      <p:transition spd="slow">
+        <p:fade/>
+      </p:transition>
+    </mc:Fallback>
+  </mc:AlternateContent>
+</p:sld>
+</file>
+
+<file path=ppt/slides/slide9.xml><?xml version="1.0" encoding="utf-8"?>
+<p:sld xmlns:a="http://schemas.openxmlformats.org/drawingml/2006/main" xmlns:r="http://schemas.openxmlformats.org/officeDocument/2006/relationships" xmlns:p="http://schemas.openxmlformats.org/presentationml/2006/main">
+  <p:cSld>
+    <p:spTree>
+      <p:nvGrpSpPr>
+        <p:cNvPr id="1" name=""/>
+        <p:cNvGrpSpPr/>
+        <p:nvPr/>
+      </p:nvGrpSpPr>
+      <p:grpSpPr>
+        <a:xfrm>
+          <a:off x="0" y="0"/>
+          <a:ext cx="0" cy="0"/>
+          <a:chOff x="0" y="0"/>
+          <a:chExt cx="0" cy="0"/>
+        </a:xfrm>
+      </p:grpSpPr>
+      <p:sp>
+        <p:nvSpPr>
+          <p:cNvPr id="20" name="Obdĺžnik 19">
+            <a:extLst>
+              <a:ext uri="{FF2B5EF4-FFF2-40B4-BE49-F238E27FC236}">
+                <a16:creationId xmlns:a16="http://schemas.microsoft.com/office/drawing/2014/main" id="{EBFF46E7-F9DA-1A54-EFB2-F25F480E68D9}"/>
+              </a:ext>
+            </a:extLst>
+          </p:cNvPr>
+          <p:cNvSpPr/>
+          <p:nvPr/>
+        </p:nvSpPr>
+        <p:spPr>
+          <a:xfrm>
+            <a:off x="-1" y="0"/>
+            <a:ext cx="12192001" cy="6858000"/>
+          </a:xfrm>
+          <a:prstGeom prst="rect">
+            <a:avLst/>
+          </a:prstGeom>
+          <a:gradFill flip="none" rotWithShape="1">
+            <a:gsLst>
+              <a:gs pos="74000">
+                <a:srgbClr val="272727"/>
+              </a:gs>
+              <a:gs pos="0">
+                <a:schemeClr val="tx1">
+                  <a:lumMod val="95000"/>
+                  <a:lumOff val="5000"/>
+                </a:schemeClr>
+              </a:gs>
+              <a:gs pos="100000">
+                <a:schemeClr val="tx1">
+                  <a:lumMod val="75000"/>
+                  <a:lumOff val="25000"/>
+                </a:schemeClr>
+              </a:gs>
+            </a:gsLst>
+            <a:path path="circle">
+              <a:fillToRect l="100000" b="100000"/>
+            </a:path>
+            <a:tileRect t="-100000" r="-100000"/>
+          </a:gradFill>
+          <a:ln>
+            <a:noFill/>
+          </a:ln>
+        </p:spPr>
+        <p:style>
+          <a:lnRef idx="2">
+            <a:schemeClr val="accent1">
+              <a:shade val="50000"/>
+            </a:schemeClr>
+          </a:lnRef>
+          <a:fillRef idx="1">
+            <a:schemeClr val="accent1"/>
+          </a:fillRef>
+          <a:effectRef idx="0">
+            <a:schemeClr val="accent1"/>
+          </a:effectRef>
+          <a:fontRef idx="minor">
+            <a:schemeClr val="lt1"/>
+          </a:fontRef>
+        </p:style>
+        <p:txBody>
+          <a:bodyPr rtlCol="0" anchor="ctr"/>
+          <a:lstStyle/>
+          <a:p>
+            <a:pPr algn="ctr"/>
+            <a:endParaRPr lang="sk-SK" dirty="0"/>
+          </a:p>
+        </p:txBody>
+      </p:sp>
+      <p:sp>
+        <p:nvSpPr>
+          <p:cNvPr id="13" name="Nadpis 1">
+            <a:extLst>
+              <a:ext uri="{FF2B5EF4-FFF2-40B4-BE49-F238E27FC236}">
+                <a16:creationId xmlns:a16="http://schemas.microsoft.com/office/drawing/2014/main" id="{C844EE25-6FED-2F6C-6DF0-37669AEDC5F3}"/>
+              </a:ext>
+            </a:extLst>
+          </p:cNvPr>
+          <p:cNvSpPr txBox="1">
+            <a:spLocks/>
+          </p:cNvSpPr>
+          <p:nvPr/>
+        </p:nvSpPr>
+        <p:spPr>
+          <a:xfrm>
+            <a:off x="1335621" y="1033358"/>
+            <a:ext cx="10096798" cy="506077"/>
+          </a:xfrm>
+          <a:prstGeom prst="rect">
+            <a:avLst/>
+          </a:prstGeom>
+        </p:spPr>
+        <p:txBody>
+          <a:bodyPr vert="horz" lIns="91440" tIns="45720" rIns="91440" bIns="45720" rtlCol="0" anchor="t">
+            <a:noAutofit/>
+          </a:bodyPr>
+          <a:lstStyle>
+            <a:lvl1pPr algn="ctr" defTabSz="914400" rtl="0" eaLnBrk="1" latinLnBrk="0" hangingPunct="1">
+              <a:lnSpc>
+                <a:spcPct val="90000"/>
+              </a:lnSpc>
+              <a:spcBef>
+                <a:spcPct val="0"/>
+              </a:spcBef>
+              <a:buNone/>
+              <a:defRPr sz="6000" kern="1200">
+                <a:solidFill>
+                  <a:schemeClr val="tx1"/>
+                </a:solidFill>
+                <a:latin typeface="+mj-lt"/>
+                <a:ea typeface="+mj-ea"/>
+                <a:cs typeface="+mj-cs"/>
+              </a:defRPr>
+            </a:lvl1pPr>
+          </a:lstStyle>
+          <a:p>
+            <a:pPr algn="r"/>
+            <a:r>
+              <a:rPr lang="sk-SK" sz="6600" dirty="0">
+                <a:solidFill>
+                  <a:schemeClr val="bg1"/>
+                </a:solidFill>
+                <a:latin typeface="Lucida Console" panose="020B0609040504020204" pitchFamily="49" charset="0"/>
+                <a:cs typeface="Segoe UI" panose="020B0502040204020203" pitchFamily="34" charset="0"/>
+              </a:rPr>
+              <a:t>TEORETICKÉ</a:t>
+            </a:r>
+          </a:p>
+          <a:p>
+            <a:pPr algn="r"/>
+            <a:r>
+              <a:rPr lang="sk-SK" sz="6600" dirty="0">
+                <a:solidFill>
+                  <a:schemeClr val="bg1"/>
+                </a:solidFill>
+                <a:latin typeface="Lucida Console" panose="020B0609040504020204" pitchFamily="49" charset="0"/>
+                <a:cs typeface="Segoe UI" panose="020B0502040204020203" pitchFamily="34" charset="0"/>
+              </a:rPr>
+              <a:t>			PRACOVNÉ  	 	</a:t>
+            </a:r>
+          </a:p>
+          <a:p>
+            <a:pPr algn="r"/>
+            <a:r>
+              <a:rPr lang="sk-SK" sz="6600" dirty="0">
+                <a:solidFill>
+                  <a:schemeClr val="bg1"/>
+                </a:solidFill>
+                <a:latin typeface="Lucida Console" panose="020B0609040504020204" pitchFamily="49" charset="0"/>
+                <a:cs typeface="Segoe UI" panose="020B0502040204020203" pitchFamily="34" charset="0"/>
+              </a:rPr>
+              <a:t>LISTY					  </a:t>
+            </a:r>
+          </a:p>
+        </p:txBody>
+      </p:sp>
+      <p:pic>
+        <p:nvPicPr>
+          <p:cNvPr id="3" name="Graphic 7">
+            <a:extLst>
+              <a:ext uri="{FF2B5EF4-FFF2-40B4-BE49-F238E27FC236}">
+                <a16:creationId xmlns:a16="http://schemas.microsoft.com/office/drawing/2014/main" id="{4B0E62A6-8B7A-7BE9-47A6-CBD705143B10}"/>
+              </a:ext>
+            </a:extLst>
+          </p:cNvPr>
+          <p:cNvPicPr>
+            <a:picLocks noChangeAspect="1"/>
+          </p:cNvPicPr>
+          <p:nvPr/>
+        </p:nvPicPr>
+        <p:blipFill>
+          <a:blip r:embed="rId3" cstate="email">
+            <a:extLst>
+              <a:ext uri="{28A0092B-C50C-407E-A947-70E740481C1C}">
+                <a14:useLocalDpi xmlns:a14="http://schemas.microsoft.com/office/drawing/2010/main"/>
+              </a:ext>
+              <a:ext uri="{96DAC541-7B7A-43D3-8B79-37D633B846F1}">
+                <asvg:svgBlip xmlns:asvg="http://schemas.microsoft.com/office/drawing/2016/SVG/main" r:embed="rId4"/>
+              </a:ext>
+            </a:extLst>
+          </a:blip>
+          <a:stretch>
+            <a:fillRect/>
+          </a:stretch>
+        </p:blipFill>
+        <p:spPr>
+          <a:xfrm rot="9275962">
+            <a:off x="6976439" y="2744195"/>
+            <a:ext cx="4880564" cy="177896"/>
+          </a:xfrm>
+          <a:prstGeom prst="rect">
+            <a:avLst/>
+          </a:prstGeom>
+        </p:spPr>
+      </p:pic>
+      <p:sp>
+        <p:nvSpPr>
+          <p:cNvPr id="6" name="BlokTextu 5">
+            <a:extLst>
+              <a:ext uri="{FF2B5EF4-FFF2-40B4-BE49-F238E27FC236}">
+                <a16:creationId xmlns:a16="http://schemas.microsoft.com/office/drawing/2014/main" id="{1526866C-7DF0-A287-164D-6EC660324283}"/>
+              </a:ext>
+            </a:extLst>
+          </p:cNvPr>
+          <p:cNvSpPr txBox="1"/>
+          <p:nvPr/>
+        </p:nvSpPr>
+        <p:spPr>
+          <a:xfrm rot="5400000">
+            <a:off x="3733405" y="5369470"/>
+            <a:ext cx="2291738" cy="369332"/>
+          </a:xfrm>
+          <a:prstGeom prst="rect">
+            <a:avLst/>
+          </a:prstGeom>
+          <a:noFill/>
+        </p:spPr>
+        <p:txBody>
+          <a:bodyPr wrap="square" rtlCol="0">
+            <a:spAutoFit/>
+          </a:bodyPr>
+          <a:lstStyle/>
+          <a:p>
+            <a:r>
+              <a:rPr lang="sk-SK" sz="1800" dirty="0">
+                <a:solidFill>
+                  <a:schemeClr val="bg1"/>
+                </a:solidFill>
+                <a:effectLst/>
+                <a:latin typeface="Lucida Console" panose="020B0609040504020204" pitchFamily="49" charset="0"/>
+              </a:rPr>
+              <a:t>Teoretický list</a:t>
+            </a:r>
+            <a:endParaRPr lang="sk-SK" dirty="0"/>
+          </a:p>
+        </p:txBody>
+      </p:sp>
+      <p:pic>
+        <p:nvPicPr>
+          <p:cNvPr id="7" name="Obrázok 6">
+            <a:extLst>
+              <a:ext uri="{FF2B5EF4-FFF2-40B4-BE49-F238E27FC236}">
+                <a16:creationId xmlns:a16="http://schemas.microsoft.com/office/drawing/2014/main" id="{682011CC-DBD7-91A9-A85A-837CA08A73AC}"/>
+              </a:ext>
+            </a:extLst>
+          </p:cNvPr>
+          <p:cNvPicPr>
+            <a:picLocks noChangeAspect="1"/>
+          </p:cNvPicPr>
+          <p:nvPr/>
+        </p:nvPicPr>
+        <p:blipFill rotWithShape="1">
+          <a:blip r:embed="rId5"/>
+          <a:srcRect l="-7" t="-200" r="393" b="-214"/>
+          <a:stretch/>
+        </p:blipFill>
+        <p:spPr>
+          <a:xfrm>
+            <a:off x="241706" y="255042"/>
+            <a:ext cx="4450026" cy="6361657"/>
+          </a:xfrm>
+          <a:prstGeom prst="rect">
+            <a:avLst/>
+          </a:prstGeom>
+          <a:ln>
+            <a:solidFill>
+              <a:schemeClr val="tx1"/>
+            </a:solidFill>
+          </a:ln>
+        </p:spPr>
+      </p:pic>
+      <p:sp>
+        <p:nvSpPr>
+          <p:cNvPr id="4" name="BlokTextu 3">
+            <a:extLst>
+              <a:ext uri="{FF2B5EF4-FFF2-40B4-BE49-F238E27FC236}">
+                <a16:creationId xmlns:a16="http://schemas.microsoft.com/office/drawing/2014/main" id="{56ECC566-9E83-DD78-D793-0C5930F8253F}"/>
+              </a:ext>
+            </a:extLst>
+          </p:cNvPr>
+          <p:cNvSpPr txBox="1"/>
+          <p:nvPr/>
+        </p:nvSpPr>
+        <p:spPr>
+          <a:xfrm>
+            <a:off x="5635208" y="4479689"/>
+            <a:ext cx="6094562" cy="1674241"/>
+          </a:xfrm>
+          <a:prstGeom prst="rect">
+            <a:avLst/>
+          </a:prstGeom>
+          <a:noFill/>
+        </p:spPr>
+        <p:txBody>
+          <a:bodyPr wrap="square">
+            <a:spAutoFit/>
+          </a:bodyPr>
+          <a:lstStyle/>
+          <a:p>
+            <a:pPr algn="r">
+              <a:lnSpc>
+                <a:spcPct val="200000"/>
+              </a:lnSpc>
+            </a:pPr>
+            <a:r>
+              <a:rPr lang="sk-SK" sz="1800" dirty="0">
+                <a:solidFill>
+                  <a:schemeClr val="bg1"/>
+                </a:solidFill>
+                <a:effectLst/>
+                <a:latin typeface="Lucida Console" panose="020B0609040504020204" pitchFamily="49" charset="0"/>
+              </a:rPr>
+              <a:t>-Aké sú to teoretické pracovné listy</a:t>
+            </a:r>
+          </a:p>
+          <a:p>
+            <a:pPr algn="r">
+              <a:lnSpc>
+                <a:spcPct val="200000"/>
+              </a:lnSpc>
+            </a:pPr>
+            <a:r>
+              <a:rPr lang="sk-SK" sz="1800" dirty="0">
+                <a:solidFill>
+                  <a:schemeClr val="bg1"/>
+                </a:solidFill>
+                <a:latin typeface="Lucida Console" panose="020B0609040504020204" pitchFamily="49" charset="0"/>
+              </a:rPr>
+              <a:t>-Ako sa delia </a:t>
+            </a:r>
+            <a:r>
+              <a:rPr lang="sk-SK" sz="1800" dirty="0">
+                <a:solidFill>
+                  <a:schemeClr val="bg1"/>
+                </a:solidFill>
+                <a:effectLst/>
+                <a:latin typeface="Lucida Console" panose="020B0609040504020204" pitchFamily="49" charset="0"/>
+              </a:rPr>
+              <a:t>teoretické pracovné listy</a:t>
+            </a:r>
+          </a:p>
+          <a:p>
+            <a:pPr algn="r">
+              <a:lnSpc>
+                <a:spcPct val="200000"/>
+              </a:lnSpc>
+            </a:pPr>
+            <a:r>
+              <a:rPr lang="sk-SK" sz="1800" dirty="0">
+                <a:solidFill>
+                  <a:schemeClr val="bg1"/>
+                </a:solidFill>
+                <a:effectLst/>
+                <a:latin typeface="Lucida Console" panose="020B0609040504020204" pitchFamily="49" charset="0"/>
+              </a:rPr>
+              <a:t>-Čo obsahujú teoretické pracovné listy</a:t>
+            </a:r>
+          </a:p>
+        </p:txBody>
+      </p:sp>
+    </p:spTree>
+    <p:extLst>
+      <p:ext uri="{BB962C8B-B14F-4D97-AF65-F5344CB8AC3E}">
+        <p14:creationId xmlns:p14="http://schemas.microsoft.com/office/powerpoint/2010/main" val="2264328065"/>
+      </p:ext>
+    </p:extLst>
+  </p:cSld>
+  <p:clrMapOvr>
+    <a:masterClrMapping/>
+  </p:clrMapOvr>
+  <mc:AlternateContent xmlns:mc="http://schemas.openxmlformats.org/markup-compatibility/2006" xmlns:p159="http://schemas.microsoft.com/office/powerpoint/2015/09/main">
+    <mc:Choice Requires="p159">
+      <p:transition xmlns:p14="http://schemas.microsoft.com/office/powerpoint/2010/main" spd="slow" p14:dur="2000">
+        <p159:morph option="byObject"/>
+      </p:transition>
+    </mc:Choice>
+    <mc:Fallback xmlns="">
       <p:transition spd="slow">
         <p:fade/>
       </p:transition>

--- a/prezentácia-finálna-v2.pptx
+++ b/prezentácia-finálna-v2.pptx
@@ -5,7 +5,7 @@
     <p:sldMasterId id="2147483648" r:id="rId1"/>
   </p:sldMasterIdLst>
   <p:notesMasterIdLst>
-    <p:notesMasterId r:id="rId14"/>
+    <p:notesMasterId r:id="rId13"/>
   </p:notesMasterIdLst>
   <p:sldIdLst>
     <p:sldId id="274" r:id="rId2"/>
@@ -15,11 +15,10 @@
     <p:sldId id="302" r:id="rId6"/>
     <p:sldId id="301" r:id="rId7"/>
     <p:sldId id="297" r:id="rId8"/>
-    <p:sldId id="304" r:id="rId9"/>
-    <p:sldId id="299" r:id="rId10"/>
-    <p:sldId id="295" r:id="rId11"/>
-    <p:sldId id="289" r:id="rId12"/>
-    <p:sldId id="294" r:id="rId13"/>
+    <p:sldId id="299" r:id="rId9"/>
+    <p:sldId id="295" r:id="rId10"/>
+    <p:sldId id="289" r:id="rId11"/>
+    <p:sldId id="294" r:id="rId12"/>
   </p:sldIdLst>
   <p:sldSz cx="12192000" cy="6858000"/>
   <p:notesSz cx="6858000" cy="9144000"/>
@@ -149,7 +148,6 @@
           <p14:sldIdLst>
             <p14:sldId id="301"/>
             <p14:sldId id="297"/>
-            <p14:sldId id="304"/>
             <p14:sldId id="299"/>
           </p14:sldIdLst>
         </p14:section>
@@ -262,7 +260,7 @@
           <a:p>
             <a:fld id="{C88AA305-93E8-483D-AA91-3BB1CFB17019}" type="datetimeFigureOut">
               <a:rPr lang="sk-SK" smtClean="0"/>
-              <a:t>5. 2. 2023</a:t>
+              <a:t>19. 2. 2023</a:t>
             </a:fld>
             <a:endParaRPr lang="sk-SK"/>
           </a:p>
@@ -689,7 +687,7 @@
     </p:spTree>
     <p:extLst>
       <p:ext uri="{BB962C8B-B14F-4D97-AF65-F5344CB8AC3E}">
-        <p14:creationId xmlns:p14="http://schemas.microsoft.com/office/powerpoint/2010/main" val="4216067300"/>
+        <p14:creationId xmlns:p14="http://schemas.microsoft.com/office/powerpoint/2010/main" val="4154464153"/>
       </p:ext>
     </p:extLst>
   </p:cSld>
@@ -766,91 +764,6 @@
             <a:fld id="{BC849E9A-41F7-4779-A581-48A7C374A227}" type="slidenum">
               <a:rPr lang="sk-SK" smtClean="0"/>
               <a:t>11</a:t>
-            </a:fld>
-            <a:endParaRPr lang="sk-SK"/>
-          </a:p>
-        </p:txBody>
-      </p:sp>
-    </p:spTree>
-    <p:extLst>
-      <p:ext uri="{BB962C8B-B14F-4D97-AF65-F5344CB8AC3E}">
-        <p14:creationId xmlns:p14="http://schemas.microsoft.com/office/powerpoint/2010/main" val="4154464153"/>
-      </p:ext>
-    </p:extLst>
-  </p:cSld>
-  <p:clrMapOvr>
-    <a:masterClrMapping/>
-  </p:clrMapOvr>
-</p:notes>
-</file>
-
-<file path=ppt/notesSlides/notesSlide12.xml><?xml version="1.0" encoding="utf-8"?>
-<p:notes xmlns:a="http://schemas.openxmlformats.org/drawingml/2006/main" xmlns:r="http://schemas.openxmlformats.org/officeDocument/2006/relationships" xmlns:p="http://schemas.openxmlformats.org/presentationml/2006/main">
-  <p:cSld>
-    <p:spTree>
-      <p:nvGrpSpPr>
-        <p:cNvPr id="1" name=""/>
-        <p:cNvGrpSpPr/>
-        <p:nvPr/>
-      </p:nvGrpSpPr>
-      <p:grpSpPr>
-        <a:xfrm>
-          <a:off x="0" y="0"/>
-          <a:ext cx="0" cy="0"/>
-          <a:chOff x="0" y="0"/>
-          <a:chExt cx="0" cy="0"/>
-        </a:xfrm>
-      </p:grpSpPr>
-      <p:sp>
-        <p:nvSpPr>
-          <p:cNvPr id="2" name="Zástupný symbol obrázka snímky 1"/>
-          <p:cNvSpPr>
-            <a:spLocks noGrp="1" noRot="1" noChangeAspect="1"/>
-          </p:cNvSpPr>
-          <p:nvPr>
-            <p:ph type="sldImg"/>
-          </p:nvPr>
-        </p:nvSpPr>
-        <p:spPr/>
-      </p:sp>
-      <p:sp>
-        <p:nvSpPr>
-          <p:cNvPr id="3" name="Zástupný symbol poznámok 2"/>
-          <p:cNvSpPr>
-            <a:spLocks noGrp="1"/>
-          </p:cNvSpPr>
-          <p:nvPr>
-            <p:ph type="body" idx="1"/>
-          </p:nvPr>
-        </p:nvSpPr>
-        <p:spPr/>
-        <p:txBody>
-          <a:bodyPr/>
-          <a:lstStyle/>
-          <a:p>
-            <a:endParaRPr lang="sk-SK"/>
-          </a:p>
-        </p:txBody>
-      </p:sp>
-      <p:sp>
-        <p:nvSpPr>
-          <p:cNvPr id="4" name="Zástupný symbol čísla snímky 3"/>
-          <p:cNvSpPr>
-            <a:spLocks noGrp="1"/>
-          </p:cNvSpPr>
-          <p:nvPr>
-            <p:ph type="sldNum" sz="quarter" idx="5"/>
-          </p:nvPr>
-        </p:nvSpPr>
-        <p:spPr/>
-        <p:txBody>
-          <a:bodyPr/>
-          <a:lstStyle/>
-          <a:p>
-            <a:pPr rtl="0"/>
-            <a:fld id="{BC849E9A-41F7-4779-A581-48A7C374A227}" type="slidenum">
-              <a:rPr lang="sk-SK" smtClean="0"/>
-              <a:t>12</a:t>
             </a:fld>
             <a:endParaRPr lang="sk-SK"/>
           </a:p>
@@ -1454,7 +1367,7 @@
     </p:spTree>
     <p:extLst>
       <p:ext uri="{BB962C8B-B14F-4D97-AF65-F5344CB8AC3E}">
-        <p14:creationId xmlns:p14="http://schemas.microsoft.com/office/powerpoint/2010/main" val="2887091530"/>
+        <p14:creationId xmlns:p14="http://schemas.microsoft.com/office/powerpoint/2010/main" val="3877642174"/>
       </p:ext>
     </p:extLst>
   </p:cSld>
@@ -1539,7 +1452,7 @@
     </p:spTree>
     <p:extLst>
       <p:ext uri="{BB962C8B-B14F-4D97-AF65-F5344CB8AC3E}">
-        <p14:creationId xmlns:p14="http://schemas.microsoft.com/office/powerpoint/2010/main" val="3877642174"/>
+        <p14:creationId xmlns:p14="http://schemas.microsoft.com/office/powerpoint/2010/main" val="4216067300"/>
       </p:ext>
     </p:extLst>
   </p:cSld>
@@ -1696,7 +1609,7 @@
           <a:p>
             <a:fld id="{0DE0741B-E58B-4A9A-A707-9C4095F9C37B}" type="datetimeFigureOut">
               <a:rPr lang="sk-SK" smtClean="0"/>
-              <a:t>5. 2. 2023</a:t>
+              <a:t>19. 2. 2023</a:t>
             </a:fld>
             <a:endParaRPr lang="sk-SK"/>
           </a:p>
@@ -1894,7 +1807,7 @@
           <a:p>
             <a:fld id="{0DE0741B-E58B-4A9A-A707-9C4095F9C37B}" type="datetimeFigureOut">
               <a:rPr lang="sk-SK" smtClean="0"/>
-              <a:t>5. 2. 2023</a:t>
+              <a:t>19. 2. 2023</a:t>
             </a:fld>
             <a:endParaRPr lang="sk-SK"/>
           </a:p>
@@ -2102,7 +2015,7 @@
           <a:p>
             <a:fld id="{0DE0741B-E58B-4A9A-A707-9C4095F9C37B}" type="datetimeFigureOut">
               <a:rPr lang="sk-SK" smtClean="0"/>
-              <a:t>5. 2. 2023</a:t>
+              <a:t>19. 2. 2023</a:t>
             </a:fld>
             <a:endParaRPr lang="sk-SK"/>
           </a:p>
@@ -2300,7 +2213,7 @@
           <a:p>
             <a:fld id="{0DE0741B-E58B-4A9A-A707-9C4095F9C37B}" type="datetimeFigureOut">
               <a:rPr lang="sk-SK" smtClean="0"/>
-              <a:t>5. 2. 2023</a:t>
+              <a:t>19. 2. 2023</a:t>
             </a:fld>
             <a:endParaRPr lang="sk-SK"/>
           </a:p>
@@ -2575,7 +2488,7 @@
           <a:p>
             <a:fld id="{0DE0741B-E58B-4A9A-A707-9C4095F9C37B}" type="datetimeFigureOut">
               <a:rPr lang="sk-SK" smtClean="0"/>
-              <a:t>5. 2. 2023</a:t>
+              <a:t>19. 2. 2023</a:t>
             </a:fld>
             <a:endParaRPr lang="sk-SK"/>
           </a:p>
@@ -2840,7 +2753,7 @@
           <a:p>
             <a:fld id="{0DE0741B-E58B-4A9A-A707-9C4095F9C37B}" type="datetimeFigureOut">
               <a:rPr lang="sk-SK" smtClean="0"/>
-              <a:t>5. 2. 2023</a:t>
+              <a:t>19. 2. 2023</a:t>
             </a:fld>
             <a:endParaRPr lang="sk-SK"/>
           </a:p>
@@ -3252,7 +3165,7 @@
           <a:p>
             <a:fld id="{0DE0741B-E58B-4A9A-A707-9C4095F9C37B}" type="datetimeFigureOut">
               <a:rPr lang="sk-SK" smtClean="0"/>
-              <a:t>5. 2. 2023</a:t>
+              <a:t>19. 2. 2023</a:t>
             </a:fld>
             <a:endParaRPr lang="sk-SK"/>
           </a:p>
@@ -3393,7 +3306,7 @@
           <a:p>
             <a:fld id="{0DE0741B-E58B-4A9A-A707-9C4095F9C37B}" type="datetimeFigureOut">
               <a:rPr lang="sk-SK" smtClean="0"/>
-              <a:t>5. 2. 2023</a:t>
+              <a:t>19. 2. 2023</a:t>
             </a:fld>
             <a:endParaRPr lang="sk-SK"/>
           </a:p>
@@ -3506,7 +3419,7 @@
           <a:p>
             <a:fld id="{0DE0741B-E58B-4A9A-A707-9C4095F9C37B}" type="datetimeFigureOut">
               <a:rPr lang="sk-SK" smtClean="0"/>
-              <a:t>5. 2. 2023</a:t>
+              <a:t>19. 2. 2023</a:t>
             </a:fld>
             <a:endParaRPr lang="sk-SK"/>
           </a:p>
@@ -3817,7 +3730,7 @@
           <a:p>
             <a:fld id="{0DE0741B-E58B-4A9A-A707-9C4095F9C37B}" type="datetimeFigureOut">
               <a:rPr lang="sk-SK" smtClean="0"/>
-              <a:t>5. 2. 2023</a:t>
+              <a:t>19. 2. 2023</a:t>
             </a:fld>
             <a:endParaRPr lang="sk-SK"/>
           </a:p>
@@ -4105,7 +4018,7 @@
           <a:p>
             <a:fld id="{0DE0741B-E58B-4A9A-A707-9C4095F9C37B}" type="datetimeFigureOut">
               <a:rPr lang="sk-SK" smtClean="0"/>
-              <a:t>5. 2. 2023</a:t>
+              <a:t>19. 2. 2023</a:t>
             </a:fld>
             <a:endParaRPr lang="sk-SK"/>
           </a:p>
@@ -4346,7 +4259,7 @@
           <a:p>
             <a:fld id="{0DE0741B-E58B-4A9A-A707-9C4095F9C37B}" type="datetimeFigureOut">
               <a:rPr lang="sk-SK" smtClean="0"/>
-              <a:t>5. 2. 2023</a:t>
+              <a:t>19. 2. 2023</a:t>
             </a:fld>
             <a:endParaRPr lang="sk-SK"/>
           </a:p>
@@ -5751,498 +5664,6 @@
         </p:nvSpPr>
         <p:spPr>
           <a:xfrm>
-            <a:off x="706971" y="728558"/>
-            <a:ext cx="7537894" cy="506077"/>
-          </a:xfrm>
-          <a:prstGeom prst="rect">
-            <a:avLst/>
-          </a:prstGeom>
-        </p:spPr>
-        <p:txBody>
-          <a:bodyPr vert="horz" lIns="91440" tIns="45720" rIns="91440" bIns="45720" rtlCol="0" anchor="t">
-            <a:noAutofit/>
-          </a:bodyPr>
-          <a:lstStyle>
-            <a:lvl1pPr algn="ctr" defTabSz="914400" rtl="0" eaLnBrk="1" latinLnBrk="0" hangingPunct="1">
-              <a:lnSpc>
-                <a:spcPct val="90000"/>
-              </a:lnSpc>
-              <a:spcBef>
-                <a:spcPct val="0"/>
-              </a:spcBef>
-              <a:buNone/>
-              <a:defRPr sz="6000" kern="1200">
-                <a:solidFill>
-                  <a:schemeClr val="tx1"/>
-                </a:solidFill>
-                <a:latin typeface="+mj-lt"/>
-                <a:ea typeface="+mj-ea"/>
-                <a:cs typeface="+mj-cs"/>
-              </a:defRPr>
-            </a:lvl1pPr>
-          </a:lstStyle>
-          <a:p>
-            <a:pPr algn="l"/>
-            <a:r>
-              <a:rPr lang="sk-SK" sz="6600" dirty="0">
-                <a:solidFill>
-                  <a:schemeClr val="bg1"/>
-                </a:solidFill>
-                <a:latin typeface="Lucida Console" panose="020B0609040504020204" pitchFamily="49" charset="0"/>
-                <a:cs typeface="Segoe UI" panose="020B0502040204020203" pitchFamily="34" charset="0"/>
-              </a:rPr>
-              <a:t>SPÄTNÁ VÄZBA</a:t>
-            </a:r>
-          </a:p>
-        </p:txBody>
-      </p:sp>
-      <p:sp>
-        <p:nvSpPr>
-          <p:cNvPr id="3" name="Obdĺžnik 2">
-            <a:extLst>
-              <a:ext uri="{FF2B5EF4-FFF2-40B4-BE49-F238E27FC236}">
-                <a16:creationId xmlns:a16="http://schemas.microsoft.com/office/drawing/2014/main" id="{9B90B492-1089-E563-F867-BD916C7A9F10}"/>
-              </a:ext>
-            </a:extLst>
-          </p:cNvPr>
-          <p:cNvSpPr/>
-          <p:nvPr/>
-        </p:nvSpPr>
-        <p:spPr>
-          <a:xfrm rot="16200000">
-            <a:off x="6994112" y="2376149"/>
-            <a:ext cx="9220123" cy="2105702"/>
-          </a:xfrm>
-          <a:prstGeom prst="rect">
-            <a:avLst/>
-          </a:prstGeom>
-          <a:gradFill>
-            <a:gsLst>
-              <a:gs pos="35000">
-                <a:srgbClr val="CCFF99">
-                  <a:lumMod val="96000"/>
-                </a:srgbClr>
-              </a:gs>
-              <a:gs pos="66000">
-                <a:schemeClr val="accent1"/>
-              </a:gs>
-            </a:gsLst>
-            <a:path path="circle">
-              <a:fillToRect l="100000" b="100000"/>
-            </a:path>
-          </a:gradFill>
-          <a:ln>
-            <a:noFill/>
-          </a:ln>
-        </p:spPr>
-        <p:style>
-          <a:lnRef idx="2">
-            <a:schemeClr val="accent1">
-              <a:shade val="50000"/>
-            </a:schemeClr>
-          </a:lnRef>
-          <a:fillRef idx="1">
-            <a:schemeClr val="accent1"/>
-          </a:fillRef>
-          <a:effectRef idx="0">
-            <a:schemeClr val="accent1"/>
-          </a:effectRef>
-          <a:fontRef idx="minor">
-            <a:schemeClr val="lt1"/>
-          </a:fontRef>
-        </p:style>
-        <p:txBody>
-          <a:bodyPr rtlCol="0" anchor="ctr"/>
-          <a:lstStyle/>
-          <a:p>
-            <a:pPr algn="ctr"/>
-            <a:endParaRPr lang="sk-SK"/>
-          </a:p>
-        </p:txBody>
-      </p:sp>
-      <p:pic>
-        <p:nvPicPr>
-          <p:cNvPr id="16" name="Graphic 7">
-            <a:extLst>
-              <a:ext uri="{FF2B5EF4-FFF2-40B4-BE49-F238E27FC236}">
-                <a16:creationId xmlns:a16="http://schemas.microsoft.com/office/drawing/2014/main" id="{1CEA1227-056B-947D-5534-D541F18D68DB}"/>
-              </a:ext>
-            </a:extLst>
-          </p:cNvPr>
-          <p:cNvPicPr>
-            <a:picLocks noChangeAspect="1"/>
-          </p:cNvPicPr>
-          <p:nvPr/>
-        </p:nvPicPr>
-        <p:blipFill>
-          <a:blip r:embed="rId3" cstate="email">
-            <a:extLst>
-              <a:ext uri="{28A0092B-C50C-407E-A947-70E740481C1C}">
-                <a14:useLocalDpi xmlns:a14="http://schemas.microsoft.com/office/drawing/2010/main"/>
-              </a:ext>
-              <a:ext uri="{96DAC541-7B7A-43D3-8B79-37D633B846F1}">
-                <asvg:svgBlip xmlns:asvg="http://schemas.microsoft.com/office/drawing/2016/SVG/main" r:embed="rId4"/>
-              </a:ext>
-            </a:extLst>
-          </a:blip>
-          <a:stretch>
-            <a:fillRect/>
-          </a:stretch>
-        </p:blipFill>
-        <p:spPr>
-          <a:xfrm rot="5400000" flipV="1">
-            <a:off x="7064697" y="3299698"/>
-            <a:ext cx="6572253" cy="239558"/>
-          </a:xfrm>
-          <a:prstGeom prst="rect">
-            <a:avLst/>
-          </a:prstGeom>
-        </p:spPr>
-      </p:pic>
-      <p:sp>
-        <p:nvSpPr>
-          <p:cNvPr id="12" name="Nadpis 1">
-            <a:extLst>
-              <a:ext uri="{FF2B5EF4-FFF2-40B4-BE49-F238E27FC236}">
-                <a16:creationId xmlns:a16="http://schemas.microsoft.com/office/drawing/2014/main" id="{373E9CF8-810A-B420-CAB9-95D61B53A7EB}"/>
-              </a:ext>
-            </a:extLst>
-          </p:cNvPr>
-          <p:cNvSpPr txBox="1">
-            <a:spLocks/>
-          </p:cNvSpPr>
-          <p:nvPr/>
-        </p:nvSpPr>
-        <p:spPr>
-          <a:xfrm>
-            <a:off x="490462" y="2160061"/>
-            <a:ext cx="9275557" cy="3750844"/>
-          </a:xfrm>
-          <a:prstGeom prst="rect">
-            <a:avLst/>
-          </a:prstGeom>
-        </p:spPr>
-        <p:txBody>
-          <a:bodyPr vert="horz" lIns="91440" tIns="45720" rIns="91440" bIns="45720" rtlCol="0" anchor="t">
-            <a:noAutofit/>
-          </a:bodyPr>
-          <a:lstStyle>
-            <a:lvl1pPr algn="ctr" defTabSz="914400" rtl="0" eaLnBrk="1" latinLnBrk="0" hangingPunct="1">
-              <a:lnSpc>
-                <a:spcPct val="90000"/>
-              </a:lnSpc>
-              <a:spcBef>
-                <a:spcPct val="0"/>
-              </a:spcBef>
-              <a:buNone/>
-              <a:defRPr sz="6000" kern="1200">
-                <a:solidFill>
-                  <a:schemeClr val="tx1"/>
-                </a:solidFill>
-                <a:latin typeface="+mj-lt"/>
-                <a:ea typeface="+mj-ea"/>
-                <a:cs typeface="+mj-cs"/>
-              </a:defRPr>
-            </a:lvl1pPr>
-          </a:lstStyle>
-          <a:p>
-            <a:pPr algn="l"/>
-            <a:r>
-              <a:rPr lang="sk-SK" sz="2400" dirty="0">
-                <a:solidFill>
-                  <a:schemeClr val="bg1"/>
-                </a:solidFill>
-                <a:effectLst/>
-                <a:latin typeface="Lucida Console" panose="020B0609040504020204" pitchFamily="49" charset="0"/>
-              </a:rPr>
-              <a:t>Spätná väzba zahŕňa:</a:t>
-            </a:r>
-          </a:p>
-          <a:p>
-            <a:pPr algn="l"/>
-            <a:endParaRPr lang="sk-SK" sz="1800" dirty="0">
-              <a:solidFill>
-                <a:schemeClr val="bg1"/>
-              </a:solidFill>
-              <a:latin typeface="Lucida Console" panose="020B0609040504020204" pitchFamily="49" charset="0"/>
-            </a:endParaRPr>
-          </a:p>
-          <a:p>
-            <a:pPr algn="l"/>
-            <a:endParaRPr lang="sk-SK" sz="1800" dirty="0">
-              <a:solidFill>
-                <a:schemeClr val="bg1"/>
-              </a:solidFill>
-              <a:latin typeface="Lucida Console" panose="020B0609040504020204" pitchFamily="49" charset="0"/>
-            </a:endParaRPr>
-          </a:p>
-          <a:p>
-            <a:pPr algn="l">
-              <a:lnSpc>
-                <a:spcPct val="100000"/>
-              </a:lnSpc>
-              <a:spcBef>
-                <a:spcPts val="300"/>
-              </a:spcBef>
-            </a:pPr>
-            <a:r>
-              <a:rPr lang="sk-SK" sz="1800" dirty="0">
-                <a:solidFill>
-                  <a:schemeClr val="bg1"/>
-                </a:solidFill>
-                <a:effectLst/>
-                <a:latin typeface="Lucida Console" panose="020B0609040504020204" pitchFamily="49" charset="0"/>
-              </a:rPr>
-              <a:t>   -kontrolu pracovných listov na našich spolužiakoch</a:t>
-            </a:r>
-            <a:endParaRPr lang="sk-SK" sz="1800" dirty="0">
-              <a:solidFill>
-                <a:schemeClr val="bg1"/>
-              </a:solidFill>
-              <a:latin typeface="Lucida Console" panose="020B0609040504020204" pitchFamily="49" charset="0"/>
-            </a:endParaRPr>
-          </a:p>
-          <a:p>
-            <a:pPr algn="l">
-              <a:lnSpc>
-                <a:spcPct val="100000"/>
-              </a:lnSpc>
-              <a:spcBef>
-                <a:spcPts val="300"/>
-              </a:spcBef>
-            </a:pPr>
-            <a:endParaRPr lang="sk-SK" sz="1800" dirty="0">
-              <a:solidFill>
-                <a:schemeClr val="bg1"/>
-              </a:solidFill>
-              <a:effectLst/>
-              <a:latin typeface="Lucida Console" panose="020B0609040504020204" pitchFamily="49" charset="0"/>
-            </a:endParaRPr>
-          </a:p>
-          <a:p>
-            <a:pPr algn="l">
-              <a:lnSpc>
-                <a:spcPct val="100000"/>
-              </a:lnSpc>
-              <a:spcBef>
-                <a:spcPts val="300"/>
-              </a:spcBef>
-            </a:pPr>
-            <a:r>
-              <a:rPr lang="sk-SK" sz="1800" dirty="0">
-                <a:solidFill>
-                  <a:schemeClr val="bg1"/>
-                </a:solidFill>
-                <a:effectLst/>
-                <a:latin typeface="Lucida Console" panose="020B0609040504020204" pitchFamily="49" charset="0"/>
-              </a:rPr>
-              <a:t>   -vyplnenie dotazníka spolužiakmi</a:t>
-            </a:r>
-          </a:p>
-          <a:p>
-            <a:pPr algn="l">
-              <a:lnSpc>
-                <a:spcPct val="100000"/>
-              </a:lnSpc>
-              <a:spcBef>
-                <a:spcPts val="300"/>
-              </a:spcBef>
-            </a:pPr>
-            <a:endParaRPr lang="sk-SK" sz="1800" dirty="0">
-              <a:solidFill>
-                <a:schemeClr val="bg1"/>
-              </a:solidFill>
-              <a:latin typeface="Lucida Console" panose="020B0609040504020204" pitchFamily="49" charset="0"/>
-            </a:endParaRPr>
-          </a:p>
-          <a:p>
-            <a:pPr algn="l">
-              <a:lnSpc>
-                <a:spcPct val="100000"/>
-              </a:lnSpc>
-              <a:spcBef>
-                <a:spcPts val="300"/>
-              </a:spcBef>
-            </a:pPr>
-            <a:r>
-              <a:rPr lang="sk-SK" sz="1800" dirty="0">
-                <a:solidFill>
-                  <a:schemeClr val="bg1"/>
-                </a:solidFill>
-                <a:latin typeface="Lucida Console" panose="020B0609040504020204" pitchFamily="49" charset="0"/>
-              </a:rPr>
-              <a:t>   -vyhodnotenie pripomienok spolužiakov</a:t>
-            </a:r>
-          </a:p>
-          <a:p>
-            <a:pPr algn="l">
-              <a:lnSpc>
-                <a:spcPct val="100000"/>
-              </a:lnSpc>
-              <a:spcBef>
-                <a:spcPts val="300"/>
-              </a:spcBef>
-            </a:pPr>
-            <a:endParaRPr lang="sk-SK" sz="1800" dirty="0">
-              <a:solidFill>
-                <a:schemeClr val="bg1"/>
-              </a:solidFill>
-              <a:effectLst/>
-              <a:latin typeface="Lucida Console" panose="020B0609040504020204" pitchFamily="49" charset="0"/>
-            </a:endParaRPr>
-          </a:p>
-          <a:p>
-            <a:pPr algn="l">
-              <a:lnSpc>
-                <a:spcPct val="100000"/>
-              </a:lnSpc>
-              <a:spcBef>
-                <a:spcPts val="300"/>
-              </a:spcBef>
-            </a:pPr>
-            <a:r>
-              <a:rPr lang="sk-SK" sz="1800" dirty="0">
-                <a:solidFill>
-                  <a:schemeClr val="bg1"/>
-                </a:solidFill>
-                <a:effectLst/>
-                <a:latin typeface="Lucida Console" panose="020B0609040504020204" pitchFamily="49" charset="0"/>
-              </a:rPr>
-              <a:t>   -úprava pracovných listov podľa výsledkov z dotazníka</a:t>
-            </a:r>
-          </a:p>
-        </p:txBody>
-      </p:sp>
-    </p:spTree>
-    <p:extLst>
-      <p:ext uri="{BB962C8B-B14F-4D97-AF65-F5344CB8AC3E}">
-        <p14:creationId xmlns:p14="http://schemas.microsoft.com/office/powerpoint/2010/main" val="2186824041"/>
-      </p:ext>
-    </p:extLst>
-  </p:cSld>
-  <p:clrMapOvr>
-    <a:masterClrMapping/>
-  </p:clrMapOvr>
-  <mc:AlternateContent xmlns:mc="http://schemas.openxmlformats.org/markup-compatibility/2006" xmlns:p159="http://schemas.microsoft.com/office/powerpoint/2015/09/main">
-    <mc:Choice Requires="p159">
-      <p:transition xmlns:p14="http://schemas.microsoft.com/office/powerpoint/2010/main" spd="slow" p14:dur="2000">
-        <p159:morph option="byObject"/>
-      </p:transition>
-    </mc:Choice>
-    <mc:Fallback xmlns="">
-      <p:transition spd="slow">
-        <p:fade/>
-      </p:transition>
-    </mc:Fallback>
-  </mc:AlternateContent>
-</p:sld>
-</file>
-
-<file path=ppt/slides/slide11.xml><?xml version="1.0" encoding="utf-8"?>
-<p:sld xmlns:a="http://schemas.openxmlformats.org/drawingml/2006/main" xmlns:r="http://schemas.openxmlformats.org/officeDocument/2006/relationships" xmlns:p="http://schemas.openxmlformats.org/presentationml/2006/main">
-  <p:cSld>
-    <p:spTree>
-      <p:nvGrpSpPr>
-        <p:cNvPr id="1" name=""/>
-        <p:cNvGrpSpPr/>
-        <p:nvPr/>
-      </p:nvGrpSpPr>
-      <p:grpSpPr>
-        <a:xfrm>
-          <a:off x="0" y="0"/>
-          <a:ext cx="0" cy="0"/>
-          <a:chOff x="0" y="0"/>
-          <a:chExt cx="0" cy="0"/>
-        </a:xfrm>
-      </p:grpSpPr>
-      <p:sp>
-        <p:nvSpPr>
-          <p:cNvPr id="20" name="Obdĺžnik 19">
-            <a:extLst>
-              <a:ext uri="{FF2B5EF4-FFF2-40B4-BE49-F238E27FC236}">
-                <a16:creationId xmlns:a16="http://schemas.microsoft.com/office/drawing/2014/main" id="{EBFF46E7-F9DA-1A54-EFB2-F25F480E68D9}"/>
-              </a:ext>
-            </a:extLst>
-          </p:cNvPr>
-          <p:cNvSpPr/>
-          <p:nvPr/>
-        </p:nvSpPr>
-        <p:spPr>
-          <a:xfrm>
-            <a:off x="-1" y="0"/>
-            <a:ext cx="12192001" cy="6858000"/>
-          </a:xfrm>
-          <a:prstGeom prst="rect">
-            <a:avLst/>
-          </a:prstGeom>
-          <a:gradFill flip="none" rotWithShape="1">
-            <a:gsLst>
-              <a:gs pos="74000">
-                <a:srgbClr val="272727"/>
-              </a:gs>
-              <a:gs pos="0">
-                <a:schemeClr val="tx1">
-                  <a:lumMod val="95000"/>
-                  <a:lumOff val="5000"/>
-                </a:schemeClr>
-              </a:gs>
-              <a:gs pos="100000">
-                <a:schemeClr val="tx1">
-                  <a:lumMod val="75000"/>
-                  <a:lumOff val="25000"/>
-                </a:schemeClr>
-              </a:gs>
-            </a:gsLst>
-            <a:path path="circle">
-              <a:fillToRect l="100000" b="100000"/>
-            </a:path>
-            <a:tileRect t="-100000" r="-100000"/>
-          </a:gradFill>
-          <a:ln>
-            <a:noFill/>
-          </a:ln>
-        </p:spPr>
-        <p:style>
-          <a:lnRef idx="2">
-            <a:schemeClr val="accent1">
-              <a:shade val="50000"/>
-            </a:schemeClr>
-          </a:lnRef>
-          <a:fillRef idx="1">
-            <a:schemeClr val="accent1"/>
-          </a:fillRef>
-          <a:effectRef idx="0">
-            <a:schemeClr val="accent1"/>
-          </a:effectRef>
-          <a:fontRef idx="minor">
-            <a:schemeClr val="lt1"/>
-          </a:fontRef>
-        </p:style>
-        <p:txBody>
-          <a:bodyPr rtlCol="0" anchor="ctr"/>
-          <a:lstStyle/>
-          <a:p>
-            <a:pPr algn="ctr"/>
-            <a:endParaRPr lang="sk-SK" dirty="0"/>
-          </a:p>
-        </p:txBody>
-      </p:sp>
-      <p:sp>
-        <p:nvSpPr>
-          <p:cNvPr id="13" name="Nadpis 1">
-            <a:extLst>
-              <a:ext uri="{FF2B5EF4-FFF2-40B4-BE49-F238E27FC236}">
-                <a16:creationId xmlns:a16="http://schemas.microsoft.com/office/drawing/2014/main" id="{C844EE25-6FED-2F6C-6DF0-37669AEDC5F3}"/>
-              </a:ext>
-            </a:extLst>
-          </p:cNvPr>
-          <p:cNvSpPr txBox="1">
-            <a:spLocks/>
-          </p:cNvSpPr>
-          <p:nvPr/>
-        </p:nvSpPr>
-        <p:spPr>
-          <a:xfrm>
             <a:off x="7517276" y="1241412"/>
             <a:ext cx="3063027" cy="506077"/>
           </a:xfrm>
@@ -7086,7 +6507,7 @@
 </p:sld>
 </file>
 
-<file path=ppt/slides/slide12.xml><?xml version="1.0" encoding="utf-8"?>
+<file path=ppt/slides/slide11.xml><?xml version="1.0" encoding="utf-8"?>
 <p:sld xmlns:a="http://schemas.openxmlformats.org/drawingml/2006/main" xmlns:r="http://schemas.openxmlformats.org/officeDocument/2006/relationships" xmlns:p="http://schemas.openxmlformats.org/presentationml/2006/main">
   <p:cSld>
     <p:spTree>
@@ -13792,134 +13213,6 @@
       </p:sp>
       <p:sp>
         <p:nvSpPr>
-          <p:cNvPr id="4" name="Obdĺžnik 3">
-            <a:extLst>
-              <a:ext uri="{FF2B5EF4-FFF2-40B4-BE49-F238E27FC236}">
-                <a16:creationId xmlns:a16="http://schemas.microsoft.com/office/drawing/2014/main" id="{BFA3DE68-F7C6-AD22-EA12-74D596C9B78E}"/>
-              </a:ext>
-            </a:extLst>
-          </p:cNvPr>
-          <p:cNvSpPr/>
-          <p:nvPr/>
-        </p:nvSpPr>
-        <p:spPr>
-          <a:xfrm rot="20045164">
-            <a:off x="-2432936" y="2583476"/>
-            <a:ext cx="16470863" cy="532110"/>
-          </a:xfrm>
-          <a:prstGeom prst="rect">
-            <a:avLst/>
-          </a:prstGeom>
-          <a:gradFill>
-            <a:gsLst>
-              <a:gs pos="35000">
-                <a:srgbClr val="CCFF99">
-                  <a:lumMod val="96000"/>
-                </a:srgbClr>
-              </a:gs>
-              <a:gs pos="66000">
-                <a:schemeClr val="accent1"/>
-              </a:gs>
-            </a:gsLst>
-            <a:path path="circle">
-              <a:fillToRect l="100000" b="100000"/>
-            </a:path>
-          </a:gradFill>
-          <a:ln>
-            <a:noFill/>
-          </a:ln>
-        </p:spPr>
-        <p:style>
-          <a:lnRef idx="2">
-            <a:schemeClr val="accent1">
-              <a:shade val="50000"/>
-            </a:schemeClr>
-          </a:lnRef>
-          <a:fillRef idx="1">
-            <a:schemeClr val="accent1"/>
-          </a:fillRef>
-          <a:effectRef idx="0">
-            <a:schemeClr val="accent1"/>
-          </a:effectRef>
-          <a:fontRef idx="minor">
-            <a:schemeClr val="lt1"/>
-          </a:fontRef>
-        </p:style>
-        <p:txBody>
-          <a:bodyPr rtlCol="0" anchor="ctr"/>
-          <a:lstStyle/>
-          <a:p>
-            <a:pPr algn="ctr"/>
-            <a:endParaRPr lang="sk-SK"/>
-          </a:p>
-        </p:txBody>
-      </p:sp>
-      <p:sp>
-        <p:nvSpPr>
-          <p:cNvPr id="5" name="Obdĺžnik 4">
-            <a:extLst>
-              <a:ext uri="{FF2B5EF4-FFF2-40B4-BE49-F238E27FC236}">
-                <a16:creationId xmlns:a16="http://schemas.microsoft.com/office/drawing/2014/main" id="{FC407B1A-A91C-A488-BF24-5BA273BEC60B}"/>
-              </a:ext>
-            </a:extLst>
-          </p:cNvPr>
-          <p:cNvSpPr/>
-          <p:nvPr/>
-        </p:nvSpPr>
-        <p:spPr>
-          <a:xfrm rot="20045164">
-            <a:off x="-1988805" y="3143311"/>
-            <a:ext cx="16007020" cy="228477"/>
-          </a:xfrm>
-          <a:prstGeom prst="rect">
-            <a:avLst/>
-          </a:prstGeom>
-          <a:gradFill>
-            <a:gsLst>
-              <a:gs pos="35000">
-                <a:srgbClr val="CCFF99">
-                  <a:lumMod val="96000"/>
-                </a:srgbClr>
-              </a:gs>
-              <a:gs pos="66000">
-                <a:schemeClr val="accent1"/>
-              </a:gs>
-            </a:gsLst>
-            <a:path path="circle">
-              <a:fillToRect l="100000" b="100000"/>
-            </a:path>
-          </a:gradFill>
-          <a:ln>
-            <a:noFill/>
-          </a:ln>
-        </p:spPr>
-        <p:style>
-          <a:lnRef idx="2">
-            <a:schemeClr val="accent1">
-              <a:shade val="50000"/>
-            </a:schemeClr>
-          </a:lnRef>
-          <a:fillRef idx="1">
-            <a:schemeClr val="accent1"/>
-          </a:fillRef>
-          <a:effectRef idx="0">
-            <a:schemeClr val="accent1"/>
-          </a:effectRef>
-          <a:fontRef idx="minor">
-            <a:schemeClr val="lt1"/>
-          </a:fontRef>
-        </p:style>
-        <p:txBody>
-          <a:bodyPr rtlCol="0" anchor="ctr"/>
-          <a:lstStyle/>
-          <a:p>
-            <a:pPr algn="ctr"/>
-            <a:endParaRPr lang="sk-SK"/>
-          </a:p>
-        </p:txBody>
-      </p:sp>
-      <p:sp>
-        <p:nvSpPr>
           <p:cNvPr id="13" name="Nadpis 1">
             <a:extLst>
               <a:ext uri="{FF2B5EF4-FFF2-40B4-BE49-F238E27FC236}">
@@ -13934,8 +13227,8 @@
         </p:nvSpPr>
         <p:spPr>
           <a:xfrm>
-            <a:off x="706971" y="728558"/>
-            <a:ext cx="4379379" cy="506077"/>
+            <a:off x="1335621" y="1033358"/>
+            <a:ext cx="10096798" cy="506077"/>
           </a:xfrm>
           <a:prstGeom prst="rect">
             <a:avLst/>
@@ -13965,7 +13258,7 @@
             </a:lvl1pPr>
           </a:lstStyle>
           <a:p>
-            <a:pPr algn="l"/>
+            <a:pPr algn="r"/>
             <a:r>
               <a:rPr lang="sk-SK" sz="6600" dirty="0">
                 <a:solidFill>
@@ -13974,59 +13267,82 @@
                 <a:latin typeface="Lucida Console" panose="020B0609040504020204" pitchFamily="49" charset="0"/>
                 <a:cs typeface="Segoe UI" panose="020B0502040204020203" pitchFamily="34" charset="0"/>
               </a:rPr>
-              <a:t>PRACOVNÉ    LISTY</a:t>
-            </a:r>
-          </a:p>
-        </p:txBody>
-      </p:sp>
-      <p:sp>
-        <p:nvSpPr>
-          <p:cNvPr id="6" name="BlokTextu 5">
-            <a:extLst>
-              <a:ext uri="{FF2B5EF4-FFF2-40B4-BE49-F238E27FC236}">
-                <a16:creationId xmlns:a16="http://schemas.microsoft.com/office/drawing/2014/main" id="{7BA26F74-A0F2-7AB5-9C0F-BE2EE46110B4}"/>
-              </a:ext>
-            </a:extLst>
-          </p:cNvPr>
-          <p:cNvSpPr txBox="1"/>
+              <a:t>TEORETICKÉ</a:t>
+            </a:r>
+          </a:p>
+          <a:p>
+            <a:pPr algn="r"/>
+            <a:r>
+              <a:rPr lang="sk-SK" sz="6600" dirty="0">
+                <a:solidFill>
+                  <a:schemeClr val="bg1"/>
+                </a:solidFill>
+                <a:latin typeface="Lucida Console" panose="020B0609040504020204" pitchFamily="49" charset="0"/>
+                <a:cs typeface="Segoe UI" panose="020B0502040204020203" pitchFamily="34" charset="0"/>
+              </a:rPr>
+              <a:t>			PRACOVNÉ  	 	</a:t>
+            </a:r>
+          </a:p>
+          <a:p>
+            <a:pPr algn="r"/>
+            <a:r>
+              <a:rPr lang="sk-SK" sz="6600" dirty="0">
+                <a:solidFill>
+                  <a:schemeClr val="bg1"/>
+                </a:solidFill>
+                <a:latin typeface="Lucida Console" panose="020B0609040504020204" pitchFamily="49" charset="0"/>
+                <a:cs typeface="Segoe UI" panose="020B0502040204020203" pitchFamily="34" charset="0"/>
+              </a:rPr>
+              <a:t>LISTY					  </a:t>
+            </a:r>
+          </a:p>
+        </p:txBody>
+      </p:sp>
+      <p:pic>
+        <p:nvPicPr>
+          <p:cNvPr id="3" name="Graphic 7">
+            <a:extLst>
+              <a:ext uri="{FF2B5EF4-FFF2-40B4-BE49-F238E27FC236}">
+                <a16:creationId xmlns:a16="http://schemas.microsoft.com/office/drawing/2014/main" id="{4B0E62A6-8B7A-7BE9-47A6-CBD705143B10}"/>
+              </a:ext>
+            </a:extLst>
+          </p:cNvPr>
+          <p:cNvPicPr>
+            <a:picLocks noChangeAspect="1"/>
+          </p:cNvPicPr>
           <p:nvPr/>
-        </p:nvSpPr>
-        <p:spPr>
-          <a:xfrm rot="16200000">
-            <a:off x="-835323" y="3320821"/>
-            <a:ext cx="3033788" cy="369332"/>
+        </p:nvPicPr>
+        <p:blipFill>
+          <a:blip r:embed="rId3" cstate="email">
+            <a:extLst>
+              <a:ext uri="{28A0092B-C50C-407E-A947-70E740481C1C}">
+                <a14:useLocalDpi xmlns:a14="http://schemas.microsoft.com/office/drawing/2010/main"/>
+              </a:ext>
+              <a:ext uri="{96DAC541-7B7A-43D3-8B79-37D633B846F1}">
+                <asvg:svgBlip xmlns:asvg="http://schemas.microsoft.com/office/drawing/2016/SVG/main" r:embed="rId4"/>
+              </a:ext>
+            </a:extLst>
+          </a:blip>
+          <a:stretch>
+            <a:fillRect/>
+          </a:stretch>
+        </p:blipFill>
+        <p:spPr>
+          <a:xfrm rot="9275962">
+            <a:off x="6976439" y="2744195"/>
+            <a:ext cx="4880564" cy="177896"/>
           </a:xfrm>
           <a:prstGeom prst="rect">
             <a:avLst/>
           </a:prstGeom>
-          <a:noFill/>
-        </p:spPr>
-        <p:txBody>
-          <a:bodyPr wrap="square" rtlCol="0">
-            <a:spAutoFit/>
-          </a:bodyPr>
-          <a:lstStyle/>
-          <a:p>
-            <a:r>
-              <a:rPr lang="sk-SK" sz="1800" dirty="0">
-                <a:solidFill>
-                  <a:schemeClr val="bg1"/>
-                </a:solidFill>
-                <a:effectLst/>
-                <a:latin typeface="Lucida Console" panose="020B0609040504020204" pitchFamily="49" charset="0"/>
-              </a:rPr>
-              <a:t>Praktický list</a:t>
-            </a:r>
-            <a:endParaRPr lang="sk-SK" dirty="0"/>
-          </a:p>
-        </p:txBody>
-      </p:sp>
-      <p:sp>
-        <p:nvSpPr>
-          <p:cNvPr id="2" name="BlokTextu 1">
-            <a:extLst>
-              <a:ext uri="{FF2B5EF4-FFF2-40B4-BE49-F238E27FC236}">
-                <a16:creationId xmlns:a16="http://schemas.microsoft.com/office/drawing/2014/main" id="{285A0554-B2AC-E846-6DB1-2D25ED6FD4DE}"/>
+        </p:spPr>
+      </p:pic>
+      <p:sp>
+        <p:nvSpPr>
+          <p:cNvPr id="6" name="BlokTextu 5">
+            <a:extLst>
+              <a:ext uri="{FF2B5EF4-FFF2-40B4-BE49-F238E27FC236}">
+                <a16:creationId xmlns:a16="http://schemas.microsoft.com/office/drawing/2014/main" id="{1526866C-7DF0-A287-164D-6EC660324283}"/>
               </a:ext>
             </a:extLst>
           </p:cNvPr>
@@ -14035,7 +13351,7 @@
         </p:nvSpPr>
         <p:spPr>
           <a:xfrm rot="5400000">
-            <a:off x="9871906" y="1869865"/>
+            <a:off x="3733405" y="5369470"/>
             <a:ext cx="2291738" cy="369332"/>
           </a:xfrm>
           <a:prstGeom prst="rect">
@@ -14065,49 +13381,10 @@
       </p:sp>
       <p:pic>
         <p:nvPicPr>
-          <p:cNvPr id="10" name="Graphic 7">
-            <a:extLst>
-              <a:ext uri="{FF2B5EF4-FFF2-40B4-BE49-F238E27FC236}">
-                <a16:creationId xmlns:a16="http://schemas.microsoft.com/office/drawing/2014/main" id="{868BE020-CB17-DF72-BF7F-E2050D0F3317}"/>
-              </a:ext>
-            </a:extLst>
-          </p:cNvPr>
-          <p:cNvPicPr>
-            <a:picLocks noChangeAspect="1"/>
-          </p:cNvPicPr>
-          <p:nvPr/>
-        </p:nvPicPr>
-        <p:blipFill>
-          <a:blip r:embed="rId3" cstate="email">
-            <a:extLst>
-              <a:ext uri="{28A0092B-C50C-407E-A947-70E740481C1C}">
-                <a14:useLocalDpi xmlns:a14="http://schemas.microsoft.com/office/drawing/2010/main"/>
-              </a:ext>
-              <a:ext uri="{96DAC541-7B7A-43D3-8B79-37D633B846F1}">
-                <asvg:svgBlip xmlns:asvg="http://schemas.microsoft.com/office/drawing/2016/SVG/main" r:embed="rId4"/>
-              </a:ext>
-            </a:extLst>
-          </a:blip>
-          <a:stretch>
-            <a:fillRect/>
-          </a:stretch>
-        </p:blipFill>
-        <p:spPr>
-          <a:xfrm rot="9271734">
-            <a:off x="3841861" y="2746416"/>
-            <a:ext cx="4080257" cy="148725"/>
-          </a:xfrm>
-          <a:prstGeom prst="rect">
-            <a:avLst/>
-          </a:prstGeom>
-        </p:spPr>
-      </p:pic>
-      <p:pic>
-        <p:nvPicPr>
-          <p:cNvPr id="9" name="Obrázok 8">
-            <a:extLst>
-              <a:ext uri="{FF2B5EF4-FFF2-40B4-BE49-F238E27FC236}">
-                <a16:creationId xmlns:a16="http://schemas.microsoft.com/office/drawing/2014/main" id="{A882545B-4E89-D28D-7D71-98994BB8A769}"/>
+          <p:cNvPr id="7" name="Obrázok 6">
+            <a:extLst>
+              <a:ext uri="{FF2B5EF4-FFF2-40B4-BE49-F238E27FC236}">
+                <a16:creationId xmlns:a16="http://schemas.microsoft.com/office/drawing/2014/main" id="{682011CC-DBD7-91A9-A85A-837CA08A73AC}"/>
               </a:ext>
             </a:extLst>
           </p:cNvPr>
@@ -14118,13 +13395,13 @@
         </p:nvPicPr>
         <p:blipFill rotWithShape="1">
           <a:blip r:embed="rId5"/>
-          <a:srcRect l="7074" t="4295" r="7508" b="20395"/>
+          <a:srcRect l="-7" t="-200" r="393" b="-214"/>
           <a:stretch/>
         </p:blipFill>
         <p:spPr>
           <a:xfrm>
-            <a:off x="938590" y="2729600"/>
-            <a:ext cx="3035300" cy="3797300"/>
+            <a:off x="241706" y="255042"/>
+            <a:ext cx="4450026" cy="6361657"/>
           </a:xfrm>
           <a:prstGeom prst="rect">
             <a:avLst/>
@@ -14136,94 +13413,38 @@
           </a:ln>
         </p:spPr>
       </p:pic>
-      <p:pic>
-        <p:nvPicPr>
-          <p:cNvPr id="14" name="Obrázok 13">
-            <a:extLst>
-              <a:ext uri="{FF2B5EF4-FFF2-40B4-BE49-F238E27FC236}">
-                <a16:creationId xmlns:a16="http://schemas.microsoft.com/office/drawing/2014/main" id="{D93AF50A-B5E4-82B6-C259-A9B5CF434B6D}"/>
-              </a:ext>
-            </a:extLst>
-          </p:cNvPr>
-          <p:cNvPicPr>
-            <a:picLocks noChangeAspect="1"/>
-          </p:cNvPicPr>
+      <p:sp>
+        <p:nvSpPr>
+          <p:cNvPr id="4" name="BlokTextu 3">
+            <a:extLst>
+              <a:ext uri="{FF2B5EF4-FFF2-40B4-BE49-F238E27FC236}">
+                <a16:creationId xmlns:a16="http://schemas.microsoft.com/office/drawing/2014/main" id="{56ECC566-9E83-DD78-D793-0C5930F8253F}"/>
+              </a:ext>
+            </a:extLst>
+          </p:cNvPr>
+          <p:cNvSpPr txBox="1"/>
           <p:nvPr/>
-        </p:nvPicPr>
-        <p:blipFill rotWithShape="1">
-          <a:blip r:embed="rId6"/>
-          <a:srcRect l="7301" t="5413" r="8869" b="14188"/>
-          <a:stretch/>
-        </p:blipFill>
+        </p:nvSpPr>
         <p:spPr>
           <a:xfrm>
-            <a:off x="7768469" y="580343"/>
-            <a:ext cx="3035300" cy="4128401"/>
+            <a:off x="5635208" y="4479689"/>
+            <a:ext cx="6094562" cy="1674241"/>
           </a:xfrm>
           <a:prstGeom prst="rect">
             <a:avLst/>
           </a:prstGeom>
-          <a:ln>
-            <a:solidFill>
-              <a:schemeClr val="tx1"/>
-            </a:solidFill>
-          </a:ln>
-        </p:spPr>
-      </p:pic>
-      <p:sp>
-        <p:nvSpPr>
-          <p:cNvPr id="7" name="Nadpis 1">
-            <a:extLst>
-              <a:ext uri="{FF2B5EF4-FFF2-40B4-BE49-F238E27FC236}">
-                <a16:creationId xmlns:a16="http://schemas.microsoft.com/office/drawing/2014/main" id="{9C3335B3-7F3C-B663-8D6F-FCEE8F7C992E}"/>
-              </a:ext>
-            </a:extLst>
-          </p:cNvPr>
-          <p:cNvSpPr txBox="1">
-            <a:spLocks/>
-          </p:cNvSpPr>
-          <p:nvPr/>
-        </p:nvSpPr>
-        <p:spPr>
-          <a:xfrm>
-            <a:off x="4461049" y="5134781"/>
-            <a:ext cx="7271564" cy="994661"/>
-          </a:xfrm>
-          <a:prstGeom prst="rect">
-            <a:avLst/>
-          </a:prstGeom>
-        </p:spPr>
-        <p:txBody>
-          <a:bodyPr vert="horz" lIns="91440" tIns="45720" rIns="91440" bIns="45720" rtlCol="0" anchor="t">
-            <a:noAutofit/>
+          <a:noFill/>
+        </p:spPr>
+        <p:txBody>
+          <a:bodyPr wrap="square">
+            <a:spAutoFit/>
           </a:bodyPr>
-          <a:lstStyle>
-            <a:lvl1pPr algn="ctr" defTabSz="914400" rtl="0" eaLnBrk="1" latinLnBrk="0" hangingPunct="1">
+          <a:lstStyle/>
+          <a:p>
+            <a:pPr algn="r">
               <a:lnSpc>
-                <a:spcPct val="90000"/>
+                <a:spcPct val="200000"/>
               </a:lnSpc>
-              <a:spcBef>
-                <a:spcPct val="0"/>
-              </a:spcBef>
-              <a:buNone/>
-              <a:defRPr sz="6000" kern="1200">
-                <a:solidFill>
-                  <a:schemeClr val="tx1"/>
-                </a:solidFill>
-                <a:latin typeface="+mj-lt"/>
-                <a:ea typeface="+mj-ea"/>
-                <a:cs typeface="+mj-cs"/>
-              </a:defRPr>
-            </a:lvl1pPr>
-          </a:lstStyle>
-          <a:p>
-            <a:pPr algn="l">
-              <a:lnSpc>
-                <a:spcPct val="107000"/>
-              </a:lnSpc>
-              <a:spcAft>
-                <a:spcPts val="800"/>
-              </a:spcAft>
             </a:pPr>
             <a:r>
               <a:rPr lang="sk-SK" sz="1800" dirty="0">
@@ -14232,21 +13453,25 @@
                 </a:solidFill>
                 <a:effectLst/>
                 <a:latin typeface="Lucida Console" panose="020B0609040504020204" pitchFamily="49" charset="0"/>
-                <a:ea typeface="Calibri" panose="020F0502020204030204" pitchFamily="34" charset="0"/>
-                <a:cs typeface="Times New Roman" panose="02020603050405020304" pitchFamily="18" charset="0"/>
               </a:rPr>
-              <a:t>-čo pracovné listy obsahujú</a:t>
-            </a:r>
-          </a:p>
-          <a:p>
-            <a:pPr algn="l">
+              <a:t>-Aké sú to teoretické pracovné listy</a:t>
+            </a:r>
+          </a:p>
+          <a:p>
+            <a:pPr algn="r">
               <a:lnSpc>
-                <a:spcPct val="107000"/>
+                <a:spcPct val="200000"/>
               </a:lnSpc>
-              <a:spcAft>
-                <a:spcPts val="800"/>
-              </a:spcAft>
             </a:pPr>
+            <a:r>
+              <a:rPr lang="sk-SK" sz="1800" dirty="0">
+                <a:solidFill>
+                  <a:schemeClr val="bg1"/>
+                </a:solidFill>
+                <a:latin typeface="Lucida Console" panose="020B0609040504020204" pitchFamily="49" charset="0"/>
+              </a:rPr>
+              <a:t>-Ako sa delia </a:t>
+            </a:r>
             <a:r>
               <a:rPr lang="sk-SK" sz="1800" dirty="0">
                 <a:solidFill>
@@ -14254,10 +13479,25 @@
                 </a:solidFill>
                 <a:effectLst/>
                 <a:latin typeface="Lucida Console" panose="020B0609040504020204" pitchFamily="49" charset="0"/>
-                <a:ea typeface="Calibri" panose="020F0502020204030204" pitchFamily="34" charset="0"/>
-                <a:cs typeface="Times New Roman" panose="02020603050405020304" pitchFamily="18" charset="0"/>
               </a:rPr>
-              <a:t>-rozloženie a prevedenie pracovných listov</a:t>
+              <a:t>teoretické pracovné listy</a:t>
+            </a:r>
+          </a:p>
+          <a:p>
+            <a:pPr algn="r">
+              <a:lnSpc>
+                <a:spcPct val="200000"/>
+              </a:lnSpc>
+            </a:pPr>
+            <a:r>
+              <a:rPr lang="sk-SK" sz="1800" dirty="0">
+                <a:solidFill>
+                  <a:schemeClr val="bg1"/>
+                </a:solidFill>
+                <a:effectLst/>
+                <a:latin typeface="Lucida Console" panose="020B0609040504020204" pitchFamily="49" charset="0"/>
+              </a:rPr>
+              <a:t>-Čo obsahujú teoretické pracovné listy</a:t>
             </a:r>
           </a:p>
         </p:txBody>
@@ -14265,7 +13505,7 @@
     </p:spTree>
     <p:extLst>
       <p:ext uri="{BB962C8B-B14F-4D97-AF65-F5344CB8AC3E}">
-        <p14:creationId xmlns:p14="http://schemas.microsoft.com/office/powerpoint/2010/main" val="1218821964"/>
+        <p14:creationId xmlns:p14="http://schemas.microsoft.com/office/powerpoint/2010/main" val="2264328065"/>
       </p:ext>
     </p:extLst>
   </p:cSld>
@@ -14392,8 +13632,8 @@
         </p:nvSpPr>
         <p:spPr>
           <a:xfrm>
-            <a:off x="1335621" y="1033358"/>
-            <a:ext cx="10096798" cy="506077"/>
+            <a:off x="706971" y="728558"/>
+            <a:ext cx="7537894" cy="506077"/>
           </a:xfrm>
           <a:prstGeom prst="rect">
             <a:avLst/>
@@ -14423,7 +13663,7 @@
             </a:lvl1pPr>
           </a:lstStyle>
           <a:p>
-            <a:pPr algn="r"/>
+            <a:pPr algn="l"/>
             <a:r>
               <a:rPr lang="sk-SK" sz="6600" dirty="0">
                 <a:solidFill>
@@ -14432,43 +13672,81 @@
                 <a:latin typeface="Lucida Console" panose="020B0609040504020204" pitchFamily="49" charset="0"/>
                 <a:cs typeface="Segoe UI" panose="020B0502040204020203" pitchFamily="34" charset="0"/>
               </a:rPr>
-              <a:t>TEORETICKÉ</a:t>
-            </a:r>
-          </a:p>
-          <a:p>
-            <a:pPr algn="r"/>
-            <a:r>
-              <a:rPr lang="sk-SK" sz="6600" dirty="0">
-                <a:solidFill>
-                  <a:schemeClr val="bg1"/>
-                </a:solidFill>
-                <a:latin typeface="Lucida Console" panose="020B0609040504020204" pitchFamily="49" charset="0"/>
-                <a:cs typeface="Segoe UI" panose="020B0502040204020203" pitchFamily="34" charset="0"/>
-              </a:rPr>
-              <a:t>			PRACOVNÉ  	 	</a:t>
-            </a:r>
-          </a:p>
-          <a:p>
-            <a:pPr algn="r"/>
-            <a:r>
-              <a:rPr lang="sk-SK" sz="6600" dirty="0">
-                <a:solidFill>
-                  <a:schemeClr val="bg1"/>
-                </a:solidFill>
-                <a:latin typeface="Lucida Console" panose="020B0609040504020204" pitchFamily="49" charset="0"/>
-                <a:cs typeface="Segoe UI" panose="020B0502040204020203" pitchFamily="34" charset="0"/>
-              </a:rPr>
-              <a:t>LISTY					  </a:t>
-            </a:r>
+              <a:t>SPÄTNÁ VÄZBA</a:t>
+            </a:r>
+          </a:p>
+        </p:txBody>
+      </p:sp>
+      <p:sp>
+        <p:nvSpPr>
+          <p:cNvPr id="3" name="Obdĺžnik 2">
+            <a:extLst>
+              <a:ext uri="{FF2B5EF4-FFF2-40B4-BE49-F238E27FC236}">
+                <a16:creationId xmlns:a16="http://schemas.microsoft.com/office/drawing/2014/main" id="{9B90B492-1089-E563-F867-BD916C7A9F10}"/>
+              </a:ext>
+            </a:extLst>
+          </p:cNvPr>
+          <p:cNvSpPr/>
+          <p:nvPr/>
+        </p:nvSpPr>
+        <p:spPr>
+          <a:xfrm rot="16200000">
+            <a:off x="6994112" y="2376149"/>
+            <a:ext cx="9220123" cy="2105702"/>
+          </a:xfrm>
+          <a:prstGeom prst="rect">
+            <a:avLst/>
+          </a:prstGeom>
+          <a:gradFill>
+            <a:gsLst>
+              <a:gs pos="35000">
+                <a:srgbClr val="CCFF99">
+                  <a:lumMod val="96000"/>
+                </a:srgbClr>
+              </a:gs>
+              <a:gs pos="66000">
+                <a:schemeClr val="accent1"/>
+              </a:gs>
+            </a:gsLst>
+            <a:path path="circle">
+              <a:fillToRect l="100000" b="100000"/>
+            </a:path>
+          </a:gradFill>
+          <a:ln>
+            <a:noFill/>
+          </a:ln>
+        </p:spPr>
+        <p:style>
+          <a:lnRef idx="2">
+            <a:schemeClr val="accent1">
+              <a:shade val="50000"/>
+            </a:schemeClr>
+          </a:lnRef>
+          <a:fillRef idx="1">
+            <a:schemeClr val="accent1"/>
+          </a:fillRef>
+          <a:effectRef idx="0">
+            <a:schemeClr val="accent1"/>
+          </a:effectRef>
+          <a:fontRef idx="minor">
+            <a:schemeClr val="lt1"/>
+          </a:fontRef>
+        </p:style>
+        <p:txBody>
+          <a:bodyPr rtlCol="0" anchor="ctr"/>
+          <a:lstStyle/>
+          <a:p>
+            <a:pPr algn="ctr"/>
+            <a:endParaRPr lang="sk-SK"/>
           </a:p>
         </p:txBody>
       </p:sp>
       <p:pic>
         <p:nvPicPr>
-          <p:cNvPr id="3" name="Graphic 7">
-            <a:extLst>
-              <a:ext uri="{FF2B5EF4-FFF2-40B4-BE49-F238E27FC236}">
-                <a16:creationId xmlns:a16="http://schemas.microsoft.com/office/drawing/2014/main" id="{4B0E62A6-8B7A-7BE9-47A6-CBD705143B10}"/>
+          <p:cNvPr id="16" name="Graphic 7">
+            <a:extLst>
+              <a:ext uri="{FF2B5EF4-FFF2-40B4-BE49-F238E27FC236}">
+                <a16:creationId xmlns:a16="http://schemas.microsoft.com/office/drawing/2014/main" id="{1CEA1227-056B-947D-5534-D541F18D68DB}"/>
               </a:ext>
             </a:extLst>
           </p:cNvPr>
@@ -14493,9 +13771,9 @@
           </a:stretch>
         </p:blipFill>
         <p:spPr>
-          <a:xfrm rot="9275962">
-            <a:off x="6976439" y="2744195"/>
-            <a:ext cx="4880564" cy="177896"/>
+          <a:xfrm rot="5400000" flipV="1">
+            <a:off x="7064697" y="3299698"/>
+            <a:ext cx="6572253" cy="239558"/>
           </a:xfrm>
           <a:prstGeom prst="rect">
             <a:avLst/>
@@ -14504,32 +13782,90 @@
       </p:pic>
       <p:sp>
         <p:nvSpPr>
-          <p:cNvPr id="6" name="BlokTextu 5">
-            <a:extLst>
-              <a:ext uri="{FF2B5EF4-FFF2-40B4-BE49-F238E27FC236}">
-                <a16:creationId xmlns:a16="http://schemas.microsoft.com/office/drawing/2014/main" id="{1526866C-7DF0-A287-164D-6EC660324283}"/>
-              </a:ext>
-            </a:extLst>
-          </p:cNvPr>
-          <p:cNvSpPr txBox="1"/>
+          <p:cNvPr id="12" name="Nadpis 1">
+            <a:extLst>
+              <a:ext uri="{FF2B5EF4-FFF2-40B4-BE49-F238E27FC236}">
+                <a16:creationId xmlns:a16="http://schemas.microsoft.com/office/drawing/2014/main" id="{373E9CF8-810A-B420-CAB9-95D61B53A7EB}"/>
+              </a:ext>
+            </a:extLst>
+          </p:cNvPr>
+          <p:cNvSpPr txBox="1">
+            <a:spLocks/>
+          </p:cNvSpPr>
           <p:nvPr/>
         </p:nvSpPr>
         <p:spPr>
-          <a:xfrm rot="5400000">
-            <a:off x="3733405" y="5369470"/>
-            <a:ext cx="2291738" cy="369332"/>
+          <a:xfrm>
+            <a:off x="490462" y="2160061"/>
+            <a:ext cx="9275557" cy="3750844"/>
           </a:xfrm>
           <a:prstGeom prst="rect">
             <a:avLst/>
           </a:prstGeom>
-          <a:noFill/>
-        </p:spPr>
-        <p:txBody>
-          <a:bodyPr wrap="square" rtlCol="0">
-            <a:spAutoFit/>
+        </p:spPr>
+        <p:txBody>
+          <a:bodyPr vert="horz" lIns="91440" tIns="45720" rIns="91440" bIns="45720" rtlCol="0" anchor="t">
+            <a:noAutofit/>
           </a:bodyPr>
-          <a:lstStyle/>
-          <a:p>
+          <a:lstStyle>
+            <a:lvl1pPr algn="ctr" defTabSz="914400" rtl="0" eaLnBrk="1" latinLnBrk="0" hangingPunct="1">
+              <a:lnSpc>
+                <a:spcPct val="90000"/>
+              </a:lnSpc>
+              <a:spcBef>
+                <a:spcPct val="0"/>
+              </a:spcBef>
+              <a:buNone/>
+              <a:defRPr sz="6000" kern="1200">
+                <a:solidFill>
+                  <a:schemeClr val="tx1"/>
+                </a:solidFill>
+                <a:latin typeface="+mj-lt"/>
+                <a:ea typeface="+mj-ea"/>
+                <a:cs typeface="+mj-cs"/>
+              </a:defRPr>
+            </a:lvl1pPr>
+          </a:lstStyle>
+          <a:p>
+            <a:pPr algn="l"/>
+            <a:r>
+              <a:rPr lang="sk-SK" sz="2400" dirty="0">
+                <a:solidFill>
+                  <a:schemeClr val="bg1"/>
+                </a:solidFill>
+                <a:effectLst/>
+                <a:latin typeface="Lucida Console" panose="020B0609040504020204" pitchFamily="49" charset="0"/>
+              </a:rPr>
+              <a:t>Spätná väzba zahŕňa:</a:t>
+            </a:r>
+          </a:p>
+          <a:p>
+            <a:pPr algn="l"/>
+            <a:endParaRPr lang="sk-SK" sz="1800" dirty="0">
+              <a:solidFill>
+                <a:schemeClr val="bg1"/>
+              </a:solidFill>
+              <a:latin typeface="Lucida Console" panose="020B0609040504020204" pitchFamily="49" charset="0"/>
+            </a:endParaRPr>
+          </a:p>
+          <a:p>
+            <a:pPr algn="l"/>
+            <a:endParaRPr lang="sk-SK" sz="1800" dirty="0">
+              <a:solidFill>
+                <a:schemeClr val="bg1"/>
+              </a:solidFill>
+              <a:latin typeface="Lucida Console" panose="020B0609040504020204" pitchFamily="49" charset="0"/>
+            </a:endParaRPr>
+          </a:p>
+          <a:p>
+            <a:pPr algn="l">
+              <a:lnSpc>
+                <a:spcPct val="100000"/>
+              </a:lnSpc>
+              <a:spcBef>
+                <a:spcPts val="300"/>
+              </a:spcBef>
+            </a:pPr>
             <a:r>
               <a:rPr lang="sk-SK" sz="1800" dirty="0">
                 <a:solidFill>
@@ -14538,78 +13874,40 @@
                 <a:effectLst/>
                 <a:latin typeface="Lucida Console" panose="020B0609040504020204" pitchFamily="49" charset="0"/>
               </a:rPr>
-              <a:t>Teoretický list</a:t>
-            </a:r>
-            <a:endParaRPr lang="sk-SK" dirty="0"/>
-          </a:p>
-        </p:txBody>
-      </p:sp>
-      <p:pic>
-        <p:nvPicPr>
-          <p:cNvPr id="7" name="Obrázok 6">
-            <a:extLst>
-              <a:ext uri="{FF2B5EF4-FFF2-40B4-BE49-F238E27FC236}">
-                <a16:creationId xmlns:a16="http://schemas.microsoft.com/office/drawing/2014/main" id="{682011CC-DBD7-91A9-A85A-837CA08A73AC}"/>
-              </a:ext>
-            </a:extLst>
-          </p:cNvPr>
-          <p:cNvPicPr>
-            <a:picLocks noChangeAspect="1"/>
-          </p:cNvPicPr>
-          <p:nvPr/>
-        </p:nvPicPr>
-        <p:blipFill rotWithShape="1">
-          <a:blip r:embed="rId5"/>
-          <a:srcRect l="-7" t="-200" r="393" b="-214"/>
-          <a:stretch/>
-        </p:blipFill>
-        <p:spPr>
-          <a:xfrm>
-            <a:off x="241706" y="255042"/>
-            <a:ext cx="4450026" cy="6361657"/>
-          </a:xfrm>
-          <a:prstGeom prst="rect">
-            <a:avLst/>
-          </a:prstGeom>
-          <a:ln>
-            <a:solidFill>
-              <a:schemeClr val="tx1"/>
-            </a:solidFill>
-          </a:ln>
-        </p:spPr>
-      </p:pic>
-      <p:sp>
-        <p:nvSpPr>
-          <p:cNvPr id="4" name="BlokTextu 3">
-            <a:extLst>
-              <a:ext uri="{FF2B5EF4-FFF2-40B4-BE49-F238E27FC236}">
-                <a16:creationId xmlns:a16="http://schemas.microsoft.com/office/drawing/2014/main" id="{56ECC566-9E83-DD78-D793-0C5930F8253F}"/>
-              </a:ext>
-            </a:extLst>
-          </p:cNvPr>
-          <p:cNvSpPr txBox="1"/>
-          <p:nvPr/>
-        </p:nvSpPr>
-        <p:spPr>
-          <a:xfrm>
-            <a:off x="5635208" y="4479689"/>
-            <a:ext cx="6094562" cy="1674241"/>
-          </a:xfrm>
-          <a:prstGeom prst="rect">
-            <a:avLst/>
-          </a:prstGeom>
-          <a:noFill/>
-        </p:spPr>
-        <p:txBody>
-          <a:bodyPr wrap="square">
-            <a:spAutoFit/>
-          </a:bodyPr>
-          <a:lstStyle/>
-          <a:p>
-            <a:pPr algn="r">
+              <a:t>   -kontrolu pracovných listov na našich spolužiakoch</a:t>
+            </a:r>
+            <a:endParaRPr lang="sk-SK" sz="1800" dirty="0">
+              <a:solidFill>
+                <a:schemeClr val="bg1"/>
+              </a:solidFill>
+              <a:latin typeface="Lucida Console" panose="020B0609040504020204" pitchFamily="49" charset="0"/>
+            </a:endParaRPr>
+          </a:p>
+          <a:p>
+            <a:pPr algn="l">
               <a:lnSpc>
-                <a:spcPct val="200000"/>
+                <a:spcPct val="100000"/>
               </a:lnSpc>
+              <a:spcBef>
+                <a:spcPts val="300"/>
+              </a:spcBef>
+            </a:pPr>
+            <a:endParaRPr lang="sk-SK" sz="1800" dirty="0">
+              <a:solidFill>
+                <a:schemeClr val="bg1"/>
+              </a:solidFill>
+              <a:effectLst/>
+              <a:latin typeface="Lucida Console" panose="020B0609040504020204" pitchFamily="49" charset="0"/>
+            </a:endParaRPr>
+          </a:p>
+          <a:p>
+            <a:pPr algn="l">
+              <a:lnSpc>
+                <a:spcPct val="100000"/>
+              </a:lnSpc>
+              <a:spcBef>
+                <a:spcPts val="300"/>
+              </a:spcBef>
             </a:pPr>
             <a:r>
               <a:rPr lang="sk-SK" sz="1800" dirty="0">
@@ -14619,14 +13917,33 @@
                 <a:effectLst/>
                 <a:latin typeface="Lucida Console" panose="020B0609040504020204" pitchFamily="49" charset="0"/>
               </a:rPr>
-              <a:t>-Aké sú to teoretické pracovné listy</a:t>
-            </a:r>
-          </a:p>
-          <a:p>
-            <a:pPr algn="r">
+              <a:t>   -vyplnenie dotazníka spolužiakmi</a:t>
+            </a:r>
+          </a:p>
+          <a:p>
+            <a:pPr algn="l">
               <a:lnSpc>
-                <a:spcPct val="200000"/>
+                <a:spcPct val="100000"/>
               </a:lnSpc>
+              <a:spcBef>
+                <a:spcPts val="300"/>
+              </a:spcBef>
+            </a:pPr>
+            <a:endParaRPr lang="sk-SK" sz="1800" dirty="0">
+              <a:solidFill>
+                <a:schemeClr val="bg1"/>
+              </a:solidFill>
+              <a:latin typeface="Lucida Console" panose="020B0609040504020204" pitchFamily="49" charset="0"/>
+            </a:endParaRPr>
+          </a:p>
+          <a:p>
+            <a:pPr algn="l">
+              <a:lnSpc>
+                <a:spcPct val="100000"/>
+              </a:lnSpc>
+              <a:spcBef>
+                <a:spcPts val="300"/>
+              </a:spcBef>
             </a:pPr>
             <a:r>
               <a:rPr lang="sk-SK" sz="1800" dirty="0">
@@ -14635,8 +13952,35 @@
                 </a:solidFill>
                 <a:latin typeface="Lucida Console" panose="020B0609040504020204" pitchFamily="49" charset="0"/>
               </a:rPr>
-              <a:t>-Ako sa delia </a:t>
-            </a:r>
+              <a:t>   -vyhodnotenie pripomienok spolužiakov</a:t>
+            </a:r>
+          </a:p>
+          <a:p>
+            <a:pPr algn="l">
+              <a:lnSpc>
+                <a:spcPct val="100000"/>
+              </a:lnSpc>
+              <a:spcBef>
+                <a:spcPts val="300"/>
+              </a:spcBef>
+            </a:pPr>
+            <a:endParaRPr lang="sk-SK" sz="1800" dirty="0">
+              <a:solidFill>
+                <a:schemeClr val="bg1"/>
+              </a:solidFill>
+              <a:effectLst/>
+              <a:latin typeface="Lucida Console" panose="020B0609040504020204" pitchFamily="49" charset="0"/>
+            </a:endParaRPr>
+          </a:p>
+          <a:p>
+            <a:pPr algn="l">
+              <a:lnSpc>
+                <a:spcPct val="100000"/>
+              </a:lnSpc>
+              <a:spcBef>
+                <a:spcPts val="300"/>
+              </a:spcBef>
+            </a:pPr>
             <a:r>
               <a:rPr lang="sk-SK" sz="1800" dirty="0">
                 <a:solidFill>
@@ -14645,24 +13989,7 @@
                 <a:effectLst/>
                 <a:latin typeface="Lucida Console" panose="020B0609040504020204" pitchFamily="49" charset="0"/>
               </a:rPr>
-              <a:t>teoretické pracovné listy</a:t>
-            </a:r>
-          </a:p>
-          <a:p>
-            <a:pPr algn="r">
-              <a:lnSpc>
-                <a:spcPct val="200000"/>
-              </a:lnSpc>
-            </a:pPr>
-            <a:r>
-              <a:rPr lang="sk-SK" sz="1800" dirty="0">
-                <a:solidFill>
-                  <a:schemeClr val="bg1"/>
-                </a:solidFill>
-                <a:effectLst/>
-                <a:latin typeface="Lucida Console" panose="020B0609040504020204" pitchFamily="49" charset="0"/>
-              </a:rPr>
-              <a:t>-Čo obsahujú teoretické pracovné listy</a:t>
+              <a:t>   -úprava pracovných listov podľa výsledkov z dotazníka</a:t>
             </a:r>
           </a:p>
         </p:txBody>
@@ -14670,7 +13997,7 @@
     </p:spTree>
     <p:extLst>
       <p:ext uri="{BB962C8B-B14F-4D97-AF65-F5344CB8AC3E}">
-        <p14:creationId xmlns:p14="http://schemas.microsoft.com/office/powerpoint/2010/main" val="2264328065"/>
+        <p14:creationId xmlns:p14="http://schemas.microsoft.com/office/powerpoint/2010/main" val="2186824041"/>
       </p:ext>
     </p:extLst>
   </p:cSld>

--- a/prezentácia-finálna-v2.pptx
+++ b/prezentácia-finálna-v2.pptx
@@ -18,7 +18,7 @@
     <p:sldId id="299" r:id="rId9"/>
     <p:sldId id="295" r:id="rId10"/>
     <p:sldId id="289" r:id="rId11"/>
-    <p:sldId id="294" r:id="rId12"/>
+    <p:sldId id="304" r:id="rId12"/>
   </p:sldIdLst>
   <p:sldSz cx="12192000" cy="6858000"/>
   <p:notesSz cx="6858000" cy="9144000"/>
@@ -163,7 +163,7 @@
         </p14:section>
         <p14:section name="Poďakovanie" id="{ABE1EC63-2E72-4073-AD7B-2C8F0D8676FD}">
           <p14:sldIdLst>
-            <p14:sldId id="294"/>
+            <p14:sldId id="304"/>
           </p14:sldIdLst>
         </p14:section>
       </p14:sectionLst>
@@ -772,7 +772,7 @@
     </p:spTree>
     <p:extLst>
       <p:ext uri="{BB962C8B-B14F-4D97-AF65-F5344CB8AC3E}">
-        <p14:creationId xmlns:p14="http://schemas.microsoft.com/office/powerpoint/2010/main" val="3039839374"/>
+        <p14:creationId xmlns:p14="http://schemas.microsoft.com/office/powerpoint/2010/main" val="3358470597"/>
       </p:ext>
     </p:extLst>
   </p:cSld>
@@ -6744,7 +6744,7 @@
         </p:nvSpPr>
         <p:spPr>
           <a:xfrm>
-            <a:off x="-3576851" y="4768297"/>
+            <a:off x="4493098" y="4768297"/>
             <a:ext cx="7327797" cy="726536"/>
           </a:xfrm>
         </p:spPr>
@@ -6851,7 +6851,7 @@
         </p:nvSpPr>
         <p:spPr>
           <a:xfrm>
-            <a:off x="-3537530" y="5414115"/>
+            <a:off x="4532419" y="5414115"/>
             <a:ext cx="5962904" cy="1177186"/>
           </a:xfrm>
         </p:spPr>
@@ -7376,71 +7376,10 @@
           </a:p>
         </p:txBody>
       </p:sp>
-      <p:sp>
-        <p:nvSpPr>
-          <p:cNvPr id="14" name="Nadpis 1">
-            <a:extLst>
-              <a:ext uri="{FF2B5EF4-FFF2-40B4-BE49-F238E27FC236}">
-                <a16:creationId xmlns:a16="http://schemas.microsoft.com/office/drawing/2014/main" id="{FFE755EC-FC48-DC0D-7462-E15B7C99AF5F}"/>
-              </a:ext>
-            </a:extLst>
-          </p:cNvPr>
-          <p:cNvSpPr txBox="1">
-            <a:spLocks/>
-          </p:cNvSpPr>
-          <p:nvPr/>
-        </p:nvSpPr>
-        <p:spPr>
-          <a:xfrm>
-            <a:off x="5278608" y="4377093"/>
-            <a:ext cx="6116223" cy="1325942"/>
-          </a:xfrm>
-          <a:prstGeom prst="rect">
-            <a:avLst/>
-          </a:prstGeom>
-        </p:spPr>
-        <p:txBody>
-          <a:bodyPr vert="horz" lIns="91440" tIns="45720" rIns="91440" bIns="45720" rtlCol="0" anchor="t">
-            <a:noAutofit/>
-          </a:bodyPr>
-          <a:lstStyle>
-            <a:lvl1pPr algn="ctr" defTabSz="914400" rtl="0" eaLnBrk="1" latinLnBrk="0" hangingPunct="1">
-              <a:lnSpc>
-                <a:spcPct val="90000"/>
-              </a:lnSpc>
-              <a:spcBef>
-                <a:spcPct val="0"/>
-              </a:spcBef>
-              <a:buNone/>
-              <a:defRPr sz="6000" kern="1200">
-                <a:solidFill>
-                  <a:schemeClr val="tx1"/>
-                </a:solidFill>
-                <a:latin typeface="+mj-lt"/>
-                <a:ea typeface="+mj-ea"/>
-                <a:cs typeface="+mj-cs"/>
-              </a:defRPr>
-            </a:lvl1pPr>
-          </a:lstStyle>
-          <a:p>
-            <a:pPr algn="l"/>
-            <a:r>
-              <a:rPr lang="sk-SK" sz="6600" dirty="0">
-                <a:solidFill>
-                  <a:schemeClr val="bg1"/>
-                </a:solidFill>
-                <a:latin typeface="Lucida Console" panose="020B0609040504020204" pitchFamily="49" charset="0"/>
-                <a:cs typeface="Segoe UI" panose="020B0502040204020203" pitchFamily="34" charset="0"/>
-              </a:rPr>
-              <a:t>Ďakujeme za pozornosť</a:t>
-            </a:r>
-          </a:p>
-        </p:txBody>
-      </p:sp>
     </p:spTree>
     <p:extLst>
       <p:ext uri="{BB962C8B-B14F-4D97-AF65-F5344CB8AC3E}">
-        <p14:creationId xmlns:p14="http://schemas.microsoft.com/office/powerpoint/2010/main" val="3638018097"/>
+        <p14:creationId xmlns:p14="http://schemas.microsoft.com/office/powerpoint/2010/main" val="494461852"/>
       </p:ext>
     </p:extLst>
   </p:cSld>

--- a/prezentácia-finálna-v2.pptx
+++ b/prezentácia-finálna-v2.pptx
@@ -260,7 +260,7 @@
           <a:p>
             <a:fld id="{C88AA305-93E8-483D-AA91-3BB1CFB17019}" type="datetimeFigureOut">
               <a:rPr lang="sk-SK" smtClean="0"/>
-              <a:t>19. 2. 2023</a:t>
+              <a:t>22. 2. 2023</a:t>
             </a:fld>
             <a:endParaRPr lang="sk-SK"/>
           </a:p>
@@ -1609,7 +1609,7 @@
           <a:p>
             <a:fld id="{0DE0741B-E58B-4A9A-A707-9C4095F9C37B}" type="datetimeFigureOut">
               <a:rPr lang="sk-SK" smtClean="0"/>
-              <a:t>19. 2. 2023</a:t>
+              <a:t>22. 2. 2023</a:t>
             </a:fld>
             <a:endParaRPr lang="sk-SK"/>
           </a:p>
@@ -1807,7 +1807,7 @@
           <a:p>
             <a:fld id="{0DE0741B-E58B-4A9A-A707-9C4095F9C37B}" type="datetimeFigureOut">
               <a:rPr lang="sk-SK" smtClean="0"/>
-              <a:t>19. 2. 2023</a:t>
+              <a:t>22. 2. 2023</a:t>
             </a:fld>
             <a:endParaRPr lang="sk-SK"/>
           </a:p>
@@ -2015,7 +2015,7 @@
           <a:p>
             <a:fld id="{0DE0741B-E58B-4A9A-A707-9C4095F9C37B}" type="datetimeFigureOut">
               <a:rPr lang="sk-SK" smtClean="0"/>
-              <a:t>19. 2. 2023</a:t>
+              <a:t>22. 2. 2023</a:t>
             </a:fld>
             <a:endParaRPr lang="sk-SK"/>
           </a:p>
@@ -2213,7 +2213,7 @@
           <a:p>
             <a:fld id="{0DE0741B-E58B-4A9A-A707-9C4095F9C37B}" type="datetimeFigureOut">
               <a:rPr lang="sk-SK" smtClean="0"/>
-              <a:t>19. 2. 2023</a:t>
+              <a:t>22. 2. 2023</a:t>
             </a:fld>
             <a:endParaRPr lang="sk-SK"/>
           </a:p>
@@ -2488,7 +2488,7 @@
           <a:p>
             <a:fld id="{0DE0741B-E58B-4A9A-A707-9C4095F9C37B}" type="datetimeFigureOut">
               <a:rPr lang="sk-SK" smtClean="0"/>
-              <a:t>19. 2. 2023</a:t>
+              <a:t>22. 2. 2023</a:t>
             </a:fld>
             <a:endParaRPr lang="sk-SK"/>
           </a:p>
@@ -2753,7 +2753,7 @@
           <a:p>
             <a:fld id="{0DE0741B-E58B-4A9A-A707-9C4095F9C37B}" type="datetimeFigureOut">
               <a:rPr lang="sk-SK" smtClean="0"/>
-              <a:t>19. 2. 2023</a:t>
+              <a:t>22. 2. 2023</a:t>
             </a:fld>
             <a:endParaRPr lang="sk-SK"/>
           </a:p>
@@ -3165,7 +3165,7 @@
           <a:p>
             <a:fld id="{0DE0741B-E58B-4A9A-A707-9C4095F9C37B}" type="datetimeFigureOut">
               <a:rPr lang="sk-SK" smtClean="0"/>
-              <a:t>19. 2. 2023</a:t>
+              <a:t>22. 2. 2023</a:t>
             </a:fld>
             <a:endParaRPr lang="sk-SK"/>
           </a:p>
@@ -3306,7 +3306,7 @@
           <a:p>
             <a:fld id="{0DE0741B-E58B-4A9A-A707-9C4095F9C37B}" type="datetimeFigureOut">
               <a:rPr lang="sk-SK" smtClean="0"/>
-              <a:t>19. 2. 2023</a:t>
+              <a:t>22. 2. 2023</a:t>
             </a:fld>
             <a:endParaRPr lang="sk-SK"/>
           </a:p>
@@ -3419,7 +3419,7 @@
           <a:p>
             <a:fld id="{0DE0741B-E58B-4A9A-A707-9C4095F9C37B}" type="datetimeFigureOut">
               <a:rPr lang="sk-SK" smtClean="0"/>
-              <a:t>19. 2. 2023</a:t>
+              <a:t>22. 2. 2023</a:t>
             </a:fld>
             <a:endParaRPr lang="sk-SK"/>
           </a:p>
@@ -3730,7 +3730,7 @@
           <a:p>
             <a:fld id="{0DE0741B-E58B-4A9A-A707-9C4095F9C37B}" type="datetimeFigureOut">
               <a:rPr lang="sk-SK" smtClean="0"/>
-              <a:t>19. 2. 2023</a:t>
+              <a:t>22. 2. 2023</a:t>
             </a:fld>
             <a:endParaRPr lang="sk-SK"/>
           </a:p>
@@ -4018,7 +4018,7 @@
           <a:p>
             <a:fld id="{0DE0741B-E58B-4A9A-A707-9C4095F9C37B}" type="datetimeFigureOut">
               <a:rPr lang="sk-SK" smtClean="0"/>
-              <a:t>19. 2. 2023</a:t>
+              <a:t>22. 2. 2023</a:t>
             </a:fld>
             <a:endParaRPr lang="sk-SK"/>
           </a:p>
@@ -4259,7 +4259,7 @@
           <a:p>
             <a:fld id="{0DE0741B-E58B-4A9A-A707-9C4095F9C37B}" type="datetimeFigureOut">
               <a:rPr lang="sk-SK" smtClean="0"/>
-              <a:t>19. 2. 2023</a:t>
+              <a:t>22. 2. 2023</a:t>
             </a:fld>
             <a:endParaRPr lang="sk-SK"/>
           </a:p>
@@ -12808,7 +12808,7 @@
                 <a:latin typeface="Lucida Console" panose="020B0609040504020204" pitchFamily="49" charset="0"/>
                 <a:cs typeface="Segoe UI" panose="020B0502040204020203" pitchFamily="34" charset="0"/>
               </a:rPr>
-              <a:t>		PRACOVNÉ    						LISTY</a:t>
+              <a:t>‎ ‎ ‎ ‎ PRACOVNÉ    		‎ ‎ ‎ ‎ ‎ ‎ LISTY</a:t>
             </a:r>
           </a:p>
         </p:txBody>
@@ -13219,20 +13219,7 @@
                 <a:latin typeface="Lucida Console" panose="020B0609040504020204" pitchFamily="49" charset="0"/>
                 <a:cs typeface="Segoe UI" panose="020B0502040204020203" pitchFamily="34" charset="0"/>
               </a:rPr>
-              <a:t>			PRACOVNÉ  	 	</a:t>
-            </a:r>
-          </a:p>
-          <a:p>
-            <a:pPr algn="r"/>
-            <a:r>
-              <a:rPr lang="sk-SK" sz="6600" dirty="0">
-                <a:solidFill>
-                  <a:schemeClr val="bg1"/>
-                </a:solidFill>
-                <a:latin typeface="Lucida Console" panose="020B0609040504020204" pitchFamily="49" charset="0"/>
-                <a:cs typeface="Segoe UI" panose="020B0502040204020203" pitchFamily="34" charset="0"/>
-              </a:rPr>
-              <a:t>LISTY					  </a:t>
+              <a:t>			PRACOVNÉ‎ ‎ ‎ ‎ ‎ LISTY‎ ‎ ‎ ‎ ‎ ‎ ‎ ‎   </a:t>
             </a:r>
           </a:p>
         </p:txBody>

--- a/prezentácia-finálna-v2.pptx
+++ b/prezentácia-finálna-v2.pptx
@@ -5,20 +5,19 @@
     <p:sldMasterId id="2147483648" r:id="rId1"/>
   </p:sldMasterIdLst>
   <p:notesMasterIdLst>
-    <p:notesMasterId r:id="rId13"/>
+    <p:notesMasterId r:id="rId12"/>
   </p:notesMasterIdLst>
   <p:sldIdLst>
     <p:sldId id="274" r:id="rId2"/>
     <p:sldId id="292" r:id="rId3"/>
     <p:sldId id="291" r:id="rId4"/>
     <p:sldId id="303" r:id="rId5"/>
-    <p:sldId id="302" r:id="rId6"/>
-    <p:sldId id="301" r:id="rId7"/>
-    <p:sldId id="297" r:id="rId8"/>
-    <p:sldId id="299" r:id="rId9"/>
-    <p:sldId id="295" r:id="rId10"/>
-    <p:sldId id="289" r:id="rId11"/>
-    <p:sldId id="304" r:id="rId12"/>
+    <p:sldId id="301" r:id="rId6"/>
+    <p:sldId id="297" r:id="rId7"/>
+    <p:sldId id="299" r:id="rId8"/>
+    <p:sldId id="295" r:id="rId9"/>
+    <p:sldId id="289" r:id="rId10"/>
+    <p:sldId id="304" r:id="rId11"/>
   </p:sldIdLst>
   <p:sldSz cx="12192000" cy="6858000"/>
   <p:notesSz cx="6858000" cy="9144000"/>
@@ -139,11 +138,6 @@
             <p14:sldId id="303"/>
           </p14:sldIdLst>
         </p14:section>
-        <p14:section name="Obsah práce" id="{BC4FAE69-DF12-4CF8-A456-BF88A0D803D5}">
-          <p14:sldIdLst>
-            <p14:sldId id="302"/>
-          </p14:sldIdLst>
-        </p14:section>
         <p14:section name="Pracovné listy" id="{FBF00EC0-BCE5-45B6-BD5E-8A03F42ECA61}">
           <p14:sldIdLst>
             <p14:sldId id="301"/>
@@ -687,91 +681,6 @@
     </p:spTree>
     <p:extLst>
       <p:ext uri="{BB962C8B-B14F-4D97-AF65-F5344CB8AC3E}">
-        <p14:creationId xmlns:p14="http://schemas.microsoft.com/office/powerpoint/2010/main" val="4154464153"/>
-      </p:ext>
-    </p:extLst>
-  </p:cSld>
-  <p:clrMapOvr>
-    <a:masterClrMapping/>
-  </p:clrMapOvr>
-</p:notes>
-</file>
-
-<file path=ppt/notesSlides/notesSlide11.xml><?xml version="1.0" encoding="utf-8"?>
-<p:notes xmlns:a="http://schemas.openxmlformats.org/drawingml/2006/main" xmlns:r="http://schemas.openxmlformats.org/officeDocument/2006/relationships" xmlns:p="http://schemas.openxmlformats.org/presentationml/2006/main">
-  <p:cSld>
-    <p:spTree>
-      <p:nvGrpSpPr>
-        <p:cNvPr id="1" name=""/>
-        <p:cNvGrpSpPr/>
-        <p:nvPr/>
-      </p:nvGrpSpPr>
-      <p:grpSpPr>
-        <a:xfrm>
-          <a:off x="0" y="0"/>
-          <a:ext cx="0" cy="0"/>
-          <a:chOff x="0" y="0"/>
-          <a:chExt cx="0" cy="0"/>
-        </a:xfrm>
-      </p:grpSpPr>
-      <p:sp>
-        <p:nvSpPr>
-          <p:cNvPr id="2" name="Zástupný symbol obrázka snímky 1"/>
-          <p:cNvSpPr>
-            <a:spLocks noGrp="1" noRot="1" noChangeAspect="1"/>
-          </p:cNvSpPr>
-          <p:nvPr>
-            <p:ph type="sldImg"/>
-          </p:nvPr>
-        </p:nvSpPr>
-        <p:spPr/>
-      </p:sp>
-      <p:sp>
-        <p:nvSpPr>
-          <p:cNvPr id="3" name="Zástupný symbol poznámok 2"/>
-          <p:cNvSpPr>
-            <a:spLocks noGrp="1"/>
-          </p:cNvSpPr>
-          <p:nvPr>
-            <p:ph type="body" idx="1"/>
-          </p:nvPr>
-        </p:nvSpPr>
-        <p:spPr/>
-        <p:txBody>
-          <a:bodyPr/>
-          <a:lstStyle/>
-          <a:p>
-            <a:endParaRPr lang="sk-SK"/>
-          </a:p>
-        </p:txBody>
-      </p:sp>
-      <p:sp>
-        <p:nvSpPr>
-          <p:cNvPr id="4" name="Zástupný symbol čísla snímky 3"/>
-          <p:cNvSpPr>
-            <a:spLocks noGrp="1"/>
-          </p:cNvSpPr>
-          <p:nvPr>
-            <p:ph type="sldNum" sz="quarter" idx="5"/>
-          </p:nvPr>
-        </p:nvSpPr>
-        <p:spPr/>
-        <p:txBody>
-          <a:bodyPr/>
-          <a:lstStyle/>
-          <a:p>
-            <a:pPr rtl="0"/>
-            <a:fld id="{BC849E9A-41F7-4779-A581-48A7C374A227}" type="slidenum">
-              <a:rPr lang="sk-SK" smtClean="0"/>
-              <a:t>11</a:t>
-            </a:fld>
-            <a:endParaRPr lang="sk-SK"/>
-          </a:p>
-        </p:txBody>
-      </p:sp>
-    </p:spTree>
-    <p:extLst>
-      <p:ext uri="{BB962C8B-B14F-4D97-AF65-F5344CB8AC3E}">
         <p14:creationId xmlns:p14="http://schemas.microsoft.com/office/powerpoint/2010/main" val="3358470597"/>
       </p:ext>
     </p:extLst>
@@ -1112,7 +1021,7 @@
     </p:spTree>
     <p:extLst>
       <p:ext uri="{BB962C8B-B14F-4D97-AF65-F5344CB8AC3E}">
-        <p14:creationId xmlns:p14="http://schemas.microsoft.com/office/powerpoint/2010/main" val="2497352965"/>
+        <p14:creationId xmlns:p14="http://schemas.microsoft.com/office/powerpoint/2010/main" val="1544607664"/>
       </p:ext>
     </p:extLst>
   </p:cSld>
@@ -1197,7 +1106,7 @@
     </p:spTree>
     <p:extLst>
       <p:ext uri="{BB962C8B-B14F-4D97-AF65-F5344CB8AC3E}">
-        <p14:creationId xmlns:p14="http://schemas.microsoft.com/office/powerpoint/2010/main" val="1544607664"/>
+        <p14:creationId xmlns:p14="http://schemas.microsoft.com/office/powerpoint/2010/main" val="2912857717"/>
       </p:ext>
     </p:extLst>
   </p:cSld>
@@ -1282,7 +1191,7 @@
     </p:spTree>
     <p:extLst>
       <p:ext uri="{BB962C8B-B14F-4D97-AF65-F5344CB8AC3E}">
-        <p14:creationId xmlns:p14="http://schemas.microsoft.com/office/powerpoint/2010/main" val="2912857717"/>
+        <p14:creationId xmlns:p14="http://schemas.microsoft.com/office/powerpoint/2010/main" val="3877642174"/>
       </p:ext>
     </p:extLst>
   </p:cSld>
@@ -1367,7 +1276,7 @@
     </p:spTree>
     <p:extLst>
       <p:ext uri="{BB962C8B-B14F-4D97-AF65-F5344CB8AC3E}">
-        <p14:creationId xmlns:p14="http://schemas.microsoft.com/office/powerpoint/2010/main" val="3877642174"/>
+        <p14:creationId xmlns:p14="http://schemas.microsoft.com/office/powerpoint/2010/main" val="4216067300"/>
       </p:ext>
     </p:extLst>
   </p:cSld>
@@ -1452,7 +1361,7 @@
     </p:spTree>
     <p:extLst>
       <p:ext uri="{BB962C8B-B14F-4D97-AF65-F5344CB8AC3E}">
-        <p14:creationId xmlns:p14="http://schemas.microsoft.com/office/powerpoint/2010/main" val="4216067300"/>
+        <p14:creationId xmlns:p14="http://schemas.microsoft.com/office/powerpoint/2010/main" val="4154464153"/>
       </p:ext>
     </p:extLst>
   </p:cSld>
@@ -5576,954 +5485,6 @@
           <a:chExt cx="0" cy="0"/>
         </a:xfrm>
       </p:grpSpPr>
-      <p:sp>
-        <p:nvSpPr>
-          <p:cNvPr id="20" name="Obdĺžnik 19">
-            <a:extLst>
-              <a:ext uri="{FF2B5EF4-FFF2-40B4-BE49-F238E27FC236}">
-                <a16:creationId xmlns:a16="http://schemas.microsoft.com/office/drawing/2014/main" id="{EBFF46E7-F9DA-1A54-EFB2-F25F480E68D9}"/>
-              </a:ext>
-            </a:extLst>
-          </p:cNvPr>
-          <p:cNvSpPr/>
-          <p:nvPr/>
-        </p:nvSpPr>
-        <p:spPr>
-          <a:xfrm>
-            <a:off x="-1" y="0"/>
-            <a:ext cx="12192001" cy="6858000"/>
-          </a:xfrm>
-          <a:prstGeom prst="rect">
-            <a:avLst/>
-          </a:prstGeom>
-          <a:gradFill flip="none" rotWithShape="1">
-            <a:gsLst>
-              <a:gs pos="74000">
-                <a:srgbClr val="272727"/>
-              </a:gs>
-              <a:gs pos="0">
-                <a:schemeClr val="tx1">
-                  <a:lumMod val="95000"/>
-                  <a:lumOff val="5000"/>
-                </a:schemeClr>
-              </a:gs>
-              <a:gs pos="100000">
-                <a:schemeClr val="tx1">
-                  <a:lumMod val="75000"/>
-                  <a:lumOff val="25000"/>
-                </a:schemeClr>
-              </a:gs>
-            </a:gsLst>
-            <a:path path="circle">
-              <a:fillToRect l="100000" b="100000"/>
-            </a:path>
-            <a:tileRect t="-100000" r="-100000"/>
-          </a:gradFill>
-          <a:ln>
-            <a:noFill/>
-          </a:ln>
-        </p:spPr>
-        <p:style>
-          <a:lnRef idx="2">
-            <a:schemeClr val="accent1">
-              <a:shade val="50000"/>
-            </a:schemeClr>
-          </a:lnRef>
-          <a:fillRef idx="1">
-            <a:schemeClr val="accent1"/>
-          </a:fillRef>
-          <a:effectRef idx="0">
-            <a:schemeClr val="accent1"/>
-          </a:effectRef>
-          <a:fontRef idx="minor">
-            <a:schemeClr val="lt1"/>
-          </a:fontRef>
-        </p:style>
-        <p:txBody>
-          <a:bodyPr rtlCol="0" anchor="ctr"/>
-          <a:lstStyle/>
-          <a:p>
-            <a:pPr algn="ctr"/>
-            <a:endParaRPr lang="sk-SK" dirty="0"/>
-          </a:p>
-        </p:txBody>
-      </p:sp>
-      <p:sp>
-        <p:nvSpPr>
-          <p:cNvPr id="13" name="Nadpis 1">
-            <a:extLst>
-              <a:ext uri="{FF2B5EF4-FFF2-40B4-BE49-F238E27FC236}">
-                <a16:creationId xmlns:a16="http://schemas.microsoft.com/office/drawing/2014/main" id="{C844EE25-6FED-2F6C-6DF0-37669AEDC5F3}"/>
-              </a:ext>
-            </a:extLst>
-          </p:cNvPr>
-          <p:cNvSpPr txBox="1">
-            <a:spLocks/>
-          </p:cNvSpPr>
-          <p:nvPr/>
-        </p:nvSpPr>
-        <p:spPr>
-          <a:xfrm>
-            <a:off x="7517276" y="1241412"/>
-            <a:ext cx="3063027" cy="506077"/>
-          </a:xfrm>
-          <a:prstGeom prst="rect">
-            <a:avLst/>
-          </a:prstGeom>
-        </p:spPr>
-        <p:txBody>
-          <a:bodyPr vert="horz" lIns="91440" tIns="45720" rIns="91440" bIns="45720" rtlCol="0" anchor="t">
-            <a:noAutofit/>
-          </a:bodyPr>
-          <a:lstStyle>
-            <a:lvl1pPr algn="ctr" defTabSz="914400" rtl="0" eaLnBrk="1" latinLnBrk="0" hangingPunct="1">
-              <a:lnSpc>
-                <a:spcPct val="90000"/>
-              </a:lnSpc>
-              <a:spcBef>
-                <a:spcPct val="0"/>
-              </a:spcBef>
-              <a:buNone/>
-              <a:defRPr sz="6000" kern="1200">
-                <a:solidFill>
-                  <a:schemeClr val="tx1"/>
-                </a:solidFill>
-                <a:latin typeface="+mj-lt"/>
-                <a:ea typeface="+mj-ea"/>
-                <a:cs typeface="+mj-cs"/>
-              </a:defRPr>
-            </a:lvl1pPr>
-          </a:lstStyle>
-          <a:p>
-            <a:pPr algn="l"/>
-            <a:r>
-              <a:rPr lang="sk-SK" sz="6600" dirty="0">
-                <a:solidFill>
-                  <a:schemeClr val="bg1"/>
-                </a:solidFill>
-                <a:latin typeface="Lucida Console" panose="020B0609040504020204" pitchFamily="49" charset="0"/>
-                <a:cs typeface="Segoe UI" panose="020B0502040204020203" pitchFamily="34" charset="0"/>
-              </a:rPr>
-              <a:t>ZÁVER</a:t>
-            </a:r>
-          </a:p>
-        </p:txBody>
-      </p:sp>
-      <p:sp>
-        <p:nvSpPr>
-          <p:cNvPr id="3" name="Obdĺžnik 2">
-            <a:extLst>
-              <a:ext uri="{FF2B5EF4-FFF2-40B4-BE49-F238E27FC236}">
-                <a16:creationId xmlns:a16="http://schemas.microsoft.com/office/drawing/2014/main" id="{9B90B492-1089-E563-F867-BD916C7A9F10}"/>
-              </a:ext>
-            </a:extLst>
-          </p:cNvPr>
-          <p:cNvSpPr/>
-          <p:nvPr/>
-        </p:nvSpPr>
-        <p:spPr>
-          <a:xfrm rot="20045164">
-            <a:off x="-2351315" y="668800"/>
-            <a:ext cx="9220123" cy="532110"/>
-          </a:xfrm>
-          <a:prstGeom prst="rect">
-            <a:avLst/>
-          </a:prstGeom>
-          <a:gradFill>
-            <a:gsLst>
-              <a:gs pos="35000">
-                <a:srgbClr val="CCFF99">
-                  <a:lumMod val="96000"/>
-                </a:srgbClr>
-              </a:gs>
-              <a:gs pos="66000">
-                <a:schemeClr val="accent1"/>
-              </a:gs>
-            </a:gsLst>
-            <a:path path="circle">
-              <a:fillToRect l="100000" b="100000"/>
-            </a:path>
-          </a:gradFill>
-          <a:ln>
-            <a:noFill/>
-          </a:ln>
-        </p:spPr>
-        <p:style>
-          <a:lnRef idx="2">
-            <a:schemeClr val="accent1">
-              <a:shade val="50000"/>
-            </a:schemeClr>
-          </a:lnRef>
-          <a:fillRef idx="1">
-            <a:schemeClr val="accent1"/>
-          </a:fillRef>
-          <a:effectRef idx="0">
-            <a:schemeClr val="accent1"/>
-          </a:effectRef>
-          <a:fontRef idx="minor">
-            <a:schemeClr val="lt1"/>
-          </a:fontRef>
-        </p:style>
-        <p:txBody>
-          <a:bodyPr rtlCol="0" anchor="ctr"/>
-          <a:lstStyle/>
-          <a:p>
-            <a:pPr algn="ctr"/>
-            <a:endParaRPr lang="sk-SK"/>
-          </a:p>
-        </p:txBody>
-      </p:sp>
-      <p:sp>
-        <p:nvSpPr>
-          <p:cNvPr id="7" name="Obdĺžnik 6">
-            <a:extLst>
-              <a:ext uri="{FF2B5EF4-FFF2-40B4-BE49-F238E27FC236}">
-                <a16:creationId xmlns:a16="http://schemas.microsoft.com/office/drawing/2014/main" id="{04108261-A180-95CC-9CA0-0F17EF977A21}"/>
-              </a:ext>
-            </a:extLst>
-          </p:cNvPr>
-          <p:cNvSpPr/>
-          <p:nvPr/>
-        </p:nvSpPr>
-        <p:spPr>
-          <a:xfrm rot="20045164">
-            <a:off x="-3054779" y="176404"/>
-            <a:ext cx="9221473" cy="194591"/>
-          </a:xfrm>
-          <a:prstGeom prst="rect">
-            <a:avLst/>
-          </a:prstGeom>
-          <a:gradFill>
-            <a:gsLst>
-              <a:gs pos="35000">
-                <a:srgbClr val="CCFF99">
-                  <a:lumMod val="96000"/>
-                </a:srgbClr>
-              </a:gs>
-              <a:gs pos="66000">
-                <a:schemeClr val="accent1"/>
-              </a:gs>
-            </a:gsLst>
-            <a:path path="circle">
-              <a:fillToRect l="100000" b="100000"/>
-            </a:path>
-          </a:gradFill>
-          <a:ln>
-            <a:noFill/>
-          </a:ln>
-        </p:spPr>
-        <p:style>
-          <a:lnRef idx="2">
-            <a:schemeClr val="accent1">
-              <a:shade val="50000"/>
-            </a:schemeClr>
-          </a:lnRef>
-          <a:fillRef idx="1">
-            <a:schemeClr val="accent1"/>
-          </a:fillRef>
-          <a:effectRef idx="0">
-            <a:schemeClr val="accent1"/>
-          </a:effectRef>
-          <a:fontRef idx="minor">
-            <a:schemeClr val="lt1"/>
-          </a:fontRef>
-        </p:style>
-        <p:txBody>
-          <a:bodyPr rtlCol="0" anchor="ctr"/>
-          <a:lstStyle/>
-          <a:p>
-            <a:pPr algn="ctr"/>
-            <a:endParaRPr lang="sk-SK"/>
-          </a:p>
-        </p:txBody>
-      </p:sp>
-      <p:sp>
-        <p:nvSpPr>
-          <p:cNvPr id="9" name="Obdĺžnik 8">
-            <a:extLst>
-              <a:ext uri="{FF2B5EF4-FFF2-40B4-BE49-F238E27FC236}">
-                <a16:creationId xmlns:a16="http://schemas.microsoft.com/office/drawing/2014/main" id="{51B5EBE5-6FBC-D21C-DA17-41CF76159813}"/>
-              </a:ext>
-            </a:extLst>
-          </p:cNvPr>
-          <p:cNvSpPr/>
-          <p:nvPr/>
-        </p:nvSpPr>
-        <p:spPr>
-          <a:xfrm rot="20045164">
-            <a:off x="-3926114" y="-324112"/>
-            <a:ext cx="9220123" cy="532110"/>
-          </a:xfrm>
-          <a:prstGeom prst="rect">
-            <a:avLst/>
-          </a:prstGeom>
-          <a:gradFill>
-            <a:gsLst>
-              <a:gs pos="35000">
-                <a:srgbClr val="CCFF99">
-                  <a:lumMod val="96000"/>
-                </a:srgbClr>
-              </a:gs>
-              <a:gs pos="66000">
-                <a:schemeClr val="accent1"/>
-              </a:gs>
-            </a:gsLst>
-            <a:path path="circle">
-              <a:fillToRect l="100000" b="100000"/>
-            </a:path>
-          </a:gradFill>
-          <a:ln>
-            <a:noFill/>
-          </a:ln>
-        </p:spPr>
-        <p:style>
-          <a:lnRef idx="2">
-            <a:schemeClr val="accent1">
-              <a:shade val="50000"/>
-            </a:schemeClr>
-          </a:lnRef>
-          <a:fillRef idx="1">
-            <a:schemeClr val="accent1"/>
-          </a:fillRef>
-          <a:effectRef idx="0">
-            <a:schemeClr val="accent1"/>
-          </a:effectRef>
-          <a:fontRef idx="minor">
-            <a:schemeClr val="lt1"/>
-          </a:fontRef>
-        </p:style>
-        <p:txBody>
-          <a:bodyPr rtlCol="0" anchor="ctr"/>
-          <a:lstStyle/>
-          <a:p>
-            <a:pPr algn="ctr"/>
-            <a:endParaRPr lang="sk-SK"/>
-          </a:p>
-        </p:txBody>
-      </p:sp>
-      <p:sp>
-        <p:nvSpPr>
-          <p:cNvPr id="11" name="Nadpis 1">
-            <a:extLst>
-              <a:ext uri="{FF2B5EF4-FFF2-40B4-BE49-F238E27FC236}">
-                <a16:creationId xmlns:a16="http://schemas.microsoft.com/office/drawing/2014/main" id="{0D416FD4-5952-4C85-47BE-67B5FFB3650C}"/>
-              </a:ext>
-            </a:extLst>
-          </p:cNvPr>
-          <p:cNvSpPr txBox="1">
-            <a:spLocks/>
-          </p:cNvSpPr>
-          <p:nvPr/>
-        </p:nvSpPr>
-        <p:spPr>
-          <a:xfrm>
-            <a:off x="683947" y="3106196"/>
-            <a:ext cx="9570397" cy="2799219"/>
-          </a:xfrm>
-          <a:prstGeom prst="rect">
-            <a:avLst/>
-          </a:prstGeom>
-        </p:spPr>
-        <p:txBody>
-          <a:bodyPr vert="horz" lIns="91440" tIns="45720" rIns="91440" bIns="45720" rtlCol="0" anchor="t">
-            <a:noAutofit/>
-          </a:bodyPr>
-          <a:lstStyle>
-            <a:lvl1pPr algn="ctr" defTabSz="914400" rtl="0" eaLnBrk="1" latinLnBrk="0" hangingPunct="1">
-              <a:lnSpc>
-                <a:spcPct val="90000"/>
-              </a:lnSpc>
-              <a:spcBef>
-                <a:spcPct val="0"/>
-              </a:spcBef>
-              <a:buNone/>
-              <a:defRPr sz="6000" kern="1200">
-                <a:solidFill>
-                  <a:schemeClr val="tx1"/>
-                </a:solidFill>
-                <a:latin typeface="+mj-lt"/>
-                <a:ea typeface="+mj-ea"/>
-                <a:cs typeface="+mj-cs"/>
-              </a:defRPr>
-            </a:lvl1pPr>
-          </a:lstStyle>
-          <a:p>
-            <a:pPr algn="l">
-              <a:lnSpc>
-                <a:spcPct val="150000"/>
-              </a:lnSpc>
-              <a:spcAft>
-                <a:spcPts val="800"/>
-              </a:spcAft>
-            </a:pPr>
-            <a:r>
-              <a:rPr lang="sk-SK" sz="1800" dirty="0">
-                <a:solidFill>
-                  <a:schemeClr val="bg1"/>
-                </a:solidFill>
-                <a:effectLst/>
-                <a:latin typeface="Lucida Console" panose="020B0609040504020204" pitchFamily="49" charset="0"/>
-                <a:ea typeface="Calibri" panose="020F0502020204030204" pitchFamily="34" charset="0"/>
-                <a:cs typeface="Times New Roman" panose="02020603050405020304" pitchFamily="18" charset="0"/>
-              </a:rPr>
-              <a:t>-naše pocity, dojmy a pripomienky po dokončení práce</a:t>
-            </a:r>
-          </a:p>
-          <a:p>
-            <a:pPr algn="l">
-              <a:lnSpc>
-                <a:spcPct val="150000"/>
-              </a:lnSpc>
-              <a:spcAft>
-                <a:spcPts val="800"/>
-              </a:spcAft>
-            </a:pPr>
-            <a:r>
-              <a:rPr lang="sk-SK" sz="1800" dirty="0">
-                <a:solidFill>
-                  <a:schemeClr val="bg1"/>
-                </a:solidFill>
-                <a:effectLst/>
-                <a:latin typeface="Lucida Console" panose="020B0609040504020204" pitchFamily="49" charset="0"/>
-                <a:ea typeface="Calibri" panose="020F0502020204030204" pitchFamily="34" charset="0"/>
-                <a:cs typeface="Times New Roman" panose="02020603050405020304" pitchFamily="18" charset="0"/>
-              </a:rPr>
-              <a:t>-kontrola splnenia cieľov a odôvodnenie</a:t>
-            </a:r>
-          </a:p>
-          <a:p>
-            <a:pPr algn="l">
-              <a:lnSpc>
-                <a:spcPct val="150000"/>
-              </a:lnSpc>
-              <a:spcAft>
-                <a:spcPts val="800"/>
-              </a:spcAft>
-            </a:pPr>
-            <a:r>
-              <a:rPr lang="sk-SK" sz="1800" dirty="0">
-                <a:solidFill>
-                  <a:schemeClr val="bg1"/>
-                </a:solidFill>
-                <a:effectLst/>
-                <a:latin typeface="Lucida Console" panose="020B0609040504020204" pitchFamily="49" charset="0"/>
-                <a:ea typeface="Calibri" panose="020F0502020204030204" pitchFamily="34" charset="0"/>
-                <a:cs typeface="Times New Roman" panose="02020603050405020304" pitchFamily="18" charset="0"/>
-              </a:rPr>
-              <a:t>-odporúčanie pre ďalšie využitie našej práce učiteľmi</a:t>
-            </a:r>
-          </a:p>
-          <a:p>
-            <a:pPr algn="l">
-              <a:lnSpc>
-                <a:spcPct val="150000"/>
-              </a:lnSpc>
-              <a:spcAft>
-                <a:spcPts val="800"/>
-              </a:spcAft>
-            </a:pPr>
-            <a:r>
-              <a:rPr lang="sk-SK" sz="1800" dirty="0">
-                <a:solidFill>
-                  <a:schemeClr val="bg1"/>
-                </a:solidFill>
-                <a:effectLst/>
-                <a:latin typeface="Lucida Console" panose="020B0609040504020204" pitchFamily="49" charset="0"/>
-                <a:ea typeface="Calibri" panose="020F0502020204030204" pitchFamily="34" charset="0"/>
-                <a:cs typeface="Times New Roman" panose="02020603050405020304" pitchFamily="18" charset="0"/>
-              </a:rPr>
-              <a:t>-prínos našich listov a takejto formy vzdelávania pre žiakov</a:t>
-            </a:r>
-          </a:p>
-          <a:p>
-            <a:pPr algn="l">
-              <a:lnSpc>
-                <a:spcPct val="150000"/>
-              </a:lnSpc>
-              <a:spcAft>
-                <a:spcPts val="800"/>
-              </a:spcAft>
-            </a:pPr>
-            <a:r>
-              <a:rPr lang="sk-SK" sz="1800" dirty="0">
-                <a:solidFill>
-                  <a:schemeClr val="bg1"/>
-                </a:solidFill>
-                <a:effectLst/>
-                <a:latin typeface="Lucida Console" panose="020B0609040504020204" pitchFamily="49" charset="0"/>
-                <a:ea typeface="Calibri" panose="020F0502020204030204" pitchFamily="34" charset="0"/>
-                <a:cs typeface="Times New Roman" panose="02020603050405020304" pitchFamily="18" charset="0"/>
-              </a:rPr>
-              <a:t>-inšpirácia pre ostatných a podporenie v rozvíjaní takýchto prác</a:t>
-            </a:r>
-          </a:p>
-        </p:txBody>
-      </p:sp>
-      <p:sp>
-        <p:nvSpPr>
-          <p:cNvPr id="12" name="Obdĺžnik 11">
-            <a:extLst>
-              <a:ext uri="{FF2B5EF4-FFF2-40B4-BE49-F238E27FC236}">
-                <a16:creationId xmlns:a16="http://schemas.microsoft.com/office/drawing/2014/main" id="{5055D996-73F5-49DC-01A8-97E9E2A0C496}"/>
-              </a:ext>
-            </a:extLst>
-          </p:cNvPr>
-          <p:cNvSpPr/>
-          <p:nvPr/>
-        </p:nvSpPr>
-        <p:spPr>
-          <a:xfrm rot="18501081">
-            <a:off x="7202792" y="6401210"/>
-            <a:ext cx="9220123" cy="532110"/>
-          </a:xfrm>
-          <a:prstGeom prst="rect">
-            <a:avLst/>
-          </a:prstGeom>
-          <a:gradFill>
-            <a:gsLst>
-              <a:gs pos="35000">
-                <a:srgbClr val="CCFF99">
-                  <a:lumMod val="96000"/>
-                </a:srgbClr>
-              </a:gs>
-              <a:gs pos="66000">
-                <a:schemeClr val="accent1"/>
-              </a:gs>
-            </a:gsLst>
-            <a:path path="circle">
-              <a:fillToRect l="100000" b="100000"/>
-            </a:path>
-          </a:gradFill>
-          <a:ln>
-            <a:noFill/>
-          </a:ln>
-        </p:spPr>
-        <p:style>
-          <a:lnRef idx="2">
-            <a:schemeClr val="accent1">
-              <a:shade val="50000"/>
-            </a:schemeClr>
-          </a:lnRef>
-          <a:fillRef idx="1">
-            <a:schemeClr val="accent1"/>
-          </a:fillRef>
-          <a:effectRef idx="0">
-            <a:schemeClr val="accent1"/>
-          </a:effectRef>
-          <a:fontRef idx="minor">
-            <a:schemeClr val="lt1"/>
-          </a:fontRef>
-        </p:style>
-        <p:txBody>
-          <a:bodyPr rtlCol="0" anchor="ctr"/>
-          <a:lstStyle/>
-          <a:p>
-            <a:pPr algn="ctr"/>
-            <a:endParaRPr lang="sk-SK"/>
-          </a:p>
-        </p:txBody>
-      </p:sp>
-      <p:sp>
-        <p:nvSpPr>
-          <p:cNvPr id="15" name="Obdĺžnik 14">
-            <a:extLst>
-              <a:ext uri="{FF2B5EF4-FFF2-40B4-BE49-F238E27FC236}">
-                <a16:creationId xmlns:a16="http://schemas.microsoft.com/office/drawing/2014/main" id="{F6F91D1D-3237-8E09-7C15-D3C61189B1A0}"/>
-              </a:ext>
-            </a:extLst>
-          </p:cNvPr>
-          <p:cNvSpPr/>
-          <p:nvPr/>
-        </p:nvSpPr>
-        <p:spPr>
-          <a:xfrm rot="18501081">
-            <a:off x="6707938" y="5722176"/>
-            <a:ext cx="9221473" cy="194591"/>
-          </a:xfrm>
-          <a:prstGeom prst="rect">
-            <a:avLst/>
-          </a:prstGeom>
-          <a:gradFill>
-            <a:gsLst>
-              <a:gs pos="35000">
-                <a:srgbClr val="CCFF99">
-                  <a:lumMod val="96000"/>
-                </a:srgbClr>
-              </a:gs>
-              <a:gs pos="66000">
-                <a:schemeClr val="accent1"/>
-              </a:gs>
-            </a:gsLst>
-            <a:path path="circle">
-              <a:fillToRect l="100000" b="100000"/>
-            </a:path>
-          </a:gradFill>
-          <a:ln>
-            <a:noFill/>
-          </a:ln>
-        </p:spPr>
-        <p:style>
-          <a:lnRef idx="2">
-            <a:schemeClr val="accent1">
-              <a:shade val="50000"/>
-            </a:schemeClr>
-          </a:lnRef>
-          <a:fillRef idx="1">
-            <a:schemeClr val="accent1"/>
-          </a:fillRef>
-          <a:effectRef idx="0">
-            <a:schemeClr val="accent1"/>
-          </a:effectRef>
-          <a:fontRef idx="minor">
-            <a:schemeClr val="lt1"/>
-          </a:fontRef>
-        </p:style>
-        <p:txBody>
-          <a:bodyPr rtlCol="0" anchor="ctr"/>
-          <a:lstStyle/>
-          <a:p>
-            <a:pPr algn="ctr"/>
-            <a:endParaRPr lang="sk-SK"/>
-          </a:p>
-        </p:txBody>
-      </p:sp>
-      <p:sp>
-        <p:nvSpPr>
-          <p:cNvPr id="17" name="Obdĺžnik 16">
-            <a:extLst>
-              <a:ext uri="{FF2B5EF4-FFF2-40B4-BE49-F238E27FC236}">
-                <a16:creationId xmlns:a16="http://schemas.microsoft.com/office/drawing/2014/main" id="{024A4C29-8C71-65B4-DE0A-53664A65CBB3}"/>
-              </a:ext>
-            </a:extLst>
-          </p:cNvPr>
-          <p:cNvSpPr/>
-          <p:nvPr/>
-        </p:nvSpPr>
-        <p:spPr>
-          <a:xfrm rot="18501081">
-            <a:off x="6649400" y="4466918"/>
-            <a:ext cx="9220123" cy="532110"/>
-          </a:xfrm>
-          <a:prstGeom prst="rect">
-            <a:avLst/>
-          </a:prstGeom>
-          <a:gradFill>
-            <a:gsLst>
-              <a:gs pos="35000">
-                <a:srgbClr val="CCFF99">
-                  <a:lumMod val="96000"/>
-                </a:srgbClr>
-              </a:gs>
-              <a:gs pos="66000">
-                <a:schemeClr val="accent1"/>
-              </a:gs>
-            </a:gsLst>
-            <a:path path="circle">
-              <a:fillToRect l="100000" b="100000"/>
-            </a:path>
-          </a:gradFill>
-          <a:ln>
-            <a:noFill/>
-          </a:ln>
-        </p:spPr>
-        <p:style>
-          <a:lnRef idx="2">
-            <a:schemeClr val="accent1">
-              <a:shade val="50000"/>
-            </a:schemeClr>
-          </a:lnRef>
-          <a:fillRef idx="1">
-            <a:schemeClr val="accent1"/>
-          </a:fillRef>
-          <a:effectRef idx="0">
-            <a:schemeClr val="accent1"/>
-          </a:effectRef>
-          <a:fontRef idx="minor">
-            <a:schemeClr val="lt1"/>
-          </a:fontRef>
-        </p:style>
-        <p:txBody>
-          <a:bodyPr rtlCol="0" anchor="ctr"/>
-          <a:lstStyle/>
-          <a:p>
-            <a:pPr algn="ctr"/>
-            <a:endParaRPr lang="sk-SK"/>
-          </a:p>
-        </p:txBody>
-      </p:sp>
-      <p:pic>
-        <p:nvPicPr>
-          <p:cNvPr id="18" name="Graphic 7">
-            <a:extLst>
-              <a:ext uri="{FF2B5EF4-FFF2-40B4-BE49-F238E27FC236}">
-                <a16:creationId xmlns:a16="http://schemas.microsoft.com/office/drawing/2014/main" id="{583881E4-80D4-4F32-E741-876E0AFDE959}"/>
-              </a:ext>
-            </a:extLst>
-          </p:cNvPr>
-          <p:cNvPicPr>
-            <a:picLocks noChangeAspect="1"/>
-          </p:cNvPicPr>
-          <p:nvPr/>
-        </p:nvPicPr>
-        <p:blipFill>
-          <a:blip r:embed="rId3" cstate="email">
-            <a:extLst>
-              <a:ext uri="{28A0092B-C50C-407E-A947-70E740481C1C}">
-                <a14:useLocalDpi xmlns:a14="http://schemas.microsoft.com/office/drawing/2010/main"/>
-              </a:ext>
-              <a:ext uri="{96DAC541-7B7A-43D3-8B79-37D633B846F1}">
-                <asvg:svgBlip xmlns:asvg="http://schemas.microsoft.com/office/drawing/2016/SVG/main" r:embed="rId4"/>
-              </a:ext>
-            </a:extLst>
-          </a:blip>
-          <a:stretch>
-            <a:fillRect/>
-          </a:stretch>
-        </p:blipFill>
-        <p:spPr>
-          <a:xfrm flipV="1">
-            <a:off x="706971" y="2282347"/>
-            <a:ext cx="10309374" cy="375775"/>
-          </a:xfrm>
-          <a:prstGeom prst="rect">
-            <a:avLst/>
-          </a:prstGeom>
-        </p:spPr>
-      </p:pic>
-      <p:sp>
-        <p:nvSpPr>
-          <p:cNvPr id="2" name="!!kruh">
-            <a:extLst>
-              <a:ext uri="{FF2B5EF4-FFF2-40B4-BE49-F238E27FC236}">
-                <a16:creationId xmlns:a16="http://schemas.microsoft.com/office/drawing/2014/main" id="{03D922F6-7B39-AB8E-3EA6-B271586C970A}"/>
-              </a:ext>
-            </a:extLst>
-          </p:cNvPr>
-          <p:cNvSpPr/>
-          <p:nvPr/>
-        </p:nvSpPr>
-        <p:spPr>
-          <a:xfrm>
-            <a:off x="7793269" y="-4375804"/>
-            <a:ext cx="3807735" cy="3780463"/>
-          </a:xfrm>
-          <a:prstGeom prst="ellipse">
-            <a:avLst/>
-          </a:prstGeom>
-          <a:gradFill>
-            <a:gsLst>
-              <a:gs pos="35000">
-                <a:srgbClr val="CCFF99"/>
-              </a:gs>
-              <a:gs pos="66000">
-                <a:schemeClr val="accent1"/>
-              </a:gs>
-            </a:gsLst>
-            <a:path path="circle">
-              <a:fillToRect r="100000" b="100000"/>
-            </a:path>
-          </a:gradFill>
-          <a:ln w="177800">
-            <a:solidFill>
-              <a:srgbClr val="313944"/>
-            </a:solidFill>
-          </a:ln>
-        </p:spPr>
-        <p:style>
-          <a:lnRef idx="2">
-            <a:schemeClr val="accent1">
-              <a:shade val="50000"/>
-            </a:schemeClr>
-          </a:lnRef>
-          <a:fillRef idx="1">
-            <a:schemeClr val="accent1"/>
-          </a:fillRef>
-          <a:effectRef idx="0">
-            <a:schemeClr val="accent1"/>
-          </a:effectRef>
-          <a:fontRef idx="minor">
-            <a:schemeClr val="lt1"/>
-          </a:fontRef>
-        </p:style>
-        <p:txBody>
-          <a:bodyPr rtlCol="0" anchor="ctr"/>
-          <a:lstStyle/>
-          <a:p>
-            <a:pPr algn="ctr"/>
-            <a:endParaRPr lang="sk-SK"/>
-          </a:p>
-        </p:txBody>
-      </p:sp>
-      <p:sp>
-        <p:nvSpPr>
-          <p:cNvPr id="4" name="!!kruh">
-            <a:extLst>
-              <a:ext uri="{FF2B5EF4-FFF2-40B4-BE49-F238E27FC236}">
-                <a16:creationId xmlns:a16="http://schemas.microsoft.com/office/drawing/2014/main" id="{A5A0614D-2D3D-E002-BD75-F1F52EE2D8D1}"/>
-              </a:ext>
-            </a:extLst>
-          </p:cNvPr>
-          <p:cNvSpPr/>
-          <p:nvPr/>
-        </p:nvSpPr>
-        <p:spPr>
-          <a:xfrm>
-            <a:off x="-4222742" y="-2499633"/>
-            <a:ext cx="3807735" cy="3780463"/>
-          </a:xfrm>
-          <a:prstGeom prst="ellipse">
-            <a:avLst/>
-          </a:prstGeom>
-          <a:gradFill>
-            <a:gsLst>
-              <a:gs pos="35000">
-                <a:srgbClr val="CCFF99"/>
-              </a:gs>
-              <a:gs pos="66000">
-                <a:schemeClr val="accent1"/>
-              </a:gs>
-            </a:gsLst>
-            <a:path path="circle">
-              <a:fillToRect r="100000" b="100000"/>
-            </a:path>
-          </a:gradFill>
-          <a:ln w="177800">
-            <a:solidFill>
-              <a:srgbClr val="313944"/>
-            </a:solidFill>
-          </a:ln>
-        </p:spPr>
-        <p:style>
-          <a:lnRef idx="2">
-            <a:schemeClr val="accent1">
-              <a:shade val="50000"/>
-            </a:schemeClr>
-          </a:lnRef>
-          <a:fillRef idx="1">
-            <a:schemeClr val="accent1"/>
-          </a:fillRef>
-          <a:effectRef idx="0">
-            <a:schemeClr val="accent1"/>
-          </a:effectRef>
-          <a:fontRef idx="minor">
-            <a:schemeClr val="lt1"/>
-          </a:fontRef>
-        </p:style>
-        <p:txBody>
-          <a:bodyPr rtlCol="0" anchor="ctr"/>
-          <a:lstStyle/>
-          <a:p>
-            <a:pPr algn="ctr"/>
-            <a:endParaRPr lang="sk-SK"/>
-          </a:p>
-        </p:txBody>
-      </p:sp>
-      <p:sp>
-        <p:nvSpPr>
-          <p:cNvPr id="5" name="!!kruh">
-            <a:extLst>
-              <a:ext uri="{FF2B5EF4-FFF2-40B4-BE49-F238E27FC236}">
-                <a16:creationId xmlns:a16="http://schemas.microsoft.com/office/drawing/2014/main" id="{C052EA57-C2C7-3E5D-1384-85DD5C9C9E32}"/>
-              </a:ext>
-            </a:extLst>
-          </p:cNvPr>
-          <p:cNvSpPr/>
-          <p:nvPr/>
-        </p:nvSpPr>
-        <p:spPr>
-          <a:xfrm>
-            <a:off x="-8591550" y="1609737"/>
-            <a:ext cx="8038157" cy="7980586"/>
-          </a:xfrm>
-          <a:prstGeom prst="ellipse">
-            <a:avLst/>
-          </a:prstGeom>
-          <a:gradFill>
-            <a:gsLst>
-              <a:gs pos="35000">
-                <a:srgbClr val="CCFF99"/>
-              </a:gs>
-              <a:gs pos="66000">
-                <a:schemeClr val="accent1"/>
-              </a:gs>
-            </a:gsLst>
-            <a:path path="circle">
-              <a:fillToRect r="100000" b="100000"/>
-            </a:path>
-          </a:gradFill>
-          <a:ln w="177800">
-            <a:solidFill>
-              <a:srgbClr val="313944"/>
-            </a:solidFill>
-          </a:ln>
-        </p:spPr>
-        <p:style>
-          <a:lnRef idx="2">
-            <a:schemeClr val="accent1">
-              <a:shade val="50000"/>
-            </a:schemeClr>
-          </a:lnRef>
-          <a:fillRef idx="1">
-            <a:schemeClr val="accent1"/>
-          </a:fillRef>
-          <a:effectRef idx="0">
-            <a:schemeClr val="accent1"/>
-          </a:effectRef>
-          <a:fontRef idx="minor">
-            <a:schemeClr val="lt1"/>
-          </a:fontRef>
-        </p:style>
-        <p:txBody>
-          <a:bodyPr rtlCol="0" anchor="ctr"/>
-          <a:lstStyle/>
-          <a:p>
-            <a:pPr algn="ctr"/>
-            <a:endParaRPr lang="sk-SK"/>
-          </a:p>
-        </p:txBody>
-      </p:sp>
-    </p:spTree>
-    <p:extLst>
-      <p:ext uri="{BB962C8B-B14F-4D97-AF65-F5344CB8AC3E}">
-        <p14:creationId xmlns:p14="http://schemas.microsoft.com/office/powerpoint/2010/main" val="1718227956"/>
-      </p:ext>
-    </p:extLst>
-  </p:cSld>
-  <p:clrMapOvr>
-    <a:masterClrMapping/>
-  </p:clrMapOvr>
-  <mc:AlternateContent xmlns:mc="http://schemas.openxmlformats.org/markup-compatibility/2006" xmlns:p159="http://schemas.microsoft.com/office/powerpoint/2015/09/main">
-    <mc:Choice Requires="p159">
-      <p:transition xmlns:p14="http://schemas.microsoft.com/office/powerpoint/2010/main" spd="slow" p14:dur="2000">
-        <p159:morph option="byObject"/>
-      </p:transition>
-    </mc:Choice>
-    <mc:Fallback xmlns="">
-      <p:transition spd="slow">
-        <p:fade/>
-      </p:transition>
-    </mc:Fallback>
-  </mc:AlternateContent>
-</p:sld>
-</file>
-
-<file path=ppt/slides/slide11.xml><?xml version="1.0" encoding="utf-8"?>
-<p:sld xmlns:a="http://schemas.openxmlformats.org/drawingml/2006/main" xmlns:r="http://schemas.openxmlformats.org/officeDocument/2006/relationships" xmlns:p="http://schemas.openxmlformats.org/presentationml/2006/main">
-  <p:cSld>
-    <p:spTree>
-      <p:nvGrpSpPr>
-        <p:cNvPr id="1" name=""/>
-        <p:cNvGrpSpPr/>
-        <p:nvPr/>
-      </p:nvGrpSpPr>
-      <p:grpSpPr>
-        <a:xfrm>
-          <a:off x="0" y="0"/>
-          <a:ext cx="0" cy="0"/>
-          <a:chOff x="0" y="0"/>
-          <a:chExt cx="0" cy="0"/>
-        </a:xfrm>
-      </p:grpSpPr>
       <mc:AlternateContent xmlns:mc="http://schemas.openxmlformats.org/markup-compatibility/2006">
         <mc:Choice xmlns:am3d="http://schemas.microsoft.com/office/drawing/2017/model3d" Requires="am3d">
           <p:graphicFrame>
@@ -8971,34 +7932,225 @@
       </p:pic>
       <p:sp>
         <p:nvSpPr>
-          <p:cNvPr id="14" name="BlokTextu 13">
-            <a:extLst>
-              <a:ext uri="{FF2B5EF4-FFF2-40B4-BE49-F238E27FC236}">
-                <a16:creationId xmlns:a16="http://schemas.microsoft.com/office/drawing/2014/main" id="{B8DD3BFD-57F5-6E9A-4F2C-51CD8D5D7324}"/>
-              </a:ext>
-            </a:extLst>
-          </p:cNvPr>
-          <p:cNvSpPr txBox="1"/>
+          <p:cNvPr id="4" name="BlokTextu 3">
+            <a:extLst>
+              <a:ext uri="{FF2B5EF4-FFF2-40B4-BE49-F238E27FC236}">
+                <a16:creationId xmlns:a16="http://schemas.microsoft.com/office/drawing/2014/main" id="{D24FEDF2-F407-BC42-4DCD-DC15878F6C3E}"/>
+              </a:ext>
+            </a:extLst>
+          </p:cNvPr>
+          <p:cNvSpPr txBox="1">
+            <a:spLocks noChangeArrowheads="1"/>
+          </p:cNvSpPr>
           <p:nvPr/>
         </p:nvSpPr>
-        <p:spPr>
+        <p:spPr bwMode="auto">
           <a:xfrm>
-            <a:off x="672274" y="3969150"/>
-            <a:ext cx="2443210" cy="892552"/>
+            <a:off x="1053121" y="3955102"/>
+            <a:ext cx="2444750" cy="892175"/>
           </a:xfrm>
           <a:prstGeom prst="rect">
             <a:avLst/>
           </a:prstGeom>
           <a:noFill/>
-        </p:spPr>
-        <p:txBody>
-          <a:bodyPr wrap="square" rtlCol="0">
+          <a:ln>
+            <a:noFill/>
+          </a:ln>
+          <a:extLst>
+            <a:ext uri="{909E8E84-426E-40DD-AFC4-6F175D3DCCD1}">
+              <a14:hiddenFill xmlns:a14="http://schemas.microsoft.com/office/drawing/2010/main">
+                <a:solidFill>
+                  <a:srgbClr val="FFFFFF"/>
+                </a:solidFill>
+              </a14:hiddenFill>
+            </a:ext>
+            <a:ext uri="{91240B29-F687-4F45-9708-019B960494DF}">
+              <a14:hiddenLine xmlns:a14="http://schemas.microsoft.com/office/drawing/2010/main" w="9525">
+                <a:solidFill>
+                  <a:srgbClr val="000000"/>
+                </a:solidFill>
+                <a:miter lim="800000"/>
+                <a:headEnd/>
+                <a:tailEnd/>
+              </a14:hiddenLine>
+            </a:ext>
+          </a:extLst>
+        </p:spPr>
+        <p:txBody>
+          <a:bodyPr>
             <a:spAutoFit/>
           </a:bodyPr>
-          <a:lstStyle/>
-          <a:p>
-            <a:r>
-              <a:rPr lang="sk-SK" sz="3200" dirty="0">
+          <a:lstStyle>
+            <a:lvl1pPr>
+              <a:lnSpc>
+                <a:spcPct val="90000"/>
+              </a:lnSpc>
+              <a:spcBef>
+                <a:spcPts val="1000"/>
+              </a:spcBef>
+              <a:buFont typeface="Arial" panose="020B0604020202020204" pitchFamily="34" charset="0"/>
+              <a:buChar char="•"/>
+              <a:defRPr sz="2800">
+                <a:solidFill>
+                  <a:schemeClr val="tx1"/>
+                </a:solidFill>
+                <a:latin typeface="Calibri" panose="020F0502020204030204" pitchFamily="34" charset="0"/>
+              </a:defRPr>
+            </a:lvl1pPr>
+            <a:lvl2pPr marL="742950" indent="-285750">
+              <a:lnSpc>
+                <a:spcPct val="90000"/>
+              </a:lnSpc>
+              <a:spcBef>
+                <a:spcPts val="500"/>
+              </a:spcBef>
+              <a:buFont typeface="Arial" panose="020B0604020202020204" pitchFamily="34" charset="0"/>
+              <a:buChar char="•"/>
+              <a:defRPr sz="2400">
+                <a:solidFill>
+                  <a:schemeClr val="tx1"/>
+                </a:solidFill>
+                <a:latin typeface="Calibri" panose="020F0502020204030204" pitchFamily="34" charset="0"/>
+              </a:defRPr>
+            </a:lvl2pPr>
+            <a:lvl3pPr marL="1143000" indent="-228600">
+              <a:lnSpc>
+                <a:spcPct val="90000"/>
+              </a:lnSpc>
+              <a:spcBef>
+                <a:spcPts val="500"/>
+              </a:spcBef>
+              <a:buFont typeface="Arial" panose="020B0604020202020204" pitchFamily="34" charset="0"/>
+              <a:buChar char="•"/>
+              <a:defRPr sz="2000">
+                <a:solidFill>
+                  <a:schemeClr val="tx1"/>
+                </a:solidFill>
+                <a:latin typeface="Calibri" panose="020F0502020204030204" pitchFamily="34" charset="0"/>
+              </a:defRPr>
+            </a:lvl3pPr>
+            <a:lvl4pPr marL="1600200" indent="-228600">
+              <a:lnSpc>
+                <a:spcPct val="90000"/>
+              </a:lnSpc>
+              <a:spcBef>
+                <a:spcPts val="500"/>
+              </a:spcBef>
+              <a:buFont typeface="Arial" panose="020B0604020202020204" pitchFamily="34" charset="0"/>
+              <a:buChar char="•"/>
+              <a:defRPr>
+                <a:solidFill>
+                  <a:schemeClr val="tx1"/>
+                </a:solidFill>
+                <a:latin typeface="Calibri" panose="020F0502020204030204" pitchFamily="34" charset="0"/>
+              </a:defRPr>
+            </a:lvl4pPr>
+            <a:lvl5pPr marL="2057400" indent="-228600">
+              <a:lnSpc>
+                <a:spcPct val="90000"/>
+              </a:lnSpc>
+              <a:spcBef>
+                <a:spcPts val="500"/>
+              </a:spcBef>
+              <a:buFont typeface="Arial" panose="020B0604020202020204" pitchFamily="34" charset="0"/>
+              <a:buChar char="•"/>
+              <a:defRPr>
+                <a:solidFill>
+                  <a:schemeClr val="tx1"/>
+                </a:solidFill>
+                <a:latin typeface="Calibri" panose="020F0502020204030204" pitchFamily="34" charset="0"/>
+              </a:defRPr>
+            </a:lvl5pPr>
+            <a:lvl6pPr marL="2514600" indent="-228600" eaLnBrk="0" fontAlgn="base" hangingPunct="0">
+              <a:lnSpc>
+                <a:spcPct val="90000"/>
+              </a:lnSpc>
+              <a:spcBef>
+                <a:spcPts val="500"/>
+              </a:spcBef>
+              <a:spcAft>
+                <a:spcPct val="0"/>
+              </a:spcAft>
+              <a:buFont typeface="Arial" panose="020B0604020202020204" pitchFamily="34" charset="0"/>
+              <a:buChar char="•"/>
+              <a:defRPr>
+                <a:solidFill>
+                  <a:schemeClr val="tx1"/>
+                </a:solidFill>
+                <a:latin typeface="Calibri" panose="020F0502020204030204" pitchFamily="34" charset="0"/>
+              </a:defRPr>
+            </a:lvl6pPr>
+            <a:lvl7pPr marL="2971800" indent="-228600" eaLnBrk="0" fontAlgn="base" hangingPunct="0">
+              <a:lnSpc>
+                <a:spcPct val="90000"/>
+              </a:lnSpc>
+              <a:spcBef>
+                <a:spcPts val="500"/>
+              </a:spcBef>
+              <a:spcAft>
+                <a:spcPct val="0"/>
+              </a:spcAft>
+              <a:buFont typeface="Arial" panose="020B0604020202020204" pitchFamily="34" charset="0"/>
+              <a:buChar char="•"/>
+              <a:defRPr>
+                <a:solidFill>
+                  <a:schemeClr val="tx1"/>
+                </a:solidFill>
+                <a:latin typeface="Calibri" panose="020F0502020204030204" pitchFamily="34" charset="0"/>
+              </a:defRPr>
+            </a:lvl7pPr>
+            <a:lvl8pPr marL="3429000" indent="-228600" eaLnBrk="0" fontAlgn="base" hangingPunct="0">
+              <a:lnSpc>
+                <a:spcPct val="90000"/>
+              </a:lnSpc>
+              <a:spcBef>
+                <a:spcPts val="500"/>
+              </a:spcBef>
+              <a:spcAft>
+                <a:spcPct val="0"/>
+              </a:spcAft>
+              <a:buFont typeface="Arial" panose="020B0604020202020204" pitchFamily="34" charset="0"/>
+              <a:buChar char="•"/>
+              <a:defRPr>
+                <a:solidFill>
+                  <a:schemeClr val="tx1"/>
+                </a:solidFill>
+                <a:latin typeface="Calibri" panose="020F0502020204030204" pitchFamily="34" charset="0"/>
+              </a:defRPr>
+            </a:lvl8pPr>
+            <a:lvl9pPr marL="3886200" indent="-228600" eaLnBrk="0" fontAlgn="base" hangingPunct="0">
+              <a:lnSpc>
+                <a:spcPct val="90000"/>
+              </a:lnSpc>
+              <a:spcBef>
+                <a:spcPts val="500"/>
+              </a:spcBef>
+              <a:spcAft>
+                <a:spcPct val="0"/>
+              </a:spcAft>
+              <a:buFont typeface="Arial" panose="020B0604020202020204" pitchFamily="34" charset="0"/>
+              <a:buChar char="•"/>
+              <a:defRPr>
+                <a:solidFill>
+                  <a:schemeClr val="tx1"/>
+                </a:solidFill>
+                <a:latin typeface="Calibri" panose="020F0502020204030204" pitchFamily="34" charset="0"/>
+              </a:defRPr>
+            </a:lvl9pPr>
+          </a:lstStyle>
+          <a:p>
+            <a:pPr eaLnBrk="1" hangingPunct="1">
+              <a:lnSpc>
+                <a:spcPct val="100000"/>
+              </a:lnSpc>
+              <a:spcBef>
+                <a:spcPct val="0"/>
+              </a:spcBef>
+              <a:buFontTx/>
+              <a:buNone/>
+            </a:pPr>
+            <a:r>
+              <a:rPr lang="sk-SK" altLang="sk-SK" sz="3200" dirty="0">
                 <a:solidFill>
                   <a:schemeClr val="bg1"/>
                 </a:solidFill>
@@ -9008,8 +8160,18 @@
             </a:r>
           </a:p>
           <a:p>
-            <a:r>
-              <a:rPr lang="sk-SK" dirty="0">
+            <a:pPr eaLnBrk="1" hangingPunct="1">
+              <a:lnSpc>
+                <a:spcPct val="100000"/>
+              </a:lnSpc>
+              <a:spcBef>
+                <a:spcPct val="0"/>
+              </a:spcBef>
+              <a:buFontTx/>
+              <a:buNone/>
+            </a:pPr>
+            <a:r>
+              <a:rPr lang="sk-SK" altLang="sk-SK" sz="1800" dirty="0">
                 <a:solidFill>
                   <a:schemeClr val="bg1"/>
                 </a:solidFill>
@@ -9022,45 +8184,246 @@
       </p:sp>
       <p:sp>
         <p:nvSpPr>
-          <p:cNvPr id="16" name="BlokTextu 15">
-            <a:extLst>
-              <a:ext uri="{FF2B5EF4-FFF2-40B4-BE49-F238E27FC236}">
-                <a16:creationId xmlns:a16="http://schemas.microsoft.com/office/drawing/2014/main" id="{016514B9-F8C5-A69E-BF7B-A0E10D11851B}"/>
-              </a:ext>
-            </a:extLst>
-          </p:cNvPr>
-          <p:cNvSpPr txBox="1"/>
+          <p:cNvPr id="5" name="BlokTextu 4">
+            <a:extLst>
+              <a:ext uri="{FF2B5EF4-FFF2-40B4-BE49-F238E27FC236}">
+                <a16:creationId xmlns:a16="http://schemas.microsoft.com/office/drawing/2014/main" id="{FF5B8401-D8DE-3446-644D-FC428D73E0BD}"/>
+              </a:ext>
+            </a:extLst>
+          </p:cNvPr>
+          <p:cNvSpPr txBox="1">
+            <a:spLocks noChangeArrowheads="1"/>
+          </p:cNvSpPr>
           <p:nvPr/>
         </p:nvSpPr>
-        <p:spPr>
+        <p:spPr bwMode="auto">
           <a:xfrm>
-            <a:off x="6284967" y="3962400"/>
-            <a:ext cx="2443210" cy="892552"/>
+            <a:off x="4791139" y="3962400"/>
+            <a:ext cx="2443162" cy="892175"/>
           </a:xfrm>
           <a:prstGeom prst="rect">
             <a:avLst/>
           </a:prstGeom>
           <a:noFill/>
-        </p:spPr>
-        <p:txBody>
-          <a:bodyPr wrap="square" rtlCol="0">
+          <a:ln>
+            <a:noFill/>
+          </a:ln>
+          <a:extLst>
+            <a:ext uri="{909E8E84-426E-40DD-AFC4-6F175D3DCCD1}">
+              <a14:hiddenFill xmlns:a14="http://schemas.microsoft.com/office/drawing/2010/main">
+                <a:solidFill>
+                  <a:srgbClr val="FFFFFF"/>
+                </a:solidFill>
+              </a14:hiddenFill>
+            </a:ext>
+            <a:ext uri="{91240B29-F687-4F45-9708-019B960494DF}">
+              <a14:hiddenLine xmlns:a14="http://schemas.microsoft.com/office/drawing/2010/main" w="9525">
+                <a:solidFill>
+                  <a:srgbClr val="000000"/>
+                </a:solidFill>
+                <a:miter lim="800000"/>
+                <a:headEnd/>
+                <a:tailEnd/>
+              </a14:hiddenLine>
+            </a:ext>
+          </a:extLst>
+        </p:spPr>
+        <p:txBody>
+          <a:bodyPr>
             <a:spAutoFit/>
           </a:bodyPr>
-          <a:lstStyle/>
-          <a:p>
-            <a:r>
-              <a:rPr lang="sk-SK" sz="3200" dirty="0">
+          <a:lstStyle>
+            <a:lvl1pPr>
+              <a:lnSpc>
+                <a:spcPct val="90000"/>
+              </a:lnSpc>
+              <a:spcBef>
+                <a:spcPts val="1000"/>
+              </a:spcBef>
+              <a:buFont typeface="Arial" panose="020B0604020202020204" pitchFamily="34" charset="0"/>
+              <a:buChar char="•"/>
+              <a:defRPr sz="2800">
+                <a:solidFill>
+                  <a:schemeClr val="tx1"/>
+                </a:solidFill>
+                <a:latin typeface="Calibri" panose="020F0502020204030204" pitchFamily="34" charset="0"/>
+              </a:defRPr>
+            </a:lvl1pPr>
+            <a:lvl2pPr marL="742950" indent="-285750">
+              <a:lnSpc>
+                <a:spcPct val="90000"/>
+              </a:lnSpc>
+              <a:spcBef>
+                <a:spcPts val="500"/>
+              </a:spcBef>
+              <a:buFont typeface="Arial" panose="020B0604020202020204" pitchFamily="34" charset="0"/>
+              <a:buChar char="•"/>
+              <a:defRPr sz="2400">
+                <a:solidFill>
+                  <a:schemeClr val="tx1"/>
+                </a:solidFill>
+                <a:latin typeface="Calibri" panose="020F0502020204030204" pitchFamily="34" charset="0"/>
+              </a:defRPr>
+            </a:lvl2pPr>
+            <a:lvl3pPr marL="1143000" indent="-228600">
+              <a:lnSpc>
+                <a:spcPct val="90000"/>
+              </a:lnSpc>
+              <a:spcBef>
+                <a:spcPts val="500"/>
+              </a:spcBef>
+              <a:buFont typeface="Arial" panose="020B0604020202020204" pitchFamily="34" charset="0"/>
+              <a:buChar char="•"/>
+              <a:defRPr sz="2000">
+                <a:solidFill>
+                  <a:schemeClr val="tx1"/>
+                </a:solidFill>
+                <a:latin typeface="Calibri" panose="020F0502020204030204" pitchFamily="34" charset="0"/>
+              </a:defRPr>
+            </a:lvl3pPr>
+            <a:lvl4pPr marL="1600200" indent="-228600">
+              <a:lnSpc>
+                <a:spcPct val="90000"/>
+              </a:lnSpc>
+              <a:spcBef>
+                <a:spcPts val="500"/>
+              </a:spcBef>
+              <a:buFont typeface="Arial" panose="020B0604020202020204" pitchFamily="34" charset="0"/>
+              <a:buChar char="•"/>
+              <a:defRPr>
+                <a:solidFill>
+                  <a:schemeClr val="tx1"/>
+                </a:solidFill>
+                <a:latin typeface="Calibri" panose="020F0502020204030204" pitchFamily="34" charset="0"/>
+              </a:defRPr>
+            </a:lvl4pPr>
+            <a:lvl5pPr marL="2057400" indent="-228600">
+              <a:lnSpc>
+                <a:spcPct val="90000"/>
+              </a:lnSpc>
+              <a:spcBef>
+                <a:spcPts val="500"/>
+              </a:spcBef>
+              <a:buFont typeface="Arial" panose="020B0604020202020204" pitchFamily="34" charset="0"/>
+              <a:buChar char="•"/>
+              <a:defRPr>
+                <a:solidFill>
+                  <a:schemeClr val="tx1"/>
+                </a:solidFill>
+                <a:latin typeface="Calibri" panose="020F0502020204030204" pitchFamily="34" charset="0"/>
+              </a:defRPr>
+            </a:lvl5pPr>
+            <a:lvl6pPr marL="2514600" indent="-228600" eaLnBrk="0" fontAlgn="base" hangingPunct="0">
+              <a:lnSpc>
+                <a:spcPct val="90000"/>
+              </a:lnSpc>
+              <a:spcBef>
+                <a:spcPts val="500"/>
+              </a:spcBef>
+              <a:spcAft>
+                <a:spcPct val="0"/>
+              </a:spcAft>
+              <a:buFont typeface="Arial" panose="020B0604020202020204" pitchFamily="34" charset="0"/>
+              <a:buChar char="•"/>
+              <a:defRPr>
+                <a:solidFill>
+                  <a:schemeClr val="tx1"/>
+                </a:solidFill>
+                <a:latin typeface="Calibri" panose="020F0502020204030204" pitchFamily="34" charset="0"/>
+              </a:defRPr>
+            </a:lvl6pPr>
+            <a:lvl7pPr marL="2971800" indent="-228600" eaLnBrk="0" fontAlgn="base" hangingPunct="0">
+              <a:lnSpc>
+                <a:spcPct val="90000"/>
+              </a:lnSpc>
+              <a:spcBef>
+                <a:spcPts val="500"/>
+              </a:spcBef>
+              <a:spcAft>
+                <a:spcPct val="0"/>
+              </a:spcAft>
+              <a:buFont typeface="Arial" panose="020B0604020202020204" pitchFamily="34" charset="0"/>
+              <a:buChar char="•"/>
+              <a:defRPr>
+                <a:solidFill>
+                  <a:schemeClr val="tx1"/>
+                </a:solidFill>
+                <a:latin typeface="Calibri" panose="020F0502020204030204" pitchFamily="34" charset="0"/>
+              </a:defRPr>
+            </a:lvl7pPr>
+            <a:lvl8pPr marL="3429000" indent="-228600" eaLnBrk="0" fontAlgn="base" hangingPunct="0">
+              <a:lnSpc>
+                <a:spcPct val="90000"/>
+              </a:lnSpc>
+              <a:spcBef>
+                <a:spcPts val="500"/>
+              </a:spcBef>
+              <a:spcAft>
+                <a:spcPct val="0"/>
+              </a:spcAft>
+              <a:buFont typeface="Arial" panose="020B0604020202020204" pitchFamily="34" charset="0"/>
+              <a:buChar char="•"/>
+              <a:defRPr>
+                <a:solidFill>
+                  <a:schemeClr val="tx1"/>
+                </a:solidFill>
+                <a:latin typeface="Calibri" panose="020F0502020204030204" pitchFamily="34" charset="0"/>
+              </a:defRPr>
+            </a:lvl8pPr>
+            <a:lvl9pPr marL="3886200" indent="-228600" eaLnBrk="0" fontAlgn="base" hangingPunct="0">
+              <a:lnSpc>
+                <a:spcPct val="90000"/>
+              </a:lnSpc>
+              <a:spcBef>
+                <a:spcPts val="500"/>
+              </a:spcBef>
+              <a:spcAft>
+                <a:spcPct val="0"/>
+              </a:spcAft>
+              <a:buFont typeface="Arial" panose="020B0604020202020204" pitchFamily="34" charset="0"/>
+              <a:buChar char="•"/>
+              <a:defRPr>
+                <a:solidFill>
+                  <a:schemeClr val="tx1"/>
+                </a:solidFill>
+                <a:latin typeface="Calibri" panose="020F0502020204030204" pitchFamily="34" charset="0"/>
+              </a:defRPr>
+            </a:lvl9pPr>
+          </a:lstStyle>
+          <a:p>
+            <a:pPr eaLnBrk="1" hangingPunct="1">
+              <a:lnSpc>
+                <a:spcPct val="100000"/>
+              </a:lnSpc>
+              <a:spcBef>
+                <a:spcPct val="0"/>
+              </a:spcBef>
+              <a:buFontTx/>
+              <a:buNone/>
+            </a:pPr>
+            <a:r>
+              <a:rPr lang="sk-SK" altLang="sk-SK" sz="3200" dirty="0">
                 <a:solidFill>
                   <a:schemeClr val="bg1"/>
                 </a:solidFill>
                 <a:latin typeface="Impact" panose="020B0806030902050204" pitchFamily="34" charset="0"/>
               </a:rPr>
-              <a:t>  03.</a:t>
-            </a:r>
-          </a:p>
-          <a:p>
-            <a:r>
-              <a:rPr lang="sk-SK" dirty="0">
+              <a:t>  02.</a:t>
+            </a:r>
+          </a:p>
+          <a:p>
+            <a:pPr eaLnBrk="1" hangingPunct="1">
+              <a:lnSpc>
+                <a:spcPct val="100000"/>
+              </a:lnSpc>
+              <a:spcBef>
+                <a:spcPct val="0"/>
+              </a:spcBef>
+              <a:buFontTx/>
+              <a:buNone/>
+            </a:pPr>
+            <a:r>
+              <a:rPr lang="sk-SK" altLang="sk-SK" sz="1800" dirty="0">
                 <a:solidFill>
                   <a:schemeClr val="bg1"/>
                 </a:solidFill>
@@ -9073,45 +8436,246 @@
       </p:sp>
       <p:sp>
         <p:nvSpPr>
-          <p:cNvPr id="17" name="BlokTextu 16">
-            <a:extLst>
-              <a:ext uri="{FF2B5EF4-FFF2-40B4-BE49-F238E27FC236}">
-                <a16:creationId xmlns:a16="http://schemas.microsoft.com/office/drawing/2014/main" id="{C53DA85B-3334-B8D2-588A-E1D81993E609}"/>
-              </a:ext>
-            </a:extLst>
-          </p:cNvPr>
-          <p:cNvSpPr txBox="1"/>
+          <p:cNvPr id="10" name="BlokTextu 9">
+            <a:extLst>
+              <a:ext uri="{FF2B5EF4-FFF2-40B4-BE49-F238E27FC236}">
+                <a16:creationId xmlns:a16="http://schemas.microsoft.com/office/drawing/2014/main" id="{147359A6-CAC8-B87F-E7D4-FA8D905D893C}"/>
+              </a:ext>
+            </a:extLst>
+          </p:cNvPr>
+          <p:cNvSpPr txBox="1">
+            <a:spLocks noChangeArrowheads="1"/>
+          </p:cNvSpPr>
           <p:nvPr/>
         </p:nvSpPr>
-        <p:spPr>
+        <p:spPr bwMode="auto">
           <a:xfrm>
-            <a:off x="9093483" y="3955143"/>
-            <a:ext cx="2443210" cy="892552"/>
+            <a:off x="8570518" y="3954463"/>
+            <a:ext cx="2443163" cy="893762"/>
           </a:xfrm>
           <a:prstGeom prst="rect">
             <a:avLst/>
           </a:prstGeom>
           <a:noFill/>
-        </p:spPr>
-        <p:txBody>
-          <a:bodyPr wrap="square" rtlCol="0">
+          <a:ln>
+            <a:noFill/>
+          </a:ln>
+          <a:extLst>
+            <a:ext uri="{909E8E84-426E-40DD-AFC4-6F175D3DCCD1}">
+              <a14:hiddenFill xmlns:a14="http://schemas.microsoft.com/office/drawing/2010/main">
+                <a:solidFill>
+                  <a:srgbClr val="FFFFFF"/>
+                </a:solidFill>
+              </a14:hiddenFill>
+            </a:ext>
+            <a:ext uri="{91240B29-F687-4F45-9708-019B960494DF}">
+              <a14:hiddenLine xmlns:a14="http://schemas.microsoft.com/office/drawing/2010/main" w="9525">
+                <a:solidFill>
+                  <a:srgbClr val="000000"/>
+                </a:solidFill>
+                <a:miter lim="800000"/>
+                <a:headEnd/>
+                <a:tailEnd/>
+              </a14:hiddenLine>
+            </a:ext>
+          </a:extLst>
+        </p:spPr>
+        <p:txBody>
+          <a:bodyPr>
             <a:spAutoFit/>
           </a:bodyPr>
-          <a:lstStyle/>
-          <a:p>
-            <a:r>
-              <a:rPr lang="sk-SK" sz="3200" dirty="0">
+          <a:lstStyle>
+            <a:lvl1pPr>
+              <a:lnSpc>
+                <a:spcPct val="90000"/>
+              </a:lnSpc>
+              <a:spcBef>
+                <a:spcPts val="1000"/>
+              </a:spcBef>
+              <a:buFont typeface="Arial" panose="020B0604020202020204" pitchFamily="34" charset="0"/>
+              <a:buChar char="•"/>
+              <a:defRPr sz="2800">
+                <a:solidFill>
+                  <a:schemeClr val="tx1"/>
+                </a:solidFill>
+                <a:latin typeface="Calibri" panose="020F0502020204030204" pitchFamily="34" charset="0"/>
+              </a:defRPr>
+            </a:lvl1pPr>
+            <a:lvl2pPr marL="742950" indent="-285750">
+              <a:lnSpc>
+                <a:spcPct val="90000"/>
+              </a:lnSpc>
+              <a:spcBef>
+                <a:spcPts val="500"/>
+              </a:spcBef>
+              <a:buFont typeface="Arial" panose="020B0604020202020204" pitchFamily="34" charset="0"/>
+              <a:buChar char="•"/>
+              <a:defRPr sz="2400">
+                <a:solidFill>
+                  <a:schemeClr val="tx1"/>
+                </a:solidFill>
+                <a:latin typeface="Calibri" panose="020F0502020204030204" pitchFamily="34" charset="0"/>
+              </a:defRPr>
+            </a:lvl2pPr>
+            <a:lvl3pPr marL="1143000" indent="-228600">
+              <a:lnSpc>
+                <a:spcPct val="90000"/>
+              </a:lnSpc>
+              <a:spcBef>
+                <a:spcPts val="500"/>
+              </a:spcBef>
+              <a:buFont typeface="Arial" panose="020B0604020202020204" pitchFamily="34" charset="0"/>
+              <a:buChar char="•"/>
+              <a:defRPr sz="2000">
+                <a:solidFill>
+                  <a:schemeClr val="tx1"/>
+                </a:solidFill>
+                <a:latin typeface="Calibri" panose="020F0502020204030204" pitchFamily="34" charset="0"/>
+              </a:defRPr>
+            </a:lvl3pPr>
+            <a:lvl4pPr marL="1600200" indent="-228600">
+              <a:lnSpc>
+                <a:spcPct val="90000"/>
+              </a:lnSpc>
+              <a:spcBef>
+                <a:spcPts val="500"/>
+              </a:spcBef>
+              <a:buFont typeface="Arial" panose="020B0604020202020204" pitchFamily="34" charset="0"/>
+              <a:buChar char="•"/>
+              <a:defRPr>
+                <a:solidFill>
+                  <a:schemeClr val="tx1"/>
+                </a:solidFill>
+                <a:latin typeface="Calibri" panose="020F0502020204030204" pitchFamily="34" charset="0"/>
+              </a:defRPr>
+            </a:lvl4pPr>
+            <a:lvl5pPr marL="2057400" indent="-228600">
+              <a:lnSpc>
+                <a:spcPct val="90000"/>
+              </a:lnSpc>
+              <a:spcBef>
+                <a:spcPts val="500"/>
+              </a:spcBef>
+              <a:buFont typeface="Arial" panose="020B0604020202020204" pitchFamily="34" charset="0"/>
+              <a:buChar char="•"/>
+              <a:defRPr>
+                <a:solidFill>
+                  <a:schemeClr val="tx1"/>
+                </a:solidFill>
+                <a:latin typeface="Calibri" panose="020F0502020204030204" pitchFamily="34" charset="0"/>
+              </a:defRPr>
+            </a:lvl5pPr>
+            <a:lvl6pPr marL="2514600" indent="-228600" eaLnBrk="0" fontAlgn="base" hangingPunct="0">
+              <a:lnSpc>
+                <a:spcPct val="90000"/>
+              </a:lnSpc>
+              <a:spcBef>
+                <a:spcPts val="500"/>
+              </a:spcBef>
+              <a:spcAft>
+                <a:spcPct val="0"/>
+              </a:spcAft>
+              <a:buFont typeface="Arial" panose="020B0604020202020204" pitchFamily="34" charset="0"/>
+              <a:buChar char="•"/>
+              <a:defRPr>
+                <a:solidFill>
+                  <a:schemeClr val="tx1"/>
+                </a:solidFill>
+                <a:latin typeface="Calibri" panose="020F0502020204030204" pitchFamily="34" charset="0"/>
+              </a:defRPr>
+            </a:lvl6pPr>
+            <a:lvl7pPr marL="2971800" indent="-228600" eaLnBrk="0" fontAlgn="base" hangingPunct="0">
+              <a:lnSpc>
+                <a:spcPct val="90000"/>
+              </a:lnSpc>
+              <a:spcBef>
+                <a:spcPts val="500"/>
+              </a:spcBef>
+              <a:spcAft>
+                <a:spcPct val="0"/>
+              </a:spcAft>
+              <a:buFont typeface="Arial" panose="020B0604020202020204" pitchFamily="34" charset="0"/>
+              <a:buChar char="•"/>
+              <a:defRPr>
+                <a:solidFill>
+                  <a:schemeClr val="tx1"/>
+                </a:solidFill>
+                <a:latin typeface="Calibri" panose="020F0502020204030204" pitchFamily="34" charset="0"/>
+              </a:defRPr>
+            </a:lvl7pPr>
+            <a:lvl8pPr marL="3429000" indent="-228600" eaLnBrk="0" fontAlgn="base" hangingPunct="0">
+              <a:lnSpc>
+                <a:spcPct val="90000"/>
+              </a:lnSpc>
+              <a:spcBef>
+                <a:spcPts val="500"/>
+              </a:spcBef>
+              <a:spcAft>
+                <a:spcPct val="0"/>
+              </a:spcAft>
+              <a:buFont typeface="Arial" panose="020B0604020202020204" pitchFamily="34" charset="0"/>
+              <a:buChar char="•"/>
+              <a:defRPr>
+                <a:solidFill>
+                  <a:schemeClr val="tx1"/>
+                </a:solidFill>
+                <a:latin typeface="Calibri" panose="020F0502020204030204" pitchFamily="34" charset="0"/>
+              </a:defRPr>
+            </a:lvl8pPr>
+            <a:lvl9pPr marL="3886200" indent="-228600" eaLnBrk="0" fontAlgn="base" hangingPunct="0">
+              <a:lnSpc>
+                <a:spcPct val="90000"/>
+              </a:lnSpc>
+              <a:spcBef>
+                <a:spcPts val="500"/>
+              </a:spcBef>
+              <a:spcAft>
+                <a:spcPct val="0"/>
+              </a:spcAft>
+              <a:buFont typeface="Arial" panose="020B0604020202020204" pitchFamily="34" charset="0"/>
+              <a:buChar char="•"/>
+              <a:defRPr>
+                <a:solidFill>
+                  <a:schemeClr val="tx1"/>
+                </a:solidFill>
+                <a:latin typeface="Calibri" panose="020F0502020204030204" pitchFamily="34" charset="0"/>
+              </a:defRPr>
+            </a:lvl9pPr>
+          </a:lstStyle>
+          <a:p>
+            <a:pPr eaLnBrk="1" hangingPunct="1">
+              <a:lnSpc>
+                <a:spcPct val="100000"/>
+              </a:lnSpc>
+              <a:spcBef>
+                <a:spcPct val="0"/>
+              </a:spcBef>
+              <a:buFontTx/>
+              <a:buNone/>
+            </a:pPr>
+            <a:r>
+              <a:rPr lang="sk-SK" altLang="sk-SK" sz="3200" dirty="0">
                 <a:solidFill>
                   <a:schemeClr val="bg1"/>
                 </a:solidFill>
                 <a:latin typeface="Impact" panose="020B0806030902050204" pitchFamily="34" charset="0"/>
               </a:rPr>
-              <a:t>  04.</a:t>
-            </a:r>
-          </a:p>
-          <a:p>
-            <a:r>
-              <a:rPr lang="sk-SK" dirty="0">
+              <a:t>  03.</a:t>
+            </a:r>
+          </a:p>
+          <a:p>
+            <a:pPr eaLnBrk="1" hangingPunct="1">
+              <a:lnSpc>
+                <a:spcPct val="100000"/>
+              </a:lnSpc>
+              <a:spcBef>
+                <a:spcPct val="0"/>
+              </a:spcBef>
+              <a:buFontTx/>
+              <a:buNone/>
+            </a:pPr>
+            <a:r>
+              <a:rPr lang="sk-SK" altLang="sk-SK" sz="1800" dirty="0">
                 <a:solidFill>
                   <a:schemeClr val="bg1"/>
                 </a:solidFill>
@@ -9122,445 +8686,186 @@
           </a:p>
         </p:txBody>
       </p:sp>
-      <p:sp>
-        <p:nvSpPr>
-          <p:cNvPr id="18" name="BlokTextu 17">
-            <a:extLst>
-              <a:ext uri="{FF2B5EF4-FFF2-40B4-BE49-F238E27FC236}">
-                <a16:creationId xmlns:a16="http://schemas.microsoft.com/office/drawing/2014/main" id="{4B0D8890-0435-74A0-4E0F-97666FC40191}"/>
-              </a:ext>
-            </a:extLst>
-          </p:cNvPr>
-          <p:cNvSpPr txBox="1"/>
+      <p:pic>
+        <p:nvPicPr>
+          <p:cNvPr id="12" name="Náhľad snímky 18">
+            <a:extLst>
+              <a:ext uri="{FF2B5EF4-FFF2-40B4-BE49-F238E27FC236}">
+                <a16:creationId xmlns:a16="http://schemas.microsoft.com/office/drawing/2014/main" id="{88F9255F-4D63-2830-18BE-EA477B6CA3F8}"/>
+              </a:ext>
+            </a:extLst>
+          </p:cNvPr>
+          <p:cNvPicPr>
+            <a:picLocks noChangeAspect="1" noChangeArrowheads="1"/>
+          </p:cNvPicPr>
           <p:nvPr/>
-        </p:nvSpPr>
-        <p:spPr>
+        </p:nvPicPr>
+        <p:blipFill>
+          <a:blip r:embed="rId6">
+            <a:extLst>
+              <a:ext uri="{28A0092B-C50C-407E-A947-70E740481C1C}">
+                <a14:useLocalDpi xmlns:a14="http://schemas.microsoft.com/office/drawing/2010/main" val="0"/>
+              </a:ext>
+            </a:extLst>
+          </a:blip>
+          <a:srcRect/>
+          <a:stretch>
+            <a:fillRect/>
+          </a:stretch>
+        </p:blipFill>
+        <p:spPr bwMode="auto">
           <a:xfrm>
-            <a:off x="3476450" y="3955144"/>
-            <a:ext cx="2443210" cy="892552"/>
+            <a:off x="1028578" y="4870450"/>
+            <a:ext cx="2614612" cy="1474788"/>
           </a:xfrm>
           <a:prstGeom prst="rect">
             <a:avLst/>
           </a:prstGeom>
           <a:noFill/>
-        </p:spPr>
-        <p:txBody>
-          <a:bodyPr wrap="square" rtlCol="0">
-            <a:spAutoFit/>
-          </a:bodyPr>
-          <a:lstStyle/>
-          <a:p>
-            <a:r>
-              <a:rPr lang="sk-SK" sz="3200" dirty="0">
-                <a:solidFill>
-                  <a:schemeClr val="bg1"/>
-                </a:solidFill>
-                <a:latin typeface="Impact" panose="020B0806030902050204" pitchFamily="34" charset="0"/>
-              </a:rPr>
-              <a:t>  02.</a:t>
-            </a:r>
-          </a:p>
-          <a:p>
-            <a:r>
-              <a:rPr lang="sk-SK" dirty="0">
-                <a:solidFill>
-                  <a:schemeClr val="bg1"/>
-                </a:solidFill>
-                <a:latin typeface="Impact" panose="020B0806030902050204" pitchFamily="34" charset="0"/>
-              </a:rPr>
-              <a:t>    OBSAH  PRÁCE</a:t>
-            </a:r>
-          </a:p>
-        </p:txBody>
-      </p:sp>
-      <mc:AlternateContent xmlns:mc="http://schemas.openxmlformats.org/markup-compatibility/2006" xmlns:pslz="http://schemas.microsoft.com/office/powerpoint/2016/slidezoom">
-        <mc:Choice Requires="pslz">
-          <p:graphicFrame>
-            <p:nvGraphicFramePr>
-              <p:cNvPr id="19" name="Náhľad snímky 18">
-                <a:extLst>
-                  <a:ext uri="{FF2B5EF4-FFF2-40B4-BE49-F238E27FC236}">
-                    <a16:creationId xmlns:a16="http://schemas.microsoft.com/office/drawing/2014/main" id="{93A384D1-06FB-CACC-0503-9B6E6A31A7FF}"/>
-                  </a:ext>
-                </a:extLst>
-              </p:cNvPr>
-              <p:cNvGraphicFramePr>
-                <a:graphicFrameLocks noChangeAspect="1"/>
-              </p:cNvGraphicFramePr>
-              <p:nvPr>
-                <p:extLst>
-                  <p:ext uri="{D42A27DB-BD31-4B8C-83A1-F6EECF244321}">
-                    <p14:modId xmlns:p14="http://schemas.microsoft.com/office/powerpoint/2010/main" val="262159802"/>
-                  </p:ext>
-                </p:extLst>
-              </p:nvPr>
-            </p:nvGraphicFramePr>
-            <p:xfrm>
-              <a:off x="363364" y="4878055"/>
-              <a:ext cx="2603696" cy="1464579"/>
-            </p:xfrm>
-            <a:graphic>
-              <a:graphicData uri="http://schemas.microsoft.com/office/powerpoint/2016/slidezoom">
-                <pslz:sldZm>
-                  <pslz:sldZmObj sldId="303" cId="3643927049">
-                    <pslz:zmPr id="{03B3323D-9F2F-463C-B329-149DCB1D38D0}" returnToParent="0" transitionDur="1000">
-                      <p166:blipFill xmlns:p166="http://schemas.microsoft.com/office/powerpoint/2016/6/main">
-                        <a:blip r:embed="rId6"/>
-                        <a:stretch>
-                          <a:fillRect/>
-                        </a:stretch>
-                      </p166:blipFill>
-                      <p166:spPr xmlns:p166="http://schemas.microsoft.com/office/powerpoint/2016/6/main">
-                        <a:xfrm>
-                          <a:off x="0" y="0"/>
-                          <a:ext cx="2603696" cy="1464579"/>
-                        </a:xfrm>
-                        <a:prstGeom prst="rect">
-                          <a:avLst/>
-                        </a:prstGeom>
-                        <a:ln w="3175">
-                          <a:solidFill>
-                            <a:prstClr val="ltGray"/>
-                          </a:solidFill>
-                        </a:ln>
-                      </p166:spPr>
-                    </pslz:zmPr>
-                  </pslz:sldZmObj>
-                </pslz:sldZm>
-              </a:graphicData>
-            </a:graphic>
-          </p:graphicFrame>
-        </mc:Choice>
-        <mc:Fallback xmlns="">
-          <p:pic>
-            <p:nvPicPr>
-              <p:cNvPr id="19" name="Náhľad snímky 18">
-                <a:hlinkClick r:id="rId7" action="ppaction://hlinksldjump"/>
-                <a:extLst>
-                  <a:ext uri="{FF2B5EF4-FFF2-40B4-BE49-F238E27FC236}">
-                    <a16:creationId xmlns:a16="http://schemas.microsoft.com/office/drawing/2014/main" id="{93A384D1-06FB-CACC-0503-9B6E6A31A7FF}"/>
-                  </a:ext>
-                </a:extLst>
-              </p:cNvPr>
-              <p:cNvPicPr>
-                <a:picLocks noGrp="1" noRot="1" noChangeAspect="1" noMove="1" noResize="1" noEditPoints="1" noAdjustHandles="1" noChangeArrowheads="1" noChangeShapeType="1"/>
-              </p:cNvPicPr>
-              <p:nvPr/>
-            </p:nvPicPr>
-            <p:blipFill>
-              <a:blip r:embed="rId8"/>
-              <a:stretch>
-                <a:fillRect/>
-              </a:stretch>
-            </p:blipFill>
-            <p:spPr>
-              <a:xfrm>
-                <a:off x="363364" y="4878055"/>
-                <a:ext cx="2603696" cy="1464579"/>
-              </a:xfrm>
-              <a:prstGeom prst="rect">
-                <a:avLst/>
-              </a:prstGeom>
-              <a:ln w="3175">
-                <a:solidFill>
-                  <a:prstClr val="ltGray"/>
-                </a:solidFill>
-              </a:ln>
-            </p:spPr>
-          </p:pic>
-        </mc:Fallback>
-      </mc:AlternateContent>
-      <mc:AlternateContent xmlns:mc="http://schemas.openxmlformats.org/markup-compatibility/2006" xmlns:pslz="http://schemas.microsoft.com/office/powerpoint/2016/slidezoom">
-        <mc:Choice Requires="pslz">
-          <p:graphicFrame>
-            <p:nvGraphicFramePr>
-              <p:cNvPr id="22" name="Náhľad snímky 21">
-                <a:extLst>
-                  <a:ext uri="{FF2B5EF4-FFF2-40B4-BE49-F238E27FC236}">
-                    <a16:creationId xmlns:a16="http://schemas.microsoft.com/office/drawing/2014/main" id="{95952E31-DF54-2828-1B97-FEDA60D98F9E}"/>
-                  </a:ext>
-                </a:extLst>
-              </p:cNvPr>
-              <p:cNvGraphicFramePr>
-                <a:graphicFrameLocks noChangeAspect="1"/>
-              </p:cNvGraphicFramePr>
-              <p:nvPr>
-                <p:extLst>
-                  <p:ext uri="{D42A27DB-BD31-4B8C-83A1-F6EECF244321}">
-                    <p14:modId xmlns:p14="http://schemas.microsoft.com/office/powerpoint/2010/main" val="1477101835"/>
-                  </p:ext>
-                </p:extLst>
-              </p:nvPr>
-            </p:nvGraphicFramePr>
-            <p:xfrm>
-              <a:off x="3260906" y="4873788"/>
-              <a:ext cx="2603696" cy="1464579"/>
-            </p:xfrm>
-            <a:graphic>
-              <a:graphicData uri="http://schemas.microsoft.com/office/powerpoint/2016/slidezoom">
-                <pslz:sldZm>
-                  <pslz:sldZmObj sldId="302" cId="1018624510">
-                    <pslz:zmPr id="{EA8A90EC-DB4C-4F50-8433-F0DF61AD3724}" returnToParent="0" transitionDur="1000">
-                      <p166:blipFill xmlns:p166="http://schemas.microsoft.com/office/powerpoint/2016/6/main">
-                        <a:blip r:embed="rId9"/>
-                        <a:stretch>
-                          <a:fillRect/>
-                        </a:stretch>
-                      </p166:blipFill>
-                      <p166:spPr xmlns:p166="http://schemas.microsoft.com/office/powerpoint/2016/6/main">
-                        <a:xfrm>
-                          <a:off x="0" y="0"/>
-                          <a:ext cx="2603696" cy="1464579"/>
-                        </a:xfrm>
-                        <a:prstGeom prst="rect">
-                          <a:avLst/>
-                        </a:prstGeom>
-                        <a:ln w="3175">
-                          <a:solidFill>
-                            <a:prstClr val="ltGray"/>
-                          </a:solidFill>
-                        </a:ln>
-                      </p166:spPr>
-                    </pslz:zmPr>
-                  </pslz:sldZmObj>
-                </pslz:sldZm>
-              </a:graphicData>
-            </a:graphic>
-          </p:graphicFrame>
-        </mc:Choice>
-        <mc:Fallback xmlns="">
-          <p:pic>
-            <p:nvPicPr>
-              <p:cNvPr id="22" name="Náhľad snímky 21">
-                <a:hlinkClick r:id="rId10" action="ppaction://hlinksldjump"/>
-                <a:extLst>
-                  <a:ext uri="{FF2B5EF4-FFF2-40B4-BE49-F238E27FC236}">
-                    <a16:creationId xmlns:a16="http://schemas.microsoft.com/office/drawing/2014/main" id="{95952E31-DF54-2828-1B97-FEDA60D98F9E}"/>
-                  </a:ext>
-                </a:extLst>
-              </p:cNvPr>
-              <p:cNvPicPr>
-                <a:picLocks noGrp="1" noRot="1" noChangeAspect="1" noMove="1" noResize="1" noEditPoints="1" noAdjustHandles="1" noChangeArrowheads="1" noChangeShapeType="1"/>
-              </p:cNvPicPr>
-              <p:nvPr/>
-            </p:nvPicPr>
-            <p:blipFill>
-              <a:blip r:embed="rId11"/>
-              <a:stretch>
-                <a:fillRect/>
-              </a:stretch>
-            </p:blipFill>
-            <p:spPr>
-              <a:xfrm>
-                <a:off x="3260906" y="4873788"/>
-                <a:ext cx="2603696" cy="1464579"/>
-              </a:xfrm>
-              <a:prstGeom prst="rect">
-                <a:avLst/>
-              </a:prstGeom>
-              <a:ln w="3175">
-                <a:solidFill>
-                  <a:prstClr val="ltGray"/>
-                </a:solidFill>
-              </a:ln>
-            </p:spPr>
-          </p:pic>
-        </mc:Fallback>
-      </mc:AlternateContent>
-      <mc:AlternateContent xmlns:mc="http://schemas.openxmlformats.org/markup-compatibility/2006" xmlns:pslz="http://schemas.microsoft.com/office/powerpoint/2016/slidezoom">
-        <mc:Choice Requires="pslz">
-          <p:graphicFrame>
-            <p:nvGraphicFramePr>
-              <p:cNvPr id="26" name="Náhľad snímky 25">
-                <a:extLst>
-                  <a:ext uri="{FF2B5EF4-FFF2-40B4-BE49-F238E27FC236}">
-                    <a16:creationId xmlns:a16="http://schemas.microsoft.com/office/drawing/2014/main" id="{4FCAB4C5-99CF-5787-9583-D17A22922FCD}"/>
-                  </a:ext>
-                </a:extLst>
-              </p:cNvPr>
-              <p:cNvGraphicFramePr>
-                <a:graphicFrameLocks noChangeAspect="1"/>
-              </p:cNvGraphicFramePr>
-              <p:nvPr>
-                <p:extLst>
-                  <p:ext uri="{D42A27DB-BD31-4B8C-83A1-F6EECF244321}">
-                    <p14:modId xmlns:p14="http://schemas.microsoft.com/office/powerpoint/2010/main" val="331438843"/>
-                  </p:ext>
-                </p:extLst>
-              </p:nvPr>
-            </p:nvGraphicFramePr>
-            <p:xfrm>
-              <a:off x="6166133" y="4875571"/>
-              <a:ext cx="2603696" cy="1464579"/>
-            </p:xfrm>
-            <a:graphic>
-              <a:graphicData uri="http://schemas.microsoft.com/office/powerpoint/2016/slidezoom">
-                <pslz:sldZm>
-                  <pslz:sldZmObj sldId="301" cId="2950850305">
-                    <pslz:zmPr id="{55BA5FB7-53B6-4A28-8979-3F7277E8C0A0}" returnToParent="0" transitionDur="1000">
-                      <p166:blipFill xmlns:p166="http://schemas.microsoft.com/office/powerpoint/2016/6/main">
-                        <a:blip r:embed="rId12"/>
-                        <a:stretch>
-                          <a:fillRect/>
-                        </a:stretch>
-                      </p166:blipFill>
-                      <p166:spPr xmlns:p166="http://schemas.microsoft.com/office/powerpoint/2016/6/main">
-                        <a:xfrm>
-                          <a:off x="0" y="0"/>
-                          <a:ext cx="2603696" cy="1464579"/>
-                        </a:xfrm>
-                        <a:prstGeom prst="rect">
-                          <a:avLst/>
-                        </a:prstGeom>
-                        <a:ln w="3175">
-                          <a:solidFill>
-                            <a:prstClr val="ltGray"/>
-                          </a:solidFill>
-                        </a:ln>
-                      </p166:spPr>
-                    </pslz:zmPr>
-                  </pslz:sldZmObj>
-                </pslz:sldZm>
-              </a:graphicData>
-            </a:graphic>
-          </p:graphicFrame>
-        </mc:Choice>
-        <mc:Fallback xmlns="">
-          <p:pic>
-            <p:nvPicPr>
-              <p:cNvPr id="26" name="Náhľad snímky 25">
-                <a:hlinkClick r:id="rId13" action="ppaction://hlinksldjump"/>
-                <a:extLst>
-                  <a:ext uri="{FF2B5EF4-FFF2-40B4-BE49-F238E27FC236}">
-                    <a16:creationId xmlns:a16="http://schemas.microsoft.com/office/drawing/2014/main" id="{4FCAB4C5-99CF-5787-9583-D17A22922FCD}"/>
-                  </a:ext>
-                </a:extLst>
-              </p:cNvPr>
-              <p:cNvPicPr>
-                <a:picLocks noGrp="1" noRot="1" noChangeAspect="1" noMove="1" noResize="1" noEditPoints="1" noAdjustHandles="1" noChangeArrowheads="1" noChangeShapeType="1"/>
-              </p:cNvPicPr>
-              <p:nvPr/>
-            </p:nvPicPr>
-            <p:blipFill>
-              <a:blip r:embed="rId14"/>
-              <a:stretch>
-                <a:fillRect/>
-              </a:stretch>
-            </p:blipFill>
-            <p:spPr>
-              <a:xfrm>
-                <a:off x="6166133" y="4875571"/>
-                <a:ext cx="2603696" cy="1464579"/>
-              </a:xfrm>
-              <a:prstGeom prst="rect">
-                <a:avLst/>
-              </a:prstGeom>
-              <a:ln w="3175">
-                <a:solidFill>
-                  <a:prstClr val="ltGray"/>
-                </a:solidFill>
-              </a:ln>
-            </p:spPr>
-          </p:pic>
-        </mc:Fallback>
-      </mc:AlternateContent>
-      <mc:AlternateContent xmlns:mc="http://schemas.openxmlformats.org/markup-compatibility/2006" xmlns:pslz="http://schemas.microsoft.com/office/powerpoint/2016/slidezoom">
-        <mc:Choice Requires="pslz">
-          <p:graphicFrame>
-            <p:nvGraphicFramePr>
-              <p:cNvPr id="28" name="Náhľad snímky 27">
-                <a:extLst>
-                  <a:ext uri="{FF2B5EF4-FFF2-40B4-BE49-F238E27FC236}">
-                    <a16:creationId xmlns:a16="http://schemas.microsoft.com/office/drawing/2014/main" id="{7A26AF84-A7C7-5B0C-CE35-DE5BBBB98C4D}"/>
-                  </a:ext>
-                </a:extLst>
-              </p:cNvPr>
-              <p:cNvGraphicFramePr>
-                <a:graphicFrameLocks noChangeAspect="1"/>
-              </p:cNvGraphicFramePr>
-              <p:nvPr>
-                <p:extLst>
-                  <p:ext uri="{D42A27DB-BD31-4B8C-83A1-F6EECF244321}">
-                    <p14:modId xmlns:p14="http://schemas.microsoft.com/office/powerpoint/2010/main" val="3951519271"/>
-                  </p:ext>
-                </p:extLst>
-              </p:nvPr>
-            </p:nvGraphicFramePr>
-            <p:xfrm>
-              <a:off x="9093483" y="4875572"/>
-              <a:ext cx="2603696" cy="1464579"/>
-            </p:xfrm>
-            <a:graphic>
-              <a:graphicData uri="http://schemas.microsoft.com/office/powerpoint/2016/slidezoom">
-                <pslz:sldZm>
-                  <pslz:sldZmObj sldId="295" cId="2186824041">
-                    <pslz:zmPr id="{6CBB6091-5F3F-43C3-885A-574B793448C6}" returnToParent="0" transitionDur="1000">
-                      <p166:blipFill xmlns:p166="http://schemas.microsoft.com/office/powerpoint/2016/6/main">
-                        <a:blip r:embed="rId15"/>
-                        <a:stretch>
-                          <a:fillRect/>
-                        </a:stretch>
-                      </p166:blipFill>
-                      <p166:spPr xmlns:p166="http://schemas.microsoft.com/office/powerpoint/2016/6/main">
-                        <a:xfrm>
-                          <a:off x="0" y="0"/>
-                          <a:ext cx="2603696" cy="1464579"/>
-                        </a:xfrm>
-                        <a:prstGeom prst="rect">
-                          <a:avLst/>
-                        </a:prstGeom>
-                        <a:ln w="3175">
-                          <a:solidFill>
-                            <a:prstClr val="ltGray"/>
-                          </a:solidFill>
-                        </a:ln>
-                      </p166:spPr>
-                    </pslz:zmPr>
-                  </pslz:sldZmObj>
-                </pslz:sldZm>
-              </a:graphicData>
-            </a:graphic>
-          </p:graphicFrame>
-        </mc:Choice>
-        <mc:Fallback xmlns="">
-          <p:pic>
-            <p:nvPicPr>
-              <p:cNvPr id="28" name="Náhľad snímky 27">
-                <a:hlinkClick r:id="rId16" action="ppaction://hlinksldjump"/>
-                <a:extLst>
-                  <a:ext uri="{FF2B5EF4-FFF2-40B4-BE49-F238E27FC236}">
-                    <a16:creationId xmlns:a16="http://schemas.microsoft.com/office/drawing/2014/main" id="{7A26AF84-A7C7-5B0C-CE35-DE5BBBB98C4D}"/>
-                  </a:ext>
-                </a:extLst>
-              </p:cNvPr>
-              <p:cNvPicPr>
-                <a:picLocks noGrp="1" noRot="1" noChangeAspect="1" noMove="1" noResize="1" noEditPoints="1" noAdjustHandles="1" noChangeArrowheads="1" noChangeShapeType="1"/>
-              </p:cNvPicPr>
-              <p:nvPr/>
-            </p:nvPicPr>
-            <p:blipFill>
-              <a:blip r:embed="rId17"/>
-              <a:stretch>
-                <a:fillRect/>
-              </a:stretch>
-            </p:blipFill>
-            <p:spPr>
-              <a:xfrm>
-                <a:off x="9093483" y="4875572"/>
-                <a:ext cx="2603696" cy="1464579"/>
-              </a:xfrm>
-              <a:prstGeom prst="rect">
-                <a:avLst/>
-              </a:prstGeom>
-              <a:ln w="3175">
-                <a:solidFill>
-                  <a:prstClr val="ltGray"/>
-                </a:solidFill>
-              </a:ln>
-            </p:spPr>
-          </p:pic>
-        </mc:Fallback>
-      </mc:AlternateContent>
+          <a:ln>
+            <a:noFill/>
+          </a:ln>
+          <a:extLst>
+            <a:ext uri="{909E8E84-426E-40DD-AFC4-6F175D3DCCD1}">
+              <a14:hiddenFill xmlns:a14="http://schemas.microsoft.com/office/drawing/2010/main">
+                <a:solidFill>
+                  <a:srgbClr val="FFFFFF"/>
+                </a:solidFill>
+              </a14:hiddenFill>
+            </a:ext>
+            <a:ext uri="{91240B29-F687-4F45-9708-019B960494DF}">
+              <a14:hiddenLine xmlns:a14="http://schemas.microsoft.com/office/drawing/2010/main" w="9525">
+                <a:solidFill>
+                  <a:srgbClr val="000000"/>
+                </a:solidFill>
+                <a:miter lim="800000"/>
+                <a:headEnd/>
+                <a:tailEnd/>
+              </a14:hiddenLine>
+            </a:ext>
+          </a:extLst>
+        </p:spPr>
+      </p:pic>
+      <p:pic>
+        <p:nvPicPr>
+          <p:cNvPr id="15" name="Náhľad snímky 25">
+            <a:extLst>
+              <a:ext uri="{FF2B5EF4-FFF2-40B4-BE49-F238E27FC236}">
+                <a16:creationId xmlns:a16="http://schemas.microsoft.com/office/drawing/2014/main" id="{13EBF550-6CCD-FC5E-1AA2-63E04BD55BA7}"/>
+              </a:ext>
+            </a:extLst>
+          </p:cNvPr>
+          <p:cNvPicPr>
+            <a:picLocks noChangeAspect="1" noChangeArrowheads="1"/>
+          </p:cNvPicPr>
+          <p:nvPr/>
+        </p:nvPicPr>
+        <p:blipFill>
+          <a:blip r:embed="rId7">
+            <a:extLst>
+              <a:ext uri="{28A0092B-C50C-407E-A947-70E740481C1C}">
+                <a14:useLocalDpi xmlns:a14="http://schemas.microsoft.com/office/drawing/2010/main" val="0"/>
+              </a:ext>
+            </a:extLst>
+          </a:blip>
+          <a:srcRect/>
+          <a:stretch>
+            <a:fillRect/>
+          </a:stretch>
+        </p:blipFill>
+        <p:spPr bwMode="auto">
+          <a:xfrm>
+            <a:off x="4776787" y="4886325"/>
+            <a:ext cx="2616200" cy="1474788"/>
+          </a:xfrm>
+          <a:prstGeom prst="rect">
+            <a:avLst/>
+          </a:prstGeom>
+          <a:noFill/>
+          <a:ln>
+            <a:noFill/>
+          </a:ln>
+          <a:extLst>
+            <a:ext uri="{909E8E84-426E-40DD-AFC4-6F175D3DCCD1}">
+              <a14:hiddenFill xmlns:a14="http://schemas.microsoft.com/office/drawing/2010/main">
+                <a:solidFill>
+                  <a:srgbClr val="FFFFFF"/>
+                </a:solidFill>
+              </a14:hiddenFill>
+            </a:ext>
+            <a:ext uri="{91240B29-F687-4F45-9708-019B960494DF}">
+              <a14:hiddenLine xmlns:a14="http://schemas.microsoft.com/office/drawing/2010/main" w="9525">
+                <a:solidFill>
+                  <a:srgbClr val="000000"/>
+                </a:solidFill>
+                <a:miter lim="800000"/>
+                <a:headEnd/>
+                <a:tailEnd/>
+              </a14:hiddenLine>
+            </a:ext>
+          </a:extLst>
+        </p:spPr>
+      </p:pic>
+      <p:pic>
+        <p:nvPicPr>
+          <p:cNvPr id="21" name="Náhľad snímky 27">
+            <a:extLst>
+              <a:ext uri="{FF2B5EF4-FFF2-40B4-BE49-F238E27FC236}">
+                <a16:creationId xmlns:a16="http://schemas.microsoft.com/office/drawing/2014/main" id="{A6C88B1F-46C4-F7AF-815C-483E280E32B3}"/>
+              </a:ext>
+            </a:extLst>
+          </p:cNvPr>
+          <p:cNvPicPr>
+            <a:picLocks noChangeAspect="1" noChangeArrowheads="1"/>
+          </p:cNvPicPr>
+          <p:nvPr/>
+        </p:nvPicPr>
+        <p:blipFill>
+          <a:blip r:embed="rId8">
+            <a:extLst>
+              <a:ext uri="{28A0092B-C50C-407E-A947-70E740481C1C}">
+                <a14:useLocalDpi xmlns:a14="http://schemas.microsoft.com/office/drawing/2010/main" val="0"/>
+              </a:ext>
+            </a:extLst>
+          </a:blip>
+          <a:srcRect/>
+          <a:stretch>
+            <a:fillRect/>
+          </a:stretch>
+        </p:blipFill>
+        <p:spPr bwMode="auto">
+          <a:xfrm>
+            <a:off x="8552108" y="4870450"/>
+            <a:ext cx="2616200" cy="1474788"/>
+          </a:xfrm>
+          <a:prstGeom prst="rect">
+            <a:avLst/>
+          </a:prstGeom>
+          <a:noFill/>
+          <a:ln>
+            <a:noFill/>
+          </a:ln>
+          <a:extLst>
+            <a:ext uri="{909E8E84-426E-40DD-AFC4-6F175D3DCCD1}">
+              <a14:hiddenFill xmlns:a14="http://schemas.microsoft.com/office/drawing/2010/main">
+                <a:solidFill>
+                  <a:srgbClr val="FFFFFF"/>
+                </a:solidFill>
+              </a14:hiddenFill>
+            </a:ext>
+            <a:ext uri="{91240B29-F687-4F45-9708-019B960494DF}">
+              <a14:hiddenLine xmlns:a14="http://schemas.microsoft.com/office/drawing/2010/main" w="9525">
+                <a:solidFill>
+                  <a:srgbClr val="000000"/>
+                </a:solidFill>
+                <a:miter lim="800000"/>
+                <a:headEnd/>
+                <a:tailEnd/>
+              </a14:hiddenLine>
+            </a:ext>
+          </a:extLst>
+        </p:spPr>
+      </p:pic>
     </p:spTree>
     <p:extLst>
       <p:ext uri="{BB962C8B-B14F-4D97-AF65-F5344CB8AC3E}">
@@ -9607,7 +8912,7 @@
                             </p:stCondLst>
                             <p:childTnLst>
                               <p:par>
-                                <p:cTn id="5" presetID="10" presetClass="entr" presetSubtype="0" fill="hold" grpId="0" nodeType="withEffect">
+                                <p:cTn id="5" presetID="10" presetClass="entr" presetSubtype="0" fill="hold" nodeType="afterEffect">
                                   <p:stCondLst>
                                     <p:cond delay="0"/>
                                   </p:stCondLst>
@@ -9620,7 +8925,7 @@
                                           </p:stCondLst>
                                         </p:cTn>
                                         <p:tgtEl>
-                                          <p:spTgt spid="14"/>
+                                          <p:spTgt spid="12"/>
                                         </p:tgtEl>
                                         <p:attrNameLst>
                                           <p:attrName>style.visibility</p:attrName>
@@ -9632,9 +8937,9 @@
                                     </p:set>
                                     <p:animEffect transition="in" filter="fade">
                                       <p:cBhvr>
-                                        <p:cTn id="7" dur="1000"/>
+                                        <p:cTn id="7" dur="500"/>
                                         <p:tgtEl>
-                                          <p:spTgt spid="14"/>
+                                          <p:spTgt spid="12"/>
                                         </p:tgtEl>
                                       </p:cBhvr>
                                     </p:animEffect>
@@ -9647,11 +8952,11 @@
                         <p:par>
                           <p:cTn id="8" fill="hold">
                             <p:stCondLst>
-                              <p:cond delay="1000"/>
+                              <p:cond delay="500"/>
                             </p:stCondLst>
                             <p:childTnLst>
                               <p:par>
-                                <p:cTn id="9" presetID="10" presetClass="entr" presetSubtype="0" fill="hold" grpId="0" nodeType="afterEffect">
+                                <p:cTn id="9" presetID="10" presetClass="entr" presetSubtype="0" fill="hold" nodeType="afterEffect">
                                   <p:stCondLst>
                                     <p:cond delay="0"/>
                                   </p:stCondLst>
@@ -9664,7 +8969,7 @@
                                           </p:stCondLst>
                                         </p:cTn>
                                         <p:tgtEl>
-                                          <p:spTgt spid="18"/>
+                                          <p:spTgt spid="15"/>
                                         </p:tgtEl>
                                         <p:attrNameLst>
                                           <p:attrName>style.visibility</p:attrName>
@@ -9676,9 +8981,9 @@
                                     </p:set>
                                     <p:animEffect transition="in" filter="fade">
                                       <p:cBhvr>
-                                        <p:cTn id="11" dur="1000"/>
+                                        <p:cTn id="11" dur="500"/>
                                         <p:tgtEl>
-                                          <p:spTgt spid="18"/>
+                                          <p:spTgt spid="15"/>
                                         </p:tgtEl>
                                       </p:cBhvr>
                                     </p:animEffect>
@@ -9691,11 +8996,11 @@
                         <p:par>
                           <p:cTn id="12" fill="hold">
                             <p:stCondLst>
-                              <p:cond delay="2000"/>
+                              <p:cond delay="1000"/>
                             </p:stCondLst>
                             <p:childTnLst>
                               <p:par>
-                                <p:cTn id="13" presetID="10" presetClass="entr" presetSubtype="0" fill="hold" grpId="0" nodeType="afterEffect">
+                                <p:cTn id="13" presetID="10" presetClass="entr" presetSubtype="0" fill="hold" nodeType="afterEffect">
                                   <p:stCondLst>
                                     <p:cond delay="0"/>
                                   </p:stCondLst>
@@ -9708,7 +9013,7 @@
                                           </p:stCondLst>
                                         </p:cTn>
                                         <p:tgtEl>
-                                          <p:spTgt spid="16"/>
+                                          <p:spTgt spid="21"/>
                                         </p:tgtEl>
                                         <p:attrNameLst>
                                           <p:attrName>style.visibility</p:attrName>
@@ -9720,9 +9025,9 @@
                                     </p:set>
                                     <p:animEffect transition="in" filter="fade">
                                       <p:cBhvr>
-                                        <p:cTn id="15" dur="1000"/>
+                                        <p:cTn id="15" dur="500"/>
                                         <p:tgtEl>
-                                          <p:spTgt spid="16"/>
+                                          <p:spTgt spid="21"/>
                                         </p:tgtEl>
                                       </p:cBhvr>
                                     </p:animEffect>
@@ -9735,11 +9040,11 @@
                         <p:par>
                           <p:cTn id="16" fill="hold">
                             <p:stCondLst>
-                              <p:cond delay="3000"/>
+                              <p:cond delay="1500"/>
                             </p:stCondLst>
                             <p:childTnLst>
                               <p:par>
-                                <p:cTn id="17" presetID="10" presetClass="entr" presetSubtype="0" fill="hold" grpId="0" nodeType="afterEffect">
+                                <p:cTn id="17" presetID="10" presetClass="entr" presetSubtype="0" fill="hold" nodeType="afterEffect">
                                   <p:stCondLst>
                                     <p:cond delay="0"/>
                                   </p:stCondLst>
@@ -9752,7 +9057,7 @@
                                           </p:stCondLst>
                                         </p:cTn>
                                         <p:tgtEl>
-                                          <p:spTgt spid="17"/>
+                                          <p:spTgt spid="4"/>
                                         </p:tgtEl>
                                         <p:attrNameLst>
                                           <p:attrName>style.visibility</p:attrName>
@@ -9766,7 +9071,95 @@
                                       <p:cBhvr>
                                         <p:cTn id="19" dur="1000"/>
                                         <p:tgtEl>
-                                          <p:spTgt spid="17"/>
+                                          <p:spTgt spid="4"/>
+                                        </p:tgtEl>
+                                      </p:cBhvr>
+                                    </p:animEffect>
+                                  </p:childTnLst>
+                                </p:cTn>
+                              </p:par>
+                            </p:childTnLst>
+                          </p:cTn>
+                        </p:par>
+                        <p:par>
+                          <p:cTn id="20" fill="hold">
+                            <p:stCondLst>
+                              <p:cond delay="2500"/>
+                            </p:stCondLst>
+                            <p:childTnLst>
+                              <p:par>
+                                <p:cTn id="21" presetID="10" presetClass="entr" presetSubtype="0" fill="hold" nodeType="afterEffect">
+                                  <p:stCondLst>
+                                    <p:cond delay="0"/>
+                                  </p:stCondLst>
+                                  <p:childTnLst>
+                                    <p:set>
+                                      <p:cBhvr>
+                                        <p:cTn id="22" dur="1" fill="hold">
+                                          <p:stCondLst>
+                                            <p:cond delay="0"/>
+                                          </p:stCondLst>
+                                        </p:cTn>
+                                        <p:tgtEl>
+                                          <p:spTgt spid="5"/>
+                                        </p:tgtEl>
+                                        <p:attrNameLst>
+                                          <p:attrName>style.visibility</p:attrName>
+                                        </p:attrNameLst>
+                                      </p:cBhvr>
+                                      <p:to>
+                                        <p:strVal val="visible"/>
+                                      </p:to>
+                                    </p:set>
+                                    <p:animEffect transition="in" filter="fade">
+                                      <p:cBhvr>
+                                        <p:cTn id="23" dur="1000"/>
+                                        <p:tgtEl>
+                                          <p:spTgt spid="5"/>
+                                        </p:tgtEl>
+                                      </p:cBhvr>
+                                    </p:animEffect>
+                                  </p:childTnLst>
+                                </p:cTn>
+                              </p:par>
+                            </p:childTnLst>
+                          </p:cTn>
+                        </p:par>
+                        <p:par>
+                          <p:cTn id="24" fill="hold">
+                            <p:stCondLst>
+                              <p:cond delay="3500"/>
+                            </p:stCondLst>
+                            <p:childTnLst>
+                              <p:par>
+                                <p:cTn id="25" presetID="10" presetClass="entr" presetSubtype="0" fill="hold" nodeType="afterEffect">
+                                  <p:stCondLst>
+                                    <p:cond delay="0"/>
+                                  </p:stCondLst>
+                                  <p:childTnLst>
+                                    <p:set>
+                                      <p:cBhvr>
+                                        <p:cTn id="26" dur="1" fill="hold">
+                                          <p:stCondLst>
+                                            <p:cond delay="0"/>
+                                          </p:stCondLst>
+                                        </p:cTn>
+                                        <p:tgtEl>
+                                          <p:spTgt spid="10"/>
+                                        </p:tgtEl>
+                                        <p:attrNameLst>
+                                          <p:attrName>style.visibility</p:attrName>
+                                        </p:attrNameLst>
+                                      </p:cBhvr>
+                                      <p:to>
+                                        <p:strVal val="visible"/>
+                                      </p:to>
+                                    </p:set>
+                                    <p:animEffect transition="in" filter="fade">
+                                      <p:cBhvr>
+                                        <p:cTn id="27" dur="1000"/>
+                                        <p:tgtEl>
+                                          <p:spTgt spid="10"/>
                                         </p:tgtEl>
                                       </p:cBhvr>
                                     </p:animEffect>
@@ -9801,10 +9194,9 @@
       </p:par>
     </p:tnLst>
     <p:bldLst>
-      <p:bldP spid="14" grpId="0"/>
-      <p:bldP spid="16" grpId="0"/>
-      <p:bldP spid="17" grpId="0"/>
-      <p:bldP spid="18" grpId="0"/>
+      <p:bldP spid="4" grpId="0"/>
+      <p:bldP spid="5" grpId="0"/>
+      <p:bldP spid="10" grpId="0"/>
     </p:bldLst>
   </p:timing>
 </p:sld>
@@ -11198,71 +10590,10 @@
       </p:sp>
       <p:sp>
         <p:nvSpPr>
-          <p:cNvPr id="13" name="Nadpis 1">
-            <a:extLst>
-              <a:ext uri="{FF2B5EF4-FFF2-40B4-BE49-F238E27FC236}">
-                <a16:creationId xmlns:a16="http://schemas.microsoft.com/office/drawing/2014/main" id="{C844EE25-6FED-2F6C-6DF0-37669AEDC5F3}"/>
-              </a:ext>
-            </a:extLst>
-          </p:cNvPr>
-          <p:cNvSpPr txBox="1">
-            <a:spLocks/>
-          </p:cNvSpPr>
-          <p:nvPr/>
-        </p:nvSpPr>
-        <p:spPr>
-          <a:xfrm>
-            <a:off x="3150355" y="776214"/>
-            <a:ext cx="5891288" cy="506077"/>
-          </a:xfrm>
-          <a:prstGeom prst="rect">
-            <a:avLst/>
-          </a:prstGeom>
-        </p:spPr>
-        <p:txBody>
-          <a:bodyPr vert="horz" lIns="91440" tIns="45720" rIns="91440" bIns="45720" rtlCol="0" anchor="t">
-            <a:noAutofit/>
-          </a:bodyPr>
-          <a:lstStyle>
-            <a:lvl1pPr algn="ctr" defTabSz="914400" rtl="0" eaLnBrk="1" latinLnBrk="0" hangingPunct="1">
-              <a:lnSpc>
-                <a:spcPct val="90000"/>
-              </a:lnSpc>
-              <a:spcBef>
-                <a:spcPct val="0"/>
-              </a:spcBef>
-              <a:buNone/>
-              <a:defRPr sz="6000" kern="1200">
-                <a:solidFill>
-                  <a:schemeClr val="tx1"/>
-                </a:solidFill>
-                <a:latin typeface="+mj-lt"/>
-                <a:ea typeface="+mj-ea"/>
-                <a:cs typeface="+mj-cs"/>
-              </a:defRPr>
-            </a:lvl1pPr>
-          </a:lstStyle>
-          <a:p>
-            <a:pPr algn="l"/>
-            <a:r>
-              <a:rPr lang="sk-SK" sz="6600" dirty="0">
-                <a:solidFill>
-                  <a:schemeClr val="bg1"/>
-                </a:solidFill>
-                <a:latin typeface="Lucida Console" panose="020B0609040504020204" pitchFamily="49" charset="0"/>
-                <a:cs typeface="Segoe UI" panose="020B0502040204020203" pitchFamily="34" charset="0"/>
-              </a:rPr>
-              <a:t>OBSAH PRÁCE</a:t>
-            </a:r>
-          </a:p>
-        </p:txBody>
-      </p:sp>
-      <p:sp>
-        <p:nvSpPr>
-          <p:cNvPr id="5" name="!!kruh">
-            <a:extLst>
-              <a:ext uri="{FF2B5EF4-FFF2-40B4-BE49-F238E27FC236}">
-                <a16:creationId xmlns:a16="http://schemas.microsoft.com/office/drawing/2014/main" id="{9E87ED66-A415-39F9-C8C2-69C610E9C3B5}"/>
+          <p:cNvPr id="4" name="Obdĺžnik 3">
+            <a:extLst>
+              <a:ext uri="{FF2B5EF4-FFF2-40B4-BE49-F238E27FC236}">
+                <a16:creationId xmlns:a16="http://schemas.microsoft.com/office/drawing/2014/main" id="{BFA3DE68-F7C6-AD22-EA12-74D596C9B78E}"/>
               </a:ext>
             </a:extLst>
           </p:cNvPr>
@@ -11270,226 +10601,9 @@
           <p:nvPr/>
         </p:nvSpPr>
         <p:spPr>
-          <a:xfrm>
-            <a:off x="3727169" y="2534629"/>
-            <a:ext cx="389136" cy="389136"/>
-          </a:xfrm>
-          <a:prstGeom prst="ellipse">
-            <a:avLst/>
-          </a:prstGeom>
-          <a:gradFill flip="none" rotWithShape="1">
-            <a:gsLst>
-              <a:gs pos="35000">
-                <a:srgbClr val="CCFF99">
-                  <a:lumMod val="96000"/>
-                </a:srgbClr>
-              </a:gs>
-              <a:gs pos="66000">
-                <a:schemeClr val="accent1"/>
-              </a:gs>
-            </a:gsLst>
-            <a:path path="circle">
-              <a:fillToRect l="100000" b="100000"/>
-            </a:path>
-            <a:tileRect t="-100000" r="-100000"/>
-          </a:gradFill>
-          <a:ln w="38100">
-            <a:solidFill>
-              <a:srgbClr val="313944">
-                <a:alpha val="94000"/>
-              </a:srgbClr>
-            </a:solidFill>
-          </a:ln>
-          <a:effectLst/>
-        </p:spPr>
-        <p:style>
-          <a:lnRef idx="2">
-            <a:schemeClr val="accent1">
-              <a:shade val="50000"/>
-            </a:schemeClr>
-          </a:lnRef>
-          <a:fillRef idx="1">
-            <a:schemeClr val="accent1"/>
-          </a:fillRef>
-          <a:effectRef idx="0">
-            <a:schemeClr val="accent1"/>
-          </a:effectRef>
-          <a:fontRef idx="minor">
-            <a:schemeClr val="lt1"/>
-          </a:fontRef>
-        </p:style>
-        <p:txBody>
-          <a:bodyPr rtlCol="0" anchor="ctr"/>
-          <a:lstStyle/>
-          <a:p>
-            <a:pPr algn="ctr"/>
-            <a:endParaRPr lang="sk-SK" dirty="0">
-              <a:ln w="28575">
-                <a:solidFill>
-                  <a:schemeClr val="accent1"/>
-                </a:solidFill>
-              </a:ln>
-            </a:endParaRPr>
-          </a:p>
-        </p:txBody>
-      </p:sp>
-      <p:sp>
-        <p:nvSpPr>
-          <p:cNvPr id="9" name="BlokTextu 8">
-            <a:extLst>
-              <a:ext uri="{FF2B5EF4-FFF2-40B4-BE49-F238E27FC236}">
-                <a16:creationId xmlns:a16="http://schemas.microsoft.com/office/drawing/2014/main" id="{39D1B415-986F-BE51-72C4-7E46BA906079}"/>
-              </a:ext>
-            </a:extLst>
-          </p:cNvPr>
-          <p:cNvSpPr txBox="1"/>
-          <p:nvPr/>
-        </p:nvSpPr>
-        <p:spPr>
-          <a:xfrm>
-            <a:off x="6721640" y="4491524"/>
-            <a:ext cx="4930589" cy="669414"/>
-          </a:xfrm>
-          <a:prstGeom prst="rect">
-            <a:avLst/>
-          </a:prstGeom>
-          <a:noFill/>
-        </p:spPr>
-        <p:txBody>
-          <a:bodyPr wrap="square" rtlCol="0">
-            <a:spAutoFit/>
-          </a:bodyPr>
-          <a:lstStyle/>
-          <a:p>
-            <a:pPr>
-              <a:lnSpc>
-                <a:spcPct val="107000"/>
-              </a:lnSpc>
-              <a:spcAft>
-                <a:spcPts val="800"/>
-              </a:spcAft>
-            </a:pPr>
-            <a:r>
-              <a:rPr lang="sk-SK" sz="1800" dirty="0">
-                <a:solidFill>
-                  <a:schemeClr val="bg1"/>
-                </a:solidFill>
-                <a:effectLst/>
-                <a:latin typeface="Lucida Console" panose="020B0609040504020204" pitchFamily="49" charset="0"/>
-                <a:ea typeface="Calibri" panose="020F0502020204030204" pitchFamily="34" charset="0"/>
-                <a:cs typeface="Times New Roman" panose="02020603050405020304" pitchFamily="18" charset="0"/>
-              </a:rPr>
-              <a:t>-záver a zhrnutie našej práce, naše dojmy</a:t>
-            </a:r>
-          </a:p>
-        </p:txBody>
-      </p:sp>
-      <p:pic>
-        <p:nvPicPr>
-          <p:cNvPr id="12" name="Graphic 7">
-            <a:extLst>
-              <a:ext uri="{FF2B5EF4-FFF2-40B4-BE49-F238E27FC236}">
-                <a16:creationId xmlns:a16="http://schemas.microsoft.com/office/drawing/2014/main" id="{4D915BB4-F56F-FD72-1415-8AC299A3365D}"/>
-              </a:ext>
-            </a:extLst>
-          </p:cNvPr>
-          <p:cNvPicPr>
-            <a:picLocks noChangeAspect="1"/>
-          </p:cNvPicPr>
-          <p:nvPr/>
-        </p:nvPicPr>
-        <p:blipFill>
-          <a:blip r:embed="rId3" cstate="email">
-            <a:extLst>
-              <a:ext uri="{28A0092B-C50C-407E-A947-70E740481C1C}">
-                <a14:useLocalDpi xmlns:a14="http://schemas.microsoft.com/office/drawing/2010/main"/>
-              </a:ext>
-              <a:ext uri="{96DAC541-7B7A-43D3-8B79-37D633B846F1}">
-                <asvg:svgBlip xmlns:asvg="http://schemas.microsoft.com/office/drawing/2016/SVG/main" r:embed="rId4"/>
-              </a:ext>
-            </a:extLst>
-          </a:blip>
-          <a:stretch>
-            <a:fillRect/>
-          </a:stretch>
-        </p:blipFill>
-        <p:spPr>
-          <a:xfrm rot="16200000">
-            <a:off x="4286860" y="4093164"/>
-            <a:ext cx="3344799" cy="126948"/>
-          </a:xfrm>
-          <a:prstGeom prst="rect">
-            <a:avLst/>
-          </a:prstGeom>
-        </p:spPr>
-      </p:pic>
-      <p:sp>
-        <p:nvSpPr>
-          <p:cNvPr id="14" name="BlokTextu 13">
-            <a:extLst>
-              <a:ext uri="{FF2B5EF4-FFF2-40B4-BE49-F238E27FC236}">
-                <a16:creationId xmlns:a16="http://schemas.microsoft.com/office/drawing/2014/main" id="{F1B46A5F-BF27-0654-2883-56E01962BA7B}"/>
-              </a:ext>
-            </a:extLst>
-          </p:cNvPr>
-          <p:cNvSpPr txBox="1"/>
-          <p:nvPr/>
-        </p:nvSpPr>
-        <p:spPr>
-          <a:xfrm>
-            <a:off x="589273" y="3364529"/>
-            <a:ext cx="4893557" cy="669414"/>
-          </a:xfrm>
-          <a:prstGeom prst="rect">
-            <a:avLst/>
-          </a:prstGeom>
-          <a:noFill/>
-        </p:spPr>
-        <p:txBody>
-          <a:bodyPr wrap="square" rtlCol="0">
-            <a:spAutoFit/>
-          </a:bodyPr>
-          <a:lstStyle/>
-          <a:p>
-            <a:pPr>
-              <a:lnSpc>
-                <a:spcPct val="107000"/>
-              </a:lnSpc>
-              <a:spcAft>
-                <a:spcPts val="800"/>
-              </a:spcAft>
-            </a:pPr>
-            <a:r>
-              <a:rPr lang="sk-SK" sz="1800" dirty="0">
-                <a:solidFill>
-                  <a:schemeClr val="bg1"/>
-                </a:solidFill>
-                <a:effectLst/>
-                <a:latin typeface="Lucida Console" panose="020B0609040504020204" pitchFamily="49" charset="0"/>
-                <a:ea typeface="Calibri" panose="020F0502020204030204" pitchFamily="34" charset="0"/>
-                <a:cs typeface="Times New Roman" panose="02020603050405020304" pitchFamily="18" charset="0"/>
-              </a:rPr>
-              <a:t>-úvod k našej práci, čo stálo za jej vznikom</a:t>
-            </a:r>
-          </a:p>
-        </p:txBody>
-      </p:sp>
-      <p:sp>
-        <p:nvSpPr>
-          <p:cNvPr id="17" name="Obdĺžnik 16">
-            <a:extLst>
-              <a:ext uri="{FF2B5EF4-FFF2-40B4-BE49-F238E27FC236}">
-                <a16:creationId xmlns:a16="http://schemas.microsoft.com/office/drawing/2014/main" id="{34A5C749-053B-258E-7533-3A059F24E985}"/>
-              </a:ext>
-            </a:extLst>
-          </p:cNvPr>
-          <p:cNvSpPr/>
-          <p:nvPr/>
-        </p:nvSpPr>
-        <p:spPr>
-          <a:xfrm>
-            <a:off x="-1907511" y="6321430"/>
-            <a:ext cx="16007020" cy="228477"/>
+          <a:xfrm rot="20045164">
+            <a:off x="-2432936" y="2583476"/>
+            <a:ext cx="16470863" cy="532110"/>
           </a:xfrm>
           <a:prstGeom prst="rect">
             <a:avLst/>
@@ -11540,238 +10654,25 @@
       </p:sp>
       <p:sp>
         <p:nvSpPr>
-          <p:cNvPr id="2" name="BlokTextu 1">
-            <a:extLst>
-              <a:ext uri="{FF2B5EF4-FFF2-40B4-BE49-F238E27FC236}">
-                <a16:creationId xmlns:a16="http://schemas.microsoft.com/office/drawing/2014/main" id="{39B18892-57C6-5BD8-BF95-B4F3C28A3379}"/>
-              </a:ext>
-            </a:extLst>
-          </p:cNvPr>
-          <p:cNvSpPr txBox="1"/>
+          <p:cNvPr id="5" name="Obdĺžnik 4">
+            <a:extLst>
+              <a:ext uri="{FF2B5EF4-FFF2-40B4-BE49-F238E27FC236}">
+                <a16:creationId xmlns:a16="http://schemas.microsoft.com/office/drawing/2014/main" id="{FC407B1A-A91C-A488-BF24-5BA273BEC60B}"/>
+              </a:ext>
+            </a:extLst>
+          </p:cNvPr>
+          <p:cNvSpPr/>
           <p:nvPr/>
         </p:nvSpPr>
         <p:spPr>
-          <a:xfrm>
-            <a:off x="589272" y="4199465"/>
-            <a:ext cx="4893557" cy="965777"/>
+          <a:xfrm rot="20045164">
+            <a:off x="-1988805" y="3143311"/>
+            <a:ext cx="16007020" cy="228477"/>
           </a:xfrm>
           <a:prstGeom prst="rect">
             <a:avLst/>
           </a:prstGeom>
-          <a:noFill/>
-        </p:spPr>
-        <p:txBody>
-          <a:bodyPr wrap="square" rtlCol="0">
-            <a:spAutoFit/>
-          </a:bodyPr>
-          <a:lstStyle/>
-          <a:p>
-            <a:pPr>
-              <a:lnSpc>
-                <a:spcPct val="107000"/>
-              </a:lnSpc>
-              <a:spcAft>
-                <a:spcPts val="800"/>
-              </a:spcAft>
-            </a:pPr>
-            <a:r>
-              <a:rPr lang="sk-SK" sz="1800" dirty="0">
-                <a:solidFill>
-                  <a:schemeClr val="bg1"/>
-                </a:solidFill>
-                <a:effectLst/>
-                <a:latin typeface="Lucida Console" panose="020B0609040504020204" pitchFamily="49" charset="0"/>
-                <a:ea typeface="Calibri" panose="020F0502020204030204" pitchFamily="34" charset="0"/>
-                <a:cs typeface="Times New Roman" panose="02020603050405020304" pitchFamily="18" charset="0"/>
-              </a:rPr>
-              <a:t>-určenie si hlavných a vedľajších cieľov, ktoré sme sa snažili splniť</a:t>
-            </a:r>
-          </a:p>
-        </p:txBody>
-      </p:sp>
-      <p:sp>
-        <p:nvSpPr>
-          <p:cNvPr id="3" name="BlokTextu 2">
-            <a:extLst>
-              <a:ext uri="{FF2B5EF4-FFF2-40B4-BE49-F238E27FC236}">
-                <a16:creationId xmlns:a16="http://schemas.microsoft.com/office/drawing/2014/main" id="{4B1BBF10-CB13-7CC0-8B58-281B85056C0F}"/>
-              </a:ext>
-            </a:extLst>
-          </p:cNvPr>
-          <p:cNvSpPr txBox="1"/>
-          <p:nvPr/>
-        </p:nvSpPr>
-        <p:spPr>
-          <a:xfrm>
-            <a:off x="589272" y="5306598"/>
-            <a:ext cx="4893557" cy="669414"/>
-          </a:xfrm>
-          <a:prstGeom prst="rect">
-            <a:avLst/>
-          </a:prstGeom>
-          <a:noFill/>
-        </p:spPr>
-        <p:txBody>
-          <a:bodyPr wrap="square" rtlCol="0">
-            <a:spAutoFit/>
-          </a:bodyPr>
-          <a:lstStyle/>
-          <a:p>
-            <a:pPr>
-              <a:lnSpc>
-                <a:spcPct val="107000"/>
-              </a:lnSpc>
-              <a:spcAft>
-                <a:spcPts val="800"/>
-              </a:spcAft>
-            </a:pPr>
-            <a:r>
-              <a:rPr lang="sk-SK" sz="1800" dirty="0">
-                <a:solidFill>
-                  <a:schemeClr val="bg1"/>
-                </a:solidFill>
-                <a:effectLst/>
-                <a:latin typeface="Lucida Console" panose="020B0609040504020204" pitchFamily="49" charset="0"/>
-                <a:ea typeface="Calibri" panose="020F0502020204030204" pitchFamily="34" charset="0"/>
-                <a:cs typeface="Times New Roman" panose="02020603050405020304" pitchFamily="18" charset="0"/>
-              </a:rPr>
-              <a:t>-jednotlivé pracovné listy, akú formu majú, čo obsahujú</a:t>
-            </a:r>
-          </a:p>
-        </p:txBody>
-      </p:sp>
-      <p:sp>
-        <p:nvSpPr>
-          <p:cNvPr id="7" name="BlokTextu 6">
-            <a:extLst>
-              <a:ext uri="{FF2B5EF4-FFF2-40B4-BE49-F238E27FC236}">
-                <a16:creationId xmlns:a16="http://schemas.microsoft.com/office/drawing/2014/main" id="{742A2BE4-0BF2-6D49-1F45-83A1AF327223}"/>
-              </a:ext>
-            </a:extLst>
-          </p:cNvPr>
-          <p:cNvSpPr txBox="1"/>
-          <p:nvPr/>
-        </p:nvSpPr>
-        <p:spPr>
-          <a:xfrm>
-            <a:off x="6716098" y="3364529"/>
-            <a:ext cx="4930589" cy="965777"/>
-          </a:xfrm>
-          <a:prstGeom prst="rect">
-            <a:avLst/>
-          </a:prstGeom>
-          <a:noFill/>
-        </p:spPr>
-        <p:txBody>
-          <a:bodyPr wrap="square" rtlCol="0">
-            <a:spAutoFit/>
-          </a:bodyPr>
-          <a:lstStyle/>
-          <a:p>
-            <a:pPr>
-              <a:lnSpc>
-                <a:spcPct val="107000"/>
-              </a:lnSpc>
-              <a:spcAft>
-                <a:spcPts val="800"/>
-              </a:spcAft>
-            </a:pPr>
-            <a:r>
-              <a:rPr lang="sk-SK" sz="1800" dirty="0">
-                <a:solidFill>
-                  <a:schemeClr val="bg1"/>
-                </a:solidFill>
-                <a:effectLst/>
-                <a:latin typeface="Lucida Console" panose="020B0609040504020204" pitchFamily="49" charset="0"/>
-                <a:ea typeface="Calibri" panose="020F0502020204030204" pitchFamily="34" charset="0"/>
-                <a:cs typeface="Times New Roman" panose="02020603050405020304" pitchFamily="18" charset="0"/>
-              </a:rPr>
-              <a:t>-spätná väzba formou dotazníka, pripomienky opýtaných a ich riešenie</a:t>
-            </a:r>
-          </a:p>
-        </p:txBody>
-      </p:sp>
-      <p:sp>
-        <p:nvSpPr>
-          <p:cNvPr id="8" name="BlokTextu 7">
-            <a:extLst>
-              <a:ext uri="{FF2B5EF4-FFF2-40B4-BE49-F238E27FC236}">
-                <a16:creationId xmlns:a16="http://schemas.microsoft.com/office/drawing/2014/main" id="{DCE5086C-027E-8B4E-BDF0-ED072E9DE2DC}"/>
-              </a:ext>
-            </a:extLst>
-          </p:cNvPr>
-          <p:cNvSpPr txBox="1"/>
-          <p:nvPr/>
-        </p:nvSpPr>
-        <p:spPr>
-          <a:xfrm>
-            <a:off x="2027032" y="2503904"/>
-            <a:ext cx="1742591" cy="466666"/>
-          </a:xfrm>
-          <a:prstGeom prst="rect">
-            <a:avLst/>
-          </a:prstGeom>
-          <a:noFill/>
-        </p:spPr>
-        <p:txBody>
-          <a:bodyPr wrap="square" rtlCol="0">
-            <a:spAutoFit/>
-          </a:bodyPr>
-          <a:lstStyle/>
-          <a:p>
-            <a:pPr>
-              <a:lnSpc>
-                <a:spcPct val="107000"/>
-              </a:lnSpc>
-              <a:spcAft>
-                <a:spcPts val="800"/>
-              </a:spcAft>
-            </a:pPr>
-            <a:r>
-              <a:rPr lang="sk-SK" sz="2400" dirty="0">
-                <a:solidFill>
-                  <a:schemeClr val="bg1"/>
-                </a:solidFill>
-                <a:effectLst/>
-                <a:latin typeface="Lucida Console" panose="020B0609040504020204" pitchFamily="49" charset="0"/>
-                <a:ea typeface="Calibri" panose="020F0502020204030204" pitchFamily="34" charset="0"/>
-                <a:cs typeface="Times New Roman" panose="02020603050405020304" pitchFamily="18" charset="0"/>
-              </a:rPr>
-              <a:t>PRIMÁRNE</a:t>
-            </a:r>
-            <a:endParaRPr lang="sk-SK" sz="1800" dirty="0">
-              <a:solidFill>
-                <a:schemeClr val="bg1"/>
-              </a:solidFill>
-              <a:effectLst/>
-              <a:latin typeface="Lucida Console" panose="020B0609040504020204" pitchFamily="49" charset="0"/>
-              <a:ea typeface="Calibri" panose="020F0502020204030204" pitchFamily="34" charset="0"/>
-              <a:cs typeface="Times New Roman" panose="02020603050405020304" pitchFamily="18" charset="0"/>
-            </a:endParaRPr>
-          </a:p>
-        </p:txBody>
-      </p:sp>
-      <p:sp>
-        <p:nvSpPr>
-          <p:cNvPr id="10" name="!!kruh">
-            <a:extLst>
-              <a:ext uri="{FF2B5EF4-FFF2-40B4-BE49-F238E27FC236}">
-                <a16:creationId xmlns:a16="http://schemas.microsoft.com/office/drawing/2014/main" id="{4A6A73C8-5091-E301-B5A0-F2563EA01481}"/>
-              </a:ext>
-            </a:extLst>
-          </p:cNvPr>
-          <p:cNvSpPr/>
-          <p:nvPr/>
-        </p:nvSpPr>
-        <p:spPr>
-          <a:xfrm>
-            <a:off x="1611520" y="2530556"/>
-            <a:ext cx="389136" cy="389136"/>
-          </a:xfrm>
-          <a:prstGeom prst="ellipse">
-            <a:avLst/>
-          </a:prstGeom>
-          <a:gradFill flip="none" rotWithShape="1">
+          <a:gradFill>
             <a:gsLst>
               <a:gs pos="35000">
                 <a:srgbClr val="CCFF99">
@@ -11785,16 +10686,10 @@
             <a:path path="circle">
               <a:fillToRect l="100000" b="100000"/>
             </a:path>
-            <a:tileRect t="-100000" r="-100000"/>
           </a:gradFill>
-          <a:ln w="38100">
-            <a:solidFill>
-              <a:srgbClr val="313944">
-                <a:alpha val="94000"/>
-              </a:srgbClr>
-            </a:solidFill>
+          <a:ln>
+            <a:noFill/>
           </a:ln>
-          <a:effectLst/>
         </p:spPr>
         <p:style>
           <a:lnRef idx="2">
@@ -11817,121 +10712,119 @@
           <a:lstStyle/>
           <a:p>
             <a:pPr algn="ctr"/>
-            <a:endParaRPr lang="sk-SK" dirty="0">
-              <a:ln w="28575">
-                <a:solidFill>
-                  <a:schemeClr val="accent1"/>
-                </a:solidFill>
-              </a:ln>
-            </a:endParaRPr>
-          </a:p>
-        </p:txBody>
-      </p:sp>
-      <p:sp>
-        <p:nvSpPr>
-          <p:cNvPr id="11" name="!!kruh">
-            <a:extLst>
-              <a:ext uri="{FF2B5EF4-FFF2-40B4-BE49-F238E27FC236}">
-                <a16:creationId xmlns:a16="http://schemas.microsoft.com/office/drawing/2014/main" id="{414C5003-F3F9-F31A-E0AE-0589B7ACA764}"/>
-              </a:ext>
-            </a:extLst>
-          </p:cNvPr>
-          <p:cNvSpPr/>
+            <a:endParaRPr lang="sk-SK"/>
+          </a:p>
+        </p:txBody>
+      </p:sp>
+      <p:sp>
+        <p:nvSpPr>
+          <p:cNvPr id="13" name="Nadpis 1">
+            <a:extLst>
+              <a:ext uri="{FF2B5EF4-FFF2-40B4-BE49-F238E27FC236}">
+                <a16:creationId xmlns:a16="http://schemas.microsoft.com/office/drawing/2014/main" id="{C844EE25-6FED-2F6C-6DF0-37669AEDC5F3}"/>
+              </a:ext>
+            </a:extLst>
+          </p:cNvPr>
+          <p:cNvSpPr txBox="1">
+            <a:spLocks/>
+          </p:cNvSpPr>
           <p:nvPr/>
         </p:nvSpPr>
         <p:spPr>
           <a:xfrm>
-            <a:off x="9903511" y="2569351"/>
-            <a:ext cx="389136" cy="389136"/>
-          </a:xfrm>
-          <a:prstGeom prst="ellipse">
-            <a:avLst/>
-          </a:prstGeom>
-          <a:gradFill flip="none" rotWithShape="1">
-            <a:gsLst>
-              <a:gs pos="35000">
-                <a:srgbClr val="CCFF99">
-                  <a:lumMod val="96000"/>
-                </a:srgbClr>
-              </a:gs>
-              <a:gs pos="66000">
-                <a:schemeClr val="accent1"/>
-              </a:gs>
-            </a:gsLst>
-            <a:path path="circle">
-              <a:fillToRect l="100000" b="100000"/>
-            </a:path>
-            <a:tileRect t="-100000" r="-100000"/>
-          </a:gradFill>
-          <a:ln w="38100">
-            <a:solidFill>
-              <a:srgbClr val="313944">
-                <a:alpha val="94000"/>
-              </a:srgbClr>
-            </a:solidFill>
-          </a:ln>
-          <a:effectLst/>
-        </p:spPr>
-        <p:style>
-          <a:lnRef idx="2">
-            <a:schemeClr val="accent1">
-              <a:shade val="50000"/>
-            </a:schemeClr>
-          </a:lnRef>
-          <a:fillRef idx="1">
-            <a:schemeClr val="accent1"/>
-          </a:fillRef>
-          <a:effectRef idx="0">
-            <a:schemeClr val="accent1"/>
-          </a:effectRef>
-          <a:fontRef idx="minor">
-            <a:schemeClr val="lt1"/>
-          </a:fontRef>
-        </p:style>
-        <p:txBody>
-          <a:bodyPr rtlCol="0" anchor="ctr"/>
-          <a:lstStyle/>
-          <a:p>
-            <a:pPr algn="ctr"/>
-            <a:endParaRPr lang="sk-SK" dirty="0">
-              <a:ln w="28575">
-                <a:solidFill>
-                  <a:schemeClr val="accent1"/>
-                </a:solidFill>
-              </a:ln>
-            </a:endParaRPr>
-          </a:p>
-        </p:txBody>
-      </p:sp>
-      <p:sp>
-        <p:nvSpPr>
-          <p:cNvPr id="18" name="BlokTextu 17">
-            <a:extLst>
-              <a:ext uri="{FF2B5EF4-FFF2-40B4-BE49-F238E27FC236}">
-                <a16:creationId xmlns:a16="http://schemas.microsoft.com/office/drawing/2014/main" id="{1C8EB58A-8DE0-77CE-DF14-5762BA54FCB5}"/>
-              </a:ext>
-            </a:extLst>
-          </p:cNvPr>
-          <p:cNvSpPr txBox="1"/>
-          <p:nvPr/>
-        </p:nvSpPr>
-        <p:spPr>
-          <a:xfrm>
-            <a:off x="8220958" y="2538626"/>
-            <a:ext cx="1742591" cy="466666"/>
+            <a:off x="706971" y="728558"/>
+            <a:ext cx="4379379" cy="506077"/>
           </a:xfrm>
           <a:prstGeom prst="rect">
             <a:avLst/>
           </a:prstGeom>
-          <a:noFill/>
-        </p:spPr>
-        <p:txBody>
-          <a:bodyPr wrap="square" rtlCol="0">
-            <a:spAutoFit/>
+        </p:spPr>
+        <p:txBody>
+          <a:bodyPr vert="horz" lIns="91440" tIns="45720" rIns="91440" bIns="45720" rtlCol="0" anchor="t">
+            <a:noAutofit/>
           </a:bodyPr>
-          <a:lstStyle/>
-          <a:p>
-            <a:pPr>
+          <a:lstStyle>
+            <a:lvl1pPr algn="ctr" defTabSz="914400" rtl="0" eaLnBrk="1" latinLnBrk="0" hangingPunct="1">
+              <a:lnSpc>
+                <a:spcPct val="90000"/>
+              </a:lnSpc>
+              <a:spcBef>
+                <a:spcPct val="0"/>
+              </a:spcBef>
+              <a:buNone/>
+              <a:defRPr sz="6000" kern="1200">
+                <a:solidFill>
+                  <a:schemeClr val="tx1"/>
+                </a:solidFill>
+                <a:latin typeface="+mj-lt"/>
+                <a:ea typeface="+mj-ea"/>
+                <a:cs typeface="+mj-cs"/>
+              </a:defRPr>
+            </a:lvl1pPr>
+          </a:lstStyle>
+          <a:p>
+            <a:pPr algn="l"/>
+            <a:r>
+              <a:rPr lang="sk-SK" sz="6600" dirty="0">
+                <a:solidFill>
+                  <a:schemeClr val="bg1"/>
+                </a:solidFill>
+                <a:latin typeface="Lucida Console" panose="020B0609040504020204" pitchFamily="49" charset="0"/>
+                <a:cs typeface="Segoe UI" panose="020B0502040204020203" pitchFamily="34" charset="0"/>
+              </a:rPr>
+              <a:t>PRACOVNÉ    LISTY</a:t>
+            </a:r>
+          </a:p>
+        </p:txBody>
+      </p:sp>
+      <p:sp>
+        <p:nvSpPr>
+          <p:cNvPr id="11" name="Nadpis 1">
+            <a:extLst>
+              <a:ext uri="{FF2B5EF4-FFF2-40B4-BE49-F238E27FC236}">
+                <a16:creationId xmlns:a16="http://schemas.microsoft.com/office/drawing/2014/main" id="{0D416FD4-5952-4C85-47BE-67B5FFB3650C}"/>
+              </a:ext>
+            </a:extLst>
+          </p:cNvPr>
+          <p:cNvSpPr txBox="1">
+            <a:spLocks/>
+          </p:cNvSpPr>
+          <p:nvPr/>
+        </p:nvSpPr>
+        <p:spPr>
+          <a:xfrm>
+            <a:off x="4461049" y="5134781"/>
+            <a:ext cx="7271564" cy="994661"/>
+          </a:xfrm>
+          <a:prstGeom prst="rect">
+            <a:avLst/>
+          </a:prstGeom>
+        </p:spPr>
+        <p:txBody>
+          <a:bodyPr vert="horz" lIns="91440" tIns="45720" rIns="91440" bIns="45720" rtlCol="0" anchor="t">
+            <a:noAutofit/>
+          </a:bodyPr>
+          <a:lstStyle>
+            <a:lvl1pPr algn="ctr" defTabSz="914400" rtl="0" eaLnBrk="1" latinLnBrk="0" hangingPunct="1">
+              <a:lnSpc>
+                <a:spcPct val="90000"/>
+              </a:lnSpc>
+              <a:spcBef>
+                <a:spcPct val="0"/>
+              </a:spcBef>
+              <a:buNone/>
+              <a:defRPr sz="6000" kern="1200">
+                <a:solidFill>
+                  <a:schemeClr val="tx1"/>
+                </a:solidFill>
+                <a:latin typeface="+mj-lt"/>
+                <a:ea typeface="+mj-ea"/>
+                <a:cs typeface="+mj-cs"/>
+              </a:defRPr>
+            </a:lvl1pPr>
+          </a:lstStyle>
+          <a:p>
+            <a:pPr algn="l">
               <a:lnSpc>
                 <a:spcPct val="107000"/>
               </a:lnSpc>
@@ -11940,7 +10833,7 @@
               </a:spcAft>
             </a:pPr>
             <a:r>
-              <a:rPr lang="sk-SK" sz="2400" dirty="0">
+              <a:rPr lang="sk-SK" sz="1800" dirty="0">
                 <a:solidFill>
                   <a:schemeClr val="bg1"/>
                 </a:solidFill>
@@ -11949,100 +10842,228 @@
                 <a:ea typeface="Calibri" panose="020F0502020204030204" pitchFamily="34" charset="0"/>
                 <a:cs typeface="Times New Roman" panose="02020603050405020304" pitchFamily="18" charset="0"/>
               </a:rPr>
-              <a:t>BONUSOVÉ</a:t>
-            </a:r>
-            <a:endParaRPr lang="sk-SK" sz="1800" dirty="0">
-              <a:solidFill>
-                <a:schemeClr val="bg1"/>
-              </a:solidFill>
-              <a:effectLst/>
-              <a:latin typeface="Lucida Console" panose="020B0609040504020204" pitchFamily="49" charset="0"/>
-              <a:ea typeface="Calibri" panose="020F0502020204030204" pitchFamily="34" charset="0"/>
-              <a:cs typeface="Times New Roman" panose="02020603050405020304" pitchFamily="18" charset="0"/>
-            </a:endParaRPr>
-          </a:p>
-        </p:txBody>
-      </p:sp>
-      <p:sp>
-        <p:nvSpPr>
-          <p:cNvPr id="19" name="!!kruh">
-            <a:extLst>
-              <a:ext uri="{FF2B5EF4-FFF2-40B4-BE49-F238E27FC236}">
-                <a16:creationId xmlns:a16="http://schemas.microsoft.com/office/drawing/2014/main" id="{4EB58E63-092B-0D0E-D892-8C1B21685DF3}"/>
-              </a:ext>
-            </a:extLst>
-          </p:cNvPr>
-          <p:cNvSpPr/>
+              <a:t>-čo pracovné listy obsahujú</a:t>
+            </a:r>
+          </a:p>
+          <a:p>
+            <a:pPr algn="l">
+              <a:lnSpc>
+                <a:spcPct val="107000"/>
+              </a:lnSpc>
+              <a:spcAft>
+                <a:spcPts val="800"/>
+              </a:spcAft>
+            </a:pPr>
+            <a:r>
+              <a:rPr lang="sk-SK" sz="1800" dirty="0">
+                <a:solidFill>
+                  <a:schemeClr val="bg1"/>
+                </a:solidFill>
+                <a:effectLst/>
+                <a:latin typeface="Lucida Console" panose="020B0609040504020204" pitchFamily="49" charset="0"/>
+                <a:ea typeface="Calibri" panose="020F0502020204030204" pitchFamily="34" charset="0"/>
+                <a:cs typeface="Times New Roman" panose="02020603050405020304" pitchFamily="18" charset="0"/>
+              </a:rPr>
+              <a:t>-rozloženie a prevedenie pracovných listov</a:t>
+            </a:r>
+          </a:p>
+        </p:txBody>
+      </p:sp>
+      <p:sp>
+        <p:nvSpPr>
+          <p:cNvPr id="6" name="BlokTextu 5">
+            <a:extLst>
+              <a:ext uri="{FF2B5EF4-FFF2-40B4-BE49-F238E27FC236}">
+                <a16:creationId xmlns:a16="http://schemas.microsoft.com/office/drawing/2014/main" id="{7BA26F74-A0F2-7AB5-9C0F-BE2EE46110B4}"/>
+              </a:ext>
+            </a:extLst>
+          </p:cNvPr>
+          <p:cNvSpPr txBox="1"/>
           <p:nvPr/>
         </p:nvSpPr>
+        <p:spPr>
+          <a:xfrm rot="16200000">
+            <a:off x="-835323" y="3320821"/>
+            <a:ext cx="3033788" cy="369332"/>
+          </a:xfrm>
+          <a:prstGeom prst="rect">
+            <a:avLst/>
+          </a:prstGeom>
+          <a:noFill/>
+        </p:spPr>
+        <p:txBody>
+          <a:bodyPr wrap="square" rtlCol="0">
+            <a:spAutoFit/>
+          </a:bodyPr>
+          <a:lstStyle/>
+          <a:p>
+            <a:r>
+              <a:rPr lang="sk-SK" sz="1800" dirty="0">
+                <a:solidFill>
+                  <a:schemeClr val="bg1"/>
+                </a:solidFill>
+                <a:effectLst/>
+                <a:latin typeface="Lucida Console" panose="020B0609040504020204" pitchFamily="49" charset="0"/>
+              </a:rPr>
+              <a:t>Praktický list</a:t>
+            </a:r>
+            <a:endParaRPr lang="sk-SK" dirty="0"/>
+          </a:p>
+        </p:txBody>
+      </p:sp>
+      <p:sp>
+        <p:nvSpPr>
+          <p:cNvPr id="2" name="BlokTextu 1">
+            <a:extLst>
+              <a:ext uri="{FF2B5EF4-FFF2-40B4-BE49-F238E27FC236}">
+                <a16:creationId xmlns:a16="http://schemas.microsoft.com/office/drawing/2014/main" id="{285A0554-B2AC-E846-6DB1-2D25ED6FD4DE}"/>
+              </a:ext>
+            </a:extLst>
+          </p:cNvPr>
+          <p:cNvSpPr txBox="1"/>
+          <p:nvPr/>
+        </p:nvSpPr>
+        <p:spPr>
+          <a:xfrm rot="5400000">
+            <a:off x="9871906" y="1869865"/>
+            <a:ext cx="2291738" cy="369332"/>
+          </a:xfrm>
+          <a:prstGeom prst="rect">
+            <a:avLst/>
+          </a:prstGeom>
+          <a:noFill/>
+        </p:spPr>
+        <p:txBody>
+          <a:bodyPr wrap="square" rtlCol="0">
+            <a:spAutoFit/>
+          </a:bodyPr>
+          <a:lstStyle/>
+          <a:p>
+            <a:r>
+              <a:rPr lang="sk-SK" sz="1800" dirty="0">
+                <a:solidFill>
+                  <a:schemeClr val="bg1"/>
+                </a:solidFill>
+                <a:effectLst/>
+                <a:latin typeface="Lucida Console" panose="020B0609040504020204" pitchFamily="49" charset="0"/>
+              </a:rPr>
+              <a:t>Teoretický list</a:t>
+            </a:r>
+            <a:endParaRPr lang="sk-SK" dirty="0"/>
+          </a:p>
+        </p:txBody>
+      </p:sp>
+      <p:pic>
+        <p:nvPicPr>
+          <p:cNvPr id="10" name="Graphic 7">
+            <a:extLst>
+              <a:ext uri="{FF2B5EF4-FFF2-40B4-BE49-F238E27FC236}">
+                <a16:creationId xmlns:a16="http://schemas.microsoft.com/office/drawing/2014/main" id="{868BE020-CB17-DF72-BF7F-E2050D0F3317}"/>
+              </a:ext>
+            </a:extLst>
+          </p:cNvPr>
+          <p:cNvPicPr>
+            <a:picLocks noChangeAspect="1"/>
+          </p:cNvPicPr>
+          <p:nvPr/>
+        </p:nvPicPr>
+        <p:blipFill>
+          <a:blip r:embed="rId3" cstate="email">
+            <a:extLst>
+              <a:ext uri="{28A0092B-C50C-407E-A947-70E740481C1C}">
+                <a14:useLocalDpi xmlns:a14="http://schemas.microsoft.com/office/drawing/2010/main"/>
+              </a:ext>
+              <a:ext uri="{96DAC541-7B7A-43D3-8B79-37D633B846F1}">
+                <asvg:svgBlip xmlns:asvg="http://schemas.microsoft.com/office/drawing/2016/SVG/main" r:embed="rId4"/>
+              </a:ext>
+            </a:extLst>
+          </a:blip>
+          <a:stretch>
+            <a:fillRect/>
+          </a:stretch>
+        </p:blipFill>
+        <p:spPr>
+          <a:xfrm rot="9271734">
+            <a:off x="3841861" y="2746416"/>
+            <a:ext cx="4080257" cy="148725"/>
+          </a:xfrm>
+          <a:prstGeom prst="rect">
+            <a:avLst/>
+          </a:prstGeom>
+        </p:spPr>
+      </p:pic>
+      <p:pic>
+        <p:nvPicPr>
+          <p:cNvPr id="9" name="Obrázok 8">
+            <a:extLst>
+              <a:ext uri="{FF2B5EF4-FFF2-40B4-BE49-F238E27FC236}">
+                <a16:creationId xmlns:a16="http://schemas.microsoft.com/office/drawing/2014/main" id="{A882545B-4E89-D28D-7D71-98994BB8A769}"/>
+              </a:ext>
+            </a:extLst>
+          </p:cNvPr>
+          <p:cNvPicPr>
+            <a:picLocks noChangeAspect="1"/>
+          </p:cNvPicPr>
+          <p:nvPr/>
+        </p:nvPicPr>
+        <p:blipFill rotWithShape="1">
+          <a:blip r:embed="rId5"/>
+          <a:srcRect l="7074" t="4295" r="7508" b="20395"/>
+          <a:stretch/>
+        </p:blipFill>
         <p:spPr>
           <a:xfrm>
-            <a:off x="7805446" y="2565278"/>
-            <a:ext cx="389136" cy="389136"/>
-          </a:xfrm>
-          <a:prstGeom prst="ellipse">
+            <a:off x="938590" y="2729600"/>
+            <a:ext cx="3035300" cy="3797300"/>
+          </a:xfrm>
+          <a:prstGeom prst="rect">
             <a:avLst/>
           </a:prstGeom>
-          <a:gradFill flip="none" rotWithShape="1">
-            <a:gsLst>
-              <a:gs pos="35000">
-                <a:srgbClr val="CCFF99">
-                  <a:lumMod val="96000"/>
-                </a:srgbClr>
-              </a:gs>
-              <a:gs pos="66000">
-                <a:schemeClr val="accent1"/>
-              </a:gs>
-            </a:gsLst>
-            <a:path path="circle">
-              <a:fillToRect l="100000" b="100000"/>
-            </a:path>
-            <a:tileRect t="-100000" r="-100000"/>
-          </a:gradFill>
-          <a:ln w="38100">
+          <a:ln>
             <a:solidFill>
-              <a:srgbClr val="313944">
-                <a:alpha val="94000"/>
-              </a:srgbClr>
+              <a:schemeClr val="tx1"/>
             </a:solidFill>
           </a:ln>
-          <a:effectLst/>
-        </p:spPr>
-        <p:style>
-          <a:lnRef idx="2">
-            <a:schemeClr val="accent1">
-              <a:shade val="50000"/>
-            </a:schemeClr>
-          </a:lnRef>
-          <a:fillRef idx="1">
-            <a:schemeClr val="accent1"/>
-          </a:fillRef>
-          <a:effectRef idx="0">
-            <a:schemeClr val="accent1"/>
-          </a:effectRef>
-          <a:fontRef idx="minor">
-            <a:schemeClr val="lt1"/>
-          </a:fontRef>
-        </p:style>
-        <p:txBody>
-          <a:bodyPr rtlCol="0" anchor="ctr"/>
-          <a:lstStyle/>
-          <a:p>
-            <a:pPr algn="ctr"/>
-            <a:endParaRPr lang="sk-SK" dirty="0">
-              <a:ln w="28575">
-                <a:solidFill>
-                  <a:schemeClr val="accent1"/>
-                </a:solidFill>
-              </a:ln>
-            </a:endParaRPr>
-          </a:p>
-        </p:txBody>
-      </p:sp>
+        </p:spPr>
+      </p:pic>
+      <p:pic>
+        <p:nvPicPr>
+          <p:cNvPr id="14" name="Obrázok 13">
+            <a:extLst>
+              <a:ext uri="{FF2B5EF4-FFF2-40B4-BE49-F238E27FC236}">
+                <a16:creationId xmlns:a16="http://schemas.microsoft.com/office/drawing/2014/main" id="{D93AF50A-B5E4-82B6-C259-A9B5CF434B6D}"/>
+              </a:ext>
+            </a:extLst>
+          </p:cNvPr>
+          <p:cNvPicPr>
+            <a:picLocks noChangeAspect="1"/>
+          </p:cNvPicPr>
+          <p:nvPr/>
+        </p:nvPicPr>
+        <p:blipFill rotWithShape="1">
+          <a:blip r:embed="rId6"/>
+          <a:srcRect l="7301" t="5413" r="8869" b="14188"/>
+          <a:stretch/>
+        </p:blipFill>
+        <p:spPr>
+          <a:xfrm>
+            <a:off x="7768469" y="580343"/>
+            <a:ext cx="3035300" cy="4128401"/>
+          </a:xfrm>
+          <a:prstGeom prst="rect">
+            <a:avLst/>
+          </a:prstGeom>
+          <a:ln>
+            <a:solidFill>
+              <a:schemeClr val="tx1"/>
+            </a:solidFill>
+          </a:ln>
+        </p:spPr>
+      </p:pic>
     </p:spTree>
     <p:extLst>
       <p:ext uri="{BB962C8B-B14F-4D97-AF65-F5344CB8AC3E}">
-        <p14:creationId xmlns:p14="http://schemas.microsoft.com/office/powerpoint/2010/main" val="1018624510"/>
+        <p14:creationId xmlns:p14="http://schemas.microsoft.com/office/powerpoint/2010/main" val="2950850305"/>
       </p:ext>
     </p:extLst>
   </p:cSld>
@@ -12155,134 +11176,6 @@
       </p:sp>
       <p:sp>
         <p:nvSpPr>
-          <p:cNvPr id="4" name="Obdĺžnik 3">
-            <a:extLst>
-              <a:ext uri="{FF2B5EF4-FFF2-40B4-BE49-F238E27FC236}">
-                <a16:creationId xmlns:a16="http://schemas.microsoft.com/office/drawing/2014/main" id="{BFA3DE68-F7C6-AD22-EA12-74D596C9B78E}"/>
-              </a:ext>
-            </a:extLst>
-          </p:cNvPr>
-          <p:cNvSpPr/>
-          <p:nvPr/>
-        </p:nvSpPr>
-        <p:spPr>
-          <a:xfrm rot="20045164">
-            <a:off x="-2432936" y="2583476"/>
-            <a:ext cx="16470863" cy="532110"/>
-          </a:xfrm>
-          <a:prstGeom prst="rect">
-            <a:avLst/>
-          </a:prstGeom>
-          <a:gradFill>
-            <a:gsLst>
-              <a:gs pos="35000">
-                <a:srgbClr val="CCFF99">
-                  <a:lumMod val="96000"/>
-                </a:srgbClr>
-              </a:gs>
-              <a:gs pos="66000">
-                <a:schemeClr val="accent1"/>
-              </a:gs>
-            </a:gsLst>
-            <a:path path="circle">
-              <a:fillToRect l="100000" b="100000"/>
-            </a:path>
-          </a:gradFill>
-          <a:ln>
-            <a:noFill/>
-          </a:ln>
-        </p:spPr>
-        <p:style>
-          <a:lnRef idx="2">
-            <a:schemeClr val="accent1">
-              <a:shade val="50000"/>
-            </a:schemeClr>
-          </a:lnRef>
-          <a:fillRef idx="1">
-            <a:schemeClr val="accent1"/>
-          </a:fillRef>
-          <a:effectRef idx="0">
-            <a:schemeClr val="accent1"/>
-          </a:effectRef>
-          <a:fontRef idx="minor">
-            <a:schemeClr val="lt1"/>
-          </a:fontRef>
-        </p:style>
-        <p:txBody>
-          <a:bodyPr rtlCol="0" anchor="ctr"/>
-          <a:lstStyle/>
-          <a:p>
-            <a:pPr algn="ctr"/>
-            <a:endParaRPr lang="sk-SK"/>
-          </a:p>
-        </p:txBody>
-      </p:sp>
-      <p:sp>
-        <p:nvSpPr>
-          <p:cNvPr id="5" name="Obdĺžnik 4">
-            <a:extLst>
-              <a:ext uri="{FF2B5EF4-FFF2-40B4-BE49-F238E27FC236}">
-                <a16:creationId xmlns:a16="http://schemas.microsoft.com/office/drawing/2014/main" id="{FC407B1A-A91C-A488-BF24-5BA273BEC60B}"/>
-              </a:ext>
-            </a:extLst>
-          </p:cNvPr>
-          <p:cNvSpPr/>
-          <p:nvPr/>
-        </p:nvSpPr>
-        <p:spPr>
-          <a:xfrm rot="20045164">
-            <a:off x="-1988805" y="3143311"/>
-            <a:ext cx="16007020" cy="228477"/>
-          </a:xfrm>
-          <a:prstGeom prst="rect">
-            <a:avLst/>
-          </a:prstGeom>
-          <a:gradFill>
-            <a:gsLst>
-              <a:gs pos="35000">
-                <a:srgbClr val="CCFF99">
-                  <a:lumMod val="96000"/>
-                </a:srgbClr>
-              </a:gs>
-              <a:gs pos="66000">
-                <a:schemeClr val="accent1"/>
-              </a:gs>
-            </a:gsLst>
-            <a:path path="circle">
-              <a:fillToRect l="100000" b="100000"/>
-            </a:path>
-          </a:gradFill>
-          <a:ln>
-            <a:noFill/>
-          </a:ln>
-        </p:spPr>
-        <p:style>
-          <a:lnRef idx="2">
-            <a:schemeClr val="accent1">
-              <a:shade val="50000"/>
-            </a:schemeClr>
-          </a:lnRef>
-          <a:fillRef idx="1">
-            <a:schemeClr val="accent1"/>
-          </a:fillRef>
-          <a:effectRef idx="0">
-            <a:schemeClr val="accent1"/>
-          </a:effectRef>
-          <a:fontRef idx="minor">
-            <a:schemeClr val="lt1"/>
-          </a:fontRef>
-        </p:style>
-        <p:txBody>
-          <a:bodyPr rtlCol="0" anchor="ctr"/>
-          <a:lstStyle/>
-          <a:p>
-            <a:pPr algn="ctr"/>
-            <a:endParaRPr lang="sk-SK"/>
-          </a:p>
-        </p:txBody>
-      </p:sp>
-      <p:sp>
-        <p:nvSpPr>
           <p:cNvPr id="13" name="Nadpis 1">
             <a:extLst>
               <a:ext uri="{FF2B5EF4-FFF2-40B4-BE49-F238E27FC236}">
@@ -12297,8 +11190,8 @@
         </p:nvSpPr>
         <p:spPr>
           <a:xfrm>
-            <a:off x="706971" y="728558"/>
-            <a:ext cx="4379379" cy="506077"/>
+            <a:off x="706971" y="1033358"/>
+            <a:ext cx="10096798" cy="3033789"/>
           </a:xfrm>
           <a:prstGeom prst="rect">
             <a:avLst/>
@@ -12337,7 +11230,20 @@
                 <a:latin typeface="Lucida Console" panose="020B0609040504020204" pitchFamily="49" charset="0"/>
                 <a:cs typeface="Segoe UI" panose="020B0502040204020203" pitchFamily="34" charset="0"/>
               </a:rPr>
-              <a:t>PRACOVNÉ    LISTY</a:t>
+              <a:t>PRAKTICKÉ</a:t>
+            </a:r>
+          </a:p>
+          <a:p>
+            <a:pPr algn="l"/>
+            <a:r>
+              <a:rPr lang="sk-SK" sz="6600" dirty="0">
+                <a:solidFill>
+                  <a:schemeClr val="bg1"/>
+                </a:solidFill>
+                <a:latin typeface="Lucida Console" panose="020B0609040504020204" pitchFamily="49" charset="0"/>
+                <a:cs typeface="Segoe UI" panose="020B0502040204020203" pitchFamily="34" charset="0"/>
+              </a:rPr>
+              <a:t>‎ ‎ ‎ ‎ PRACOVNÉ    		‎ ‎ ‎ ‎ ‎ ‎ LISTY</a:t>
             </a:r>
           </a:p>
         </p:txBody>
@@ -12358,8 +11264,8 @@
         </p:nvSpPr>
         <p:spPr>
           <a:xfrm>
-            <a:off x="4461049" y="5134781"/>
-            <a:ext cx="7271564" cy="994661"/>
+            <a:off x="485411" y="4441248"/>
+            <a:ext cx="6275024" cy="1448689"/>
           </a:xfrm>
           <a:prstGeom prst="rect">
             <a:avLst/>
@@ -12391,77 +11297,9 @@
           <a:p>
             <a:pPr algn="l">
               <a:lnSpc>
-                <a:spcPct val="107000"/>
+                <a:spcPct val="200000"/>
               </a:lnSpc>
-              <a:spcAft>
-                <a:spcPts val="800"/>
-              </a:spcAft>
             </a:pPr>
-            <a:r>
-              <a:rPr lang="sk-SK" sz="1800" dirty="0">
-                <a:solidFill>
-                  <a:schemeClr val="bg1"/>
-                </a:solidFill>
-                <a:effectLst/>
-                <a:latin typeface="Lucida Console" panose="020B0609040504020204" pitchFamily="49" charset="0"/>
-                <a:ea typeface="Calibri" panose="020F0502020204030204" pitchFamily="34" charset="0"/>
-                <a:cs typeface="Times New Roman" panose="02020603050405020304" pitchFamily="18" charset="0"/>
-              </a:rPr>
-              <a:t>-čo pracovné listy obsahujú</a:t>
-            </a:r>
-          </a:p>
-          <a:p>
-            <a:pPr algn="l">
-              <a:lnSpc>
-                <a:spcPct val="107000"/>
-              </a:lnSpc>
-              <a:spcAft>
-                <a:spcPts val="800"/>
-              </a:spcAft>
-            </a:pPr>
-            <a:r>
-              <a:rPr lang="sk-SK" sz="1800" dirty="0">
-                <a:solidFill>
-                  <a:schemeClr val="bg1"/>
-                </a:solidFill>
-                <a:effectLst/>
-                <a:latin typeface="Lucida Console" panose="020B0609040504020204" pitchFamily="49" charset="0"/>
-                <a:ea typeface="Calibri" panose="020F0502020204030204" pitchFamily="34" charset="0"/>
-                <a:cs typeface="Times New Roman" panose="02020603050405020304" pitchFamily="18" charset="0"/>
-              </a:rPr>
-              <a:t>-rozloženie a prevedenie pracovných listov</a:t>
-            </a:r>
-          </a:p>
-        </p:txBody>
-      </p:sp>
-      <p:sp>
-        <p:nvSpPr>
-          <p:cNvPr id="6" name="BlokTextu 5">
-            <a:extLst>
-              <a:ext uri="{FF2B5EF4-FFF2-40B4-BE49-F238E27FC236}">
-                <a16:creationId xmlns:a16="http://schemas.microsoft.com/office/drawing/2014/main" id="{7BA26F74-A0F2-7AB5-9C0F-BE2EE46110B4}"/>
-              </a:ext>
-            </a:extLst>
-          </p:cNvPr>
-          <p:cNvSpPr txBox="1"/>
-          <p:nvPr/>
-        </p:nvSpPr>
-        <p:spPr>
-          <a:xfrm rot="16200000">
-            <a:off x="-835323" y="3320821"/>
-            <a:ext cx="3033788" cy="369332"/>
-          </a:xfrm>
-          <a:prstGeom prst="rect">
-            <a:avLst/>
-          </a:prstGeom>
-          <a:noFill/>
-        </p:spPr>
-        <p:txBody>
-          <a:bodyPr wrap="square" rtlCol="0">
-            <a:spAutoFit/>
-          </a:bodyPr>
-          <a:lstStyle/>
-          <a:p>
             <a:r>
               <a:rPr lang="sk-SK" sz="1800" dirty="0">
                 <a:solidFill>
@@ -12470,40 +11308,24 @@
                 <a:effectLst/>
                 <a:latin typeface="Lucida Console" panose="020B0609040504020204" pitchFamily="49" charset="0"/>
               </a:rPr>
-              <a:t>Praktický list</a:t>
-            </a:r>
-            <a:endParaRPr lang="sk-SK" dirty="0"/>
-          </a:p>
-        </p:txBody>
-      </p:sp>
-      <p:sp>
-        <p:nvSpPr>
-          <p:cNvPr id="2" name="BlokTextu 1">
-            <a:extLst>
-              <a:ext uri="{FF2B5EF4-FFF2-40B4-BE49-F238E27FC236}">
-                <a16:creationId xmlns:a16="http://schemas.microsoft.com/office/drawing/2014/main" id="{285A0554-B2AC-E846-6DB1-2D25ED6FD4DE}"/>
-              </a:ext>
-            </a:extLst>
-          </p:cNvPr>
-          <p:cNvSpPr txBox="1"/>
-          <p:nvPr/>
-        </p:nvSpPr>
-        <p:spPr>
-          <a:xfrm rot="5400000">
-            <a:off x="9871906" y="1869865"/>
-            <a:ext cx="2291738" cy="369332"/>
-          </a:xfrm>
-          <a:prstGeom prst="rect">
-            <a:avLst/>
-          </a:prstGeom>
-          <a:noFill/>
-        </p:spPr>
-        <p:txBody>
-          <a:bodyPr wrap="square" rtlCol="0">
-            <a:spAutoFit/>
-          </a:bodyPr>
-          <a:lstStyle/>
-          <a:p>
+              <a:t>-Aké sú to praktické pracovné listy</a:t>
+            </a:r>
+          </a:p>
+          <a:p>
+            <a:pPr algn="l">
+              <a:lnSpc>
+                <a:spcPct val="200000"/>
+              </a:lnSpc>
+            </a:pPr>
+            <a:r>
+              <a:rPr lang="sk-SK" sz="1800" dirty="0">
+                <a:solidFill>
+                  <a:schemeClr val="bg1"/>
+                </a:solidFill>
+                <a:latin typeface="Lucida Console" panose="020B0609040504020204" pitchFamily="49" charset="0"/>
+              </a:rPr>
+              <a:t>-Ako sa delia </a:t>
+            </a:r>
             <a:r>
               <a:rPr lang="sk-SK" sz="1800" dirty="0">
                 <a:solidFill>
@@ -12512,18 +11334,34 @@
                 <a:effectLst/>
                 <a:latin typeface="Lucida Console" panose="020B0609040504020204" pitchFamily="49" charset="0"/>
               </a:rPr>
-              <a:t>Teoretický list</a:t>
-            </a:r>
-            <a:endParaRPr lang="sk-SK" dirty="0"/>
+              <a:t>praktické pracovné listy</a:t>
+            </a:r>
+          </a:p>
+          <a:p>
+            <a:pPr algn="l">
+              <a:lnSpc>
+                <a:spcPct val="200000"/>
+              </a:lnSpc>
+            </a:pPr>
+            <a:r>
+              <a:rPr lang="sk-SK" sz="1800" dirty="0">
+                <a:solidFill>
+                  <a:schemeClr val="bg1"/>
+                </a:solidFill>
+                <a:effectLst/>
+                <a:latin typeface="Lucida Console" panose="020B0609040504020204" pitchFamily="49" charset="0"/>
+              </a:rPr>
+              <a:t>-Čo obsahujú praktické pracovné listy</a:t>
+            </a:r>
           </a:p>
         </p:txBody>
       </p:sp>
       <p:pic>
         <p:nvPicPr>
-          <p:cNvPr id="10" name="Graphic 7">
-            <a:extLst>
-              <a:ext uri="{FF2B5EF4-FFF2-40B4-BE49-F238E27FC236}">
-                <a16:creationId xmlns:a16="http://schemas.microsoft.com/office/drawing/2014/main" id="{868BE020-CB17-DF72-BF7F-E2050D0F3317}"/>
+          <p:cNvPr id="3" name="Graphic 7">
+            <a:extLst>
+              <a:ext uri="{FF2B5EF4-FFF2-40B4-BE49-F238E27FC236}">
+                <a16:creationId xmlns:a16="http://schemas.microsoft.com/office/drawing/2014/main" id="{4B0E62A6-8B7A-7BE9-47A6-CBD705143B10}"/>
               </a:ext>
             </a:extLst>
           </p:cNvPr>
@@ -12548,21 +11386,63 @@
           </a:stretch>
         </p:blipFill>
         <p:spPr>
-          <a:xfrm rot="9271734">
-            <a:off x="3841861" y="2746416"/>
-            <a:ext cx="4080257" cy="148725"/>
+          <a:xfrm rot="1600222">
+            <a:off x="199362" y="2700666"/>
+            <a:ext cx="4880564" cy="177896"/>
           </a:xfrm>
           <a:prstGeom prst="rect">
             <a:avLst/>
           </a:prstGeom>
         </p:spPr>
       </p:pic>
+      <p:sp>
+        <p:nvSpPr>
+          <p:cNvPr id="7" name="BlokTextu 6">
+            <a:extLst>
+              <a:ext uri="{FF2B5EF4-FFF2-40B4-BE49-F238E27FC236}">
+                <a16:creationId xmlns:a16="http://schemas.microsoft.com/office/drawing/2014/main" id="{DABE6A36-12F5-58F9-008A-29D67BCECF33}"/>
+              </a:ext>
+            </a:extLst>
+          </p:cNvPr>
+          <p:cNvSpPr txBox="1"/>
+          <p:nvPr/>
+        </p:nvSpPr>
+        <p:spPr>
+          <a:xfrm rot="16200000">
+            <a:off x="5695113" y="4761228"/>
+            <a:ext cx="3033788" cy="369332"/>
+          </a:xfrm>
+          <a:prstGeom prst="rect">
+            <a:avLst/>
+          </a:prstGeom>
+          <a:noFill/>
+        </p:spPr>
+        <p:txBody>
+          <a:bodyPr wrap="square" rtlCol="0">
+            <a:spAutoFit/>
+          </a:bodyPr>
+          <a:lstStyle/>
+          <a:p>
+            <a:r>
+              <a:rPr lang="sk-SK" sz="1800" dirty="0">
+                <a:solidFill>
+                  <a:schemeClr val="bg1"/>
+                </a:solidFill>
+                <a:effectLst/>
+                <a:latin typeface="Lucida Console" panose="020B0609040504020204" pitchFamily="49" charset="0"/>
+              </a:rPr>
+              <a:t>Praktický list</a:t>
+            </a:r>
+            <a:endParaRPr lang="sk-SK" dirty="0"/>
+          </a:p>
+        </p:txBody>
+      </p:sp>
       <p:pic>
         <p:nvPicPr>
-          <p:cNvPr id="9" name="Obrázok 8">
-            <a:extLst>
-              <a:ext uri="{FF2B5EF4-FFF2-40B4-BE49-F238E27FC236}">
-                <a16:creationId xmlns:a16="http://schemas.microsoft.com/office/drawing/2014/main" id="{A882545B-4E89-D28D-7D71-98994BB8A769}"/>
+          <p:cNvPr id="8" name="Obrázok 7">
+            <a:extLst>
+              <a:ext uri="{FF2B5EF4-FFF2-40B4-BE49-F238E27FC236}">
+                <a16:creationId xmlns:a16="http://schemas.microsoft.com/office/drawing/2014/main" id="{2A9AFF54-67BB-0582-0598-3159CDAC5CAB}"/>
               </a:ext>
             </a:extLst>
           </p:cNvPr>
@@ -12573,13 +11453,13 @@
         </p:nvPicPr>
         <p:blipFill rotWithShape="1">
           <a:blip r:embed="rId5"/>
-          <a:srcRect l="7074" t="4295" r="7508" b="20395"/>
+          <a:srcRect l="7" t="133" r="-78" b="-127"/>
           <a:stretch/>
         </p:blipFill>
         <p:spPr>
           <a:xfrm>
-            <a:off x="938590" y="2729600"/>
-            <a:ext cx="3035300" cy="3797300"/>
+            <a:off x="7515806" y="279399"/>
+            <a:ext cx="4442761" cy="6299200"/>
           </a:xfrm>
           <a:prstGeom prst="rect">
             <a:avLst/>
@@ -12591,44 +11471,10 @@
           </a:ln>
         </p:spPr>
       </p:pic>
-      <p:pic>
-        <p:nvPicPr>
-          <p:cNvPr id="14" name="Obrázok 13">
-            <a:extLst>
-              <a:ext uri="{FF2B5EF4-FFF2-40B4-BE49-F238E27FC236}">
-                <a16:creationId xmlns:a16="http://schemas.microsoft.com/office/drawing/2014/main" id="{D93AF50A-B5E4-82B6-C259-A9B5CF434B6D}"/>
-              </a:ext>
-            </a:extLst>
-          </p:cNvPr>
-          <p:cNvPicPr>
-            <a:picLocks noChangeAspect="1"/>
-          </p:cNvPicPr>
-          <p:nvPr/>
-        </p:nvPicPr>
-        <p:blipFill rotWithShape="1">
-          <a:blip r:embed="rId6"/>
-          <a:srcRect l="7301" t="5413" r="8869" b="14188"/>
-          <a:stretch/>
-        </p:blipFill>
-        <p:spPr>
-          <a:xfrm>
-            <a:off x="7768469" y="580343"/>
-            <a:ext cx="3035300" cy="4128401"/>
-          </a:xfrm>
-          <a:prstGeom prst="rect">
-            <a:avLst/>
-          </a:prstGeom>
-          <a:ln>
-            <a:solidFill>
-              <a:schemeClr val="tx1"/>
-            </a:solidFill>
-          </a:ln>
-        </p:spPr>
-      </p:pic>
     </p:spTree>
     <p:extLst>
       <p:ext uri="{BB962C8B-B14F-4D97-AF65-F5344CB8AC3E}">
-        <p14:creationId xmlns:p14="http://schemas.microsoft.com/office/powerpoint/2010/main" val="2950850305"/>
+        <p14:creationId xmlns:p14="http://schemas.microsoft.com/office/powerpoint/2010/main" val="59504625"/>
       </p:ext>
     </p:extLst>
   </p:cSld>
@@ -12755,8 +11601,8 @@
         </p:nvSpPr>
         <p:spPr>
           <a:xfrm>
-            <a:off x="706971" y="1033358"/>
-            <a:ext cx="10096798" cy="3033789"/>
+            <a:off x="1335621" y="1033358"/>
+            <a:ext cx="10096798" cy="506077"/>
           </a:xfrm>
           <a:prstGeom prst="rect">
             <a:avLst/>
@@ -12786,7 +11632,7 @@
             </a:lvl1pPr>
           </a:lstStyle>
           <a:p>
-            <a:pPr algn="l"/>
+            <a:pPr algn="r"/>
             <a:r>
               <a:rPr lang="sk-SK" sz="6600" dirty="0">
                 <a:solidFill>
@@ -12795,11 +11641,11 @@
                 <a:latin typeface="Lucida Console" panose="020B0609040504020204" pitchFamily="49" charset="0"/>
                 <a:cs typeface="Segoe UI" panose="020B0502040204020203" pitchFamily="34" charset="0"/>
               </a:rPr>
-              <a:t>PRAKTICKÉ</a:t>
-            </a:r>
-          </a:p>
-          <a:p>
-            <a:pPr algn="l"/>
+              <a:t>TEORETICKÉ</a:t>
+            </a:r>
+          </a:p>
+          <a:p>
+            <a:pPr algn="r"/>
             <a:r>
               <a:rPr lang="sk-SK" sz="6600" dirty="0">
                 <a:solidFill>
@@ -12808,115 +11654,7 @@
                 <a:latin typeface="Lucida Console" panose="020B0609040504020204" pitchFamily="49" charset="0"/>
                 <a:cs typeface="Segoe UI" panose="020B0502040204020203" pitchFamily="34" charset="0"/>
               </a:rPr>
-              <a:t>‎ ‎ ‎ ‎ PRACOVNÉ    		‎ ‎ ‎ ‎ ‎ ‎ LISTY</a:t>
-            </a:r>
-          </a:p>
-        </p:txBody>
-      </p:sp>
-      <p:sp>
-        <p:nvSpPr>
-          <p:cNvPr id="11" name="Nadpis 1">
-            <a:extLst>
-              <a:ext uri="{FF2B5EF4-FFF2-40B4-BE49-F238E27FC236}">
-                <a16:creationId xmlns:a16="http://schemas.microsoft.com/office/drawing/2014/main" id="{0D416FD4-5952-4C85-47BE-67B5FFB3650C}"/>
-              </a:ext>
-            </a:extLst>
-          </p:cNvPr>
-          <p:cNvSpPr txBox="1">
-            <a:spLocks/>
-          </p:cNvSpPr>
-          <p:nvPr/>
-        </p:nvSpPr>
-        <p:spPr>
-          <a:xfrm>
-            <a:off x="485411" y="4441248"/>
-            <a:ext cx="6275024" cy="1448689"/>
-          </a:xfrm>
-          <a:prstGeom prst="rect">
-            <a:avLst/>
-          </a:prstGeom>
-        </p:spPr>
-        <p:txBody>
-          <a:bodyPr vert="horz" lIns="91440" tIns="45720" rIns="91440" bIns="45720" rtlCol="0" anchor="t">
-            <a:noAutofit/>
-          </a:bodyPr>
-          <a:lstStyle>
-            <a:lvl1pPr algn="ctr" defTabSz="914400" rtl="0" eaLnBrk="1" latinLnBrk="0" hangingPunct="1">
-              <a:lnSpc>
-                <a:spcPct val="90000"/>
-              </a:lnSpc>
-              <a:spcBef>
-                <a:spcPct val="0"/>
-              </a:spcBef>
-              <a:buNone/>
-              <a:defRPr sz="6000" kern="1200">
-                <a:solidFill>
-                  <a:schemeClr val="tx1"/>
-                </a:solidFill>
-                <a:latin typeface="+mj-lt"/>
-                <a:ea typeface="+mj-ea"/>
-                <a:cs typeface="+mj-cs"/>
-              </a:defRPr>
-            </a:lvl1pPr>
-          </a:lstStyle>
-          <a:p>
-            <a:pPr algn="l">
-              <a:lnSpc>
-                <a:spcPct val="200000"/>
-              </a:lnSpc>
-            </a:pPr>
-            <a:r>
-              <a:rPr lang="sk-SK" sz="1800" dirty="0">
-                <a:solidFill>
-                  <a:schemeClr val="bg1"/>
-                </a:solidFill>
-                <a:effectLst/>
-                <a:latin typeface="Lucida Console" panose="020B0609040504020204" pitchFamily="49" charset="0"/>
-              </a:rPr>
-              <a:t>-Aké sú to praktické pracovné listy</a:t>
-            </a:r>
-          </a:p>
-          <a:p>
-            <a:pPr algn="l">
-              <a:lnSpc>
-                <a:spcPct val="200000"/>
-              </a:lnSpc>
-            </a:pPr>
-            <a:r>
-              <a:rPr lang="sk-SK" sz="1800" dirty="0">
-                <a:solidFill>
-                  <a:schemeClr val="bg1"/>
-                </a:solidFill>
-                <a:latin typeface="Lucida Console" panose="020B0609040504020204" pitchFamily="49" charset="0"/>
-              </a:rPr>
-              <a:t>-Ako sa delia </a:t>
-            </a:r>
-            <a:r>
-              <a:rPr lang="sk-SK" sz="1800" dirty="0">
-                <a:solidFill>
-                  <a:schemeClr val="bg1"/>
-                </a:solidFill>
-                <a:effectLst/>
-                <a:latin typeface="Lucida Console" panose="020B0609040504020204" pitchFamily="49" charset="0"/>
-              </a:rPr>
-              <a:t>praktické pracovné listy</a:t>
-            </a:r>
-          </a:p>
-          <a:p>
-            <a:pPr algn="l">
-              <a:lnSpc>
-                <a:spcPct val="200000"/>
-              </a:lnSpc>
-            </a:pPr>
-            <a:r>
-              <a:rPr lang="sk-SK" sz="1800" dirty="0">
-                <a:solidFill>
-                  <a:schemeClr val="bg1"/>
-                </a:solidFill>
-                <a:effectLst/>
-                <a:latin typeface="Lucida Console" panose="020B0609040504020204" pitchFamily="49" charset="0"/>
-              </a:rPr>
-              <a:t>-Čo obsahujú praktické pracovné listy</a:t>
+              <a:t>			PRACOVNÉ‎ ‎ ‎ ‎ ‎ LISTY‎ ‎ ‎ ‎ ‎ ‎ ‎ ‎   </a:t>
             </a:r>
           </a:p>
         </p:txBody>
@@ -12951,8 +11689,8 @@
           </a:stretch>
         </p:blipFill>
         <p:spPr>
-          <a:xfrm rot="1600222">
-            <a:off x="199362" y="2700666"/>
+          <a:xfrm rot="9275962">
+            <a:off x="6976439" y="2744195"/>
             <a:ext cx="4880564" cy="177896"/>
           </a:xfrm>
           <a:prstGeom prst="rect">
@@ -12962,10 +11700,10 @@
       </p:pic>
       <p:sp>
         <p:nvSpPr>
-          <p:cNvPr id="7" name="BlokTextu 6">
-            <a:extLst>
-              <a:ext uri="{FF2B5EF4-FFF2-40B4-BE49-F238E27FC236}">
-                <a16:creationId xmlns:a16="http://schemas.microsoft.com/office/drawing/2014/main" id="{DABE6A36-12F5-58F9-008A-29D67BCECF33}"/>
+          <p:cNvPr id="6" name="BlokTextu 5">
+            <a:extLst>
+              <a:ext uri="{FF2B5EF4-FFF2-40B4-BE49-F238E27FC236}">
+                <a16:creationId xmlns:a16="http://schemas.microsoft.com/office/drawing/2014/main" id="{1526866C-7DF0-A287-164D-6EC660324283}"/>
               </a:ext>
             </a:extLst>
           </p:cNvPr>
@@ -12973,9 +11711,9 @@
           <p:nvPr/>
         </p:nvSpPr>
         <p:spPr>
-          <a:xfrm rot="16200000">
-            <a:off x="5695113" y="4761228"/>
-            <a:ext cx="3033788" cy="369332"/>
+          <a:xfrm rot="5400000">
+            <a:off x="3733405" y="5369470"/>
+            <a:ext cx="2291738" cy="369332"/>
           </a:xfrm>
           <a:prstGeom prst="rect">
             <a:avLst/>
@@ -12996,7 +11734,7 @@
                 <a:effectLst/>
                 <a:latin typeface="Lucida Console" panose="020B0609040504020204" pitchFamily="49" charset="0"/>
               </a:rPr>
-              <a:t>Praktický list</a:t>
+              <a:t>Teoretický list</a:t>
             </a:r>
             <a:endParaRPr lang="sk-SK" dirty="0"/>
           </a:p>
@@ -13004,10 +11742,10 @@
       </p:sp>
       <p:pic>
         <p:nvPicPr>
-          <p:cNvPr id="8" name="Obrázok 7">
-            <a:extLst>
-              <a:ext uri="{FF2B5EF4-FFF2-40B4-BE49-F238E27FC236}">
-                <a16:creationId xmlns:a16="http://schemas.microsoft.com/office/drawing/2014/main" id="{2A9AFF54-67BB-0582-0598-3159CDAC5CAB}"/>
+          <p:cNvPr id="7" name="Obrázok 6">
+            <a:extLst>
+              <a:ext uri="{FF2B5EF4-FFF2-40B4-BE49-F238E27FC236}">
+                <a16:creationId xmlns:a16="http://schemas.microsoft.com/office/drawing/2014/main" id="{682011CC-DBD7-91A9-A85A-837CA08A73AC}"/>
               </a:ext>
             </a:extLst>
           </p:cNvPr>
@@ -13018,13 +11756,13 @@
         </p:nvPicPr>
         <p:blipFill rotWithShape="1">
           <a:blip r:embed="rId5"/>
-          <a:srcRect l="7" t="133" r="-78" b="-127"/>
+          <a:srcRect l="-7" t="-200" r="393" b="-214"/>
           <a:stretch/>
         </p:blipFill>
         <p:spPr>
           <a:xfrm>
-            <a:off x="7515806" y="279399"/>
-            <a:ext cx="4442761" cy="6299200"/>
+            <a:off x="241706" y="255042"/>
+            <a:ext cx="4450026" cy="6361657"/>
           </a:xfrm>
           <a:prstGeom prst="rect">
             <a:avLst/>
@@ -13036,10 +11774,99 @@
           </a:ln>
         </p:spPr>
       </p:pic>
+      <p:sp>
+        <p:nvSpPr>
+          <p:cNvPr id="4" name="BlokTextu 3">
+            <a:extLst>
+              <a:ext uri="{FF2B5EF4-FFF2-40B4-BE49-F238E27FC236}">
+                <a16:creationId xmlns:a16="http://schemas.microsoft.com/office/drawing/2014/main" id="{56ECC566-9E83-DD78-D793-0C5930F8253F}"/>
+              </a:ext>
+            </a:extLst>
+          </p:cNvPr>
+          <p:cNvSpPr txBox="1"/>
+          <p:nvPr/>
+        </p:nvSpPr>
+        <p:spPr>
+          <a:xfrm>
+            <a:off x="5635208" y="4479689"/>
+            <a:ext cx="6094562" cy="1674241"/>
+          </a:xfrm>
+          <a:prstGeom prst="rect">
+            <a:avLst/>
+          </a:prstGeom>
+          <a:noFill/>
+        </p:spPr>
+        <p:txBody>
+          <a:bodyPr wrap="square">
+            <a:spAutoFit/>
+          </a:bodyPr>
+          <a:lstStyle/>
+          <a:p>
+            <a:pPr algn="r">
+              <a:lnSpc>
+                <a:spcPct val="200000"/>
+              </a:lnSpc>
+            </a:pPr>
+            <a:r>
+              <a:rPr lang="sk-SK" sz="1800" dirty="0">
+                <a:solidFill>
+                  <a:schemeClr val="bg1"/>
+                </a:solidFill>
+                <a:effectLst/>
+                <a:latin typeface="Lucida Console" panose="020B0609040504020204" pitchFamily="49" charset="0"/>
+              </a:rPr>
+              <a:t>-Aké sú to teoretické pracovné listy</a:t>
+            </a:r>
+          </a:p>
+          <a:p>
+            <a:pPr algn="r">
+              <a:lnSpc>
+                <a:spcPct val="200000"/>
+              </a:lnSpc>
+            </a:pPr>
+            <a:r>
+              <a:rPr lang="sk-SK" sz="1800" dirty="0">
+                <a:solidFill>
+                  <a:schemeClr val="bg1"/>
+                </a:solidFill>
+                <a:latin typeface="Lucida Console" panose="020B0609040504020204" pitchFamily="49" charset="0"/>
+              </a:rPr>
+              <a:t>-Ako sa delia </a:t>
+            </a:r>
+            <a:r>
+              <a:rPr lang="sk-SK" sz="1800" dirty="0">
+                <a:solidFill>
+                  <a:schemeClr val="bg1"/>
+                </a:solidFill>
+                <a:effectLst/>
+                <a:latin typeface="Lucida Console" panose="020B0609040504020204" pitchFamily="49" charset="0"/>
+              </a:rPr>
+              <a:t>teoretické pracovné listy</a:t>
+            </a:r>
+          </a:p>
+          <a:p>
+            <a:pPr algn="r">
+              <a:lnSpc>
+                <a:spcPct val="200000"/>
+              </a:lnSpc>
+            </a:pPr>
+            <a:r>
+              <a:rPr lang="sk-SK" sz="1800" dirty="0">
+                <a:solidFill>
+                  <a:schemeClr val="bg1"/>
+                </a:solidFill>
+                <a:effectLst/>
+                <a:latin typeface="Lucida Console" panose="020B0609040504020204" pitchFamily="49" charset="0"/>
+              </a:rPr>
+              <a:t>-Čo obsahujú teoretické pracovné listy</a:t>
+            </a:r>
+          </a:p>
+        </p:txBody>
+      </p:sp>
     </p:spTree>
     <p:extLst>
       <p:ext uri="{BB962C8B-B14F-4D97-AF65-F5344CB8AC3E}">
-        <p14:creationId xmlns:p14="http://schemas.microsoft.com/office/powerpoint/2010/main" val="59504625"/>
+        <p14:creationId xmlns:p14="http://schemas.microsoft.com/office/powerpoint/2010/main" val="2264328065"/>
       </p:ext>
     </p:extLst>
   </p:cSld>
@@ -13166,8 +11993,8 @@
         </p:nvSpPr>
         <p:spPr>
           <a:xfrm>
-            <a:off x="1335621" y="1033358"/>
-            <a:ext cx="10096798" cy="506077"/>
+            <a:off x="706971" y="728558"/>
+            <a:ext cx="7537894" cy="506077"/>
           </a:xfrm>
           <a:prstGeom prst="rect">
             <a:avLst/>
@@ -13197,7 +12024,7 @@
             </a:lvl1pPr>
           </a:lstStyle>
           <a:p>
-            <a:pPr algn="r"/>
+            <a:pPr algn="l"/>
             <a:r>
               <a:rPr lang="sk-SK" sz="6600" dirty="0">
                 <a:solidFill>
@@ -13206,30 +12033,81 @@
                 <a:latin typeface="Lucida Console" panose="020B0609040504020204" pitchFamily="49" charset="0"/>
                 <a:cs typeface="Segoe UI" panose="020B0502040204020203" pitchFamily="34" charset="0"/>
               </a:rPr>
-              <a:t>TEORETICKÉ</a:t>
-            </a:r>
-          </a:p>
-          <a:p>
-            <a:pPr algn="r"/>
-            <a:r>
-              <a:rPr lang="sk-SK" sz="6600" dirty="0">
-                <a:solidFill>
-                  <a:schemeClr val="bg1"/>
-                </a:solidFill>
-                <a:latin typeface="Lucida Console" panose="020B0609040504020204" pitchFamily="49" charset="0"/>
-                <a:cs typeface="Segoe UI" panose="020B0502040204020203" pitchFamily="34" charset="0"/>
-              </a:rPr>
-              <a:t>			PRACOVNÉ‎ ‎ ‎ ‎ ‎ LISTY‎ ‎ ‎ ‎ ‎ ‎ ‎ ‎   </a:t>
-            </a:r>
+              <a:t>SPÄTNÁ VÄZBA</a:t>
+            </a:r>
+          </a:p>
+        </p:txBody>
+      </p:sp>
+      <p:sp>
+        <p:nvSpPr>
+          <p:cNvPr id="3" name="Obdĺžnik 2">
+            <a:extLst>
+              <a:ext uri="{FF2B5EF4-FFF2-40B4-BE49-F238E27FC236}">
+                <a16:creationId xmlns:a16="http://schemas.microsoft.com/office/drawing/2014/main" id="{9B90B492-1089-E563-F867-BD916C7A9F10}"/>
+              </a:ext>
+            </a:extLst>
+          </p:cNvPr>
+          <p:cNvSpPr/>
+          <p:nvPr/>
+        </p:nvSpPr>
+        <p:spPr>
+          <a:xfrm rot="16200000">
+            <a:off x="6994112" y="2376149"/>
+            <a:ext cx="9220123" cy="2105702"/>
+          </a:xfrm>
+          <a:prstGeom prst="rect">
+            <a:avLst/>
+          </a:prstGeom>
+          <a:gradFill>
+            <a:gsLst>
+              <a:gs pos="35000">
+                <a:srgbClr val="CCFF99">
+                  <a:lumMod val="96000"/>
+                </a:srgbClr>
+              </a:gs>
+              <a:gs pos="66000">
+                <a:schemeClr val="accent1"/>
+              </a:gs>
+            </a:gsLst>
+            <a:path path="circle">
+              <a:fillToRect l="100000" b="100000"/>
+            </a:path>
+          </a:gradFill>
+          <a:ln>
+            <a:noFill/>
+          </a:ln>
+        </p:spPr>
+        <p:style>
+          <a:lnRef idx="2">
+            <a:schemeClr val="accent1">
+              <a:shade val="50000"/>
+            </a:schemeClr>
+          </a:lnRef>
+          <a:fillRef idx="1">
+            <a:schemeClr val="accent1"/>
+          </a:fillRef>
+          <a:effectRef idx="0">
+            <a:schemeClr val="accent1"/>
+          </a:effectRef>
+          <a:fontRef idx="minor">
+            <a:schemeClr val="lt1"/>
+          </a:fontRef>
+        </p:style>
+        <p:txBody>
+          <a:bodyPr rtlCol="0" anchor="ctr"/>
+          <a:lstStyle/>
+          <a:p>
+            <a:pPr algn="ctr"/>
+            <a:endParaRPr lang="sk-SK"/>
           </a:p>
         </p:txBody>
       </p:sp>
       <p:pic>
         <p:nvPicPr>
-          <p:cNvPr id="3" name="Graphic 7">
-            <a:extLst>
-              <a:ext uri="{FF2B5EF4-FFF2-40B4-BE49-F238E27FC236}">
-                <a16:creationId xmlns:a16="http://schemas.microsoft.com/office/drawing/2014/main" id="{4B0E62A6-8B7A-7BE9-47A6-CBD705143B10}"/>
+          <p:cNvPr id="16" name="Graphic 7">
+            <a:extLst>
+              <a:ext uri="{FF2B5EF4-FFF2-40B4-BE49-F238E27FC236}">
+                <a16:creationId xmlns:a16="http://schemas.microsoft.com/office/drawing/2014/main" id="{1CEA1227-056B-947D-5534-D541F18D68DB}"/>
               </a:ext>
             </a:extLst>
           </p:cNvPr>
@@ -13254,9 +12132,9 @@
           </a:stretch>
         </p:blipFill>
         <p:spPr>
-          <a:xfrm rot="9275962">
-            <a:off x="6976439" y="2744195"/>
-            <a:ext cx="4880564" cy="177896"/>
+          <a:xfrm rot="5400000" flipV="1">
+            <a:off x="7064697" y="3299698"/>
+            <a:ext cx="6572253" cy="239558"/>
           </a:xfrm>
           <a:prstGeom prst="rect">
             <a:avLst/>
@@ -13265,112 +12143,89 @@
       </p:pic>
       <p:sp>
         <p:nvSpPr>
-          <p:cNvPr id="6" name="BlokTextu 5">
-            <a:extLst>
-              <a:ext uri="{FF2B5EF4-FFF2-40B4-BE49-F238E27FC236}">
-                <a16:creationId xmlns:a16="http://schemas.microsoft.com/office/drawing/2014/main" id="{1526866C-7DF0-A287-164D-6EC660324283}"/>
-              </a:ext>
-            </a:extLst>
-          </p:cNvPr>
-          <p:cNvSpPr txBox="1"/>
+          <p:cNvPr id="12" name="Nadpis 1">
+            <a:extLst>
+              <a:ext uri="{FF2B5EF4-FFF2-40B4-BE49-F238E27FC236}">
+                <a16:creationId xmlns:a16="http://schemas.microsoft.com/office/drawing/2014/main" id="{373E9CF8-810A-B420-CAB9-95D61B53A7EB}"/>
+              </a:ext>
+            </a:extLst>
+          </p:cNvPr>
+          <p:cNvSpPr txBox="1">
+            <a:spLocks/>
+          </p:cNvSpPr>
           <p:nvPr/>
         </p:nvSpPr>
         <p:spPr>
-          <a:xfrm rot="5400000">
-            <a:off x="3733405" y="5369470"/>
-            <a:ext cx="2291738" cy="369332"/>
+          <a:xfrm>
+            <a:off x="490462" y="2160061"/>
+            <a:ext cx="9275557" cy="3750844"/>
           </a:xfrm>
           <a:prstGeom prst="rect">
             <a:avLst/>
           </a:prstGeom>
-          <a:noFill/>
-        </p:spPr>
-        <p:txBody>
-          <a:bodyPr wrap="square" rtlCol="0">
-            <a:spAutoFit/>
+        </p:spPr>
+        <p:txBody>
+          <a:bodyPr vert="horz" lIns="91440" tIns="45720" rIns="91440" bIns="45720" rtlCol="0" anchor="t">
+            <a:noAutofit/>
           </a:bodyPr>
-          <a:lstStyle/>
-          <a:p>
-            <a:r>
-              <a:rPr lang="sk-SK" sz="1800" dirty="0">
+          <a:lstStyle>
+            <a:lvl1pPr algn="ctr" defTabSz="914400" rtl="0" eaLnBrk="1" latinLnBrk="0" hangingPunct="1">
+              <a:lnSpc>
+                <a:spcPct val="90000"/>
+              </a:lnSpc>
+              <a:spcBef>
+                <a:spcPct val="0"/>
+              </a:spcBef>
+              <a:buNone/>
+              <a:defRPr sz="6000" kern="1200">
+                <a:solidFill>
+                  <a:schemeClr val="tx1"/>
+                </a:solidFill>
+                <a:latin typeface="+mj-lt"/>
+                <a:ea typeface="+mj-ea"/>
+                <a:cs typeface="+mj-cs"/>
+              </a:defRPr>
+            </a:lvl1pPr>
+          </a:lstStyle>
+          <a:p>
+            <a:pPr algn="l"/>
+            <a:r>
+              <a:rPr lang="sk-SK" sz="2400" dirty="0">
                 <a:solidFill>
                   <a:schemeClr val="bg1"/>
                 </a:solidFill>
                 <a:effectLst/>
                 <a:latin typeface="Lucida Console" panose="020B0609040504020204" pitchFamily="49" charset="0"/>
               </a:rPr>
-              <a:t>Teoretický list</a:t>
-            </a:r>
-            <a:endParaRPr lang="sk-SK" dirty="0"/>
-          </a:p>
-        </p:txBody>
-      </p:sp>
-      <p:pic>
-        <p:nvPicPr>
-          <p:cNvPr id="7" name="Obrázok 6">
-            <a:extLst>
-              <a:ext uri="{FF2B5EF4-FFF2-40B4-BE49-F238E27FC236}">
-                <a16:creationId xmlns:a16="http://schemas.microsoft.com/office/drawing/2014/main" id="{682011CC-DBD7-91A9-A85A-837CA08A73AC}"/>
-              </a:ext>
-            </a:extLst>
-          </p:cNvPr>
-          <p:cNvPicPr>
-            <a:picLocks noChangeAspect="1"/>
-          </p:cNvPicPr>
-          <p:nvPr/>
-        </p:nvPicPr>
-        <p:blipFill rotWithShape="1">
-          <a:blip r:embed="rId5"/>
-          <a:srcRect l="-7" t="-200" r="393" b="-214"/>
-          <a:stretch/>
-        </p:blipFill>
-        <p:spPr>
-          <a:xfrm>
-            <a:off x="241706" y="255042"/>
-            <a:ext cx="4450026" cy="6361657"/>
-          </a:xfrm>
-          <a:prstGeom prst="rect">
-            <a:avLst/>
-          </a:prstGeom>
-          <a:ln>
-            <a:solidFill>
-              <a:schemeClr val="tx1"/>
-            </a:solidFill>
-          </a:ln>
-        </p:spPr>
-      </p:pic>
-      <p:sp>
-        <p:nvSpPr>
-          <p:cNvPr id="4" name="BlokTextu 3">
-            <a:extLst>
-              <a:ext uri="{FF2B5EF4-FFF2-40B4-BE49-F238E27FC236}">
-                <a16:creationId xmlns:a16="http://schemas.microsoft.com/office/drawing/2014/main" id="{56ECC566-9E83-DD78-D793-0C5930F8253F}"/>
-              </a:ext>
-            </a:extLst>
-          </p:cNvPr>
-          <p:cNvSpPr txBox="1"/>
-          <p:nvPr/>
-        </p:nvSpPr>
-        <p:spPr>
-          <a:xfrm>
-            <a:off x="5635208" y="4479689"/>
-            <a:ext cx="6094562" cy="1674241"/>
-          </a:xfrm>
-          <a:prstGeom prst="rect">
-            <a:avLst/>
-          </a:prstGeom>
-          <a:noFill/>
-        </p:spPr>
-        <p:txBody>
-          <a:bodyPr wrap="square">
-            <a:spAutoFit/>
-          </a:bodyPr>
-          <a:lstStyle/>
-          <a:p>
-            <a:pPr algn="r">
+              <a:t>Spätná väzba zahŕňa:</a:t>
+            </a:r>
+          </a:p>
+          <a:p>
+            <a:pPr algn="l"/>
+            <a:endParaRPr lang="sk-SK" sz="1800" dirty="0">
+              <a:solidFill>
+                <a:schemeClr val="bg1"/>
+              </a:solidFill>
+              <a:latin typeface="Lucida Console" panose="020B0609040504020204" pitchFamily="49" charset="0"/>
+            </a:endParaRPr>
+          </a:p>
+          <a:p>
+            <a:pPr algn="l"/>
+            <a:endParaRPr lang="sk-SK" sz="1800" dirty="0">
+              <a:solidFill>
+                <a:schemeClr val="bg1"/>
+              </a:solidFill>
+              <a:latin typeface="Lucida Console" panose="020B0609040504020204" pitchFamily="49" charset="0"/>
+            </a:endParaRPr>
+          </a:p>
+          <a:p>
+            <a:pPr algn="l">
               <a:lnSpc>
-                <a:spcPct val="200000"/>
+                <a:spcPct val="100000"/>
               </a:lnSpc>
+              <a:spcBef>
+                <a:spcPts val="300"/>
+              </a:spcBef>
             </a:pPr>
             <a:r>
               <a:rPr lang="sk-SK" sz="1800" dirty="0">
@@ -13380,24 +12235,41 @@
                 <a:effectLst/>
                 <a:latin typeface="Lucida Console" panose="020B0609040504020204" pitchFamily="49" charset="0"/>
               </a:rPr>
-              <a:t>-Aké sú to teoretické pracovné listy</a:t>
-            </a:r>
-          </a:p>
-          <a:p>
-            <a:pPr algn="r">
+              <a:t>   -kontrolu pracovných listov na našich spolužiakoch</a:t>
+            </a:r>
+            <a:endParaRPr lang="sk-SK" sz="1800" dirty="0">
+              <a:solidFill>
+                <a:schemeClr val="bg1"/>
+              </a:solidFill>
+              <a:latin typeface="Lucida Console" panose="020B0609040504020204" pitchFamily="49" charset="0"/>
+            </a:endParaRPr>
+          </a:p>
+          <a:p>
+            <a:pPr algn="l">
               <a:lnSpc>
-                <a:spcPct val="200000"/>
+                <a:spcPct val="100000"/>
               </a:lnSpc>
+              <a:spcBef>
+                <a:spcPts val="300"/>
+              </a:spcBef>
             </a:pPr>
-            <a:r>
-              <a:rPr lang="sk-SK" sz="1800" dirty="0">
-                <a:solidFill>
-                  <a:schemeClr val="bg1"/>
-                </a:solidFill>
-                <a:latin typeface="Lucida Console" panose="020B0609040504020204" pitchFamily="49" charset="0"/>
-              </a:rPr>
-              <a:t>-Ako sa delia </a:t>
-            </a:r>
+            <a:endParaRPr lang="sk-SK" sz="1800" dirty="0">
+              <a:solidFill>
+                <a:schemeClr val="bg1"/>
+              </a:solidFill>
+              <a:effectLst/>
+              <a:latin typeface="Lucida Console" panose="020B0609040504020204" pitchFamily="49" charset="0"/>
+            </a:endParaRPr>
+          </a:p>
+          <a:p>
+            <a:pPr algn="l">
+              <a:lnSpc>
+                <a:spcPct val="100000"/>
+              </a:lnSpc>
+              <a:spcBef>
+                <a:spcPts val="300"/>
+              </a:spcBef>
+            </a:pPr>
             <a:r>
               <a:rPr lang="sk-SK" sz="1800" dirty="0">
                 <a:solidFill>
@@ -13406,14 +12278,69 @@
                 <a:effectLst/>
                 <a:latin typeface="Lucida Console" panose="020B0609040504020204" pitchFamily="49" charset="0"/>
               </a:rPr>
-              <a:t>teoretické pracovné listy</a:t>
-            </a:r>
-          </a:p>
-          <a:p>
-            <a:pPr algn="r">
+              <a:t>   -vyplnenie dotazníka spolužiakmi</a:t>
+            </a:r>
+          </a:p>
+          <a:p>
+            <a:pPr algn="l">
               <a:lnSpc>
-                <a:spcPct val="200000"/>
+                <a:spcPct val="100000"/>
               </a:lnSpc>
+              <a:spcBef>
+                <a:spcPts val="300"/>
+              </a:spcBef>
+            </a:pPr>
+            <a:endParaRPr lang="sk-SK" sz="1800" dirty="0">
+              <a:solidFill>
+                <a:schemeClr val="bg1"/>
+              </a:solidFill>
+              <a:latin typeface="Lucida Console" panose="020B0609040504020204" pitchFamily="49" charset="0"/>
+            </a:endParaRPr>
+          </a:p>
+          <a:p>
+            <a:pPr algn="l">
+              <a:lnSpc>
+                <a:spcPct val="100000"/>
+              </a:lnSpc>
+              <a:spcBef>
+                <a:spcPts val="300"/>
+              </a:spcBef>
+            </a:pPr>
+            <a:r>
+              <a:rPr lang="sk-SK" sz="1800" dirty="0">
+                <a:solidFill>
+                  <a:schemeClr val="bg1"/>
+                </a:solidFill>
+                <a:latin typeface="Lucida Console" panose="020B0609040504020204" pitchFamily="49" charset="0"/>
+              </a:rPr>
+              <a:t>   -vyhodnotenie pripomienok spolužiakov</a:t>
+            </a:r>
+          </a:p>
+          <a:p>
+            <a:pPr algn="l">
+              <a:lnSpc>
+                <a:spcPct val="100000"/>
+              </a:lnSpc>
+              <a:spcBef>
+                <a:spcPts val="300"/>
+              </a:spcBef>
+            </a:pPr>
+            <a:endParaRPr lang="sk-SK" sz="1800" dirty="0">
+              <a:solidFill>
+                <a:schemeClr val="bg1"/>
+              </a:solidFill>
+              <a:effectLst/>
+              <a:latin typeface="Lucida Console" panose="020B0609040504020204" pitchFamily="49" charset="0"/>
+            </a:endParaRPr>
+          </a:p>
+          <a:p>
+            <a:pPr algn="l">
+              <a:lnSpc>
+                <a:spcPct val="100000"/>
+              </a:lnSpc>
+              <a:spcBef>
+                <a:spcPts val="300"/>
+              </a:spcBef>
             </a:pPr>
             <a:r>
               <a:rPr lang="sk-SK" sz="1800" dirty="0">
@@ -13423,7 +12350,7 @@
                 <a:effectLst/>
                 <a:latin typeface="Lucida Console" panose="020B0609040504020204" pitchFamily="49" charset="0"/>
               </a:rPr>
-              <a:t>-Čo obsahujú teoretické pracovné listy</a:t>
+              <a:t>   -úprava pracovných listov podľa výsledkov z dotazníka</a:t>
             </a:r>
           </a:p>
         </p:txBody>
@@ -13431,7 +12358,7 @@
     </p:spTree>
     <p:extLst>
       <p:ext uri="{BB962C8B-B14F-4D97-AF65-F5344CB8AC3E}">
-        <p14:creationId xmlns:p14="http://schemas.microsoft.com/office/powerpoint/2010/main" val="2264328065"/>
+        <p14:creationId xmlns:p14="http://schemas.microsoft.com/office/powerpoint/2010/main" val="2186824041"/>
       </p:ext>
     </p:extLst>
   </p:cSld>
@@ -13558,8 +12485,8 @@
         </p:nvSpPr>
         <p:spPr>
           <a:xfrm>
-            <a:off x="706971" y="728558"/>
-            <a:ext cx="7537894" cy="506077"/>
+            <a:off x="7517276" y="1241412"/>
+            <a:ext cx="3063027" cy="506077"/>
           </a:xfrm>
           <a:prstGeom prst="rect">
             <a:avLst/>
@@ -13598,7 +12525,7 @@
                 <a:latin typeface="Lucida Console" panose="020B0609040504020204" pitchFamily="49" charset="0"/>
                 <a:cs typeface="Segoe UI" panose="020B0502040204020203" pitchFamily="34" charset="0"/>
               </a:rPr>
-              <a:t>SPÄTNÁ VÄZBA</a:t>
+              <a:t>ZÁVER</a:t>
             </a:r>
           </a:p>
         </p:txBody>
@@ -13616,9 +12543,9 @@
           <p:nvPr/>
         </p:nvSpPr>
         <p:spPr>
-          <a:xfrm rot="16200000">
-            <a:off x="6994112" y="2376149"/>
-            <a:ext cx="9220123" cy="2105702"/>
+          <a:xfrm rot="20045164">
+            <a:off x="-2351315" y="668800"/>
+            <a:ext cx="9220123" cy="532110"/>
           </a:xfrm>
           <a:prstGeom prst="rect">
             <a:avLst/>
@@ -13667,51 +12594,140 @@
           </a:p>
         </p:txBody>
       </p:sp>
-      <p:pic>
-        <p:nvPicPr>
-          <p:cNvPr id="16" name="Graphic 7">
-            <a:extLst>
-              <a:ext uri="{FF2B5EF4-FFF2-40B4-BE49-F238E27FC236}">
-                <a16:creationId xmlns:a16="http://schemas.microsoft.com/office/drawing/2014/main" id="{1CEA1227-056B-947D-5534-D541F18D68DB}"/>
-              </a:ext>
-            </a:extLst>
-          </p:cNvPr>
-          <p:cNvPicPr>
-            <a:picLocks noChangeAspect="1"/>
-          </p:cNvPicPr>
+      <p:sp>
+        <p:nvSpPr>
+          <p:cNvPr id="7" name="Obdĺžnik 6">
+            <a:extLst>
+              <a:ext uri="{FF2B5EF4-FFF2-40B4-BE49-F238E27FC236}">
+                <a16:creationId xmlns:a16="http://schemas.microsoft.com/office/drawing/2014/main" id="{04108261-A180-95CC-9CA0-0F17EF977A21}"/>
+              </a:ext>
+            </a:extLst>
+          </p:cNvPr>
+          <p:cNvSpPr/>
           <p:nvPr/>
-        </p:nvPicPr>
-        <p:blipFill>
-          <a:blip r:embed="rId3" cstate="email">
-            <a:extLst>
-              <a:ext uri="{28A0092B-C50C-407E-A947-70E740481C1C}">
-                <a14:useLocalDpi xmlns:a14="http://schemas.microsoft.com/office/drawing/2010/main"/>
-              </a:ext>
-              <a:ext uri="{96DAC541-7B7A-43D3-8B79-37D633B846F1}">
-                <asvg:svgBlip xmlns:asvg="http://schemas.microsoft.com/office/drawing/2016/SVG/main" r:embed="rId4"/>
-              </a:ext>
-            </a:extLst>
-          </a:blip>
-          <a:stretch>
-            <a:fillRect/>
-          </a:stretch>
-        </p:blipFill>
+        </p:nvSpPr>
         <p:spPr>
-          <a:xfrm rot="5400000" flipV="1">
-            <a:off x="7064697" y="3299698"/>
-            <a:ext cx="6572253" cy="239558"/>
+          <a:xfrm rot="20045164">
+            <a:off x="-3054779" y="176404"/>
+            <a:ext cx="9221473" cy="194591"/>
           </a:xfrm>
           <a:prstGeom prst="rect">
             <a:avLst/>
           </a:prstGeom>
-        </p:spPr>
-      </p:pic>
-      <p:sp>
-        <p:nvSpPr>
-          <p:cNvPr id="12" name="Nadpis 1">
-            <a:extLst>
-              <a:ext uri="{FF2B5EF4-FFF2-40B4-BE49-F238E27FC236}">
-                <a16:creationId xmlns:a16="http://schemas.microsoft.com/office/drawing/2014/main" id="{373E9CF8-810A-B420-CAB9-95D61B53A7EB}"/>
+          <a:gradFill>
+            <a:gsLst>
+              <a:gs pos="35000">
+                <a:srgbClr val="CCFF99">
+                  <a:lumMod val="96000"/>
+                </a:srgbClr>
+              </a:gs>
+              <a:gs pos="66000">
+                <a:schemeClr val="accent1"/>
+              </a:gs>
+            </a:gsLst>
+            <a:path path="circle">
+              <a:fillToRect l="100000" b="100000"/>
+            </a:path>
+          </a:gradFill>
+          <a:ln>
+            <a:noFill/>
+          </a:ln>
+        </p:spPr>
+        <p:style>
+          <a:lnRef idx="2">
+            <a:schemeClr val="accent1">
+              <a:shade val="50000"/>
+            </a:schemeClr>
+          </a:lnRef>
+          <a:fillRef idx="1">
+            <a:schemeClr val="accent1"/>
+          </a:fillRef>
+          <a:effectRef idx="0">
+            <a:schemeClr val="accent1"/>
+          </a:effectRef>
+          <a:fontRef idx="minor">
+            <a:schemeClr val="lt1"/>
+          </a:fontRef>
+        </p:style>
+        <p:txBody>
+          <a:bodyPr rtlCol="0" anchor="ctr"/>
+          <a:lstStyle/>
+          <a:p>
+            <a:pPr algn="ctr"/>
+            <a:endParaRPr lang="sk-SK"/>
+          </a:p>
+        </p:txBody>
+      </p:sp>
+      <p:sp>
+        <p:nvSpPr>
+          <p:cNvPr id="9" name="Obdĺžnik 8">
+            <a:extLst>
+              <a:ext uri="{FF2B5EF4-FFF2-40B4-BE49-F238E27FC236}">
+                <a16:creationId xmlns:a16="http://schemas.microsoft.com/office/drawing/2014/main" id="{51B5EBE5-6FBC-D21C-DA17-41CF76159813}"/>
+              </a:ext>
+            </a:extLst>
+          </p:cNvPr>
+          <p:cNvSpPr/>
+          <p:nvPr/>
+        </p:nvSpPr>
+        <p:spPr>
+          <a:xfrm rot="20045164">
+            <a:off x="-3926114" y="-324112"/>
+            <a:ext cx="9220123" cy="532110"/>
+          </a:xfrm>
+          <a:prstGeom prst="rect">
+            <a:avLst/>
+          </a:prstGeom>
+          <a:gradFill>
+            <a:gsLst>
+              <a:gs pos="35000">
+                <a:srgbClr val="CCFF99">
+                  <a:lumMod val="96000"/>
+                </a:srgbClr>
+              </a:gs>
+              <a:gs pos="66000">
+                <a:schemeClr val="accent1"/>
+              </a:gs>
+            </a:gsLst>
+            <a:path path="circle">
+              <a:fillToRect l="100000" b="100000"/>
+            </a:path>
+          </a:gradFill>
+          <a:ln>
+            <a:noFill/>
+          </a:ln>
+        </p:spPr>
+        <p:style>
+          <a:lnRef idx="2">
+            <a:schemeClr val="accent1">
+              <a:shade val="50000"/>
+            </a:schemeClr>
+          </a:lnRef>
+          <a:fillRef idx="1">
+            <a:schemeClr val="accent1"/>
+          </a:fillRef>
+          <a:effectRef idx="0">
+            <a:schemeClr val="accent1"/>
+          </a:effectRef>
+          <a:fontRef idx="minor">
+            <a:schemeClr val="lt1"/>
+          </a:fontRef>
+        </p:style>
+        <p:txBody>
+          <a:bodyPr rtlCol="0" anchor="ctr"/>
+          <a:lstStyle/>
+          <a:p>
+            <a:pPr algn="ctr"/>
+            <a:endParaRPr lang="sk-SK"/>
+          </a:p>
+        </p:txBody>
+      </p:sp>
+      <p:sp>
+        <p:nvSpPr>
+          <p:cNvPr id="11" name="Nadpis 1">
+            <a:extLst>
+              <a:ext uri="{FF2B5EF4-FFF2-40B4-BE49-F238E27FC236}">
+                <a16:creationId xmlns:a16="http://schemas.microsoft.com/office/drawing/2014/main" id="{0D416FD4-5952-4C85-47BE-67B5FFB3650C}"/>
               </a:ext>
             </a:extLst>
           </p:cNvPr>
@@ -13722,8 +12738,8 @@
         </p:nvSpPr>
         <p:spPr>
           <a:xfrm>
-            <a:off x="490462" y="2160061"/>
-            <a:ext cx="9275557" cy="3750844"/>
+            <a:off x="683947" y="3106196"/>
+            <a:ext cx="9570397" cy="2799219"/>
           </a:xfrm>
           <a:prstGeom prst="rect">
             <a:avLst/>
@@ -13753,44 +12769,35 @@
             </a:lvl1pPr>
           </a:lstStyle>
           <a:p>
-            <a:pPr algn="l"/>
-            <a:r>
-              <a:rPr lang="sk-SK" sz="2400" dirty="0">
+            <a:pPr algn="l">
+              <a:lnSpc>
+                <a:spcPct val="150000"/>
+              </a:lnSpc>
+              <a:spcAft>
+                <a:spcPts val="800"/>
+              </a:spcAft>
+            </a:pPr>
+            <a:r>
+              <a:rPr lang="sk-SK" sz="1800" dirty="0">
                 <a:solidFill>
                   <a:schemeClr val="bg1"/>
                 </a:solidFill>
                 <a:effectLst/>
                 <a:latin typeface="Lucida Console" panose="020B0609040504020204" pitchFamily="49" charset="0"/>
+                <a:ea typeface="Calibri" panose="020F0502020204030204" pitchFamily="34" charset="0"/>
+                <a:cs typeface="Times New Roman" panose="02020603050405020304" pitchFamily="18" charset="0"/>
               </a:rPr>
-              <a:t>Spätná väzba zahŕňa:</a:t>
-            </a:r>
-          </a:p>
-          <a:p>
-            <a:pPr algn="l"/>
-            <a:endParaRPr lang="sk-SK" sz="1800" dirty="0">
-              <a:solidFill>
-                <a:schemeClr val="bg1"/>
-              </a:solidFill>
-              <a:latin typeface="Lucida Console" panose="020B0609040504020204" pitchFamily="49" charset="0"/>
-            </a:endParaRPr>
-          </a:p>
-          <a:p>
-            <a:pPr algn="l"/>
-            <a:endParaRPr lang="sk-SK" sz="1800" dirty="0">
-              <a:solidFill>
-                <a:schemeClr val="bg1"/>
-              </a:solidFill>
-              <a:latin typeface="Lucida Console" panose="020B0609040504020204" pitchFamily="49" charset="0"/>
-            </a:endParaRPr>
+              <a:t>-naše pocity, dojmy a pripomienky po dokončení práce</a:t>
+            </a:r>
           </a:p>
           <a:p>
             <a:pPr algn="l">
               <a:lnSpc>
-                <a:spcPct val="100000"/>
+                <a:spcPct val="150000"/>
               </a:lnSpc>
-              <a:spcBef>
-                <a:spcPts val="300"/>
-              </a:spcBef>
+              <a:spcAft>
+                <a:spcPts val="800"/>
+              </a:spcAft>
             </a:pPr>
             <a:r>
               <a:rPr lang="sk-SK" sz="1800" dirty="0">
@@ -13799,41 +12806,42 @@
                 </a:solidFill>
                 <a:effectLst/>
                 <a:latin typeface="Lucida Console" panose="020B0609040504020204" pitchFamily="49" charset="0"/>
+                <a:ea typeface="Calibri" panose="020F0502020204030204" pitchFamily="34" charset="0"/>
+                <a:cs typeface="Times New Roman" panose="02020603050405020304" pitchFamily="18" charset="0"/>
               </a:rPr>
-              <a:t>   -kontrolu pracovných listov na našich spolužiakoch</a:t>
-            </a:r>
-            <a:endParaRPr lang="sk-SK" sz="1800" dirty="0">
-              <a:solidFill>
-                <a:schemeClr val="bg1"/>
-              </a:solidFill>
-              <a:latin typeface="Lucida Console" panose="020B0609040504020204" pitchFamily="49" charset="0"/>
-            </a:endParaRPr>
+              <a:t>-kontrola splnenia cieľov a odôvodnenie</a:t>
+            </a:r>
           </a:p>
           <a:p>
             <a:pPr algn="l">
               <a:lnSpc>
-                <a:spcPct val="100000"/>
+                <a:spcPct val="150000"/>
               </a:lnSpc>
-              <a:spcBef>
-                <a:spcPts val="300"/>
-              </a:spcBef>
+              <a:spcAft>
+                <a:spcPts val="800"/>
+              </a:spcAft>
             </a:pPr>
-            <a:endParaRPr lang="sk-SK" sz="1800" dirty="0">
-              <a:solidFill>
-                <a:schemeClr val="bg1"/>
-              </a:solidFill>
-              <a:effectLst/>
-              <a:latin typeface="Lucida Console" panose="020B0609040504020204" pitchFamily="49" charset="0"/>
-            </a:endParaRPr>
+            <a:r>
+              <a:rPr lang="sk-SK" sz="1800" dirty="0">
+                <a:solidFill>
+                  <a:schemeClr val="bg1"/>
+                </a:solidFill>
+                <a:effectLst/>
+                <a:latin typeface="Lucida Console" panose="020B0609040504020204" pitchFamily="49" charset="0"/>
+                <a:ea typeface="Calibri" panose="020F0502020204030204" pitchFamily="34" charset="0"/>
+                <a:cs typeface="Times New Roman" panose="02020603050405020304" pitchFamily="18" charset="0"/>
+              </a:rPr>
+              <a:t>-odporúčanie pre ďalšie využitie našej práce učiteľmi</a:t>
+            </a:r>
           </a:p>
           <a:p>
             <a:pPr algn="l">
               <a:lnSpc>
-                <a:spcPct val="100000"/>
+                <a:spcPct val="150000"/>
               </a:lnSpc>
-              <a:spcBef>
-                <a:spcPts val="300"/>
-              </a:spcBef>
+              <a:spcAft>
+                <a:spcPts val="800"/>
+              </a:spcAft>
             </a:pPr>
             <a:r>
               <a:rPr lang="sk-SK" sz="1800" dirty="0">
@@ -13842,70 +12850,20 @@
                 </a:solidFill>
                 <a:effectLst/>
                 <a:latin typeface="Lucida Console" panose="020B0609040504020204" pitchFamily="49" charset="0"/>
+                <a:ea typeface="Calibri" panose="020F0502020204030204" pitchFamily="34" charset="0"/>
+                <a:cs typeface="Times New Roman" panose="02020603050405020304" pitchFamily="18" charset="0"/>
               </a:rPr>
-              <a:t>   -vyplnenie dotazníka spolužiakmi</a:t>
+              <a:t>-prínos našich listov a takejto formy vzdelávania pre žiakov</a:t>
             </a:r>
           </a:p>
           <a:p>
             <a:pPr algn="l">
               <a:lnSpc>
-                <a:spcPct val="100000"/>
+                <a:spcPct val="150000"/>
               </a:lnSpc>
-              <a:spcBef>
-                <a:spcPts val="300"/>
-              </a:spcBef>
-            </a:pPr>
-            <a:endParaRPr lang="sk-SK" sz="1800" dirty="0">
-              <a:solidFill>
-                <a:schemeClr val="bg1"/>
-              </a:solidFill>
-              <a:latin typeface="Lucida Console" panose="020B0609040504020204" pitchFamily="49" charset="0"/>
-            </a:endParaRPr>
-          </a:p>
-          <a:p>
-            <a:pPr algn="l">
-              <a:lnSpc>
-                <a:spcPct val="100000"/>
-              </a:lnSpc>
-              <a:spcBef>
-                <a:spcPts val="300"/>
-              </a:spcBef>
-            </a:pPr>
-            <a:r>
-              <a:rPr lang="sk-SK" sz="1800" dirty="0">
-                <a:solidFill>
-                  <a:schemeClr val="bg1"/>
-                </a:solidFill>
-                <a:latin typeface="Lucida Console" panose="020B0609040504020204" pitchFamily="49" charset="0"/>
-              </a:rPr>
-              <a:t>   -vyhodnotenie pripomienok spolužiakov</a:t>
-            </a:r>
-          </a:p>
-          <a:p>
-            <a:pPr algn="l">
-              <a:lnSpc>
-                <a:spcPct val="100000"/>
-              </a:lnSpc>
-              <a:spcBef>
-                <a:spcPts val="300"/>
-              </a:spcBef>
-            </a:pPr>
-            <a:endParaRPr lang="sk-SK" sz="1800" dirty="0">
-              <a:solidFill>
-                <a:schemeClr val="bg1"/>
-              </a:solidFill>
-              <a:effectLst/>
-              <a:latin typeface="Lucida Console" panose="020B0609040504020204" pitchFamily="49" charset="0"/>
-            </a:endParaRPr>
-          </a:p>
-          <a:p>
-            <a:pPr algn="l">
-              <a:lnSpc>
-                <a:spcPct val="100000"/>
-              </a:lnSpc>
-              <a:spcBef>
-                <a:spcPts val="300"/>
-              </a:spcBef>
+              <a:spcAft>
+                <a:spcPts val="800"/>
+              </a:spcAft>
             </a:pPr>
             <a:r>
               <a:rPr lang="sk-SK" sz="1800" dirty="0">
@@ -13914,16 +12872,441 @@
                 </a:solidFill>
                 <a:effectLst/>
                 <a:latin typeface="Lucida Console" panose="020B0609040504020204" pitchFamily="49" charset="0"/>
+                <a:ea typeface="Calibri" panose="020F0502020204030204" pitchFamily="34" charset="0"/>
+                <a:cs typeface="Times New Roman" panose="02020603050405020304" pitchFamily="18" charset="0"/>
               </a:rPr>
-              <a:t>   -úprava pracovných listov podľa výsledkov z dotazníka</a:t>
-            </a:r>
+              <a:t>-inšpirácia pre ostatných a podporenie v rozvíjaní takýchto prác</a:t>
+            </a:r>
+          </a:p>
+        </p:txBody>
+      </p:sp>
+      <p:sp>
+        <p:nvSpPr>
+          <p:cNvPr id="12" name="Obdĺžnik 11">
+            <a:extLst>
+              <a:ext uri="{FF2B5EF4-FFF2-40B4-BE49-F238E27FC236}">
+                <a16:creationId xmlns:a16="http://schemas.microsoft.com/office/drawing/2014/main" id="{5055D996-73F5-49DC-01A8-97E9E2A0C496}"/>
+              </a:ext>
+            </a:extLst>
+          </p:cNvPr>
+          <p:cNvSpPr/>
+          <p:nvPr/>
+        </p:nvSpPr>
+        <p:spPr>
+          <a:xfrm rot="18501081">
+            <a:off x="7202792" y="6401210"/>
+            <a:ext cx="9220123" cy="532110"/>
+          </a:xfrm>
+          <a:prstGeom prst="rect">
+            <a:avLst/>
+          </a:prstGeom>
+          <a:gradFill>
+            <a:gsLst>
+              <a:gs pos="35000">
+                <a:srgbClr val="CCFF99">
+                  <a:lumMod val="96000"/>
+                </a:srgbClr>
+              </a:gs>
+              <a:gs pos="66000">
+                <a:schemeClr val="accent1"/>
+              </a:gs>
+            </a:gsLst>
+            <a:path path="circle">
+              <a:fillToRect l="100000" b="100000"/>
+            </a:path>
+          </a:gradFill>
+          <a:ln>
+            <a:noFill/>
+          </a:ln>
+        </p:spPr>
+        <p:style>
+          <a:lnRef idx="2">
+            <a:schemeClr val="accent1">
+              <a:shade val="50000"/>
+            </a:schemeClr>
+          </a:lnRef>
+          <a:fillRef idx="1">
+            <a:schemeClr val="accent1"/>
+          </a:fillRef>
+          <a:effectRef idx="0">
+            <a:schemeClr val="accent1"/>
+          </a:effectRef>
+          <a:fontRef idx="minor">
+            <a:schemeClr val="lt1"/>
+          </a:fontRef>
+        </p:style>
+        <p:txBody>
+          <a:bodyPr rtlCol="0" anchor="ctr"/>
+          <a:lstStyle/>
+          <a:p>
+            <a:pPr algn="ctr"/>
+            <a:endParaRPr lang="sk-SK"/>
+          </a:p>
+        </p:txBody>
+      </p:sp>
+      <p:sp>
+        <p:nvSpPr>
+          <p:cNvPr id="15" name="Obdĺžnik 14">
+            <a:extLst>
+              <a:ext uri="{FF2B5EF4-FFF2-40B4-BE49-F238E27FC236}">
+                <a16:creationId xmlns:a16="http://schemas.microsoft.com/office/drawing/2014/main" id="{F6F91D1D-3237-8E09-7C15-D3C61189B1A0}"/>
+              </a:ext>
+            </a:extLst>
+          </p:cNvPr>
+          <p:cNvSpPr/>
+          <p:nvPr/>
+        </p:nvSpPr>
+        <p:spPr>
+          <a:xfrm rot="18501081">
+            <a:off x="6707938" y="5722176"/>
+            <a:ext cx="9221473" cy="194591"/>
+          </a:xfrm>
+          <a:prstGeom prst="rect">
+            <a:avLst/>
+          </a:prstGeom>
+          <a:gradFill>
+            <a:gsLst>
+              <a:gs pos="35000">
+                <a:srgbClr val="CCFF99">
+                  <a:lumMod val="96000"/>
+                </a:srgbClr>
+              </a:gs>
+              <a:gs pos="66000">
+                <a:schemeClr val="accent1"/>
+              </a:gs>
+            </a:gsLst>
+            <a:path path="circle">
+              <a:fillToRect l="100000" b="100000"/>
+            </a:path>
+          </a:gradFill>
+          <a:ln>
+            <a:noFill/>
+          </a:ln>
+        </p:spPr>
+        <p:style>
+          <a:lnRef idx="2">
+            <a:schemeClr val="accent1">
+              <a:shade val="50000"/>
+            </a:schemeClr>
+          </a:lnRef>
+          <a:fillRef idx="1">
+            <a:schemeClr val="accent1"/>
+          </a:fillRef>
+          <a:effectRef idx="0">
+            <a:schemeClr val="accent1"/>
+          </a:effectRef>
+          <a:fontRef idx="minor">
+            <a:schemeClr val="lt1"/>
+          </a:fontRef>
+        </p:style>
+        <p:txBody>
+          <a:bodyPr rtlCol="0" anchor="ctr"/>
+          <a:lstStyle/>
+          <a:p>
+            <a:pPr algn="ctr"/>
+            <a:endParaRPr lang="sk-SK"/>
+          </a:p>
+        </p:txBody>
+      </p:sp>
+      <p:sp>
+        <p:nvSpPr>
+          <p:cNvPr id="17" name="Obdĺžnik 16">
+            <a:extLst>
+              <a:ext uri="{FF2B5EF4-FFF2-40B4-BE49-F238E27FC236}">
+                <a16:creationId xmlns:a16="http://schemas.microsoft.com/office/drawing/2014/main" id="{024A4C29-8C71-65B4-DE0A-53664A65CBB3}"/>
+              </a:ext>
+            </a:extLst>
+          </p:cNvPr>
+          <p:cNvSpPr/>
+          <p:nvPr/>
+        </p:nvSpPr>
+        <p:spPr>
+          <a:xfrm rot="18501081">
+            <a:off x="6649400" y="4466918"/>
+            <a:ext cx="9220123" cy="532110"/>
+          </a:xfrm>
+          <a:prstGeom prst="rect">
+            <a:avLst/>
+          </a:prstGeom>
+          <a:gradFill>
+            <a:gsLst>
+              <a:gs pos="35000">
+                <a:srgbClr val="CCFF99">
+                  <a:lumMod val="96000"/>
+                </a:srgbClr>
+              </a:gs>
+              <a:gs pos="66000">
+                <a:schemeClr val="accent1"/>
+              </a:gs>
+            </a:gsLst>
+            <a:path path="circle">
+              <a:fillToRect l="100000" b="100000"/>
+            </a:path>
+          </a:gradFill>
+          <a:ln>
+            <a:noFill/>
+          </a:ln>
+        </p:spPr>
+        <p:style>
+          <a:lnRef idx="2">
+            <a:schemeClr val="accent1">
+              <a:shade val="50000"/>
+            </a:schemeClr>
+          </a:lnRef>
+          <a:fillRef idx="1">
+            <a:schemeClr val="accent1"/>
+          </a:fillRef>
+          <a:effectRef idx="0">
+            <a:schemeClr val="accent1"/>
+          </a:effectRef>
+          <a:fontRef idx="minor">
+            <a:schemeClr val="lt1"/>
+          </a:fontRef>
+        </p:style>
+        <p:txBody>
+          <a:bodyPr rtlCol="0" anchor="ctr"/>
+          <a:lstStyle/>
+          <a:p>
+            <a:pPr algn="ctr"/>
+            <a:endParaRPr lang="sk-SK"/>
+          </a:p>
+        </p:txBody>
+      </p:sp>
+      <p:pic>
+        <p:nvPicPr>
+          <p:cNvPr id="18" name="Graphic 7">
+            <a:extLst>
+              <a:ext uri="{FF2B5EF4-FFF2-40B4-BE49-F238E27FC236}">
+                <a16:creationId xmlns:a16="http://schemas.microsoft.com/office/drawing/2014/main" id="{583881E4-80D4-4F32-E741-876E0AFDE959}"/>
+              </a:ext>
+            </a:extLst>
+          </p:cNvPr>
+          <p:cNvPicPr>
+            <a:picLocks noChangeAspect="1"/>
+          </p:cNvPicPr>
+          <p:nvPr/>
+        </p:nvPicPr>
+        <p:blipFill>
+          <a:blip r:embed="rId3" cstate="email">
+            <a:extLst>
+              <a:ext uri="{28A0092B-C50C-407E-A947-70E740481C1C}">
+                <a14:useLocalDpi xmlns:a14="http://schemas.microsoft.com/office/drawing/2010/main"/>
+              </a:ext>
+              <a:ext uri="{96DAC541-7B7A-43D3-8B79-37D633B846F1}">
+                <asvg:svgBlip xmlns:asvg="http://schemas.microsoft.com/office/drawing/2016/SVG/main" r:embed="rId4"/>
+              </a:ext>
+            </a:extLst>
+          </a:blip>
+          <a:stretch>
+            <a:fillRect/>
+          </a:stretch>
+        </p:blipFill>
+        <p:spPr>
+          <a:xfrm flipV="1">
+            <a:off x="706971" y="2282347"/>
+            <a:ext cx="10309374" cy="375775"/>
+          </a:xfrm>
+          <a:prstGeom prst="rect">
+            <a:avLst/>
+          </a:prstGeom>
+        </p:spPr>
+      </p:pic>
+      <p:sp>
+        <p:nvSpPr>
+          <p:cNvPr id="2" name="!!kruh">
+            <a:extLst>
+              <a:ext uri="{FF2B5EF4-FFF2-40B4-BE49-F238E27FC236}">
+                <a16:creationId xmlns:a16="http://schemas.microsoft.com/office/drawing/2014/main" id="{03D922F6-7B39-AB8E-3EA6-B271586C970A}"/>
+              </a:ext>
+            </a:extLst>
+          </p:cNvPr>
+          <p:cNvSpPr/>
+          <p:nvPr/>
+        </p:nvSpPr>
+        <p:spPr>
+          <a:xfrm>
+            <a:off x="7793269" y="-4375804"/>
+            <a:ext cx="3807735" cy="3780463"/>
+          </a:xfrm>
+          <a:prstGeom prst="ellipse">
+            <a:avLst/>
+          </a:prstGeom>
+          <a:gradFill>
+            <a:gsLst>
+              <a:gs pos="35000">
+                <a:srgbClr val="CCFF99"/>
+              </a:gs>
+              <a:gs pos="66000">
+                <a:schemeClr val="accent1"/>
+              </a:gs>
+            </a:gsLst>
+            <a:path path="circle">
+              <a:fillToRect r="100000" b="100000"/>
+            </a:path>
+          </a:gradFill>
+          <a:ln w="177800">
+            <a:solidFill>
+              <a:srgbClr val="313944"/>
+            </a:solidFill>
+          </a:ln>
+        </p:spPr>
+        <p:style>
+          <a:lnRef idx="2">
+            <a:schemeClr val="accent1">
+              <a:shade val="50000"/>
+            </a:schemeClr>
+          </a:lnRef>
+          <a:fillRef idx="1">
+            <a:schemeClr val="accent1"/>
+          </a:fillRef>
+          <a:effectRef idx="0">
+            <a:schemeClr val="accent1"/>
+          </a:effectRef>
+          <a:fontRef idx="minor">
+            <a:schemeClr val="lt1"/>
+          </a:fontRef>
+        </p:style>
+        <p:txBody>
+          <a:bodyPr rtlCol="0" anchor="ctr"/>
+          <a:lstStyle/>
+          <a:p>
+            <a:pPr algn="ctr"/>
+            <a:endParaRPr lang="sk-SK"/>
+          </a:p>
+        </p:txBody>
+      </p:sp>
+      <p:sp>
+        <p:nvSpPr>
+          <p:cNvPr id="4" name="!!kruh">
+            <a:extLst>
+              <a:ext uri="{FF2B5EF4-FFF2-40B4-BE49-F238E27FC236}">
+                <a16:creationId xmlns:a16="http://schemas.microsoft.com/office/drawing/2014/main" id="{A5A0614D-2D3D-E002-BD75-F1F52EE2D8D1}"/>
+              </a:ext>
+            </a:extLst>
+          </p:cNvPr>
+          <p:cNvSpPr/>
+          <p:nvPr/>
+        </p:nvSpPr>
+        <p:spPr>
+          <a:xfrm>
+            <a:off x="-4222742" y="-2499633"/>
+            <a:ext cx="3807735" cy="3780463"/>
+          </a:xfrm>
+          <a:prstGeom prst="ellipse">
+            <a:avLst/>
+          </a:prstGeom>
+          <a:gradFill>
+            <a:gsLst>
+              <a:gs pos="35000">
+                <a:srgbClr val="CCFF99"/>
+              </a:gs>
+              <a:gs pos="66000">
+                <a:schemeClr val="accent1"/>
+              </a:gs>
+            </a:gsLst>
+            <a:path path="circle">
+              <a:fillToRect r="100000" b="100000"/>
+            </a:path>
+          </a:gradFill>
+          <a:ln w="177800">
+            <a:solidFill>
+              <a:srgbClr val="313944"/>
+            </a:solidFill>
+          </a:ln>
+        </p:spPr>
+        <p:style>
+          <a:lnRef idx="2">
+            <a:schemeClr val="accent1">
+              <a:shade val="50000"/>
+            </a:schemeClr>
+          </a:lnRef>
+          <a:fillRef idx="1">
+            <a:schemeClr val="accent1"/>
+          </a:fillRef>
+          <a:effectRef idx="0">
+            <a:schemeClr val="accent1"/>
+          </a:effectRef>
+          <a:fontRef idx="minor">
+            <a:schemeClr val="lt1"/>
+          </a:fontRef>
+        </p:style>
+        <p:txBody>
+          <a:bodyPr rtlCol="0" anchor="ctr"/>
+          <a:lstStyle/>
+          <a:p>
+            <a:pPr algn="ctr"/>
+            <a:endParaRPr lang="sk-SK"/>
+          </a:p>
+        </p:txBody>
+      </p:sp>
+      <p:sp>
+        <p:nvSpPr>
+          <p:cNvPr id="5" name="!!kruh">
+            <a:extLst>
+              <a:ext uri="{FF2B5EF4-FFF2-40B4-BE49-F238E27FC236}">
+                <a16:creationId xmlns:a16="http://schemas.microsoft.com/office/drawing/2014/main" id="{C052EA57-C2C7-3E5D-1384-85DD5C9C9E32}"/>
+              </a:ext>
+            </a:extLst>
+          </p:cNvPr>
+          <p:cNvSpPr/>
+          <p:nvPr/>
+        </p:nvSpPr>
+        <p:spPr>
+          <a:xfrm>
+            <a:off x="-8591550" y="1609737"/>
+            <a:ext cx="8038157" cy="7980586"/>
+          </a:xfrm>
+          <a:prstGeom prst="ellipse">
+            <a:avLst/>
+          </a:prstGeom>
+          <a:gradFill>
+            <a:gsLst>
+              <a:gs pos="35000">
+                <a:srgbClr val="CCFF99"/>
+              </a:gs>
+              <a:gs pos="66000">
+                <a:schemeClr val="accent1"/>
+              </a:gs>
+            </a:gsLst>
+            <a:path path="circle">
+              <a:fillToRect r="100000" b="100000"/>
+            </a:path>
+          </a:gradFill>
+          <a:ln w="177800">
+            <a:solidFill>
+              <a:srgbClr val="313944"/>
+            </a:solidFill>
+          </a:ln>
+        </p:spPr>
+        <p:style>
+          <a:lnRef idx="2">
+            <a:schemeClr val="accent1">
+              <a:shade val="50000"/>
+            </a:schemeClr>
+          </a:lnRef>
+          <a:fillRef idx="1">
+            <a:schemeClr val="accent1"/>
+          </a:fillRef>
+          <a:effectRef idx="0">
+            <a:schemeClr val="accent1"/>
+          </a:effectRef>
+          <a:fontRef idx="minor">
+            <a:schemeClr val="lt1"/>
+          </a:fontRef>
+        </p:style>
+        <p:txBody>
+          <a:bodyPr rtlCol="0" anchor="ctr"/>
+          <a:lstStyle/>
+          <a:p>
+            <a:pPr algn="ctr"/>
+            <a:endParaRPr lang="sk-SK"/>
           </a:p>
         </p:txBody>
       </p:sp>
     </p:spTree>
     <p:extLst>
       <p:ext uri="{BB962C8B-B14F-4D97-AF65-F5344CB8AC3E}">
-        <p14:creationId xmlns:p14="http://schemas.microsoft.com/office/powerpoint/2010/main" val="2186824041"/>
+        <p14:creationId xmlns:p14="http://schemas.microsoft.com/office/powerpoint/2010/main" val="1718227956"/>
       </p:ext>
     </p:extLst>
   </p:cSld>
